--- a/Villou_MIDI_TO_DMX_vAnniv/doc/Description.pptx
+++ b/Villou_MIDI_TO_DMX_vAnniv/doc/Description.pptx
@@ -23295,6 +23295,251 @@
         <p:spPr>
           <a:xfrm>
             <a:off x="4937021" y="5759931"/>
+            <a:ext cx="285134" cy="281411"/>
+          </a:xfrm>
+          <a:prstGeom prst="ellipse">
+            <a:avLst/>
+          </a:prstGeom>
+          <a:solidFill>
+            <a:srgbClr val="FF0000"/>
+          </a:solidFill>
+        </p:spPr>
+        <p:style>
+          <a:lnRef idx="2">
+            <a:schemeClr val="accent1">
+              <a:shade val="50000"/>
+            </a:schemeClr>
+          </a:lnRef>
+          <a:fillRef idx="1">
+            <a:schemeClr val="accent1"/>
+          </a:fillRef>
+          <a:effectRef idx="0">
+            <a:schemeClr val="accent1"/>
+          </a:effectRef>
+          <a:fontRef idx="minor">
+            <a:schemeClr val="lt1"/>
+          </a:fontRef>
+        </p:style>
+        <p:txBody>
+          <a:bodyPr rtlCol="0" anchor="ctr"/>
+          <a:lstStyle/>
+          <a:p>
+            <a:pPr algn="ctr"/>
+            <a:endParaRPr lang="fr-FR"/>
+          </a:p>
+        </p:txBody>
+      </p:sp>
+      <p:sp>
+        <p:nvSpPr>
+          <p:cNvPr id="70" name="Ellipse 69">
+            <a:extLst>
+              <a:ext uri="{FF2B5EF4-FFF2-40B4-BE49-F238E27FC236}">
+                <a16:creationId xmlns:a16="http://schemas.microsoft.com/office/drawing/2014/main" id="{E742E88A-C40F-EE5B-4421-B4B4D8D284B0}"/>
+              </a:ext>
+            </a:extLst>
+          </p:cNvPr>
+          <p:cNvSpPr/>
+          <p:nvPr/>
+        </p:nvSpPr>
+        <p:spPr>
+          <a:xfrm>
+            <a:off x="13187" y="5121735"/>
+            <a:ext cx="285134" cy="281411"/>
+          </a:xfrm>
+          <a:prstGeom prst="ellipse">
+            <a:avLst/>
+          </a:prstGeom>
+          <a:solidFill>
+            <a:srgbClr val="FF0000"/>
+          </a:solidFill>
+        </p:spPr>
+        <p:style>
+          <a:lnRef idx="2">
+            <a:schemeClr val="accent1">
+              <a:shade val="50000"/>
+            </a:schemeClr>
+          </a:lnRef>
+          <a:fillRef idx="1">
+            <a:schemeClr val="accent1"/>
+          </a:fillRef>
+          <a:effectRef idx="0">
+            <a:schemeClr val="accent1"/>
+          </a:effectRef>
+          <a:fontRef idx="minor">
+            <a:schemeClr val="lt1"/>
+          </a:fontRef>
+        </p:style>
+        <p:txBody>
+          <a:bodyPr rtlCol="0" anchor="ctr"/>
+          <a:lstStyle/>
+          <a:p>
+            <a:pPr algn="ctr"/>
+            <a:endParaRPr lang="fr-FR"/>
+          </a:p>
+        </p:txBody>
+      </p:sp>
+      <p:sp>
+        <p:nvSpPr>
+          <p:cNvPr id="83" name="Ellipse 82">
+            <a:extLst>
+              <a:ext uri="{FF2B5EF4-FFF2-40B4-BE49-F238E27FC236}">
+                <a16:creationId xmlns:a16="http://schemas.microsoft.com/office/drawing/2014/main" id="{88B98594-E635-5EDA-074F-18E042D9CA7D}"/>
+              </a:ext>
+            </a:extLst>
+          </p:cNvPr>
+          <p:cNvSpPr/>
+          <p:nvPr/>
+        </p:nvSpPr>
+        <p:spPr>
+          <a:xfrm>
+            <a:off x="2665425" y="5093036"/>
+            <a:ext cx="285134" cy="281411"/>
+          </a:xfrm>
+          <a:prstGeom prst="ellipse">
+            <a:avLst/>
+          </a:prstGeom>
+          <a:solidFill>
+            <a:srgbClr val="FF0000"/>
+          </a:solidFill>
+        </p:spPr>
+        <p:style>
+          <a:lnRef idx="2">
+            <a:schemeClr val="accent1">
+              <a:shade val="50000"/>
+            </a:schemeClr>
+          </a:lnRef>
+          <a:fillRef idx="1">
+            <a:schemeClr val="accent1"/>
+          </a:fillRef>
+          <a:effectRef idx="0">
+            <a:schemeClr val="accent1"/>
+          </a:effectRef>
+          <a:fontRef idx="minor">
+            <a:schemeClr val="lt1"/>
+          </a:fontRef>
+        </p:style>
+        <p:txBody>
+          <a:bodyPr rtlCol="0" anchor="ctr"/>
+          <a:lstStyle/>
+          <a:p>
+            <a:pPr algn="ctr"/>
+            <a:endParaRPr lang="fr-FR"/>
+          </a:p>
+        </p:txBody>
+      </p:sp>
+      <p:sp>
+        <p:nvSpPr>
+          <p:cNvPr id="84" name="Ellipse 83">
+            <a:extLst>
+              <a:ext uri="{FF2B5EF4-FFF2-40B4-BE49-F238E27FC236}">
+                <a16:creationId xmlns:a16="http://schemas.microsoft.com/office/drawing/2014/main" id="{9EFEB3B4-A83A-A284-8CB7-A71E04650BB2}"/>
+              </a:ext>
+            </a:extLst>
+          </p:cNvPr>
+          <p:cNvSpPr/>
+          <p:nvPr/>
+        </p:nvSpPr>
+        <p:spPr>
+          <a:xfrm>
+            <a:off x="871626" y="5099474"/>
+            <a:ext cx="285134" cy="281411"/>
+          </a:xfrm>
+          <a:prstGeom prst="ellipse">
+            <a:avLst/>
+          </a:prstGeom>
+          <a:solidFill>
+            <a:srgbClr val="FF0000"/>
+          </a:solidFill>
+        </p:spPr>
+        <p:style>
+          <a:lnRef idx="2">
+            <a:schemeClr val="accent1">
+              <a:shade val="50000"/>
+            </a:schemeClr>
+          </a:lnRef>
+          <a:fillRef idx="1">
+            <a:schemeClr val="accent1"/>
+          </a:fillRef>
+          <a:effectRef idx="0">
+            <a:schemeClr val="accent1"/>
+          </a:effectRef>
+          <a:fontRef idx="minor">
+            <a:schemeClr val="lt1"/>
+          </a:fontRef>
+        </p:style>
+        <p:txBody>
+          <a:bodyPr rtlCol="0" anchor="ctr"/>
+          <a:lstStyle/>
+          <a:p>
+            <a:pPr algn="ctr"/>
+            <a:endParaRPr lang="fr-FR"/>
+          </a:p>
+        </p:txBody>
+      </p:sp>
+      <p:sp>
+        <p:nvSpPr>
+          <p:cNvPr id="85" name="Ellipse 84">
+            <a:extLst>
+              <a:ext uri="{FF2B5EF4-FFF2-40B4-BE49-F238E27FC236}">
+                <a16:creationId xmlns:a16="http://schemas.microsoft.com/office/drawing/2014/main" id="{8C62AA91-6B9E-E3F2-0D5A-1814D5B83181}"/>
+              </a:ext>
+            </a:extLst>
+          </p:cNvPr>
+          <p:cNvSpPr/>
+          <p:nvPr/>
+        </p:nvSpPr>
+        <p:spPr>
+          <a:xfrm>
+            <a:off x="1828818" y="5121394"/>
+            <a:ext cx="285134" cy="281411"/>
+          </a:xfrm>
+          <a:prstGeom prst="ellipse">
+            <a:avLst/>
+          </a:prstGeom>
+          <a:solidFill>
+            <a:srgbClr val="FF0000"/>
+          </a:solidFill>
+        </p:spPr>
+        <p:style>
+          <a:lnRef idx="2">
+            <a:schemeClr val="accent1">
+              <a:shade val="50000"/>
+            </a:schemeClr>
+          </a:lnRef>
+          <a:fillRef idx="1">
+            <a:schemeClr val="accent1"/>
+          </a:fillRef>
+          <a:effectRef idx="0">
+            <a:schemeClr val="accent1"/>
+          </a:effectRef>
+          <a:fontRef idx="minor">
+            <a:schemeClr val="lt1"/>
+          </a:fontRef>
+        </p:style>
+        <p:txBody>
+          <a:bodyPr rtlCol="0" anchor="ctr"/>
+          <a:lstStyle/>
+          <a:p>
+            <a:pPr algn="ctr"/>
+            <a:endParaRPr lang="fr-FR"/>
+          </a:p>
+        </p:txBody>
+      </p:sp>
+      <p:sp>
+        <p:nvSpPr>
+          <p:cNvPr id="86" name="Ellipse 85">
+            <a:extLst>
+              <a:ext uri="{FF2B5EF4-FFF2-40B4-BE49-F238E27FC236}">
+                <a16:creationId xmlns:a16="http://schemas.microsoft.com/office/drawing/2014/main" id="{D84A6A9F-2D59-F1B7-275C-46604D44D199}"/>
+              </a:ext>
+            </a:extLst>
+          </p:cNvPr>
+          <p:cNvSpPr/>
+          <p:nvPr/>
+        </p:nvSpPr>
+        <p:spPr>
+          <a:xfrm>
+            <a:off x="4078582" y="6435580"/>
             <a:ext cx="285134" cy="281411"/>
           </a:xfrm>
           <a:prstGeom prst="ellipse">

--- a/Villou_MIDI_TO_DMX_vAnniv/doc/Description.pptx
+++ b/Villou_MIDI_TO_DMX_vAnniv/doc/Description.pptx
@@ -116,7 +116,7 @@
   </p:defaultTextStyle>
   <p:extLst>
     <p:ext uri="{EFAFB233-063F-42B5-8137-9DF3F51BA10A}">
-      <p15:sldGuideLst xmlns:p15="http://schemas.microsoft.com/office/powerpoint/2012/main"/>
+      <p15:sldGuideLst xmlns:p15="http://schemas.microsoft.com/office/powerpoint/2012/main" xmlns=""/>
     </p:ext>
   </p:extLst>
 </p:presentation>
@@ -204,7 +204,7 @@
           <a:p>
             <a:fld id="{BCCC2FA3-AF76-4296-BBD8-4FE46FDC6049}" type="datetimeFigureOut">
               <a:rPr lang="fr-FR" smtClean="0"/>
-              <a:t>05/06/2023</a:t>
+              <a:t>06/06/2023</a:t>
             </a:fld>
             <a:endParaRPr lang="fr-FR"/>
           </a:p>
@@ -577,7 +577,7 @@
           <p:cNvPr id="2" name="Titre 1">
             <a:extLst>
               <a:ext uri="{FF2B5EF4-FFF2-40B4-BE49-F238E27FC236}">
-                <a16:creationId xmlns:a16="http://schemas.microsoft.com/office/drawing/2014/main" id="{2545D8C5-5B09-4276-A0E8-3D47711BF8C4}"/>
+                <a16:creationId xmlns:a16="http://schemas.microsoft.com/office/drawing/2014/main" xmlns="" id="{2545D8C5-5B09-4276-A0E8-3D47711BF8C4}"/>
               </a:ext>
             </a:extLst>
           </p:cNvPr>
@@ -614,7 +614,7 @@
           <p:cNvPr id="3" name="Sous-titre 2">
             <a:extLst>
               <a:ext uri="{FF2B5EF4-FFF2-40B4-BE49-F238E27FC236}">
-                <a16:creationId xmlns:a16="http://schemas.microsoft.com/office/drawing/2014/main" id="{1700DFA3-3567-4C80-B47B-1607AF11ACE2}"/>
+                <a16:creationId xmlns:a16="http://schemas.microsoft.com/office/drawing/2014/main" xmlns="" id="{1700DFA3-3567-4C80-B47B-1607AF11ACE2}"/>
               </a:ext>
             </a:extLst>
           </p:cNvPr>
@@ -684,7 +684,7 @@
           <p:cNvPr id="4" name="Espace réservé de la date 3">
             <a:extLst>
               <a:ext uri="{FF2B5EF4-FFF2-40B4-BE49-F238E27FC236}">
-                <a16:creationId xmlns:a16="http://schemas.microsoft.com/office/drawing/2014/main" id="{9C4A9DDA-1304-482A-85F2-F7F599A347B6}"/>
+                <a16:creationId xmlns:a16="http://schemas.microsoft.com/office/drawing/2014/main" xmlns="" id="{9C4A9DDA-1304-482A-85F2-F7F599A347B6}"/>
               </a:ext>
             </a:extLst>
           </p:cNvPr>
@@ -702,7 +702,7 @@
           <a:p>
             <a:fld id="{22DA2507-32C4-47C5-A245-63452B7A5ADE}" type="datetimeFigureOut">
               <a:rPr lang="fr-FR" smtClean="0"/>
-              <a:t>05/06/2023</a:t>
+              <a:t>06/06/2023</a:t>
             </a:fld>
             <a:endParaRPr lang="fr-FR"/>
           </a:p>
@@ -713,7 +713,7 @@
           <p:cNvPr id="5" name="Espace réservé du pied de page 4">
             <a:extLst>
               <a:ext uri="{FF2B5EF4-FFF2-40B4-BE49-F238E27FC236}">
-                <a16:creationId xmlns:a16="http://schemas.microsoft.com/office/drawing/2014/main" id="{551F56C6-2A46-4422-A0BB-D3E6B060BA33}"/>
+                <a16:creationId xmlns:a16="http://schemas.microsoft.com/office/drawing/2014/main" xmlns="" id="{551F56C6-2A46-4422-A0BB-D3E6B060BA33}"/>
               </a:ext>
             </a:extLst>
           </p:cNvPr>
@@ -738,7 +738,7 @@
           <p:cNvPr id="6" name="Espace réservé du numéro de diapositive 5">
             <a:extLst>
               <a:ext uri="{FF2B5EF4-FFF2-40B4-BE49-F238E27FC236}">
-                <a16:creationId xmlns:a16="http://schemas.microsoft.com/office/drawing/2014/main" id="{932C659A-921F-4198-B8E4-16D1C4E5C182}"/>
+                <a16:creationId xmlns:a16="http://schemas.microsoft.com/office/drawing/2014/main" xmlns="" id="{932C659A-921F-4198-B8E4-16D1C4E5C182}"/>
               </a:ext>
             </a:extLst>
           </p:cNvPr>
@@ -797,7 +797,7 @@
           <p:cNvPr id="2" name="Titre 1">
             <a:extLst>
               <a:ext uri="{FF2B5EF4-FFF2-40B4-BE49-F238E27FC236}">
-                <a16:creationId xmlns:a16="http://schemas.microsoft.com/office/drawing/2014/main" id="{BB047615-2D8D-418C-83A2-E2E5BFD313E8}"/>
+                <a16:creationId xmlns:a16="http://schemas.microsoft.com/office/drawing/2014/main" xmlns="" id="{BB047615-2D8D-418C-83A2-E2E5BFD313E8}"/>
               </a:ext>
             </a:extLst>
           </p:cNvPr>
@@ -825,7 +825,7 @@
           <p:cNvPr id="3" name="Espace réservé du texte vertical 2">
             <a:extLst>
               <a:ext uri="{FF2B5EF4-FFF2-40B4-BE49-F238E27FC236}">
-                <a16:creationId xmlns:a16="http://schemas.microsoft.com/office/drawing/2014/main" id="{96F6CEDB-4864-4BDB-8703-2CAE3C8D0EEF}"/>
+                <a16:creationId xmlns:a16="http://schemas.microsoft.com/office/drawing/2014/main" xmlns="" id="{96F6CEDB-4864-4BDB-8703-2CAE3C8D0EEF}"/>
               </a:ext>
             </a:extLst>
           </p:cNvPr>
@@ -882,7 +882,7 @@
           <p:cNvPr id="4" name="Espace réservé de la date 3">
             <a:extLst>
               <a:ext uri="{FF2B5EF4-FFF2-40B4-BE49-F238E27FC236}">
-                <a16:creationId xmlns:a16="http://schemas.microsoft.com/office/drawing/2014/main" id="{1FC49061-EF30-4F26-B821-E7BDB3659205}"/>
+                <a16:creationId xmlns:a16="http://schemas.microsoft.com/office/drawing/2014/main" xmlns="" id="{1FC49061-EF30-4F26-B821-E7BDB3659205}"/>
               </a:ext>
             </a:extLst>
           </p:cNvPr>
@@ -900,7 +900,7 @@
           <a:p>
             <a:fld id="{22DA2507-32C4-47C5-A245-63452B7A5ADE}" type="datetimeFigureOut">
               <a:rPr lang="fr-FR" smtClean="0"/>
-              <a:t>05/06/2023</a:t>
+              <a:t>06/06/2023</a:t>
             </a:fld>
             <a:endParaRPr lang="fr-FR"/>
           </a:p>
@@ -911,7 +911,7 @@
           <p:cNvPr id="5" name="Espace réservé du pied de page 4">
             <a:extLst>
               <a:ext uri="{FF2B5EF4-FFF2-40B4-BE49-F238E27FC236}">
-                <a16:creationId xmlns:a16="http://schemas.microsoft.com/office/drawing/2014/main" id="{6CA67E49-5DAF-46C9-86CB-DE1374FEE980}"/>
+                <a16:creationId xmlns:a16="http://schemas.microsoft.com/office/drawing/2014/main" xmlns="" id="{6CA67E49-5DAF-46C9-86CB-DE1374FEE980}"/>
               </a:ext>
             </a:extLst>
           </p:cNvPr>
@@ -936,7 +936,7 @@
           <p:cNvPr id="6" name="Espace réservé du numéro de diapositive 5">
             <a:extLst>
               <a:ext uri="{FF2B5EF4-FFF2-40B4-BE49-F238E27FC236}">
-                <a16:creationId xmlns:a16="http://schemas.microsoft.com/office/drawing/2014/main" id="{362D19A4-A189-4B66-8525-9BBACBE332CC}"/>
+                <a16:creationId xmlns:a16="http://schemas.microsoft.com/office/drawing/2014/main" xmlns="" id="{362D19A4-A189-4B66-8525-9BBACBE332CC}"/>
               </a:ext>
             </a:extLst>
           </p:cNvPr>
@@ -995,7 +995,7 @@
           <p:cNvPr id="2" name="Titre vertical 1">
             <a:extLst>
               <a:ext uri="{FF2B5EF4-FFF2-40B4-BE49-F238E27FC236}">
-                <a16:creationId xmlns:a16="http://schemas.microsoft.com/office/drawing/2014/main" id="{83870ABD-1D4F-401C-B56E-D81F0500A4A4}"/>
+                <a16:creationId xmlns:a16="http://schemas.microsoft.com/office/drawing/2014/main" xmlns="" id="{83870ABD-1D4F-401C-B56E-D81F0500A4A4}"/>
               </a:ext>
             </a:extLst>
           </p:cNvPr>
@@ -1028,7 +1028,7 @@
           <p:cNvPr id="3" name="Espace réservé du texte vertical 2">
             <a:extLst>
               <a:ext uri="{FF2B5EF4-FFF2-40B4-BE49-F238E27FC236}">
-                <a16:creationId xmlns:a16="http://schemas.microsoft.com/office/drawing/2014/main" id="{E13CA938-08D9-4D7C-AC01-076F577A69F2}"/>
+                <a16:creationId xmlns:a16="http://schemas.microsoft.com/office/drawing/2014/main" xmlns="" id="{E13CA938-08D9-4D7C-AC01-076F577A69F2}"/>
               </a:ext>
             </a:extLst>
           </p:cNvPr>
@@ -1090,7 +1090,7 @@
           <p:cNvPr id="4" name="Espace réservé de la date 3">
             <a:extLst>
               <a:ext uri="{FF2B5EF4-FFF2-40B4-BE49-F238E27FC236}">
-                <a16:creationId xmlns:a16="http://schemas.microsoft.com/office/drawing/2014/main" id="{B2920290-F0BF-4C1B-9980-1B5F8D3C2CC4}"/>
+                <a16:creationId xmlns:a16="http://schemas.microsoft.com/office/drawing/2014/main" xmlns="" id="{B2920290-F0BF-4C1B-9980-1B5F8D3C2CC4}"/>
               </a:ext>
             </a:extLst>
           </p:cNvPr>
@@ -1108,7 +1108,7 @@
           <a:p>
             <a:fld id="{22DA2507-32C4-47C5-A245-63452B7A5ADE}" type="datetimeFigureOut">
               <a:rPr lang="fr-FR" smtClean="0"/>
-              <a:t>05/06/2023</a:t>
+              <a:t>06/06/2023</a:t>
             </a:fld>
             <a:endParaRPr lang="fr-FR"/>
           </a:p>
@@ -1119,7 +1119,7 @@
           <p:cNvPr id="5" name="Espace réservé du pied de page 4">
             <a:extLst>
               <a:ext uri="{FF2B5EF4-FFF2-40B4-BE49-F238E27FC236}">
-                <a16:creationId xmlns:a16="http://schemas.microsoft.com/office/drawing/2014/main" id="{621B5CC4-3087-4E20-9D47-7859921CF2DC}"/>
+                <a16:creationId xmlns:a16="http://schemas.microsoft.com/office/drawing/2014/main" xmlns="" id="{621B5CC4-3087-4E20-9D47-7859921CF2DC}"/>
               </a:ext>
             </a:extLst>
           </p:cNvPr>
@@ -1144,7 +1144,7 @@
           <p:cNvPr id="6" name="Espace réservé du numéro de diapositive 5">
             <a:extLst>
               <a:ext uri="{FF2B5EF4-FFF2-40B4-BE49-F238E27FC236}">
-                <a16:creationId xmlns:a16="http://schemas.microsoft.com/office/drawing/2014/main" id="{22C472A0-BED2-44D6-A8DE-6E954D75E443}"/>
+                <a16:creationId xmlns:a16="http://schemas.microsoft.com/office/drawing/2014/main" xmlns="" id="{22C472A0-BED2-44D6-A8DE-6E954D75E443}"/>
               </a:ext>
             </a:extLst>
           </p:cNvPr>
@@ -1203,7 +1203,7 @@
           <p:cNvPr id="2" name="Titre 1">
             <a:extLst>
               <a:ext uri="{FF2B5EF4-FFF2-40B4-BE49-F238E27FC236}">
-                <a16:creationId xmlns:a16="http://schemas.microsoft.com/office/drawing/2014/main" id="{5455BB09-161B-4A0E-8DDC-BDD2DD2BED30}"/>
+                <a16:creationId xmlns:a16="http://schemas.microsoft.com/office/drawing/2014/main" xmlns="" id="{5455BB09-161B-4A0E-8DDC-BDD2DD2BED30}"/>
               </a:ext>
             </a:extLst>
           </p:cNvPr>
@@ -1231,7 +1231,7 @@
           <p:cNvPr id="3" name="Espace réservé du contenu 2">
             <a:extLst>
               <a:ext uri="{FF2B5EF4-FFF2-40B4-BE49-F238E27FC236}">
-                <a16:creationId xmlns:a16="http://schemas.microsoft.com/office/drawing/2014/main" id="{1A83EAD6-1BD0-402A-863B-62C442BC6EA4}"/>
+                <a16:creationId xmlns:a16="http://schemas.microsoft.com/office/drawing/2014/main" xmlns="" id="{1A83EAD6-1BD0-402A-863B-62C442BC6EA4}"/>
               </a:ext>
             </a:extLst>
           </p:cNvPr>
@@ -1288,7 +1288,7 @@
           <p:cNvPr id="4" name="Espace réservé de la date 3">
             <a:extLst>
               <a:ext uri="{FF2B5EF4-FFF2-40B4-BE49-F238E27FC236}">
-                <a16:creationId xmlns:a16="http://schemas.microsoft.com/office/drawing/2014/main" id="{0DE9E32F-51ED-4C2E-BB09-ABC19A35E0CC}"/>
+                <a16:creationId xmlns:a16="http://schemas.microsoft.com/office/drawing/2014/main" xmlns="" id="{0DE9E32F-51ED-4C2E-BB09-ABC19A35E0CC}"/>
               </a:ext>
             </a:extLst>
           </p:cNvPr>
@@ -1306,7 +1306,7 @@
           <a:p>
             <a:fld id="{22DA2507-32C4-47C5-A245-63452B7A5ADE}" type="datetimeFigureOut">
               <a:rPr lang="fr-FR" smtClean="0"/>
-              <a:t>05/06/2023</a:t>
+              <a:t>06/06/2023</a:t>
             </a:fld>
             <a:endParaRPr lang="fr-FR"/>
           </a:p>
@@ -1317,7 +1317,7 @@
           <p:cNvPr id="5" name="Espace réservé du pied de page 4">
             <a:extLst>
               <a:ext uri="{FF2B5EF4-FFF2-40B4-BE49-F238E27FC236}">
-                <a16:creationId xmlns:a16="http://schemas.microsoft.com/office/drawing/2014/main" id="{4D35B353-375A-4BD0-BE24-0ED6EE090E7D}"/>
+                <a16:creationId xmlns:a16="http://schemas.microsoft.com/office/drawing/2014/main" xmlns="" id="{4D35B353-375A-4BD0-BE24-0ED6EE090E7D}"/>
               </a:ext>
             </a:extLst>
           </p:cNvPr>
@@ -1342,7 +1342,7 @@
           <p:cNvPr id="6" name="Espace réservé du numéro de diapositive 5">
             <a:extLst>
               <a:ext uri="{FF2B5EF4-FFF2-40B4-BE49-F238E27FC236}">
-                <a16:creationId xmlns:a16="http://schemas.microsoft.com/office/drawing/2014/main" id="{E215749F-5F99-48E1-9DAF-59CF41F85667}"/>
+                <a16:creationId xmlns:a16="http://schemas.microsoft.com/office/drawing/2014/main" xmlns="" id="{E215749F-5F99-48E1-9DAF-59CF41F85667}"/>
               </a:ext>
             </a:extLst>
           </p:cNvPr>
@@ -1401,7 +1401,7 @@
           <p:cNvPr id="2" name="Titre 1">
             <a:extLst>
               <a:ext uri="{FF2B5EF4-FFF2-40B4-BE49-F238E27FC236}">
-                <a16:creationId xmlns:a16="http://schemas.microsoft.com/office/drawing/2014/main" id="{C1B4B06D-71E7-42E9-8EFE-B7F6862E8A3B}"/>
+                <a16:creationId xmlns:a16="http://schemas.microsoft.com/office/drawing/2014/main" xmlns="" id="{C1B4B06D-71E7-42E9-8EFE-B7F6862E8A3B}"/>
               </a:ext>
             </a:extLst>
           </p:cNvPr>
@@ -1438,7 +1438,7 @@
           <p:cNvPr id="3" name="Espace réservé du texte 2">
             <a:extLst>
               <a:ext uri="{FF2B5EF4-FFF2-40B4-BE49-F238E27FC236}">
-                <a16:creationId xmlns:a16="http://schemas.microsoft.com/office/drawing/2014/main" id="{D2284505-7CAB-4FD4-A600-F918A86A991E}"/>
+                <a16:creationId xmlns:a16="http://schemas.microsoft.com/office/drawing/2014/main" xmlns="" id="{D2284505-7CAB-4FD4-A600-F918A86A991E}"/>
               </a:ext>
             </a:extLst>
           </p:cNvPr>
@@ -1563,7 +1563,7 @@
           <p:cNvPr id="4" name="Espace réservé de la date 3">
             <a:extLst>
               <a:ext uri="{FF2B5EF4-FFF2-40B4-BE49-F238E27FC236}">
-                <a16:creationId xmlns:a16="http://schemas.microsoft.com/office/drawing/2014/main" id="{499B60EA-5155-4DFD-A4C0-54B17D364B55}"/>
+                <a16:creationId xmlns:a16="http://schemas.microsoft.com/office/drawing/2014/main" xmlns="" id="{499B60EA-5155-4DFD-A4C0-54B17D364B55}"/>
               </a:ext>
             </a:extLst>
           </p:cNvPr>
@@ -1581,7 +1581,7 @@
           <a:p>
             <a:fld id="{22DA2507-32C4-47C5-A245-63452B7A5ADE}" type="datetimeFigureOut">
               <a:rPr lang="fr-FR" smtClean="0"/>
-              <a:t>05/06/2023</a:t>
+              <a:t>06/06/2023</a:t>
             </a:fld>
             <a:endParaRPr lang="fr-FR"/>
           </a:p>
@@ -1592,7 +1592,7 @@
           <p:cNvPr id="5" name="Espace réservé du pied de page 4">
             <a:extLst>
               <a:ext uri="{FF2B5EF4-FFF2-40B4-BE49-F238E27FC236}">
-                <a16:creationId xmlns:a16="http://schemas.microsoft.com/office/drawing/2014/main" id="{F4E37792-BC20-4D89-B4BB-4C18BC145F6E}"/>
+                <a16:creationId xmlns:a16="http://schemas.microsoft.com/office/drawing/2014/main" xmlns="" id="{F4E37792-BC20-4D89-B4BB-4C18BC145F6E}"/>
               </a:ext>
             </a:extLst>
           </p:cNvPr>
@@ -1617,7 +1617,7 @@
           <p:cNvPr id="6" name="Espace réservé du numéro de diapositive 5">
             <a:extLst>
               <a:ext uri="{FF2B5EF4-FFF2-40B4-BE49-F238E27FC236}">
-                <a16:creationId xmlns:a16="http://schemas.microsoft.com/office/drawing/2014/main" id="{C940F0C5-69C9-495D-913B-1883980B219E}"/>
+                <a16:creationId xmlns:a16="http://schemas.microsoft.com/office/drawing/2014/main" xmlns="" id="{C940F0C5-69C9-495D-913B-1883980B219E}"/>
               </a:ext>
             </a:extLst>
           </p:cNvPr>
@@ -1676,7 +1676,7 @@
           <p:cNvPr id="2" name="Titre 1">
             <a:extLst>
               <a:ext uri="{FF2B5EF4-FFF2-40B4-BE49-F238E27FC236}">
-                <a16:creationId xmlns:a16="http://schemas.microsoft.com/office/drawing/2014/main" id="{20EC62D1-4082-4337-B81E-DF91D9C88A57}"/>
+                <a16:creationId xmlns:a16="http://schemas.microsoft.com/office/drawing/2014/main" xmlns="" id="{20EC62D1-4082-4337-B81E-DF91D9C88A57}"/>
               </a:ext>
             </a:extLst>
           </p:cNvPr>
@@ -1704,7 +1704,7 @@
           <p:cNvPr id="3" name="Espace réservé du contenu 2">
             <a:extLst>
               <a:ext uri="{FF2B5EF4-FFF2-40B4-BE49-F238E27FC236}">
-                <a16:creationId xmlns:a16="http://schemas.microsoft.com/office/drawing/2014/main" id="{8D4A3765-A72B-46DF-8288-323290173098}"/>
+                <a16:creationId xmlns:a16="http://schemas.microsoft.com/office/drawing/2014/main" xmlns="" id="{8D4A3765-A72B-46DF-8288-323290173098}"/>
               </a:ext>
             </a:extLst>
           </p:cNvPr>
@@ -1766,7 +1766,7 @@
           <p:cNvPr id="4" name="Espace réservé du contenu 3">
             <a:extLst>
               <a:ext uri="{FF2B5EF4-FFF2-40B4-BE49-F238E27FC236}">
-                <a16:creationId xmlns:a16="http://schemas.microsoft.com/office/drawing/2014/main" id="{DC2BB634-E5D6-4590-B2FF-DDB544A64ABD}"/>
+                <a16:creationId xmlns:a16="http://schemas.microsoft.com/office/drawing/2014/main" xmlns="" id="{DC2BB634-E5D6-4590-B2FF-DDB544A64ABD}"/>
               </a:ext>
             </a:extLst>
           </p:cNvPr>
@@ -1828,7 +1828,7 @@
           <p:cNvPr id="5" name="Espace réservé de la date 4">
             <a:extLst>
               <a:ext uri="{FF2B5EF4-FFF2-40B4-BE49-F238E27FC236}">
-                <a16:creationId xmlns:a16="http://schemas.microsoft.com/office/drawing/2014/main" id="{42001B77-D090-4A82-AF59-958E535200B2}"/>
+                <a16:creationId xmlns:a16="http://schemas.microsoft.com/office/drawing/2014/main" xmlns="" id="{42001B77-D090-4A82-AF59-958E535200B2}"/>
               </a:ext>
             </a:extLst>
           </p:cNvPr>
@@ -1846,7 +1846,7 @@
           <a:p>
             <a:fld id="{22DA2507-32C4-47C5-A245-63452B7A5ADE}" type="datetimeFigureOut">
               <a:rPr lang="fr-FR" smtClean="0"/>
-              <a:t>05/06/2023</a:t>
+              <a:t>06/06/2023</a:t>
             </a:fld>
             <a:endParaRPr lang="fr-FR"/>
           </a:p>
@@ -1857,7 +1857,7 @@
           <p:cNvPr id="6" name="Espace réservé du pied de page 5">
             <a:extLst>
               <a:ext uri="{FF2B5EF4-FFF2-40B4-BE49-F238E27FC236}">
-                <a16:creationId xmlns:a16="http://schemas.microsoft.com/office/drawing/2014/main" id="{63027CE3-5A13-4EBF-858E-33E727050EEB}"/>
+                <a16:creationId xmlns:a16="http://schemas.microsoft.com/office/drawing/2014/main" xmlns="" id="{63027CE3-5A13-4EBF-858E-33E727050EEB}"/>
               </a:ext>
             </a:extLst>
           </p:cNvPr>
@@ -1882,7 +1882,7 @@
           <p:cNvPr id="7" name="Espace réservé du numéro de diapositive 6">
             <a:extLst>
               <a:ext uri="{FF2B5EF4-FFF2-40B4-BE49-F238E27FC236}">
-                <a16:creationId xmlns:a16="http://schemas.microsoft.com/office/drawing/2014/main" id="{7A4E6FA9-D4FA-4086-881C-88182F631A9B}"/>
+                <a16:creationId xmlns:a16="http://schemas.microsoft.com/office/drawing/2014/main" xmlns="" id="{7A4E6FA9-D4FA-4086-881C-88182F631A9B}"/>
               </a:ext>
             </a:extLst>
           </p:cNvPr>
@@ -1941,7 +1941,7 @@
           <p:cNvPr id="2" name="Titre 1">
             <a:extLst>
               <a:ext uri="{FF2B5EF4-FFF2-40B4-BE49-F238E27FC236}">
-                <a16:creationId xmlns:a16="http://schemas.microsoft.com/office/drawing/2014/main" id="{79092A0B-3913-41BE-A53D-03D40BB62893}"/>
+                <a16:creationId xmlns:a16="http://schemas.microsoft.com/office/drawing/2014/main" xmlns="" id="{79092A0B-3913-41BE-A53D-03D40BB62893}"/>
               </a:ext>
             </a:extLst>
           </p:cNvPr>
@@ -1974,7 +1974,7 @@
           <p:cNvPr id="3" name="Espace réservé du texte 2">
             <a:extLst>
               <a:ext uri="{FF2B5EF4-FFF2-40B4-BE49-F238E27FC236}">
-                <a16:creationId xmlns:a16="http://schemas.microsoft.com/office/drawing/2014/main" id="{062A5F56-A9F4-4BBF-8AC7-8FF442263FB2}"/>
+                <a16:creationId xmlns:a16="http://schemas.microsoft.com/office/drawing/2014/main" xmlns="" id="{062A5F56-A9F4-4BBF-8AC7-8FF442263FB2}"/>
               </a:ext>
             </a:extLst>
           </p:cNvPr>
@@ -2045,7 +2045,7 @@
           <p:cNvPr id="4" name="Espace réservé du contenu 3">
             <a:extLst>
               <a:ext uri="{FF2B5EF4-FFF2-40B4-BE49-F238E27FC236}">
-                <a16:creationId xmlns:a16="http://schemas.microsoft.com/office/drawing/2014/main" id="{01893A08-69B4-4126-92AD-E951E6A22646}"/>
+                <a16:creationId xmlns:a16="http://schemas.microsoft.com/office/drawing/2014/main" xmlns="" id="{01893A08-69B4-4126-92AD-E951E6A22646}"/>
               </a:ext>
             </a:extLst>
           </p:cNvPr>
@@ -2107,7 +2107,7 @@
           <p:cNvPr id="5" name="Espace réservé du texte 4">
             <a:extLst>
               <a:ext uri="{FF2B5EF4-FFF2-40B4-BE49-F238E27FC236}">
-                <a16:creationId xmlns:a16="http://schemas.microsoft.com/office/drawing/2014/main" id="{3CCB9193-468B-4B9D-B46B-5707B9500CCA}"/>
+                <a16:creationId xmlns:a16="http://schemas.microsoft.com/office/drawing/2014/main" xmlns="" id="{3CCB9193-468B-4B9D-B46B-5707B9500CCA}"/>
               </a:ext>
             </a:extLst>
           </p:cNvPr>
@@ -2178,7 +2178,7 @@
           <p:cNvPr id="6" name="Espace réservé du contenu 5">
             <a:extLst>
               <a:ext uri="{FF2B5EF4-FFF2-40B4-BE49-F238E27FC236}">
-                <a16:creationId xmlns:a16="http://schemas.microsoft.com/office/drawing/2014/main" id="{9F8E9E1D-61F8-4330-9E2E-350281A8DE4C}"/>
+                <a16:creationId xmlns:a16="http://schemas.microsoft.com/office/drawing/2014/main" xmlns="" id="{9F8E9E1D-61F8-4330-9E2E-350281A8DE4C}"/>
               </a:ext>
             </a:extLst>
           </p:cNvPr>
@@ -2240,7 +2240,7 @@
           <p:cNvPr id="7" name="Espace réservé de la date 6">
             <a:extLst>
               <a:ext uri="{FF2B5EF4-FFF2-40B4-BE49-F238E27FC236}">
-                <a16:creationId xmlns:a16="http://schemas.microsoft.com/office/drawing/2014/main" id="{59CC3C63-64D5-4F5E-87CC-5287466BAAE0}"/>
+                <a16:creationId xmlns:a16="http://schemas.microsoft.com/office/drawing/2014/main" xmlns="" id="{59CC3C63-64D5-4F5E-87CC-5287466BAAE0}"/>
               </a:ext>
             </a:extLst>
           </p:cNvPr>
@@ -2258,7 +2258,7 @@
           <a:p>
             <a:fld id="{22DA2507-32C4-47C5-A245-63452B7A5ADE}" type="datetimeFigureOut">
               <a:rPr lang="fr-FR" smtClean="0"/>
-              <a:t>05/06/2023</a:t>
+              <a:t>06/06/2023</a:t>
             </a:fld>
             <a:endParaRPr lang="fr-FR"/>
           </a:p>
@@ -2269,7 +2269,7 @@
           <p:cNvPr id="8" name="Espace réservé du pied de page 7">
             <a:extLst>
               <a:ext uri="{FF2B5EF4-FFF2-40B4-BE49-F238E27FC236}">
-                <a16:creationId xmlns:a16="http://schemas.microsoft.com/office/drawing/2014/main" id="{9FA2CEE6-A0EF-47B1-9114-1C15B1A9BBFE}"/>
+                <a16:creationId xmlns:a16="http://schemas.microsoft.com/office/drawing/2014/main" xmlns="" id="{9FA2CEE6-A0EF-47B1-9114-1C15B1A9BBFE}"/>
               </a:ext>
             </a:extLst>
           </p:cNvPr>
@@ -2294,7 +2294,7 @@
           <p:cNvPr id="9" name="Espace réservé du numéro de diapositive 8">
             <a:extLst>
               <a:ext uri="{FF2B5EF4-FFF2-40B4-BE49-F238E27FC236}">
-                <a16:creationId xmlns:a16="http://schemas.microsoft.com/office/drawing/2014/main" id="{B49BFA1D-304F-41DA-BCFA-D79A122B25DD}"/>
+                <a16:creationId xmlns:a16="http://schemas.microsoft.com/office/drawing/2014/main" xmlns="" id="{B49BFA1D-304F-41DA-BCFA-D79A122B25DD}"/>
               </a:ext>
             </a:extLst>
           </p:cNvPr>
@@ -2353,7 +2353,7 @@
           <p:cNvPr id="2" name="Titre 1">
             <a:extLst>
               <a:ext uri="{FF2B5EF4-FFF2-40B4-BE49-F238E27FC236}">
-                <a16:creationId xmlns:a16="http://schemas.microsoft.com/office/drawing/2014/main" id="{1A0490A0-51AB-4647-A91F-CEB42D2484F0}"/>
+                <a16:creationId xmlns:a16="http://schemas.microsoft.com/office/drawing/2014/main" xmlns="" id="{1A0490A0-51AB-4647-A91F-CEB42D2484F0}"/>
               </a:ext>
             </a:extLst>
           </p:cNvPr>
@@ -2381,7 +2381,7 @@
           <p:cNvPr id="3" name="Espace réservé de la date 2">
             <a:extLst>
               <a:ext uri="{FF2B5EF4-FFF2-40B4-BE49-F238E27FC236}">
-                <a16:creationId xmlns:a16="http://schemas.microsoft.com/office/drawing/2014/main" id="{6F8F42AE-B75B-41D6-B9F4-00D5155B9C81}"/>
+                <a16:creationId xmlns:a16="http://schemas.microsoft.com/office/drawing/2014/main" xmlns="" id="{6F8F42AE-B75B-41D6-B9F4-00D5155B9C81}"/>
               </a:ext>
             </a:extLst>
           </p:cNvPr>
@@ -2399,7 +2399,7 @@
           <a:p>
             <a:fld id="{22DA2507-32C4-47C5-A245-63452B7A5ADE}" type="datetimeFigureOut">
               <a:rPr lang="fr-FR" smtClean="0"/>
-              <a:t>05/06/2023</a:t>
+              <a:t>06/06/2023</a:t>
             </a:fld>
             <a:endParaRPr lang="fr-FR"/>
           </a:p>
@@ -2410,7 +2410,7 @@
           <p:cNvPr id="4" name="Espace réservé du pied de page 3">
             <a:extLst>
               <a:ext uri="{FF2B5EF4-FFF2-40B4-BE49-F238E27FC236}">
-                <a16:creationId xmlns:a16="http://schemas.microsoft.com/office/drawing/2014/main" id="{566D9B56-F0A0-4B92-8F69-8BC45ECF34A5}"/>
+                <a16:creationId xmlns:a16="http://schemas.microsoft.com/office/drawing/2014/main" xmlns="" id="{566D9B56-F0A0-4B92-8F69-8BC45ECF34A5}"/>
               </a:ext>
             </a:extLst>
           </p:cNvPr>
@@ -2435,7 +2435,7 @@
           <p:cNvPr id="5" name="Espace réservé du numéro de diapositive 4">
             <a:extLst>
               <a:ext uri="{FF2B5EF4-FFF2-40B4-BE49-F238E27FC236}">
-                <a16:creationId xmlns:a16="http://schemas.microsoft.com/office/drawing/2014/main" id="{13685604-A7FB-4B44-A5FB-7F29B50C1EB5}"/>
+                <a16:creationId xmlns:a16="http://schemas.microsoft.com/office/drawing/2014/main" xmlns="" id="{13685604-A7FB-4B44-A5FB-7F29B50C1EB5}"/>
               </a:ext>
             </a:extLst>
           </p:cNvPr>
@@ -2494,7 +2494,7 @@
           <p:cNvPr id="2" name="Espace réservé de la date 1">
             <a:extLst>
               <a:ext uri="{FF2B5EF4-FFF2-40B4-BE49-F238E27FC236}">
-                <a16:creationId xmlns:a16="http://schemas.microsoft.com/office/drawing/2014/main" id="{A676A319-CD26-41E5-84EF-F9AE4F87833A}"/>
+                <a16:creationId xmlns:a16="http://schemas.microsoft.com/office/drawing/2014/main" xmlns="" id="{A676A319-CD26-41E5-84EF-F9AE4F87833A}"/>
               </a:ext>
             </a:extLst>
           </p:cNvPr>
@@ -2512,7 +2512,7 @@
           <a:p>
             <a:fld id="{22DA2507-32C4-47C5-A245-63452B7A5ADE}" type="datetimeFigureOut">
               <a:rPr lang="fr-FR" smtClean="0"/>
-              <a:t>05/06/2023</a:t>
+              <a:t>06/06/2023</a:t>
             </a:fld>
             <a:endParaRPr lang="fr-FR"/>
           </a:p>
@@ -2523,7 +2523,7 @@
           <p:cNvPr id="3" name="Espace réservé du pied de page 2">
             <a:extLst>
               <a:ext uri="{FF2B5EF4-FFF2-40B4-BE49-F238E27FC236}">
-                <a16:creationId xmlns:a16="http://schemas.microsoft.com/office/drawing/2014/main" id="{A5202B48-8B01-4E53-A8A4-AD4D2A9B4370}"/>
+                <a16:creationId xmlns:a16="http://schemas.microsoft.com/office/drawing/2014/main" xmlns="" id="{A5202B48-8B01-4E53-A8A4-AD4D2A9B4370}"/>
               </a:ext>
             </a:extLst>
           </p:cNvPr>
@@ -2548,7 +2548,7 @@
           <p:cNvPr id="4" name="Espace réservé du numéro de diapositive 3">
             <a:extLst>
               <a:ext uri="{FF2B5EF4-FFF2-40B4-BE49-F238E27FC236}">
-                <a16:creationId xmlns:a16="http://schemas.microsoft.com/office/drawing/2014/main" id="{DE4C8D4A-9CC6-498E-93E2-03AA4A69B3DF}"/>
+                <a16:creationId xmlns:a16="http://schemas.microsoft.com/office/drawing/2014/main" xmlns="" id="{DE4C8D4A-9CC6-498E-93E2-03AA4A69B3DF}"/>
               </a:ext>
             </a:extLst>
           </p:cNvPr>
@@ -2607,7 +2607,7 @@
           <p:cNvPr id="2" name="Titre 1">
             <a:extLst>
               <a:ext uri="{FF2B5EF4-FFF2-40B4-BE49-F238E27FC236}">
-                <a16:creationId xmlns:a16="http://schemas.microsoft.com/office/drawing/2014/main" id="{8474FF50-5803-420A-8FC3-F5C557DE7040}"/>
+                <a16:creationId xmlns:a16="http://schemas.microsoft.com/office/drawing/2014/main" xmlns="" id="{8474FF50-5803-420A-8FC3-F5C557DE7040}"/>
               </a:ext>
             </a:extLst>
           </p:cNvPr>
@@ -2644,7 +2644,7 @@
           <p:cNvPr id="3" name="Espace réservé du contenu 2">
             <a:extLst>
               <a:ext uri="{FF2B5EF4-FFF2-40B4-BE49-F238E27FC236}">
-                <a16:creationId xmlns:a16="http://schemas.microsoft.com/office/drawing/2014/main" id="{5E0FBD1B-483C-46F8-8CE8-960EA33F35C7}"/>
+                <a16:creationId xmlns:a16="http://schemas.microsoft.com/office/drawing/2014/main" xmlns="" id="{5E0FBD1B-483C-46F8-8CE8-960EA33F35C7}"/>
               </a:ext>
             </a:extLst>
           </p:cNvPr>
@@ -2734,7 +2734,7 @@
           <p:cNvPr id="4" name="Espace réservé du texte 3">
             <a:extLst>
               <a:ext uri="{FF2B5EF4-FFF2-40B4-BE49-F238E27FC236}">
-                <a16:creationId xmlns:a16="http://schemas.microsoft.com/office/drawing/2014/main" id="{C37B126A-9C99-46FB-AA78-9AE1F7851918}"/>
+                <a16:creationId xmlns:a16="http://schemas.microsoft.com/office/drawing/2014/main" xmlns="" id="{C37B126A-9C99-46FB-AA78-9AE1F7851918}"/>
               </a:ext>
             </a:extLst>
           </p:cNvPr>
@@ -2805,7 +2805,7 @@
           <p:cNvPr id="5" name="Espace réservé de la date 4">
             <a:extLst>
               <a:ext uri="{FF2B5EF4-FFF2-40B4-BE49-F238E27FC236}">
-                <a16:creationId xmlns:a16="http://schemas.microsoft.com/office/drawing/2014/main" id="{4B28F21C-2AF4-458E-A0D5-7BECA27D3047}"/>
+                <a16:creationId xmlns:a16="http://schemas.microsoft.com/office/drawing/2014/main" xmlns="" id="{4B28F21C-2AF4-458E-A0D5-7BECA27D3047}"/>
               </a:ext>
             </a:extLst>
           </p:cNvPr>
@@ -2823,7 +2823,7 @@
           <a:p>
             <a:fld id="{22DA2507-32C4-47C5-A245-63452B7A5ADE}" type="datetimeFigureOut">
               <a:rPr lang="fr-FR" smtClean="0"/>
-              <a:t>05/06/2023</a:t>
+              <a:t>06/06/2023</a:t>
             </a:fld>
             <a:endParaRPr lang="fr-FR"/>
           </a:p>
@@ -2834,7 +2834,7 @@
           <p:cNvPr id="6" name="Espace réservé du pied de page 5">
             <a:extLst>
               <a:ext uri="{FF2B5EF4-FFF2-40B4-BE49-F238E27FC236}">
-                <a16:creationId xmlns:a16="http://schemas.microsoft.com/office/drawing/2014/main" id="{5FE6EAAD-28E3-4F16-BB16-95B554E87962}"/>
+                <a16:creationId xmlns:a16="http://schemas.microsoft.com/office/drawing/2014/main" xmlns="" id="{5FE6EAAD-28E3-4F16-BB16-95B554E87962}"/>
               </a:ext>
             </a:extLst>
           </p:cNvPr>
@@ -2859,7 +2859,7 @@
           <p:cNvPr id="7" name="Espace réservé du numéro de diapositive 6">
             <a:extLst>
               <a:ext uri="{FF2B5EF4-FFF2-40B4-BE49-F238E27FC236}">
-                <a16:creationId xmlns:a16="http://schemas.microsoft.com/office/drawing/2014/main" id="{332F5F01-AD73-4A0A-8415-56E0BAEC1D3C}"/>
+                <a16:creationId xmlns:a16="http://schemas.microsoft.com/office/drawing/2014/main" xmlns="" id="{332F5F01-AD73-4A0A-8415-56E0BAEC1D3C}"/>
               </a:ext>
             </a:extLst>
           </p:cNvPr>
@@ -2918,7 +2918,7 @@
           <p:cNvPr id="2" name="Titre 1">
             <a:extLst>
               <a:ext uri="{FF2B5EF4-FFF2-40B4-BE49-F238E27FC236}">
-                <a16:creationId xmlns:a16="http://schemas.microsoft.com/office/drawing/2014/main" id="{29F8C56B-AD97-4875-95CA-B7318A3EC1CD}"/>
+                <a16:creationId xmlns:a16="http://schemas.microsoft.com/office/drawing/2014/main" xmlns="" id="{29F8C56B-AD97-4875-95CA-B7318A3EC1CD}"/>
               </a:ext>
             </a:extLst>
           </p:cNvPr>
@@ -2955,7 +2955,7 @@
           <p:cNvPr id="3" name="Espace réservé pour une image  2">
             <a:extLst>
               <a:ext uri="{FF2B5EF4-FFF2-40B4-BE49-F238E27FC236}">
-                <a16:creationId xmlns:a16="http://schemas.microsoft.com/office/drawing/2014/main" id="{06BBB428-5A2B-4200-A1E8-9C8B980D1218}"/>
+                <a16:creationId xmlns:a16="http://schemas.microsoft.com/office/drawing/2014/main" xmlns="" id="{06BBB428-5A2B-4200-A1E8-9C8B980D1218}"/>
               </a:ext>
             </a:extLst>
           </p:cNvPr>
@@ -3022,7 +3022,7 @@
           <p:cNvPr id="4" name="Espace réservé du texte 3">
             <a:extLst>
               <a:ext uri="{FF2B5EF4-FFF2-40B4-BE49-F238E27FC236}">
-                <a16:creationId xmlns:a16="http://schemas.microsoft.com/office/drawing/2014/main" id="{D54230A2-1A59-4F07-8747-0A4AF01CC8A4}"/>
+                <a16:creationId xmlns:a16="http://schemas.microsoft.com/office/drawing/2014/main" xmlns="" id="{D54230A2-1A59-4F07-8747-0A4AF01CC8A4}"/>
               </a:ext>
             </a:extLst>
           </p:cNvPr>
@@ -3093,7 +3093,7 @@
           <p:cNvPr id="5" name="Espace réservé de la date 4">
             <a:extLst>
               <a:ext uri="{FF2B5EF4-FFF2-40B4-BE49-F238E27FC236}">
-                <a16:creationId xmlns:a16="http://schemas.microsoft.com/office/drawing/2014/main" id="{8AA96926-7A0B-4F16-A38B-57FBCB5BFE1B}"/>
+                <a16:creationId xmlns:a16="http://schemas.microsoft.com/office/drawing/2014/main" xmlns="" id="{8AA96926-7A0B-4F16-A38B-57FBCB5BFE1B}"/>
               </a:ext>
             </a:extLst>
           </p:cNvPr>
@@ -3111,7 +3111,7 @@
           <a:p>
             <a:fld id="{22DA2507-32C4-47C5-A245-63452B7A5ADE}" type="datetimeFigureOut">
               <a:rPr lang="fr-FR" smtClean="0"/>
-              <a:t>05/06/2023</a:t>
+              <a:t>06/06/2023</a:t>
             </a:fld>
             <a:endParaRPr lang="fr-FR"/>
           </a:p>
@@ -3122,7 +3122,7 @@
           <p:cNvPr id="6" name="Espace réservé du pied de page 5">
             <a:extLst>
               <a:ext uri="{FF2B5EF4-FFF2-40B4-BE49-F238E27FC236}">
-                <a16:creationId xmlns:a16="http://schemas.microsoft.com/office/drawing/2014/main" id="{53DEF704-0BFC-4374-BC41-B1F913B35650}"/>
+                <a16:creationId xmlns:a16="http://schemas.microsoft.com/office/drawing/2014/main" xmlns="" id="{53DEF704-0BFC-4374-BC41-B1F913B35650}"/>
               </a:ext>
             </a:extLst>
           </p:cNvPr>
@@ -3147,7 +3147,7 @@
           <p:cNvPr id="7" name="Espace réservé du numéro de diapositive 6">
             <a:extLst>
               <a:ext uri="{FF2B5EF4-FFF2-40B4-BE49-F238E27FC236}">
-                <a16:creationId xmlns:a16="http://schemas.microsoft.com/office/drawing/2014/main" id="{BE85A88E-DB7D-408A-98C9-D46AEB356CDF}"/>
+                <a16:creationId xmlns:a16="http://schemas.microsoft.com/office/drawing/2014/main" xmlns="" id="{BE85A88E-DB7D-408A-98C9-D46AEB356CDF}"/>
               </a:ext>
             </a:extLst>
           </p:cNvPr>
@@ -3211,7 +3211,7 @@
           <p:cNvPr id="2" name="Espace réservé du titre 1">
             <a:extLst>
               <a:ext uri="{FF2B5EF4-FFF2-40B4-BE49-F238E27FC236}">
-                <a16:creationId xmlns:a16="http://schemas.microsoft.com/office/drawing/2014/main" id="{68FD16CE-4AF2-4183-A110-B92CDAA6CF82}"/>
+                <a16:creationId xmlns:a16="http://schemas.microsoft.com/office/drawing/2014/main" xmlns="" id="{68FD16CE-4AF2-4183-A110-B92CDAA6CF82}"/>
               </a:ext>
             </a:extLst>
           </p:cNvPr>
@@ -3249,7 +3249,7 @@
           <p:cNvPr id="3" name="Espace réservé du texte 2">
             <a:extLst>
               <a:ext uri="{FF2B5EF4-FFF2-40B4-BE49-F238E27FC236}">
-                <a16:creationId xmlns:a16="http://schemas.microsoft.com/office/drawing/2014/main" id="{3E823B4F-8EE9-4ECD-B0F6-C801496C3C0F}"/>
+                <a16:creationId xmlns:a16="http://schemas.microsoft.com/office/drawing/2014/main" xmlns="" id="{3E823B4F-8EE9-4ECD-B0F6-C801496C3C0F}"/>
               </a:ext>
             </a:extLst>
           </p:cNvPr>
@@ -3316,7 +3316,7 @@
           <p:cNvPr id="4" name="Espace réservé de la date 3">
             <a:extLst>
               <a:ext uri="{FF2B5EF4-FFF2-40B4-BE49-F238E27FC236}">
-                <a16:creationId xmlns:a16="http://schemas.microsoft.com/office/drawing/2014/main" id="{353CF5E9-A623-48FB-90A1-3579768B4712}"/>
+                <a16:creationId xmlns:a16="http://schemas.microsoft.com/office/drawing/2014/main" xmlns="" id="{353CF5E9-A623-48FB-90A1-3579768B4712}"/>
               </a:ext>
             </a:extLst>
           </p:cNvPr>
@@ -3352,7 +3352,7 @@
           <a:p>
             <a:fld id="{22DA2507-32C4-47C5-A245-63452B7A5ADE}" type="datetimeFigureOut">
               <a:rPr lang="fr-FR" smtClean="0"/>
-              <a:t>05/06/2023</a:t>
+              <a:t>06/06/2023</a:t>
             </a:fld>
             <a:endParaRPr lang="fr-FR"/>
           </a:p>
@@ -3363,7 +3363,7 @@
           <p:cNvPr id="5" name="Espace réservé du pied de page 4">
             <a:extLst>
               <a:ext uri="{FF2B5EF4-FFF2-40B4-BE49-F238E27FC236}">
-                <a16:creationId xmlns:a16="http://schemas.microsoft.com/office/drawing/2014/main" id="{79F8D5FC-C58E-478B-A36B-C8210516993C}"/>
+                <a16:creationId xmlns:a16="http://schemas.microsoft.com/office/drawing/2014/main" xmlns="" id="{79F8D5FC-C58E-478B-A36B-C8210516993C}"/>
               </a:ext>
             </a:extLst>
           </p:cNvPr>
@@ -3406,7 +3406,7 @@
           <p:cNvPr id="6" name="Espace réservé du numéro de diapositive 5">
             <a:extLst>
               <a:ext uri="{FF2B5EF4-FFF2-40B4-BE49-F238E27FC236}">
-                <a16:creationId xmlns:a16="http://schemas.microsoft.com/office/drawing/2014/main" id="{DE6C7AED-81F3-48BA-B0F3-52FE37CC7F9D}"/>
+                <a16:creationId xmlns:a16="http://schemas.microsoft.com/office/drawing/2014/main" xmlns="" id="{DE6C7AED-81F3-48BA-B0F3-52FE37CC7F9D}"/>
               </a:ext>
             </a:extLst>
           </p:cNvPr>
@@ -3782,7 +3782,7 @@
           <p:cNvPr id="2" name="Titre 1">
             <a:extLst>
               <a:ext uri="{FF2B5EF4-FFF2-40B4-BE49-F238E27FC236}">
-                <a16:creationId xmlns:a16="http://schemas.microsoft.com/office/drawing/2014/main" id="{AD4F0A27-99BB-49D0-9C93-2D3C5186E6B2}"/>
+                <a16:creationId xmlns:a16="http://schemas.microsoft.com/office/drawing/2014/main" xmlns="" id="{AD4F0A27-99BB-49D0-9C93-2D3C5186E6B2}"/>
               </a:ext>
             </a:extLst>
           </p:cNvPr>
@@ -3815,7 +3815,7 @@
           <p:cNvPr id="3" name="Sous-titre 2">
             <a:extLst>
               <a:ext uri="{FF2B5EF4-FFF2-40B4-BE49-F238E27FC236}">
-                <a16:creationId xmlns:a16="http://schemas.microsoft.com/office/drawing/2014/main" id="{B5895DDB-3400-4A36-A688-98CC33D75B68}"/>
+                <a16:creationId xmlns:a16="http://schemas.microsoft.com/office/drawing/2014/main" xmlns="" id="{B5895DDB-3400-4A36-A688-98CC33D75B68}"/>
               </a:ext>
             </a:extLst>
           </p:cNvPr>
@@ -3851,7 +3851,7 @@
           <p:cNvPr id="5" name="Image 4" descr="Une image contenant texte, clipart, lumière&#10;&#10;Description générée automatiquement">
             <a:extLst>
               <a:ext uri="{FF2B5EF4-FFF2-40B4-BE49-F238E27FC236}">
-                <a16:creationId xmlns:a16="http://schemas.microsoft.com/office/drawing/2014/main" id="{F92E366F-A75B-4FBE-95A4-7BE2692FD768}"/>
+                <a16:creationId xmlns:a16="http://schemas.microsoft.com/office/drawing/2014/main" xmlns="" id="{F92E366F-A75B-4FBE-95A4-7BE2692FD768}"/>
               </a:ext>
             </a:extLst>
           </p:cNvPr>
@@ -3925,7 +3925,7 @@
           <p:cNvPr id="2" name="Titre 1">
             <a:extLst>
               <a:ext uri="{FF2B5EF4-FFF2-40B4-BE49-F238E27FC236}">
-                <a16:creationId xmlns:a16="http://schemas.microsoft.com/office/drawing/2014/main" id="{AD4F0A27-99BB-49D0-9C93-2D3C5186E6B2}"/>
+                <a16:creationId xmlns:a16="http://schemas.microsoft.com/office/drawing/2014/main" xmlns="" id="{AD4F0A27-99BB-49D0-9C93-2D3C5186E6B2}"/>
               </a:ext>
             </a:extLst>
           </p:cNvPr>
@@ -3965,7 +3965,7 @@
           <p:cNvPr id="3" name="Sous-titre 2">
             <a:extLst>
               <a:ext uri="{FF2B5EF4-FFF2-40B4-BE49-F238E27FC236}">
-                <a16:creationId xmlns:a16="http://schemas.microsoft.com/office/drawing/2014/main" id="{B5895DDB-3400-4A36-A688-98CC33D75B68}"/>
+                <a16:creationId xmlns:a16="http://schemas.microsoft.com/office/drawing/2014/main" xmlns="" id="{B5895DDB-3400-4A36-A688-98CC33D75B68}"/>
               </a:ext>
             </a:extLst>
           </p:cNvPr>
@@ -3984,7 +3984,7 @@
         </p:spPr>
         <p:txBody>
           <a:bodyPr>
-            <a:normAutofit/>
+            <a:normAutofit fontScale="85000" lnSpcReduction="10000"/>
           </a:bodyPr>
           <a:lstStyle/>
           <a:p>
@@ -4008,7 +4008,7 @@
           <p:cNvPr id="5" name="Image 4" descr="Une image contenant texte, clipart, lumière&#10;&#10;Description générée automatiquement">
             <a:extLst>
               <a:ext uri="{FF2B5EF4-FFF2-40B4-BE49-F238E27FC236}">
-                <a16:creationId xmlns:a16="http://schemas.microsoft.com/office/drawing/2014/main" id="{F92E366F-A75B-4FBE-95A4-7BE2692FD768}"/>
+                <a16:creationId xmlns:a16="http://schemas.microsoft.com/office/drawing/2014/main" xmlns="" id="{F92E366F-A75B-4FBE-95A4-7BE2692FD768}"/>
               </a:ext>
             </a:extLst>
           </p:cNvPr>
@@ -4018,7 +4018,7 @@
           <p:nvPr/>
         </p:nvPicPr>
         <p:blipFill>
-          <a:blip r:embed="rId2">
+          <a:blip r:embed="rId2" cstate="print">
             <a:extLst>
               <a:ext uri="{28A0092B-C50C-407E-A947-70E740481C1C}">
                 <a14:useLocalDpi xmlns:a14="http://schemas.microsoft.com/office/drawing/2010/main" val="0"/>
@@ -4044,7 +4044,7 @@
           <p:cNvPr id="6" name="Rectangle : coins arrondis 5">
             <a:extLst>
               <a:ext uri="{FF2B5EF4-FFF2-40B4-BE49-F238E27FC236}">
-                <a16:creationId xmlns:a16="http://schemas.microsoft.com/office/drawing/2014/main" id="{62D80FBE-86D3-4290-8607-F26C6EF24A6E}"/>
+                <a16:creationId xmlns:a16="http://schemas.microsoft.com/office/drawing/2014/main" xmlns="" id="{62D80FBE-86D3-4290-8607-F26C6EF24A6E}"/>
               </a:ext>
             </a:extLst>
           </p:cNvPr>
@@ -4091,7 +4091,7 @@
           <p:cNvPr id="7" name="Rectangle 6">
             <a:extLst>
               <a:ext uri="{FF2B5EF4-FFF2-40B4-BE49-F238E27FC236}">
-                <a16:creationId xmlns:a16="http://schemas.microsoft.com/office/drawing/2014/main" id="{1AEA259A-D842-4383-B035-4913BA214C2B}"/>
+                <a16:creationId xmlns:a16="http://schemas.microsoft.com/office/drawing/2014/main" xmlns="" id="{1AEA259A-D842-4383-B035-4913BA214C2B}"/>
               </a:ext>
             </a:extLst>
           </p:cNvPr>
@@ -4135,7 +4135,7 @@
           <p:cNvPr id="8" name="Rectangle 7">
             <a:extLst>
               <a:ext uri="{FF2B5EF4-FFF2-40B4-BE49-F238E27FC236}">
-                <a16:creationId xmlns:a16="http://schemas.microsoft.com/office/drawing/2014/main" id="{7A522CA0-8DEF-4B68-B66B-7C116F24ECA3}"/>
+                <a16:creationId xmlns:a16="http://schemas.microsoft.com/office/drawing/2014/main" xmlns="" id="{7A522CA0-8DEF-4B68-B66B-7C116F24ECA3}"/>
               </a:ext>
             </a:extLst>
           </p:cNvPr>
@@ -4181,7 +4181,7 @@
           <p:cNvPr id="9" name="Rectangle 8">
             <a:extLst>
               <a:ext uri="{FF2B5EF4-FFF2-40B4-BE49-F238E27FC236}">
-                <a16:creationId xmlns:a16="http://schemas.microsoft.com/office/drawing/2014/main" id="{58A07BC7-A43F-4544-9451-53320053C681}"/>
+                <a16:creationId xmlns:a16="http://schemas.microsoft.com/office/drawing/2014/main" xmlns="" id="{58A07BC7-A43F-4544-9451-53320053C681}"/>
               </a:ext>
             </a:extLst>
           </p:cNvPr>
@@ -4227,7 +4227,7 @@
           <p:cNvPr id="10" name="Rectangle 9">
             <a:extLst>
               <a:ext uri="{FF2B5EF4-FFF2-40B4-BE49-F238E27FC236}">
-                <a16:creationId xmlns:a16="http://schemas.microsoft.com/office/drawing/2014/main" id="{5B7F2178-0ABB-4EA9-A4FA-5B90147DAE56}"/>
+                <a16:creationId xmlns:a16="http://schemas.microsoft.com/office/drawing/2014/main" xmlns="" id="{5B7F2178-0ABB-4EA9-A4FA-5B90147DAE56}"/>
               </a:ext>
             </a:extLst>
           </p:cNvPr>
@@ -4273,7 +4273,7 @@
           <p:cNvPr id="11" name="Rectangle 10">
             <a:extLst>
               <a:ext uri="{FF2B5EF4-FFF2-40B4-BE49-F238E27FC236}">
-                <a16:creationId xmlns:a16="http://schemas.microsoft.com/office/drawing/2014/main" id="{2FC98143-B9E0-41F5-AA7D-B843146B35F7}"/>
+                <a16:creationId xmlns:a16="http://schemas.microsoft.com/office/drawing/2014/main" xmlns="" id="{2FC98143-B9E0-41F5-AA7D-B843146B35F7}"/>
               </a:ext>
             </a:extLst>
           </p:cNvPr>
@@ -4319,7 +4319,7 @@
           <p:cNvPr id="12" name="Rectangle 11">
             <a:extLst>
               <a:ext uri="{FF2B5EF4-FFF2-40B4-BE49-F238E27FC236}">
-                <a16:creationId xmlns:a16="http://schemas.microsoft.com/office/drawing/2014/main" id="{765981A7-5DFE-40FE-9531-B806A883B9DF}"/>
+                <a16:creationId xmlns:a16="http://schemas.microsoft.com/office/drawing/2014/main" xmlns="" id="{765981A7-5DFE-40FE-9531-B806A883B9DF}"/>
               </a:ext>
             </a:extLst>
           </p:cNvPr>
@@ -4365,7 +4365,7 @@
           <p:cNvPr id="13" name="Rectangle 12">
             <a:extLst>
               <a:ext uri="{FF2B5EF4-FFF2-40B4-BE49-F238E27FC236}">
-                <a16:creationId xmlns:a16="http://schemas.microsoft.com/office/drawing/2014/main" id="{FC53F0E6-8818-4C74-9167-51D66DC57518}"/>
+                <a16:creationId xmlns:a16="http://schemas.microsoft.com/office/drawing/2014/main" xmlns="" id="{FC53F0E6-8818-4C74-9167-51D66DC57518}"/>
               </a:ext>
             </a:extLst>
           </p:cNvPr>
@@ -4411,7 +4411,7 @@
           <p:cNvPr id="14" name="Rectangle 13">
             <a:extLst>
               <a:ext uri="{FF2B5EF4-FFF2-40B4-BE49-F238E27FC236}">
-                <a16:creationId xmlns:a16="http://schemas.microsoft.com/office/drawing/2014/main" id="{1A935824-24D6-4659-89B7-233569CC17C0}"/>
+                <a16:creationId xmlns:a16="http://schemas.microsoft.com/office/drawing/2014/main" xmlns="" id="{1A935824-24D6-4659-89B7-233569CC17C0}"/>
               </a:ext>
             </a:extLst>
           </p:cNvPr>
@@ -4457,7 +4457,7 @@
           <p:cNvPr id="15" name="Rectangle 14">
             <a:extLst>
               <a:ext uri="{FF2B5EF4-FFF2-40B4-BE49-F238E27FC236}">
-                <a16:creationId xmlns:a16="http://schemas.microsoft.com/office/drawing/2014/main" id="{3700194F-6089-4E01-8012-D6B0552C6B7D}"/>
+                <a16:creationId xmlns:a16="http://schemas.microsoft.com/office/drawing/2014/main" xmlns="" id="{3700194F-6089-4E01-8012-D6B0552C6B7D}"/>
               </a:ext>
             </a:extLst>
           </p:cNvPr>
@@ -4503,7 +4503,7 @@
           <p:cNvPr id="16" name="Rectangle 15">
             <a:extLst>
               <a:ext uri="{FF2B5EF4-FFF2-40B4-BE49-F238E27FC236}">
-                <a16:creationId xmlns:a16="http://schemas.microsoft.com/office/drawing/2014/main" id="{78B8B890-E1A7-46FF-AC8D-04A5ACF7D45A}"/>
+                <a16:creationId xmlns:a16="http://schemas.microsoft.com/office/drawing/2014/main" xmlns="" id="{78B8B890-E1A7-46FF-AC8D-04A5ACF7D45A}"/>
               </a:ext>
             </a:extLst>
           </p:cNvPr>
@@ -4549,7 +4549,7 @@
           <p:cNvPr id="17" name="Rectangle 16">
             <a:extLst>
               <a:ext uri="{FF2B5EF4-FFF2-40B4-BE49-F238E27FC236}">
-                <a16:creationId xmlns:a16="http://schemas.microsoft.com/office/drawing/2014/main" id="{2A18F913-9AD9-4B39-8F53-439F7337D805}"/>
+                <a16:creationId xmlns:a16="http://schemas.microsoft.com/office/drawing/2014/main" xmlns="" id="{2A18F913-9AD9-4B39-8F53-439F7337D805}"/>
               </a:ext>
             </a:extLst>
           </p:cNvPr>
@@ -4595,7 +4595,7 @@
           <p:cNvPr id="18" name="Rectangle 17">
             <a:extLst>
               <a:ext uri="{FF2B5EF4-FFF2-40B4-BE49-F238E27FC236}">
-                <a16:creationId xmlns:a16="http://schemas.microsoft.com/office/drawing/2014/main" id="{5BF3DDC0-D8EF-4AFA-8989-328114036B6B}"/>
+                <a16:creationId xmlns:a16="http://schemas.microsoft.com/office/drawing/2014/main" xmlns="" id="{5BF3DDC0-D8EF-4AFA-8989-328114036B6B}"/>
               </a:ext>
             </a:extLst>
           </p:cNvPr>
@@ -4641,7 +4641,7 @@
           <p:cNvPr id="19" name="Rectangle 18">
             <a:extLst>
               <a:ext uri="{FF2B5EF4-FFF2-40B4-BE49-F238E27FC236}">
-                <a16:creationId xmlns:a16="http://schemas.microsoft.com/office/drawing/2014/main" id="{6BED548F-460A-46AF-9073-1E7DC8FCF628}"/>
+                <a16:creationId xmlns:a16="http://schemas.microsoft.com/office/drawing/2014/main" xmlns="" id="{6BED548F-460A-46AF-9073-1E7DC8FCF628}"/>
               </a:ext>
             </a:extLst>
           </p:cNvPr>
@@ -4687,7 +4687,7 @@
           <p:cNvPr id="20" name="Rectangle 19">
             <a:extLst>
               <a:ext uri="{FF2B5EF4-FFF2-40B4-BE49-F238E27FC236}">
-                <a16:creationId xmlns:a16="http://schemas.microsoft.com/office/drawing/2014/main" id="{7D0B0C7B-5FE8-4CD0-94BF-7FD48C413B1B}"/>
+                <a16:creationId xmlns:a16="http://schemas.microsoft.com/office/drawing/2014/main" xmlns="" id="{7D0B0C7B-5FE8-4CD0-94BF-7FD48C413B1B}"/>
               </a:ext>
             </a:extLst>
           </p:cNvPr>
@@ -4733,7 +4733,7 @@
           <p:cNvPr id="21" name="Rectangle 20">
             <a:extLst>
               <a:ext uri="{FF2B5EF4-FFF2-40B4-BE49-F238E27FC236}">
-                <a16:creationId xmlns:a16="http://schemas.microsoft.com/office/drawing/2014/main" id="{7373ADFC-AA39-47FC-B9AC-676D5A75330B}"/>
+                <a16:creationId xmlns:a16="http://schemas.microsoft.com/office/drawing/2014/main" xmlns="" id="{7373ADFC-AA39-47FC-B9AC-676D5A75330B}"/>
               </a:ext>
             </a:extLst>
           </p:cNvPr>
@@ -4779,7 +4779,7 @@
           <p:cNvPr id="22" name="Rectangle 21">
             <a:extLst>
               <a:ext uri="{FF2B5EF4-FFF2-40B4-BE49-F238E27FC236}">
-                <a16:creationId xmlns:a16="http://schemas.microsoft.com/office/drawing/2014/main" id="{2434A610-0CE2-44BE-930A-EAB8E4EB32BA}"/>
+                <a16:creationId xmlns:a16="http://schemas.microsoft.com/office/drawing/2014/main" xmlns="" id="{2434A610-0CE2-44BE-930A-EAB8E4EB32BA}"/>
               </a:ext>
             </a:extLst>
           </p:cNvPr>
@@ -4825,7 +4825,7 @@
           <p:cNvPr id="23" name="Rectangle 22">
             <a:extLst>
               <a:ext uri="{FF2B5EF4-FFF2-40B4-BE49-F238E27FC236}">
-                <a16:creationId xmlns:a16="http://schemas.microsoft.com/office/drawing/2014/main" id="{62FD4CA9-6B0F-4ACE-9211-1D87051A0A91}"/>
+                <a16:creationId xmlns:a16="http://schemas.microsoft.com/office/drawing/2014/main" xmlns="" id="{62FD4CA9-6B0F-4ACE-9211-1D87051A0A91}"/>
               </a:ext>
             </a:extLst>
           </p:cNvPr>
@@ -4871,7 +4871,7 @@
           <p:cNvPr id="24" name="Ellipse 23">
             <a:extLst>
               <a:ext uri="{FF2B5EF4-FFF2-40B4-BE49-F238E27FC236}">
-                <a16:creationId xmlns:a16="http://schemas.microsoft.com/office/drawing/2014/main" id="{203E04A9-361F-4AA5-83A9-9124B15F7F6A}"/>
+                <a16:creationId xmlns:a16="http://schemas.microsoft.com/office/drawing/2014/main" xmlns="" id="{203E04A9-361F-4AA5-83A9-9124B15F7F6A}"/>
               </a:ext>
             </a:extLst>
           </p:cNvPr>
@@ -4917,7 +4917,7 @@
           <p:cNvPr id="25" name="Ellipse 24">
             <a:extLst>
               <a:ext uri="{FF2B5EF4-FFF2-40B4-BE49-F238E27FC236}">
-                <a16:creationId xmlns:a16="http://schemas.microsoft.com/office/drawing/2014/main" id="{3BE7A4D3-9C57-4753-9BCC-E38A906113C7}"/>
+                <a16:creationId xmlns:a16="http://schemas.microsoft.com/office/drawing/2014/main" xmlns="" id="{3BE7A4D3-9C57-4753-9BCC-E38A906113C7}"/>
               </a:ext>
             </a:extLst>
           </p:cNvPr>
@@ -4963,7 +4963,7 @@
           <p:cNvPr id="26" name="Ellipse 25">
             <a:extLst>
               <a:ext uri="{FF2B5EF4-FFF2-40B4-BE49-F238E27FC236}">
-                <a16:creationId xmlns:a16="http://schemas.microsoft.com/office/drawing/2014/main" id="{A9B02729-63AA-44CE-BFF6-FB403E3BC36E}"/>
+                <a16:creationId xmlns:a16="http://schemas.microsoft.com/office/drawing/2014/main" xmlns="" id="{A9B02729-63AA-44CE-BFF6-FB403E3BC36E}"/>
               </a:ext>
             </a:extLst>
           </p:cNvPr>
@@ -5009,7 +5009,7 @@
           <p:cNvPr id="27" name="Ellipse 26">
             <a:extLst>
               <a:ext uri="{FF2B5EF4-FFF2-40B4-BE49-F238E27FC236}">
-                <a16:creationId xmlns:a16="http://schemas.microsoft.com/office/drawing/2014/main" id="{9902C9BD-BEBA-418F-A650-45D6C8456155}"/>
+                <a16:creationId xmlns:a16="http://schemas.microsoft.com/office/drawing/2014/main" xmlns="" id="{9902C9BD-BEBA-418F-A650-45D6C8456155}"/>
               </a:ext>
             </a:extLst>
           </p:cNvPr>
@@ -5055,7 +5055,7 @@
           <p:cNvPr id="28" name="Connecteur droit 27">
             <a:extLst>
               <a:ext uri="{FF2B5EF4-FFF2-40B4-BE49-F238E27FC236}">
-                <a16:creationId xmlns:a16="http://schemas.microsoft.com/office/drawing/2014/main" id="{6E06584F-224F-44DF-9BE6-65D9223FCF7C}"/>
+                <a16:creationId xmlns:a16="http://schemas.microsoft.com/office/drawing/2014/main" xmlns="" id="{6E06584F-224F-44DF-9BE6-65D9223FCF7C}"/>
               </a:ext>
             </a:extLst>
           </p:cNvPr>
@@ -5098,7 +5098,7 @@
           <p:cNvPr id="29" name="Connecteur droit 28">
             <a:extLst>
               <a:ext uri="{FF2B5EF4-FFF2-40B4-BE49-F238E27FC236}">
-                <a16:creationId xmlns:a16="http://schemas.microsoft.com/office/drawing/2014/main" id="{5CF51BD7-A605-4C7C-9049-B91AA8921564}"/>
+                <a16:creationId xmlns:a16="http://schemas.microsoft.com/office/drawing/2014/main" xmlns="" id="{5CF51BD7-A605-4C7C-9049-B91AA8921564}"/>
               </a:ext>
             </a:extLst>
           </p:cNvPr>
@@ -5141,7 +5141,7 @@
           <p:cNvPr id="30" name="Connecteur droit 29">
             <a:extLst>
               <a:ext uri="{FF2B5EF4-FFF2-40B4-BE49-F238E27FC236}">
-                <a16:creationId xmlns:a16="http://schemas.microsoft.com/office/drawing/2014/main" id="{D0B6DDA3-AC7D-4946-AFD5-BD2940C03F6F}"/>
+                <a16:creationId xmlns:a16="http://schemas.microsoft.com/office/drawing/2014/main" xmlns="" id="{D0B6DDA3-AC7D-4946-AFD5-BD2940C03F6F}"/>
               </a:ext>
             </a:extLst>
           </p:cNvPr>
@@ -5184,7 +5184,7 @@
           <p:cNvPr id="31" name="Connecteur droit 30">
             <a:extLst>
               <a:ext uri="{FF2B5EF4-FFF2-40B4-BE49-F238E27FC236}">
-                <a16:creationId xmlns:a16="http://schemas.microsoft.com/office/drawing/2014/main" id="{7D519820-A36A-4167-BF4F-4FBF114B3CE4}"/>
+                <a16:creationId xmlns:a16="http://schemas.microsoft.com/office/drawing/2014/main" xmlns="" id="{7D519820-A36A-4167-BF4F-4FBF114B3CE4}"/>
               </a:ext>
             </a:extLst>
           </p:cNvPr>
@@ -5227,7 +5227,7 @@
           <p:cNvPr id="32" name="Rectangle : coins arrondis 31">
             <a:extLst>
               <a:ext uri="{FF2B5EF4-FFF2-40B4-BE49-F238E27FC236}">
-                <a16:creationId xmlns:a16="http://schemas.microsoft.com/office/drawing/2014/main" id="{E86E23B2-CDC9-443B-802C-1CBE3EE56E57}"/>
+                <a16:creationId xmlns:a16="http://schemas.microsoft.com/office/drawing/2014/main" xmlns="" id="{E86E23B2-CDC9-443B-802C-1CBE3EE56E57}"/>
               </a:ext>
             </a:extLst>
           </p:cNvPr>
@@ -5273,7 +5273,7 @@
           <p:cNvPr id="33" name="Rectangle : coins arrondis 32">
             <a:extLst>
               <a:ext uri="{FF2B5EF4-FFF2-40B4-BE49-F238E27FC236}">
-                <a16:creationId xmlns:a16="http://schemas.microsoft.com/office/drawing/2014/main" id="{0B6C4303-2CE4-48F7-89C2-5FEB1FFFC1DB}"/>
+                <a16:creationId xmlns:a16="http://schemas.microsoft.com/office/drawing/2014/main" xmlns="" id="{0B6C4303-2CE4-48F7-89C2-5FEB1FFFC1DB}"/>
               </a:ext>
             </a:extLst>
           </p:cNvPr>
@@ -5319,7 +5319,7 @@
           <p:cNvPr id="34" name="Rectangle : coins arrondis 33">
             <a:extLst>
               <a:ext uri="{FF2B5EF4-FFF2-40B4-BE49-F238E27FC236}">
-                <a16:creationId xmlns:a16="http://schemas.microsoft.com/office/drawing/2014/main" id="{D358938C-BEBE-427B-BB39-92A272AA7E42}"/>
+                <a16:creationId xmlns:a16="http://schemas.microsoft.com/office/drawing/2014/main" xmlns="" id="{D358938C-BEBE-427B-BB39-92A272AA7E42}"/>
               </a:ext>
             </a:extLst>
           </p:cNvPr>
@@ -5365,7 +5365,7 @@
           <p:cNvPr id="35" name="Rectangle : coins arrondis 34">
             <a:extLst>
               <a:ext uri="{FF2B5EF4-FFF2-40B4-BE49-F238E27FC236}">
-                <a16:creationId xmlns:a16="http://schemas.microsoft.com/office/drawing/2014/main" id="{F4E89124-9A56-4A80-BECB-4B988BF987B9}"/>
+                <a16:creationId xmlns:a16="http://schemas.microsoft.com/office/drawing/2014/main" xmlns="" id="{F4E89124-9A56-4A80-BECB-4B988BF987B9}"/>
               </a:ext>
             </a:extLst>
           </p:cNvPr>
@@ -5411,7 +5411,7 @@
           <p:cNvPr id="36" name="Connecteur droit 35">
             <a:extLst>
               <a:ext uri="{FF2B5EF4-FFF2-40B4-BE49-F238E27FC236}">
-                <a16:creationId xmlns:a16="http://schemas.microsoft.com/office/drawing/2014/main" id="{531DE050-C48B-4AC6-8A40-8D4058B61843}"/>
+                <a16:creationId xmlns:a16="http://schemas.microsoft.com/office/drawing/2014/main" xmlns="" id="{531DE050-C48B-4AC6-8A40-8D4058B61843}"/>
               </a:ext>
             </a:extLst>
           </p:cNvPr>
@@ -5456,7 +5456,7 @@
           <p:cNvPr id="37" name="Connecteur droit 36">
             <a:extLst>
               <a:ext uri="{FF2B5EF4-FFF2-40B4-BE49-F238E27FC236}">
-                <a16:creationId xmlns:a16="http://schemas.microsoft.com/office/drawing/2014/main" id="{2EDD5F25-9EDC-49B5-AA1D-8F363D6CC0A2}"/>
+                <a16:creationId xmlns:a16="http://schemas.microsoft.com/office/drawing/2014/main" xmlns="" id="{2EDD5F25-9EDC-49B5-AA1D-8F363D6CC0A2}"/>
               </a:ext>
             </a:extLst>
           </p:cNvPr>
@@ -5501,7 +5501,7 @@
           <p:cNvPr id="38" name="Connecteur droit 37">
             <a:extLst>
               <a:ext uri="{FF2B5EF4-FFF2-40B4-BE49-F238E27FC236}">
-                <a16:creationId xmlns:a16="http://schemas.microsoft.com/office/drawing/2014/main" id="{C8C35DD5-0A7E-47D9-8332-43D8A93EC4A7}"/>
+                <a16:creationId xmlns:a16="http://schemas.microsoft.com/office/drawing/2014/main" xmlns="" id="{C8C35DD5-0A7E-47D9-8332-43D8A93EC4A7}"/>
               </a:ext>
             </a:extLst>
           </p:cNvPr>
@@ -5546,7 +5546,7 @@
           <p:cNvPr id="39" name="Connecteur droit 38">
             <a:extLst>
               <a:ext uri="{FF2B5EF4-FFF2-40B4-BE49-F238E27FC236}">
-                <a16:creationId xmlns:a16="http://schemas.microsoft.com/office/drawing/2014/main" id="{423C862D-BDDC-4A78-AE6E-A880286EA085}"/>
+                <a16:creationId xmlns:a16="http://schemas.microsoft.com/office/drawing/2014/main" xmlns="" id="{423C862D-BDDC-4A78-AE6E-A880286EA085}"/>
               </a:ext>
             </a:extLst>
           </p:cNvPr>
@@ -5591,7 +5591,7 @@
           <p:cNvPr id="61" name="Ellipse 60">
             <a:extLst>
               <a:ext uri="{FF2B5EF4-FFF2-40B4-BE49-F238E27FC236}">
-                <a16:creationId xmlns:a16="http://schemas.microsoft.com/office/drawing/2014/main" id="{6B32E420-F3FF-435F-9ED2-E139D49BED66}"/>
+                <a16:creationId xmlns:a16="http://schemas.microsoft.com/office/drawing/2014/main" xmlns="" id="{6B32E420-F3FF-435F-9ED2-E139D49BED66}"/>
               </a:ext>
             </a:extLst>
           </p:cNvPr>
@@ -5640,7 +5640,7 @@
           <p:cNvPr id="62" name="Organigramme : Opération manuelle 61">
             <a:extLst>
               <a:ext uri="{FF2B5EF4-FFF2-40B4-BE49-F238E27FC236}">
-                <a16:creationId xmlns:a16="http://schemas.microsoft.com/office/drawing/2014/main" id="{37D282D6-F1C2-4DAD-BFCF-83BB5BEDA595}"/>
+                <a16:creationId xmlns:a16="http://schemas.microsoft.com/office/drawing/2014/main" xmlns="" id="{37D282D6-F1C2-4DAD-BFCF-83BB5BEDA595}"/>
               </a:ext>
             </a:extLst>
           </p:cNvPr>
@@ -5686,7 +5686,7 @@
           <p:cNvPr id="63" name="Organigramme : Opération manuelle 62">
             <a:extLst>
               <a:ext uri="{FF2B5EF4-FFF2-40B4-BE49-F238E27FC236}">
-                <a16:creationId xmlns:a16="http://schemas.microsoft.com/office/drawing/2014/main" id="{37B7A8C8-70B3-4ADD-ADEE-87206B8506E3}"/>
+                <a16:creationId xmlns:a16="http://schemas.microsoft.com/office/drawing/2014/main" xmlns="" id="{37B7A8C8-70B3-4ADD-ADEE-87206B8506E3}"/>
               </a:ext>
             </a:extLst>
           </p:cNvPr>
@@ -5732,7 +5732,7 @@
           <p:cNvPr id="64" name="Organigramme : Opération manuelle 63">
             <a:extLst>
               <a:ext uri="{FF2B5EF4-FFF2-40B4-BE49-F238E27FC236}">
-                <a16:creationId xmlns:a16="http://schemas.microsoft.com/office/drawing/2014/main" id="{5E5331FC-F4FD-4003-A00A-BF9F47B5A9A3}"/>
+                <a16:creationId xmlns:a16="http://schemas.microsoft.com/office/drawing/2014/main" xmlns="" id="{5E5331FC-F4FD-4003-A00A-BF9F47B5A9A3}"/>
               </a:ext>
             </a:extLst>
           </p:cNvPr>
@@ -5778,7 +5778,7 @@
           <p:cNvPr id="65" name="Organigramme : Opération manuelle 64">
             <a:extLst>
               <a:ext uri="{FF2B5EF4-FFF2-40B4-BE49-F238E27FC236}">
-                <a16:creationId xmlns:a16="http://schemas.microsoft.com/office/drawing/2014/main" id="{C11FFCC8-58B6-40BE-ABE1-43D529ECE41F}"/>
+                <a16:creationId xmlns:a16="http://schemas.microsoft.com/office/drawing/2014/main" xmlns="" id="{C11FFCC8-58B6-40BE-ABE1-43D529ECE41F}"/>
               </a:ext>
             </a:extLst>
           </p:cNvPr>
@@ -5824,7 +5824,7 @@
           <p:cNvPr id="66" name="Ellipse 65">
             <a:extLst>
               <a:ext uri="{FF2B5EF4-FFF2-40B4-BE49-F238E27FC236}">
-                <a16:creationId xmlns:a16="http://schemas.microsoft.com/office/drawing/2014/main" id="{BBC8F03B-B3B8-4644-9E21-F2B76976BAE2}"/>
+                <a16:creationId xmlns:a16="http://schemas.microsoft.com/office/drawing/2014/main" xmlns="" id="{BBC8F03B-B3B8-4644-9E21-F2B76976BAE2}"/>
               </a:ext>
             </a:extLst>
           </p:cNvPr>
@@ -5873,7 +5873,7 @@
           <p:cNvPr id="67" name="Organigramme : Opération manuelle 66">
             <a:extLst>
               <a:ext uri="{FF2B5EF4-FFF2-40B4-BE49-F238E27FC236}">
-                <a16:creationId xmlns:a16="http://schemas.microsoft.com/office/drawing/2014/main" id="{8F3A0C55-D750-4944-ACD4-15A0CA495669}"/>
+                <a16:creationId xmlns:a16="http://schemas.microsoft.com/office/drawing/2014/main" xmlns="" id="{8F3A0C55-D750-4944-ACD4-15A0CA495669}"/>
               </a:ext>
             </a:extLst>
           </p:cNvPr>
@@ -5919,7 +5919,7 @@
           <p:cNvPr id="68" name="Organigramme : Opération manuelle 67">
             <a:extLst>
               <a:ext uri="{FF2B5EF4-FFF2-40B4-BE49-F238E27FC236}">
-                <a16:creationId xmlns:a16="http://schemas.microsoft.com/office/drawing/2014/main" id="{7CC86C71-D270-466D-A536-416745BF0966}"/>
+                <a16:creationId xmlns:a16="http://schemas.microsoft.com/office/drawing/2014/main" xmlns="" id="{7CC86C71-D270-466D-A536-416745BF0966}"/>
               </a:ext>
             </a:extLst>
           </p:cNvPr>
@@ -5965,7 +5965,7 @@
           <p:cNvPr id="69" name="Organigramme : Opération manuelle 68">
             <a:extLst>
               <a:ext uri="{FF2B5EF4-FFF2-40B4-BE49-F238E27FC236}">
-                <a16:creationId xmlns:a16="http://schemas.microsoft.com/office/drawing/2014/main" id="{FA4B70C8-2929-43DD-9145-521EC4BF4768}"/>
+                <a16:creationId xmlns:a16="http://schemas.microsoft.com/office/drawing/2014/main" xmlns="" id="{FA4B70C8-2929-43DD-9145-521EC4BF4768}"/>
               </a:ext>
             </a:extLst>
           </p:cNvPr>
@@ -6011,7 +6011,7 @@
           <p:cNvPr id="70" name="Organigramme : Opération manuelle 69">
             <a:extLst>
               <a:ext uri="{FF2B5EF4-FFF2-40B4-BE49-F238E27FC236}">
-                <a16:creationId xmlns:a16="http://schemas.microsoft.com/office/drawing/2014/main" id="{B89DE4BE-AC97-4C40-883B-E5E1233535C8}"/>
+                <a16:creationId xmlns:a16="http://schemas.microsoft.com/office/drawing/2014/main" xmlns="" id="{B89DE4BE-AC97-4C40-883B-E5E1233535C8}"/>
               </a:ext>
             </a:extLst>
           </p:cNvPr>
@@ -6057,7 +6057,7 @@
           <p:cNvPr id="71" name="Ellipse 70">
             <a:extLst>
               <a:ext uri="{FF2B5EF4-FFF2-40B4-BE49-F238E27FC236}">
-                <a16:creationId xmlns:a16="http://schemas.microsoft.com/office/drawing/2014/main" id="{AB89EDC8-39F3-4FC7-A559-3337A56775FE}"/>
+                <a16:creationId xmlns:a16="http://schemas.microsoft.com/office/drawing/2014/main" xmlns="" id="{AB89EDC8-39F3-4FC7-A559-3337A56775FE}"/>
               </a:ext>
             </a:extLst>
           </p:cNvPr>
@@ -6106,7 +6106,7 @@
           <p:cNvPr id="72" name="Organigramme : Opération manuelle 71">
             <a:extLst>
               <a:ext uri="{FF2B5EF4-FFF2-40B4-BE49-F238E27FC236}">
-                <a16:creationId xmlns:a16="http://schemas.microsoft.com/office/drawing/2014/main" id="{2AE00D2D-B0C6-4261-BE32-50FACDCD96DF}"/>
+                <a16:creationId xmlns:a16="http://schemas.microsoft.com/office/drawing/2014/main" xmlns="" id="{2AE00D2D-B0C6-4261-BE32-50FACDCD96DF}"/>
               </a:ext>
             </a:extLst>
           </p:cNvPr>
@@ -6152,7 +6152,7 @@
           <p:cNvPr id="73" name="Organigramme : Opération manuelle 72">
             <a:extLst>
               <a:ext uri="{FF2B5EF4-FFF2-40B4-BE49-F238E27FC236}">
-                <a16:creationId xmlns:a16="http://schemas.microsoft.com/office/drawing/2014/main" id="{92859C6B-67B0-441B-9906-A690D8695545}"/>
+                <a16:creationId xmlns:a16="http://schemas.microsoft.com/office/drawing/2014/main" xmlns="" id="{92859C6B-67B0-441B-9906-A690D8695545}"/>
               </a:ext>
             </a:extLst>
           </p:cNvPr>
@@ -6198,7 +6198,7 @@
           <p:cNvPr id="74" name="Organigramme : Opération manuelle 73">
             <a:extLst>
               <a:ext uri="{FF2B5EF4-FFF2-40B4-BE49-F238E27FC236}">
-                <a16:creationId xmlns:a16="http://schemas.microsoft.com/office/drawing/2014/main" id="{840F19AA-FC3F-4C25-96B3-A8B1D16DB942}"/>
+                <a16:creationId xmlns:a16="http://schemas.microsoft.com/office/drawing/2014/main" xmlns="" id="{840F19AA-FC3F-4C25-96B3-A8B1D16DB942}"/>
               </a:ext>
             </a:extLst>
           </p:cNvPr>
@@ -6244,7 +6244,7 @@
           <p:cNvPr id="75" name="Organigramme : Opération manuelle 74">
             <a:extLst>
               <a:ext uri="{FF2B5EF4-FFF2-40B4-BE49-F238E27FC236}">
-                <a16:creationId xmlns:a16="http://schemas.microsoft.com/office/drawing/2014/main" id="{620C3965-C23E-4514-A463-1DF53060030C}"/>
+                <a16:creationId xmlns:a16="http://schemas.microsoft.com/office/drawing/2014/main" xmlns="" id="{620C3965-C23E-4514-A463-1DF53060030C}"/>
               </a:ext>
             </a:extLst>
           </p:cNvPr>
@@ -6290,7 +6290,7 @@
           <p:cNvPr id="76" name="Ellipse 75">
             <a:extLst>
               <a:ext uri="{FF2B5EF4-FFF2-40B4-BE49-F238E27FC236}">
-                <a16:creationId xmlns:a16="http://schemas.microsoft.com/office/drawing/2014/main" id="{33C99640-F6F3-489E-B49B-AEF617168B6A}"/>
+                <a16:creationId xmlns:a16="http://schemas.microsoft.com/office/drawing/2014/main" xmlns="" id="{33C99640-F6F3-489E-B49B-AEF617168B6A}"/>
               </a:ext>
             </a:extLst>
           </p:cNvPr>
@@ -6339,7 +6339,7 @@
           <p:cNvPr id="77" name="Organigramme : Opération manuelle 76">
             <a:extLst>
               <a:ext uri="{FF2B5EF4-FFF2-40B4-BE49-F238E27FC236}">
-                <a16:creationId xmlns:a16="http://schemas.microsoft.com/office/drawing/2014/main" id="{03CE85ED-3066-4068-BC1A-259D9A9D3DCC}"/>
+                <a16:creationId xmlns:a16="http://schemas.microsoft.com/office/drawing/2014/main" xmlns="" id="{03CE85ED-3066-4068-BC1A-259D9A9D3DCC}"/>
               </a:ext>
             </a:extLst>
           </p:cNvPr>
@@ -6385,7 +6385,7 @@
           <p:cNvPr id="78" name="Organigramme : Opération manuelle 77">
             <a:extLst>
               <a:ext uri="{FF2B5EF4-FFF2-40B4-BE49-F238E27FC236}">
-                <a16:creationId xmlns:a16="http://schemas.microsoft.com/office/drawing/2014/main" id="{79928D55-BBC5-424E-8695-3091E8C6657E}"/>
+                <a16:creationId xmlns:a16="http://schemas.microsoft.com/office/drawing/2014/main" xmlns="" id="{79928D55-BBC5-424E-8695-3091E8C6657E}"/>
               </a:ext>
             </a:extLst>
           </p:cNvPr>
@@ -6431,7 +6431,7 @@
           <p:cNvPr id="79" name="Organigramme : Opération manuelle 78">
             <a:extLst>
               <a:ext uri="{FF2B5EF4-FFF2-40B4-BE49-F238E27FC236}">
-                <a16:creationId xmlns:a16="http://schemas.microsoft.com/office/drawing/2014/main" id="{82EF2A1B-5C77-4B0B-BE5B-B84F18EC22CA}"/>
+                <a16:creationId xmlns:a16="http://schemas.microsoft.com/office/drawing/2014/main" xmlns="" id="{82EF2A1B-5C77-4B0B-BE5B-B84F18EC22CA}"/>
               </a:ext>
             </a:extLst>
           </p:cNvPr>
@@ -6477,7 +6477,7 @@
           <p:cNvPr id="80" name="Organigramme : Opération manuelle 79">
             <a:extLst>
               <a:ext uri="{FF2B5EF4-FFF2-40B4-BE49-F238E27FC236}">
-                <a16:creationId xmlns:a16="http://schemas.microsoft.com/office/drawing/2014/main" id="{441CEF3D-96AC-4BCC-9786-F7EAB682DE92}"/>
+                <a16:creationId xmlns:a16="http://schemas.microsoft.com/office/drawing/2014/main" xmlns="" id="{441CEF3D-96AC-4BCC-9786-F7EAB682DE92}"/>
               </a:ext>
             </a:extLst>
           </p:cNvPr>
@@ -6523,7 +6523,7 @@
           <p:cNvPr id="81" name="Ellipse 80">
             <a:extLst>
               <a:ext uri="{FF2B5EF4-FFF2-40B4-BE49-F238E27FC236}">
-                <a16:creationId xmlns:a16="http://schemas.microsoft.com/office/drawing/2014/main" id="{597F2BE5-34C7-4F18-9C8E-CF88FF4C1DFE}"/>
+                <a16:creationId xmlns:a16="http://schemas.microsoft.com/office/drawing/2014/main" xmlns="" id="{597F2BE5-34C7-4F18-9C8E-CF88FF4C1DFE}"/>
               </a:ext>
             </a:extLst>
           </p:cNvPr>
@@ -6574,7 +6574,7 @@
           <p:cNvPr id="82" name="Organigramme : Opération manuelle 81">
             <a:extLst>
               <a:ext uri="{FF2B5EF4-FFF2-40B4-BE49-F238E27FC236}">
-                <a16:creationId xmlns:a16="http://schemas.microsoft.com/office/drawing/2014/main" id="{D5774860-83B8-4C85-88AF-2440281A45F1}"/>
+                <a16:creationId xmlns:a16="http://schemas.microsoft.com/office/drawing/2014/main" xmlns="" id="{D5774860-83B8-4C85-88AF-2440281A45F1}"/>
               </a:ext>
             </a:extLst>
           </p:cNvPr>
@@ -6620,7 +6620,7 @@
           <p:cNvPr id="83" name="Organigramme : Opération manuelle 82">
             <a:extLst>
               <a:ext uri="{FF2B5EF4-FFF2-40B4-BE49-F238E27FC236}">
-                <a16:creationId xmlns:a16="http://schemas.microsoft.com/office/drawing/2014/main" id="{EA347ED1-5173-4338-9BE9-75FF3332F8FE}"/>
+                <a16:creationId xmlns:a16="http://schemas.microsoft.com/office/drawing/2014/main" xmlns="" id="{EA347ED1-5173-4338-9BE9-75FF3332F8FE}"/>
               </a:ext>
             </a:extLst>
           </p:cNvPr>
@@ -6666,7 +6666,7 @@
           <p:cNvPr id="84" name="Organigramme : Opération manuelle 83">
             <a:extLst>
               <a:ext uri="{FF2B5EF4-FFF2-40B4-BE49-F238E27FC236}">
-                <a16:creationId xmlns:a16="http://schemas.microsoft.com/office/drawing/2014/main" id="{03116B97-AF2D-4D98-A291-B386E74E4FB5}"/>
+                <a16:creationId xmlns:a16="http://schemas.microsoft.com/office/drawing/2014/main" xmlns="" id="{03116B97-AF2D-4D98-A291-B386E74E4FB5}"/>
               </a:ext>
             </a:extLst>
           </p:cNvPr>
@@ -6712,7 +6712,7 @@
           <p:cNvPr id="85" name="Organigramme : Opération manuelle 84">
             <a:extLst>
               <a:ext uri="{FF2B5EF4-FFF2-40B4-BE49-F238E27FC236}">
-                <a16:creationId xmlns:a16="http://schemas.microsoft.com/office/drawing/2014/main" id="{0A5C7B69-FC08-4642-AD5E-EE3394D0F584}"/>
+                <a16:creationId xmlns:a16="http://schemas.microsoft.com/office/drawing/2014/main" xmlns="" id="{0A5C7B69-FC08-4642-AD5E-EE3394D0F584}"/>
               </a:ext>
             </a:extLst>
           </p:cNvPr>
@@ -6758,7 +6758,7 @@
           <p:cNvPr id="86" name="Ellipse 85">
             <a:extLst>
               <a:ext uri="{FF2B5EF4-FFF2-40B4-BE49-F238E27FC236}">
-                <a16:creationId xmlns:a16="http://schemas.microsoft.com/office/drawing/2014/main" id="{DDA4AA9D-B29C-47E6-A317-873E22EAE6E2}"/>
+                <a16:creationId xmlns:a16="http://schemas.microsoft.com/office/drawing/2014/main" xmlns="" id="{DDA4AA9D-B29C-47E6-A317-873E22EAE6E2}"/>
               </a:ext>
             </a:extLst>
           </p:cNvPr>
@@ -6804,7 +6804,7 @@
           <p:cNvPr id="87" name="Organigramme : Opération manuelle 86">
             <a:extLst>
               <a:ext uri="{FF2B5EF4-FFF2-40B4-BE49-F238E27FC236}">
-                <a16:creationId xmlns:a16="http://schemas.microsoft.com/office/drawing/2014/main" id="{AD51E247-C239-455C-836A-B1834FEB88CE}"/>
+                <a16:creationId xmlns:a16="http://schemas.microsoft.com/office/drawing/2014/main" xmlns="" id="{AD51E247-C239-455C-836A-B1834FEB88CE}"/>
               </a:ext>
             </a:extLst>
           </p:cNvPr>
@@ -6850,7 +6850,7 @@
           <p:cNvPr id="88" name="Organigramme : Opération manuelle 87">
             <a:extLst>
               <a:ext uri="{FF2B5EF4-FFF2-40B4-BE49-F238E27FC236}">
-                <a16:creationId xmlns:a16="http://schemas.microsoft.com/office/drawing/2014/main" id="{7855F702-B32D-434E-AD05-E1A50B85C20D}"/>
+                <a16:creationId xmlns:a16="http://schemas.microsoft.com/office/drawing/2014/main" xmlns="" id="{7855F702-B32D-434E-AD05-E1A50B85C20D}"/>
               </a:ext>
             </a:extLst>
           </p:cNvPr>
@@ -6896,7 +6896,7 @@
           <p:cNvPr id="89" name="Organigramme : Opération manuelle 88">
             <a:extLst>
               <a:ext uri="{FF2B5EF4-FFF2-40B4-BE49-F238E27FC236}">
-                <a16:creationId xmlns:a16="http://schemas.microsoft.com/office/drawing/2014/main" id="{18D84222-EFA1-4258-B31D-7D855D460937}"/>
+                <a16:creationId xmlns:a16="http://schemas.microsoft.com/office/drawing/2014/main" xmlns="" id="{18D84222-EFA1-4258-B31D-7D855D460937}"/>
               </a:ext>
             </a:extLst>
           </p:cNvPr>
@@ -6942,7 +6942,7 @@
           <p:cNvPr id="90" name="Organigramme : Opération manuelle 89">
             <a:extLst>
               <a:ext uri="{FF2B5EF4-FFF2-40B4-BE49-F238E27FC236}">
-                <a16:creationId xmlns:a16="http://schemas.microsoft.com/office/drawing/2014/main" id="{1F8EDD20-9CF0-41CE-9931-177DC0B7D5DE}"/>
+                <a16:creationId xmlns:a16="http://schemas.microsoft.com/office/drawing/2014/main" xmlns="" id="{1F8EDD20-9CF0-41CE-9931-177DC0B7D5DE}"/>
               </a:ext>
             </a:extLst>
           </p:cNvPr>
@@ -6988,7 +6988,7 @@
           <p:cNvPr id="91" name="Ellipse 90">
             <a:extLst>
               <a:ext uri="{FF2B5EF4-FFF2-40B4-BE49-F238E27FC236}">
-                <a16:creationId xmlns:a16="http://schemas.microsoft.com/office/drawing/2014/main" id="{B149C558-B168-4CDA-B447-9E3482E919D8}"/>
+                <a16:creationId xmlns:a16="http://schemas.microsoft.com/office/drawing/2014/main" xmlns="" id="{B149C558-B168-4CDA-B447-9E3482E919D8}"/>
               </a:ext>
             </a:extLst>
           </p:cNvPr>
@@ -7034,7 +7034,7 @@
           <p:cNvPr id="92" name="Organigramme : Opération manuelle 91">
             <a:extLst>
               <a:ext uri="{FF2B5EF4-FFF2-40B4-BE49-F238E27FC236}">
-                <a16:creationId xmlns:a16="http://schemas.microsoft.com/office/drawing/2014/main" id="{DC4A2F37-6A67-4DC4-BB28-2877AB22D30D}"/>
+                <a16:creationId xmlns:a16="http://schemas.microsoft.com/office/drawing/2014/main" xmlns="" id="{DC4A2F37-6A67-4DC4-BB28-2877AB22D30D}"/>
               </a:ext>
             </a:extLst>
           </p:cNvPr>
@@ -7080,7 +7080,7 @@
           <p:cNvPr id="93" name="Organigramme : Opération manuelle 92">
             <a:extLst>
               <a:ext uri="{FF2B5EF4-FFF2-40B4-BE49-F238E27FC236}">
-                <a16:creationId xmlns:a16="http://schemas.microsoft.com/office/drawing/2014/main" id="{179D0460-E87D-47E7-AF8A-CA7099284A25}"/>
+                <a16:creationId xmlns:a16="http://schemas.microsoft.com/office/drawing/2014/main" xmlns="" id="{179D0460-E87D-47E7-AF8A-CA7099284A25}"/>
               </a:ext>
             </a:extLst>
           </p:cNvPr>
@@ -7126,7 +7126,7 @@
           <p:cNvPr id="94" name="Organigramme : Opération manuelle 93">
             <a:extLst>
               <a:ext uri="{FF2B5EF4-FFF2-40B4-BE49-F238E27FC236}">
-                <a16:creationId xmlns:a16="http://schemas.microsoft.com/office/drawing/2014/main" id="{DEF731AD-13EB-47A9-9CB8-096FCAD5C985}"/>
+                <a16:creationId xmlns:a16="http://schemas.microsoft.com/office/drawing/2014/main" xmlns="" id="{DEF731AD-13EB-47A9-9CB8-096FCAD5C985}"/>
               </a:ext>
             </a:extLst>
           </p:cNvPr>
@@ -7172,7 +7172,7 @@
           <p:cNvPr id="95" name="Organigramme : Opération manuelle 94">
             <a:extLst>
               <a:ext uri="{FF2B5EF4-FFF2-40B4-BE49-F238E27FC236}">
-                <a16:creationId xmlns:a16="http://schemas.microsoft.com/office/drawing/2014/main" id="{AC70A1E7-9F77-46D8-B862-2DDCFC168710}"/>
+                <a16:creationId xmlns:a16="http://schemas.microsoft.com/office/drawing/2014/main" xmlns="" id="{AC70A1E7-9F77-46D8-B862-2DDCFC168710}"/>
               </a:ext>
             </a:extLst>
           </p:cNvPr>
@@ -7218,7 +7218,7 @@
           <p:cNvPr id="96" name="Ellipse 95">
             <a:extLst>
               <a:ext uri="{FF2B5EF4-FFF2-40B4-BE49-F238E27FC236}">
-                <a16:creationId xmlns:a16="http://schemas.microsoft.com/office/drawing/2014/main" id="{8E1B767E-F370-4BB7-82DA-3086E054DA64}"/>
+                <a16:creationId xmlns:a16="http://schemas.microsoft.com/office/drawing/2014/main" xmlns="" id="{8E1B767E-F370-4BB7-82DA-3086E054DA64}"/>
               </a:ext>
             </a:extLst>
           </p:cNvPr>
@@ -7269,7 +7269,7 @@
           <p:cNvPr id="97" name="Organigramme : Opération manuelle 96">
             <a:extLst>
               <a:ext uri="{FF2B5EF4-FFF2-40B4-BE49-F238E27FC236}">
-                <a16:creationId xmlns:a16="http://schemas.microsoft.com/office/drawing/2014/main" id="{ECE5A3E8-FCA2-4120-B225-3222DFE73988}"/>
+                <a16:creationId xmlns:a16="http://schemas.microsoft.com/office/drawing/2014/main" xmlns="" id="{ECE5A3E8-FCA2-4120-B225-3222DFE73988}"/>
               </a:ext>
             </a:extLst>
           </p:cNvPr>
@@ -7315,7 +7315,7 @@
           <p:cNvPr id="98" name="Organigramme : Opération manuelle 97">
             <a:extLst>
               <a:ext uri="{FF2B5EF4-FFF2-40B4-BE49-F238E27FC236}">
-                <a16:creationId xmlns:a16="http://schemas.microsoft.com/office/drawing/2014/main" id="{7AC76E92-47B3-4FB5-810B-D290FF3E0889}"/>
+                <a16:creationId xmlns:a16="http://schemas.microsoft.com/office/drawing/2014/main" xmlns="" id="{7AC76E92-47B3-4FB5-810B-D290FF3E0889}"/>
               </a:ext>
             </a:extLst>
           </p:cNvPr>
@@ -7361,7 +7361,7 @@
           <p:cNvPr id="99" name="Organigramme : Opération manuelle 98">
             <a:extLst>
               <a:ext uri="{FF2B5EF4-FFF2-40B4-BE49-F238E27FC236}">
-                <a16:creationId xmlns:a16="http://schemas.microsoft.com/office/drawing/2014/main" id="{53B390CA-8E2A-4CE8-A34E-BA415E44122F}"/>
+                <a16:creationId xmlns:a16="http://schemas.microsoft.com/office/drawing/2014/main" xmlns="" id="{53B390CA-8E2A-4CE8-A34E-BA415E44122F}"/>
               </a:ext>
             </a:extLst>
           </p:cNvPr>
@@ -7407,7 +7407,7 @@
           <p:cNvPr id="100" name="Organigramme : Opération manuelle 99">
             <a:extLst>
               <a:ext uri="{FF2B5EF4-FFF2-40B4-BE49-F238E27FC236}">
-                <a16:creationId xmlns:a16="http://schemas.microsoft.com/office/drawing/2014/main" id="{21C269A4-ACA7-4E11-97AB-B4E2724E10FB}"/>
+                <a16:creationId xmlns:a16="http://schemas.microsoft.com/office/drawing/2014/main" xmlns="" id="{21C269A4-ACA7-4E11-97AB-B4E2724E10FB}"/>
               </a:ext>
             </a:extLst>
           </p:cNvPr>
@@ -7453,7 +7453,7 @@
           <p:cNvPr id="102" name="Connecteur droit 101">
             <a:extLst>
               <a:ext uri="{FF2B5EF4-FFF2-40B4-BE49-F238E27FC236}">
-                <a16:creationId xmlns:a16="http://schemas.microsoft.com/office/drawing/2014/main" id="{4C489271-C52C-4BF3-B83D-48A639A3E0B9}"/>
+                <a16:creationId xmlns:a16="http://schemas.microsoft.com/office/drawing/2014/main" xmlns="" id="{4C489271-C52C-4BF3-B83D-48A639A3E0B9}"/>
               </a:ext>
             </a:extLst>
           </p:cNvPr>
@@ -7500,7 +7500,7 @@
           <p:cNvPr id="40" name="Ellipse 39">
             <a:extLst>
               <a:ext uri="{FF2B5EF4-FFF2-40B4-BE49-F238E27FC236}">
-                <a16:creationId xmlns:a16="http://schemas.microsoft.com/office/drawing/2014/main" id="{91880E58-6B22-4B4C-9D51-C2D9EA6DE3A2}"/>
+                <a16:creationId xmlns:a16="http://schemas.microsoft.com/office/drawing/2014/main" xmlns="" id="{91880E58-6B22-4B4C-9D51-C2D9EA6DE3A2}"/>
               </a:ext>
             </a:extLst>
           </p:cNvPr>
@@ -7551,7 +7551,7 @@
           <p:cNvPr id="41" name="Organigramme : Opération manuelle 40">
             <a:extLst>
               <a:ext uri="{FF2B5EF4-FFF2-40B4-BE49-F238E27FC236}">
-                <a16:creationId xmlns:a16="http://schemas.microsoft.com/office/drawing/2014/main" id="{DC3B55B1-E72E-42ED-8A2F-633C40377417}"/>
+                <a16:creationId xmlns:a16="http://schemas.microsoft.com/office/drawing/2014/main" xmlns="" id="{DC3B55B1-E72E-42ED-8A2F-633C40377417}"/>
               </a:ext>
             </a:extLst>
           </p:cNvPr>
@@ -7597,7 +7597,7 @@
           <p:cNvPr id="43" name="Organigramme : Opération manuelle 42">
             <a:extLst>
               <a:ext uri="{FF2B5EF4-FFF2-40B4-BE49-F238E27FC236}">
-                <a16:creationId xmlns:a16="http://schemas.microsoft.com/office/drawing/2014/main" id="{42CBBCDD-C623-4782-8062-5EF3E6F0ED96}"/>
+                <a16:creationId xmlns:a16="http://schemas.microsoft.com/office/drawing/2014/main" xmlns="" id="{42CBBCDD-C623-4782-8062-5EF3E6F0ED96}"/>
               </a:ext>
             </a:extLst>
           </p:cNvPr>
@@ -7643,7 +7643,7 @@
           <p:cNvPr id="44" name="Organigramme : Opération manuelle 43">
             <a:extLst>
               <a:ext uri="{FF2B5EF4-FFF2-40B4-BE49-F238E27FC236}">
-                <a16:creationId xmlns:a16="http://schemas.microsoft.com/office/drawing/2014/main" id="{6219C7B1-99FF-4877-B7B3-EE55C0C91FF6}"/>
+                <a16:creationId xmlns:a16="http://schemas.microsoft.com/office/drawing/2014/main" xmlns="" id="{6219C7B1-99FF-4877-B7B3-EE55C0C91FF6}"/>
               </a:ext>
             </a:extLst>
           </p:cNvPr>
@@ -7689,7 +7689,7 @@
           <p:cNvPr id="45" name="Organigramme : Opération manuelle 44">
             <a:extLst>
               <a:ext uri="{FF2B5EF4-FFF2-40B4-BE49-F238E27FC236}">
-                <a16:creationId xmlns:a16="http://schemas.microsoft.com/office/drawing/2014/main" id="{704F0B15-2CB2-4638-ABCE-117C7E7094B4}"/>
+                <a16:creationId xmlns:a16="http://schemas.microsoft.com/office/drawing/2014/main" xmlns="" id="{704F0B15-2CB2-4638-ABCE-117C7E7094B4}"/>
               </a:ext>
             </a:extLst>
           </p:cNvPr>
@@ -7735,7 +7735,7 @@
           <p:cNvPr id="46" name="Ellipse 45">
             <a:extLst>
               <a:ext uri="{FF2B5EF4-FFF2-40B4-BE49-F238E27FC236}">
-                <a16:creationId xmlns:a16="http://schemas.microsoft.com/office/drawing/2014/main" id="{BE8C4EC8-5639-44B8-8A54-18FD3BC6E5DA}"/>
+                <a16:creationId xmlns:a16="http://schemas.microsoft.com/office/drawing/2014/main" xmlns="" id="{BE8C4EC8-5639-44B8-8A54-18FD3BC6E5DA}"/>
               </a:ext>
             </a:extLst>
           </p:cNvPr>
@@ -7786,7 +7786,7 @@
           <p:cNvPr id="47" name="Organigramme : Opération manuelle 46">
             <a:extLst>
               <a:ext uri="{FF2B5EF4-FFF2-40B4-BE49-F238E27FC236}">
-                <a16:creationId xmlns:a16="http://schemas.microsoft.com/office/drawing/2014/main" id="{F9221C5D-13AA-4A55-AC8C-3CB3CFFAF1BC}"/>
+                <a16:creationId xmlns:a16="http://schemas.microsoft.com/office/drawing/2014/main" xmlns="" id="{F9221C5D-13AA-4A55-AC8C-3CB3CFFAF1BC}"/>
               </a:ext>
             </a:extLst>
           </p:cNvPr>
@@ -7832,7 +7832,7 @@
           <p:cNvPr id="48" name="Organigramme : Opération manuelle 47">
             <a:extLst>
               <a:ext uri="{FF2B5EF4-FFF2-40B4-BE49-F238E27FC236}">
-                <a16:creationId xmlns:a16="http://schemas.microsoft.com/office/drawing/2014/main" id="{7A19FF6A-F47B-4732-96D4-F64E67720B9A}"/>
+                <a16:creationId xmlns:a16="http://schemas.microsoft.com/office/drawing/2014/main" xmlns="" id="{7A19FF6A-F47B-4732-96D4-F64E67720B9A}"/>
               </a:ext>
             </a:extLst>
           </p:cNvPr>
@@ -7878,7 +7878,7 @@
           <p:cNvPr id="49" name="Organigramme : Opération manuelle 48">
             <a:extLst>
               <a:ext uri="{FF2B5EF4-FFF2-40B4-BE49-F238E27FC236}">
-                <a16:creationId xmlns:a16="http://schemas.microsoft.com/office/drawing/2014/main" id="{761544D1-0FC7-402F-9E9D-BC6EAB0E04E0}"/>
+                <a16:creationId xmlns:a16="http://schemas.microsoft.com/office/drawing/2014/main" xmlns="" id="{761544D1-0FC7-402F-9E9D-BC6EAB0E04E0}"/>
               </a:ext>
             </a:extLst>
           </p:cNvPr>
@@ -7924,7 +7924,7 @@
           <p:cNvPr id="50" name="Organigramme : Opération manuelle 49">
             <a:extLst>
               <a:ext uri="{FF2B5EF4-FFF2-40B4-BE49-F238E27FC236}">
-                <a16:creationId xmlns:a16="http://schemas.microsoft.com/office/drawing/2014/main" id="{FDAA0F40-D2CA-48BB-B3B9-D2F2A3208A02}"/>
+                <a16:creationId xmlns:a16="http://schemas.microsoft.com/office/drawing/2014/main" xmlns="" id="{FDAA0F40-D2CA-48BB-B3B9-D2F2A3208A02}"/>
               </a:ext>
             </a:extLst>
           </p:cNvPr>
@@ -7970,7 +7970,7 @@
           <p:cNvPr id="51" name="Ellipse 50">
             <a:extLst>
               <a:ext uri="{FF2B5EF4-FFF2-40B4-BE49-F238E27FC236}">
-                <a16:creationId xmlns:a16="http://schemas.microsoft.com/office/drawing/2014/main" id="{AAE08825-BCD9-47CA-8A3E-23088EDD187F}"/>
+                <a16:creationId xmlns:a16="http://schemas.microsoft.com/office/drawing/2014/main" xmlns="" id="{AAE08825-BCD9-47CA-8A3E-23088EDD187F}"/>
               </a:ext>
             </a:extLst>
           </p:cNvPr>
@@ -8021,7 +8021,7 @@
           <p:cNvPr id="52" name="Organigramme : Opération manuelle 51">
             <a:extLst>
               <a:ext uri="{FF2B5EF4-FFF2-40B4-BE49-F238E27FC236}">
-                <a16:creationId xmlns:a16="http://schemas.microsoft.com/office/drawing/2014/main" id="{9B3D5033-A414-42A2-828D-61F554B5F198}"/>
+                <a16:creationId xmlns:a16="http://schemas.microsoft.com/office/drawing/2014/main" xmlns="" id="{9B3D5033-A414-42A2-828D-61F554B5F198}"/>
               </a:ext>
             </a:extLst>
           </p:cNvPr>
@@ -8067,7 +8067,7 @@
           <p:cNvPr id="53" name="Organigramme : Opération manuelle 52">
             <a:extLst>
               <a:ext uri="{FF2B5EF4-FFF2-40B4-BE49-F238E27FC236}">
-                <a16:creationId xmlns:a16="http://schemas.microsoft.com/office/drawing/2014/main" id="{DBBAC968-B061-466E-9689-60CAB39249A7}"/>
+                <a16:creationId xmlns:a16="http://schemas.microsoft.com/office/drawing/2014/main" xmlns="" id="{DBBAC968-B061-466E-9689-60CAB39249A7}"/>
               </a:ext>
             </a:extLst>
           </p:cNvPr>
@@ -8113,7 +8113,7 @@
           <p:cNvPr id="54" name="Organigramme : Opération manuelle 53">
             <a:extLst>
               <a:ext uri="{FF2B5EF4-FFF2-40B4-BE49-F238E27FC236}">
-                <a16:creationId xmlns:a16="http://schemas.microsoft.com/office/drawing/2014/main" id="{29921343-D45D-4CB7-B013-A159A4BB1F27}"/>
+                <a16:creationId xmlns:a16="http://schemas.microsoft.com/office/drawing/2014/main" xmlns="" id="{29921343-D45D-4CB7-B013-A159A4BB1F27}"/>
               </a:ext>
             </a:extLst>
           </p:cNvPr>
@@ -8159,7 +8159,7 @@
           <p:cNvPr id="55" name="Organigramme : Opération manuelle 54">
             <a:extLst>
               <a:ext uri="{FF2B5EF4-FFF2-40B4-BE49-F238E27FC236}">
-                <a16:creationId xmlns:a16="http://schemas.microsoft.com/office/drawing/2014/main" id="{CFAD89A1-F135-4B8C-8675-DDAEFEB083C1}"/>
+                <a16:creationId xmlns:a16="http://schemas.microsoft.com/office/drawing/2014/main" xmlns="" id="{CFAD89A1-F135-4B8C-8675-DDAEFEB083C1}"/>
               </a:ext>
             </a:extLst>
           </p:cNvPr>
@@ -8205,7 +8205,7 @@
           <p:cNvPr id="56" name="Ellipse 55">
             <a:extLst>
               <a:ext uri="{FF2B5EF4-FFF2-40B4-BE49-F238E27FC236}">
-                <a16:creationId xmlns:a16="http://schemas.microsoft.com/office/drawing/2014/main" id="{A2B40826-0A97-44E1-854C-8D3E58F77946}"/>
+                <a16:creationId xmlns:a16="http://schemas.microsoft.com/office/drawing/2014/main" xmlns="" id="{A2B40826-0A97-44E1-854C-8D3E58F77946}"/>
               </a:ext>
             </a:extLst>
           </p:cNvPr>
@@ -8256,7 +8256,7 @@
           <p:cNvPr id="57" name="Organigramme : Opération manuelle 56">
             <a:extLst>
               <a:ext uri="{FF2B5EF4-FFF2-40B4-BE49-F238E27FC236}">
-                <a16:creationId xmlns:a16="http://schemas.microsoft.com/office/drawing/2014/main" id="{15137A17-D0C6-41DC-9C84-B3A932B67566}"/>
+                <a16:creationId xmlns:a16="http://schemas.microsoft.com/office/drawing/2014/main" xmlns="" id="{15137A17-D0C6-41DC-9C84-B3A932B67566}"/>
               </a:ext>
             </a:extLst>
           </p:cNvPr>
@@ -8302,7 +8302,7 @@
           <p:cNvPr id="58" name="Organigramme : Opération manuelle 57">
             <a:extLst>
               <a:ext uri="{FF2B5EF4-FFF2-40B4-BE49-F238E27FC236}">
-                <a16:creationId xmlns:a16="http://schemas.microsoft.com/office/drawing/2014/main" id="{23A00D56-8E55-4667-8F59-253B49D8ACFD}"/>
+                <a16:creationId xmlns:a16="http://schemas.microsoft.com/office/drawing/2014/main" xmlns="" id="{23A00D56-8E55-4667-8F59-253B49D8ACFD}"/>
               </a:ext>
             </a:extLst>
           </p:cNvPr>
@@ -8348,7 +8348,7 @@
           <p:cNvPr id="59" name="Organigramme : Opération manuelle 58">
             <a:extLst>
               <a:ext uri="{FF2B5EF4-FFF2-40B4-BE49-F238E27FC236}">
-                <a16:creationId xmlns:a16="http://schemas.microsoft.com/office/drawing/2014/main" id="{F0417FF3-291C-4559-A8E5-6E28EB3D817D}"/>
+                <a16:creationId xmlns:a16="http://schemas.microsoft.com/office/drawing/2014/main" xmlns="" id="{F0417FF3-291C-4559-A8E5-6E28EB3D817D}"/>
               </a:ext>
             </a:extLst>
           </p:cNvPr>
@@ -8394,7 +8394,7 @@
           <p:cNvPr id="60" name="Organigramme : Opération manuelle 59">
             <a:extLst>
               <a:ext uri="{FF2B5EF4-FFF2-40B4-BE49-F238E27FC236}">
-                <a16:creationId xmlns:a16="http://schemas.microsoft.com/office/drawing/2014/main" id="{70A2DCFB-EA76-475D-87FD-769618A5310B}"/>
+                <a16:creationId xmlns:a16="http://schemas.microsoft.com/office/drawing/2014/main" xmlns="" id="{70A2DCFB-EA76-475D-87FD-769618A5310B}"/>
               </a:ext>
             </a:extLst>
           </p:cNvPr>
@@ -8440,7 +8440,7 @@
           <p:cNvPr id="103" name="Connecteur droit 102">
             <a:extLst>
               <a:ext uri="{FF2B5EF4-FFF2-40B4-BE49-F238E27FC236}">
-                <a16:creationId xmlns:a16="http://schemas.microsoft.com/office/drawing/2014/main" id="{823D8448-CCE1-4C38-8E05-68C8590DBC0C}"/>
+                <a16:creationId xmlns:a16="http://schemas.microsoft.com/office/drawing/2014/main" xmlns="" id="{823D8448-CCE1-4C38-8E05-68C8590DBC0C}"/>
               </a:ext>
             </a:extLst>
           </p:cNvPr>
@@ -8487,7 +8487,7 @@
           <p:cNvPr id="104" name="Connecteur droit 103">
             <a:extLst>
               <a:ext uri="{FF2B5EF4-FFF2-40B4-BE49-F238E27FC236}">
-                <a16:creationId xmlns:a16="http://schemas.microsoft.com/office/drawing/2014/main" id="{0F8741F6-485E-4589-B941-8260B015DDED}"/>
+                <a16:creationId xmlns:a16="http://schemas.microsoft.com/office/drawing/2014/main" xmlns="" id="{0F8741F6-485E-4589-B941-8260B015DDED}"/>
               </a:ext>
             </a:extLst>
           </p:cNvPr>
@@ -8534,7 +8534,7 @@
           <p:cNvPr id="106" name="ZoneTexte 105">
             <a:extLst>
               <a:ext uri="{FF2B5EF4-FFF2-40B4-BE49-F238E27FC236}">
-                <a16:creationId xmlns:a16="http://schemas.microsoft.com/office/drawing/2014/main" id="{69FD88B1-A156-4664-8C14-04D58A84F5BC}"/>
+                <a16:creationId xmlns:a16="http://schemas.microsoft.com/office/drawing/2014/main" xmlns="" id="{69FD88B1-A156-4664-8C14-04D58A84F5BC}"/>
               </a:ext>
             </a:extLst>
           </p:cNvPr>
@@ -8579,7 +8579,7 @@
           <p:cNvPr id="107" name="ZoneTexte 106">
             <a:extLst>
               <a:ext uri="{FF2B5EF4-FFF2-40B4-BE49-F238E27FC236}">
-                <a16:creationId xmlns:a16="http://schemas.microsoft.com/office/drawing/2014/main" id="{E38F3277-20D2-4B82-8AEA-EAD558550FCE}"/>
+                <a16:creationId xmlns:a16="http://schemas.microsoft.com/office/drawing/2014/main" xmlns="" id="{E38F3277-20D2-4B82-8AEA-EAD558550FCE}"/>
               </a:ext>
             </a:extLst>
           </p:cNvPr>
@@ -8624,7 +8624,7 @@
           <p:cNvPr id="108" name="ZoneTexte 107">
             <a:extLst>
               <a:ext uri="{FF2B5EF4-FFF2-40B4-BE49-F238E27FC236}">
-                <a16:creationId xmlns:a16="http://schemas.microsoft.com/office/drawing/2014/main" id="{6AE65DAE-7A98-4566-9161-9A053CAFDB7A}"/>
+                <a16:creationId xmlns:a16="http://schemas.microsoft.com/office/drawing/2014/main" xmlns="" id="{6AE65DAE-7A98-4566-9161-9A053CAFDB7A}"/>
               </a:ext>
             </a:extLst>
           </p:cNvPr>
@@ -8669,7 +8669,7 @@
           <p:cNvPr id="109" name="Rectangle : coins arrondis 108">
             <a:extLst>
               <a:ext uri="{FF2B5EF4-FFF2-40B4-BE49-F238E27FC236}">
-                <a16:creationId xmlns:a16="http://schemas.microsoft.com/office/drawing/2014/main" id="{2243E423-50EC-4812-8835-A6E09FCA1BA1}"/>
+                <a16:creationId xmlns:a16="http://schemas.microsoft.com/office/drawing/2014/main" xmlns="" id="{2243E423-50EC-4812-8835-A6E09FCA1BA1}"/>
               </a:ext>
             </a:extLst>
           </p:cNvPr>
@@ -8722,7 +8722,7 @@
           <p:cNvPr id="110" name="ZoneTexte 109">
             <a:extLst>
               <a:ext uri="{FF2B5EF4-FFF2-40B4-BE49-F238E27FC236}">
-                <a16:creationId xmlns:a16="http://schemas.microsoft.com/office/drawing/2014/main" id="{68733A33-E0EE-4B71-9A06-5363223830CA}"/>
+                <a16:creationId xmlns:a16="http://schemas.microsoft.com/office/drawing/2014/main" xmlns="" id="{68733A33-E0EE-4B71-9A06-5363223830CA}"/>
               </a:ext>
             </a:extLst>
           </p:cNvPr>
@@ -8767,7 +8767,7 @@
           <p:cNvPr id="111" name="Connecteur droit 110">
             <a:extLst>
               <a:ext uri="{FF2B5EF4-FFF2-40B4-BE49-F238E27FC236}">
-                <a16:creationId xmlns:a16="http://schemas.microsoft.com/office/drawing/2014/main" id="{29A7FF87-BC99-41C5-8037-7E057BAD4D07}"/>
+                <a16:creationId xmlns:a16="http://schemas.microsoft.com/office/drawing/2014/main" xmlns="" id="{29A7FF87-BC99-41C5-8037-7E057BAD4D07}"/>
               </a:ext>
             </a:extLst>
           </p:cNvPr>
@@ -8814,7 +8814,7 @@
           <p:cNvPr id="113" name="ZoneTexte 112">
             <a:extLst>
               <a:ext uri="{FF2B5EF4-FFF2-40B4-BE49-F238E27FC236}">
-                <a16:creationId xmlns:a16="http://schemas.microsoft.com/office/drawing/2014/main" id="{FE19131E-EC96-4D99-A912-B07CF67FED57}"/>
+                <a16:creationId xmlns:a16="http://schemas.microsoft.com/office/drawing/2014/main" xmlns="" id="{FE19131E-EC96-4D99-A912-B07CF67FED57}"/>
               </a:ext>
             </a:extLst>
           </p:cNvPr>
@@ -8859,7 +8859,7 @@
           <p:cNvPr id="114" name="ZoneTexte 113">
             <a:extLst>
               <a:ext uri="{FF2B5EF4-FFF2-40B4-BE49-F238E27FC236}">
-                <a16:creationId xmlns:a16="http://schemas.microsoft.com/office/drawing/2014/main" id="{50E87D2D-703A-484F-AB9C-A9001558B265}"/>
+                <a16:creationId xmlns:a16="http://schemas.microsoft.com/office/drawing/2014/main" xmlns="" id="{50E87D2D-703A-484F-AB9C-A9001558B265}"/>
               </a:ext>
             </a:extLst>
           </p:cNvPr>
@@ -8904,7 +8904,7 @@
           <p:cNvPr id="115" name="ZoneTexte 114">
             <a:extLst>
               <a:ext uri="{FF2B5EF4-FFF2-40B4-BE49-F238E27FC236}">
-                <a16:creationId xmlns:a16="http://schemas.microsoft.com/office/drawing/2014/main" id="{CAEBF898-80D0-4816-9A37-BFCC2B4F246A}"/>
+                <a16:creationId xmlns:a16="http://schemas.microsoft.com/office/drawing/2014/main" xmlns="" id="{CAEBF898-80D0-4816-9A37-BFCC2B4F246A}"/>
               </a:ext>
             </a:extLst>
           </p:cNvPr>
@@ -8949,7 +8949,7 @@
           <p:cNvPr id="116" name="ZoneTexte 115">
             <a:extLst>
               <a:ext uri="{FF2B5EF4-FFF2-40B4-BE49-F238E27FC236}">
-                <a16:creationId xmlns:a16="http://schemas.microsoft.com/office/drawing/2014/main" id="{2ADBC45A-107B-4418-9303-C092A5DA7134}"/>
+                <a16:creationId xmlns:a16="http://schemas.microsoft.com/office/drawing/2014/main" xmlns="" id="{2ADBC45A-107B-4418-9303-C092A5DA7134}"/>
               </a:ext>
             </a:extLst>
           </p:cNvPr>
@@ -9032,7 +9032,7 @@
           <p:cNvPr id="2" name="Titre 1">
             <a:extLst>
               <a:ext uri="{FF2B5EF4-FFF2-40B4-BE49-F238E27FC236}">
-                <a16:creationId xmlns:a16="http://schemas.microsoft.com/office/drawing/2014/main" id="{AD4F0A27-99BB-49D0-9C93-2D3C5186E6B2}"/>
+                <a16:creationId xmlns:a16="http://schemas.microsoft.com/office/drawing/2014/main" xmlns="" id="{AD4F0A27-99BB-49D0-9C93-2D3C5186E6B2}"/>
               </a:ext>
             </a:extLst>
           </p:cNvPr>
@@ -9072,7 +9072,7 @@
           <p:cNvPr id="3" name="Sous-titre 2">
             <a:extLst>
               <a:ext uri="{FF2B5EF4-FFF2-40B4-BE49-F238E27FC236}">
-                <a16:creationId xmlns:a16="http://schemas.microsoft.com/office/drawing/2014/main" id="{B5895DDB-3400-4A36-A688-98CC33D75B68}"/>
+                <a16:creationId xmlns:a16="http://schemas.microsoft.com/office/drawing/2014/main" xmlns="" id="{B5895DDB-3400-4A36-A688-98CC33D75B68}"/>
               </a:ext>
             </a:extLst>
           </p:cNvPr>
@@ -9091,7 +9091,7 @@
         </p:spPr>
         <p:txBody>
           <a:bodyPr>
-            <a:normAutofit/>
+            <a:normAutofit fontScale="85000" lnSpcReduction="10000"/>
           </a:bodyPr>
           <a:lstStyle/>
           <a:p>
@@ -9115,7 +9115,7 @@
           <p:cNvPr id="5" name="Image 4" descr="Une image contenant texte, clipart, lumière&#10;&#10;Description générée automatiquement">
             <a:extLst>
               <a:ext uri="{FF2B5EF4-FFF2-40B4-BE49-F238E27FC236}">
-                <a16:creationId xmlns:a16="http://schemas.microsoft.com/office/drawing/2014/main" id="{F92E366F-A75B-4FBE-95A4-7BE2692FD768}"/>
+                <a16:creationId xmlns:a16="http://schemas.microsoft.com/office/drawing/2014/main" xmlns="" id="{F92E366F-A75B-4FBE-95A4-7BE2692FD768}"/>
               </a:ext>
             </a:extLst>
           </p:cNvPr>
@@ -9125,7 +9125,7 @@
           <p:nvPr/>
         </p:nvPicPr>
         <p:blipFill>
-          <a:blip r:embed="rId2">
+          <a:blip r:embed="rId2" cstate="print">
             <a:extLst>
               <a:ext uri="{28A0092B-C50C-407E-A947-70E740481C1C}">
                 <a14:useLocalDpi xmlns:a14="http://schemas.microsoft.com/office/drawing/2010/main" val="0"/>
@@ -9151,7 +9151,7 @@
           <p:cNvPr id="6" name="Rectangle : coins arrondis 5">
             <a:extLst>
               <a:ext uri="{FF2B5EF4-FFF2-40B4-BE49-F238E27FC236}">
-                <a16:creationId xmlns:a16="http://schemas.microsoft.com/office/drawing/2014/main" id="{62D80FBE-86D3-4290-8607-F26C6EF24A6E}"/>
+                <a16:creationId xmlns:a16="http://schemas.microsoft.com/office/drawing/2014/main" xmlns="" id="{62D80FBE-86D3-4290-8607-F26C6EF24A6E}"/>
               </a:ext>
             </a:extLst>
           </p:cNvPr>
@@ -9198,7 +9198,7 @@
           <p:cNvPr id="109" name="Rectangle : coins arrondis 108">
             <a:extLst>
               <a:ext uri="{FF2B5EF4-FFF2-40B4-BE49-F238E27FC236}">
-                <a16:creationId xmlns:a16="http://schemas.microsoft.com/office/drawing/2014/main" id="{2243E423-50EC-4812-8835-A6E09FCA1BA1}"/>
+                <a16:creationId xmlns:a16="http://schemas.microsoft.com/office/drawing/2014/main" xmlns="" id="{2243E423-50EC-4812-8835-A6E09FCA1BA1}"/>
               </a:ext>
             </a:extLst>
           </p:cNvPr>
@@ -9251,7 +9251,7 @@
           <p:cNvPr id="4" name="Rectangle : coins arrondis 3">
             <a:extLst>
               <a:ext uri="{FF2B5EF4-FFF2-40B4-BE49-F238E27FC236}">
-                <a16:creationId xmlns:a16="http://schemas.microsoft.com/office/drawing/2014/main" id="{91F949C8-2425-7570-5287-385AC17B21E1}"/>
+                <a16:creationId xmlns:a16="http://schemas.microsoft.com/office/drawing/2014/main" xmlns="" id="{91F949C8-2425-7570-5287-385AC17B21E1}"/>
               </a:ext>
             </a:extLst>
           </p:cNvPr>
@@ -9303,7 +9303,7 @@
           <p:cNvPr id="42" name="Rectangle : coins arrondis 41">
             <a:extLst>
               <a:ext uri="{FF2B5EF4-FFF2-40B4-BE49-F238E27FC236}">
-                <a16:creationId xmlns:a16="http://schemas.microsoft.com/office/drawing/2014/main" id="{B9CC6F12-4123-D6A1-7A5B-468BFD06F155}"/>
+                <a16:creationId xmlns:a16="http://schemas.microsoft.com/office/drawing/2014/main" xmlns="" id="{B9CC6F12-4123-D6A1-7A5B-468BFD06F155}"/>
               </a:ext>
             </a:extLst>
           </p:cNvPr>
@@ -9355,7 +9355,7 @@
           <p:cNvPr id="7" name="Rectangle : coins arrondis 6">
             <a:extLst>
               <a:ext uri="{FF2B5EF4-FFF2-40B4-BE49-F238E27FC236}">
-                <a16:creationId xmlns:a16="http://schemas.microsoft.com/office/drawing/2014/main" id="{74E8AFA3-B138-2D66-9C3C-1DE9DCC8C07C}"/>
+                <a16:creationId xmlns:a16="http://schemas.microsoft.com/office/drawing/2014/main" xmlns="" id="{74E8AFA3-B138-2D66-9C3C-1DE9DCC8C07C}"/>
               </a:ext>
             </a:extLst>
           </p:cNvPr>
@@ -9407,7 +9407,7 @@
           <p:cNvPr id="8" name="ZoneTexte 7">
             <a:extLst>
               <a:ext uri="{FF2B5EF4-FFF2-40B4-BE49-F238E27FC236}">
-                <a16:creationId xmlns:a16="http://schemas.microsoft.com/office/drawing/2014/main" id="{77C86C5B-1B9B-6544-0709-090AD5E17401}"/>
+                <a16:creationId xmlns:a16="http://schemas.microsoft.com/office/drawing/2014/main" xmlns="" id="{77C86C5B-1B9B-6544-0709-090AD5E17401}"/>
               </a:ext>
             </a:extLst>
           </p:cNvPr>
@@ -9479,7 +9479,7 @@
           <p:cNvPr id="9" name="ZoneTexte 8">
             <a:extLst>
               <a:ext uri="{FF2B5EF4-FFF2-40B4-BE49-F238E27FC236}">
-                <a16:creationId xmlns:a16="http://schemas.microsoft.com/office/drawing/2014/main" id="{6C6EDA6A-82B2-334F-8478-E0B113379946}"/>
+                <a16:creationId xmlns:a16="http://schemas.microsoft.com/office/drawing/2014/main" xmlns="" id="{6C6EDA6A-82B2-334F-8478-E0B113379946}"/>
               </a:ext>
             </a:extLst>
           </p:cNvPr>
@@ -9589,7 +9589,7 @@
           <p:cNvPr id="2" name="Titre 1">
             <a:extLst>
               <a:ext uri="{FF2B5EF4-FFF2-40B4-BE49-F238E27FC236}">
-                <a16:creationId xmlns:a16="http://schemas.microsoft.com/office/drawing/2014/main" id="{AD4F0A27-99BB-49D0-9C93-2D3C5186E6B2}"/>
+                <a16:creationId xmlns:a16="http://schemas.microsoft.com/office/drawing/2014/main" xmlns="" id="{AD4F0A27-99BB-49D0-9C93-2D3C5186E6B2}"/>
               </a:ext>
             </a:extLst>
           </p:cNvPr>
@@ -9629,7 +9629,7 @@
           <p:cNvPr id="3" name="Sous-titre 2">
             <a:extLst>
               <a:ext uri="{FF2B5EF4-FFF2-40B4-BE49-F238E27FC236}">
-                <a16:creationId xmlns:a16="http://schemas.microsoft.com/office/drawing/2014/main" id="{B5895DDB-3400-4A36-A688-98CC33D75B68}"/>
+                <a16:creationId xmlns:a16="http://schemas.microsoft.com/office/drawing/2014/main" xmlns="" id="{B5895DDB-3400-4A36-A688-98CC33D75B68}"/>
               </a:ext>
             </a:extLst>
           </p:cNvPr>
@@ -9648,7 +9648,7 @@
         </p:spPr>
         <p:txBody>
           <a:bodyPr>
-            <a:normAutofit/>
+            <a:normAutofit fontScale="85000" lnSpcReduction="10000"/>
           </a:bodyPr>
           <a:lstStyle/>
           <a:p>
@@ -9672,7 +9672,7 @@
           <p:cNvPr id="5" name="Image 4" descr="Une image contenant texte, clipart, lumière&#10;&#10;Description générée automatiquement">
             <a:extLst>
               <a:ext uri="{FF2B5EF4-FFF2-40B4-BE49-F238E27FC236}">
-                <a16:creationId xmlns:a16="http://schemas.microsoft.com/office/drawing/2014/main" id="{F92E366F-A75B-4FBE-95A4-7BE2692FD768}"/>
+                <a16:creationId xmlns:a16="http://schemas.microsoft.com/office/drawing/2014/main" xmlns="" id="{F92E366F-A75B-4FBE-95A4-7BE2692FD768}"/>
               </a:ext>
             </a:extLst>
           </p:cNvPr>
@@ -9682,7 +9682,7 @@
           <p:nvPr/>
         </p:nvPicPr>
         <p:blipFill>
-          <a:blip r:embed="rId2">
+          <a:blip r:embed="rId2" cstate="print">
             <a:extLst>
               <a:ext uri="{28A0092B-C50C-407E-A947-70E740481C1C}">
                 <a14:useLocalDpi xmlns:a14="http://schemas.microsoft.com/office/drawing/2010/main" val="0"/>
@@ -9708,7 +9708,7 @@
           <p:cNvPr id="6" name="Rectangle : coins arrondis 5">
             <a:extLst>
               <a:ext uri="{FF2B5EF4-FFF2-40B4-BE49-F238E27FC236}">
-                <a16:creationId xmlns:a16="http://schemas.microsoft.com/office/drawing/2014/main" id="{62D80FBE-86D3-4290-8607-F26C6EF24A6E}"/>
+                <a16:creationId xmlns:a16="http://schemas.microsoft.com/office/drawing/2014/main" xmlns="" id="{62D80FBE-86D3-4290-8607-F26C6EF24A6E}"/>
               </a:ext>
             </a:extLst>
           </p:cNvPr>
@@ -9755,7 +9755,7 @@
           <p:cNvPr id="109" name="Rectangle : coins arrondis 108">
             <a:extLst>
               <a:ext uri="{FF2B5EF4-FFF2-40B4-BE49-F238E27FC236}">
-                <a16:creationId xmlns:a16="http://schemas.microsoft.com/office/drawing/2014/main" id="{2243E423-50EC-4812-8835-A6E09FCA1BA1}"/>
+                <a16:creationId xmlns:a16="http://schemas.microsoft.com/office/drawing/2014/main" xmlns="" id="{2243E423-50EC-4812-8835-A6E09FCA1BA1}"/>
               </a:ext>
             </a:extLst>
           </p:cNvPr>
@@ -9808,7 +9808,7 @@
           <p:cNvPr id="4" name="Rectangle : coins arrondis 3">
             <a:extLst>
               <a:ext uri="{FF2B5EF4-FFF2-40B4-BE49-F238E27FC236}">
-                <a16:creationId xmlns:a16="http://schemas.microsoft.com/office/drawing/2014/main" id="{91F949C8-2425-7570-5287-385AC17B21E1}"/>
+                <a16:creationId xmlns:a16="http://schemas.microsoft.com/office/drawing/2014/main" xmlns="" id="{91F949C8-2425-7570-5287-385AC17B21E1}"/>
               </a:ext>
             </a:extLst>
           </p:cNvPr>
@@ -9855,7 +9855,7 @@
           <p:cNvPr id="42" name="Rectangle : coins arrondis 41">
             <a:extLst>
               <a:ext uri="{FF2B5EF4-FFF2-40B4-BE49-F238E27FC236}">
-                <a16:creationId xmlns:a16="http://schemas.microsoft.com/office/drawing/2014/main" id="{B9CC6F12-4123-D6A1-7A5B-468BFD06F155}"/>
+                <a16:creationId xmlns:a16="http://schemas.microsoft.com/office/drawing/2014/main" xmlns="" id="{B9CC6F12-4123-D6A1-7A5B-468BFD06F155}"/>
               </a:ext>
             </a:extLst>
           </p:cNvPr>
@@ -9902,7 +9902,7 @@
           <p:cNvPr id="101" name="Rectangle : coins arrondis 100">
             <a:extLst>
               <a:ext uri="{FF2B5EF4-FFF2-40B4-BE49-F238E27FC236}">
-                <a16:creationId xmlns:a16="http://schemas.microsoft.com/office/drawing/2014/main" id="{C52AE2BA-B991-EBDF-460B-A7B0337F8701}"/>
+                <a16:creationId xmlns:a16="http://schemas.microsoft.com/office/drawing/2014/main" xmlns="" id="{C52AE2BA-B991-EBDF-460B-A7B0337F8701}"/>
               </a:ext>
             </a:extLst>
           </p:cNvPr>
@@ -9949,7 +9949,7 @@
           <p:cNvPr id="105" name="Rectangle : coins arrondis 104">
             <a:extLst>
               <a:ext uri="{FF2B5EF4-FFF2-40B4-BE49-F238E27FC236}">
-                <a16:creationId xmlns:a16="http://schemas.microsoft.com/office/drawing/2014/main" id="{4EA2A443-DA9D-D476-797F-432FEB17CB41}"/>
+                <a16:creationId xmlns:a16="http://schemas.microsoft.com/office/drawing/2014/main" xmlns="" id="{4EA2A443-DA9D-D476-797F-432FEB17CB41}"/>
               </a:ext>
             </a:extLst>
           </p:cNvPr>
@@ -9996,7 +9996,7 @@
           <p:cNvPr id="112" name="ZoneTexte 111">
             <a:extLst>
               <a:ext uri="{FF2B5EF4-FFF2-40B4-BE49-F238E27FC236}">
-                <a16:creationId xmlns:a16="http://schemas.microsoft.com/office/drawing/2014/main" id="{683AE567-0F31-D319-403F-257414713CFE}"/>
+                <a16:creationId xmlns:a16="http://schemas.microsoft.com/office/drawing/2014/main" xmlns="" id="{683AE567-0F31-D319-403F-257414713CFE}"/>
               </a:ext>
             </a:extLst>
           </p:cNvPr>
@@ -10140,7 +10140,7 @@
           <p:cNvPr id="7" name="Rectangle : coins arrondis 6">
             <a:extLst>
               <a:ext uri="{FF2B5EF4-FFF2-40B4-BE49-F238E27FC236}">
-                <a16:creationId xmlns:a16="http://schemas.microsoft.com/office/drawing/2014/main" id="{C787E6B1-B434-AC53-BD32-64FE80C94B19}"/>
+                <a16:creationId xmlns:a16="http://schemas.microsoft.com/office/drawing/2014/main" xmlns="" id="{C787E6B1-B434-AC53-BD32-64FE80C94B19}"/>
               </a:ext>
             </a:extLst>
           </p:cNvPr>
@@ -10187,7 +10187,7 @@
           <p:cNvPr id="8" name="ZoneTexte 7">
             <a:extLst>
               <a:ext uri="{FF2B5EF4-FFF2-40B4-BE49-F238E27FC236}">
-                <a16:creationId xmlns:a16="http://schemas.microsoft.com/office/drawing/2014/main" id="{20A80479-A65F-A09F-5DC7-7752AE77F1FE}"/>
+                <a16:creationId xmlns:a16="http://schemas.microsoft.com/office/drawing/2014/main" xmlns="" id="{20A80479-A65F-A09F-5DC7-7752AE77F1FE}"/>
               </a:ext>
             </a:extLst>
           </p:cNvPr>
@@ -10246,7 +10246,7 @@
           <p:cNvPr id="9" name="Connecteur droit 8">
             <a:extLst>
               <a:ext uri="{FF2B5EF4-FFF2-40B4-BE49-F238E27FC236}">
-                <a16:creationId xmlns:a16="http://schemas.microsoft.com/office/drawing/2014/main" id="{69F4CD8C-A1F8-3DC6-7EAE-D62250ECD5D8}"/>
+                <a16:creationId xmlns:a16="http://schemas.microsoft.com/office/drawing/2014/main" xmlns="" id="{69F4CD8C-A1F8-3DC6-7EAE-D62250ECD5D8}"/>
               </a:ext>
             </a:extLst>
           </p:cNvPr>
@@ -10293,7 +10293,7 @@
           <p:cNvPr id="12" name="Connecteur droit 11">
             <a:extLst>
               <a:ext uri="{FF2B5EF4-FFF2-40B4-BE49-F238E27FC236}">
-                <a16:creationId xmlns:a16="http://schemas.microsoft.com/office/drawing/2014/main" id="{3D51EE64-C5E5-6B0F-3FC6-CE7EBFA3CEAC}"/>
+                <a16:creationId xmlns:a16="http://schemas.microsoft.com/office/drawing/2014/main" xmlns="" id="{3D51EE64-C5E5-6B0F-3FC6-CE7EBFA3CEAC}"/>
               </a:ext>
             </a:extLst>
           </p:cNvPr>
@@ -10340,7 +10340,7 @@
           <p:cNvPr id="15" name="Connecteur droit 14">
             <a:extLst>
               <a:ext uri="{FF2B5EF4-FFF2-40B4-BE49-F238E27FC236}">
-                <a16:creationId xmlns:a16="http://schemas.microsoft.com/office/drawing/2014/main" id="{B75642F1-4DED-8DA5-94FC-4314CF044240}"/>
+                <a16:creationId xmlns:a16="http://schemas.microsoft.com/office/drawing/2014/main" xmlns="" id="{B75642F1-4DED-8DA5-94FC-4314CF044240}"/>
               </a:ext>
             </a:extLst>
           </p:cNvPr>
@@ -10387,7 +10387,7 @@
           <p:cNvPr id="16" name="ZoneTexte 15">
             <a:extLst>
               <a:ext uri="{FF2B5EF4-FFF2-40B4-BE49-F238E27FC236}">
-                <a16:creationId xmlns:a16="http://schemas.microsoft.com/office/drawing/2014/main" id="{00D0015B-8959-6872-A092-05E4EC31CA6C}"/>
+                <a16:creationId xmlns:a16="http://schemas.microsoft.com/office/drawing/2014/main" xmlns="" id="{00D0015B-8959-6872-A092-05E4EC31CA6C}"/>
               </a:ext>
             </a:extLst>
           </p:cNvPr>
@@ -10588,7 +10588,7 @@
           <p:cNvPr id="17" name="Connecteur droit 16">
             <a:extLst>
               <a:ext uri="{FF2B5EF4-FFF2-40B4-BE49-F238E27FC236}">
-                <a16:creationId xmlns:a16="http://schemas.microsoft.com/office/drawing/2014/main" id="{D273B2D6-E2D4-C50F-78B6-EE3B82F7F0FE}"/>
+                <a16:creationId xmlns:a16="http://schemas.microsoft.com/office/drawing/2014/main" xmlns="" id="{D273B2D6-E2D4-C50F-78B6-EE3B82F7F0FE}"/>
               </a:ext>
             </a:extLst>
           </p:cNvPr>
@@ -10673,7 +10673,7 @@
           <p:cNvPr id="2" name="Titre 1">
             <a:extLst>
               <a:ext uri="{FF2B5EF4-FFF2-40B4-BE49-F238E27FC236}">
-                <a16:creationId xmlns:a16="http://schemas.microsoft.com/office/drawing/2014/main" id="{AD4F0A27-99BB-49D0-9C93-2D3C5186E6B2}"/>
+                <a16:creationId xmlns:a16="http://schemas.microsoft.com/office/drawing/2014/main" xmlns="" id="{AD4F0A27-99BB-49D0-9C93-2D3C5186E6B2}"/>
               </a:ext>
             </a:extLst>
           </p:cNvPr>
@@ -10713,7 +10713,7 @@
           <p:cNvPr id="3" name="Sous-titre 2">
             <a:extLst>
               <a:ext uri="{FF2B5EF4-FFF2-40B4-BE49-F238E27FC236}">
-                <a16:creationId xmlns:a16="http://schemas.microsoft.com/office/drawing/2014/main" id="{B5895DDB-3400-4A36-A688-98CC33D75B68}"/>
+                <a16:creationId xmlns:a16="http://schemas.microsoft.com/office/drawing/2014/main" xmlns="" id="{B5895DDB-3400-4A36-A688-98CC33D75B68}"/>
               </a:ext>
             </a:extLst>
           </p:cNvPr>
@@ -10732,7 +10732,7 @@
         </p:spPr>
         <p:txBody>
           <a:bodyPr>
-            <a:normAutofit/>
+            <a:normAutofit fontScale="85000" lnSpcReduction="10000"/>
           </a:bodyPr>
           <a:lstStyle/>
           <a:p>
@@ -10756,7 +10756,7 @@
           <p:cNvPr id="5" name="Image 4" descr="Une image contenant texte, clipart, lumière&#10;&#10;Description générée automatiquement">
             <a:extLst>
               <a:ext uri="{FF2B5EF4-FFF2-40B4-BE49-F238E27FC236}">
-                <a16:creationId xmlns:a16="http://schemas.microsoft.com/office/drawing/2014/main" id="{F92E366F-A75B-4FBE-95A4-7BE2692FD768}"/>
+                <a16:creationId xmlns:a16="http://schemas.microsoft.com/office/drawing/2014/main" xmlns="" id="{F92E366F-A75B-4FBE-95A4-7BE2692FD768}"/>
               </a:ext>
             </a:extLst>
           </p:cNvPr>
@@ -10766,7 +10766,7 @@
           <p:nvPr/>
         </p:nvPicPr>
         <p:blipFill>
-          <a:blip r:embed="rId2">
+          <a:blip r:embed="rId2" cstate="print">
             <a:extLst>
               <a:ext uri="{28A0092B-C50C-407E-A947-70E740481C1C}">
                 <a14:useLocalDpi xmlns:a14="http://schemas.microsoft.com/office/drawing/2010/main" val="0"/>
@@ -10792,7 +10792,7 @@
           <p:cNvPr id="6" name="Rectangle : coins arrondis 5">
             <a:extLst>
               <a:ext uri="{FF2B5EF4-FFF2-40B4-BE49-F238E27FC236}">
-                <a16:creationId xmlns:a16="http://schemas.microsoft.com/office/drawing/2014/main" id="{62D80FBE-86D3-4290-8607-F26C6EF24A6E}"/>
+                <a16:creationId xmlns:a16="http://schemas.microsoft.com/office/drawing/2014/main" xmlns="" id="{62D80FBE-86D3-4290-8607-F26C6EF24A6E}"/>
               </a:ext>
             </a:extLst>
           </p:cNvPr>
@@ -10839,7 +10839,7 @@
           <p:cNvPr id="4" name="Rectangle 3">
             <a:extLst>
               <a:ext uri="{FF2B5EF4-FFF2-40B4-BE49-F238E27FC236}">
-                <a16:creationId xmlns:a16="http://schemas.microsoft.com/office/drawing/2014/main" id="{2389F2DB-BC7E-4729-A4B0-5F96486A6F3B}"/>
+                <a16:creationId xmlns:a16="http://schemas.microsoft.com/office/drawing/2014/main" xmlns="" id="{2389F2DB-BC7E-4729-A4B0-5F96486A6F3B}"/>
               </a:ext>
             </a:extLst>
           </p:cNvPr>
@@ -10883,7 +10883,7 @@
           <p:cNvPr id="7" name="Rectangle 6">
             <a:extLst>
               <a:ext uri="{FF2B5EF4-FFF2-40B4-BE49-F238E27FC236}">
-                <a16:creationId xmlns:a16="http://schemas.microsoft.com/office/drawing/2014/main" id="{ADED1997-AB8C-4C21-B767-7C1C942E508B}"/>
+                <a16:creationId xmlns:a16="http://schemas.microsoft.com/office/drawing/2014/main" xmlns="" id="{ADED1997-AB8C-4C21-B767-7C1C942E508B}"/>
               </a:ext>
             </a:extLst>
           </p:cNvPr>
@@ -10929,7 +10929,7 @@
           <p:cNvPr id="8" name="Rectangle 7">
             <a:extLst>
               <a:ext uri="{FF2B5EF4-FFF2-40B4-BE49-F238E27FC236}">
-                <a16:creationId xmlns:a16="http://schemas.microsoft.com/office/drawing/2014/main" id="{55CD3110-4CD0-470C-9597-0C37D1B6F72A}"/>
+                <a16:creationId xmlns:a16="http://schemas.microsoft.com/office/drawing/2014/main" xmlns="" id="{55CD3110-4CD0-470C-9597-0C37D1B6F72A}"/>
               </a:ext>
             </a:extLst>
           </p:cNvPr>
@@ -10975,7 +10975,7 @@
           <p:cNvPr id="9" name="Rectangle 8">
             <a:extLst>
               <a:ext uri="{FF2B5EF4-FFF2-40B4-BE49-F238E27FC236}">
-                <a16:creationId xmlns:a16="http://schemas.microsoft.com/office/drawing/2014/main" id="{0DEE193C-F907-4ACD-A5B7-D34F89A36408}"/>
+                <a16:creationId xmlns:a16="http://schemas.microsoft.com/office/drawing/2014/main" xmlns="" id="{0DEE193C-F907-4ACD-A5B7-D34F89A36408}"/>
               </a:ext>
             </a:extLst>
           </p:cNvPr>
@@ -11021,7 +11021,7 @@
           <p:cNvPr id="10" name="Rectangle 9">
             <a:extLst>
               <a:ext uri="{FF2B5EF4-FFF2-40B4-BE49-F238E27FC236}">
-                <a16:creationId xmlns:a16="http://schemas.microsoft.com/office/drawing/2014/main" id="{3530BB0C-D70A-4094-9746-9D0CCB5D20D6}"/>
+                <a16:creationId xmlns:a16="http://schemas.microsoft.com/office/drawing/2014/main" xmlns="" id="{3530BB0C-D70A-4094-9746-9D0CCB5D20D6}"/>
               </a:ext>
             </a:extLst>
           </p:cNvPr>
@@ -11067,7 +11067,7 @@
           <p:cNvPr id="11" name="Rectangle 10">
             <a:extLst>
               <a:ext uri="{FF2B5EF4-FFF2-40B4-BE49-F238E27FC236}">
-                <a16:creationId xmlns:a16="http://schemas.microsoft.com/office/drawing/2014/main" id="{016B8B0D-22DA-4BA6-A835-FD34CEB49023}"/>
+                <a16:creationId xmlns:a16="http://schemas.microsoft.com/office/drawing/2014/main" xmlns="" id="{016B8B0D-22DA-4BA6-A835-FD34CEB49023}"/>
               </a:ext>
             </a:extLst>
           </p:cNvPr>
@@ -11113,7 +11113,7 @@
           <p:cNvPr id="12" name="Rectangle 11">
             <a:extLst>
               <a:ext uri="{FF2B5EF4-FFF2-40B4-BE49-F238E27FC236}">
-                <a16:creationId xmlns:a16="http://schemas.microsoft.com/office/drawing/2014/main" id="{89ABA309-3A9A-4690-8810-04C762B92845}"/>
+                <a16:creationId xmlns:a16="http://schemas.microsoft.com/office/drawing/2014/main" xmlns="" id="{89ABA309-3A9A-4690-8810-04C762B92845}"/>
               </a:ext>
             </a:extLst>
           </p:cNvPr>
@@ -11159,7 +11159,7 @@
           <p:cNvPr id="13" name="Rectangle 12">
             <a:extLst>
               <a:ext uri="{FF2B5EF4-FFF2-40B4-BE49-F238E27FC236}">
-                <a16:creationId xmlns:a16="http://schemas.microsoft.com/office/drawing/2014/main" id="{46E96D04-EBA4-442E-8EC0-8FE955BEED69}"/>
+                <a16:creationId xmlns:a16="http://schemas.microsoft.com/office/drawing/2014/main" xmlns="" id="{46E96D04-EBA4-442E-8EC0-8FE955BEED69}"/>
               </a:ext>
             </a:extLst>
           </p:cNvPr>
@@ -11205,7 +11205,7 @@
           <p:cNvPr id="14" name="Rectangle 13">
             <a:extLst>
               <a:ext uri="{FF2B5EF4-FFF2-40B4-BE49-F238E27FC236}">
-                <a16:creationId xmlns:a16="http://schemas.microsoft.com/office/drawing/2014/main" id="{7B8A8857-760D-4F50-A970-1EE030042752}"/>
+                <a16:creationId xmlns:a16="http://schemas.microsoft.com/office/drawing/2014/main" xmlns="" id="{7B8A8857-760D-4F50-A970-1EE030042752}"/>
               </a:ext>
             </a:extLst>
           </p:cNvPr>
@@ -11251,7 +11251,7 @@
           <p:cNvPr id="15" name="Rectangle 14">
             <a:extLst>
               <a:ext uri="{FF2B5EF4-FFF2-40B4-BE49-F238E27FC236}">
-                <a16:creationId xmlns:a16="http://schemas.microsoft.com/office/drawing/2014/main" id="{4E5176EA-FAE9-4C57-B5A1-9CC490D17464}"/>
+                <a16:creationId xmlns:a16="http://schemas.microsoft.com/office/drawing/2014/main" xmlns="" id="{4E5176EA-FAE9-4C57-B5A1-9CC490D17464}"/>
               </a:ext>
             </a:extLst>
           </p:cNvPr>
@@ -11297,7 +11297,7 @@
           <p:cNvPr id="16" name="Rectangle 15">
             <a:extLst>
               <a:ext uri="{FF2B5EF4-FFF2-40B4-BE49-F238E27FC236}">
-                <a16:creationId xmlns:a16="http://schemas.microsoft.com/office/drawing/2014/main" id="{14511581-600E-4DEE-8951-3C4F2BB9C86B}"/>
+                <a16:creationId xmlns:a16="http://schemas.microsoft.com/office/drawing/2014/main" xmlns="" id="{14511581-600E-4DEE-8951-3C4F2BB9C86B}"/>
               </a:ext>
             </a:extLst>
           </p:cNvPr>
@@ -11343,7 +11343,7 @@
           <p:cNvPr id="17" name="Rectangle 16">
             <a:extLst>
               <a:ext uri="{FF2B5EF4-FFF2-40B4-BE49-F238E27FC236}">
-                <a16:creationId xmlns:a16="http://schemas.microsoft.com/office/drawing/2014/main" id="{A4F7AA47-0A7F-4C1B-8714-DFA9B08D97CB}"/>
+                <a16:creationId xmlns:a16="http://schemas.microsoft.com/office/drawing/2014/main" xmlns="" id="{A4F7AA47-0A7F-4C1B-8714-DFA9B08D97CB}"/>
               </a:ext>
             </a:extLst>
           </p:cNvPr>
@@ -11389,7 +11389,7 @@
           <p:cNvPr id="18" name="Rectangle 17">
             <a:extLst>
               <a:ext uri="{FF2B5EF4-FFF2-40B4-BE49-F238E27FC236}">
-                <a16:creationId xmlns:a16="http://schemas.microsoft.com/office/drawing/2014/main" id="{D99A0D8F-842C-44D7-9C16-374F3186C408}"/>
+                <a16:creationId xmlns:a16="http://schemas.microsoft.com/office/drawing/2014/main" xmlns="" id="{D99A0D8F-842C-44D7-9C16-374F3186C408}"/>
               </a:ext>
             </a:extLst>
           </p:cNvPr>
@@ -11435,7 +11435,7 @@
           <p:cNvPr id="19" name="Rectangle 18">
             <a:extLst>
               <a:ext uri="{FF2B5EF4-FFF2-40B4-BE49-F238E27FC236}">
-                <a16:creationId xmlns:a16="http://schemas.microsoft.com/office/drawing/2014/main" id="{F9DB30CA-9F4A-4C82-84CD-F1706E195EC1}"/>
+                <a16:creationId xmlns:a16="http://schemas.microsoft.com/office/drawing/2014/main" xmlns="" id="{F9DB30CA-9F4A-4C82-84CD-F1706E195EC1}"/>
               </a:ext>
             </a:extLst>
           </p:cNvPr>
@@ -11481,7 +11481,7 @@
           <p:cNvPr id="20" name="Rectangle 19">
             <a:extLst>
               <a:ext uri="{FF2B5EF4-FFF2-40B4-BE49-F238E27FC236}">
-                <a16:creationId xmlns:a16="http://schemas.microsoft.com/office/drawing/2014/main" id="{44EC39C1-6599-4DBD-947D-ADEDB26F3C6F}"/>
+                <a16:creationId xmlns:a16="http://schemas.microsoft.com/office/drawing/2014/main" xmlns="" id="{44EC39C1-6599-4DBD-947D-ADEDB26F3C6F}"/>
               </a:ext>
             </a:extLst>
           </p:cNvPr>
@@ -11527,7 +11527,7 @@
           <p:cNvPr id="21" name="Rectangle 20">
             <a:extLst>
               <a:ext uri="{FF2B5EF4-FFF2-40B4-BE49-F238E27FC236}">
-                <a16:creationId xmlns:a16="http://schemas.microsoft.com/office/drawing/2014/main" id="{3B7668AA-9FAF-4875-B6E1-11AF61626F73}"/>
+                <a16:creationId xmlns:a16="http://schemas.microsoft.com/office/drawing/2014/main" xmlns="" id="{3B7668AA-9FAF-4875-B6E1-11AF61626F73}"/>
               </a:ext>
             </a:extLst>
           </p:cNvPr>
@@ -11573,7 +11573,7 @@
           <p:cNvPr id="22" name="Rectangle 21">
             <a:extLst>
               <a:ext uri="{FF2B5EF4-FFF2-40B4-BE49-F238E27FC236}">
-                <a16:creationId xmlns:a16="http://schemas.microsoft.com/office/drawing/2014/main" id="{46ABA0B8-6560-4C69-903D-DDFA1353014B}"/>
+                <a16:creationId xmlns:a16="http://schemas.microsoft.com/office/drawing/2014/main" xmlns="" id="{46ABA0B8-6560-4C69-903D-DDFA1353014B}"/>
               </a:ext>
             </a:extLst>
           </p:cNvPr>
@@ -11619,7 +11619,7 @@
           <p:cNvPr id="23" name="Ellipse 22">
             <a:extLst>
               <a:ext uri="{FF2B5EF4-FFF2-40B4-BE49-F238E27FC236}">
-                <a16:creationId xmlns:a16="http://schemas.microsoft.com/office/drawing/2014/main" id="{6BF8558C-793F-4365-8974-34ABC808EC3F}"/>
+                <a16:creationId xmlns:a16="http://schemas.microsoft.com/office/drawing/2014/main" xmlns="" id="{6BF8558C-793F-4365-8974-34ABC808EC3F}"/>
               </a:ext>
             </a:extLst>
           </p:cNvPr>
@@ -11665,7 +11665,7 @@
           <p:cNvPr id="24" name="Ellipse 23">
             <a:extLst>
               <a:ext uri="{FF2B5EF4-FFF2-40B4-BE49-F238E27FC236}">
-                <a16:creationId xmlns:a16="http://schemas.microsoft.com/office/drawing/2014/main" id="{E9203C2B-D111-4FE9-BF24-B18C06259737}"/>
+                <a16:creationId xmlns:a16="http://schemas.microsoft.com/office/drawing/2014/main" xmlns="" id="{E9203C2B-D111-4FE9-BF24-B18C06259737}"/>
               </a:ext>
             </a:extLst>
           </p:cNvPr>
@@ -11711,7 +11711,7 @@
           <p:cNvPr id="25" name="Ellipse 24">
             <a:extLst>
               <a:ext uri="{FF2B5EF4-FFF2-40B4-BE49-F238E27FC236}">
-                <a16:creationId xmlns:a16="http://schemas.microsoft.com/office/drawing/2014/main" id="{C09FB3F3-8F3B-4DF0-9300-2CA6A88EFFDC}"/>
+                <a16:creationId xmlns:a16="http://schemas.microsoft.com/office/drawing/2014/main" xmlns="" id="{C09FB3F3-8F3B-4DF0-9300-2CA6A88EFFDC}"/>
               </a:ext>
             </a:extLst>
           </p:cNvPr>
@@ -11757,7 +11757,7 @@
           <p:cNvPr id="26" name="Ellipse 25">
             <a:extLst>
               <a:ext uri="{FF2B5EF4-FFF2-40B4-BE49-F238E27FC236}">
-                <a16:creationId xmlns:a16="http://schemas.microsoft.com/office/drawing/2014/main" id="{BE81B881-3486-44C9-A933-D501D998537B}"/>
+                <a16:creationId xmlns:a16="http://schemas.microsoft.com/office/drawing/2014/main" xmlns="" id="{BE81B881-3486-44C9-A933-D501D998537B}"/>
               </a:ext>
             </a:extLst>
           </p:cNvPr>
@@ -11803,7 +11803,7 @@
           <p:cNvPr id="32" name="Connecteur droit 31">
             <a:extLst>
               <a:ext uri="{FF2B5EF4-FFF2-40B4-BE49-F238E27FC236}">
-                <a16:creationId xmlns:a16="http://schemas.microsoft.com/office/drawing/2014/main" id="{08F89639-431F-4DDF-BF20-5F11F5DD75BF}"/>
+                <a16:creationId xmlns:a16="http://schemas.microsoft.com/office/drawing/2014/main" xmlns="" id="{08F89639-431F-4DDF-BF20-5F11F5DD75BF}"/>
               </a:ext>
             </a:extLst>
           </p:cNvPr>
@@ -11846,7 +11846,7 @@
           <p:cNvPr id="33" name="Connecteur droit 32">
             <a:extLst>
               <a:ext uri="{FF2B5EF4-FFF2-40B4-BE49-F238E27FC236}">
-                <a16:creationId xmlns:a16="http://schemas.microsoft.com/office/drawing/2014/main" id="{8383B4E6-C2E6-4083-B81D-C80A7E3701DB}"/>
+                <a16:creationId xmlns:a16="http://schemas.microsoft.com/office/drawing/2014/main" xmlns="" id="{8383B4E6-C2E6-4083-B81D-C80A7E3701DB}"/>
               </a:ext>
             </a:extLst>
           </p:cNvPr>
@@ -11889,7 +11889,7 @@
           <p:cNvPr id="34" name="Connecteur droit 33">
             <a:extLst>
               <a:ext uri="{FF2B5EF4-FFF2-40B4-BE49-F238E27FC236}">
-                <a16:creationId xmlns:a16="http://schemas.microsoft.com/office/drawing/2014/main" id="{12B0419C-6978-4101-8E96-BEF365F182CB}"/>
+                <a16:creationId xmlns:a16="http://schemas.microsoft.com/office/drawing/2014/main" xmlns="" id="{12B0419C-6978-4101-8E96-BEF365F182CB}"/>
               </a:ext>
             </a:extLst>
           </p:cNvPr>
@@ -11932,7 +11932,7 @@
           <p:cNvPr id="35" name="Connecteur droit 34">
             <a:extLst>
               <a:ext uri="{FF2B5EF4-FFF2-40B4-BE49-F238E27FC236}">
-                <a16:creationId xmlns:a16="http://schemas.microsoft.com/office/drawing/2014/main" id="{0AF99C1E-9927-44FE-9935-1CAB63B10546}"/>
+                <a16:creationId xmlns:a16="http://schemas.microsoft.com/office/drawing/2014/main" xmlns="" id="{0AF99C1E-9927-44FE-9935-1CAB63B10546}"/>
               </a:ext>
             </a:extLst>
           </p:cNvPr>
@@ -11975,7 +11975,7 @@
           <p:cNvPr id="28" name="Rectangle : coins arrondis 27">
             <a:extLst>
               <a:ext uri="{FF2B5EF4-FFF2-40B4-BE49-F238E27FC236}">
-                <a16:creationId xmlns:a16="http://schemas.microsoft.com/office/drawing/2014/main" id="{8134B5D1-14B1-4CB3-BC90-49DA4AC2619F}"/>
+                <a16:creationId xmlns:a16="http://schemas.microsoft.com/office/drawing/2014/main" xmlns="" id="{8134B5D1-14B1-4CB3-BC90-49DA4AC2619F}"/>
               </a:ext>
             </a:extLst>
           </p:cNvPr>
@@ -12021,7 +12021,7 @@
           <p:cNvPr id="29" name="Rectangle : coins arrondis 28">
             <a:extLst>
               <a:ext uri="{FF2B5EF4-FFF2-40B4-BE49-F238E27FC236}">
-                <a16:creationId xmlns:a16="http://schemas.microsoft.com/office/drawing/2014/main" id="{258E64E4-1F93-4BDC-B6E0-5AC8DFC43265}"/>
+                <a16:creationId xmlns:a16="http://schemas.microsoft.com/office/drawing/2014/main" xmlns="" id="{258E64E4-1F93-4BDC-B6E0-5AC8DFC43265}"/>
               </a:ext>
             </a:extLst>
           </p:cNvPr>
@@ -12067,7 +12067,7 @@
           <p:cNvPr id="30" name="Rectangle : coins arrondis 29">
             <a:extLst>
               <a:ext uri="{FF2B5EF4-FFF2-40B4-BE49-F238E27FC236}">
-                <a16:creationId xmlns:a16="http://schemas.microsoft.com/office/drawing/2014/main" id="{89B46454-6106-49FF-A25F-96725C5186FA}"/>
+                <a16:creationId xmlns:a16="http://schemas.microsoft.com/office/drawing/2014/main" xmlns="" id="{89B46454-6106-49FF-A25F-96725C5186FA}"/>
               </a:ext>
             </a:extLst>
           </p:cNvPr>
@@ -12113,7 +12113,7 @@
           <p:cNvPr id="27" name="Rectangle : coins arrondis 26">
             <a:extLst>
               <a:ext uri="{FF2B5EF4-FFF2-40B4-BE49-F238E27FC236}">
-                <a16:creationId xmlns:a16="http://schemas.microsoft.com/office/drawing/2014/main" id="{8DF8DA6D-6EC4-4499-8F18-DE31C7D7F185}"/>
+                <a16:creationId xmlns:a16="http://schemas.microsoft.com/office/drawing/2014/main" xmlns="" id="{8DF8DA6D-6EC4-4499-8F18-DE31C7D7F185}"/>
               </a:ext>
             </a:extLst>
           </p:cNvPr>
@@ -12159,7 +12159,7 @@
           <p:cNvPr id="36" name="Connecteur droit 35">
             <a:extLst>
               <a:ext uri="{FF2B5EF4-FFF2-40B4-BE49-F238E27FC236}">
-                <a16:creationId xmlns:a16="http://schemas.microsoft.com/office/drawing/2014/main" id="{03D0651D-9509-44DC-B649-8EA7769440F0}"/>
+                <a16:creationId xmlns:a16="http://schemas.microsoft.com/office/drawing/2014/main" xmlns="" id="{03D0651D-9509-44DC-B649-8EA7769440F0}"/>
               </a:ext>
             </a:extLst>
           </p:cNvPr>
@@ -12204,7 +12204,7 @@
           <p:cNvPr id="41" name="Connecteur droit 40">
             <a:extLst>
               <a:ext uri="{FF2B5EF4-FFF2-40B4-BE49-F238E27FC236}">
-                <a16:creationId xmlns:a16="http://schemas.microsoft.com/office/drawing/2014/main" id="{3E81D001-A20C-4CEE-AB15-842EC83405C8}"/>
+                <a16:creationId xmlns:a16="http://schemas.microsoft.com/office/drawing/2014/main" xmlns="" id="{3E81D001-A20C-4CEE-AB15-842EC83405C8}"/>
               </a:ext>
             </a:extLst>
           </p:cNvPr>
@@ -12249,7 +12249,7 @@
           <p:cNvPr id="42" name="Connecteur droit 41">
             <a:extLst>
               <a:ext uri="{FF2B5EF4-FFF2-40B4-BE49-F238E27FC236}">
-                <a16:creationId xmlns:a16="http://schemas.microsoft.com/office/drawing/2014/main" id="{7CDA61E9-BD60-4AA2-83CF-34D53C31C6B2}"/>
+                <a16:creationId xmlns:a16="http://schemas.microsoft.com/office/drawing/2014/main" xmlns="" id="{7CDA61E9-BD60-4AA2-83CF-34D53C31C6B2}"/>
               </a:ext>
             </a:extLst>
           </p:cNvPr>
@@ -12294,7 +12294,7 @@
           <p:cNvPr id="43" name="Connecteur droit 42">
             <a:extLst>
               <a:ext uri="{FF2B5EF4-FFF2-40B4-BE49-F238E27FC236}">
-                <a16:creationId xmlns:a16="http://schemas.microsoft.com/office/drawing/2014/main" id="{14858095-04C0-47E0-BA6E-8947B6A74606}"/>
+                <a16:creationId xmlns:a16="http://schemas.microsoft.com/office/drawing/2014/main" xmlns="" id="{14858095-04C0-47E0-BA6E-8947B6A74606}"/>
               </a:ext>
             </a:extLst>
           </p:cNvPr>
@@ -12339,7 +12339,7 @@
           <p:cNvPr id="44" name="Ellipse 43">
             <a:extLst>
               <a:ext uri="{FF2B5EF4-FFF2-40B4-BE49-F238E27FC236}">
-                <a16:creationId xmlns:a16="http://schemas.microsoft.com/office/drawing/2014/main" id="{D78F0AEB-9429-4B9D-A2FA-32388985336A}"/>
+                <a16:creationId xmlns:a16="http://schemas.microsoft.com/office/drawing/2014/main" xmlns="" id="{D78F0AEB-9429-4B9D-A2FA-32388985336A}"/>
               </a:ext>
             </a:extLst>
           </p:cNvPr>
@@ -12388,7 +12388,7 @@
           <p:cNvPr id="45" name="Organigramme : Opération manuelle 44">
             <a:extLst>
               <a:ext uri="{FF2B5EF4-FFF2-40B4-BE49-F238E27FC236}">
-                <a16:creationId xmlns:a16="http://schemas.microsoft.com/office/drawing/2014/main" id="{BE768354-8668-4675-A6E4-84F039D4BD9F}"/>
+                <a16:creationId xmlns:a16="http://schemas.microsoft.com/office/drawing/2014/main" xmlns="" id="{BE768354-8668-4675-A6E4-84F039D4BD9F}"/>
               </a:ext>
             </a:extLst>
           </p:cNvPr>
@@ -12434,7 +12434,7 @@
           <p:cNvPr id="46" name="Organigramme : Opération manuelle 45">
             <a:extLst>
               <a:ext uri="{FF2B5EF4-FFF2-40B4-BE49-F238E27FC236}">
-                <a16:creationId xmlns:a16="http://schemas.microsoft.com/office/drawing/2014/main" id="{5E3B31DA-205C-4831-8663-3EE4C7367577}"/>
+                <a16:creationId xmlns:a16="http://schemas.microsoft.com/office/drawing/2014/main" xmlns="" id="{5E3B31DA-205C-4831-8663-3EE4C7367577}"/>
               </a:ext>
             </a:extLst>
           </p:cNvPr>
@@ -12480,7 +12480,7 @@
           <p:cNvPr id="47" name="Organigramme : Opération manuelle 46">
             <a:extLst>
               <a:ext uri="{FF2B5EF4-FFF2-40B4-BE49-F238E27FC236}">
-                <a16:creationId xmlns:a16="http://schemas.microsoft.com/office/drawing/2014/main" id="{C94537A1-5F3A-46CA-B701-E1D8EA6F669E}"/>
+                <a16:creationId xmlns:a16="http://schemas.microsoft.com/office/drawing/2014/main" xmlns="" id="{C94537A1-5F3A-46CA-B701-E1D8EA6F669E}"/>
               </a:ext>
             </a:extLst>
           </p:cNvPr>
@@ -12526,7 +12526,7 @@
           <p:cNvPr id="48" name="Organigramme : Opération manuelle 47">
             <a:extLst>
               <a:ext uri="{FF2B5EF4-FFF2-40B4-BE49-F238E27FC236}">
-                <a16:creationId xmlns:a16="http://schemas.microsoft.com/office/drawing/2014/main" id="{DEC14131-B1A7-438A-AB64-0C4C90454FAF}"/>
+                <a16:creationId xmlns:a16="http://schemas.microsoft.com/office/drawing/2014/main" xmlns="" id="{DEC14131-B1A7-438A-AB64-0C4C90454FAF}"/>
               </a:ext>
             </a:extLst>
           </p:cNvPr>
@@ -12572,7 +12572,7 @@
           <p:cNvPr id="49" name="Ellipse 48">
             <a:extLst>
               <a:ext uri="{FF2B5EF4-FFF2-40B4-BE49-F238E27FC236}">
-                <a16:creationId xmlns:a16="http://schemas.microsoft.com/office/drawing/2014/main" id="{57ED967F-2403-47CF-90B7-AB0649FDEBF6}"/>
+                <a16:creationId xmlns:a16="http://schemas.microsoft.com/office/drawing/2014/main" xmlns="" id="{57ED967F-2403-47CF-90B7-AB0649FDEBF6}"/>
               </a:ext>
             </a:extLst>
           </p:cNvPr>
@@ -12621,7 +12621,7 @@
           <p:cNvPr id="50" name="Organigramme : Opération manuelle 49">
             <a:extLst>
               <a:ext uri="{FF2B5EF4-FFF2-40B4-BE49-F238E27FC236}">
-                <a16:creationId xmlns:a16="http://schemas.microsoft.com/office/drawing/2014/main" id="{5B199164-FB82-41BC-B08E-F96C799ABBE9}"/>
+                <a16:creationId xmlns:a16="http://schemas.microsoft.com/office/drawing/2014/main" xmlns="" id="{5B199164-FB82-41BC-B08E-F96C799ABBE9}"/>
               </a:ext>
             </a:extLst>
           </p:cNvPr>
@@ -12667,7 +12667,7 @@
           <p:cNvPr id="51" name="Organigramme : Opération manuelle 50">
             <a:extLst>
               <a:ext uri="{FF2B5EF4-FFF2-40B4-BE49-F238E27FC236}">
-                <a16:creationId xmlns:a16="http://schemas.microsoft.com/office/drawing/2014/main" id="{7B70BBD9-D78E-494A-8051-F4DD42B6C98C}"/>
+                <a16:creationId xmlns:a16="http://schemas.microsoft.com/office/drawing/2014/main" xmlns="" id="{7B70BBD9-D78E-494A-8051-F4DD42B6C98C}"/>
               </a:ext>
             </a:extLst>
           </p:cNvPr>
@@ -12713,7 +12713,7 @@
           <p:cNvPr id="52" name="Organigramme : Opération manuelle 51">
             <a:extLst>
               <a:ext uri="{FF2B5EF4-FFF2-40B4-BE49-F238E27FC236}">
-                <a16:creationId xmlns:a16="http://schemas.microsoft.com/office/drawing/2014/main" id="{A2E12316-19B7-4AFE-A151-7A75A6117B39}"/>
+                <a16:creationId xmlns:a16="http://schemas.microsoft.com/office/drawing/2014/main" xmlns="" id="{A2E12316-19B7-4AFE-A151-7A75A6117B39}"/>
               </a:ext>
             </a:extLst>
           </p:cNvPr>
@@ -12759,7 +12759,7 @@
           <p:cNvPr id="53" name="Organigramme : Opération manuelle 52">
             <a:extLst>
               <a:ext uri="{FF2B5EF4-FFF2-40B4-BE49-F238E27FC236}">
-                <a16:creationId xmlns:a16="http://schemas.microsoft.com/office/drawing/2014/main" id="{41F32346-726A-41D5-84CD-218EC20EF107}"/>
+                <a16:creationId xmlns:a16="http://schemas.microsoft.com/office/drawing/2014/main" xmlns="" id="{41F32346-726A-41D5-84CD-218EC20EF107}"/>
               </a:ext>
             </a:extLst>
           </p:cNvPr>
@@ -12805,7 +12805,7 @@
           <p:cNvPr id="54" name="Ellipse 53">
             <a:extLst>
               <a:ext uri="{FF2B5EF4-FFF2-40B4-BE49-F238E27FC236}">
-                <a16:creationId xmlns:a16="http://schemas.microsoft.com/office/drawing/2014/main" id="{E31D655E-B249-4414-AE34-B67AD7800953}"/>
+                <a16:creationId xmlns:a16="http://schemas.microsoft.com/office/drawing/2014/main" xmlns="" id="{E31D655E-B249-4414-AE34-B67AD7800953}"/>
               </a:ext>
             </a:extLst>
           </p:cNvPr>
@@ -12854,7 +12854,7 @@
           <p:cNvPr id="55" name="Organigramme : Opération manuelle 54">
             <a:extLst>
               <a:ext uri="{FF2B5EF4-FFF2-40B4-BE49-F238E27FC236}">
-                <a16:creationId xmlns:a16="http://schemas.microsoft.com/office/drawing/2014/main" id="{0570133B-4647-4695-AB44-838B0D5A0C04}"/>
+                <a16:creationId xmlns:a16="http://schemas.microsoft.com/office/drawing/2014/main" xmlns="" id="{0570133B-4647-4695-AB44-838B0D5A0C04}"/>
               </a:ext>
             </a:extLst>
           </p:cNvPr>
@@ -12900,7 +12900,7 @@
           <p:cNvPr id="56" name="Organigramme : Opération manuelle 55">
             <a:extLst>
               <a:ext uri="{FF2B5EF4-FFF2-40B4-BE49-F238E27FC236}">
-                <a16:creationId xmlns:a16="http://schemas.microsoft.com/office/drawing/2014/main" id="{041BC852-606F-465B-AE72-9A8673581C5E}"/>
+                <a16:creationId xmlns:a16="http://schemas.microsoft.com/office/drawing/2014/main" xmlns="" id="{041BC852-606F-465B-AE72-9A8673581C5E}"/>
               </a:ext>
             </a:extLst>
           </p:cNvPr>
@@ -12946,7 +12946,7 @@
           <p:cNvPr id="57" name="Organigramme : Opération manuelle 56">
             <a:extLst>
               <a:ext uri="{FF2B5EF4-FFF2-40B4-BE49-F238E27FC236}">
-                <a16:creationId xmlns:a16="http://schemas.microsoft.com/office/drawing/2014/main" id="{DA61E444-A567-4828-9EB5-51967FD9EE7A}"/>
+                <a16:creationId xmlns:a16="http://schemas.microsoft.com/office/drawing/2014/main" xmlns="" id="{DA61E444-A567-4828-9EB5-51967FD9EE7A}"/>
               </a:ext>
             </a:extLst>
           </p:cNvPr>
@@ -12992,7 +12992,7 @@
           <p:cNvPr id="58" name="Organigramme : Opération manuelle 57">
             <a:extLst>
               <a:ext uri="{FF2B5EF4-FFF2-40B4-BE49-F238E27FC236}">
-                <a16:creationId xmlns:a16="http://schemas.microsoft.com/office/drawing/2014/main" id="{702971F1-FBB5-43A8-B0EE-9AAA49378AAB}"/>
+                <a16:creationId xmlns:a16="http://schemas.microsoft.com/office/drawing/2014/main" xmlns="" id="{702971F1-FBB5-43A8-B0EE-9AAA49378AAB}"/>
               </a:ext>
             </a:extLst>
           </p:cNvPr>
@@ -13038,7 +13038,7 @@
           <p:cNvPr id="59" name="Ellipse 58">
             <a:extLst>
               <a:ext uri="{FF2B5EF4-FFF2-40B4-BE49-F238E27FC236}">
-                <a16:creationId xmlns:a16="http://schemas.microsoft.com/office/drawing/2014/main" id="{FEA95C18-4499-4E6F-A4C2-1FB58CA00A60}"/>
+                <a16:creationId xmlns:a16="http://schemas.microsoft.com/office/drawing/2014/main" xmlns="" id="{FEA95C18-4499-4E6F-A4C2-1FB58CA00A60}"/>
               </a:ext>
             </a:extLst>
           </p:cNvPr>
@@ -13087,7 +13087,7 @@
           <p:cNvPr id="60" name="Organigramme : Opération manuelle 59">
             <a:extLst>
               <a:ext uri="{FF2B5EF4-FFF2-40B4-BE49-F238E27FC236}">
-                <a16:creationId xmlns:a16="http://schemas.microsoft.com/office/drawing/2014/main" id="{CD43C8E4-1F23-46D8-BBFC-E4E53C18C3BD}"/>
+                <a16:creationId xmlns:a16="http://schemas.microsoft.com/office/drawing/2014/main" xmlns="" id="{CD43C8E4-1F23-46D8-BBFC-E4E53C18C3BD}"/>
               </a:ext>
             </a:extLst>
           </p:cNvPr>
@@ -13133,7 +13133,7 @@
           <p:cNvPr id="61" name="Organigramme : Opération manuelle 60">
             <a:extLst>
               <a:ext uri="{FF2B5EF4-FFF2-40B4-BE49-F238E27FC236}">
-                <a16:creationId xmlns:a16="http://schemas.microsoft.com/office/drawing/2014/main" id="{57C7D8CF-C749-4080-99CF-7B7C049DFBFB}"/>
+                <a16:creationId xmlns:a16="http://schemas.microsoft.com/office/drawing/2014/main" xmlns="" id="{57C7D8CF-C749-4080-99CF-7B7C049DFBFB}"/>
               </a:ext>
             </a:extLst>
           </p:cNvPr>
@@ -13179,7 +13179,7 @@
           <p:cNvPr id="62" name="Organigramme : Opération manuelle 61">
             <a:extLst>
               <a:ext uri="{FF2B5EF4-FFF2-40B4-BE49-F238E27FC236}">
-                <a16:creationId xmlns:a16="http://schemas.microsoft.com/office/drawing/2014/main" id="{5277FDD6-02A1-4EA9-ACBC-A14ABAEF5AD9}"/>
+                <a16:creationId xmlns:a16="http://schemas.microsoft.com/office/drawing/2014/main" xmlns="" id="{5277FDD6-02A1-4EA9-ACBC-A14ABAEF5AD9}"/>
               </a:ext>
             </a:extLst>
           </p:cNvPr>
@@ -13225,7 +13225,7 @@
           <p:cNvPr id="63" name="Organigramme : Opération manuelle 62">
             <a:extLst>
               <a:ext uri="{FF2B5EF4-FFF2-40B4-BE49-F238E27FC236}">
-                <a16:creationId xmlns:a16="http://schemas.microsoft.com/office/drawing/2014/main" id="{66420B32-DB23-47E2-8295-B4FC92FE1B14}"/>
+                <a16:creationId xmlns:a16="http://schemas.microsoft.com/office/drawing/2014/main" xmlns="" id="{66420B32-DB23-47E2-8295-B4FC92FE1B14}"/>
               </a:ext>
             </a:extLst>
           </p:cNvPr>
@@ -13271,7 +13271,7 @@
           <p:cNvPr id="64" name="Connecteur droit 63">
             <a:extLst>
               <a:ext uri="{FF2B5EF4-FFF2-40B4-BE49-F238E27FC236}">
-                <a16:creationId xmlns:a16="http://schemas.microsoft.com/office/drawing/2014/main" id="{631B3EC7-1AAC-421B-B9B3-D2C8ED851FF0}"/>
+                <a16:creationId xmlns:a16="http://schemas.microsoft.com/office/drawing/2014/main" xmlns="" id="{631B3EC7-1AAC-421B-B9B3-D2C8ED851FF0}"/>
               </a:ext>
             </a:extLst>
           </p:cNvPr>
@@ -13318,7 +13318,7 @@
           <p:cNvPr id="66" name="Rectangle : coins arrondis 65">
             <a:extLst>
               <a:ext uri="{FF2B5EF4-FFF2-40B4-BE49-F238E27FC236}">
-                <a16:creationId xmlns:a16="http://schemas.microsoft.com/office/drawing/2014/main" id="{F76F844B-73AE-4860-B262-3CFFC7CEA1E9}"/>
+                <a16:creationId xmlns:a16="http://schemas.microsoft.com/office/drawing/2014/main" xmlns="" id="{F76F844B-73AE-4860-B262-3CFFC7CEA1E9}"/>
               </a:ext>
             </a:extLst>
           </p:cNvPr>
@@ -13372,7 +13372,7 @@
           <p:cNvPr id="67" name="Rectangle 66">
             <a:extLst>
               <a:ext uri="{FF2B5EF4-FFF2-40B4-BE49-F238E27FC236}">
-                <a16:creationId xmlns:a16="http://schemas.microsoft.com/office/drawing/2014/main" id="{34A081A0-E7E6-479F-9161-22B9EEC0AF00}"/>
+                <a16:creationId xmlns:a16="http://schemas.microsoft.com/office/drawing/2014/main" xmlns="" id="{34A081A0-E7E6-479F-9161-22B9EEC0AF00}"/>
               </a:ext>
             </a:extLst>
           </p:cNvPr>
@@ -13416,7 +13416,7 @@
           <p:cNvPr id="68" name="Rectangle 67">
             <a:extLst>
               <a:ext uri="{FF2B5EF4-FFF2-40B4-BE49-F238E27FC236}">
-                <a16:creationId xmlns:a16="http://schemas.microsoft.com/office/drawing/2014/main" id="{D70B9E5F-3772-49BE-B49A-74B5CCC2177C}"/>
+                <a16:creationId xmlns:a16="http://schemas.microsoft.com/office/drawing/2014/main" xmlns="" id="{D70B9E5F-3772-49BE-B49A-74B5CCC2177C}"/>
               </a:ext>
             </a:extLst>
           </p:cNvPr>
@@ -13462,7 +13462,7 @@
           <p:cNvPr id="69" name="Rectangle 68">
             <a:extLst>
               <a:ext uri="{FF2B5EF4-FFF2-40B4-BE49-F238E27FC236}">
-                <a16:creationId xmlns:a16="http://schemas.microsoft.com/office/drawing/2014/main" id="{97650997-A9BE-42ED-95A2-175CFCFC9C49}"/>
+                <a16:creationId xmlns:a16="http://schemas.microsoft.com/office/drawing/2014/main" xmlns="" id="{97650997-A9BE-42ED-95A2-175CFCFC9C49}"/>
               </a:ext>
             </a:extLst>
           </p:cNvPr>
@@ -13508,7 +13508,7 @@
           <p:cNvPr id="70" name="Rectangle 69">
             <a:extLst>
               <a:ext uri="{FF2B5EF4-FFF2-40B4-BE49-F238E27FC236}">
-                <a16:creationId xmlns:a16="http://schemas.microsoft.com/office/drawing/2014/main" id="{AFE9E62B-E28B-4508-A451-55037ED3FF15}"/>
+                <a16:creationId xmlns:a16="http://schemas.microsoft.com/office/drawing/2014/main" xmlns="" id="{AFE9E62B-E28B-4508-A451-55037ED3FF15}"/>
               </a:ext>
             </a:extLst>
           </p:cNvPr>
@@ -13554,7 +13554,7 @@
           <p:cNvPr id="71" name="Rectangle 70">
             <a:extLst>
               <a:ext uri="{FF2B5EF4-FFF2-40B4-BE49-F238E27FC236}">
-                <a16:creationId xmlns:a16="http://schemas.microsoft.com/office/drawing/2014/main" id="{6C0DD773-12A0-49A0-AF3E-549D4911B481}"/>
+                <a16:creationId xmlns:a16="http://schemas.microsoft.com/office/drawing/2014/main" xmlns="" id="{6C0DD773-12A0-49A0-AF3E-549D4911B481}"/>
               </a:ext>
             </a:extLst>
           </p:cNvPr>
@@ -13600,7 +13600,7 @@
           <p:cNvPr id="72" name="Rectangle 71">
             <a:extLst>
               <a:ext uri="{FF2B5EF4-FFF2-40B4-BE49-F238E27FC236}">
-                <a16:creationId xmlns:a16="http://schemas.microsoft.com/office/drawing/2014/main" id="{2546D4EB-1182-4343-A3FD-6DF4A1C45A97}"/>
+                <a16:creationId xmlns:a16="http://schemas.microsoft.com/office/drawing/2014/main" xmlns="" id="{2546D4EB-1182-4343-A3FD-6DF4A1C45A97}"/>
               </a:ext>
             </a:extLst>
           </p:cNvPr>
@@ -13646,7 +13646,7 @@
           <p:cNvPr id="73" name="Rectangle 72">
             <a:extLst>
               <a:ext uri="{FF2B5EF4-FFF2-40B4-BE49-F238E27FC236}">
-                <a16:creationId xmlns:a16="http://schemas.microsoft.com/office/drawing/2014/main" id="{DE5C654A-2F21-4102-A55D-51863B983632}"/>
+                <a16:creationId xmlns:a16="http://schemas.microsoft.com/office/drawing/2014/main" xmlns="" id="{DE5C654A-2F21-4102-A55D-51863B983632}"/>
               </a:ext>
             </a:extLst>
           </p:cNvPr>
@@ -13692,7 +13692,7 @@
           <p:cNvPr id="74" name="Rectangle 73">
             <a:extLst>
               <a:ext uri="{FF2B5EF4-FFF2-40B4-BE49-F238E27FC236}">
-                <a16:creationId xmlns:a16="http://schemas.microsoft.com/office/drawing/2014/main" id="{AD7FE707-1FC7-40B6-842A-29ADA3A17273}"/>
+                <a16:creationId xmlns:a16="http://schemas.microsoft.com/office/drawing/2014/main" xmlns="" id="{AD7FE707-1FC7-40B6-842A-29ADA3A17273}"/>
               </a:ext>
             </a:extLst>
           </p:cNvPr>
@@ -13738,7 +13738,7 @@
           <p:cNvPr id="75" name="Rectangle 74">
             <a:extLst>
               <a:ext uri="{FF2B5EF4-FFF2-40B4-BE49-F238E27FC236}">
-                <a16:creationId xmlns:a16="http://schemas.microsoft.com/office/drawing/2014/main" id="{D99A4C18-6C81-4F8D-96BD-C2AF1D7C11B0}"/>
+                <a16:creationId xmlns:a16="http://schemas.microsoft.com/office/drawing/2014/main" xmlns="" id="{D99A4C18-6C81-4F8D-96BD-C2AF1D7C11B0}"/>
               </a:ext>
             </a:extLst>
           </p:cNvPr>
@@ -13784,7 +13784,7 @@
           <p:cNvPr id="76" name="Rectangle 75">
             <a:extLst>
               <a:ext uri="{FF2B5EF4-FFF2-40B4-BE49-F238E27FC236}">
-                <a16:creationId xmlns:a16="http://schemas.microsoft.com/office/drawing/2014/main" id="{F2DAE333-16A6-4D4B-8D8C-87C58D898AAC}"/>
+                <a16:creationId xmlns:a16="http://schemas.microsoft.com/office/drawing/2014/main" xmlns="" id="{F2DAE333-16A6-4D4B-8D8C-87C58D898AAC}"/>
               </a:ext>
             </a:extLst>
           </p:cNvPr>
@@ -13830,7 +13830,7 @@
           <p:cNvPr id="77" name="Rectangle 76">
             <a:extLst>
               <a:ext uri="{FF2B5EF4-FFF2-40B4-BE49-F238E27FC236}">
-                <a16:creationId xmlns:a16="http://schemas.microsoft.com/office/drawing/2014/main" id="{3BBC9C63-263C-41DE-8B1F-9AD82D1C8089}"/>
+                <a16:creationId xmlns:a16="http://schemas.microsoft.com/office/drawing/2014/main" xmlns="" id="{3BBC9C63-263C-41DE-8B1F-9AD82D1C8089}"/>
               </a:ext>
             </a:extLst>
           </p:cNvPr>
@@ -13876,7 +13876,7 @@
           <p:cNvPr id="78" name="Rectangle 77">
             <a:extLst>
               <a:ext uri="{FF2B5EF4-FFF2-40B4-BE49-F238E27FC236}">
-                <a16:creationId xmlns:a16="http://schemas.microsoft.com/office/drawing/2014/main" id="{EC2AB87B-C366-4D3E-A86E-329E6664C047}"/>
+                <a16:creationId xmlns:a16="http://schemas.microsoft.com/office/drawing/2014/main" xmlns="" id="{EC2AB87B-C366-4D3E-A86E-329E6664C047}"/>
               </a:ext>
             </a:extLst>
           </p:cNvPr>
@@ -13922,7 +13922,7 @@
           <p:cNvPr id="79" name="Rectangle 78">
             <a:extLst>
               <a:ext uri="{FF2B5EF4-FFF2-40B4-BE49-F238E27FC236}">
-                <a16:creationId xmlns:a16="http://schemas.microsoft.com/office/drawing/2014/main" id="{61657DD6-4421-46E0-8AF9-647C74447693}"/>
+                <a16:creationId xmlns:a16="http://schemas.microsoft.com/office/drawing/2014/main" xmlns="" id="{61657DD6-4421-46E0-8AF9-647C74447693}"/>
               </a:ext>
             </a:extLst>
           </p:cNvPr>
@@ -13968,7 +13968,7 @@
           <p:cNvPr id="80" name="Rectangle 79">
             <a:extLst>
               <a:ext uri="{FF2B5EF4-FFF2-40B4-BE49-F238E27FC236}">
-                <a16:creationId xmlns:a16="http://schemas.microsoft.com/office/drawing/2014/main" id="{796AF5D3-BE2B-40E2-B8EC-DF0492E591EB}"/>
+                <a16:creationId xmlns:a16="http://schemas.microsoft.com/office/drawing/2014/main" xmlns="" id="{796AF5D3-BE2B-40E2-B8EC-DF0492E591EB}"/>
               </a:ext>
             </a:extLst>
           </p:cNvPr>
@@ -14014,7 +14014,7 @@
           <p:cNvPr id="81" name="Rectangle 80">
             <a:extLst>
               <a:ext uri="{FF2B5EF4-FFF2-40B4-BE49-F238E27FC236}">
-                <a16:creationId xmlns:a16="http://schemas.microsoft.com/office/drawing/2014/main" id="{BE5BDD4C-CB37-48C5-B6B5-2332151B3D06}"/>
+                <a16:creationId xmlns:a16="http://schemas.microsoft.com/office/drawing/2014/main" xmlns="" id="{BE5BDD4C-CB37-48C5-B6B5-2332151B3D06}"/>
               </a:ext>
             </a:extLst>
           </p:cNvPr>
@@ -14060,7 +14060,7 @@
           <p:cNvPr id="82" name="Rectangle 81">
             <a:extLst>
               <a:ext uri="{FF2B5EF4-FFF2-40B4-BE49-F238E27FC236}">
-                <a16:creationId xmlns:a16="http://schemas.microsoft.com/office/drawing/2014/main" id="{0443AE76-98E0-49AE-9E5D-254D547E5DF9}"/>
+                <a16:creationId xmlns:a16="http://schemas.microsoft.com/office/drawing/2014/main" xmlns="" id="{0443AE76-98E0-49AE-9E5D-254D547E5DF9}"/>
               </a:ext>
             </a:extLst>
           </p:cNvPr>
@@ -14106,7 +14106,7 @@
           <p:cNvPr id="83" name="Rectangle 82">
             <a:extLst>
               <a:ext uri="{FF2B5EF4-FFF2-40B4-BE49-F238E27FC236}">
-                <a16:creationId xmlns:a16="http://schemas.microsoft.com/office/drawing/2014/main" id="{16A08437-F7D6-41FA-940D-D0ECE9FD3E18}"/>
+                <a16:creationId xmlns:a16="http://schemas.microsoft.com/office/drawing/2014/main" xmlns="" id="{16A08437-F7D6-41FA-940D-D0ECE9FD3E18}"/>
               </a:ext>
             </a:extLst>
           </p:cNvPr>
@@ -14152,7 +14152,7 @@
           <p:cNvPr id="84" name="Ellipse 83">
             <a:extLst>
               <a:ext uri="{FF2B5EF4-FFF2-40B4-BE49-F238E27FC236}">
-                <a16:creationId xmlns:a16="http://schemas.microsoft.com/office/drawing/2014/main" id="{AD276A69-E7EF-4D3B-ADAB-3DA9335511C7}"/>
+                <a16:creationId xmlns:a16="http://schemas.microsoft.com/office/drawing/2014/main" xmlns="" id="{AD276A69-E7EF-4D3B-ADAB-3DA9335511C7}"/>
               </a:ext>
             </a:extLst>
           </p:cNvPr>
@@ -14198,7 +14198,7 @@
           <p:cNvPr id="85" name="Ellipse 84">
             <a:extLst>
               <a:ext uri="{FF2B5EF4-FFF2-40B4-BE49-F238E27FC236}">
-                <a16:creationId xmlns:a16="http://schemas.microsoft.com/office/drawing/2014/main" id="{D4F49EFD-A656-44A7-B774-1A1C257AE6D6}"/>
+                <a16:creationId xmlns:a16="http://schemas.microsoft.com/office/drawing/2014/main" xmlns="" id="{D4F49EFD-A656-44A7-B774-1A1C257AE6D6}"/>
               </a:ext>
             </a:extLst>
           </p:cNvPr>
@@ -14244,7 +14244,7 @@
           <p:cNvPr id="86" name="Ellipse 85">
             <a:extLst>
               <a:ext uri="{FF2B5EF4-FFF2-40B4-BE49-F238E27FC236}">
-                <a16:creationId xmlns:a16="http://schemas.microsoft.com/office/drawing/2014/main" id="{1F010599-EEB3-44FF-9812-673A5E5232C2}"/>
+                <a16:creationId xmlns:a16="http://schemas.microsoft.com/office/drawing/2014/main" xmlns="" id="{1F010599-EEB3-44FF-9812-673A5E5232C2}"/>
               </a:ext>
             </a:extLst>
           </p:cNvPr>
@@ -14290,7 +14290,7 @@
           <p:cNvPr id="87" name="Ellipse 86">
             <a:extLst>
               <a:ext uri="{FF2B5EF4-FFF2-40B4-BE49-F238E27FC236}">
-                <a16:creationId xmlns:a16="http://schemas.microsoft.com/office/drawing/2014/main" id="{372F645B-1C8B-44CA-83A3-2A0D673E121A}"/>
+                <a16:creationId xmlns:a16="http://schemas.microsoft.com/office/drawing/2014/main" xmlns="" id="{372F645B-1C8B-44CA-83A3-2A0D673E121A}"/>
               </a:ext>
             </a:extLst>
           </p:cNvPr>
@@ -14336,7 +14336,7 @@
           <p:cNvPr id="88" name="Connecteur droit 87">
             <a:extLst>
               <a:ext uri="{FF2B5EF4-FFF2-40B4-BE49-F238E27FC236}">
-                <a16:creationId xmlns:a16="http://schemas.microsoft.com/office/drawing/2014/main" id="{E60F88EE-7000-4657-B0FD-36E5A314EE6A}"/>
+                <a16:creationId xmlns:a16="http://schemas.microsoft.com/office/drawing/2014/main" xmlns="" id="{E60F88EE-7000-4657-B0FD-36E5A314EE6A}"/>
               </a:ext>
             </a:extLst>
           </p:cNvPr>
@@ -14379,7 +14379,7 @@
           <p:cNvPr id="89" name="Connecteur droit 88">
             <a:extLst>
               <a:ext uri="{FF2B5EF4-FFF2-40B4-BE49-F238E27FC236}">
-                <a16:creationId xmlns:a16="http://schemas.microsoft.com/office/drawing/2014/main" id="{501004A4-D5FE-4B61-ABC0-2E9A0D74516C}"/>
+                <a16:creationId xmlns:a16="http://schemas.microsoft.com/office/drawing/2014/main" xmlns="" id="{501004A4-D5FE-4B61-ABC0-2E9A0D74516C}"/>
               </a:ext>
             </a:extLst>
           </p:cNvPr>
@@ -14422,7 +14422,7 @@
           <p:cNvPr id="90" name="Connecteur droit 89">
             <a:extLst>
               <a:ext uri="{FF2B5EF4-FFF2-40B4-BE49-F238E27FC236}">
-                <a16:creationId xmlns:a16="http://schemas.microsoft.com/office/drawing/2014/main" id="{29C501C1-3485-4AAB-8A97-FB6953F9A97F}"/>
+                <a16:creationId xmlns:a16="http://schemas.microsoft.com/office/drawing/2014/main" xmlns="" id="{29C501C1-3485-4AAB-8A97-FB6953F9A97F}"/>
               </a:ext>
             </a:extLst>
           </p:cNvPr>
@@ -14465,7 +14465,7 @@
           <p:cNvPr id="91" name="Connecteur droit 90">
             <a:extLst>
               <a:ext uri="{FF2B5EF4-FFF2-40B4-BE49-F238E27FC236}">
-                <a16:creationId xmlns:a16="http://schemas.microsoft.com/office/drawing/2014/main" id="{94EFA8BE-7979-4E4E-BEEB-E09C44167113}"/>
+                <a16:creationId xmlns:a16="http://schemas.microsoft.com/office/drawing/2014/main" xmlns="" id="{94EFA8BE-7979-4E4E-BEEB-E09C44167113}"/>
               </a:ext>
             </a:extLst>
           </p:cNvPr>
@@ -14508,7 +14508,7 @@
           <p:cNvPr id="92" name="Rectangle : coins arrondis 91">
             <a:extLst>
               <a:ext uri="{FF2B5EF4-FFF2-40B4-BE49-F238E27FC236}">
-                <a16:creationId xmlns:a16="http://schemas.microsoft.com/office/drawing/2014/main" id="{55206765-4672-4F8D-9E01-D5EFFB20D9D9}"/>
+                <a16:creationId xmlns:a16="http://schemas.microsoft.com/office/drawing/2014/main" xmlns="" id="{55206765-4672-4F8D-9E01-D5EFFB20D9D9}"/>
               </a:ext>
             </a:extLst>
           </p:cNvPr>
@@ -14554,7 +14554,7 @@
           <p:cNvPr id="93" name="Rectangle : coins arrondis 92">
             <a:extLst>
               <a:ext uri="{FF2B5EF4-FFF2-40B4-BE49-F238E27FC236}">
-                <a16:creationId xmlns:a16="http://schemas.microsoft.com/office/drawing/2014/main" id="{27CE9D6C-D41D-4D60-9083-F85D94D168EB}"/>
+                <a16:creationId xmlns:a16="http://schemas.microsoft.com/office/drawing/2014/main" xmlns="" id="{27CE9D6C-D41D-4D60-9083-F85D94D168EB}"/>
               </a:ext>
             </a:extLst>
           </p:cNvPr>
@@ -14600,7 +14600,7 @@
           <p:cNvPr id="94" name="Rectangle : coins arrondis 93">
             <a:extLst>
               <a:ext uri="{FF2B5EF4-FFF2-40B4-BE49-F238E27FC236}">
-                <a16:creationId xmlns:a16="http://schemas.microsoft.com/office/drawing/2014/main" id="{2CA9662B-7B58-4CAD-8B32-92C191936058}"/>
+                <a16:creationId xmlns:a16="http://schemas.microsoft.com/office/drawing/2014/main" xmlns="" id="{2CA9662B-7B58-4CAD-8B32-92C191936058}"/>
               </a:ext>
             </a:extLst>
           </p:cNvPr>
@@ -14646,7 +14646,7 @@
           <p:cNvPr id="95" name="Rectangle : coins arrondis 94">
             <a:extLst>
               <a:ext uri="{FF2B5EF4-FFF2-40B4-BE49-F238E27FC236}">
-                <a16:creationId xmlns:a16="http://schemas.microsoft.com/office/drawing/2014/main" id="{C0CB2C8F-D525-40BB-AD44-D099BC5C510B}"/>
+                <a16:creationId xmlns:a16="http://schemas.microsoft.com/office/drawing/2014/main" xmlns="" id="{C0CB2C8F-D525-40BB-AD44-D099BC5C510B}"/>
               </a:ext>
             </a:extLst>
           </p:cNvPr>
@@ -14692,7 +14692,7 @@
           <p:cNvPr id="96" name="Connecteur droit 95">
             <a:extLst>
               <a:ext uri="{FF2B5EF4-FFF2-40B4-BE49-F238E27FC236}">
-                <a16:creationId xmlns:a16="http://schemas.microsoft.com/office/drawing/2014/main" id="{4FBAD689-8EDC-4A47-94C2-D452D3C40A35}"/>
+                <a16:creationId xmlns:a16="http://schemas.microsoft.com/office/drawing/2014/main" xmlns="" id="{4FBAD689-8EDC-4A47-94C2-D452D3C40A35}"/>
               </a:ext>
             </a:extLst>
           </p:cNvPr>
@@ -14737,7 +14737,7 @@
           <p:cNvPr id="97" name="Connecteur droit 96">
             <a:extLst>
               <a:ext uri="{FF2B5EF4-FFF2-40B4-BE49-F238E27FC236}">
-                <a16:creationId xmlns:a16="http://schemas.microsoft.com/office/drawing/2014/main" id="{C1A4BA32-7FDF-40A6-A7DB-C7D1A2459269}"/>
+                <a16:creationId xmlns:a16="http://schemas.microsoft.com/office/drawing/2014/main" xmlns="" id="{C1A4BA32-7FDF-40A6-A7DB-C7D1A2459269}"/>
               </a:ext>
             </a:extLst>
           </p:cNvPr>
@@ -14782,7 +14782,7 @@
           <p:cNvPr id="98" name="Connecteur droit 97">
             <a:extLst>
               <a:ext uri="{FF2B5EF4-FFF2-40B4-BE49-F238E27FC236}">
-                <a16:creationId xmlns:a16="http://schemas.microsoft.com/office/drawing/2014/main" id="{93CB8DA8-FA29-42CC-BDB4-78BFA756C087}"/>
+                <a16:creationId xmlns:a16="http://schemas.microsoft.com/office/drawing/2014/main" xmlns="" id="{93CB8DA8-FA29-42CC-BDB4-78BFA756C087}"/>
               </a:ext>
             </a:extLst>
           </p:cNvPr>
@@ -14827,7 +14827,7 @@
           <p:cNvPr id="99" name="Connecteur droit 98">
             <a:extLst>
               <a:ext uri="{FF2B5EF4-FFF2-40B4-BE49-F238E27FC236}">
-                <a16:creationId xmlns:a16="http://schemas.microsoft.com/office/drawing/2014/main" id="{432FFC5B-3FC7-475F-898A-DAB81849CC56}"/>
+                <a16:creationId xmlns:a16="http://schemas.microsoft.com/office/drawing/2014/main" xmlns="" id="{432FFC5B-3FC7-475F-898A-DAB81849CC56}"/>
               </a:ext>
             </a:extLst>
           </p:cNvPr>
@@ -14872,7 +14872,7 @@
           <p:cNvPr id="100" name="Ellipse 99">
             <a:extLst>
               <a:ext uri="{FF2B5EF4-FFF2-40B4-BE49-F238E27FC236}">
-                <a16:creationId xmlns:a16="http://schemas.microsoft.com/office/drawing/2014/main" id="{9BF50C65-0E69-4862-9D01-1AE70EA6BA08}"/>
+                <a16:creationId xmlns:a16="http://schemas.microsoft.com/office/drawing/2014/main" xmlns="" id="{9BF50C65-0E69-4862-9D01-1AE70EA6BA08}"/>
               </a:ext>
             </a:extLst>
           </p:cNvPr>
@@ -14924,7 +14924,7 @@
           <p:cNvPr id="101" name="Organigramme : Opération manuelle 100">
             <a:extLst>
               <a:ext uri="{FF2B5EF4-FFF2-40B4-BE49-F238E27FC236}">
-                <a16:creationId xmlns:a16="http://schemas.microsoft.com/office/drawing/2014/main" id="{1E903528-0661-4E6A-A6C6-E5FA9856A4C5}"/>
+                <a16:creationId xmlns:a16="http://schemas.microsoft.com/office/drawing/2014/main" xmlns="" id="{1E903528-0661-4E6A-A6C6-E5FA9856A4C5}"/>
               </a:ext>
             </a:extLst>
           </p:cNvPr>
@@ -14970,7 +14970,7 @@
           <p:cNvPr id="102" name="Organigramme : Opération manuelle 101">
             <a:extLst>
               <a:ext uri="{FF2B5EF4-FFF2-40B4-BE49-F238E27FC236}">
-                <a16:creationId xmlns:a16="http://schemas.microsoft.com/office/drawing/2014/main" id="{F6B92152-D1F6-4527-B437-6C453F733BC9}"/>
+                <a16:creationId xmlns:a16="http://schemas.microsoft.com/office/drawing/2014/main" xmlns="" id="{F6B92152-D1F6-4527-B437-6C453F733BC9}"/>
               </a:ext>
             </a:extLst>
           </p:cNvPr>
@@ -15016,7 +15016,7 @@
           <p:cNvPr id="103" name="Organigramme : Opération manuelle 102">
             <a:extLst>
               <a:ext uri="{FF2B5EF4-FFF2-40B4-BE49-F238E27FC236}">
-                <a16:creationId xmlns:a16="http://schemas.microsoft.com/office/drawing/2014/main" id="{6B57E32F-BD82-474B-A32A-3BC82B5E9779}"/>
+                <a16:creationId xmlns:a16="http://schemas.microsoft.com/office/drawing/2014/main" xmlns="" id="{6B57E32F-BD82-474B-A32A-3BC82B5E9779}"/>
               </a:ext>
             </a:extLst>
           </p:cNvPr>
@@ -15062,7 +15062,7 @@
           <p:cNvPr id="104" name="Organigramme : Opération manuelle 103">
             <a:extLst>
               <a:ext uri="{FF2B5EF4-FFF2-40B4-BE49-F238E27FC236}">
-                <a16:creationId xmlns:a16="http://schemas.microsoft.com/office/drawing/2014/main" id="{E349C885-CD3E-4BCD-8755-9085EE3C2FF2}"/>
+                <a16:creationId xmlns:a16="http://schemas.microsoft.com/office/drawing/2014/main" xmlns="" id="{E349C885-CD3E-4BCD-8755-9085EE3C2FF2}"/>
               </a:ext>
             </a:extLst>
           </p:cNvPr>
@@ -15108,7 +15108,7 @@
           <p:cNvPr id="105" name="Ellipse 104">
             <a:extLst>
               <a:ext uri="{FF2B5EF4-FFF2-40B4-BE49-F238E27FC236}">
-                <a16:creationId xmlns:a16="http://schemas.microsoft.com/office/drawing/2014/main" id="{DFFDEF85-84E2-45F6-B169-4AC2452DEB4E}"/>
+                <a16:creationId xmlns:a16="http://schemas.microsoft.com/office/drawing/2014/main" xmlns="" id="{DFFDEF85-84E2-45F6-B169-4AC2452DEB4E}"/>
               </a:ext>
             </a:extLst>
           </p:cNvPr>
@@ -15160,7 +15160,7 @@
           <p:cNvPr id="106" name="Organigramme : Opération manuelle 105">
             <a:extLst>
               <a:ext uri="{FF2B5EF4-FFF2-40B4-BE49-F238E27FC236}">
-                <a16:creationId xmlns:a16="http://schemas.microsoft.com/office/drawing/2014/main" id="{A74DBD90-71D2-49BD-BF5E-80EE2E2D4A76}"/>
+                <a16:creationId xmlns:a16="http://schemas.microsoft.com/office/drawing/2014/main" xmlns="" id="{A74DBD90-71D2-49BD-BF5E-80EE2E2D4A76}"/>
               </a:ext>
             </a:extLst>
           </p:cNvPr>
@@ -15206,7 +15206,7 @@
           <p:cNvPr id="107" name="Organigramme : Opération manuelle 106">
             <a:extLst>
               <a:ext uri="{FF2B5EF4-FFF2-40B4-BE49-F238E27FC236}">
-                <a16:creationId xmlns:a16="http://schemas.microsoft.com/office/drawing/2014/main" id="{BA69DB04-07AB-4831-B444-2F39243941B9}"/>
+                <a16:creationId xmlns:a16="http://schemas.microsoft.com/office/drawing/2014/main" xmlns="" id="{BA69DB04-07AB-4831-B444-2F39243941B9}"/>
               </a:ext>
             </a:extLst>
           </p:cNvPr>
@@ -15252,7 +15252,7 @@
           <p:cNvPr id="108" name="Organigramme : Opération manuelle 107">
             <a:extLst>
               <a:ext uri="{FF2B5EF4-FFF2-40B4-BE49-F238E27FC236}">
-                <a16:creationId xmlns:a16="http://schemas.microsoft.com/office/drawing/2014/main" id="{B53EA52F-5D6A-4528-894D-0934EB0E008C}"/>
+                <a16:creationId xmlns:a16="http://schemas.microsoft.com/office/drawing/2014/main" xmlns="" id="{B53EA52F-5D6A-4528-894D-0934EB0E008C}"/>
               </a:ext>
             </a:extLst>
           </p:cNvPr>
@@ -15298,7 +15298,7 @@
           <p:cNvPr id="109" name="Organigramme : Opération manuelle 108">
             <a:extLst>
               <a:ext uri="{FF2B5EF4-FFF2-40B4-BE49-F238E27FC236}">
-                <a16:creationId xmlns:a16="http://schemas.microsoft.com/office/drawing/2014/main" id="{0A546A5B-5A37-4E16-9BB5-40E1AAAC4F22}"/>
+                <a16:creationId xmlns:a16="http://schemas.microsoft.com/office/drawing/2014/main" xmlns="" id="{0A546A5B-5A37-4E16-9BB5-40E1AAAC4F22}"/>
               </a:ext>
             </a:extLst>
           </p:cNvPr>
@@ -15344,7 +15344,7 @@
           <p:cNvPr id="110" name="Ellipse 109">
             <a:extLst>
               <a:ext uri="{FF2B5EF4-FFF2-40B4-BE49-F238E27FC236}">
-                <a16:creationId xmlns:a16="http://schemas.microsoft.com/office/drawing/2014/main" id="{CA732512-84BE-4C67-AABB-B0F1B8210AC0}"/>
+                <a16:creationId xmlns:a16="http://schemas.microsoft.com/office/drawing/2014/main" xmlns="" id="{CA732512-84BE-4C67-AABB-B0F1B8210AC0}"/>
               </a:ext>
             </a:extLst>
           </p:cNvPr>
@@ -15393,7 +15393,7 @@
           <p:cNvPr id="111" name="Organigramme : Opération manuelle 110">
             <a:extLst>
               <a:ext uri="{FF2B5EF4-FFF2-40B4-BE49-F238E27FC236}">
-                <a16:creationId xmlns:a16="http://schemas.microsoft.com/office/drawing/2014/main" id="{F472534D-971C-438F-81E4-D824B27772DC}"/>
+                <a16:creationId xmlns:a16="http://schemas.microsoft.com/office/drawing/2014/main" xmlns="" id="{F472534D-971C-438F-81E4-D824B27772DC}"/>
               </a:ext>
             </a:extLst>
           </p:cNvPr>
@@ -15439,7 +15439,7 @@
           <p:cNvPr id="112" name="Organigramme : Opération manuelle 111">
             <a:extLst>
               <a:ext uri="{FF2B5EF4-FFF2-40B4-BE49-F238E27FC236}">
-                <a16:creationId xmlns:a16="http://schemas.microsoft.com/office/drawing/2014/main" id="{CAC62D8C-2605-4FFF-BA6E-4799484954F0}"/>
+                <a16:creationId xmlns:a16="http://schemas.microsoft.com/office/drawing/2014/main" xmlns="" id="{CAC62D8C-2605-4FFF-BA6E-4799484954F0}"/>
               </a:ext>
             </a:extLst>
           </p:cNvPr>
@@ -15485,7 +15485,7 @@
           <p:cNvPr id="113" name="Organigramme : Opération manuelle 112">
             <a:extLst>
               <a:ext uri="{FF2B5EF4-FFF2-40B4-BE49-F238E27FC236}">
-                <a16:creationId xmlns:a16="http://schemas.microsoft.com/office/drawing/2014/main" id="{C339A49A-DD14-426E-A4B4-84412D6EF6C6}"/>
+                <a16:creationId xmlns:a16="http://schemas.microsoft.com/office/drawing/2014/main" xmlns="" id="{C339A49A-DD14-426E-A4B4-84412D6EF6C6}"/>
               </a:ext>
             </a:extLst>
           </p:cNvPr>
@@ -15531,7 +15531,7 @@
           <p:cNvPr id="114" name="Organigramme : Opération manuelle 113">
             <a:extLst>
               <a:ext uri="{FF2B5EF4-FFF2-40B4-BE49-F238E27FC236}">
-                <a16:creationId xmlns:a16="http://schemas.microsoft.com/office/drawing/2014/main" id="{B82F14E7-9D6F-4D8A-B933-293D0052C316}"/>
+                <a16:creationId xmlns:a16="http://schemas.microsoft.com/office/drawing/2014/main" xmlns="" id="{B82F14E7-9D6F-4D8A-B933-293D0052C316}"/>
               </a:ext>
             </a:extLst>
           </p:cNvPr>
@@ -15577,7 +15577,7 @@
           <p:cNvPr id="115" name="Ellipse 114">
             <a:extLst>
               <a:ext uri="{FF2B5EF4-FFF2-40B4-BE49-F238E27FC236}">
-                <a16:creationId xmlns:a16="http://schemas.microsoft.com/office/drawing/2014/main" id="{EA56A8A8-0BA0-4111-A323-411F2396B83D}"/>
+                <a16:creationId xmlns:a16="http://schemas.microsoft.com/office/drawing/2014/main" xmlns="" id="{EA56A8A8-0BA0-4111-A323-411F2396B83D}"/>
               </a:ext>
             </a:extLst>
           </p:cNvPr>
@@ -15628,7 +15628,7 @@
           <p:cNvPr id="116" name="Organigramme : Opération manuelle 115">
             <a:extLst>
               <a:ext uri="{FF2B5EF4-FFF2-40B4-BE49-F238E27FC236}">
-                <a16:creationId xmlns:a16="http://schemas.microsoft.com/office/drawing/2014/main" id="{B064107C-837E-4ED5-AC8E-C241295AFB20}"/>
+                <a16:creationId xmlns:a16="http://schemas.microsoft.com/office/drawing/2014/main" xmlns="" id="{B064107C-837E-4ED5-AC8E-C241295AFB20}"/>
               </a:ext>
             </a:extLst>
           </p:cNvPr>
@@ -15674,7 +15674,7 @@
           <p:cNvPr id="117" name="Organigramme : Opération manuelle 116">
             <a:extLst>
               <a:ext uri="{FF2B5EF4-FFF2-40B4-BE49-F238E27FC236}">
-                <a16:creationId xmlns:a16="http://schemas.microsoft.com/office/drawing/2014/main" id="{4BA629C4-E14B-409F-883A-F9D45F3DC5D6}"/>
+                <a16:creationId xmlns:a16="http://schemas.microsoft.com/office/drawing/2014/main" xmlns="" id="{4BA629C4-E14B-409F-883A-F9D45F3DC5D6}"/>
               </a:ext>
             </a:extLst>
           </p:cNvPr>
@@ -15720,7 +15720,7 @@
           <p:cNvPr id="118" name="Organigramme : Opération manuelle 117">
             <a:extLst>
               <a:ext uri="{FF2B5EF4-FFF2-40B4-BE49-F238E27FC236}">
-                <a16:creationId xmlns:a16="http://schemas.microsoft.com/office/drawing/2014/main" id="{FCA2BC78-8A34-4078-B05B-D13DB0246C73}"/>
+                <a16:creationId xmlns:a16="http://schemas.microsoft.com/office/drawing/2014/main" xmlns="" id="{FCA2BC78-8A34-4078-B05B-D13DB0246C73}"/>
               </a:ext>
             </a:extLst>
           </p:cNvPr>
@@ -15766,7 +15766,7 @@
           <p:cNvPr id="119" name="Organigramme : Opération manuelle 118">
             <a:extLst>
               <a:ext uri="{FF2B5EF4-FFF2-40B4-BE49-F238E27FC236}">
-                <a16:creationId xmlns:a16="http://schemas.microsoft.com/office/drawing/2014/main" id="{329EECEF-CF01-47B4-9171-C8DE4E57FCE3}"/>
+                <a16:creationId xmlns:a16="http://schemas.microsoft.com/office/drawing/2014/main" xmlns="" id="{329EECEF-CF01-47B4-9171-C8DE4E57FCE3}"/>
               </a:ext>
             </a:extLst>
           </p:cNvPr>
@@ -15812,7 +15812,7 @@
           <p:cNvPr id="120" name="Connecteur droit 119">
             <a:extLst>
               <a:ext uri="{FF2B5EF4-FFF2-40B4-BE49-F238E27FC236}">
-                <a16:creationId xmlns:a16="http://schemas.microsoft.com/office/drawing/2014/main" id="{422617BB-493F-4804-8694-0AF7884D635D}"/>
+                <a16:creationId xmlns:a16="http://schemas.microsoft.com/office/drawing/2014/main" xmlns="" id="{422617BB-493F-4804-8694-0AF7884D635D}"/>
               </a:ext>
             </a:extLst>
           </p:cNvPr>
@@ -15859,7 +15859,7 @@
           <p:cNvPr id="121" name="Rectangle : coins arrondis 120">
             <a:extLst>
               <a:ext uri="{FF2B5EF4-FFF2-40B4-BE49-F238E27FC236}">
-                <a16:creationId xmlns:a16="http://schemas.microsoft.com/office/drawing/2014/main" id="{1520DFD6-7413-4BCB-A395-506BE503FFDD}"/>
+                <a16:creationId xmlns:a16="http://schemas.microsoft.com/office/drawing/2014/main" xmlns="" id="{1520DFD6-7413-4BCB-A395-506BE503FFDD}"/>
               </a:ext>
             </a:extLst>
           </p:cNvPr>
@@ -15913,7 +15913,7 @@
           <p:cNvPr id="122" name="Rectangle 121">
             <a:extLst>
               <a:ext uri="{FF2B5EF4-FFF2-40B4-BE49-F238E27FC236}">
-                <a16:creationId xmlns:a16="http://schemas.microsoft.com/office/drawing/2014/main" id="{34BCD487-1483-46E3-A9C0-4BA2E50C4BD6}"/>
+                <a16:creationId xmlns:a16="http://schemas.microsoft.com/office/drawing/2014/main" xmlns="" id="{34BCD487-1483-46E3-A9C0-4BA2E50C4BD6}"/>
               </a:ext>
             </a:extLst>
           </p:cNvPr>
@@ -15957,7 +15957,7 @@
           <p:cNvPr id="123" name="Rectangle 122">
             <a:extLst>
               <a:ext uri="{FF2B5EF4-FFF2-40B4-BE49-F238E27FC236}">
-                <a16:creationId xmlns:a16="http://schemas.microsoft.com/office/drawing/2014/main" id="{06487DC3-56D8-45E6-8C64-89F9C75293CC}"/>
+                <a16:creationId xmlns:a16="http://schemas.microsoft.com/office/drawing/2014/main" xmlns="" id="{06487DC3-56D8-45E6-8C64-89F9C75293CC}"/>
               </a:ext>
             </a:extLst>
           </p:cNvPr>
@@ -16003,7 +16003,7 @@
           <p:cNvPr id="124" name="Rectangle 123">
             <a:extLst>
               <a:ext uri="{FF2B5EF4-FFF2-40B4-BE49-F238E27FC236}">
-                <a16:creationId xmlns:a16="http://schemas.microsoft.com/office/drawing/2014/main" id="{311D83E5-12A7-42A2-9C8D-BA0D2AF9C6B1}"/>
+                <a16:creationId xmlns:a16="http://schemas.microsoft.com/office/drawing/2014/main" xmlns="" id="{311D83E5-12A7-42A2-9C8D-BA0D2AF9C6B1}"/>
               </a:ext>
             </a:extLst>
           </p:cNvPr>
@@ -16049,7 +16049,7 @@
           <p:cNvPr id="125" name="Rectangle 124">
             <a:extLst>
               <a:ext uri="{FF2B5EF4-FFF2-40B4-BE49-F238E27FC236}">
-                <a16:creationId xmlns:a16="http://schemas.microsoft.com/office/drawing/2014/main" id="{2692776D-4261-471A-929D-8657CE1CE1FB}"/>
+                <a16:creationId xmlns:a16="http://schemas.microsoft.com/office/drawing/2014/main" xmlns="" id="{2692776D-4261-471A-929D-8657CE1CE1FB}"/>
               </a:ext>
             </a:extLst>
           </p:cNvPr>
@@ -16095,7 +16095,7 @@
           <p:cNvPr id="126" name="Rectangle 125">
             <a:extLst>
               <a:ext uri="{FF2B5EF4-FFF2-40B4-BE49-F238E27FC236}">
-                <a16:creationId xmlns:a16="http://schemas.microsoft.com/office/drawing/2014/main" id="{D1821063-B6AD-4728-8E76-4EC6AEC1E649}"/>
+                <a16:creationId xmlns:a16="http://schemas.microsoft.com/office/drawing/2014/main" xmlns="" id="{D1821063-B6AD-4728-8E76-4EC6AEC1E649}"/>
               </a:ext>
             </a:extLst>
           </p:cNvPr>
@@ -16141,7 +16141,7 @@
           <p:cNvPr id="127" name="Rectangle 126">
             <a:extLst>
               <a:ext uri="{FF2B5EF4-FFF2-40B4-BE49-F238E27FC236}">
-                <a16:creationId xmlns:a16="http://schemas.microsoft.com/office/drawing/2014/main" id="{49F13312-34D6-458D-89E5-28C83C6D3A36}"/>
+                <a16:creationId xmlns:a16="http://schemas.microsoft.com/office/drawing/2014/main" xmlns="" id="{49F13312-34D6-458D-89E5-28C83C6D3A36}"/>
               </a:ext>
             </a:extLst>
           </p:cNvPr>
@@ -16187,7 +16187,7 @@
           <p:cNvPr id="128" name="Rectangle 127">
             <a:extLst>
               <a:ext uri="{FF2B5EF4-FFF2-40B4-BE49-F238E27FC236}">
-                <a16:creationId xmlns:a16="http://schemas.microsoft.com/office/drawing/2014/main" id="{E376702E-705F-49A2-98CA-E9B13FBC9B2B}"/>
+                <a16:creationId xmlns:a16="http://schemas.microsoft.com/office/drawing/2014/main" xmlns="" id="{E376702E-705F-49A2-98CA-E9B13FBC9B2B}"/>
               </a:ext>
             </a:extLst>
           </p:cNvPr>
@@ -16233,7 +16233,7 @@
           <p:cNvPr id="129" name="Rectangle 128">
             <a:extLst>
               <a:ext uri="{FF2B5EF4-FFF2-40B4-BE49-F238E27FC236}">
-                <a16:creationId xmlns:a16="http://schemas.microsoft.com/office/drawing/2014/main" id="{11D5F63C-9F6D-4743-A213-313A64FBA87C}"/>
+                <a16:creationId xmlns:a16="http://schemas.microsoft.com/office/drawing/2014/main" xmlns="" id="{11D5F63C-9F6D-4743-A213-313A64FBA87C}"/>
               </a:ext>
             </a:extLst>
           </p:cNvPr>
@@ -16279,7 +16279,7 @@
           <p:cNvPr id="130" name="Rectangle 129">
             <a:extLst>
               <a:ext uri="{FF2B5EF4-FFF2-40B4-BE49-F238E27FC236}">
-                <a16:creationId xmlns:a16="http://schemas.microsoft.com/office/drawing/2014/main" id="{03A8DE17-67F5-4193-A8F9-D48C5EA1E29D}"/>
+                <a16:creationId xmlns:a16="http://schemas.microsoft.com/office/drawing/2014/main" xmlns="" id="{03A8DE17-67F5-4193-A8F9-D48C5EA1E29D}"/>
               </a:ext>
             </a:extLst>
           </p:cNvPr>
@@ -16325,7 +16325,7 @@
           <p:cNvPr id="131" name="Rectangle 130">
             <a:extLst>
               <a:ext uri="{FF2B5EF4-FFF2-40B4-BE49-F238E27FC236}">
-                <a16:creationId xmlns:a16="http://schemas.microsoft.com/office/drawing/2014/main" id="{CB20D29C-5868-41E1-84A1-D8F6214ED988}"/>
+                <a16:creationId xmlns:a16="http://schemas.microsoft.com/office/drawing/2014/main" xmlns="" id="{CB20D29C-5868-41E1-84A1-D8F6214ED988}"/>
               </a:ext>
             </a:extLst>
           </p:cNvPr>
@@ -16371,7 +16371,7 @@
           <p:cNvPr id="132" name="Rectangle 131">
             <a:extLst>
               <a:ext uri="{FF2B5EF4-FFF2-40B4-BE49-F238E27FC236}">
-                <a16:creationId xmlns:a16="http://schemas.microsoft.com/office/drawing/2014/main" id="{CDDA134A-D6D0-4AB2-8686-CCE6548AB3E6}"/>
+                <a16:creationId xmlns:a16="http://schemas.microsoft.com/office/drawing/2014/main" xmlns="" id="{CDDA134A-D6D0-4AB2-8686-CCE6548AB3E6}"/>
               </a:ext>
             </a:extLst>
           </p:cNvPr>
@@ -16417,7 +16417,7 @@
           <p:cNvPr id="133" name="Rectangle 132">
             <a:extLst>
               <a:ext uri="{FF2B5EF4-FFF2-40B4-BE49-F238E27FC236}">
-                <a16:creationId xmlns:a16="http://schemas.microsoft.com/office/drawing/2014/main" id="{4DFFDD34-BBFA-4E57-AB99-5BD3B5E924B9}"/>
+                <a16:creationId xmlns:a16="http://schemas.microsoft.com/office/drawing/2014/main" xmlns="" id="{4DFFDD34-BBFA-4E57-AB99-5BD3B5E924B9}"/>
               </a:ext>
             </a:extLst>
           </p:cNvPr>
@@ -16463,7 +16463,7 @@
           <p:cNvPr id="134" name="Rectangle 133">
             <a:extLst>
               <a:ext uri="{FF2B5EF4-FFF2-40B4-BE49-F238E27FC236}">
-                <a16:creationId xmlns:a16="http://schemas.microsoft.com/office/drawing/2014/main" id="{E7113D75-A311-47FF-916A-48B8A938EF31}"/>
+                <a16:creationId xmlns:a16="http://schemas.microsoft.com/office/drawing/2014/main" xmlns="" id="{E7113D75-A311-47FF-916A-48B8A938EF31}"/>
               </a:ext>
             </a:extLst>
           </p:cNvPr>
@@ -16509,7 +16509,7 @@
           <p:cNvPr id="135" name="Rectangle 134">
             <a:extLst>
               <a:ext uri="{FF2B5EF4-FFF2-40B4-BE49-F238E27FC236}">
-                <a16:creationId xmlns:a16="http://schemas.microsoft.com/office/drawing/2014/main" id="{F2C18121-FB2E-4B34-8B61-B274CDE57105}"/>
+                <a16:creationId xmlns:a16="http://schemas.microsoft.com/office/drawing/2014/main" xmlns="" id="{F2C18121-FB2E-4B34-8B61-B274CDE57105}"/>
               </a:ext>
             </a:extLst>
           </p:cNvPr>
@@ -16555,7 +16555,7 @@
           <p:cNvPr id="136" name="Rectangle 135">
             <a:extLst>
               <a:ext uri="{FF2B5EF4-FFF2-40B4-BE49-F238E27FC236}">
-                <a16:creationId xmlns:a16="http://schemas.microsoft.com/office/drawing/2014/main" id="{95F20490-E024-4F46-89A2-ECBE215DFFA9}"/>
+                <a16:creationId xmlns:a16="http://schemas.microsoft.com/office/drawing/2014/main" xmlns="" id="{95F20490-E024-4F46-89A2-ECBE215DFFA9}"/>
               </a:ext>
             </a:extLst>
           </p:cNvPr>
@@ -16601,7 +16601,7 @@
           <p:cNvPr id="137" name="Rectangle 136">
             <a:extLst>
               <a:ext uri="{FF2B5EF4-FFF2-40B4-BE49-F238E27FC236}">
-                <a16:creationId xmlns:a16="http://schemas.microsoft.com/office/drawing/2014/main" id="{8DCFFFCC-22F0-4F33-A385-0EFDEB821237}"/>
+                <a16:creationId xmlns:a16="http://schemas.microsoft.com/office/drawing/2014/main" xmlns="" id="{8DCFFFCC-22F0-4F33-A385-0EFDEB821237}"/>
               </a:ext>
             </a:extLst>
           </p:cNvPr>
@@ -16647,7 +16647,7 @@
           <p:cNvPr id="138" name="Rectangle 137">
             <a:extLst>
               <a:ext uri="{FF2B5EF4-FFF2-40B4-BE49-F238E27FC236}">
-                <a16:creationId xmlns:a16="http://schemas.microsoft.com/office/drawing/2014/main" id="{30A8A0C1-A519-476D-B2D8-7ACACDF85316}"/>
+                <a16:creationId xmlns:a16="http://schemas.microsoft.com/office/drawing/2014/main" xmlns="" id="{30A8A0C1-A519-476D-B2D8-7ACACDF85316}"/>
               </a:ext>
             </a:extLst>
           </p:cNvPr>
@@ -16693,7 +16693,7 @@
           <p:cNvPr id="139" name="Ellipse 138">
             <a:extLst>
               <a:ext uri="{FF2B5EF4-FFF2-40B4-BE49-F238E27FC236}">
-                <a16:creationId xmlns:a16="http://schemas.microsoft.com/office/drawing/2014/main" id="{29087126-B51A-4BEA-A1DA-C9615C135052}"/>
+                <a16:creationId xmlns:a16="http://schemas.microsoft.com/office/drawing/2014/main" xmlns="" id="{29087126-B51A-4BEA-A1DA-C9615C135052}"/>
               </a:ext>
             </a:extLst>
           </p:cNvPr>
@@ -16739,7 +16739,7 @@
           <p:cNvPr id="140" name="Ellipse 139">
             <a:extLst>
               <a:ext uri="{FF2B5EF4-FFF2-40B4-BE49-F238E27FC236}">
-                <a16:creationId xmlns:a16="http://schemas.microsoft.com/office/drawing/2014/main" id="{3EA4140A-A2FF-464A-87DA-91D255207006}"/>
+                <a16:creationId xmlns:a16="http://schemas.microsoft.com/office/drawing/2014/main" xmlns="" id="{3EA4140A-A2FF-464A-87DA-91D255207006}"/>
               </a:ext>
             </a:extLst>
           </p:cNvPr>
@@ -16785,7 +16785,7 @@
           <p:cNvPr id="141" name="Ellipse 140">
             <a:extLst>
               <a:ext uri="{FF2B5EF4-FFF2-40B4-BE49-F238E27FC236}">
-                <a16:creationId xmlns:a16="http://schemas.microsoft.com/office/drawing/2014/main" id="{982DCAAD-E1EB-4AEA-BF1C-49DC4B591C62}"/>
+                <a16:creationId xmlns:a16="http://schemas.microsoft.com/office/drawing/2014/main" xmlns="" id="{982DCAAD-E1EB-4AEA-BF1C-49DC4B591C62}"/>
               </a:ext>
             </a:extLst>
           </p:cNvPr>
@@ -16831,7 +16831,7 @@
           <p:cNvPr id="142" name="Ellipse 141">
             <a:extLst>
               <a:ext uri="{FF2B5EF4-FFF2-40B4-BE49-F238E27FC236}">
-                <a16:creationId xmlns:a16="http://schemas.microsoft.com/office/drawing/2014/main" id="{837B6F88-FC60-4CFB-90FA-5F7444422F2B}"/>
+                <a16:creationId xmlns:a16="http://schemas.microsoft.com/office/drawing/2014/main" xmlns="" id="{837B6F88-FC60-4CFB-90FA-5F7444422F2B}"/>
               </a:ext>
             </a:extLst>
           </p:cNvPr>
@@ -16877,7 +16877,7 @@
           <p:cNvPr id="143" name="Connecteur droit 142">
             <a:extLst>
               <a:ext uri="{FF2B5EF4-FFF2-40B4-BE49-F238E27FC236}">
-                <a16:creationId xmlns:a16="http://schemas.microsoft.com/office/drawing/2014/main" id="{B88E07BE-72D2-4C83-BA55-BC1635D58DFD}"/>
+                <a16:creationId xmlns:a16="http://schemas.microsoft.com/office/drawing/2014/main" xmlns="" id="{B88E07BE-72D2-4C83-BA55-BC1635D58DFD}"/>
               </a:ext>
             </a:extLst>
           </p:cNvPr>
@@ -16920,7 +16920,7 @@
           <p:cNvPr id="144" name="Connecteur droit 143">
             <a:extLst>
               <a:ext uri="{FF2B5EF4-FFF2-40B4-BE49-F238E27FC236}">
-                <a16:creationId xmlns:a16="http://schemas.microsoft.com/office/drawing/2014/main" id="{563BEA9E-5CFE-4679-9BEB-291C22C8DFB6}"/>
+                <a16:creationId xmlns:a16="http://schemas.microsoft.com/office/drawing/2014/main" xmlns="" id="{563BEA9E-5CFE-4679-9BEB-291C22C8DFB6}"/>
               </a:ext>
             </a:extLst>
           </p:cNvPr>
@@ -16963,7 +16963,7 @@
           <p:cNvPr id="145" name="Connecteur droit 144">
             <a:extLst>
               <a:ext uri="{FF2B5EF4-FFF2-40B4-BE49-F238E27FC236}">
-                <a16:creationId xmlns:a16="http://schemas.microsoft.com/office/drawing/2014/main" id="{BDAFD912-7155-4573-AB94-46F3FF09825C}"/>
+                <a16:creationId xmlns:a16="http://schemas.microsoft.com/office/drawing/2014/main" xmlns="" id="{BDAFD912-7155-4573-AB94-46F3FF09825C}"/>
               </a:ext>
             </a:extLst>
           </p:cNvPr>
@@ -17006,7 +17006,7 @@
           <p:cNvPr id="146" name="Connecteur droit 145">
             <a:extLst>
               <a:ext uri="{FF2B5EF4-FFF2-40B4-BE49-F238E27FC236}">
-                <a16:creationId xmlns:a16="http://schemas.microsoft.com/office/drawing/2014/main" id="{DC1C5516-7062-45E8-ABDB-5F45DA1C1CB1}"/>
+                <a16:creationId xmlns:a16="http://schemas.microsoft.com/office/drawing/2014/main" xmlns="" id="{DC1C5516-7062-45E8-ABDB-5F45DA1C1CB1}"/>
               </a:ext>
             </a:extLst>
           </p:cNvPr>
@@ -17049,7 +17049,7 @@
           <p:cNvPr id="147" name="Rectangle : coins arrondis 146">
             <a:extLst>
               <a:ext uri="{FF2B5EF4-FFF2-40B4-BE49-F238E27FC236}">
-                <a16:creationId xmlns:a16="http://schemas.microsoft.com/office/drawing/2014/main" id="{DF7ED911-70A2-4529-9BFD-23CE903EC281}"/>
+                <a16:creationId xmlns:a16="http://schemas.microsoft.com/office/drawing/2014/main" xmlns="" id="{DF7ED911-70A2-4529-9BFD-23CE903EC281}"/>
               </a:ext>
             </a:extLst>
           </p:cNvPr>
@@ -17095,7 +17095,7 @@
           <p:cNvPr id="148" name="Rectangle : coins arrondis 147">
             <a:extLst>
               <a:ext uri="{FF2B5EF4-FFF2-40B4-BE49-F238E27FC236}">
-                <a16:creationId xmlns:a16="http://schemas.microsoft.com/office/drawing/2014/main" id="{C941443D-ADB6-405B-8E7A-AA95E0061972}"/>
+                <a16:creationId xmlns:a16="http://schemas.microsoft.com/office/drawing/2014/main" xmlns="" id="{C941443D-ADB6-405B-8E7A-AA95E0061972}"/>
               </a:ext>
             </a:extLst>
           </p:cNvPr>
@@ -17141,7 +17141,7 @@
           <p:cNvPr id="149" name="Rectangle : coins arrondis 148">
             <a:extLst>
               <a:ext uri="{FF2B5EF4-FFF2-40B4-BE49-F238E27FC236}">
-                <a16:creationId xmlns:a16="http://schemas.microsoft.com/office/drawing/2014/main" id="{C853648D-A6B7-4AA6-85CA-71F5FDDA8FA0}"/>
+                <a16:creationId xmlns:a16="http://schemas.microsoft.com/office/drawing/2014/main" xmlns="" id="{C853648D-A6B7-4AA6-85CA-71F5FDDA8FA0}"/>
               </a:ext>
             </a:extLst>
           </p:cNvPr>
@@ -17187,7 +17187,7 @@
           <p:cNvPr id="150" name="Rectangle : coins arrondis 149">
             <a:extLst>
               <a:ext uri="{FF2B5EF4-FFF2-40B4-BE49-F238E27FC236}">
-                <a16:creationId xmlns:a16="http://schemas.microsoft.com/office/drawing/2014/main" id="{E6C7CDAD-9A17-43D6-A42D-F2DCD696E46C}"/>
+                <a16:creationId xmlns:a16="http://schemas.microsoft.com/office/drawing/2014/main" xmlns="" id="{E6C7CDAD-9A17-43D6-A42D-F2DCD696E46C}"/>
               </a:ext>
             </a:extLst>
           </p:cNvPr>
@@ -17233,7 +17233,7 @@
           <p:cNvPr id="151" name="Connecteur droit 150">
             <a:extLst>
               <a:ext uri="{FF2B5EF4-FFF2-40B4-BE49-F238E27FC236}">
-                <a16:creationId xmlns:a16="http://schemas.microsoft.com/office/drawing/2014/main" id="{5C8B3BA6-6527-448D-A1B5-DE248A0C5603}"/>
+                <a16:creationId xmlns:a16="http://schemas.microsoft.com/office/drawing/2014/main" xmlns="" id="{5C8B3BA6-6527-448D-A1B5-DE248A0C5603}"/>
               </a:ext>
             </a:extLst>
           </p:cNvPr>
@@ -17278,7 +17278,7 @@
           <p:cNvPr id="152" name="Connecteur droit 151">
             <a:extLst>
               <a:ext uri="{FF2B5EF4-FFF2-40B4-BE49-F238E27FC236}">
-                <a16:creationId xmlns:a16="http://schemas.microsoft.com/office/drawing/2014/main" id="{C22D2202-DF1A-4C59-92EE-6F666D9AD858}"/>
+                <a16:creationId xmlns:a16="http://schemas.microsoft.com/office/drawing/2014/main" xmlns="" id="{C22D2202-DF1A-4C59-92EE-6F666D9AD858}"/>
               </a:ext>
             </a:extLst>
           </p:cNvPr>
@@ -17323,7 +17323,7 @@
           <p:cNvPr id="153" name="Connecteur droit 152">
             <a:extLst>
               <a:ext uri="{FF2B5EF4-FFF2-40B4-BE49-F238E27FC236}">
-                <a16:creationId xmlns:a16="http://schemas.microsoft.com/office/drawing/2014/main" id="{5F40A0D2-FF7C-48D9-9164-836707DBC06D}"/>
+                <a16:creationId xmlns:a16="http://schemas.microsoft.com/office/drawing/2014/main" xmlns="" id="{5F40A0D2-FF7C-48D9-9164-836707DBC06D}"/>
               </a:ext>
             </a:extLst>
           </p:cNvPr>
@@ -17368,7 +17368,7 @@
           <p:cNvPr id="154" name="Connecteur droit 153">
             <a:extLst>
               <a:ext uri="{FF2B5EF4-FFF2-40B4-BE49-F238E27FC236}">
-                <a16:creationId xmlns:a16="http://schemas.microsoft.com/office/drawing/2014/main" id="{DB49979E-E2FB-479F-9490-285F8BB5BD87}"/>
+                <a16:creationId xmlns:a16="http://schemas.microsoft.com/office/drawing/2014/main" xmlns="" id="{DB49979E-E2FB-479F-9490-285F8BB5BD87}"/>
               </a:ext>
             </a:extLst>
           </p:cNvPr>
@@ -17413,7 +17413,7 @@
           <p:cNvPr id="155" name="Ellipse 154">
             <a:extLst>
               <a:ext uri="{FF2B5EF4-FFF2-40B4-BE49-F238E27FC236}">
-                <a16:creationId xmlns:a16="http://schemas.microsoft.com/office/drawing/2014/main" id="{FF862664-360C-48A6-ABBF-92813160EF7D}"/>
+                <a16:creationId xmlns:a16="http://schemas.microsoft.com/office/drawing/2014/main" xmlns="" id="{FF862664-360C-48A6-ABBF-92813160EF7D}"/>
               </a:ext>
             </a:extLst>
           </p:cNvPr>
@@ -17462,7 +17462,7 @@
           <p:cNvPr id="156" name="Organigramme : Opération manuelle 155">
             <a:extLst>
               <a:ext uri="{FF2B5EF4-FFF2-40B4-BE49-F238E27FC236}">
-                <a16:creationId xmlns:a16="http://schemas.microsoft.com/office/drawing/2014/main" id="{D71255D5-6575-4356-8C91-247A7F17D0F5}"/>
+                <a16:creationId xmlns:a16="http://schemas.microsoft.com/office/drawing/2014/main" xmlns="" id="{D71255D5-6575-4356-8C91-247A7F17D0F5}"/>
               </a:ext>
             </a:extLst>
           </p:cNvPr>
@@ -17508,7 +17508,7 @@
           <p:cNvPr id="157" name="Organigramme : Opération manuelle 156">
             <a:extLst>
               <a:ext uri="{FF2B5EF4-FFF2-40B4-BE49-F238E27FC236}">
-                <a16:creationId xmlns:a16="http://schemas.microsoft.com/office/drawing/2014/main" id="{31344C8B-BFD9-46B8-97D0-E283A1297D69}"/>
+                <a16:creationId xmlns:a16="http://schemas.microsoft.com/office/drawing/2014/main" xmlns="" id="{31344C8B-BFD9-46B8-97D0-E283A1297D69}"/>
               </a:ext>
             </a:extLst>
           </p:cNvPr>
@@ -17554,7 +17554,7 @@
           <p:cNvPr id="158" name="Organigramme : Opération manuelle 157">
             <a:extLst>
               <a:ext uri="{FF2B5EF4-FFF2-40B4-BE49-F238E27FC236}">
-                <a16:creationId xmlns:a16="http://schemas.microsoft.com/office/drawing/2014/main" id="{8802FCAE-5BA5-4CA5-8C94-205CC8212377}"/>
+                <a16:creationId xmlns:a16="http://schemas.microsoft.com/office/drawing/2014/main" xmlns="" id="{8802FCAE-5BA5-4CA5-8C94-205CC8212377}"/>
               </a:ext>
             </a:extLst>
           </p:cNvPr>
@@ -17600,7 +17600,7 @@
           <p:cNvPr id="159" name="Organigramme : Opération manuelle 158">
             <a:extLst>
               <a:ext uri="{FF2B5EF4-FFF2-40B4-BE49-F238E27FC236}">
-                <a16:creationId xmlns:a16="http://schemas.microsoft.com/office/drawing/2014/main" id="{B40AD75A-6D5F-46BA-9819-7D7DF391FD7E}"/>
+                <a16:creationId xmlns:a16="http://schemas.microsoft.com/office/drawing/2014/main" xmlns="" id="{B40AD75A-6D5F-46BA-9819-7D7DF391FD7E}"/>
               </a:ext>
             </a:extLst>
           </p:cNvPr>
@@ -17646,7 +17646,7 @@
           <p:cNvPr id="160" name="Ellipse 159">
             <a:extLst>
               <a:ext uri="{FF2B5EF4-FFF2-40B4-BE49-F238E27FC236}">
-                <a16:creationId xmlns:a16="http://schemas.microsoft.com/office/drawing/2014/main" id="{9D489609-B9FC-4854-B063-671AE93909CF}"/>
+                <a16:creationId xmlns:a16="http://schemas.microsoft.com/office/drawing/2014/main" xmlns="" id="{9D489609-B9FC-4854-B063-671AE93909CF}"/>
               </a:ext>
             </a:extLst>
           </p:cNvPr>
@@ -17697,7 +17697,7 @@
           <p:cNvPr id="161" name="Organigramme : Opération manuelle 160">
             <a:extLst>
               <a:ext uri="{FF2B5EF4-FFF2-40B4-BE49-F238E27FC236}">
-                <a16:creationId xmlns:a16="http://schemas.microsoft.com/office/drawing/2014/main" id="{0DCCDA9C-FDF9-4FD6-8870-E56CC7A7B5CF}"/>
+                <a16:creationId xmlns:a16="http://schemas.microsoft.com/office/drawing/2014/main" xmlns="" id="{0DCCDA9C-FDF9-4FD6-8870-E56CC7A7B5CF}"/>
               </a:ext>
             </a:extLst>
           </p:cNvPr>
@@ -17743,7 +17743,7 @@
           <p:cNvPr id="162" name="Organigramme : Opération manuelle 161">
             <a:extLst>
               <a:ext uri="{FF2B5EF4-FFF2-40B4-BE49-F238E27FC236}">
-                <a16:creationId xmlns:a16="http://schemas.microsoft.com/office/drawing/2014/main" id="{6209A362-DBFC-4147-817F-59ABEFD8858C}"/>
+                <a16:creationId xmlns:a16="http://schemas.microsoft.com/office/drawing/2014/main" xmlns="" id="{6209A362-DBFC-4147-817F-59ABEFD8858C}"/>
               </a:ext>
             </a:extLst>
           </p:cNvPr>
@@ -17789,7 +17789,7 @@
           <p:cNvPr id="163" name="Organigramme : Opération manuelle 162">
             <a:extLst>
               <a:ext uri="{FF2B5EF4-FFF2-40B4-BE49-F238E27FC236}">
-                <a16:creationId xmlns:a16="http://schemas.microsoft.com/office/drawing/2014/main" id="{0DC98A03-2A9F-4B96-9C9B-C888859554B9}"/>
+                <a16:creationId xmlns:a16="http://schemas.microsoft.com/office/drawing/2014/main" xmlns="" id="{0DC98A03-2A9F-4B96-9C9B-C888859554B9}"/>
               </a:ext>
             </a:extLst>
           </p:cNvPr>
@@ -17835,7 +17835,7 @@
           <p:cNvPr id="164" name="Organigramme : Opération manuelle 163">
             <a:extLst>
               <a:ext uri="{FF2B5EF4-FFF2-40B4-BE49-F238E27FC236}">
-                <a16:creationId xmlns:a16="http://schemas.microsoft.com/office/drawing/2014/main" id="{0C144DA7-D0C1-4BB7-B5F7-A24D43E203FE}"/>
+                <a16:creationId xmlns:a16="http://schemas.microsoft.com/office/drawing/2014/main" xmlns="" id="{0C144DA7-D0C1-4BB7-B5F7-A24D43E203FE}"/>
               </a:ext>
             </a:extLst>
           </p:cNvPr>
@@ -17881,7 +17881,7 @@
           <p:cNvPr id="165" name="Ellipse 164">
             <a:extLst>
               <a:ext uri="{FF2B5EF4-FFF2-40B4-BE49-F238E27FC236}">
-                <a16:creationId xmlns:a16="http://schemas.microsoft.com/office/drawing/2014/main" id="{A70BD950-6C30-4158-AD77-7043CB5A25EE}"/>
+                <a16:creationId xmlns:a16="http://schemas.microsoft.com/office/drawing/2014/main" xmlns="" id="{A70BD950-6C30-4158-AD77-7043CB5A25EE}"/>
               </a:ext>
             </a:extLst>
           </p:cNvPr>
@@ -17930,7 +17930,7 @@
           <p:cNvPr id="166" name="Organigramme : Opération manuelle 165">
             <a:extLst>
               <a:ext uri="{FF2B5EF4-FFF2-40B4-BE49-F238E27FC236}">
-                <a16:creationId xmlns:a16="http://schemas.microsoft.com/office/drawing/2014/main" id="{D6DC5E3D-710B-4C51-AA56-1A463ACCEF3C}"/>
+                <a16:creationId xmlns:a16="http://schemas.microsoft.com/office/drawing/2014/main" xmlns="" id="{D6DC5E3D-710B-4C51-AA56-1A463ACCEF3C}"/>
               </a:ext>
             </a:extLst>
           </p:cNvPr>
@@ -17976,7 +17976,7 @@
           <p:cNvPr id="167" name="Organigramme : Opération manuelle 166">
             <a:extLst>
               <a:ext uri="{FF2B5EF4-FFF2-40B4-BE49-F238E27FC236}">
-                <a16:creationId xmlns:a16="http://schemas.microsoft.com/office/drawing/2014/main" id="{44BDA5CE-914A-4870-B282-98EF75A3B35B}"/>
+                <a16:creationId xmlns:a16="http://schemas.microsoft.com/office/drawing/2014/main" xmlns="" id="{44BDA5CE-914A-4870-B282-98EF75A3B35B}"/>
               </a:ext>
             </a:extLst>
           </p:cNvPr>
@@ -18022,7 +18022,7 @@
           <p:cNvPr id="168" name="Organigramme : Opération manuelle 167">
             <a:extLst>
               <a:ext uri="{FF2B5EF4-FFF2-40B4-BE49-F238E27FC236}">
-                <a16:creationId xmlns:a16="http://schemas.microsoft.com/office/drawing/2014/main" id="{A31AF10C-4F61-497E-9B5B-FF6E6DEC84DD}"/>
+                <a16:creationId xmlns:a16="http://schemas.microsoft.com/office/drawing/2014/main" xmlns="" id="{A31AF10C-4F61-497E-9B5B-FF6E6DEC84DD}"/>
               </a:ext>
             </a:extLst>
           </p:cNvPr>
@@ -18068,7 +18068,7 @@
           <p:cNvPr id="169" name="Organigramme : Opération manuelle 168">
             <a:extLst>
               <a:ext uri="{FF2B5EF4-FFF2-40B4-BE49-F238E27FC236}">
-                <a16:creationId xmlns:a16="http://schemas.microsoft.com/office/drawing/2014/main" id="{639B2F6E-819C-412F-B753-2E27CA831AB6}"/>
+                <a16:creationId xmlns:a16="http://schemas.microsoft.com/office/drawing/2014/main" xmlns="" id="{639B2F6E-819C-412F-B753-2E27CA831AB6}"/>
               </a:ext>
             </a:extLst>
           </p:cNvPr>
@@ -18114,7 +18114,7 @@
           <p:cNvPr id="170" name="Ellipse 169">
             <a:extLst>
               <a:ext uri="{FF2B5EF4-FFF2-40B4-BE49-F238E27FC236}">
-                <a16:creationId xmlns:a16="http://schemas.microsoft.com/office/drawing/2014/main" id="{298305CE-3B3C-4461-B155-51ECDBE3BA68}"/>
+                <a16:creationId xmlns:a16="http://schemas.microsoft.com/office/drawing/2014/main" xmlns="" id="{298305CE-3B3C-4461-B155-51ECDBE3BA68}"/>
               </a:ext>
             </a:extLst>
           </p:cNvPr>
@@ -18166,7 +18166,7 @@
           <p:cNvPr id="171" name="Organigramme : Opération manuelle 170">
             <a:extLst>
               <a:ext uri="{FF2B5EF4-FFF2-40B4-BE49-F238E27FC236}">
-                <a16:creationId xmlns:a16="http://schemas.microsoft.com/office/drawing/2014/main" id="{BAC79127-94C2-4A95-AC62-54CEB6DECE84}"/>
+                <a16:creationId xmlns:a16="http://schemas.microsoft.com/office/drawing/2014/main" xmlns="" id="{BAC79127-94C2-4A95-AC62-54CEB6DECE84}"/>
               </a:ext>
             </a:extLst>
           </p:cNvPr>
@@ -18212,7 +18212,7 @@
           <p:cNvPr id="172" name="Organigramme : Opération manuelle 171">
             <a:extLst>
               <a:ext uri="{FF2B5EF4-FFF2-40B4-BE49-F238E27FC236}">
-                <a16:creationId xmlns:a16="http://schemas.microsoft.com/office/drawing/2014/main" id="{7877FEB6-7CC2-4091-9B65-E7FAEE9C1306}"/>
+                <a16:creationId xmlns:a16="http://schemas.microsoft.com/office/drawing/2014/main" xmlns="" id="{7877FEB6-7CC2-4091-9B65-E7FAEE9C1306}"/>
               </a:ext>
             </a:extLst>
           </p:cNvPr>
@@ -18258,7 +18258,7 @@
           <p:cNvPr id="173" name="Organigramme : Opération manuelle 172">
             <a:extLst>
               <a:ext uri="{FF2B5EF4-FFF2-40B4-BE49-F238E27FC236}">
-                <a16:creationId xmlns:a16="http://schemas.microsoft.com/office/drawing/2014/main" id="{17BEAC83-792D-435C-B939-2901B8DF0937}"/>
+                <a16:creationId xmlns:a16="http://schemas.microsoft.com/office/drawing/2014/main" xmlns="" id="{17BEAC83-792D-435C-B939-2901B8DF0937}"/>
               </a:ext>
             </a:extLst>
           </p:cNvPr>
@@ -18304,7 +18304,7 @@
           <p:cNvPr id="174" name="Organigramme : Opération manuelle 173">
             <a:extLst>
               <a:ext uri="{FF2B5EF4-FFF2-40B4-BE49-F238E27FC236}">
-                <a16:creationId xmlns:a16="http://schemas.microsoft.com/office/drawing/2014/main" id="{DD67EBD8-654D-463E-BF6D-CA3603A6D088}"/>
+                <a16:creationId xmlns:a16="http://schemas.microsoft.com/office/drawing/2014/main" xmlns="" id="{DD67EBD8-654D-463E-BF6D-CA3603A6D088}"/>
               </a:ext>
             </a:extLst>
           </p:cNvPr>
@@ -18350,7 +18350,7 @@
           <p:cNvPr id="175" name="Connecteur droit 174">
             <a:extLst>
               <a:ext uri="{FF2B5EF4-FFF2-40B4-BE49-F238E27FC236}">
-                <a16:creationId xmlns:a16="http://schemas.microsoft.com/office/drawing/2014/main" id="{77712361-E096-4658-B2C1-0C42346CE6B9}"/>
+                <a16:creationId xmlns:a16="http://schemas.microsoft.com/office/drawing/2014/main" xmlns="" id="{77712361-E096-4658-B2C1-0C42346CE6B9}"/>
               </a:ext>
             </a:extLst>
           </p:cNvPr>
@@ -18397,7 +18397,7 @@
           <p:cNvPr id="176" name="Rectangle : coins arrondis 175">
             <a:extLst>
               <a:ext uri="{FF2B5EF4-FFF2-40B4-BE49-F238E27FC236}">
-                <a16:creationId xmlns:a16="http://schemas.microsoft.com/office/drawing/2014/main" id="{4729BBD5-D4DC-4EF5-9485-917FC6140708}"/>
+                <a16:creationId xmlns:a16="http://schemas.microsoft.com/office/drawing/2014/main" xmlns="" id="{4729BBD5-D4DC-4EF5-9485-917FC6140708}"/>
               </a:ext>
             </a:extLst>
           </p:cNvPr>
@@ -18492,7 +18492,7 @@
           <p:cNvPr id="2" name="Titre 1">
             <a:extLst>
               <a:ext uri="{FF2B5EF4-FFF2-40B4-BE49-F238E27FC236}">
-                <a16:creationId xmlns:a16="http://schemas.microsoft.com/office/drawing/2014/main" id="{AD4F0A27-99BB-49D0-9C93-2D3C5186E6B2}"/>
+                <a16:creationId xmlns:a16="http://schemas.microsoft.com/office/drawing/2014/main" xmlns="" id="{AD4F0A27-99BB-49D0-9C93-2D3C5186E6B2}"/>
               </a:ext>
             </a:extLst>
           </p:cNvPr>
@@ -18532,7 +18532,7 @@
           <p:cNvPr id="3" name="Sous-titre 2">
             <a:extLst>
               <a:ext uri="{FF2B5EF4-FFF2-40B4-BE49-F238E27FC236}">
-                <a16:creationId xmlns:a16="http://schemas.microsoft.com/office/drawing/2014/main" id="{B5895DDB-3400-4A36-A688-98CC33D75B68}"/>
+                <a16:creationId xmlns:a16="http://schemas.microsoft.com/office/drawing/2014/main" xmlns="" id="{B5895DDB-3400-4A36-A688-98CC33D75B68}"/>
               </a:ext>
             </a:extLst>
           </p:cNvPr>
@@ -18551,7 +18551,7 @@
         </p:spPr>
         <p:txBody>
           <a:bodyPr>
-            <a:normAutofit/>
+            <a:normAutofit fontScale="85000" lnSpcReduction="10000"/>
           </a:bodyPr>
           <a:lstStyle/>
           <a:p>
@@ -18575,7 +18575,7 @@
           <p:cNvPr id="5" name="Image 4" descr="Une image contenant texte, clipart, lumière&#10;&#10;Description générée automatiquement">
             <a:extLst>
               <a:ext uri="{FF2B5EF4-FFF2-40B4-BE49-F238E27FC236}">
-                <a16:creationId xmlns:a16="http://schemas.microsoft.com/office/drawing/2014/main" id="{F92E366F-A75B-4FBE-95A4-7BE2692FD768}"/>
+                <a16:creationId xmlns:a16="http://schemas.microsoft.com/office/drawing/2014/main" xmlns="" id="{F92E366F-A75B-4FBE-95A4-7BE2692FD768}"/>
               </a:ext>
             </a:extLst>
           </p:cNvPr>
@@ -18585,7 +18585,7 @@
           <p:nvPr/>
         </p:nvPicPr>
         <p:blipFill>
-          <a:blip r:embed="rId2">
+          <a:blip r:embed="rId2" cstate="print">
             <a:extLst>
               <a:ext uri="{28A0092B-C50C-407E-A947-70E740481C1C}">
                 <a14:useLocalDpi xmlns:a14="http://schemas.microsoft.com/office/drawing/2010/main" val="0"/>
@@ -18611,7 +18611,7 @@
           <p:cNvPr id="4" name="Rectangle : coins arrondis 3">
             <a:extLst>
               <a:ext uri="{FF2B5EF4-FFF2-40B4-BE49-F238E27FC236}">
-                <a16:creationId xmlns:a16="http://schemas.microsoft.com/office/drawing/2014/main" id="{91F949C8-2425-7570-5287-385AC17B21E1}"/>
+                <a16:creationId xmlns:a16="http://schemas.microsoft.com/office/drawing/2014/main" xmlns="" id="{91F949C8-2425-7570-5287-385AC17B21E1}"/>
               </a:ext>
             </a:extLst>
           </p:cNvPr>
@@ -18658,7 +18658,7 @@
           <p:cNvPr id="9" name="Connecteur droit 8">
             <a:extLst>
               <a:ext uri="{FF2B5EF4-FFF2-40B4-BE49-F238E27FC236}">
-                <a16:creationId xmlns:a16="http://schemas.microsoft.com/office/drawing/2014/main" id="{69F4CD8C-A1F8-3DC6-7EAE-D62250ECD5D8}"/>
+                <a16:creationId xmlns:a16="http://schemas.microsoft.com/office/drawing/2014/main" xmlns="" id="{69F4CD8C-A1F8-3DC6-7EAE-D62250ECD5D8}"/>
               </a:ext>
             </a:extLst>
           </p:cNvPr>
@@ -18705,7 +18705,7 @@
           <p:cNvPr id="16" name="ZoneTexte 15">
             <a:extLst>
               <a:ext uri="{FF2B5EF4-FFF2-40B4-BE49-F238E27FC236}">
-                <a16:creationId xmlns:a16="http://schemas.microsoft.com/office/drawing/2014/main" id="{00D0015B-8959-6872-A092-05E4EC31CA6C}"/>
+                <a16:creationId xmlns:a16="http://schemas.microsoft.com/office/drawing/2014/main" xmlns="" id="{00D0015B-8959-6872-A092-05E4EC31CA6C}"/>
               </a:ext>
             </a:extLst>
           </p:cNvPr>
@@ -18782,7 +18782,7 @@
           <p:cNvPr id="10" name="ZoneTexte 9">
             <a:extLst>
               <a:ext uri="{FF2B5EF4-FFF2-40B4-BE49-F238E27FC236}">
-                <a16:creationId xmlns:a16="http://schemas.microsoft.com/office/drawing/2014/main" id="{C1844A75-FCE0-1091-C813-61A648C42426}"/>
+                <a16:creationId xmlns:a16="http://schemas.microsoft.com/office/drawing/2014/main" xmlns="" id="{C1844A75-FCE0-1091-C813-61A648C42426}"/>
               </a:ext>
             </a:extLst>
           </p:cNvPr>
@@ -18847,7 +18847,7 @@
           <p:cNvPr id="6" name="Rectangle : coins arrondis 5">
             <a:extLst>
               <a:ext uri="{FF2B5EF4-FFF2-40B4-BE49-F238E27FC236}">
-                <a16:creationId xmlns:a16="http://schemas.microsoft.com/office/drawing/2014/main" id="{2B7C8F0A-C94C-9130-5712-49D064ED4290}"/>
+                <a16:creationId xmlns:a16="http://schemas.microsoft.com/office/drawing/2014/main" xmlns="" id="{2B7C8F0A-C94C-9130-5712-49D064ED4290}"/>
               </a:ext>
             </a:extLst>
           </p:cNvPr>
@@ -18934,7 +18934,7 @@
           <p:cNvPr id="46" name="Connecteur droit 45">
             <a:extLst>
               <a:ext uri="{FF2B5EF4-FFF2-40B4-BE49-F238E27FC236}">
-                <a16:creationId xmlns:a16="http://schemas.microsoft.com/office/drawing/2014/main" id="{3FED4720-A617-7D37-1214-E22C5DC2934C}"/>
+                <a16:creationId xmlns:a16="http://schemas.microsoft.com/office/drawing/2014/main" xmlns="" id="{3FED4720-A617-7D37-1214-E22C5DC2934C}"/>
               </a:ext>
             </a:extLst>
           </p:cNvPr>
@@ -18977,7 +18977,7 @@
           <p:cNvPr id="2" name="Titre 1">
             <a:extLst>
               <a:ext uri="{FF2B5EF4-FFF2-40B4-BE49-F238E27FC236}">
-                <a16:creationId xmlns:a16="http://schemas.microsoft.com/office/drawing/2014/main" id="{AD4F0A27-99BB-49D0-9C93-2D3C5186E6B2}"/>
+                <a16:creationId xmlns:a16="http://schemas.microsoft.com/office/drawing/2014/main" xmlns="" id="{AD4F0A27-99BB-49D0-9C93-2D3C5186E6B2}"/>
               </a:ext>
             </a:extLst>
           </p:cNvPr>
@@ -19017,7 +19017,7 @@
           <p:cNvPr id="3" name="Sous-titre 2">
             <a:extLst>
               <a:ext uri="{FF2B5EF4-FFF2-40B4-BE49-F238E27FC236}">
-                <a16:creationId xmlns:a16="http://schemas.microsoft.com/office/drawing/2014/main" id="{B5895DDB-3400-4A36-A688-98CC33D75B68}"/>
+                <a16:creationId xmlns:a16="http://schemas.microsoft.com/office/drawing/2014/main" xmlns="" id="{B5895DDB-3400-4A36-A688-98CC33D75B68}"/>
               </a:ext>
             </a:extLst>
           </p:cNvPr>
@@ -19036,7 +19036,7 @@
         </p:spPr>
         <p:txBody>
           <a:bodyPr>
-            <a:normAutofit/>
+            <a:normAutofit fontScale="85000" lnSpcReduction="10000"/>
           </a:bodyPr>
           <a:lstStyle/>
           <a:p>
@@ -19060,7 +19060,7 @@
           <p:cNvPr id="5" name="Image 4" descr="Une image contenant texte, clipart, lumière&#10;&#10;Description générée automatiquement">
             <a:extLst>
               <a:ext uri="{FF2B5EF4-FFF2-40B4-BE49-F238E27FC236}">
-                <a16:creationId xmlns:a16="http://schemas.microsoft.com/office/drawing/2014/main" id="{F92E366F-A75B-4FBE-95A4-7BE2692FD768}"/>
+                <a16:creationId xmlns:a16="http://schemas.microsoft.com/office/drawing/2014/main" xmlns="" id="{F92E366F-A75B-4FBE-95A4-7BE2692FD768}"/>
               </a:ext>
             </a:extLst>
           </p:cNvPr>
@@ -19070,7 +19070,7 @@
           <p:nvPr/>
         </p:nvPicPr>
         <p:blipFill>
-          <a:blip r:embed="rId3">
+          <a:blip r:embed="rId3" cstate="print">
             <a:extLst>
               <a:ext uri="{28A0092B-C50C-407E-A947-70E740481C1C}">
                 <a14:useLocalDpi xmlns:a14="http://schemas.microsoft.com/office/drawing/2010/main" val="0"/>
@@ -19096,7 +19096,7 @@
           <p:cNvPr id="4" name="Rectangle : coins arrondis 3">
             <a:extLst>
               <a:ext uri="{FF2B5EF4-FFF2-40B4-BE49-F238E27FC236}">
-                <a16:creationId xmlns:a16="http://schemas.microsoft.com/office/drawing/2014/main" id="{91F949C8-2425-7570-5287-385AC17B21E1}"/>
+                <a16:creationId xmlns:a16="http://schemas.microsoft.com/office/drawing/2014/main" xmlns="" id="{91F949C8-2425-7570-5287-385AC17B21E1}"/>
               </a:ext>
             </a:extLst>
           </p:cNvPr>
@@ -19143,7 +19143,7 @@
           <p:cNvPr id="7" name="Rectangle 6">
             <a:extLst>
               <a:ext uri="{FF2B5EF4-FFF2-40B4-BE49-F238E27FC236}">
-                <a16:creationId xmlns:a16="http://schemas.microsoft.com/office/drawing/2014/main" id="{C3487925-6EF8-CC4B-D17E-52205DA4F20E}"/>
+                <a16:creationId xmlns:a16="http://schemas.microsoft.com/office/drawing/2014/main" xmlns="" id="{C3487925-6EF8-CC4B-D17E-52205DA4F20E}"/>
               </a:ext>
             </a:extLst>
           </p:cNvPr>
@@ -19201,7 +19201,7 @@
           <p:cNvPr id="8" name="Rectangle 7">
             <a:extLst>
               <a:ext uri="{FF2B5EF4-FFF2-40B4-BE49-F238E27FC236}">
-                <a16:creationId xmlns:a16="http://schemas.microsoft.com/office/drawing/2014/main" id="{6B353578-DC71-7C51-8FB8-D72717C99BFC}"/>
+                <a16:creationId xmlns:a16="http://schemas.microsoft.com/office/drawing/2014/main" xmlns="" id="{6B353578-DC71-7C51-8FB8-D72717C99BFC}"/>
               </a:ext>
             </a:extLst>
           </p:cNvPr>
@@ -19275,7 +19275,7 @@
           <p:cNvPr id="11" name="Rectangle 10">
             <a:extLst>
               <a:ext uri="{FF2B5EF4-FFF2-40B4-BE49-F238E27FC236}">
-                <a16:creationId xmlns:a16="http://schemas.microsoft.com/office/drawing/2014/main" id="{886AC6D8-4EA2-FBD6-D5A0-4AFF6AC39D64}"/>
+                <a16:creationId xmlns:a16="http://schemas.microsoft.com/office/drawing/2014/main" xmlns="" id="{886AC6D8-4EA2-FBD6-D5A0-4AFF6AC39D64}"/>
               </a:ext>
             </a:extLst>
           </p:cNvPr>
@@ -19331,7 +19331,7 @@
           <p:cNvPr id="12" name="Rectangle 11">
             <a:extLst>
               <a:ext uri="{FF2B5EF4-FFF2-40B4-BE49-F238E27FC236}">
-                <a16:creationId xmlns:a16="http://schemas.microsoft.com/office/drawing/2014/main" id="{38D87CB9-08B9-5078-EE57-1587832FFE84}"/>
+                <a16:creationId xmlns:a16="http://schemas.microsoft.com/office/drawing/2014/main" xmlns="" id="{38D87CB9-08B9-5078-EE57-1587832FFE84}"/>
               </a:ext>
             </a:extLst>
           </p:cNvPr>
@@ -19390,7 +19390,7 @@
           <p:cNvPr id="13" name="Rectangle 12">
             <a:extLst>
               <a:ext uri="{FF2B5EF4-FFF2-40B4-BE49-F238E27FC236}">
-                <a16:creationId xmlns:a16="http://schemas.microsoft.com/office/drawing/2014/main" id="{581F0FBA-2229-B848-2F2D-11EE858E8B13}"/>
+                <a16:creationId xmlns:a16="http://schemas.microsoft.com/office/drawing/2014/main" xmlns="" id="{581F0FBA-2229-B848-2F2D-11EE858E8B13}"/>
               </a:ext>
             </a:extLst>
           </p:cNvPr>
@@ -19449,7 +19449,7 @@
           <p:cNvPr id="14" name="Rectangle 13">
             <a:extLst>
               <a:ext uri="{FF2B5EF4-FFF2-40B4-BE49-F238E27FC236}">
-                <a16:creationId xmlns:a16="http://schemas.microsoft.com/office/drawing/2014/main" id="{D134F98B-8C9A-4221-8406-416CB53CB6F0}"/>
+                <a16:creationId xmlns:a16="http://schemas.microsoft.com/office/drawing/2014/main" xmlns="" id="{D134F98B-8C9A-4221-8406-416CB53CB6F0}"/>
               </a:ext>
             </a:extLst>
           </p:cNvPr>
@@ -19508,7 +19508,7 @@
           <p:cNvPr id="15" name="Rectangle 14">
             <a:extLst>
               <a:ext uri="{FF2B5EF4-FFF2-40B4-BE49-F238E27FC236}">
-                <a16:creationId xmlns:a16="http://schemas.microsoft.com/office/drawing/2014/main" id="{407C663D-7826-4723-218E-AD235FB2FF52}"/>
+                <a16:creationId xmlns:a16="http://schemas.microsoft.com/office/drawing/2014/main" xmlns="" id="{407C663D-7826-4723-218E-AD235FB2FF52}"/>
               </a:ext>
             </a:extLst>
           </p:cNvPr>
@@ -19567,7 +19567,7 @@
           <p:cNvPr id="17" name="Rectangle 16">
             <a:extLst>
               <a:ext uri="{FF2B5EF4-FFF2-40B4-BE49-F238E27FC236}">
-                <a16:creationId xmlns:a16="http://schemas.microsoft.com/office/drawing/2014/main" id="{E07F59B9-8D7A-1418-73AE-6FCA90AC9067}"/>
+                <a16:creationId xmlns:a16="http://schemas.microsoft.com/office/drawing/2014/main" xmlns="" id="{E07F59B9-8D7A-1418-73AE-6FCA90AC9067}"/>
               </a:ext>
             </a:extLst>
           </p:cNvPr>
@@ -19626,7 +19626,7 @@
           <p:cNvPr id="18" name="Rectangle 17">
             <a:extLst>
               <a:ext uri="{FF2B5EF4-FFF2-40B4-BE49-F238E27FC236}">
-                <a16:creationId xmlns:a16="http://schemas.microsoft.com/office/drawing/2014/main" id="{A2B4BB23-5B1D-FC33-6DA4-84105F698C36}"/>
+                <a16:creationId xmlns:a16="http://schemas.microsoft.com/office/drawing/2014/main" xmlns="" id="{A2B4BB23-5B1D-FC33-6DA4-84105F698C36}"/>
               </a:ext>
             </a:extLst>
           </p:cNvPr>
@@ -19685,7 +19685,7 @@
           <p:cNvPr id="19" name="Rectangle 18">
             <a:extLst>
               <a:ext uri="{FF2B5EF4-FFF2-40B4-BE49-F238E27FC236}">
-                <a16:creationId xmlns:a16="http://schemas.microsoft.com/office/drawing/2014/main" id="{AEA30484-678C-E6ED-62B8-33997D477914}"/>
+                <a16:creationId xmlns:a16="http://schemas.microsoft.com/office/drawing/2014/main" xmlns="" id="{AEA30484-678C-E6ED-62B8-33997D477914}"/>
               </a:ext>
             </a:extLst>
           </p:cNvPr>
@@ -19744,7 +19744,7 @@
           <p:cNvPr id="20" name="Rectangle 19">
             <a:extLst>
               <a:ext uri="{FF2B5EF4-FFF2-40B4-BE49-F238E27FC236}">
-                <a16:creationId xmlns:a16="http://schemas.microsoft.com/office/drawing/2014/main" id="{A4496FB4-E3D4-D9D5-A43D-7F1321ED1A4D}"/>
+                <a16:creationId xmlns:a16="http://schemas.microsoft.com/office/drawing/2014/main" xmlns="" id="{A4496FB4-E3D4-D9D5-A43D-7F1321ED1A4D}"/>
               </a:ext>
             </a:extLst>
           </p:cNvPr>
@@ -19803,7 +19803,7 @@
           <p:cNvPr id="21" name="Rectangle 20">
             <a:extLst>
               <a:ext uri="{FF2B5EF4-FFF2-40B4-BE49-F238E27FC236}">
-                <a16:creationId xmlns:a16="http://schemas.microsoft.com/office/drawing/2014/main" id="{DAD708CB-32EC-C000-CA2E-FD68A0A2D17C}"/>
+                <a16:creationId xmlns:a16="http://schemas.microsoft.com/office/drawing/2014/main" xmlns="" id="{DAD708CB-32EC-C000-CA2E-FD68A0A2D17C}"/>
               </a:ext>
             </a:extLst>
           </p:cNvPr>
@@ -19862,7 +19862,7 @@
           <p:cNvPr id="22" name="Rectangle 21">
             <a:extLst>
               <a:ext uri="{FF2B5EF4-FFF2-40B4-BE49-F238E27FC236}">
-                <a16:creationId xmlns:a16="http://schemas.microsoft.com/office/drawing/2014/main" id="{73CC031A-FA14-9EFC-2EE2-08D70D60160C}"/>
+                <a16:creationId xmlns:a16="http://schemas.microsoft.com/office/drawing/2014/main" xmlns="" id="{73CC031A-FA14-9EFC-2EE2-08D70D60160C}"/>
               </a:ext>
             </a:extLst>
           </p:cNvPr>
@@ -19932,7 +19932,7 @@
           <p:cNvPr id="23" name="Rectangle 22">
             <a:extLst>
               <a:ext uri="{FF2B5EF4-FFF2-40B4-BE49-F238E27FC236}">
-                <a16:creationId xmlns:a16="http://schemas.microsoft.com/office/drawing/2014/main" id="{3F301020-B3B7-1551-3580-57C4ADE0C329}"/>
+                <a16:creationId xmlns:a16="http://schemas.microsoft.com/office/drawing/2014/main" xmlns="" id="{3F301020-B3B7-1551-3580-57C4ADE0C329}"/>
               </a:ext>
             </a:extLst>
           </p:cNvPr>
@@ -19991,7 +19991,7 @@
           <p:cNvPr id="24" name="Rectangle 23">
             <a:extLst>
               <a:ext uri="{FF2B5EF4-FFF2-40B4-BE49-F238E27FC236}">
-                <a16:creationId xmlns:a16="http://schemas.microsoft.com/office/drawing/2014/main" id="{6A5F03E2-FE36-3A86-B61C-9EA62C157910}"/>
+                <a16:creationId xmlns:a16="http://schemas.microsoft.com/office/drawing/2014/main" xmlns="" id="{6A5F03E2-FE36-3A86-B61C-9EA62C157910}"/>
               </a:ext>
             </a:extLst>
           </p:cNvPr>
@@ -20050,7 +20050,7 @@
           <p:cNvPr id="25" name="Rectangle 24">
             <a:extLst>
               <a:ext uri="{FF2B5EF4-FFF2-40B4-BE49-F238E27FC236}">
-                <a16:creationId xmlns:a16="http://schemas.microsoft.com/office/drawing/2014/main" id="{3EE59805-DADC-D25F-1DE0-4757CDCADA59}"/>
+                <a16:creationId xmlns:a16="http://schemas.microsoft.com/office/drawing/2014/main" xmlns="" id="{3EE59805-DADC-D25F-1DE0-4757CDCADA59}"/>
               </a:ext>
             </a:extLst>
           </p:cNvPr>
@@ -20109,7 +20109,7 @@
           <p:cNvPr id="26" name="ZoneTexte 25">
             <a:extLst>
               <a:ext uri="{FF2B5EF4-FFF2-40B4-BE49-F238E27FC236}">
-                <a16:creationId xmlns:a16="http://schemas.microsoft.com/office/drawing/2014/main" id="{9F09E092-37A6-4F6E-43CB-6322C272A87B}"/>
+                <a16:creationId xmlns:a16="http://schemas.microsoft.com/office/drawing/2014/main" xmlns="" id="{9F09E092-37A6-4F6E-43CB-6322C272A87B}"/>
               </a:ext>
             </a:extLst>
           </p:cNvPr>
@@ -20154,7 +20154,7 @@
           <p:cNvPr id="27" name="Rectangle 26">
             <a:extLst>
               <a:ext uri="{FF2B5EF4-FFF2-40B4-BE49-F238E27FC236}">
-                <a16:creationId xmlns:a16="http://schemas.microsoft.com/office/drawing/2014/main" id="{8B7CFE53-DAAF-9F03-1B85-C046927B563C}"/>
+                <a16:creationId xmlns:a16="http://schemas.microsoft.com/office/drawing/2014/main" xmlns="" id="{8B7CFE53-DAAF-9F03-1B85-C046927B563C}"/>
               </a:ext>
             </a:extLst>
           </p:cNvPr>
@@ -20212,7 +20212,7 @@
           <p:cNvPr id="28" name="Rectangle 27">
             <a:extLst>
               <a:ext uri="{FF2B5EF4-FFF2-40B4-BE49-F238E27FC236}">
-                <a16:creationId xmlns:a16="http://schemas.microsoft.com/office/drawing/2014/main" id="{05BBEB18-E2A6-940B-53D6-9D60306978A2}"/>
+                <a16:creationId xmlns:a16="http://schemas.microsoft.com/office/drawing/2014/main" xmlns="" id="{05BBEB18-E2A6-940B-53D6-9D60306978A2}"/>
               </a:ext>
             </a:extLst>
           </p:cNvPr>
@@ -20286,7 +20286,7 @@
           <p:cNvPr id="29" name="Rectangle 28">
             <a:extLst>
               <a:ext uri="{FF2B5EF4-FFF2-40B4-BE49-F238E27FC236}">
-                <a16:creationId xmlns:a16="http://schemas.microsoft.com/office/drawing/2014/main" id="{481E2CBB-7E67-C305-5568-CC1E97061388}"/>
+                <a16:creationId xmlns:a16="http://schemas.microsoft.com/office/drawing/2014/main" xmlns="" id="{481E2CBB-7E67-C305-5568-CC1E97061388}"/>
               </a:ext>
             </a:extLst>
           </p:cNvPr>
@@ -20342,7 +20342,7 @@
           <p:cNvPr id="30" name="Rectangle 29">
             <a:extLst>
               <a:ext uri="{FF2B5EF4-FFF2-40B4-BE49-F238E27FC236}">
-                <a16:creationId xmlns:a16="http://schemas.microsoft.com/office/drawing/2014/main" id="{AEC54E07-E1C2-6654-4EC2-FA17DB70167D}"/>
+                <a16:creationId xmlns:a16="http://schemas.microsoft.com/office/drawing/2014/main" xmlns="" id="{AEC54E07-E1C2-6654-4EC2-FA17DB70167D}"/>
               </a:ext>
             </a:extLst>
           </p:cNvPr>
@@ -20401,7 +20401,7 @@
           <p:cNvPr id="31" name="Rectangle 30">
             <a:extLst>
               <a:ext uri="{FF2B5EF4-FFF2-40B4-BE49-F238E27FC236}">
-                <a16:creationId xmlns:a16="http://schemas.microsoft.com/office/drawing/2014/main" id="{43E43D30-AD4D-61FB-1855-FA91131F2B95}"/>
+                <a16:creationId xmlns:a16="http://schemas.microsoft.com/office/drawing/2014/main" xmlns="" id="{43E43D30-AD4D-61FB-1855-FA91131F2B95}"/>
               </a:ext>
             </a:extLst>
           </p:cNvPr>
@@ -20445,13 +20445,18 @@
           <a:p>
             <a:pPr algn="ctr"/>
             <a:r>
-              <a:rPr lang="fr-FR" sz="1400" dirty="0">
+              <a:rPr lang="fr-FR" sz="1400" dirty="0" smtClean="0">
                 <a:solidFill>
                   <a:schemeClr val="tx1"/>
                 </a:solidFill>
               </a:rPr>
-              <a:t>SEnp1</a:t>
+              <a:t>SEQ5</a:t>
             </a:r>
+            <a:endParaRPr lang="fr-FR" sz="1400" dirty="0">
+              <a:solidFill>
+                <a:schemeClr val="tx1"/>
+              </a:solidFill>
+            </a:endParaRPr>
           </a:p>
         </p:txBody>
       </p:sp>
@@ -20460,7 +20465,7 @@
           <p:cNvPr id="32" name="Rectangle 31">
             <a:extLst>
               <a:ext uri="{FF2B5EF4-FFF2-40B4-BE49-F238E27FC236}">
-                <a16:creationId xmlns:a16="http://schemas.microsoft.com/office/drawing/2014/main" id="{FAA8AB55-A116-24F6-136B-52F7F7B3657F}"/>
+                <a16:creationId xmlns:a16="http://schemas.microsoft.com/office/drawing/2014/main" xmlns="" id="{FAA8AB55-A116-24F6-136B-52F7F7B3657F}"/>
               </a:ext>
             </a:extLst>
           </p:cNvPr>
@@ -20504,13 +20509,18 @@
           <a:p>
             <a:pPr algn="ctr"/>
             <a:r>
-              <a:rPr lang="fr-FR" sz="1400" dirty="0">
+              <a:rPr lang="fr-FR" sz="1400" dirty="0" smtClean="0">
                 <a:solidFill>
                   <a:schemeClr val="tx1"/>
                 </a:solidFill>
               </a:rPr>
-              <a:t>SEnp2</a:t>
+              <a:t>SEQ6</a:t>
             </a:r>
+            <a:endParaRPr lang="fr-FR" sz="1400" dirty="0">
+              <a:solidFill>
+                <a:schemeClr val="tx1"/>
+              </a:solidFill>
+            </a:endParaRPr>
           </a:p>
         </p:txBody>
       </p:sp>
@@ -20519,7 +20529,7 @@
           <p:cNvPr id="33" name="Rectangle 32">
             <a:extLst>
               <a:ext uri="{FF2B5EF4-FFF2-40B4-BE49-F238E27FC236}">
-                <a16:creationId xmlns:a16="http://schemas.microsoft.com/office/drawing/2014/main" id="{68BB17C6-A4E4-7458-5D43-103D503CD59F}"/>
+                <a16:creationId xmlns:a16="http://schemas.microsoft.com/office/drawing/2014/main" xmlns="" id="{68BB17C6-A4E4-7458-5D43-103D503CD59F}"/>
               </a:ext>
             </a:extLst>
           </p:cNvPr>
@@ -20529,6 +20539,78 @@
         <p:spPr>
           <a:xfrm>
             <a:off x="5845432" y="4720762"/>
+            <a:ext cx="688258" cy="587099"/>
+          </a:xfrm>
+          <a:prstGeom prst="rect">
+            <a:avLst/>
+          </a:prstGeom>
+          <a:solidFill>
+            <a:srgbClr val="F8CBAD"/>
+          </a:solidFill>
+        </p:spPr>
+        <p:style>
+          <a:lnRef idx="2">
+            <a:schemeClr val="accent1">
+              <a:shade val="50000"/>
+            </a:schemeClr>
+          </a:lnRef>
+          <a:fillRef idx="1">
+            <a:schemeClr val="accent1"/>
+          </a:fillRef>
+          <a:effectRef idx="0">
+            <a:schemeClr val="accent1"/>
+          </a:effectRef>
+          <a:fontRef idx="minor">
+            <a:schemeClr val="lt1"/>
+          </a:fontRef>
+        </p:style>
+        <p:txBody>
+          <a:bodyPr rtlCol="0" anchor="ctr"/>
+          <a:lstStyle/>
+          <a:p>
+            <a:pPr algn="ctr"/>
+            <a:r>
+              <a:rPr lang="fr-FR" sz="1400" dirty="0" smtClean="0">
+                <a:solidFill>
+                  <a:schemeClr val="tx1"/>
+                </a:solidFill>
+              </a:rPr>
+              <a:t>FADE</a:t>
+            </a:r>
+          </a:p>
+          <a:p>
+            <a:pPr algn="ctr"/>
+            <a:r>
+              <a:rPr lang="fr-FR" sz="1400" dirty="0" err="1" smtClean="0">
+                <a:solidFill>
+                  <a:schemeClr val="tx1"/>
+                </a:solidFill>
+              </a:rPr>
+              <a:t>nopan</a:t>
+            </a:r>
+            <a:endParaRPr lang="fr-FR" sz="1400" dirty="0">
+              <a:solidFill>
+                <a:schemeClr val="tx1"/>
+              </a:solidFill>
+            </a:endParaRPr>
+          </a:p>
+        </p:txBody>
+      </p:sp>
+      <p:sp>
+        <p:nvSpPr>
+          <p:cNvPr id="34" name="Rectangle 33">
+            <a:extLst>
+              <a:ext uri="{FF2B5EF4-FFF2-40B4-BE49-F238E27FC236}">
+                <a16:creationId xmlns:a16="http://schemas.microsoft.com/office/drawing/2014/main" xmlns="" id="{F6048D31-599C-7BF1-8218-35EFBE927FD9}"/>
+              </a:ext>
+            </a:extLst>
+          </p:cNvPr>
+          <p:cNvSpPr/>
+          <p:nvPr/>
+        </p:nvSpPr>
+        <p:spPr>
+          <a:xfrm>
+            <a:off x="6672200" y="4720762"/>
             <a:ext cx="688258" cy="587099"/>
           </a:xfrm>
           <a:prstGeom prst="rect">
@@ -20563,72 +20645,18 @@
           <a:p>
             <a:pPr algn="ctr"/>
             <a:r>
-              <a:rPr lang="fr-FR" sz="1400" dirty="0">
+              <a:rPr lang="fr-FR" sz="1400" dirty="0" smtClean="0">
                 <a:solidFill>
                   <a:schemeClr val="tx1"/>
                 </a:solidFill>
               </a:rPr>
-              <a:t>SEnp3</a:t>
+              <a:t>???</a:t>
             </a:r>
-          </a:p>
-        </p:txBody>
-      </p:sp>
-      <p:sp>
-        <p:nvSpPr>
-          <p:cNvPr id="34" name="Rectangle 33">
-            <a:extLst>
-              <a:ext uri="{FF2B5EF4-FFF2-40B4-BE49-F238E27FC236}">
-                <a16:creationId xmlns:a16="http://schemas.microsoft.com/office/drawing/2014/main" id="{F6048D31-599C-7BF1-8218-35EFBE927FD9}"/>
-              </a:ext>
-            </a:extLst>
-          </p:cNvPr>
-          <p:cNvSpPr/>
-          <p:nvPr/>
-        </p:nvSpPr>
-        <p:spPr>
-          <a:xfrm>
-            <a:off x="6672200" y="4720762"/>
-            <a:ext cx="688258" cy="587099"/>
-          </a:xfrm>
-          <a:prstGeom prst="rect">
-            <a:avLst/>
-          </a:prstGeom>
-          <a:solidFill>
-            <a:schemeClr val="accent4">
-              <a:lumMod val="20000"/>
-              <a:lumOff val="80000"/>
-            </a:schemeClr>
-          </a:solidFill>
-        </p:spPr>
-        <p:style>
-          <a:lnRef idx="2">
-            <a:schemeClr val="accent1">
-              <a:shade val="50000"/>
-            </a:schemeClr>
-          </a:lnRef>
-          <a:fillRef idx="1">
-            <a:schemeClr val="accent1"/>
-          </a:fillRef>
-          <a:effectRef idx="0">
-            <a:schemeClr val="accent1"/>
-          </a:effectRef>
-          <a:fontRef idx="minor">
-            <a:schemeClr val="lt1"/>
-          </a:fontRef>
-        </p:style>
-        <p:txBody>
-          <a:bodyPr rtlCol="0" anchor="ctr"/>
-          <a:lstStyle/>
-          <a:p>
-            <a:pPr algn="ctr"/>
-            <a:r>
-              <a:rPr lang="fr-FR" sz="1400" dirty="0">
-                <a:solidFill>
-                  <a:schemeClr val="tx1"/>
-                </a:solidFill>
-              </a:rPr>
-              <a:t>SEnp4</a:t>
-            </a:r>
+            <a:endParaRPr lang="fr-FR" sz="1400" dirty="0">
+              <a:solidFill>
+                <a:schemeClr val="tx1"/>
+              </a:solidFill>
+            </a:endParaRPr>
           </a:p>
         </p:txBody>
       </p:sp>
@@ -20637,7 +20665,7 @@
           <p:cNvPr id="35" name="Rectangle 34">
             <a:extLst>
               <a:ext uri="{FF2B5EF4-FFF2-40B4-BE49-F238E27FC236}">
-                <a16:creationId xmlns:a16="http://schemas.microsoft.com/office/drawing/2014/main" id="{F72D23D3-12ED-8EC3-BF99-616AA6A0115C}"/>
+                <a16:creationId xmlns:a16="http://schemas.microsoft.com/office/drawing/2014/main" xmlns="" id="{F72D23D3-12ED-8EC3-BF99-616AA6A0115C}"/>
               </a:ext>
             </a:extLst>
           </p:cNvPr>
@@ -20696,7 +20724,7 @@
           <p:cNvPr id="36" name="Rectangle 35">
             <a:extLst>
               <a:ext uri="{FF2B5EF4-FFF2-40B4-BE49-F238E27FC236}">
-                <a16:creationId xmlns:a16="http://schemas.microsoft.com/office/drawing/2014/main" id="{0193DD4F-7F5A-D021-0D57-B90735C768D4}"/>
+                <a16:creationId xmlns:a16="http://schemas.microsoft.com/office/drawing/2014/main" xmlns="" id="{0193DD4F-7F5A-D021-0D57-B90735C768D4}"/>
               </a:ext>
             </a:extLst>
           </p:cNvPr>
@@ -20755,7 +20783,7 @@
           <p:cNvPr id="37" name="Rectangle 36">
             <a:extLst>
               <a:ext uri="{FF2B5EF4-FFF2-40B4-BE49-F238E27FC236}">
-                <a16:creationId xmlns:a16="http://schemas.microsoft.com/office/drawing/2014/main" id="{3B9F5B72-4815-2F76-2581-E5B8419169E9}"/>
+                <a16:creationId xmlns:a16="http://schemas.microsoft.com/office/drawing/2014/main" xmlns="" id="{3B9F5B72-4815-2F76-2581-E5B8419169E9}"/>
               </a:ext>
             </a:extLst>
           </p:cNvPr>
@@ -20771,10 +20799,7 @@
             <a:avLst/>
           </a:prstGeom>
           <a:solidFill>
-            <a:schemeClr val="accent2">
-              <a:lumMod val="40000"/>
-              <a:lumOff val="60000"/>
-            </a:schemeClr>
+            <a:srgbClr val="F8CBAD"/>
           </a:solidFill>
         </p:spPr>
         <p:style>
@@ -20814,7 +20839,7 @@
           <p:cNvPr id="39" name="Rectangle 38">
             <a:extLst>
               <a:ext uri="{FF2B5EF4-FFF2-40B4-BE49-F238E27FC236}">
-                <a16:creationId xmlns:a16="http://schemas.microsoft.com/office/drawing/2014/main" id="{B47D9D0A-8E8D-2218-733B-0A0F5B7EF685}"/>
+                <a16:creationId xmlns:a16="http://schemas.microsoft.com/office/drawing/2014/main" xmlns="" id="{B47D9D0A-8E8D-2218-733B-0A0F5B7EF685}"/>
               </a:ext>
             </a:extLst>
           </p:cNvPr>
@@ -20873,13 +20898,18 @@
               </a:rPr>
             </a:br>
             <a:r>
-              <a:rPr lang="fr-FR" sz="1400" dirty="0">
+              <a:rPr lang="fr-FR" sz="1400" dirty="0" err="1" smtClean="0">
                 <a:solidFill>
                   <a:schemeClr val="tx1"/>
                 </a:solidFill>
               </a:rPr>
-              <a:t>Multi</a:t>
+              <a:t>Alone</a:t>
             </a:r>
+            <a:endParaRPr lang="fr-FR" sz="1400" dirty="0">
+              <a:solidFill>
+                <a:schemeClr val="tx1"/>
+              </a:solidFill>
+            </a:endParaRPr>
           </a:p>
           <a:p>
             <a:pPr algn="ctr"/>
@@ -20899,7 +20929,7 @@
           <p:cNvPr id="40" name="Rectangle 39">
             <a:extLst>
               <a:ext uri="{FF2B5EF4-FFF2-40B4-BE49-F238E27FC236}">
-                <a16:creationId xmlns:a16="http://schemas.microsoft.com/office/drawing/2014/main" id="{066DE62C-C84F-03F4-A6A9-195D328C3074}"/>
+                <a16:creationId xmlns:a16="http://schemas.microsoft.com/office/drawing/2014/main" xmlns="" id="{066DE62C-C84F-03F4-A6A9-195D328C3074}"/>
               </a:ext>
             </a:extLst>
           </p:cNvPr>
@@ -20958,13 +20988,18 @@
               </a:rPr>
             </a:br>
             <a:r>
-              <a:rPr lang="fr-FR" sz="1400" dirty="0">
+              <a:rPr lang="fr-FR" sz="1400" dirty="0" smtClean="0">
                 <a:solidFill>
                   <a:schemeClr val="tx1"/>
                 </a:solidFill>
               </a:rPr>
-              <a:t>Ch0</a:t>
+              <a:t>Multi</a:t>
             </a:r>
+            <a:endParaRPr lang="fr-FR" sz="1400" dirty="0">
+              <a:solidFill>
+                <a:schemeClr val="tx1"/>
+              </a:solidFill>
+            </a:endParaRPr>
           </a:p>
         </p:txBody>
       </p:sp>
@@ -20973,7 +21008,7 @@
           <p:cNvPr id="41" name="Rectangle 40">
             <a:extLst>
               <a:ext uri="{FF2B5EF4-FFF2-40B4-BE49-F238E27FC236}">
-                <a16:creationId xmlns:a16="http://schemas.microsoft.com/office/drawing/2014/main" id="{CD5A2463-E3E5-62B3-9903-78DA6C298E00}"/>
+                <a16:creationId xmlns:a16="http://schemas.microsoft.com/office/drawing/2014/main" xmlns="" id="{CD5A2463-E3E5-62B3-9903-78DA6C298E00}"/>
               </a:ext>
             </a:extLst>
           </p:cNvPr>
@@ -21032,7 +21067,7 @@
           <p:cNvPr id="42" name="Rectangle 41">
             <a:extLst>
               <a:ext uri="{FF2B5EF4-FFF2-40B4-BE49-F238E27FC236}">
-                <a16:creationId xmlns:a16="http://schemas.microsoft.com/office/drawing/2014/main" id="{3BC3A387-02CC-4F7D-E9AC-B103A9288F09}"/>
+                <a16:creationId xmlns:a16="http://schemas.microsoft.com/office/drawing/2014/main" xmlns="" id="{3BC3A387-02CC-4F7D-E9AC-B103A9288F09}"/>
               </a:ext>
             </a:extLst>
           </p:cNvPr>
@@ -21106,7 +21141,7 @@
           <p:cNvPr id="43" name="ZoneTexte 42">
             <a:extLst>
               <a:ext uri="{FF2B5EF4-FFF2-40B4-BE49-F238E27FC236}">
-                <a16:creationId xmlns:a16="http://schemas.microsoft.com/office/drawing/2014/main" id="{10DBD9D6-05DB-7B69-9FB2-AEB702CE43F9}"/>
+                <a16:creationId xmlns:a16="http://schemas.microsoft.com/office/drawing/2014/main" xmlns="" id="{10DBD9D6-05DB-7B69-9FB2-AEB702CE43F9}"/>
               </a:ext>
             </a:extLst>
           </p:cNvPr>
@@ -21151,7 +21186,7 @@
           <p:cNvPr id="44" name="Rectangle 43">
             <a:extLst>
               <a:ext uri="{FF2B5EF4-FFF2-40B4-BE49-F238E27FC236}">
-                <a16:creationId xmlns:a16="http://schemas.microsoft.com/office/drawing/2014/main" id="{6046AA15-5C6D-DE40-4E6A-3B07423CA96E}"/>
+                <a16:creationId xmlns:a16="http://schemas.microsoft.com/office/drawing/2014/main" xmlns="" id="{6046AA15-5C6D-DE40-4E6A-3B07423CA96E}"/>
               </a:ext>
             </a:extLst>
           </p:cNvPr>
@@ -21207,7 +21242,7 @@
           <p:cNvPr id="48" name="Connecteur droit 47">
             <a:extLst>
               <a:ext uri="{FF2B5EF4-FFF2-40B4-BE49-F238E27FC236}">
-                <a16:creationId xmlns:a16="http://schemas.microsoft.com/office/drawing/2014/main" id="{1B4BBC4D-B622-ECB3-2619-94D0664DFE6A}"/>
+                <a16:creationId xmlns:a16="http://schemas.microsoft.com/office/drawing/2014/main" xmlns="" id="{1B4BBC4D-B622-ECB3-2619-94D0664DFE6A}"/>
               </a:ext>
             </a:extLst>
           </p:cNvPr>
@@ -21250,7 +21285,7 @@
           <p:cNvPr id="49" name="Rectangle 48">
             <a:extLst>
               <a:ext uri="{FF2B5EF4-FFF2-40B4-BE49-F238E27FC236}">
-                <a16:creationId xmlns:a16="http://schemas.microsoft.com/office/drawing/2014/main" id="{49BDFEC3-A0AA-0B14-84C9-A5336731D97E}"/>
+                <a16:creationId xmlns:a16="http://schemas.microsoft.com/office/drawing/2014/main" xmlns="" id="{49BDFEC3-A0AA-0B14-84C9-A5336731D97E}"/>
               </a:ext>
             </a:extLst>
           </p:cNvPr>
@@ -21306,7 +21341,7 @@
           <p:cNvPr id="50" name="Connecteur droit 49">
             <a:extLst>
               <a:ext uri="{FF2B5EF4-FFF2-40B4-BE49-F238E27FC236}">
-                <a16:creationId xmlns:a16="http://schemas.microsoft.com/office/drawing/2014/main" id="{D58CC845-6FD5-D8BE-D057-EF61F42E7945}"/>
+                <a16:creationId xmlns:a16="http://schemas.microsoft.com/office/drawing/2014/main" xmlns="" id="{D58CC845-6FD5-D8BE-D057-EF61F42E7945}"/>
               </a:ext>
             </a:extLst>
           </p:cNvPr>
@@ -21349,7 +21384,7 @@
           <p:cNvPr id="51" name="Rectangle 50">
             <a:extLst>
               <a:ext uri="{FF2B5EF4-FFF2-40B4-BE49-F238E27FC236}">
-                <a16:creationId xmlns:a16="http://schemas.microsoft.com/office/drawing/2014/main" id="{3C0E1517-E210-D460-6778-AED1CC9CBDC0}"/>
+                <a16:creationId xmlns:a16="http://schemas.microsoft.com/office/drawing/2014/main" xmlns="" id="{3C0E1517-E210-D460-6778-AED1CC9CBDC0}"/>
               </a:ext>
             </a:extLst>
           </p:cNvPr>
@@ -21408,7 +21443,7 @@
           <p:cNvPr id="52" name="Connecteur droit 51">
             <a:extLst>
               <a:ext uri="{FF2B5EF4-FFF2-40B4-BE49-F238E27FC236}">
-                <a16:creationId xmlns:a16="http://schemas.microsoft.com/office/drawing/2014/main" id="{9A1555F1-9652-2DFF-64EA-60BE4E7D6CBB}"/>
+                <a16:creationId xmlns:a16="http://schemas.microsoft.com/office/drawing/2014/main" xmlns="" id="{9A1555F1-9652-2DFF-64EA-60BE4E7D6CBB}"/>
               </a:ext>
             </a:extLst>
           </p:cNvPr>
@@ -21451,7 +21486,7 @@
           <p:cNvPr id="53" name="Rectangle 52">
             <a:extLst>
               <a:ext uri="{FF2B5EF4-FFF2-40B4-BE49-F238E27FC236}">
-                <a16:creationId xmlns:a16="http://schemas.microsoft.com/office/drawing/2014/main" id="{239BC810-4A62-0940-9F28-4900178F6F8C}"/>
+                <a16:creationId xmlns:a16="http://schemas.microsoft.com/office/drawing/2014/main" xmlns="" id="{239BC810-4A62-0940-9F28-4900178F6F8C}"/>
               </a:ext>
             </a:extLst>
           </p:cNvPr>
@@ -21510,7 +21545,7 @@
           <p:cNvPr id="54" name="Connecteur droit 53">
             <a:extLst>
               <a:ext uri="{FF2B5EF4-FFF2-40B4-BE49-F238E27FC236}">
-                <a16:creationId xmlns:a16="http://schemas.microsoft.com/office/drawing/2014/main" id="{412D835D-2DCA-9B44-F88C-59EE84EAAD2A}"/>
+                <a16:creationId xmlns:a16="http://schemas.microsoft.com/office/drawing/2014/main" xmlns="" id="{412D835D-2DCA-9B44-F88C-59EE84EAAD2A}"/>
               </a:ext>
             </a:extLst>
           </p:cNvPr>
@@ -21553,7 +21588,7 @@
           <p:cNvPr id="55" name="Rectangle 54">
             <a:extLst>
               <a:ext uri="{FF2B5EF4-FFF2-40B4-BE49-F238E27FC236}">
-                <a16:creationId xmlns:a16="http://schemas.microsoft.com/office/drawing/2014/main" id="{AA4BDB22-C6F1-A2C7-1333-77F3D2223388}"/>
+                <a16:creationId xmlns:a16="http://schemas.microsoft.com/office/drawing/2014/main" xmlns="" id="{AA4BDB22-C6F1-A2C7-1333-77F3D2223388}"/>
               </a:ext>
             </a:extLst>
           </p:cNvPr>
@@ -21612,7 +21647,7 @@
           <p:cNvPr id="56" name="Connecteur droit 55">
             <a:extLst>
               <a:ext uri="{FF2B5EF4-FFF2-40B4-BE49-F238E27FC236}">
-                <a16:creationId xmlns:a16="http://schemas.microsoft.com/office/drawing/2014/main" id="{6646D3C2-B2F7-3E9C-48FC-A2FECA16562C}"/>
+                <a16:creationId xmlns:a16="http://schemas.microsoft.com/office/drawing/2014/main" xmlns="" id="{6646D3C2-B2F7-3E9C-48FC-A2FECA16562C}"/>
               </a:ext>
             </a:extLst>
           </p:cNvPr>
@@ -21655,7 +21690,7 @@
           <p:cNvPr id="57" name="Rectangle 56">
             <a:extLst>
               <a:ext uri="{FF2B5EF4-FFF2-40B4-BE49-F238E27FC236}">
-                <a16:creationId xmlns:a16="http://schemas.microsoft.com/office/drawing/2014/main" id="{D4D1E7B3-51D1-D27A-16AE-B8FC5494BC9B}"/>
+                <a16:creationId xmlns:a16="http://schemas.microsoft.com/office/drawing/2014/main" xmlns="" id="{D4D1E7B3-51D1-D27A-16AE-B8FC5494BC9B}"/>
               </a:ext>
             </a:extLst>
           </p:cNvPr>
@@ -21711,7 +21746,7 @@
           <p:cNvPr id="58" name="Ellipse 57">
             <a:extLst>
               <a:ext uri="{FF2B5EF4-FFF2-40B4-BE49-F238E27FC236}">
-                <a16:creationId xmlns:a16="http://schemas.microsoft.com/office/drawing/2014/main" id="{5DFEEB44-6175-DF40-EA84-71BCE26B66C5}"/>
+                <a16:creationId xmlns:a16="http://schemas.microsoft.com/office/drawing/2014/main" xmlns="" id="{5DFEEB44-6175-DF40-EA84-71BCE26B66C5}"/>
               </a:ext>
             </a:extLst>
           </p:cNvPr>
@@ -21770,7 +21805,7 @@
           <p:cNvPr id="59" name="Ellipse 58">
             <a:extLst>
               <a:ext uri="{FF2B5EF4-FFF2-40B4-BE49-F238E27FC236}">
-                <a16:creationId xmlns:a16="http://schemas.microsoft.com/office/drawing/2014/main" id="{BCBF8A7D-24FB-44BA-9538-CC989E060EB8}"/>
+                <a16:creationId xmlns:a16="http://schemas.microsoft.com/office/drawing/2014/main" xmlns="" id="{BCBF8A7D-24FB-44BA-9538-CC989E060EB8}"/>
               </a:ext>
             </a:extLst>
           </p:cNvPr>
@@ -21829,7 +21864,7 @@
           <p:cNvPr id="60" name="Ellipse 59">
             <a:extLst>
               <a:ext uri="{FF2B5EF4-FFF2-40B4-BE49-F238E27FC236}">
-                <a16:creationId xmlns:a16="http://schemas.microsoft.com/office/drawing/2014/main" id="{0CE68830-00FF-474A-BED4-9AFB854A642E}"/>
+                <a16:creationId xmlns:a16="http://schemas.microsoft.com/office/drawing/2014/main" xmlns="" id="{0CE68830-00FF-474A-BED4-9AFB854A642E}"/>
               </a:ext>
             </a:extLst>
           </p:cNvPr>
@@ -21899,7 +21934,7 @@
           <p:cNvPr id="61" name="Ellipse 60">
             <a:extLst>
               <a:ext uri="{FF2B5EF4-FFF2-40B4-BE49-F238E27FC236}">
-                <a16:creationId xmlns:a16="http://schemas.microsoft.com/office/drawing/2014/main" id="{0D40205A-D9E5-3122-F8E8-E0F324B220BF}"/>
+                <a16:creationId xmlns:a16="http://schemas.microsoft.com/office/drawing/2014/main" xmlns="" id="{0D40205A-D9E5-3122-F8E8-E0F324B220BF}"/>
               </a:ext>
             </a:extLst>
           </p:cNvPr>
@@ -21969,7 +22004,7 @@
           <p:cNvPr id="62" name="Ellipse 61">
             <a:extLst>
               <a:ext uri="{FF2B5EF4-FFF2-40B4-BE49-F238E27FC236}">
-                <a16:creationId xmlns:a16="http://schemas.microsoft.com/office/drawing/2014/main" id="{73D7CE19-C1B5-951F-3D5A-1A6950891B86}"/>
+                <a16:creationId xmlns:a16="http://schemas.microsoft.com/office/drawing/2014/main" xmlns="" id="{73D7CE19-C1B5-951F-3D5A-1A6950891B86}"/>
               </a:ext>
             </a:extLst>
           </p:cNvPr>
@@ -22028,7 +22063,7 @@
           <p:cNvPr id="63" name="Ellipse 62">
             <a:extLst>
               <a:ext uri="{FF2B5EF4-FFF2-40B4-BE49-F238E27FC236}">
-                <a16:creationId xmlns:a16="http://schemas.microsoft.com/office/drawing/2014/main" id="{D0E928AE-11B7-F6A9-0C89-EE50845EA523}"/>
+                <a16:creationId xmlns:a16="http://schemas.microsoft.com/office/drawing/2014/main" xmlns="" id="{D0E928AE-11B7-F6A9-0C89-EE50845EA523}"/>
               </a:ext>
             </a:extLst>
           </p:cNvPr>
@@ -22087,7 +22122,7 @@
           <p:cNvPr id="64" name="ZoneTexte 63">
             <a:extLst>
               <a:ext uri="{FF2B5EF4-FFF2-40B4-BE49-F238E27FC236}">
-                <a16:creationId xmlns:a16="http://schemas.microsoft.com/office/drawing/2014/main" id="{25239133-5BBF-5390-E279-2EB8194A1C21}"/>
+                <a16:creationId xmlns:a16="http://schemas.microsoft.com/office/drawing/2014/main" xmlns="" id="{25239133-5BBF-5390-E279-2EB8194A1C21}"/>
               </a:ext>
             </a:extLst>
           </p:cNvPr>
@@ -22132,7 +22167,7 @@
           <p:cNvPr id="65" name="ZoneTexte 64">
             <a:extLst>
               <a:ext uri="{FF2B5EF4-FFF2-40B4-BE49-F238E27FC236}">
-                <a16:creationId xmlns:a16="http://schemas.microsoft.com/office/drawing/2014/main" id="{B6764753-44BC-C8F1-7DE2-EA9FE7FE2513}"/>
+                <a16:creationId xmlns:a16="http://schemas.microsoft.com/office/drawing/2014/main" xmlns="" id="{B6764753-44BC-C8F1-7DE2-EA9FE7FE2513}"/>
               </a:ext>
             </a:extLst>
           </p:cNvPr>
@@ -22197,7 +22232,7 @@
           <p:cNvPr id="6" name="Rectangle 5">
             <a:extLst>
               <a:ext uri="{FF2B5EF4-FFF2-40B4-BE49-F238E27FC236}">
-                <a16:creationId xmlns:a16="http://schemas.microsoft.com/office/drawing/2014/main" id="{0A7D7A47-2D97-1255-B624-8074169A3649}"/>
+                <a16:creationId xmlns:a16="http://schemas.microsoft.com/office/drawing/2014/main" xmlns="" id="{0A7D7A47-2D97-1255-B624-8074169A3649}"/>
               </a:ext>
             </a:extLst>
           </p:cNvPr>
@@ -22256,7 +22291,7 @@
           <p:cNvPr id="9" name="Ellipse 8">
             <a:extLst>
               <a:ext uri="{FF2B5EF4-FFF2-40B4-BE49-F238E27FC236}">
-                <a16:creationId xmlns:a16="http://schemas.microsoft.com/office/drawing/2014/main" id="{9E0E09F0-F91E-FA93-AB71-842FAF6C08BE}"/>
+                <a16:creationId xmlns:a16="http://schemas.microsoft.com/office/drawing/2014/main" xmlns="" id="{9E0E09F0-F91E-FA93-AB71-842FAF6C08BE}"/>
               </a:ext>
             </a:extLst>
           </p:cNvPr>
@@ -22305,7 +22340,7 @@
           <p:cNvPr id="10" name="Ellipse 9">
             <a:extLst>
               <a:ext uri="{FF2B5EF4-FFF2-40B4-BE49-F238E27FC236}">
-                <a16:creationId xmlns:a16="http://schemas.microsoft.com/office/drawing/2014/main" id="{069E0918-3E13-8F29-D210-C3EC2BB14D84}"/>
+                <a16:creationId xmlns:a16="http://schemas.microsoft.com/office/drawing/2014/main" xmlns="" id="{069E0918-3E13-8F29-D210-C3EC2BB14D84}"/>
               </a:ext>
             </a:extLst>
           </p:cNvPr>
@@ -22354,7 +22389,7 @@
           <p:cNvPr id="16" name="Ellipse 15">
             <a:extLst>
               <a:ext uri="{FF2B5EF4-FFF2-40B4-BE49-F238E27FC236}">
-                <a16:creationId xmlns:a16="http://schemas.microsoft.com/office/drawing/2014/main" id="{330049A2-0099-78F2-76C6-D312DA351884}"/>
+                <a16:creationId xmlns:a16="http://schemas.microsoft.com/office/drawing/2014/main" xmlns="" id="{330049A2-0099-78F2-76C6-D312DA351884}"/>
               </a:ext>
             </a:extLst>
           </p:cNvPr>
@@ -22403,7 +22438,7 @@
           <p:cNvPr id="38" name="Ellipse 37">
             <a:extLst>
               <a:ext uri="{FF2B5EF4-FFF2-40B4-BE49-F238E27FC236}">
-                <a16:creationId xmlns:a16="http://schemas.microsoft.com/office/drawing/2014/main" id="{F1E6F23D-ED81-C317-81B7-B66DC99D3D25}"/>
+                <a16:creationId xmlns:a16="http://schemas.microsoft.com/office/drawing/2014/main" xmlns="" id="{F1E6F23D-ED81-C317-81B7-B66DC99D3D25}"/>
               </a:ext>
             </a:extLst>
           </p:cNvPr>
@@ -22452,7 +22487,7 @@
           <p:cNvPr id="45" name="Ellipse 44">
             <a:extLst>
               <a:ext uri="{FF2B5EF4-FFF2-40B4-BE49-F238E27FC236}">
-                <a16:creationId xmlns:a16="http://schemas.microsoft.com/office/drawing/2014/main" id="{22A8A269-C561-AB55-BF22-D5DAFF51F7C1}"/>
+                <a16:creationId xmlns:a16="http://schemas.microsoft.com/office/drawing/2014/main" xmlns="" id="{22A8A269-C561-AB55-BF22-D5DAFF51F7C1}"/>
               </a:ext>
             </a:extLst>
           </p:cNvPr>
@@ -22501,7 +22536,7 @@
           <p:cNvPr id="47" name="Ellipse 46">
             <a:extLst>
               <a:ext uri="{FF2B5EF4-FFF2-40B4-BE49-F238E27FC236}">
-                <a16:creationId xmlns:a16="http://schemas.microsoft.com/office/drawing/2014/main" id="{4F96EA67-11B1-8D27-65AB-CB2CFC72B33C}"/>
+                <a16:creationId xmlns:a16="http://schemas.microsoft.com/office/drawing/2014/main" xmlns="" id="{4F96EA67-11B1-8D27-65AB-CB2CFC72B33C}"/>
               </a:ext>
             </a:extLst>
           </p:cNvPr>
@@ -22550,7 +22585,7 @@
           <p:cNvPr id="66" name="Ellipse 65">
             <a:extLst>
               <a:ext uri="{FF2B5EF4-FFF2-40B4-BE49-F238E27FC236}">
-                <a16:creationId xmlns:a16="http://schemas.microsoft.com/office/drawing/2014/main" id="{0F6CEF38-2143-0CCC-8853-20C19BF474A5}"/>
+                <a16:creationId xmlns:a16="http://schemas.microsoft.com/office/drawing/2014/main" xmlns="" id="{0F6CEF38-2143-0CCC-8853-20C19BF474A5}"/>
               </a:ext>
             </a:extLst>
           </p:cNvPr>
@@ -22599,7 +22634,7 @@
           <p:cNvPr id="67" name="Ellipse 66">
             <a:extLst>
               <a:ext uri="{FF2B5EF4-FFF2-40B4-BE49-F238E27FC236}">
-                <a16:creationId xmlns:a16="http://schemas.microsoft.com/office/drawing/2014/main" id="{4B73D286-54ED-C83C-D3BF-29628EA3F39A}"/>
+                <a16:creationId xmlns:a16="http://schemas.microsoft.com/office/drawing/2014/main" xmlns="" id="{4B73D286-54ED-C83C-D3BF-29628EA3F39A}"/>
               </a:ext>
             </a:extLst>
           </p:cNvPr>
@@ -22648,7 +22683,7 @@
           <p:cNvPr id="68" name="Ellipse 67">
             <a:extLst>
               <a:ext uri="{FF2B5EF4-FFF2-40B4-BE49-F238E27FC236}">
-                <a16:creationId xmlns:a16="http://schemas.microsoft.com/office/drawing/2014/main" id="{DAFF77C1-700A-ECE3-2A24-6413E04C7072}"/>
+                <a16:creationId xmlns:a16="http://schemas.microsoft.com/office/drawing/2014/main" xmlns="" id="{DAFF77C1-700A-ECE3-2A24-6413E04C7072}"/>
               </a:ext>
             </a:extLst>
           </p:cNvPr>
@@ -22697,7 +22732,7 @@
           <p:cNvPr id="69" name="Ellipse 68">
             <a:extLst>
               <a:ext uri="{FF2B5EF4-FFF2-40B4-BE49-F238E27FC236}">
-                <a16:creationId xmlns:a16="http://schemas.microsoft.com/office/drawing/2014/main" id="{4C5448CB-0D2D-607F-9E9B-9F98C2D7C7F3}"/>
+                <a16:creationId xmlns:a16="http://schemas.microsoft.com/office/drawing/2014/main" xmlns="" id="{4C5448CB-0D2D-607F-9E9B-9F98C2D7C7F3}"/>
               </a:ext>
             </a:extLst>
           </p:cNvPr>
@@ -22746,7 +22781,7 @@
           <p:cNvPr id="71" name="Ellipse 70">
             <a:extLst>
               <a:ext uri="{FF2B5EF4-FFF2-40B4-BE49-F238E27FC236}">
-                <a16:creationId xmlns:a16="http://schemas.microsoft.com/office/drawing/2014/main" id="{320B518B-41CF-2C55-5C7D-0856F01CB5FC}"/>
+                <a16:creationId xmlns:a16="http://schemas.microsoft.com/office/drawing/2014/main" xmlns="" id="{320B518B-41CF-2C55-5C7D-0856F01CB5FC}"/>
               </a:ext>
             </a:extLst>
           </p:cNvPr>
@@ -22795,7 +22830,7 @@
           <p:cNvPr id="72" name="Ellipse 71">
             <a:extLst>
               <a:ext uri="{FF2B5EF4-FFF2-40B4-BE49-F238E27FC236}">
-                <a16:creationId xmlns:a16="http://schemas.microsoft.com/office/drawing/2014/main" id="{22830000-40C3-D9AE-4C99-8B3A1E0C5BEB}"/>
+                <a16:creationId xmlns:a16="http://schemas.microsoft.com/office/drawing/2014/main" xmlns="" id="{22830000-40C3-D9AE-4C99-8B3A1E0C5BEB}"/>
               </a:ext>
             </a:extLst>
           </p:cNvPr>
@@ -22844,7 +22879,7 @@
           <p:cNvPr id="73" name="Ellipse 72">
             <a:extLst>
               <a:ext uri="{FF2B5EF4-FFF2-40B4-BE49-F238E27FC236}">
-                <a16:creationId xmlns:a16="http://schemas.microsoft.com/office/drawing/2014/main" id="{F200329E-ABE2-6793-F888-C869BD5E4C32}"/>
+                <a16:creationId xmlns:a16="http://schemas.microsoft.com/office/drawing/2014/main" xmlns="" id="{F200329E-ABE2-6793-F888-C869BD5E4C32}"/>
               </a:ext>
             </a:extLst>
           </p:cNvPr>
@@ -22893,7 +22928,7 @@
           <p:cNvPr id="74" name="Ellipse 73">
             <a:extLst>
               <a:ext uri="{FF2B5EF4-FFF2-40B4-BE49-F238E27FC236}">
-                <a16:creationId xmlns:a16="http://schemas.microsoft.com/office/drawing/2014/main" id="{95FBED1B-A5F7-6642-0C7B-13B6F43154A9}"/>
+                <a16:creationId xmlns:a16="http://schemas.microsoft.com/office/drawing/2014/main" xmlns="" id="{95FBED1B-A5F7-6642-0C7B-13B6F43154A9}"/>
               </a:ext>
             </a:extLst>
           </p:cNvPr>
@@ -22942,7 +22977,7 @@
           <p:cNvPr id="75" name="Ellipse 74">
             <a:extLst>
               <a:ext uri="{FF2B5EF4-FFF2-40B4-BE49-F238E27FC236}">
-                <a16:creationId xmlns:a16="http://schemas.microsoft.com/office/drawing/2014/main" id="{4E8B8072-74ED-0B9A-3F3B-006B4B043C3C}"/>
+                <a16:creationId xmlns:a16="http://schemas.microsoft.com/office/drawing/2014/main" xmlns="" id="{4E8B8072-74ED-0B9A-3F3B-006B4B043C3C}"/>
               </a:ext>
             </a:extLst>
           </p:cNvPr>
@@ -22991,7 +23026,7 @@
           <p:cNvPr id="76" name="Ellipse 75">
             <a:extLst>
               <a:ext uri="{FF2B5EF4-FFF2-40B4-BE49-F238E27FC236}">
-                <a16:creationId xmlns:a16="http://schemas.microsoft.com/office/drawing/2014/main" id="{420C7D3E-EB0E-A0A8-01D1-547802EDC7D9}"/>
+                <a16:creationId xmlns:a16="http://schemas.microsoft.com/office/drawing/2014/main" xmlns="" id="{420C7D3E-EB0E-A0A8-01D1-547802EDC7D9}"/>
               </a:ext>
             </a:extLst>
           </p:cNvPr>
@@ -23040,7 +23075,7 @@
           <p:cNvPr id="77" name="Ellipse 76">
             <a:extLst>
               <a:ext uri="{FF2B5EF4-FFF2-40B4-BE49-F238E27FC236}">
-                <a16:creationId xmlns:a16="http://schemas.microsoft.com/office/drawing/2014/main" id="{FD158EDC-3591-0BDF-F2B8-31806A91509D}"/>
+                <a16:creationId xmlns:a16="http://schemas.microsoft.com/office/drawing/2014/main" xmlns="" id="{FD158EDC-3591-0BDF-F2B8-31806A91509D}"/>
               </a:ext>
             </a:extLst>
           </p:cNvPr>
@@ -23089,7 +23124,7 @@
           <p:cNvPr id="78" name="Ellipse 77">
             <a:extLst>
               <a:ext uri="{FF2B5EF4-FFF2-40B4-BE49-F238E27FC236}">
-                <a16:creationId xmlns:a16="http://schemas.microsoft.com/office/drawing/2014/main" id="{F286F112-ECA5-3B44-C232-6FC57606D899}"/>
+                <a16:creationId xmlns:a16="http://schemas.microsoft.com/office/drawing/2014/main" xmlns="" id="{F286F112-ECA5-3B44-C232-6FC57606D899}"/>
               </a:ext>
             </a:extLst>
           </p:cNvPr>
@@ -23138,7 +23173,7 @@
           <p:cNvPr id="79" name="Ellipse 78">
             <a:extLst>
               <a:ext uri="{FF2B5EF4-FFF2-40B4-BE49-F238E27FC236}">
-                <a16:creationId xmlns:a16="http://schemas.microsoft.com/office/drawing/2014/main" id="{02C9E879-E4C4-EEE9-FD1E-C651346D245F}"/>
+                <a16:creationId xmlns:a16="http://schemas.microsoft.com/office/drawing/2014/main" xmlns="" id="{02C9E879-E4C4-EEE9-FD1E-C651346D245F}"/>
               </a:ext>
             </a:extLst>
           </p:cNvPr>
@@ -23187,7 +23222,7 @@
           <p:cNvPr id="80" name="Ellipse 79">
             <a:extLst>
               <a:ext uri="{FF2B5EF4-FFF2-40B4-BE49-F238E27FC236}">
-                <a16:creationId xmlns:a16="http://schemas.microsoft.com/office/drawing/2014/main" id="{AFD57444-2484-E35A-3736-40D44868DBB3}"/>
+                <a16:creationId xmlns:a16="http://schemas.microsoft.com/office/drawing/2014/main" xmlns="" id="{AFD57444-2484-E35A-3736-40D44868DBB3}"/>
               </a:ext>
             </a:extLst>
           </p:cNvPr>
@@ -23236,7 +23271,7 @@
           <p:cNvPr id="81" name="Ellipse 80">
             <a:extLst>
               <a:ext uri="{FF2B5EF4-FFF2-40B4-BE49-F238E27FC236}">
-                <a16:creationId xmlns:a16="http://schemas.microsoft.com/office/drawing/2014/main" id="{CE57FB9E-3AC1-70D4-26E0-97BB2298914C}"/>
+                <a16:creationId xmlns:a16="http://schemas.microsoft.com/office/drawing/2014/main" xmlns="" id="{CE57FB9E-3AC1-70D4-26E0-97BB2298914C}"/>
               </a:ext>
             </a:extLst>
           </p:cNvPr>
@@ -23285,7 +23320,7 @@
           <p:cNvPr id="82" name="Ellipse 81">
             <a:extLst>
               <a:ext uri="{FF2B5EF4-FFF2-40B4-BE49-F238E27FC236}">
-                <a16:creationId xmlns:a16="http://schemas.microsoft.com/office/drawing/2014/main" id="{7A3C9064-EB80-A2BA-4014-70BD5CD5AC56}"/>
+                <a16:creationId xmlns:a16="http://schemas.microsoft.com/office/drawing/2014/main" xmlns="" id="{7A3C9064-EB80-A2BA-4014-70BD5CD5AC56}"/>
               </a:ext>
             </a:extLst>
           </p:cNvPr>
@@ -23334,7 +23369,7 @@
           <p:cNvPr id="70" name="Ellipse 69">
             <a:extLst>
               <a:ext uri="{FF2B5EF4-FFF2-40B4-BE49-F238E27FC236}">
-                <a16:creationId xmlns:a16="http://schemas.microsoft.com/office/drawing/2014/main" id="{E742E88A-C40F-EE5B-4421-B4B4D8D284B0}"/>
+                <a16:creationId xmlns:a16="http://schemas.microsoft.com/office/drawing/2014/main" xmlns="" id="{E742E88A-C40F-EE5B-4421-B4B4D8D284B0}"/>
               </a:ext>
             </a:extLst>
           </p:cNvPr>
@@ -23383,7 +23418,7 @@
           <p:cNvPr id="83" name="Ellipse 82">
             <a:extLst>
               <a:ext uri="{FF2B5EF4-FFF2-40B4-BE49-F238E27FC236}">
-                <a16:creationId xmlns:a16="http://schemas.microsoft.com/office/drawing/2014/main" id="{88B98594-E635-5EDA-074F-18E042D9CA7D}"/>
+                <a16:creationId xmlns:a16="http://schemas.microsoft.com/office/drawing/2014/main" xmlns="" id="{88B98594-E635-5EDA-074F-18E042D9CA7D}"/>
               </a:ext>
             </a:extLst>
           </p:cNvPr>
@@ -23432,7 +23467,7 @@
           <p:cNvPr id="84" name="Ellipse 83">
             <a:extLst>
               <a:ext uri="{FF2B5EF4-FFF2-40B4-BE49-F238E27FC236}">
-                <a16:creationId xmlns:a16="http://schemas.microsoft.com/office/drawing/2014/main" id="{9EFEB3B4-A83A-A284-8CB7-A71E04650BB2}"/>
+                <a16:creationId xmlns:a16="http://schemas.microsoft.com/office/drawing/2014/main" xmlns="" id="{9EFEB3B4-A83A-A284-8CB7-A71E04650BB2}"/>
               </a:ext>
             </a:extLst>
           </p:cNvPr>
@@ -23481,7 +23516,7 @@
           <p:cNvPr id="85" name="Ellipse 84">
             <a:extLst>
               <a:ext uri="{FF2B5EF4-FFF2-40B4-BE49-F238E27FC236}">
-                <a16:creationId xmlns:a16="http://schemas.microsoft.com/office/drawing/2014/main" id="{8C62AA91-6B9E-E3F2-0D5A-1814D5B83181}"/>
+                <a16:creationId xmlns:a16="http://schemas.microsoft.com/office/drawing/2014/main" xmlns="" id="{8C62AA91-6B9E-E3F2-0D5A-1814D5B83181}"/>
               </a:ext>
             </a:extLst>
           </p:cNvPr>
@@ -23527,19 +23562,117 @@
       </p:sp>
       <p:sp>
         <p:nvSpPr>
-          <p:cNvPr id="86" name="Ellipse 85">
-            <a:extLst>
-              <a:ext uri="{FF2B5EF4-FFF2-40B4-BE49-F238E27FC236}">
-                <a16:creationId xmlns:a16="http://schemas.microsoft.com/office/drawing/2014/main" id="{D84A6A9F-2D59-F1B7-275C-46604D44D199}"/>
-              </a:ext>
-            </a:extLst>
-          </p:cNvPr>
-          <p:cNvSpPr/>
-          <p:nvPr/>
-        </p:nvSpPr>
-        <p:spPr>
-          <a:xfrm>
-            <a:off x="4078582" y="6435580"/>
+          <p:cNvPr id="87" name="Ellipse 86">
+            <a:extLst>
+              <a:ext uri="{FF2B5EF4-FFF2-40B4-BE49-F238E27FC236}">
+                <a16:creationId xmlns:a16="http://schemas.microsoft.com/office/drawing/2014/main" xmlns="" id="{7A3C9064-EB80-A2BA-4014-70BD5CD5AC56}"/>
+              </a:ext>
+            </a:extLst>
+          </p:cNvPr>
+          <p:cNvSpPr/>
+          <p:nvPr/>
+        </p:nvSpPr>
+        <p:spPr>
+          <a:xfrm>
+            <a:off x="5761860" y="5734134"/>
+            <a:ext cx="285134" cy="281411"/>
+          </a:xfrm>
+          <a:prstGeom prst="ellipse">
+            <a:avLst/>
+          </a:prstGeom>
+          <a:solidFill>
+            <a:srgbClr val="FF0000"/>
+          </a:solidFill>
+        </p:spPr>
+        <p:style>
+          <a:lnRef idx="2">
+            <a:schemeClr val="accent1">
+              <a:shade val="50000"/>
+            </a:schemeClr>
+          </a:lnRef>
+          <a:fillRef idx="1">
+            <a:schemeClr val="accent1"/>
+          </a:fillRef>
+          <a:effectRef idx="0">
+            <a:schemeClr val="accent1"/>
+          </a:effectRef>
+          <a:fontRef idx="minor">
+            <a:schemeClr val="lt1"/>
+          </a:fontRef>
+        </p:style>
+        <p:txBody>
+          <a:bodyPr rtlCol="0" anchor="ctr"/>
+          <a:lstStyle/>
+          <a:p>
+            <a:pPr algn="ctr"/>
+            <a:endParaRPr lang="fr-FR"/>
+          </a:p>
+        </p:txBody>
+      </p:sp>
+      <p:sp>
+        <p:nvSpPr>
+          <p:cNvPr id="88" name="Ellipse 87">
+            <a:extLst>
+              <a:ext uri="{FF2B5EF4-FFF2-40B4-BE49-F238E27FC236}">
+                <a16:creationId xmlns:a16="http://schemas.microsoft.com/office/drawing/2014/main" xmlns="" id="{7A3C9064-EB80-A2BA-4014-70BD5CD5AC56}"/>
+              </a:ext>
+            </a:extLst>
+          </p:cNvPr>
+          <p:cNvSpPr/>
+          <p:nvPr/>
+        </p:nvSpPr>
+        <p:spPr>
+          <a:xfrm>
+            <a:off x="5786070" y="5093035"/>
+            <a:ext cx="285134" cy="281411"/>
+          </a:xfrm>
+          <a:prstGeom prst="ellipse">
+            <a:avLst/>
+          </a:prstGeom>
+          <a:solidFill>
+            <a:srgbClr val="FF0000"/>
+          </a:solidFill>
+        </p:spPr>
+        <p:style>
+          <a:lnRef idx="2">
+            <a:schemeClr val="accent1">
+              <a:shade val="50000"/>
+            </a:schemeClr>
+          </a:lnRef>
+          <a:fillRef idx="1">
+            <a:schemeClr val="accent1"/>
+          </a:fillRef>
+          <a:effectRef idx="0">
+            <a:schemeClr val="accent1"/>
+          </a:effectRef>
+          <a:fontRef idx="minor">
+            <a:schemeClr val="lt1"/>
+          </a:fontRef>
+        </p:style>
+        <p:txBody>
+          <a:bodyPr rtlCol="0" anchor="ctr"/>
+          <a:lstStyle/>
+          <a:p>
+            <a:pPr algn="ctr"/>
+            <a:endParaRPr lang="fr-FR"/>
+          </a:p>
+        </p:txBody>
+      </p:sp>
+      <p:sp>
+        <p:nvSpPr>
+          <p:cNvPr id="89" name="Ellipse 88">
+            <a:extLst>
+              <a:ext uri="{FF2B5EF4-FFF2-40B4-BE49-F238E27FC236}">
+                <a16:creationId xmlns:a16="http://schemas.microsoft.com/office/drawing/2014/main" xmlns="" id="{D84A6A9F-2D59-F1B7-275C-46604D44D199}"/>
+              </a:ext>
+            </a:extLst>
+          </p:cNvPr>
+          <p:cNvSpPr/>
+          <p:nvPr/>
+        </p:nvSpPr>
+        <p:spPr>
+          <a:xfrm>
+            <a:off x="4937021" y="6437537"/>
             <a:ext cx="285134" cy="281411"/>
           </a:xfrm>
           <a:prstGeom prst="ellipse">
@@ -23619,7 +23752,7 @@
           <p:cNvPr id="2" name="Titre 1">
             <a:extLst>
               <a:ext uri="{FF2B5EF4-FFF2-40B4-BE49-F238E27FC236}">
-                <a16:creationId xmlns:a16="http://schemas.microsoft.com/office/drawing/2014/main" id="{AD4F0A27-99BB-49D0-9C93-2D3C5186E6B2}"/>
+                <a16:creationId xmlns:a16="http://schemas.microsoft.com/office/drawing/2014/main" xmlns="" id="{AD4F0A27-99BB-49D0-9C93-2D3C5186E6B2}"/>
               </a:ext>
             </a:extLst>
           </p:cNvPr>
@@ -23659,7 +23792,7 @@
           <p:cNvPr id="3" name="Sous-titre 2">
             <a:extLst>
               <a:ext uri="{FF2B5EF4-FFF2-40B4-BE49-F238E27FC236}">
-                <a16:creationId xmlns:a16="http://schemas.microsoft.com/office/drawing/2014/main" id="{B5895DDB-3400-4A36-A688-98CC33D75B68}"/>
+                <a16:creationId xmlns:a16="http://schemas.microsoft.com/office/drawing/2014/main" xmlns="" id="{B5895DDB-3400-4A36-A688-98CC33D75B68}"/>
               </a:ext>
             </a:extLst>
           </p:cNvPr>
@@ -23678,7 +23811,7 @@
         </p:spPr>
         <p:txBody>
           <a:bodyPr>
-            <a:normAutofit/>
+            <a:normAutofit fontScale="85000" lnSpcReduction="10000"/>
           </a:bodyPr>
           <a:lstStyle/>
           <a:p>
@@ -23702,7 +23835,7 @@
           <p:cNvPr id="5" name="Image 4" descr="Une image contenant texte, clipart, lumière&#10;&#10;Description générée automatiquement">
             <a:extLst>
               <a:ext uri="{FF2B5EF4-FFF2-40B4-BE49-F238E27FC236}">
-                <a16:creationId xmlns:a16="http://schemas.microsoft.com/office/drawing/2014/main" id="{F92E366F-A75B-4FBE-95A4-7BE2692FD768}"/>
+                <a16:creationId xmlns:a16="http://schemas.microsoft.com/office/drawing/2014/main" xmlns="" id="{F92E366F-A75B-4FBE-95A4-7BE2692FD768}"/>
               </a:ext>
             </a:extLst>
           </p:cNvPr>
@@ -23712,7 +23845,7 @@
           <p:nvPr/>
         </p:nvPicPr>
         <p:blipFill>
-          <a:blip r:embed="rId2">
+          <a:blip r:embed="rId2" cstate="print">
             <a:extLst>
               <a:ext uri="{28A0092B-C50C-407E-A947-70E740481C1C}">
                 <a14:useLocalDpi xmlns:a14="http://schemas.microsoft.com/office/drawing/2010/main" val="0"/>
@@ -23738,7 +23871,7 @@
           <p:cNvPr id="4" name="Rectangle : coins arrondis 3">
             <a:extLst>
               <a:ext uri="{FF2B5EF4-FFF2-40B4-BE49-F238E27FC236}">
-                <a16:creationId xmlns:a16="http://schemas.microsoft.com/office/drawing/2014/main" id="{91F949C8-2425-7570-5287-385AC17B21E1}"/>
+                <a16:creationId xmlns:a16="http://schemas.microsoft.com/office/drawing/2014/main" xmlns="" id="{91F949C8-2425-7570-5287-385AC17B21E1}"/>
               </a:ext>
             </a:extLst>
           </p:cNvPr>
@@ -23785,7 +23918,7 @@
           <p:cNvPr id="22" name="Rectangle 21">
             <a:extLst>
               <a:ext uri="{FF2B5EF4-FFF2-40B4-BE49-F238E27FC236}">
-                <a16:creationId xmlns:a16="http://schemas.microsoft.com/office/drawing/2014/main" id="{73CC031A-FA14-9EFC-2EE2-08D70D60160C}"/>
+                <a16:creationId xmlns:a16="http://schemas.microsoft.com/office/drawing/2014/main" xmlns="" id="{73CC031A-FA14-9EFC-2EE2-08D70D60160C}"/>
               </a:ext>
             </a:extLst>
           </p:cNvPr>
@@ -23841,7 +23974,7 @@
           <p:cNvPr id="6" name="Rectangle 5">
             <a:extLst>
               <a:ext uri="{FF2B5EF4-FFF2-40B4-BE49-F238E27FC236}">
-                <a16:creationId xmlns:a16="http://schemas.microsoft.com/office/drawing/2014/main" id="{DFDE7771-B35D-5349-0A1E-DCDF711CA6D8}"/>
+                <a16:creationId xmlns:a16="http://schemas.microsoft.com/office/drawing/2014/main" xmlns="" id="{DFDE7771-B35D-5349-0A1E-DCDF711CA6D8}"/>
               </a:ext>
             </a:extLst>
           </p:cNvPr>
@@ -23900,7 +24033,7 @@
           <p:cNvPr id="9" name="Rectangle 8">
             <a:extLst>
               <a:ext uri="{FF2B5EF4-FFF2-40B4-BE49-F238E27FC236}">
-                <a16:creationId xmlns:a16="http://schemas.microsoft.com/office/drawing/2014/main" id="{EEDB057A-1186-A76A-85A7-09CA7224A7C8}"/>
+                <a16:creationId xmlns:a16="http://schemas.microsoft.com/office/drawing/2014/main" xmlns="" id="{EEDB057A-1186-A76A-85A7-09CA7224A7C8}"/>
               </a:ext>
             </a:extLst>
           </p:cNvPr>
@@ -23959,7 +24092,7 @@
           <p:cNvPr id="10" name="Rectangle 9">
             <a:extLst>
               <a:ext uri="{FF2B5EF4-FFF2-40B4-BE49-F238E27FC236}">
-                <a16:creationId xmlns:a16="http://schemas.microsoft.com/office/drawing/2014/main" id="{3202B1C0-88A8-AE01-8B45-0F8D1914B39A}"/>
+                <a16:creationId xmlns:a16="http://schemas.microsoft.com/office/drawing/2014/main" xmlns="" id="{3202B1C0-88A8-AE01-8B45-0F8D1914B39A}"/>
               </a:ext>
             </a:extLst>
           </p:cNvPr>
@@ -24018,7 +24151,7 @@
           <p:cNvPr id="67" name="Rectangle 66">
             <a:extLst>
               <a:ext uri="{FF2B5EF4-FFF2-40B4-BE49-F238E27FC236}">
-                <a16:creationId xmlns:a16="http://schemas.microsoft.com/office/drawing/2014/main" id="{13862C42-A930-37C4-7099-A5E762D39947}"/>
+                <a16:creationId xmlns:a16="http://schemas.microsoft.com/office/drawing/2014/main" xmlns="" id="{13862C42-A930-37C4-7099-A5E762D39947}"/>
               </a:ext>
             </a:extLst>
           </p:cNvPr>
@@ -24077,7 +24210,7 @@
           <p:cNvPr id="68" name="Rectangle 67">
             <a:extLst>
               <a:ext uri="{FF2B5EF4-FFF2-40B4-BE49-F238E27FC236}">
-                <a16:creationId xmlns:a16="http://schemas.microsoft.com/office/drawing/2014/main" id="{B962D4AE-A143-8FF5-A428-19E99ED9299A}"/>
+                <a16:creationId xmlns:a16="http://schemas.microsoft.com/office/drawing/2014/main" xmlns="" id="{B962D4AE-A143-8FF5-A428-19E99ED9299A}"/>
               </a:ext>
             </a:extLst>
           </p:cNvPr>
@@ -24133,7 +24266,7 @@
           <p:cNvPr id="69" name="Rectangle 68">
             <a:extLst>
               <a:ext uri="{FF2B5EF4-FFF2-40B4-BE49-F238E27FC236}">
-                <a16:creationId xmlns:a16="http://schemas.microsoft.com/office/drawing/2014/main" id="{E3EAE5E2-9CF1-122C-A450-E0A43A6B74CF}"/>
+                <a16:creationId xmlns:a16="http://schemas.microsoft.com/office/drawing/2014/main" xmlns="" id="{E3EAE5E2-9CF1-122C-A450-E0A43A6B74CF}"/>
               </a:ext>
             </a:extLst>
           </p:cNvPr>
@@ -24192,7 +24325,7 @@
           <p:cNvPr id="70" name="Rectangle 69">
             <a:extLst>
               <a:ext uri="{FF2B5EF4-FFF2-40B4-BE49-F238E27FC236}">
-                <a16:creationId xmlns:a16="http://schemas.microsoft.com/office/drawing/2014/main" id="{4C33EA4F-9369-04BD-7C19-889BFE015C58}"/>
+                <a16:creationId xmlns:a16="http://schemas.microsoft.com/office/drawing/2014/main" xmlns="" id="{4C33EA4F-9369-04BD-7C19-889BFE015C58}"/>
               </a:ext>
             </a:extLst>
           </p:cNvPr>
@@ -24251,7 +24384,7 @@
           <p:cNvPr id="71" name="Rectangle 70">
             <a:extLst>
               <a:ext uri="{FF2B5EF4-FFF2-40B4-BE49-F238E27FC236}">
-                <a16:creationId xmlns:a16="http://schemas.microsoft.com/office/drawing/2014/main" id="{19B17B6F-78AF-DC16-F1AC-460C735220C3}"/>
+                <a16:creationId xmlns:a16="http://schemas.microsoft.com/office/drawing/2014/main" xmlns="" id="{19B17B6F-78AF-DC16-F1AC-460C735220C3}"/>
               </a:ext>
             </a:extLst>
           </p:cNvPr>
@@ -24310,7 +24443,7 @@
           <p:cNvPr id="72" name="Rectangle 71">
             <a:extLst>
               <a:ext uri="{FF2B5EF4-FFF2-40B4-BE49-F238E27FC236}">
-                <a16:creationId xmlns:a16="http://schemas.microsoft.com/office/drawing/2014/main" id="{22326FDF-5C0C-D1C1-376E-9140D7758DB9}"/>
+                <a16:creationId xmlns:a16="http://schemas.microsoft.com/office/drawing/2014/main" xmlns="" id="{22326FDF-5C0C-D1C1-376E-9140D7758DB9}"/>
               </a:ext>
             </a:extLst>
           </p:cNvPr>
@@ -24369,7 +24502,7 @@
           <p:cNvPr id="73" name="Rectangle 72">
             <a:extLst>
               <a:ext uri="{FF2B5EF4-FFF2-40B4-BE49-F238E27FC236}">
-                <a16:creationId xmlns:a16="http://schemas.microsoft.com/office/drawing/2014/main" id="{0EAA87D0-110A-6566-A80B-EC173072006B}"/>
+                <a16:creationId xmlns:a16="http://schemas.microsoft.com/office/drawing/2014/main" xmlns="" id="{0EAA87D0-110A-6566-A80B-EC173072006B}"/>
               </a:ext>
             </a:extLst>
           </p:cNvPr>
@@ -24425,7 +24558,7 @@
           <p:cNvPr id="74" name="Rectangle 73">
             <a:extLst>
               <a:ext uri="{FF2B5EF4-FFF2-40B4-BE49-F238E27FC236}">
-                <a16:creationId xmlns:a16="http://schemas.microsoft.com/office/drawing/2014/main" id="{2F2D4AAD-6B9C-97B0-8F7E-4350AAFD55A2}"/>
+                <a16:creationId xmlns:a16="http://schemas.microsoft.com/office/drawing/2014/main" xmlns="" id="{2F2D4AAD-6B9C-97B0-8F7E-4350AAFD55A2}"/>
               </a:ext>
             </a:extLst>
           </p:cNvPr>
@@ -24484,7 +24617,7 @@
           <p:cNvPr id="75" name="Rectangle 74">
             <a:extLst>
               <a:ext uri="{FF2B5EF4-FFF2-40B4-BE49-F238E27FC236}">
-                <a16:creationId xmlns:a16="http://schemas.microsoft.com/office/drawing/2014/main" id="{AC240C92-8B04-8815-77CF-EE2656C476CE}"/>
+                <a16:creationId xmlns:a16="http://schemas.microsoft.com/office/drawing/2014/main" xmlns="" id="{AC240C92-8B04-8815-77CF-EE2656C476CE}"/>
               </a:ext>
             </a:extLst>
           </p:cNvPr>
@@ -24543,7 +24676,7 @@
           <p:cNvPr id="76" name="Rectangle 75">
             <a:extLst>
               <a:ext uri="{FF2B5EF4-FFF2-40B4-BE49-F238E27FC236}">
-                <a16:creationId xmlns:a16="http://schemas.microsoft.com/office/drawing/2014/main" id="{C9DA8FB0-EC2D-19E4-EF84-AA9412CE1AA6}"/>
+                <a16:creationId xmlns:a16="http://schemas.microsoft.com/office/drawing/2014/main" xmlns="" id="{C9DA8FB0-EC2D-19E4-EF84-AA9412CE1AA6}"/>
               </a:ext>
             </a:extLst>
           </p:cNvPr>
@@ -24602,7 +24735,7 @@
           <p:cNvPr id="77" name="Rectangle 76">
             <a:extLst>
               <a:ext uri="{FF2B5EF4-FFF2-40B4-BE49-F238E27FC236}">
-                <a16:creationId xmlns:a16="http://schemas.microsoft.com/office/drawing/2014/main" id="{7E9D5CCA-B42A-FF53-962B-AF49851E2326}"/>
+                <a16:creationId xmlns:a16="http://schemas.microsoft.com/office/drawing/2014/main" xmlns="" id="{7E9D5CCA-B42A-FF53-962B-AF49851E2326}"/>
               </a:ext>
             </a:extLst>
           </p:cNvPr>
@@ -24661,7 +24794,7 @@
           <p:cNvPr id="78" name="Rectangle 77">
             <a:extLst>
               <a:ext uri="{FF2B5EF4-FFF2-40B4-BE49-F238E27FC236}">
-                <a16:creationId xmlns:a16="http://schemas.microsoft.com/office/drawing/2014/main" id="{6D03AD2A-15EF-C162-9F3D-479E713B477D}"/>
+                <a16:creationId xmlns:a16="http://schemas.microsoft.com/office/drawing/2014/main" xmlns="" id="{6D03AD2A-15EF-C162-9F3D-479E713B477D}"/>
               </a:ext>
             </a:extLst>
           </p:cNvPr>
@@ -24717,7 +24850,7 @@
           <p:cNvPr id="79" name="Rectangle 78">
             <a:extLst>
               <a:ext uri="{FF2B5EF4-FFF2-40B4-BE49-F238E27FC236}">
-                <a16:creationId xmlns:a16="http://schemas.microsoft.com/office/drawing/2014/main" id="{CF51A2F1-CB66-A677-AC7E-965D7AAD5DB8}"/>
+                <a16:creationId xmlns:a16="http://schemas.microsoft.com/office/drawing/2014/main" xmlns="" id="{CF51A2F1-CB66-A677-AC7E-965D7AAD5DB8}"/>
               </a:ext>
             </a:extLst>
           </p:cNvPr>
@@ -24776,7 +24909,7 @@
           <p:cNvPr id="80" name="Rectangle 79">
             <a:extLst>
               <a:ext uri="{FF2B5EF4-FFF2-40B4-BE49-F238E27FC236}">
-                <a16:creationId xmlns:a16="http://schemas.microsoft.com/office/drawing/2014/main" id="{0845B1D6-A7BC-8B48-FFE1-F078773139BC}"/>
+                <a16:creationId xmlns:a16="http://schemas.microsoft.com/office/drawing/2014/main" xmlns="" id="{0845B1D6-A7BC-8B48-FFE1-F078773139BC}"/>
               </a:ext>
             </a:extLst>
           </p:cNvPr>
@@ -24835,7 +24968,7 @@
           <p:cNvPr id="81" name="Rectangle 80">
             <a:extLst>
               <a:ext uri="{FF2B5EF4-FFF2-40B4-BE49-F238E27FC236}">
-                <a16:creationId xmlns:a16="http://schemas.microsoft.com/office/drawing/2014/main" id="{CBA6736C-CCB5-5C0A-E1D1-081730463A88}"/>
+                <a16:creationId xmlns:a16="http://schemas.microsoft.com/office/drawing/2014/main" xmlns="" id="{CBA6736C-CCB5-5C0A-E1D1-081730463A88}"/>
               </a:ext>
             </a:extLst>
           </p:cNvPr>
@@ -24894,7 +25027,7 @@
           <p:cNvPr id="82" name="Rectangle 81">
             <a:extLst>
               <a:ext uri="{FF2B5EF4-FFF2-40B4-BE49-F238E27FC236}">
-                <a16:creationId xmlns:a16="http://schemas.microsoft.com/office/drawing/2014/main" id="{7F352D86-4C1C-218C-0268-855AA6DE57A5}"/>
+                <a16:creationId xmlns:a16="http://schemas.microsoft.com/office/drawing/2014/main" xmlns="" id="{7F352D86-4C1C-218C-0268-855AA6DE57A5}"/>
               </a:ext>
             </a:extLst>
           </p:cNvPr>
@@ -24950,7 +25083,7 @@
           <p:cNvPr id="83" name="Rectangle 82">
             <a:extLst>
               <a:ext uri="{FF2B5EF4-FFF2-40B4-BE49-F238E27FC236}">
-                <a16:creationId xmlns:a16="http://schemas.microsoft.com/office/drawing/2014/main" id="{5B342518-DBB0-D0FA-5B57-3B4CA0243670}"/>
+                <a16:creationId xmlns:a16="http://schemas.microsoft.com/office/drawing/2014/main" xmlns="" id="{5B342518-DBB0-D0FA-5B57-3B4CA0243670}"/>
               </a:ext>
             </a:extLst>
           </p:cNvPr>
@@ -25009,7 +25142,7 @@
           <p:cNvPr id="84" name="Rectangle 83">
             <a:extLst>
               <a:ext uri="{FF2B5EF4-FFF2-40B4-BE49-F238E27FC236}">
-                <a16:creationId xmlns:a16="http://schemas.microsoft.com/office/drawing/2014/main" id="{C9A061F8-0040-C740-31D0-35145B9CEA54}"/>
+                <a16:creationId xmlns:a16="http://schemas.microsoft.com/office/drawing/2014/main" xmlns="" id="{C9A061F8-0040-C740-31D0-35145B9CEA54}"/>
               </a:ext>
             </a:extLst>
           </p:cNvPr>
@@ -25068,7 +25201,7 @@
           <p:cNvPr id="85" name="Rectangle 84">
             <a:extLst>
               <a:ext uri="{FF2B5EF4-FFF2-40B4-BE49-F238E27FC236}">
-                <a16:creationId xmlns:a16="http://schemas.microsoft.com/office/drawing/2014/main" id="{03EB985A-10F1-918C-C715-29C406804018}"/>
+                <a16:creationId xmlns:a16="http://schemas.microsoft.com/office/drawing/2014/main" xmlns="" id="{03EB985A-10F1-918C-C715-29C406804018}"/>
               </a:ext>
             </a:extLst>
           </p:cNvPr>
@@ -25124,7 +25257,7 @@
           <p:cNvPr id="86" name="Rectangle 85">
             <a:extLst>
               <a:ext uri="{FF2B5EF4-FFF2-40B4-BE49-F238E27FC236}">
-                <a16:creationId xmlns:a16="http://schemas.microsoft.com/office/drawing/2014/main" id="{79086D51-F7FF-AC18-323A-886733E0AD13}"/>
+                <a16:creationId xmlns:a16="http://schemas.microsoft.com/office/drawing/2014/main" xmlns="" id="{79086D51-F7FF-AC18-323A-886733E0AD13}"/>
               </a:ext>
             </a:extLst>
           </p:cNvPr>
@@ -25183,7 +25316,7 @@
           <p:cNvPr id="87" name="Rectangle 86">
             <a:extLst>
               <a:ext uri="{FF2B5EF4-FFF2-40B4-BE49-F238E27FC236}">
-                <a16:creationId xmlns:a16="http://schemas.microsoft.com/office/drawing/2014/main" id="{860C5964-DFA9-EC1B-083D-04172E7B8606}"/>
+                <a16:creationId xmlns:a16="http://schemas.microsoft.com/office/drawing/2014/main" xmlns="" id="{860C5964-DFA9-EC1B-083D-04172E7B8606}"/>
               </a:ext>
             </a:extLst>
           </p:cNvPr>
@@ -25242,7 +25375,7 @@
           <p:cNvPr id="88" name="Rectangle 87">
             <a:extLst>
               <a:ext uri="{FF2B5EF4-FFF2-40B4-BE49-F238E27FC236}">
-                <a16:creationId xmlns:a16="http://schemas.microsoft.com/office/drawing/2014/main" id="{C12D0001-E0BD-D71D-B1E7-08DDCA7E3436}"/>
+                <a16:creationId xmlns:a16="http://schemas.microsoft.com/office/drawing/2014/main" xmlns="" id="{C12D0001-E0BD-D71D-B1E7-08DDCA7E3436}"/>
               </a:ext>
             </a:extLst>
           </p:cNvPr>
@@ -25298,7 +25431,7 @@
           <p:cNvPr id="89" name="Rectangle 88">
             <a:extLst>
               <a:ext uri="{FF2B5EF4-FFF2-40B4-BE49-F238E27FC236}">
-                <a16:creationId xmlns:a16="http://schemas.microsoft.com/office/drawing/2014/main" id="{7D359888-4F1E-C5FB-F647-9655BB72339F}"/>
+                <a16:creationId xmlns:a16="http://schemas.microsoft.com/office/drawing/2014/main" xmlns="" id="{7D359888-4F1E-C5FB-F647-9655BB72339F}"/>
               </a:ext>
             </a:extLst>
           </p:cNvPr>
@@ -25357,7 +25490,7 @@
           <p:cNvPr id="90" name="Rectangle 89">
             <a:extLst>
               <a:ext uri="{FF2B5EF4-FFF2-40B4-BE49-F238E27FC236}">
-                <a16:creationId xmlns:a16="http://schemas.microsoft.com/office/drawing/2014/main" id="{89D0B25F-5231-8B9E-FA4F-66BC91B4D409}"/>
+                <a16:creationId xmlns:a16="http://schemas.microsoft.com/office/drawing/2014/main" xmlns="" id="{89D0B25F-5231-8B9E-FA4F-66BC91B4D409}"/>
               </a:ext>
             </a:extLst>
           </p:cNvPr>
@@ -25416,7 +25549,7 @@
           <p:cNvPr id="91" name="Rectangle 90">
             <a:extLst>
               <a:ext uri="{FF2B5EF4-FFF2-40B4-BE49-F238E27FC236}">
-                <a16:creationId xmlns:a16="http://schemas.microsoft.com/office/drawing/2014/main" id="{9D4568F4-5EE0-F73A-2F20-ACA6A57288D7}"/>
+                <a16:creationId xmlns:a16="http://schemas.microsoft.com/office/drawing/2014/main" xmlns="" id="{9D4568F4-5EE0-F73A-2F20-ACA6A57288D7}"/>
               </a:ext>
             </a:extLst>
           </p:cNvPr>
@@ -25472,7 +25605,7 @@
           <p:cNvPr id="92" name="Rectangle 91">
             <a:extLst>
               <a:ext uri="{FF2B5EF4-FFF2-40B4-BE49-F238E27FC236}">
-                <a16:creationId xmlns:a16="http://schemas.microsoft.com/office/drawing/2014/main" id="{97FE8A53-1134-7188-45E0-A0D8A0E2A252}"/>
+                <a16:creationId xmlns:a16="http://schemas.microsoft.com/office/drawing/2014/main" xmlns="" id="{97FE8A53-1134-7188-45E0-A0D8A0E2A252}"/>
               </a:ext>
             </a:extLst>
           </p:cNvPr>
@@ -25531,7 +25664,7 @@
           <p:cNvPr id="93" name="Rectangle 92">
             <a:extLst>
               <a:ext uri="{FF2B5EF4-FFF2-40B4-BE49-F238E27FC236}">
-                <a16:creationId xmlns:a16="http://schemas.microsoft.com/office/drawing/2014/main" id="{177B8B0B-16AD-922C-BE3D-7886201A6E2B}"/>
+                <a16:creationId xmlns:a16="http://schemas.microsoft.com/office/drawing/2014/main" xmlns="" id="{177B8B0B-16AD-922C-BE3D-7886201A6E2B}"/>
               </a:ext>
             </a:extLst>
           </p:cNvPr>
@@ -25590,7 +25723,7 @@
           <p:cNvPr id="94" name="Rectangle 93">
             <a:extLst>
               <a:ext uri="{FF2B5EF4-FFF2-40B4-BE49-F238E27FC236}">
-                <a16:creationId xmlns:a16="http://schemas.microsoft.com/office/drawing/2014/main" id="{59A55FFE-6E8D-853F-4D7B-610709BE1BE8}"/>
+                <a16:creationId xmlns:a16="http://schemas.microsoft.com/office/drawing/2014/main" xmlns="" id="{59A55FFE-6E8D-853F-4D7B-610709BE1BE8}"/>
               </a:ext>
             </a:extLst>
           </p:cNvPr>
@@ -25946,7 +26079,7 @@
   <a:extraClrSchemeLst/>
   <a:extLst>
     <a:ext uri="{05A4C25C-085E-4340-85A3-A5531E510DB2}">
-      <thm15:themeFamily xmlns:thm15="http://schemas.microsoft.com/office/thememl/2012/main" name="Office Theme" id="{62F939B6-93AF-4DB8-9C6B-D6C7DFDC589F}" vid="{4A3C46E8-61CC-4603-A589-7422A47A8E4A}"/>
+      <thm15:themeFamily xmlns:thm15="http://schemas.microsoft.com/office/thememl/2012/main" xmlns="" name="Office Theme" id="{62F939B6-93AF-4DB8-9C6B-D6C7DFDC589F}" vid="{4A3C46E8-61CC-4603-A589-7422A47A8E4A}"/>
     </a:ext>
   </a:extLst>
 </a:theme>
@@ -26241,7 +26374,7 @@
   <a:extraClrSchemeLst/>
   <a:extLst>
     <a:ext uri="{05A4C25C-085E-4340-85A3-A5531E510DB2}">
-      <thm15:themeFamily xmlns:thm15="http://schemas.microsoft.com/office/thememl/2012/main" name="Office Theme" id="{62F939B6-93AF-4DB8-9C6B-D6C7DFDC589F}" vid="{4A3C46E8-61CC-4603-A589-7422A47A8E4A}"/>
+      <thm15:themeFamily xmlns:thm15="http://schemas.microsoft.com/office/thememl/2012/main" xmlns="" name="Office Theme" id="{62F939B6-93AF-4DB8-9C6B-D6C7DFDC589F}" vid="{4A3C46E8-61CC-4603-A589-7422A47A8E4A}"/>
     </a:ext>
   </a:extLst>
 </a:theme>

--- a/Villou_MIDI_TO_DMX_vAnniv/doc/Description.pptx
+++ b/Villou_MIDI_TO_DMX_vAnniv/doc/Description.pptx
@@ -116,7 +116,7 @@
   </p:defaultTextStyle>
   <p:extLst>
     <p:ext uri="{EFAFB233-063F-42B5-8137-9DF3F51BA10A}">
-      <p15:sldGuideLst xmlns:p15="http://schemas.microsoft.com/office/powerpoint/2012/main" xmlns=""/>
+      <p15:sldGuideLst xmlns="" xmlns:p15="http://schemas.microsoft.com/office/powerpoint/2012/main"/>
     </p:ext>
   </p:extLst>
 </p:presentation>
@@ -204,7 +204,7 @@
           <a:p>
             <a:fld id="{BCCC2FA3-AF76-4296-BBD8-4FE46FDC6049}" type="datetimeFigureOut">
               <a:rPr lang="fr-FR" smtClean="0"/>
-              <a:t>06/06/2023</a:t>
+              <a:t>08/06/2023</a:t>
             </a:fld>
             <a:endParaRPr lang="fr-FR"/>
           </a:p>
@@ -577,7 +577,7 @@
           <p:cNvPr id="2" name="Titre 1">
             <a:extLst>
               <a:ext uri="{FF2B5EF4-FFF2-40B4-BE49-F238E27FC236}">
-                <a16:creationId xmlns:a16="http://schemas.microsoft.com/office/drawing/2014/main" xmlns="" id="{2545D8C5-5B09-4276-A0E8-3D47711BF8C4}"/>
+                <a16:creationId xmlns="" xmlns:a16="http://schemas.microsoft.com/office/drawing/2014/main" id="{2545D8C5-5B09-4276-A0E8-3D47711BF8C4}"/>
               </a:ext>
             </a:extLst>
           </p:cNvPr>
@@ -614,7 +614,7 @@
           <p:cNvPr id="3" name="Sous-titre 2">
             <a:extLst>
               <a:ext uri="{FF2B5EF4-FFF2-40B4-BE49-F238E27FC236}">
-                <a16:creationId xmlns:a16="http://schemas.microsoft.com/office/drawing/2014/main" xmlns="" id="{1700DFA3-3567-4C80-B47B-1607AF11ACE2}"/>
+                <a16:creationId xmlns="" xmlns:a16="http://schemas.microsoft.com/office/drawing/2014/main" id="{1700DFA3-3567-4C80-B47B-1607AF11ACE2}"/>
               </a:ext>
             </a:extLst>
           </p:cNvPr>
@@ -684,7 +684,7 @@
           <p:cNvPr id="4" name="Espace réservé de la date 3">
             <a:extLst>
               <a:ext uri="{FF2B5EF4-FFF2-40B4-BE49-F238E27FC236}">
-                <a16:creationId xmlns:a16="http://schemas.microsoft.com/office/drawing/2014/main" xmlns="" id="{9C4A9DDA-1304-482A-85F2-F7F599A347B6}"/>
+                <a16:creationId xmlns="" xmlns:a16="http://schemas.microsoft.com/office/drawing/2014/main" id="{9C4A9DDA-1304-482A-85F2-F7F599A347B6}"/>
               </a:ext>
             </a:extLst>
           </p:cNvPr>
@@ -702,7 +702,7 @@
           <a:p>
             <a:fld id="{22DA2507-32C4-47C5-A245-63452B7A5ADE}" type="datetimeFigureOut">
               <a:rPr lang="fr-FR" smtClean="0"/>
-              <a:t>06/06/2023</a:t>
+              <a:t>08/06/2023</a:t>
             </a:fld>
             <a:endParaRPr lang="fr-FR"/>
           </a:p>
@@ -713,7 +713,7 @@
           <p:cNvPr id="5" name="Espace réservé du pied de page 4">
             <a:extLst>
               <a:ext uri="{FF2B5EF4-FFF2-40B4-BE49-F238E27FC236}">
-                <a16:creationId xmlns:a16="http://schemas.microsoft.com/office/drawing/2014/main" xmlns="" id="{551F56C6-2A46-4422-A0BB-D3E6B060BA33}"/>
+                <a16:creationId xmlns="" xmlns:a16="http://schemas.microsoft.com/office/drawing/2014/main" id="{551F56C6-2A46-4422-A0BB-D3E6B060BA33}"/>
               </a:ext>
             </a:extLst>
           </p:cNvPr>
@@ -738,7 +738,7 @@
           <p:cNvPr id="6" name="Espace réservé du numéro de diapositive 5">
             <a:extLst>
               <a:ext uri="{FF2B5EF4-FFF2-40B4-BE49-F238E27FC236}">
-                <a16:creationId xmlns:a16="http://schemas.microsoft.com/office/drawing/2014/main" xmlns="" id="{932C659A-921F-4198-B8E4-16D1C4E5C182}"/>
+                <a16:creationId xmlns="" xmlns:a16="http://schemas.microsoft.com/office/drawing/2014/main" id="{932C659A-921F-4198-B8E4-16D1C4E5C182}"/>
               </a:ext>
             </a:extLst>
           </p:cNvPr>
@@ -797,7 +797,7 @@
           <p:cNvPr id="2" name="Titre 1">
             <a:extLst>
               <a:ext uri="{FF2B5EF4-FFF2-40B4-BE49-F238E27FC236}">
-                <a16:creationId xmlns:a16="http://schemas.microsoft.com/office/drawing/2014/main" xmlns="" id="{BB047615-2D8D-418C-83A2-E2E5BFD313E8}"/>
+                <a16:creationId xmlns="" xmlns:a16="http://schemas.microsoft.com/office/drawing/2014/main" id="{BB047615-2D8D-418C-83A2-E2E5BFD313E8}"/>
               </a:ext>
             </a:extLst>
           </p:cNvPr>
@@ -825,7 +825,7 @@
           <p:cNvPr id="3" name="Espace réservé du texte vertical 2">
             <a:extLst>
               <a:ext uri="{FF2B5EF4-FFF2-40B4-BE49-F238E27FC236}">
-                <a16:creationId xmlns:a16="http://schemas.microsoft.com/office/drawing/2014/main" xmlns="" id="{96F6CEDB-4864-4BDB-8703-2CAE3C8D0EEF}"/>
+                <a16:creationId xmlns="" xmlns:a16="http://schemas.microsoft.com/office/drawing/2014/main" id="{96F6CEDB-4864-4BDB-8703-2CAE3C8D0EEF}"/>
               </a:ext>
             </a:extLst>
           </p:cNvPr>
@@ -882,7 +882,7 @@
           <p:cNvPr id="4" name="Espace réservé de la date 3">
             <a:extLst>
               <a:ext uri="{FF2B5EF4-FFF2-40B4-BE49-F238E27FC236}">
-                <a16:creationId xmlns:a16="http://schemas.microsoft.com/office/drawing/2014/main" xmlns="" id="{1FC49061-EF30-4F26-B821-E7BDB3659205}"/>
+                <a16:creationId xmlns="" xmlns:a16="http://schemas.microsoft.com/office/drawing/2014/main" id="{1FC49061-EF30-4F26-B821-E7BDB3659205}"/>
               </a:ext>
             </a:extLst>
           </p:cNvPr>
@@ -900,7 +900,7 @@
           <a:p>
             <a:fld id="{22DA2507-32C4-47C5-A245-63452B7A5ADE}" type="datetimeFigureOut">
               <a:rPr lang="fr-FR" smtClean="0"/>
-              <a:t>06/06/2023</a:t>
+              <a:t>08/06/2023</a:t>
             </a:fld>
             <a:endParaRPr lang="fr-FR"/>
           </a:p>
@@ -911,7 +911,7 @@
           <p:cNvPr id="5" name="Espace réservé du pied de page 4">
             <a:extLst>
               <a:ext uri="{FF2B5EF4-FFF2-40B4-BE49-F238E27FC236}">
-                <a16:creationId xmlns:a16="http://schemas.microsoft.com/office/drawing/2014/main" xmlns="" id="{6CA67E49-5DAF-46C9-86CB-DE1374FEE980}"/>
+                <a16:creationId xmlns="" xmlns:a16="http://schemas.microsoft.com/office/drawing/2014/main" id="{6CA67E49-5DAF-46C9-86CB-DE1374FEE980}"/>
               </a:ext>
             </a:extLst>
           </p:cNvPr>
@@ -936,7 +936,7 @@
           <p:cNvPr id="6" name="Espace réservé du numéro de diapositive 5">
             <a:extLst>
               <a:ext uri="{FF2B5EF4-FFF2-40B4-BE49-F238E27FC236}">
-                <a16:creationId xmlns:a16="http://schemas.microsoft.com/office/drawing/2014/main" xmlns="" id="{362D19A4-A189-4B66-8525-9BBACBE332CC}"/>
+                <a16:creationId xmlns="" xmlns:a16="http://schemas.microsoft.com/office/drawing/2014/main" id="{362D19A4-A189-4B66-8525-9BBACBE332CC}"/>
               </a:ext>
             </a:extLst>
           </p:cNvPr>
@@ -995,7 +995,7 @@
           <p:cNvPr id="2" name="Titre vertical 1">
             <a:extLst>
               <a:ext uri="{FF2B5EF4-FFF2-40B4-BE49-F238E27FC236}">
-                <a16:creationId xmlns:a16="http://schemas.microsoft.com/office/drawing/2014/main" xmlns="" id="{83870ABD-1D4F-401C-B56E-D81F0500A4A4}"/>
+                <a16:creationId xmlns="" xmlns:a16="http://schemas.microsoft.com/office/drawing/2014/main" id="{83870ABD-1D4F-401C-B56E-D81F0500A4A4}"/>
               </a:ext>
             </a:extLst>
           </p:cNvPr>
@@ -1028,7 +1028,7 @@
           <p:cNvPr id="3" name="Espace réservé du texte vertical 2">
             <a:extLst>
               <a:ext uri="{FF2B5EF4-FFF2-40B4-BE49-F238E27FC236}">
-                <a16:creationId xmlns:a16="http://schemas.microsoft.com/office/drawing/2014/main" xmlns="" id="{E13CA938-08D9-4D7C-AC01-076F577A69F2}"/>
+                <a16:creationId xmlns="" xmlns:a16="http://schemas.microsoft.com/office/drawing/2014/main" id="{E13CA938-08D9-4D7C-AC01-076F577A69F2}"/>
               </a:ext>
             </a:extLst>
           </p:cNvPr>
@@ -1090,7 +1090,7 @@
           <p:cNvPr id="4" name="Espace réservé de la date 3">
             <a:extLst>
               <a:ext uri="{FF2B5EF4-FFF2-40B4-BE49-F238E27FC236}">
-                <a16:creationId xmlns:a16="http://schemas.microsoft.com/office/drawing/2014/main" xmlns="" id="{B2920290-F0BF-4C1B-9980-1B5F8D3C2CC4}"/>
+                <a16:creationId xmlns="" xmlns:a16="http://schemas.microsoft.com/office/drawing/2014/main" id="{B2920290-F0BF-4C1B-9980-1B5F8D3C2CC4}"/>
               </a:ext>
             </a:extLst>
           </p:cNvPr>
@@ -1108,7 +1108,7 @@
           <a:p>
             <a:fld id="{22DA2507-32C4-47C5-A245-63452B7A5ADE}" type="datetimeFigureOut">
               <a:rPr lang="fr-FR" smtClean="0"/>
-              <a:t>06/06/2023</a:t>
+              <a:t>08/06/2023</a:t>
             </a:fld>
             <a:endParaRPr lang="fr-FR"/>
           </a:p>
@@ -1119,7 +1119,7 @@
           <p:cNvPr id="5" name="Espace réservé du pied de page 4">
             <a:extLst>
               <a:ext uri="{FF2B5EF4-FFF2-40B4-BE49-F238E27FC236}">
-                <a16:creationId xmlns:a16="http://schemas.microsoft.com/office/drawing/2014/main" xmlns="" id="{621B5CC4-3087-4E20-9D47-7859921CF2DC}"/>
+                <a16:creationId xmlns="" xmlns:a16="http://schemas.microsoft.com/office/drawing/2014/main" id="{621B5CC4-3087-4E20-9D47-7859921CF2DC}"/>
               </a:ext>
             </a:extLst>
           </p:cNvPr>
@@ -1144,7 +1144,7 @@
           <p:cNvPr id="6" name="Espace réservé du numéro de diapositive 5">
             <a:extLst>
               <a:ext uri="{FF2B5EF4-FFF2-40B4-BE49-F238E27FC236}">
-                <a16:creationId xmlns:a16="http://schemas.microsoft.com/office/drawing/2014/main" xmlns="" id="{22C472A0-BED2-44D6-A8DE-6E954D75E443}"/>
+                <a16:creationId xmlns="" xmlns:a16="http://schemas.microsoft.com/office/drawing/2014/main" id="{22C472A0-BED2-44D6-A8DE-6E954D75E443}"/>
               </a:ext>
             </a:extLst>
           </p:cNvPr>
@@ -1203,7 +1203,7 @@
           <p:cNvPr id="2" name="Titre 1">
             <a:extLst>
               <a:ext uri="{FF2B5EF4-FFF2-40B4-BE49-F238E27FC236}">
-                <a16:creationId xmlns:a16="http://schemas.microsoft.com/office/drawing/2014/main" xmlns="" id="{5455BB09-161B-4A0E-8DDC-BDD2DD2BED30}"/>
+                <a16:creationId xmlns="" xmlns:a16="http://schemas.microsoft.com/office/drawing/2014/main" id="{5455BB09-161B-4A0E-8DDC-BDD2DD2BED30}"/>
               </a:ext>
             </a:extLst>
           </p:cNvPr>
@@ -1231,7 +1231,7 @@
           <p:cNvPr id="3" name="Espace réservé du contenu 2">
             <a:extLst>
               <a:ext uri="{FF2B5EF4-FFF2-40B4-BE49-F238E27FC236}">
-                <a16:creationId xmlns:a16="http://schemas.microsoft.com/office/drawing/2014/main" xmlns="" id="{1A83EAD6-1BD0-402A-863B-62C442BC6EA4}"/>
+                <a16:creationId xmlns="" xmlns:a16="http://schemas.microsoft.com/office/drawing/2014/main" id="{1A83EAD6-1BD0-402A-863B-62C442BC6EA4}"/>
               </a:ext>
             </a:extLst>
           </p:cNvPr>
@@ -1288,7 +1288,7 @@
           <p:cNvPr id="4" name="Espace réservé de la date 3">
             <a:extLst>
               <a:ext uri="{FF2B5EF4-FFF2-40B4-BE49-F238E27FC236}">
-                <a16:creationId xmlns:a16="http://schemas.microsoft.com/office/drawing/2014/main" xmlns="" id="{0DE9E32F-51ED-4C2E-BB09-ABC19A35E0CC}"/>
+                <a16:creationId xmlns="" xmlns:a16="http://schemas.microsoft.com/office/drawing/2014/main" id="{0DE9E32F-51ED-4C2E-BB09-ABC19A35E0CC}"/>
               </a:ext>
             </a:extLst>
           </p:cNvPr>
@@ -1306,7 +1306,7 @@
           <a:p>
             <a:fld id="{22DA2507-32C4-47C5-A245-63452B7A5ADE}" type="datetimeFigureOut">
               <a:rPr lang="fr-FR" smtClean="0"/>
-              <a:t>06/06/2023</a:t>
+              <a:t>08/06/2023</a:t>
             </a:fld>
             <a:endParaRPr lang="fr-FR"/>
           </a:p>
@@ -1317,7 +1317,7 @@
           <p:cNvPr id="5" name="Espace réservé du pied de page 4">
             <a:extLst>
               <a:ext uri="{FF2B5EF4-FFF2-40B4-BE49-F238E27FC236}">
-                <a16:creationId xmlns:a16="http://schemas.microsoft.com/office/drawing/2014/main" xmlns="" id="{4D35B353-375A-4BD0-BE24-0ED6EE090E7D}"/>
+                <a16:creationId xmlns="" xmlns:a16="http://schemas.microsoft.com/office/drawing/2014/main" id="{4D35B353-375A-4BD0-BE24-0ED6EE090E7D}"/>
               </a:ext>
             </a:extLst>
           </p:cNvPr>
@@ -1342,7 +1342,7 @@
           <p:cNvPr id="6" name="Espace réservé du numéro de diapositive 5">
             <a:extLst>
               <a:ext uri="{FF2B5EF4-FFF2-40B4-BE49-F238E27FC236}">
-                <a16:creationId xmlns:a16="http://schemas.microsoft.com/office/drawing/2014/main" xmlns="" id="{E215749F-5F99-48E1-9DAF-59CF41F85667}"/>
+                <a16:creationId xmlns="" xmlns:a16="http://schemas.microsoft.com/office/drawing/2014/main" id="{E215749F-5F99-48E1-9DAF-59CF41F85667}"/>
               </a:ext>
             </a:extLst>
           </p:cNvPr>
@@ -1401,7 +1401,7 @@
           <p:cNvPr id="2" name="Titre 1">
             <a:extLst>
               <a:ext uri="{FF2B5EF4-FFF2-40B4-BE49-F238E27FC236}">
-                <a16:creationId xmlns:a16="http://schemas.microsoft.com/office/drawing/2014/main" xmlns="" id="{C1B4B06D-71E7-42E9-8EFE-B7F6862E8A3B}"/>
+                <a16:creationId xmlns="" xmlns:a16="http://schemas.microsoft.com/office/drawing/2014/main" id="{C1B4B06D-71E7-42E9-8EFE-B7F6862E8A3B}"/>
               </a:ext>
             </a:extLst>
           </p:cNvPr>
@@ -1438,7 +1438,7 @@
           <p:cNvPr id="3" name="Espace réservé du texte 2">
             <a:extLst>
               <a:ext uri="{FF2B5EF4-FFF2-40B4-BE49-F238E27FC236}">
-                <a16:creationId xmlns:a16="http://schemas.microsoft.com/office/drawing/2014/main" xmlns="" id="{D2284505-7CAB-4FD4-A600-F918A86A991E}"/>
+                <a16:creationId xmlns="" xmlns:a16="http://schemas.microsoft.com/office/drawing/2014/main" id="{D2284505-7CAB-4FD4-A600-F918A86A991E}"/>
               </a:ext>
             </a:extLst>
           </p:cNvPr>
@@ -1563,7 +1563,7 @@
           <p:cNvPr id="4" name="Espace réservé de la date 3">
             <a:extLst>
               <a:ext uri="{FF2B5EF4-FFF2-40B4-BE49-F238E27FC236}">
-                <a16:creationId xmlns:a16="http://schemas.microsoft.com/office/drawing/2014/main" xmlns="" id="{499B60EA-5155-4DFD-A4C0-54B17D364B55}"/>
+                <a16:creationId xmlns="" xmlns:a16="http://schemas.microsoft.com/office/drawing/2014/main" id="{499B60EA-5155-4DFD-A4C0-54B17D364B55}"/>
               </a:ext>
             </a:extLst>
           </p:cNvPr>
@@ -1581,7 +1581,7 @@
           <a:p>
             <a:fld id="{22DA2507-32C4-47C5-A245-63452B7A5ADE}" type="datetimeFigureOut">
               <a:rPr lang="fr-FR" smtClean="0"/>
-              <a:t>06/06/2023</a:t>
+              <a:t>08/06/2023</a:t>
             </a:fld>
             <a:endParaRPr lang="fr-FR"/>
           </a:p>
@@ -1592,7 +1592,7 @@
           <p:cNvPr id="5" name="Espace réservé du pied de page 4">
             <a:extLst>
               <a:ext uri="{FF2B5EF4-FFF2-40B4-BE49-F238E27FC236}">
-                <a16:creationId xmlns:a16="http://schemas.microsoft.com/office/drawing/2014/main" xmlns="" id="{F4E37792-BC20-4D89-B4BB-4C18BC145F6E}"/>
+                <a16:creationId xmlns="" xmlns:a16="http://schemas.microsoft.com/office/drawing/2014/main" id="{F4E37792-BC20-4D89-B4BB-4C18BC145F6E}"/>
               </a:ext>
             </a:extLst>
           </p:cNvPr>
@@ -1617,7 +1617,7 @@
           <p:cNvPr id="6" name="Espace réservé du numéro de diapositive 5">
             <a:extLst>
               <a:ext uri="{FF2B5EF4-FFF2-40B4-BE49-F238E27FC236}">
-                <a16:creationId xmlns:a16="http://schemas.microsoft.com/office/drawing/2014/main" xmlns="" id="{C940F0C5-69C9-495D-913B-1883980B219E}"/>
+                <a16:creationId xmlns="" xmlns:a16="http://schemas.microsoft.com/office/drawing/2014/main" id="{C940F0C5-69C9-495D-913B-1883980B219E}"/>
               </a:ext>
             </a:extLst>
           </p:cNvPr>
@@ -1676,7 +1676,7 @@
           <p:cNvPr id="2" name="Titre 1">
             <a:extLst>
               <a:ext uri="{FF2B5EF4-FFF2-40B4-BE49-F238E27FC236}">
-                <a16:creationId xmlns:a16="http://schemas.microsoft.com/office/drawing/2014/main" xmlns="" id="{20EC62D1-4082-4337-B81E-DF91D9C88A57}"/>
+                <a16:creationId xmlns="" xmlns:a16="http://schemas.microsoft.com/office/drawing/2014/main" id="{20EC62D1-4082-4337-B81E-DF91D9C88A57}"/>
               </a:ext>
             </a:extLst>
           </p:cNvPr>
@@ -1704,7 +1704,7 @@
           <p:cNvPr id="3" name="Espace réservé du contenu 2">
             <a:extLst>
               <a:ext uri="{FF2B5EF4-FFF2-40B4-BE49-F238E27FC236}">
-                <a16:creationId xmlns:a16="http://schemas.microsoft.com/office/drawing/2014/main" xmlns="" id="{8D4A3765-A72B-46DF-8288-323290173098}"/>
+                <a16:creationId xmlns="" xmlns:a16="http://schemas.microsoft.com/office/drawing/2014/main" id="{8D4A3765-A72B-46DF-8288-323290173098}"/>
               </a:ext>
             </a:extLst>
           </p:cNvPr>
@@ -1766,7 +1766,7 @@
           <p:cNvPr id="4" name="Espace réservé du contenu 3">
             <a:extLst>
               <a:ext uri="{FF2B5EF4-FFF2-40B4-BE49-F238E27FC236}">
-                <a16:creationId xmlns:a16="http://schemas.microsoft.com/office/drawing/2014/main" xmlns="" id="{DC2BB634-E5D6-4590-B2FF-DDB544A64ABD}"/>
+                <a16:creationId xmlns="" xmlns:a16="http://schemas.microsoft.com/office/drawing/2014/main" id="{DC2BB634-E5D6-4590-B2FF-DDB544A64ABD}"/>
               </a:ext>
             </a:extLst>
           </p:cNvPr>
@@ -1828,7 +1828,7 @@
           <p:cNvPr id="5" name="Espace réservé de la date 4">
             <a:extLst>
               <a:ext uri="{FF2B5EF4-FFF2-40B4-BE49-F238E27FC236}">
-                <a16:creationId xmlns:a16="http://schemas.microsoft.com/office/drawing/2014/main" xmlns="" id="{42001B77-D090-4A82-AF59-958E535200B2}"/>
+                <a16:creationId xmlns="" xmlns:a16="http://schemas.microsoft.com/office/drawing/2014/main" id="{42001B77-D090-4A82-AF59-958E535200B2}"/>
               </a:ext>
             </a:extLst>
           </p:cNvPr>
@@ -1846,7 +1846,7 @@
           <a:p>
             <a:fld id="{22DA2507-32C4-47C5-A245-63452B7A5ADE}" type="datetimeFigureOut">
               <a:rPr lang="fr-FR" smtClean="0"/>
-              <a:t>06/06/2023</a:t>
+              <a:t>08/06/2023</a:t>
             </a:fld>
             <a:endParaRPr lang="fr-FR"/>
           </a:p>
@@ -1857,7 +1857,7 @@
           <p:cNvPr id="6" name="Espace réservé du pied de page 5">
             <a:extLst>
               <a:ext uri="{FF2B5EF4-FFF2-40B4-BE49-F238E27FC236}">
-                <a16:creationId xmlns:a16="http://schemas.microsoft.com/office/drawing/2014/main" xmlns="" id="{63027CE3-5A13-4EBF-858E-33E727050EEB}"/>
+                <a16:creationId xmlns="" xmlns:a16="http://schemas.microsoft.com/office/drawing/2014/main" id="{63027CE3-5A13-4EBF-858E-33E727050EEB}"/>
               </a:ext>
             </a:extLst>
           </p:cNvPr>
@@ -1882,7 +1882,7 @@
           <p:cNvPr id="7" name="Espace réservé du numéro de diapositive 6">
             <a:extLst>
               <a:ext uri="{FF2B5EF4-FFF2-40B4-BE49-F238E27FC236}">
-                <a16:creationId xmlns:a16="http://schemas.microsoft.com/office/drawing/2014/main" xmlns="" id="{7A4E6FA9-D4FA-4086-881C-88182F631A9B}"/>
+                <a16:creationId xmlns="" xmlns:a16="http://schemas.microsoft.com/office/drawing/2014/main" id="{7A4E6FA9-D4FA-4086-881C-88182F631A9B}"/>
               </a:ext>
             </a:extLst>
           </p:cNvPr>
@@ -1941,7 +1941,7 @@
           <p:cNvPr id="2" name="Titre 1">
             <a:extLst>
               <a:ext uri="{FF2B5EF4-FFF2-40B4-BE49-F238E27FC236}">
-                <a16:creationId xmlns:a16="http://schemas.microsoft.com/office/drawing/2014/main" xmlns="" id="{79092A0B-3913-41BE-A53D-03D40BB62893}"/>
+                <a16:creationId xmlns="" xmlns:a16="http://schemas.microsoft.com/office/drawing/2014/main" id="{79092A0B-3913-41BE-A53D-03D40BB62893}"/>
               </a:ext>
             </a:extLst>
           </p:cNvPr>
@@ -1974,7 +1974,7 @@
           <p:cNvPr id="3" name="Espace réservé du texte 2">
             <a:extLst>
               <a:ext uri="{FF2B5EF4-FFF2-40B4-BE49-F238E27FC236}">
-                <a16:creationId xmlns:a16="http://schemas.microsoft.com/office/drawing/2014/main" xmlns="" id="{062A5F56-A9F4-4BBF-8AC7-8FF442263FB2}"/>
+                <a16:creationId xmlns="" xmlns:a16="http://schemas.microsoft.com/office/drawing/2014/main" id="{062A5F56-A9F4-4BBF-8AC7-8FF442263FB2}"/>
               </a:ext>
             </a:extLst>
           </p:cNvPr>
@@ -2045,7 +2045,7 @@
           <p:cNvPr id="4" name="Espace réservé du contenu 3">
             <a:extLst>
               <a:ext uri="{FF2B5EF4-FFF2-40B4-BE49-F238E27FC236}">
-                <a16:creationId xmlns:a16="http://schemas.microsoft.com/office/drawing/2014/main" xmlns="" id="{01893A08-69B4-4126-92AD-E951E6A22646}"/>
+                <a16:creationId xmlns="" xmlns:a16="http://schemas.microsoft.com/office/drawing/2014/main" id="{01893A08-69B4-4126-92AD-E951E6A22646}"/>
               </a:ext>
             </a:extLst>
           </p:cNvPr>
@@ -2107,7 +2107,7 @@
           <p:cNvPr id="5" name="Espace réservé du texte 4">
             <a:extLst>
               <a:ext uri="{FF2B5EF4-FFF2-40B4-BE49-F238E27FC236}">
-                <a16:creationId xmlns:a16="http://schemas.microsoft.com/office/drawing/2014/main" xmlns="" id="{3CCB9193-468B-4B9D-B46B-5707B9500CCA}"/>
+                <a16:creationId xmlns="" xmlns:a16="http://schemas.microsoft.com/office/drawing/2014/main" id="{3CCB9193-468B-4B9D-B46B-5707B9500CCA}"/>
               </a:ext>
             </a:extLst>
           </p:cNvPr>
@@ -2178,7 +2178,7 @@
           <p:cNvPr id="6" name="Espace réservé du contenu 5">
             <a:extLst>
               <a:ext uri="{FF2B5EF4-FFF2-40B4-BE49-F238E27FC236}">
-                <a16:creationId xmlns:a16="http://schemas.microsoft.com/office/drawing/2014/main" xmlns="" id="{9F8E9E1D-61F8-4330-9E2E-350281A8DE4C}"/>
+                <a16:creationId xmlns="" xmlns:a16="http://schemas.microsoft.com/office/drawing/2014/main" id="{9F8E9E1D-61F8-4330-9E2E-350281A8DE4C}"/>
               </a:ext>
             </a:extLst>
           </p:cNvPr>
@@ -2240,7 +2240,7 @@
           <p:cNvPr id="7" name="Espace réservé de la date 6">
             <a:extLst>
               <a:ext uri="{FF2B5EF4-FFF2-40B4-BE49-F238E27FC236}">
-                <a16:creationId xmlns:a16="http://schemas.microsoft.com/office/drawing/2014/main" xmlns="" id="{59CC3C63-64D5-4F5E-87CC-5287466BAAE0}"/>
+                <a16:creationId xmlns="" xmlns:a16="http://schemas.microsoft.com/office/drawing/2014/main" id="{59CC3C63-64D5-4F5E-87CC-5287466BAAE0}"/>
               </a:ext>
             </a:extLst>
           </p:cNvPr>
@@ -2258,7 +2258,7 @@
           <a:p>
             <a:fld id="{22DA2507-32C4-47C5-A245-63452B7A5ADE}" type="datetimeFigureOut">
               <a:rPr lang="fr-FR" smtClean="0"/>
-              <a:t>06/06/2023</a:t>
+              <a:t>08/06/2023</a:t>
             </a:fld>
             <a:endParaRPr lang="fr-FR"/>
           </a:p>
@@ -2269,7 +2269,7 @@
           <p:cNvPr id="8" name="Espace réservé du pied de page 7">
             <a:extLst>
               <a:ext uri="{FF2B5EF4-FFF2-40B4-BE49-F238E27FC236}">
-                <a16:creationId xmlns:a16="http://schemas.microsoft.com/office/drawing/2014/main" xmlns="" id="{9FA2CEE6-A0EF-47B1-9114-1C15B1A9BBFE}"/>
+                <a16:creationId xmlns="" xmlns:a16="http://schemas.microsoft.com/office/drawing/2014/main" id="{9FA2CEE6-A0EF-47B1-9114-1C15B1A9BBFE}"/>
               </a:ext>
             </a:extLst>
           </p:cNvPr>
@@ -2294,7 +2294,7 @@
           <p:cNvPr id="9" name="Espace réservé du numéro de diapositive 8">
             <a:extLst>
               <a:ext uri="{FF2B5EF4-FFF2-40B4-BE49-F238E27FC236}">
-                <a16:creationId xmlns:a16="http://schemas.microsoft.com/office/drawing/2014/main" xmlns="" id="{B49BFA1D-304F-41DA-BCFA-D79A122B25DD}"/>
+                <a16:creationId xmlns="" xmlns:a16="http://schemas.microsoft.com/office/drawing/2014/main" id="{B49BFA1D-304F-41DA-BCFA-D79A122B25DD}"/>
               </a:ext>
             </a:extLst>
           </p:cNvPr>
@@ -2353,7 +2353,7 @@
           <p:cNvPr id="2" name="Titre 1">
             <a:extLst>
               <a:ext uri="{FF2B5EF4-FFF2-40B4-BE49-F238E27FC236}">
-                <a16:creationId xmlns:a16="http://schemas.microsoft.com/office/drawing/2014/main" xmlns="" id="{1A0490A0-51AB-4647-A91F-CEB42D2484F0}"/>
+                <a16:creationId xmlns="" xmlns:a16="http://schemas.microsoft.com/office/drawing/2014/main" id="{1A0490A0-51AB-4647-A91F-CEB42D2484F0}"/>
               </a:ext>
             </a:extLst>
           </p:cNvPr>
@@ -2381,7 +2381,7 @@
           <p:cNvPr id="3" name="Espace réservé de la date 2">
             <a:extLst>
               <a:ext uri="{FF2B5EF4-FFF2-40B4-BE49-F238E27FC236}">
-                <a16:creationId xmlns:a16="http://schemas.microsoft.com/office/drawing/2014/main" xmlns="" id="{6F8F42AE-B75B-41D6-B9F4-00D5155B9C81}"/>
+                <a16:creationId xmlns="" xmlns:a16="http://schemas.microsoft.com/office/drawing/2014/main" id="{6F8F42AE-B75B-41D6-B9F4-00D5155B9C81}"/>
               </a:ext>
             </a:extLst>
           </p:cNvPr>
@@ -2399,7 +2399,7 @@
           <a:p>
             <a:fld id="{22DA2507-32C4-47C5-A245-63452B7A5ADE}" type="datetimeFigureOut">
               <a:rPr lang="fr-FR" smtClean="0"/>
-              <a:t>06/06/2023</a:t>
+              <a:t>08/06/2023</a:t>
             </a:fld>
             <a:endParaRPr lang="fr-FR"/>
           </a:p>
@@ -2410,7 +2410,7 @@
           <p:cNvPr id="4" name="Espace réservé du pied de page 3">
             <a:extLst>
               <a:ext uri="{FF2B5EF4-FFF2-40B4-BE49-F238E27FC236}">
-                <a16:creationId xmlns:a16="http://schemas.microsoft.com/office/drawing/2014/main" xmlns="" id="{566D9B56-F0A0-4B92-8F69-8BC45ECF34A5}"/>
+                <a16:creationId xmlns="" xmlns:a16="http://schemas.microsoft.com/office/drawing/2014/main" id="{566D9B56-F0A0-4B92-8F69-8BC45ECF34A5}"/>
               </a:ext>
             </a:extLst>
           </p:cNvPr>
@@ -2435,7 +2435,7 @@
           <p:cNvPr id="5" name="Espace réservé du numéro de diapositive 4">
             <a:extLst>
               <a:ext uri="{FF2B5EF4-FFF2-40B4-BE49-F238E27FC236}">
-                <a16:creationId xmlns:a16="http://schemas.microsoft.com/office/drawing/2014/main" xmlns="" id="{13685604-A7FB-4B44-A5FB-7F29B50C1EB5}"/>
+                <a16:creationId xmlns="" xmlns:a16="http://schemas.microsoft.com/office/drawing/2014/main" id="{13685604-A7FB-4B44-A5FB-7F29B50C1EB5}"/>
               </a:ext>
             </a:extLst>
           </p:cNvPr>
@@ -2494,7 +2494,7 @@
           <p:cNvPr id="2" name="Espace réservé de la date 1">
             <a:extLst>
               <a:ext uri="{FF2B5EF4-FFF2-40B4-BE49-F238E27FC236}">
-                <a16:creationId xmlns:a16="http://schemas.microsoft.com/office/drawing/2014/main" xmlns="" id="{A676A319-CD26-41E5-84EF-F9AE4F87833A}"/>
+                <a16:creationId xmlns="" xmlns:a16="http://schemas.microsoft.com/office/drawing/2014/main" id="{A676A319-CD26-41E5-84EF-F9AE4F87833A}"/>
               </a:ext>
             </a:extLst>
           </p:cNvPr>
@@ -2512,7 +2512,7 @@
           <a:p>
             <a:fld id="{22DA2507-32C4-47C5-A245-63452B7A5ADE}" type="datetimeFigureOut">
               <a:rPr lang="fr-FR" smtClean="0"/>
-              <a:t>06/06/2023</a:t>
+              <a:t>08/06/2023</a:t>
             </a:fld>
             <a:endParaRPr lang="fr-FR"/>
           </a:p>
@@ -2523,7 +2523,7 @@
           <p:cNvPr id="3" name="Espace réservé du pied de page 2">
             <a:extLst>
               <a:ext uri="{FF2B5EF4-FFF2-40B4-BE49-F238E27FC236}">
-                <a16:creationId xmlns:a16="http://schemas.microsoft.com/office/drawing/2014/main" xmlns="" id="{A5202B48-8B01-4E53-A8A4-AD4D2A9B4370}"/>
+                <a16:creationId xmlns="" xmlns:a16="http://schemas.microsoft.com/office/drawing/2014/main" id="{A5202B48-8B01-4E53-A8A4-AD4D2A9B4370}"/>
               </a:ext>
             </a:extLst>
           </p:cNvPr>
@@ -2548,7 +2548,7 @@
           <p:cNvPr id="4" name="Espace réservé du numéro de diapositive 3">
             <a:extLst>
               <a:ext uri="{FF2B5EF4-FFF2-40B4-BE49-F238E27FC236}">
-                <a16:creationId xmlns:a16="http://schemas.microsoft.com/office/drawing/2014/main" xmlns="" id="{DE4C8D4A-9CC6-498E-93E2-03AA4A69B3DF}"/>
+                <a16:creationId xmlns="" xmlns:a16="http://schemas.microsoft.com/office/drawing/2014/main" id="{DE4C8D4A-9CC6-498E-93E2-03AA4A69B3DF}"/>
               </a:ext>
             </a:extLst>
           </p:cNvPr>
@@ -2607,7 +2607,7 @@
           <p:cNvPr id="2" name="Titre 1">
             <a:extLst>
               <a:ext uri="{FF2B5EF4-FFF2-40B4-BE49-F238E27FC236}">
-                <a16:creationId xmlns:a16="http://schemas.microsoft.com/office/drawing/2014/main" xmlns="" id="{8474FF50-5803-420A-8FC3-F5C557DE7040}"/>
+                <a16:creationId xmlns="" xmlns:a16="http://schemas.microsoft.com/office/drawing/2014/main" id="{8474FF50-5803-420A-8FC3-F5C557DE7040}"/>
               </a:ext>
             </a:extLst>
           </p:cNvPr>
@@ -2644,7 +2644,7 @@
           <p:cNvPr id="3" name="Espace réservé du contenu 2">
             <a:extLst>
               <a:ext uri="{FF2B5EF4-FFF2-40B4-BE49-F238E27FC236}">
-                <a16:creationId xmlns:a16="http://schemas.microsoft.com/office/drawing/2014/main" xmlns="" id="{5E0FBD1B-483C-46F8-8CE8-960EA33F35C7}"/>
+                <a16:creationId xmlns="" xmlns:a16="http://schemas.microsoft.com/office/drawing/2014/main" id="{5E0FBD1B-483C-46F8-8CE8-960EA33F35C7}"/>
               </a:ext>
             </a:extLst>
           </p:cNvPr>
@@ -2734,7 +2734,7 @@
           <p:cNvPr id="4" name="Espace réservé du texte 3">
             <a:extLst>
               <a:ext uri="{FF2B5EF4-FFF2-40B4-BE49-F238E27FC236}">
-                <a16:creationId xmlns:a16="http://schemas.microsoft.com/office/drawing/2014/main" xmlns="" id="{C37B126A-9C99-46FB-AA78-9AE1F7851918}"/>
+                <a16:creationId xmlns="" xmlns:a16="http://schemas.microsoft.com/office/drawing/2014/main" id="{C37B126A-9C99-46FB-AA78-9AE1F7851918}"/>
               </a:ext>
             </a:extLst>
           </p:cNvPr>
@@ -2805,7 +2805,7 @@
           <p:cNvPr id="5" name="Espace réservé de la date 4">
             <a:extLst>
               <a:ext uri="{FF2B5EF4-FFF2-40B4-BE49-F238E27FC236}">
-                <a16:creationId xmlns:a16="http://schemas.microsoft.com/office/drawing/2014/main" xmlns="" id="{4B28F21C-2AF4-458E-A0D5-7BECA27D3047}"/>
+                <a16:creationId xmlns="" xmlns:a16="http://schemas.microsoft.com/office/drawing/2014/main" id="{4B28F21C-2AF4-458E-A0D5-7BECA27D3047}"/>
               </a:ext>
             </a:extLst>
           </p:cNvPr>
@@ -2823,7 +2823,7 @@
           <a:p>
             <a:fld id="{22DA2507-32C4-47C5-A245-63452B7A5ADE}" type="datetimeFigureOut">
               <a:rPr lang="fr-FR" smtClean="0"/>
-              <a:t>06/06/2023</a:t>
+              <a:t>08/06/2023</a:t>
             </a:fld>
             <a:endParaRPr lang="fr-FR"/>
           </a:p>
@@ -2834,7 +2834,7 @@
           <p:cNvPr id="6" name="Espace réservé du pied de page 5">
             <a:extLst>
               <a:ext uri="{FF2B5EF4-FFF2-40B4-BE49-F238E27FC236}">
-                <a16:creationId xmlns:a16="http://schemas.microsoft.com/office/drawing/2014/main" xmlns="" id="{5FE6EAAD-28E3-4F16-BB16-95B554E87962}"/>
+                <a16:creationId xmlns="" xmlns:a16="http://schemas.microsoft.com/office/drawing/2014/main" id="{5FE6EAAD-28E3-4F16-BB16-95B554E87962}"/>
               </a:ext>
             </a:extLst>
           </p:cNvPr>
@@ -2859,7 +2859,7 @@
           <p:cNvPr id="7" name="Espace réservé du numéro de diapositive 6">
             <a:extLst>
               <a:ext uri="{FF2B5EF4-FFF2-40B4-BE49-F238E27FC236}">
-                <a16:creationId xmlns:a16="http://schemas.microsoft.com/office/drawing/2014/main" xmlns="" id="{332F5F01-AD73-4A0A-8415-56E0BAEC1D3C}"/>
+                <a16:creationId xmlns="" xmlns:a16="http://schemas.microsoft.com/office/drawing/2014/main" id="{332F5F01-AD73-4A0A-8415-56E0BAEC1D3C}"/>
               </a:ext>
             </a:extLst>
           </p:cNvPr>
@@ -2918,7 +2918,7 @@
           <p:cNvPr id="2" name="Titre 1">
             <a:extLst>
               <a:ext uri="{FF2B5EF4-FFF2-40B4-BE49-F238E27FC236}">
-                <a16:creationId xmlns:a16="http://schemas.microsoft.com/office/drawing/2014/main" xmlns="" id="{29F8C56B-AD97-4875-95CA-B7318A3EC1CD}"/>
+                <a16:creationId xmlns="" xmlns:a16="http://schemas.microsoft.com/office/drawing/2014/main" id="{29F8C56B-AD97-4875-95CA-B7318A3EC1CD}"/>
               </a:ext>
             </a:extLst>
           </p:cNvPr>
@@ -2955,7 +2955,7 @@
           <p:cNvPr id="3" name="Espace réservé pour une image  2">
             <a:extLst>
               <a:ext uri="{FF2B5EF4-FFF2-40B4-BE49-F238E27FC236}">
-                <a16:creationId xmlns:a16="http://schemas.microsoft.com/office/drawing/2014/main" xmlns="" id="{06BBB428-5A2B-4200-A1E8-9C8B980D1218}"/>
+                <a16:creationId xmlns="" xmlns:a16="http://schemas.microsoft.com/office/drawing/2014/main" id="{06BBB428-5A2B-4200-A1E8-9C8B980D1218}"/>
               </a:ext>
             </a:extLst>
           </p:cNvPr>
@@ -3022,7 +3022,7 @@
           <p:cNvPr id="4" name="Espace réservé du texte 3">
             <a:extLst>
               <a:ext uri="{FF2B5EF4-FFF2-40B4-BE49-F238E27FC236}">
-                <a16:creationId xmlns:a16="http://schemas.microsoft.com/office/drawing/2014/main" xmlns="" id="{D54230A2-1A59-4F07-8747-0A4AF01CC8A4}"/>
+                <a16:creationId xmlns="" xmlns:a16="http://schemas.microsoft.com/office/drawing/2014/main" id="{D54230A2-1A59-4F07-8747-0A4AF01CC8A4}"/>
               </a:ext>
             </a:extLst>
           </p:cNvPr>
@@ -3093,7 +3093,7 @@
           <p:cNvPr id="5" name="Espace réservé de la date 4">
             <a:extLst>
               <a:ext uri="{FF2B5EF4-FFF2-40B4-BE49-F238E27FC236}">
-                <a16:creationId xmlns:a16="http://schemas.microsoft.com/office/drawing/2014/main" xmlns="" id="{8AA96926-7A0B-4F16-A38B-57FBCB5BFE1B}"/>
+                <a16:creationId xmlns="" xmlns:a16="http://schemas.microsoft.com/office/drawing/2014/main" id="{8AA96926-7A0B-4F16-A38B-57FBCB5BFE1B}"/>
               </a:ext>
             </a:extLst>
           </p:cNvPr>
@@ -3111,7 +3111,7 @@
           <a:p>
             <a:fld id="{22DA2507-32C4-47C5-A245-63452B7A5ADE}" type="datetimeFigureOut">
               <a:rPr lang="fr-FR" smtClean="0"/>
-              <a:t>06/06/2023</a:t>
+              <a:t>08/06/2023</a:t>
             </a:fld>
             <a:endParaRPr lang="fr-FR"/>
           </a:p>
@@ -3122,7 +3122,7 @@
           <p:cNvPr id="6" name="Espace réservé du pied de page 5">
             <a:extLst>
               <a:ext uri="{FF2B5EF4-FFF2-40B4-BE49-F238E27FC236}">
-                <a16:creationId xmlns:a16="http://schemas.microsoft.com/office/drawing/2014/main" xmlns="" id="{53DEF704-0BFC-4374-BC41-B1F913B35650}"/>
+                <a16:creationId xmlns="" xmlns:a16="http://schemas.microsoft.com/office/drawing/2014/main" id="{53DEF704-0BFC-4374-BC41-B1F913B35650}"/>
               </a:ext>
             </a:extLst>
           </p:cNvPr>
@@ -3147,7 +3147,7 @@
           <p:cNvPr id="7" name="Espace réservé du numéro de diapositive 6">
             <a:extLst>
               <a:ext uri="{FF2B5EF4-FFF2-40B4-BE49-F238E27FC236}">
-                <a16:creationId xmlns:a16="http://schemas.microsoft.com/office/drawing/2014/main" xmlns="" id="{BE85A88E-DB7D-408A-98C9-D46AEB356CDF}"/>
+                <a16:creationId xmlns="" xmlns:a16="http://schemas.microsoft.com/office/drawing/2014/main" id="{BE85A88E-DB7D-408A-98C9-D46AEB356CDF}"/>
               </a:ext>
             </a:extLst>
           </p:cNvPr>
@@ -3211,7 +3211,7 @@
           <p:cNvPr id="2" name="Espace réservé du titre 1">
             <a:extLst>
               <a:ext uri="{FF2B5EF4-FFF2-40B4-BE49-F238E27FC236}">
-                <a16:creationId xmlns:a16="http://schemas.microsoft.com/office/drawing/2014/main" xmlns="" id="{68FD16CE-4AF2-4183-A110-B92CDAA6CF82}"/>
+                <a16:creationId xmlns="" xmlns:a16="http://schemas.microsoft.com/office/drawing/2014/main" id="{68FD16CE-4AF2-4183-A110-B92CDAA6CF82}"/>
               </a:ext>
             </a:extLst>
           </p:cNvPr>
@@ -3249,7 +3249,7 @@
           <p:cNvPr id="3" name="Espace réservé du texte 2">
             <a:extLst>
               <a:ext uri="{FF2B5EF4-FFF2-40B4-BE49-F238E27FC236}">
-                <a16:creationId xmlns:a16="http://schemas.microsoft.com/office/drawing/2014/main" xmlns="" id="{3E823B4F-8EE9-4ECD-B0F6-C801496C3C0F}"/>
+                <a16:creationId xmlns="" xmlns:a16="http://schemas.microsoft.com/office/drawing/2014/main" id="{3E823B4F-8EE9-4ECD-B0F6-C801496C3C0F}"/>
               </a:ext>
             </a:extLst>
           </p:cNvPr>
@@ -3316,7 +3316,7 @@
           <p:cNvPr id="4" name="Espace réservé de la date 3">
             <a:extLst>
               <a:ext uri="{FF2B5EF4-FFF2-40B4-BE49-F238E27FC236}">
-                <a16:creationId xmlns:a16="http://schemas.microsoft.com/office/drawing/2014/main" xmlns="" id="{353CF5E9-A623-48FB-90A1-3579768B4712}"/>
+                <a16:creationId xmlns="" xmlns:a16="http://schemas.microsoft.com/office/drawing/2014/main" id="{353CF5E9-A623-48FB-90A1-3579768B4712}"/>
               </a:ext>
             </a:extLst>
           </p:cNvPr>
@@ -3352,7 +3352,7 @@
           <a:p>
             <a:fld id="{22DA2507-32C4-47C5-A245-63452B7A5ADE}" type="datetimeFigureOut">
               <a:rPr lang="fr-FR" smtClean="0"/>
-              <a:t>06/06/2023</a:t>
+              <a:t>08/06/2023</a:t>
             </a:fld>
             <a:endParaRPr lang="fr-FR"/>
           </a:p>
@@ -3363,7 +3363,7 @@
           <p:cNvPr id="5" name="Espace réservé du pied de page 4">
             <a:extLst>
               <a:ext uri="{FF2B5EF4-FFF2-40B4-BE49-F238E27FC236}">
-                <a16:creationId xmlns:a16="http://schemas.microsoft.com/office/drawing/2014/main" xmlns="" id="{79F8D5FC-C58E-478B-A36B-C8210516993C}"/>
+                <a16:creationId xmlns="" xmlns:a16="http://schemas.microsoft.com/office/drawing/2014/main" id="{79F8D5FC-C58E-478B-A36B-C8210516993C}"/>
               </a:ext>
             </a:extLst>
           </p:cNvPr>
@@ -3406,7 +3406,7 @@
           <p:cNvPr id="6" name="Espace réservé du numéro de diapositive 5">
             <a:extLst>
               <a:ext uri="{FF2B5EF4-FFF2-40B4-BE49-F238E27FC236}">
-                <a16:creationId xmlns:a16="http://schemas.microsoft.com/office/drawing/2014/main" xmlns="" id="{DE6C7AED-81F3-48BA-B0F3-52FE37CC7F9D}"/>
+                <a16:creationId xmlns="" xmlns:a16="http://schemas.microsoft.com/office/drawing/2014/main" id="{DE6C7AED-81F3-48BA-B0F3-52FE37CC7F9D}"/>
               </a:ext>
             </a:extLst>
           </p:cNvPr>
@@ -3782,7 +3782,7 @@
           <p:cNvPr id="2" name="Titre 1">
             <a:extLst>
               <a:ext uri="{FF2B5EF4-FFF2-40B4-BE49-F238E27FC236}">
-                <a16:creationId xmlns:a16="http://schemas.microsoft.com/office/drawing/2014/main" xmlns="" id="{AD4F0A27-99BB-49D0-9C93-2D3C5186E6B2}"/>
+                <a16:creationId xmlns="" xmlns:a16="http://schemas.microsoft.com/office/drawing/2014/main" id="{AD4F0A27-99BB-49D0-9C93-2D3C5186E6B2}"/>
               </a:ext>
             </a:extLst>
           </p:cNvPr>
@@ -3815,7 +3815,7 @@
           <p:cNvPr id="3" name="Sous-titre 2">
             <a:extLst>
               <a:ext uri="{FF2B5EF4-FFF2-40B4-BE49-F238E27FC236}">
-                <a16:creationId xmlns:a16="http://schemas.microsoft.com/office/drawing/2014/main" xmlns="" id="{B5895DDB-3400-4A36-A688-98CC33D75B68}"/>
+                <a16:creationId xmlns="" xmlns:a16="http://schemas.microsoft.com/office/drawing/2014/main" id="{B5895DDB-3400-4A36-A688-98CC33D75B68}"/>
               </a:ext>
             </a:extLst>
           </p:cNvPr>
@@ -3851,7 +3851,7 @@
           <p:cNvPr id="5" name="Image 4" descr="Une image contenant texte, clipart, lumière&#10;&#10;Description générée automatiquement">
             <a:extLst>
               <a:ext uri="{FF2B5EF4-FFF2-40B4-BE49-F238E27FC236}">
-                <a16:creationId xmlns:a16="http://schemas.microsoft.com/office/drawing/2014/main" xmlns="" id="{F92E366F-A75B-4FBE-95A4-7BE2692FD768}"/>
+                <a16:creationId xmlns="" xmlns:a16="http://schemas.microsoft.com/office/drawing/2014/main" id="{F92E366F-A75B-4FBE-95A4-7BE2692FD768}"/>
               </a:ext>
             </a:extLst>
           </p:cNvPr>
@@ -3925,7 +3925,7 @@
           <p:cNvPr id="2" name="Titre 1">
             <a:extLst>
               <a:ext uri="{FF2B5EF4-FFF2-40B4-BE49-F238E27FC236}">
-                <a16:creationId xmlns:a16="http://schemas.microsoft.com/office/drawing/2014/main" xmlns="" id="{AD4F0A27-99BB-49D0-9C93-2D3C5186E6B2}"/>
+                <a16:creationId xmlns="" xmlns:a16="http://schemas.microsoft.com/office/drawing/2014/main" id="{AD4F0A27-99BB-49D0-9C93-2D3C5186E6B2}"/>
               </a:ext>
             </a:extLst>
           </p:cNvPr>
@@ -3965,7 +3965,7 @@
           <p:cNvPr id="3" name="Sous-titre 2">
             <a:extLst>
               <a:ext uri="{FF2B5EF4-FFF2-40B4-BE49-F238E27FC236}">
-                <a16:creationId xmlns:a16="http://schemas.microsoft.com/office/drawing/2014/main" xmlns="" id="{B5895DDB-3400-4A36-A688-98CC33D75B68}"/>
+                <a16:creationId xmlns="" xmlns:a16="http://schemas.microsoft.com/office/drawing/2014/main" id="{B5895DDB-3400-4A36-A688-98CC33D75B68}"/>
               </a:ext>
             </a:extLst>
           </p:cNvPr>
@@ -4008,7 +4008,7 @@
           <p:cNvPr id="5" name="Image 4" descr="Une image contenant texte, clipart, lumière&#10;&#10;Description générée automatiquement">
             <a:extLst>
               <a:ext uri="{FF2B5EF4-FFF2-40B4-BE49-F238E27FC236}">
-                <a16:creationId xmlns:a16="http://schemas.microsoft.com/office/drawing/2014/main" xmlns="" id="{F92E366F-A75B-4FBE-95A4-7BE2692FD768}"/>
+                <a16:creationId xmlns="" xmlns:a16="http://schemas.microsoft.com/office/drawing/2014/main" id="{F92E366F-A75B-4FBE-95A4-7BE2692FD768}"/>
               </a:ext>
             </a:extLst>
           </p:cNvPr>
@@ -4044,7 +4044,7 @@
           <p:cNvPr id="6" name="Rectangle : coins arrondis 5">
             <a:extLst>
               <a:ext uri="{FF2B5EF4-FFF2-40B4-BE49-F238E27FC236}">
-                <a16:creationId xmlns:a16="http://schemas.microsoft.com/office/drawing/2014/main" xmlns="" id="{62D80FBE-86D3-4290-8607-F26C6EF24A6E}"/>
+                <a16:creationId xmlns="" xmlns:a16="http://schemas.microsoft.com/office/drawing/2014/main" id="{62D80FBE-86D3-4290-8607-F26C6EF24A6E}"/>
               </a:ext>
             </a:extLst>
           </p:cNvPr>
@@ -4091,7 +4091,7 @@
           <p:cNvPr id="7" name="Rectangle 6">
             <a:extLst>
               <a:ext uri="{FF2B5EF4-FFF2-40B4-BE49-F238E27FC236}">
-                <a16:creationId xmlns:a16="http://schemas.microsoft.com/office/drawing/2014/main" xmlns="" id="{1AEA259A-D842-4383-B035-4913BA214C2B}"/>
+                <a16:creationId xmlns="" xmlns:a16="http://schemas.microsoft.com/office/drawing/2014/main" id="{1AEA259A-D842-4383-B035-4913BA214C2B}"/>
               </a:ext>
             </a:extLst>
           </p:cNvPr>
@@ -4135,7 +4135,7 @@
           <p:cNvPr id="8" name="Rectangle 7">
             <a:extLst>
               <a:ext uri="{FF2B5EF4-FFF2-40B4-BE49-F238E27FC236}">
-                <a16:creationId xmlns:a16="http://schemas.microsoft.com/office/drawing/2014/main" xmlns="" id="{7A522CA0-8DEF-4B68-B66B-7C116F24ECA3}"/>
+                <a16:creationId xmlns="" xmlns:a16="http://schemas.microsoft.com/office/drawing/2014/main" id="{7A522CA0-8DEF-4B68-B66B-7C116F24ECA3}"/>
               </a:ext>
             </a:extLst>
           </p:cNvPr>
@@ -4181,7 +4181,7 @@
           <p:cNvPr id="9" name="Rectangle 8">
             <a:extLst>
               <a:ext uri="{FF2B5EF4-FFF2-40B4-BE49-F238E27FC236}">
-                <a16:creationId xmlns:a16="http://schemas.microsoft.com/office/drawing/2014/main" xmlns="" id="{58A07BC7-A43F-4544-9451-53320053C681}"/>
+                <a16:creationId xmlns="" xmlns:a16="http://schemas.microsoft.com/office/drawing/2014/main" id="{58A07BC7-A43F-4544-9451-53320053C681}"/>
               </a:ext>
             </a:extLst>
           </p:cNvPr>
@@ -4227,7 +4227,7 @@
           <p:cNvPr id="10" name="Rectangle 9">
             <a:extLst>
               <a:ext uri="{FF2B5EF4-FFF2-40B4-BE49-F238E27FC236}">
-                <a16:creationId xmlns:a16="http://schemas.microsoft.com/office/drawing/2014/main" xmlns="" id="{5B7F2178-0ABB-4EA9-A4FA-5B90147DAE56}"/>
+                <a16:creationId xmlns="" xmlns:a16="http://schemas.microsoft.com/office/drawing/2014/main" id="{5B7F2178-0ABB-4EA9-A4FA-5B90147DAE56}"/>
               </a:ext>
             </a:extLst>
           </p:cNvPr>
@@ -4273,7 +4273,7 @@
           <p:cNvPr id="11" name="Rectangle 10">
             <a:extLst>
               <a:ext uri="{FF2B5EF4-FFF2-40B4-BE49-F238E27FC236}">
-                <a16:creationId xmlns:a16="http://schemas.microsoft.com/office/drawing/2014/main" xmlns="" id="{2FC98143-B9E0-41F5-AA7D-B843146B35F7}"/>
+                <a16:creationId xmlns="" xmlns:a16="http://schemas.microsoft.com/office/drawing/2014/main" id="{2FC98143-B9E0-41F5-AA7D-B843146B35F7}"/>
               </a:ext>
             </a:extLst>
           </p:cNvPr>
@@ -4319,7 +4319,7 @@
           <p:cNvPr id="12" name="Rectangle 11">
             <a:extLst>
               <a:ext uri="{FF2B5EF4-FFF2-40B4-BE49-F238E27FC236}">
-                <a16:creationId xmlns:a16="http://schemas.microsoft.com/office/drawing/2014/main" xmlns="" id="{765981A7-5DFE-40FE-9531-B806A883B9DF}"/>
+                <a16:creationId xmlns="" xmlns:a16="http://schemas.microsoft.com/office/drawing/2014/main" id="{765981A7-5DFE-40FE-9531-B806A883B9DF}"/>
               </a:ext>
             </a:extLst>
           </p:cNvPr>
@@ -4365,7 +4365,7 @@
           <p:cNvPr id="13" name="Rectangle 12">
             <a:extLst>
               <a:ext uri="{FF2B5EF4-FFF2-40B4-BE49-F238E27FC236}">
-                <a16:creationId xmlns:a16="http://schemas.microsoft.com/office/drawing/2014/main" xmlns="" id="{FC53F0E6-8818-4C74-9167-51D66DC57518}"/>
+                <a16:creationId xmlns="" xmlns:a16="http://schemas.microsoft.com/office/drawing/2014/main" id="{FC53F0E6-8818-4C74-9167-51D66DC57518}"/>
               </a:ext>
             </a:extLst>
           </p:cNvPr>
@@ -4411,7 +4411,7 @@
           <p:cNvPr id="14" name="Rectangle 13">
             <a:extLst>
               <a:ext uri="{FF2B5EF4-FFF2-40B4-BE49-F238E27FC236}">
-                <a16:creationId xmlns:a16="http://schemas.microsoft.com/office/drawing/2014/main" xmlns="" id="{1A935824-24D6-4659-89B7-233569CC17C0}"/>
+                <a16:creationId xmlns="" xmlns:a16="http://schemas.microsoft.com/office/drawing/2014/main" id="{1A935824-24D6-4659-89B7-233569CC17C0}"/>
               </a:ext>
             </a:extLst>
           </p:cNvPr>
@@ -4457,7 +4457,7 @@
           <p:cNvPr id="15" name="Rectangle 14">
             <a:extLst>
               <a:ext uri="{FF2B5EF4-FFF2-40B4-BE49-F238E27FC236}">
-                <a16:creationId xmlns:a16="http://schemas.microsoft.com/office/drawing/2014/main" xmlns="" id="{3700194F-6089-4E01-8012-D6B0552C6B7D}"/>
+                <a16:creationId xmlns="" xmlns:a16="http://schemas.microsoft.com/office/drawing/2014/main" id="{3700194F-6089-4E01-8012-D6B0552C6B7D}"/>
               </a:ext>
             </a:extLst>
           </p:cNvPr>
@@ -4503,7 +4503,7 @@
           <p:cNvPr id="16" name="Rectangle 15">
             <a:extLst>
               <a:ext uri="{FF2B5EF4-FFF2-40B4-BE49-F238E27FC236}">
-                <a16:creationId xmlns:a16="http://schemas.microsoft.com/office/drawing/2014/main" xmlns="" id="{78B8B890-E1A7-46FF-AC8D-04A5ACF7D45A}"/>
+                <a16:creationId xmlns="" xmlns:a16="http://schemas.microsoft.com/office/drawing/2014/main" id="{78B8B890-E1A7-46FF-AC8D-04A5ACF7D45A}"/>
               </a:ext>
             </a:extLst>
           </p:cNvPr>
@@ -4549,7 +4549,7 @@
           <p:cNvPr id="17" name="Rectangle 16">
             <a:extLst>
               <a:ext uri="{FF2B5EF4-FFF2-40B4-BE49-F238E27FC236}">
-                <a16:creationId xmlns:a16="http://schemas.microsoft.com/office/drawing/2014/main" xmlns="" id="{2A18F913-9AD9-4B39-8F53-439F7337D805}"/>
+                <a16:creationId xmlns="" xmlns:a16="http://schemas.microsoft.com/office/drawing/2014/main" id="{2A18F913-9AD9-4B39-8F53-439F7337D805}"/>
               </a:ext>
             </a:extLst>
           </p:cNvPr>
@@ -4595,7 +4595,7 @@
           <p:cNvPr id="18" name="Rectangle 17">
             <a:extLst>
               <a:ext uri="{FF2B5EF4-FFF2-40B4-BE49-F238E27FC236}">
-                <a16:creationId xmlns:a16="http://schemas.microsoft.com/office/drawing/2014/main" xmlns="" id="{5BF3DDC0-D8EF-4AFA-8989-328114036B6B}"/>
+                <a16:creationId xmlns="" xmlns:a16="http://schemas.microsoft.com/office/drawing/2014/main" id="{5BF3DDC0-D8EF-4AFA-8989-328114036B6B}"/>
               </a:ext>
             </a:extLst>
           </p:cNvPr>
@@ -4641,7 +4641,7 @@
           <p:cNvPr id="19" name="Rectangle 18">
             <a:extLst>
               <a:ext uri="{FF2B5EF4-FFF2-40B4-BE49-F238E27FC236}">
-                <a16:creationId xmlns:a16="http://schemas.microsoft.com/office/drawing/2014/main" xmlns="" id="{6BED548F-460A-46AF-9073-1E7DC8FCF628}"/>
+                <a16:creationId xmlns="" xmlns:a16="http://schemas.microsoft.com/office/drawing/2014/main" id="{6BED548F-460A-46AF-9073-1E7DC8FCF628}"/>
               </a:ext>
             </a:extLst>
           </p:cNvPr>
@@ -4687,7 +4687,7 @@
           <p:cNvPr id="20" name="Rectangle 19">
             <a:extLst>
               <a:ext uri="{FF2B5EF4-FFF2-40B4-BE49-F238E27FC236}">
-                <a16:creationId xmlns:a16="http://schemas.microsoft.com/office/drawing/2014/main" xmlns="" id="{7D0B0C7B-5FE8-4CD0-94BF-7FD48C413B1B}"/>
+                <a16:creationId xmlns="" xmlns:a16="http://schemas.microsoft.com/office/drawing/2014/main" id="{7D0B0C7B-5FE8-4CD0-94BF-7FD48C413B1B}"/>
               </a:ext>
             </a:extLst>
           </p:cNvPr>
@@ -4733,7 +4733,7 @@
           <p:cNvPr id="21" name="Rectangle 20">
             <a:extLst>
               <a:ext uri="{FF2B5EF4-FFF2-40B4-BE49-F238E27FC236}">
-                <a16:creationId xmlns:a16="http://schemas.microsoft.com/office/drawing/2014/main" xmlns="" id="{7373ADFC-AA39-47FC-B9AC-676D5A75330B}"/>
+                <a16:creationId xmlns="" xmlns:a16="http://schemas.microsoft.com/office/drawing/2014/main" id="{7373ADFC-AA39-47FC-B9AC-676D5A75330B}"/>
               </a:ext>
             </a:extLst>
           </p:cNvPr>
@@ -4779,7 +4779,7 @@
           <p:cNvPr id="22" name="Rectangle 21">
             <a:extLst>
               <a:ext uri="{FF2B5EF4-FFF2-40B4-BE49-F238E27FC236}">
-                <a16:creationId xmlns:a16="http://schemas.microsoft.com/office/drawing/2014/main" xmlns="" id="{2434A610-0CE2-44BE-930A-EAB8E4EB32BA}"/>
+                <a16:creationId xmlns="" xmlns:a16="http://schemas.microsoft.com/office/drawing/2014/main" id="{2434A610-0CE2-44BE-930A-EAB8E4EB32BA}"/>
               </a:ext>
             </a:extLst>
           </p:cNvPr>
@@ -4825,7 +4825,7 @@
           <p:cNvPr id="23" name="Rectangle 22">
             <a:extLst>
               <a:ext uri="{FF2B5EF4-FFF2-40B4-BE49-F238E27FC236}">
-                <a16:creationId xmlns:a16="http://schemas.microsoft.com/office/drawing/2014/main" xmlns="" id="{62FD4CA9-6B0F-4ACE-9211-1D87051A0A91}"/>
+                <a16:creationId xmlns="" xmlns:a16="http://schemas.microsoft.com/office/drawing/2014/main" id="{62FD4CA9-6B0F-4ACE-9211-1D87051A0A91}"/>
               </a:ext>
             </a:extLst>
           </p:cNvPr>
@@ -4871,7 +4871,7 @@
           <p:cNvPr id="24" name="Ellipse 23">
             <a:extLst>
               <a:ext uri="{FF2B5EF4-FFF2-40B4-BE49-F238E27FC236}">
-                <a16:creationId xmlns:a16="http://schemas.microsoft.com/office/drawing/2014/main" xmlns="" id="{203E04A9-361F-4AA5-83A9-9124B15F7F6A}"/>
+                <a16:creationId xmlns="" xmlns:a16="http://schemas.microsoft.com/office/drawing/2014/main" id="{203E04A9-361F-4AA5-83A9-9124B15F7F6A}"/>
               </a:ext>
             </a:extLst>
           </p:cNvPr>
@@ -4917,7 +4917,7 @@
           <p:cNvPr id="25" name="Ellipse 24">
             <a:extLst>
               <a:ext uri="{FF2B5EF4-FFF2-40B4-BE49-F238E27FC236}">
-                <a16:creationId xmlns:a16="http://schemas.microsoft.com/office/drawing/2014/main" xmlns="" id="{3BE7A4D3-9C57-4753-9BCC-E38A906113C7}"/>
+                <a16:creationId xmlns="" xmlns:a16="http://schemas.microsoft.com/office/drawing/2014/main" id="{3BE7A4D3-9C57-4753-9BCC-E38A906113C7}"/>
               </a:ext>
             </a:extLst>
           </p:cNvPr>
@@ -4963,7 +4963,7 @@
           <p:cNvPr id="26" name="Ellipse 25">
             <a:extLst>
               <a:ext uri="{FF2B5EF4-FFF2-40B4-BE49-F238E27FC236}">
-                <a16:creationId xmlns:a16="http://schemas.microsoft.com/office/drawing/2014/main" xmlns="" id="{A9B02729-63AA-44CE-BFF6-FB403E3BC36E}"/>
+                <a16:creationId xmlns="" xmlns:a16="http://schemas.microsoft.com/office/drawing/2014/main" id="{A9B02729-63AA-44CE-BFF6-FB403E3BC36E}"/>
               </a:ext>
             </a:extLst>
           </p:cNvPr>
@@ -5009,7 +5009,7 @@
           <p:cNvPr id="27" name="Ellipse 26">
             <a:extLst>
               <a:ext uri="{FF2B5EF4-FFF2-40B4-BE49-F238E27FC236}">
-                <a16:creationId xmlns:a16="http://schemas.microsoft.com/office/drawing/2014/main" xmlns="" id="{9902C9BD-BEBA-418F-A650-45D6C8456155}"/>
+                <a16:creationId xmlns="" xmlns:a16="http://schemas.microsoft.com/office/drawing/2014/main" id="{9902C9BD-BEBA-418F-A650-45D6C8456155}"/>
               </a:ext>
             </a:extLst>
           </p:cNvPr>
@@ -5055,7 +5055,7 @@
           <p:cNvPr id="28" name="Connecteur droit 27">
             <a:extLst>
               <a:ext uri="{FF2B5EF4-FFF2-40B4-BE49-F238E27FC236}">
-                <a16:creationId xmlns:a16="http://schemas.microsoft.com/office/drawing/2014/main" xmlns="" id="{6E06584F-224F-44DF-9BE6-65D9223FCF7C}"/>
+                <a16:creationId xmlns="" xmlns:a16="http://schemas.microsoft.com/office/drawing/2014/main" id="{6E06584F-224F-44DF-9BE6-65D9223FCF7C}"/>
               </a:ext>
             </a:extLst>
           </p:cNvPr>
@@ -5098,7 +5098,7 @@
           <p:cNvPr id="29" name="Connecteur droit 28">
             <a:extLst>
               <a:ext uri="{FF2B5EF4-FFF2-40B4-BE49-F238E27FC236}">
-                <a16:creationId xmlns:a16="http://schemas.microsoft.com/office/drawing/2014/main" xmlns="" id="{5CF51BD7-A605-4C7C-9049-B91AA8921564}"/>
+                <a16:creationId xmlns="" xmlns:a16="http://schemas.microsoft.com/office/drawing/2014/main" id="{5CF51BD7-A605-4C7C-9049-B91AA8921564}"/>
               </a:ext>
             </a:extLst>
           </p:cNvPr>
@@ -5141,7 +5141,7 @@
           <p:cNvPr id="30" name="Connecteur droit 29">
             <a:extLst>
               <a:ext uri="{FF2B5EF4-FFF2-40B4-BE49-F238E27FC236}">
-                <a16:creationId xmlns:a16="http://schemas.microsoft.com/office/drawing/2014/main" xmlns="" id="{D0B6DDA3-AC7D-4946-AFD5-BD2940C03F6F}"/>
+                <a16:creationId xmlns="" xmlns:a16="http://schemas.microsoft.com/office/drawing/2014/main" id="{D0B6DDA3-AC7D-4946-AFD5-BD2940C03F6F}"/>
               </a:ext>
             </a:extLst>
           </p:cNvPr>
@@ -5184,7 +5184,7 @@
           <p:cNvPr id="31" name="Connecteur droit 30">
             <a:extLst>
               <a:ext uri="{FF2B5EF4-FFF2-40B4-BE49-F238E27FC236}">
-                <a16:creationId xmlns:a16="http://schemas.microsoft.com/office/drawing/2014/main" xmlns="" id="{7D519820-A36A-4167-BF4F-4FBF114B3CE4}"/>
+                <a16:creationId xmlns="" xmlns:a16="http://schemas.microsoft.com/office/drawing/2014/main" id="{7D519820-A36A-4167-BF4F-4FBF114B3CE4}"/>
               </a:ext>
             </a:extLst>
           </p:cNvPr>
@@ -5227,7 +5227,7 @@
           <p:cNvPr id="32" name="Rectangle : coins arrondis 31">
             <a:extLst>
               <a:ext uri="{FF2B5EF4-FFF2-40B4-BE49-F238E27FC236}">
-                <a16:creationId xmlns:a16="http://schemas.microsoft.com/office/drawing/2014/main" xmlns="" id="{E86E23B2-CDC9-443B-802C-1CBE3EE56E57}"/>
+                <a16:creationId xmlns="" xmlns:a16="http://schemas.microsoft.com/office/drawing/2014/main" id="{E86E23B2-CDC9-443B-802C-1CBE3EE56E57}"/>
               </a:ext>
             </a:extLst>
           </p:cNvPr>
@@ -5273,7 +5273,7 @@
           <p:cNvPr id="33" name="Rectangle : coins arrondis 32">
             <a:extLst>
               <a:ext uri="{FF2B5EF4-FFF2-40B4-BE49-F238E27FC236}">
-                <a16:creationId xmlns:a16="http://schemas.microsoft.com/office/drawing/2014/main" xmlns="" id="{0B6C4303-2CE4-48F7-89C2-5FEB1FFFC1DB}"/>
+                <a16:creationId xmlns="" xmlns:a16="http://schemas.microsoft.com/office/drawing/2014/main" id="{0B6C4303-2CE4-48F7-89C2-5FEB1FFFC1DB}"/>
               </a:ext>
             </a:extLst>
           </p:cNvPr>
@@ -5319,7 +5319,7 @@
           <p:cNvPr id="34" name="Rectangle : coins arrondis 33">
             <a:extLst>
               <a:ext uri="{FF2B5EF4-FFF2-40B4-BE49-F238E27FC236}">
-                <a16:creationId xmlns:a16="http://schemas.microsoft.com/office/drawing/2014/main" xmlns="" id="{D358938C-BEBE-427B-BB39-92A272AA7E42}"/>
+                <a16:creationId xmlns="" xmlns:a16="http://schemas.microsoft.com/office/drawing/2014/main" id="{D358938C-BEBE-427B-BB39-92A272AA7E42}"/>
               </a:ext>
             </a:extLst>
           </p:cNvPr>
@@ -5365,7 +5365,7 @@
           <p:cNvPr id="35" name="Rectangle : coins arrondis 34">
             <a:extLst>
               <a:ext uri="{FF2B5EF4-FFF2-40B4-BE49-F238E27FC236}">
-                <a16:creationId xmlns:a16="http://schemas.microsoft.com/office/drawing/2014/main" xmlns="" id="{F4E89124-9A56-4A80-BECB-4B988BF987B9}"/>
+                <a16:creationId xmlns="" xmlns:a16="http://schemas.microsoft.com/office/drawing/2014/main" id="{F4E89124-9A56-4A80-BECB-4B988BF987B9}"/>
               </a:ext>
             </a:extLst>
           </p:cNvPr>
@@ -5411,7 +5411,7 @@
           <p:cNvPr id="36" name="Connecteur droit 35">
             <a:extLst>
               <a:ext uri="{FF2B5EF4-FFF2-40B4-BE49-F238E27FC236}">
-                <a16:creationId xmlns:a16="http://schemas.microsoft.com/office/drawing/2014/main" xmlns="" id="{531DE050-C48B-4AC6-8A40-8D4058B61843}"/>
+                <a16:creationId xmlns="" xmlns:a16="http://schemas.microsoft.com/office/drawing/2014/main" id="{531DE050-C48B-4AC6-8A40-8D4058B61843}"/>
               </a:ext>
             </a:extLst>
           </p:cNvPr>
@@ -5456,7 +5456,7 @@
           <p:cNvPr id="37" name="Connecteur droit 36">
             <a:extLst>
               <a:ext uri="{FF2B5EF4-FFF2-40B4-BE49-F238E27FC236}">
-                <a16:creationId xmlns:a16="http://schemas.microsoft.com/office/drawing/2014/main" xmlns="" id="{2EDD5F25-9EDC-49B5-AA1D-8F363D6CC0A2}"/>
+                <a16:creationId xmlns="" xmlns:a16="http://schemas.microsoft.com/office/drawing/2014/main" id="{2EDD5F25-9EDC-49B5-AA1D-8F363D6CC0A2}"/>
               </a:ext>
             </a:extLst>
           </p:cNvPr>
@@ -5501,7 +5501,7 @@
           <p:cNvPr id="38" name="Connecteur droit 37">
             <a:extLst>
               <a:ext uri="{FF2B5EF4-FFF2-40B4-BE49-F238E27FC236}">
-                <a16:creationId xmlns:a16="http://schemas.microsoft.com/office/drawing/2014/main" xmlns="" id="{C8C35DD5-0A7E-47D9-8332-43D8A93EC4A7}"/>
+                <a16:creationId xmlns="" xmlns:a16="http://schemas.microsoft.com/office/drawing/2014/main" id="{C8C35DD5-0A7E-47D9-8332-43D8A93EC4A7}"/>
               </a:ext>
             </a:extLst>
           </p:cNvPr>
@@ -5546,7 +5546,7 @@
           <p:cNvPr id="39" name="Connecteur droit 38">
             <a:extLst>
               <a:ext uri="{FF2B5EF4-FFF2-40B4-BE49-F238E27FC236}">
-                <a16:creationId xmlns:a16="http://schemas.microsoft.com/office/drawing/2014/main" xmlns="" id="{423C862D-BDDC-4A78-AE6E-A880286EA085}"/>
+                <a16:creationId xmlns="" xmlns:a16="http://schemas.microsoft.com/office/drawing/2014/main" id="{423C862D-BDDC-4A78-AE6E-A880286EA085}"/>
               </a:ext>
             </a:extLst>
           </p:cNvPr>
@@ -5591,7 +5591,7 @@
           <p:cNvPr id="61" name="Ellipse 60">
             <a:extLst>
               <a:ext uri="{FF2B5EF4-FFF2-40B4-BE49-F238E27FC236}">
-                <a16:creationId xmlns:a16="http://schemas.microsoft.com/office/drawing/2014/main" xmlns="" id="{6B32E420-F3FF-435F-9ED2-E139D49BED66}"/>
+                <a16:creationId xmlns="" xmlns:a16="http://schemas.microsoft.com/office/drawing/2014/main" id="{6B32E420-F3FF-435F-9ED2-E139D49BED66}"/>
               </a:ext>
             </a:extLst>
           </p:cNvPr>
@@ -5640,7 +5640,7 @@
           <p:cNvPr id="62" name="Organigramme : Opération manuelle 61">
             <a:extLst>
               <a:ext uri="{FF2B5EF4-FFF2-40B4-BE49-F238E27FC236}">
-                <a16:creationId xmlns:a16="http://schemas.microsoft.com/office/drawing/2014/main" xmlns="" id="{37D282D6-F1C2-4DAD-BFCF-83BB5BEDA595}"/>
+                <a16:creationId xmlns="" xmlns:a16="http://schemas.microsoft.com/office/drawing/2014/main" id="{37D282D6-F1C2-4DAD-BFCF-83BB5BEDA595}"/>
               </a:ext>
             </a:extLst>
           </p:cNvPr>
@@ -5686,7 +5686,7 @@
           <p:cNvPr id="63" name="Organigramme : Opération manuelle 62">
             <a:extLst>
               <a:ext uri="{FF2B5EF4-FFF2-40B4-BE49-F238E27FC236}">
-                <a16:creationId xmlns:a16="http://schemas.microsoft.com/office/drawing/2014/main" xmlns="" id="{37B7A8C8-70B3-4ADD-ADEE-87206B8506E3}"/>
+                <a16:creationId xmlns="" xmlns:a16="http://schemas.microsoft.com/office/drawing/2014/main" id="{37B7A8C8-70B3-4ADD-ADEE-87206B8506E3}"/>
               </a:ext>
             </a:extLst>
           </p:cNvPr>
@@ -5732,7 +5732,7 @@
           <p:cNvPr id="64" name="Organigramme : Opération manuelle 63">
             <a:extLst>
               <a:ext uri="{FF2B5EF4-FFF2-40B4-BE49-F238E27FC236}">
-                <a16:creationId xmlns:a16="http://schemas.microsoft.com/office/drawing/2014/main" xmlns="" id="{5E5331FC-F4FD-4003-A00A-BF9F47B5A9A3}"/>
+                <a16:creationId xmlns="" xmlns:a16="http://schemas.microsoft.com/office/drawing/2014/main" id="{5E5331FC-F4FD-4003-A00A-BF9F47B5A9A3}"/>
               </a:ext>
             </a:extLst>
           </p:cNvPr>
@@ -5778,7 +5778,7 @@
           <p:cNvPr id="65" name="Organigramme : Opération manuelle 64">
             <a:extLst>
               <a:ext uri="{FF2B5EF4-FFF2-40B4-BE49-F238E27FC236}">
-                <a16:creationId xmlns:a16="http://schemas.microsoft.com/office/drawing/2014/main" xmlns="" id="{C11FFCC8-58B6-40BE-ABE1-43D529ECE41F}"/>
+                <a16:creationId xmlns="" xmlns:a16="http://schemas.microsoft.com/office/drawing/2014/main" id="{C11FFCC8-58B6-40BE-ABE1-43D529ECE41F}"/>
               </a:ext>
             </a:extLst>
           </p:cNvPr>
@@ -5824,7 +5824,7 @@
           <p:cNvPr id="66" name="Ellipse 65">
             <a:extLst>
               <a:ext uri="{FF2B5EF4-FFF2-40B4-BE49-F238E27FC236}">
-                <a16:creationId xmlns:a16="http://schemas.microsoft.com/office/drawing/2014/main" xmlns="" id="{BBC8F03B-B3B8-4644-9E21-F2B76976BAE2}"/>
+                <a16:creationId xmlns="" xmlns:a16="http://schemas.microsoft.com/office/drawing/2014/main" id="{BBC8F03B-B3B8-4644-9E21-F2B76976BAE2}"/>
               </a:ext>
             </a:extLst>
           </p:cNvPr>
@@ -5873,7 +5873,7 @@
           <p:cNvPr id="67" name="Organigramme : Opération manuelle 66">
             <a:extLst>
               <a:ext uri="{FF2B5EF4-FFF2-40B4-BE49-F238E27FC236}">
-                <a16:creationId xmlns:a16="http://schemas.microsoft.com/office/drawing/2014/main" xmlns="" id="{8F3A0C55-D750-4944-ACD4-15A0CA495669}"/>
+                <a16:creationId xmlns="" xmlns:a16="http://schemas.microsoft.com/office/drawing/2014/main" id="{8F3A0C55-D750-4944-ACD4-15A0CA495669}"/>
               </a:ext>
             </a:extLst>
           </p:cNvPr>
@@ -5919,7 +5919,7 @@
           <p:cNvPr id="68" name="Organigramme : Opération manuelle 67">
             <a:extLst>
               <a:ext uri="{FF2B5EF4-FFF2-40B4-BE49-F238E27FC236}">
-                <a16:creationId xmlns:a16="http://schemas.microsoft.com/office/drawing/2014/main" xmlns="" id="{7CC86C71-D270-466D-A536-416745BF0966}"/>
+                <a16:creationId xmlns="" xmlns:a16="http://schemas.microsoft.com/office/drawing/2014/main" id="{7CC86C71-D270-466D-A536-416745BF0966}"/>
               </a:ext>
             </a:extLst>
           </p:cNvPr>
@@ -5965,7 +5965,7 @@
           <p:cNvPr id="69" name="Organigramme : Opération manuelle 68">
             <a:extLst>
               <a:ext uri="{FF2B5EF4-FFF2-40B4-BE49-F238E27FC236}">
-                <a16:creationId xmlns:a16="http://schemas.microsoft.com/office/drawing/2014/main" xmlns="" id="{FA4B70C8-2929-43DD-9145-521EC4BF4768}"/>
+                <a16:creationId xmlns="" xmlns:a16="http://schemas.microsoft.com/office/drawing/2014/main" id="{FA4B70C8-2929-43DD-9145-521EC4BF4768}"/>
               </a:ext>
             </a:extLst>
           </p:cNvPr>
@@ -6011,7 +6011,7 @@
           <p:cNvPr id="70" name="Organigramme : Opération manuelle 69">
             <a:extLst>
               <a:ext uri="{FF2B5EF4-FFF2-40B4-BE49-F238E27FC236}">
-                <a16:creationId xmlns:a16="http://schemas.microsoft.com/office/drawing/2014/main" xmlns="" id="{B89DE4BE-AC97-4C40-883B-E5E1233535C8}"/>
+                <a16:creationId xmlns="" xmlns:a16="http://schemas.microsoft.com/office/drawing/2014/main" id="{B89DE4BE-AC97-4C40-883B-E5E1233535C8}"/>
               </a:ext>
             </a:extLst>
           </p:cNvPr>
@@ -6057,7 +6057,7 @@
           <p:cNvPr id="71" name="Ellipse 70">
             <a:extLst>
               <a:ext uri="{FF2B5EF4-FFF2-40B4-BE49-F238E27FC236}">
-                <a16:creationId xmlns:a16="http://schemas.microsoft.com/office/drawing/2014/main" xmlns="" id="{AB89EDC8-39F3-4FC7-A559-3337A56775FE}"/>
+                <a16:creationId xmlns="" xmlns:a16="http://schemas.microsoft.com/office/drawing/2014/main" id="{AB89EDC8-39F3-4FC7-A559-3337A56775FE}"/>
               </a:ext>
             </a:extLst>
           </p:cNvPr>
@@ -6106,7 +6106,7 @@
           <p:cNvPr id="72" name="Organigramme : Opération manuelle 71">
             <a:extLst>
               <a:ext uri="{FF2B5EF4-FFF2-40B4-BE49-F238E27FC236}">
-                <a16:creationId xmlns:a16="http://schemas.microsoft.com/office/drawing/2014/main" xmlns="" id="{2AE00D2D-B0C6-4261-BE32-50FACDCD96DF}"/>
+                <a16:creationId xmlns="" xmlns:a16="http://schemas.microsoft.com/office/drawing/2014/main" id="{2AE00D2D-B0C6-4261-BE32-50FACDCD96DF}"/>
               </a:ext>
             </a:extLst>
           </p:cNvPr>
@@ -6152,7 +6152,7 @@
           <p:cNvPr id="73" name="Organigramme : Opération manuelle 72">
             <a:extLst>
               <a:ext uri="{FF2B5EF4-FFF2-40B4-BE49-F238E27FC236}">
-                <a16:creationId xmlns:a16="http://schemas.microsoft.com/office/drawing/2014/main" xmlns="" id="{92859C6B-67B0-441B-9906-A690D8695545}"/>
+                <a16:creationId xmlns="" xmlns:a16="http://schemas.microsoft.com/office/drawing/2014/main" id="{92859C6B-67B0-441B-9906-A690D8695545}"/>
               </a:ext>
             </a:extLst>
           </p:cNvPr>
@@ -6198,7 +6198,7 @@
           <p:cNvPr id="74" name="Organigramme : Opération manuelle 73">
             <a:extLst>
               <a:ext uri="{FF2B5EF4-FFF2-40B4-BE49-F238E27FC236}">
-                <a16:creationId xmlns:a16="http://schemas.microsoft.com/office/drawing/2014/main" xmlns="" id="{840F19AA-FC3F-4C25-96B3-A8B1D16DB942}"/>
+                <a16:creationId xmlns="" xmlns:a16="http://schemas.microsoft.com/office/drawing/2014/main" id="{840F19AA-FC3F-4C25-96B3-A8B1D16DB942}"/>
               </a:ext>
             </a:extLst>
           </p:cNvPr>
@@ -6244,7 +6244,7 @@
           <p:cNvPr id="75" name="Organigramme : Opération manuelle 74">
             <a:extLst>
               <a:ext uri="{FF2B5EF4-FFF2-40B4-BE49-F238E27FC236}">
-                <a16:creationId xmlns:a16="http://schemas.microsoft.com/office/drawing/2014/main" xmlns="" id="{620C3965-C23E-4514-A463-1DF53060030C}"/>
+                <a16:creationId xmlns="" xmlns:a16="http://schemas.microsoft.com/office/drawing/2014/main" id="{620C3965-C23E-4514-A463-1DF53060030C}"/>
               </a:ext>
             </a:extLst>
           </p:cNvPr>
@@ -6290,7 +6290,7 @@
           <p:cNvPr id="76" name="Ellipse 75">
             <a:extLst>
               <a:ext uri="{FF2B5EF4-FFF2-40B4-BE49-F238E27FC236}">
-                <a16:creationId xmlns:a16="http://schemas.microsoft.com/office/drawing/2014/main" xmlns="" id="{33C99640-F6F3-489E-B49B-AEF617168B6A}"/>
+                <a16:creationId xmlns="" xmlns:a16="http://schemas.microsoft.com/office/drawing/2014/main" id="{33C99640-F6F3-489E-B49B-AEF617168B6A}"/>
               </a:ext>
             </a:extLst>
           </p:cNvPr>
@@ -6339,7 +6339,7 @@
           <p:cNvPr id="77" name="Organigramme : Opération manuelle 76">
             <a:extLst>
               <a:ext uri="{FF2B5EF4-FFF2-40B4-BE49-F238E27FC236}">
-                <a16:creationId xmlns:a16="http://schemas.microsoft.com/office/drawing/2014/main" xmlns="" id="{03CE85ED-3066-4068-BC1A-259D9A9D3DCC}"/>
+                <a16:creationId xmlns="" xmlns:a16="http://schemas.microsoft.com/office/drawing/2014/main" id="{03CE85ED-3066-4068-BC1A-259D9A9D3DCC}"/>
               </a:ext>
             </a:extLst>
           </p:cNvPr>
@@ -6385,7 +6385,7 @@
           <p:cNvPr id="78" name="Organigramme : Opération manuelle 77">
             <a:extLst>
               <a:ext uri="{FF2B5EF4-FFF2-40B4-BE49-F238E27FC236}">
-                <a16:creationId xmlns:a16="http://schemas.microsoft.com/office/drawing/2014/main" xmlns="" id="{79928D55-BBC5-424E-8695-3091E8C6657E}"/>
+                <a16:creationId xmlns="" xmlns:a16="http://schemas.microsoft.com/office/drawing/2014/main" id="{79928D55-BBC5-424E-8695-3091E8C6657E}"/>
               </a:ext>
             </a:extLst>
           </p:cNvPr>
@@ -6431,7 +6431,7 @@
           <p:cNvPr id="79" name="Organigramme : Opération manuelle 78">
             <a:extLst>
               <a:ext uri="{FF2B5EF4-FFF2-40B4-BE49-F238E27FC236}">
-                <a16:creationId xmlns:a16="http://schemas.microsoft.com/office/drawing/2014/main" xmlns="" id="{82EF2A1B-5C77-4B0B-BE5B-B84F18EC22CA}"/>
+                <a16:creationId xmlns="" xmlns:a16="http://schemas.microsoft.com/office/drawing/2014/main" id="{82EF2A1B-5C77-4B0B-BE5B-B84F18EC22CA}"/>
               </a:ext>
             </a:extLst>
           </p:cNvPr>
@@ -6477,7 +6477,7 @@
           <p:cNvPr id="80" name="Organigramme : Opération manuelle 79">
             <a:extLst>
               <a:ext uri="{FF2B5EF4-FFF2-40B4-BE49-F238E27FC236}">
-                <a16:creationId xmlns:a16="http://schemas.microsoft.com/office/drawing/2014/main" xmlns="" id="{441CEF3D-96AC-4BCC-9786-F7EAB682DE92}"/>
+                <a16:creationId xmlns="" xmlns:a16="http://schemas.microsoft.com/office/drawing/2014/main" id="{441CEF3D-96AC-4BCC-9786-F7EAB682DE92}"/>
               </a:ext>
             </a:extLst>
           </p:cNvPr>
@@ -6523,7 +6523,7 @@
           <p:cNvPr id="81" name="Ellipse 80">
             <a:extLst>
               <a:ext uri="{FF2B5EF4-FFF2-40B4-BE49-F238E27FC236}">
-                <a16:creationId xmlns:a16="http://schemas.microsoft.com/office/drawing/2014/main" xmlns="" id="{597F2BE5-34C7-4F18-9C8E-CF88FF4C1DFE}"/>
+                <a16:creationId xmlns="" xmlns:a16="http://schemas.microsoft.com/office/drawing/2014/main" id="{597F2BE5-34C7-4F18-9C8E-CF88FF4C1DFE}"/>
               </a:ext>
             </a:extLst>
           </p:cNvPr>
@@ -6574,7 +6574,7 @@
           <p:cNvPr id="82" name="Organigramme : Opération manuelle 81">
             <a:extLst>
               <a:ext uri="{FF2B5EF4-FFF2-40B4-BE49-F238E27FC236}">
-                <a16:creationId xmlns:a16="http://schemas.microsoft.com/office/drawing/2014/main" xmlns="" id="{D5774860-83B8-4C85-88AF-2440281A45F1}"/>
+                <a16:creationId xmlns="" xmlns:a16="http://schemas.microsoft.com/office/drawing/2014/main" id="{D5774860-83B8-4C85-88AF-2440281A45F1}"/>
               </a:ext>
             </a:extLst>
           </p:cNvPr>
@@ -6620,7 +6620,7 @@
           <p:cNvPr id="83" name="Organigramme : Opération manuelle 82">
             <a:extLst>
               <a:ext uri="{FF2B5EF4-FFF2-40B4-BE49-F238E27FC236}">
-                <a16:creationId xmlns:a16="http://schemas.microsoft.com/office/drawing/2014/main" xmlns="" id="{EA347ED1-5173-4338-9BE9-75FF3332F8FE}"/>
+                <a16:creationId xmlns="" xmlns:a16="http://schemas.microsoft.com/office/drawing/2014/main" id="{EA347ED1-5173-4338-9BE9-75FF3332F8FE}"/>
               </a:ext>
             </a:extLst>
           </p:cNvPr>
@@ -6666,7 +6666,7 @@
           <p:cNvPr id="84" name="Organigramme : Opération manuelle 83">
             <a:extLst>
               <a:ext uri="{FF2B5EF4-FFF2-40B4-BE49-F238E27FC236}">
-                <a16:creationId xmlns:a16="http://schemas.microsoft.com/office/drawing/2014/main" xmlns="" id="{03116B97-AF2D-4D98-A291-B386E74E4FB5}"/>
+                <a16:creationId xmlns="" xmlns:a16="http://schemas.microsoft.com/office/drawing/2014/main" id="{03116B97-AF2D-4D98-A291-B386E74E4FB5}"/>
               </a:ext>
             </a:extLst>
           </p:cNvPr>
@@ -6712,7 +6712,7 @@
           <p:cNvPr id="85" name="Organigramme : Opération manuelle 84">
             <a:extLst>
               <a:ext uri="{FF2B5EF4-FFF2-40B4-BE49-F238E27FC236}">
-                <a16:creationId xmlns:a16="http://schemas.microsoft.com/office/drawing/2014/main" xmlns="" id="{0A5C7B69-FC08-4642-AD5E-EE3394D0F584}"/>
+                <a16:creationId xmlns="" xmlns:a16="http://schemas.microsoft.com/office/drawing/2014/main" id="{0A5C7B69-FC08-4642-AD5E-EE3394D0F584}"/>
               </a:ext>
             </a:extLst>
           </p:cNvPr>
@@ -6758,7 +6758,7 @@
           <p:cNvPr id="86" name="Ellipse 85">
             <a:extLst>
               <a:ext uri="{FF2B5EF4-FFF2-40B4-BE49-F238E27FC236}">
-                <a16:creationId xmlns:a16="http://schemas.microsoft.com/office/drawing/2014/main" xmlns="" id="{DDA4AA9D-B29C-47E6-A317-873E22EAE6E2}"/>
+                <a16:creationId xmlns="" xmlns:a16="http://schemas.microsoft.com/office/drawing/2014/main" id="{DDA4AA9D-B29C-47E6-A317-873E22EAE6E2}"/>
               </a:ext>
             </a:extLst>
           </p:cNvPr>
@@ -6804,7 +6804,7 @@
           <p:cNvPr id="87" name="Organigramme : Opération manuelle 86">
             <a:extLst>
               <a:ext uri="{FF2B5EF4-FFF2-40B4-BE49-F238E27FC236}">
-                <a16:creationId xmlns:a16="http://schemas.microsoft.com/office/drawing/2014/main" xmlns="" id="{AD51E247-C239-455C-836A-B1834FEB88CE}"/>
+                <a16:creationId xmlns="" xmlns:a16="http://schemas.microsoft.com/office/drawing/2014/main" id="{AD51E247-C239-455C-836A-B1834FEB88CE}"/>
               </a:ext>
             </a:extLst>
           </p:cNvPr>
@@ -6850,7 +6850,7 @@
           <p:cNvPr id="88" name="Organigramme : Opération manuelle 87">
             <a:extLst>
               <a:ext uri="{FF2B5EF4-FFF2-40B4-BE49-F238E27FC236}">
-                <a16:creationId xmlns:a16="http://schemas.microsoft.com/office/drawing/2014/main" xmlns="" id="{7855F702-B32D-434E-AD05-E1A50B85C20D}"/>
+                <a16:creationId xmlns="" xmlns:a16="http://schemas.microsoft.com/office/drawing/2014/main" id="{7855F702-B32D-434E-AD05-E1A50B85C20D}"/>
               </a:ext>
             </a:extLst>
           </p:cNvPr>
@@ -6896,7 +6896,7 @@
           <p:cNvPr id="89" name="Organigramme : Opération manuelle 88">
             <a:extLst>
               <a:ext uri="{FF2B5EF4-FFF2-40B4-BE49-F238E27FC236}">
-                <a16:creationId xmlns:a16="http://schemas.microsoft.com/office/drawing/2014/main" xmlns="" id="{18D84222-EFA1-4258-B31D-7D855D460937}"/>
+                <a16:creationId xmlns="" xmlns:a16="http://schemas.microsoft.com/office/drawing/2014/main" id="{18D84222-EFA1-4258-B31D-7D855D460937}"/>
               </a:ext>
             </a:extLst>
           </p:cNvPr>
@@ -6942,7 +6942,7 @@
           <p:cNvPr id="90" name="Organigramme : Opération manuelle 89">
             <a:extLst>
               <a:ext uri="{FF2B5EF4-FFF2-40B4-BE49-F238E27FC236}">
-                <a16:creationId xmlns:a16="http://schemas.microsoft.com/office/drawing/2014/main" xmlns="" id="{1F8EDD20-9CF0-41CE-9931-177DC0B7D5DE}"/>
+                <a16:creationId xmlns="" xmlns:a16="http://schemas.microsoft.com/office/drawing/2014/main" id="{1F8EDD20-9CF0-41CE-9931-177DC0B7D5DE}"/>
               </a:ext>
             </a:extLst>
           </p:cNvPr>
@@ -6988,7 +6988,7 @@
           <p:cNvPr id="91" name="Ellipse 90">
             <a:extLst>
               <a:ext uri="{FF2B5EF4-FFF2-40B4-BE49-F238E27FC236}">
-                <a16:creationId xmlns:a16="http://schemas.microsoft.com/office/drawing/2014/main" xmlns="" id="{B149C558-B168-4CDA-B447-9E3482E919D8}"/>
+                <a16:creationId xmlns="" xmlns:a16="http://schemas.microsoft.com/office/drawing/2014/main" id="{B149C558-B168-4CDA-B447-9E3482E919D8}"/>
               </a:ext>
             </a:extLst>
           </p:cNvPr>
@@ -7034,7 +7034,7 @@
           <p:cNvPr id="92" name="Organigramme : Opération manuelle 91">
             <a:extLst>
               <a:ext uri="{FF2B5EF4-FFF2-40B4-BE49-F238E27FC236}">
-                <a16:creationId xmlns:a16="http://schemas.microsoft.com/office/drawing/2014/main" xmlns="" id="{DC4A2F37-6A67-4DC4-BB28-2877AB22D30D}"/>
+                <a16:creationId xmlns="" xmlns:a16="http://schemas.microsoft.com/office/drawing/2014/main" id="{DC4A2F37-6A67-4DC4-BB28-2877AB22D30D}"/>
               </a:ext>
             </a:extLst>
           </p:cNvPr>
@@ -7080,7 +7080,7 @@
           <p:cNvPr id="93" name="Organigramme : Opération manuelle 92">
             <a:extLst>
               <a:ext uri="{FF2B5EF4-FFF2-40B4-BE49-F238E27FC236}">
-                <a16:creationId xmlns:a16="http://schemas.microsoft.com/office/drawing/2014/main" xmlns="" id="{179D0460-E87D-47E7-AF8A-CA7099284A25}"/>
+                <a16:creationId xmlns="" xmlns:a16="http://schemas.microsoft.com/office/drawing/2014/main" id="{179D0460-E87D-47E7-AF8A-CA7099284A25}"/>
               </a:ext>
             </a:extLst>
           </p:cNvPr>
@@ -7126,7 +7126,7 @@
           <p:cNvPr id="94" name="Organigramme : Opération manuelle 93">
             <a:extLst>
               <a:ext uri="{FF2B5EF4-FFF2-40B4-BE49-F238E27FC236}">
-                <a16:creationId xmlns:a16="http://schemas.microsoft.com/office/drawing/2014/main" xmlns="" id="{DEF731AD-13EB-47A9-9CB8-096FCAD5C985}"/>
+                <a16:creationId xmlns="" xmlns:a16="http://schemas.microsoft.com/office/drawing/2014/main" id="{DEF731AD-13EB-47A9-9CB8-096FCAD5C985}"/>
               </a:ext>
             </a:extLst>
           </p:cNvPr>
@@ -7172,7 +7172,7 @@
           <p:cNvPr id="95" name="Organigramme : Opération manuelle 94">
             <a:extLst>
               <a:ext uri="{FF2B5EF4-FFF2-40B4-BE49-F238E27FC236}">
-                <a16:creationId xmlns:a16="http://schemas.microsoft.com/office/drawing/2014/main" xmlns="" id="{AC70A1E7-9F77-46D8-B862-2DDCFC168710}"/>
+                <a16:creationId xmlns="" xmlns:a16="http://schemas.microsoft.com/office/drawing/2014/main" id="{AC70A1E7-9F77-46D8-B862-2DDCFC168710}"/>
               </a:ext>
             </a:extLst>
           </p:cNvPr>
@@ -7218,7 +7218,7 @@
           <p:cNvPr id="96" name="Ellipse 95">
             <a:extLst>
               <a:ext uri="{FF2B5EF4-FFF2-40B4-BE49-F238E27FC236}">
-                <a16:creationId xmlns:a16="http://schemas.microsoft.com/office/drawing/2014/main" xmlns="" id="{8E1B767E-F370-4BB7-82DA-3086E054DA64}"/>
+                <a16:creationId xmlns="" xmlns:a16="http://schemas.microsoft.com/office/drawing/2014/main" id="{8E1B767E-F370-4BB7-82DA-3086E054DA64}"/>
               </a:ext>
             </a:extLst>
           </p:cNvPr>
@@ -7269,7 +7269,7 @@
           <p:cNvPr id="97" name="Organigramme : Opération manuelle 96">
             <a:extLst>
               <a:ext uri="{FF2B5EF4-FFF2-40B4-BE49-F238E27FC236}">
-                <a16:creationId xmlns:a16="http://schemas.microsoft.com/office/drawing/2014/main" xmlns="" id="{ECE5A3E8-FCA2-4120-B225-3222DFE73988}"/>
+                <a16:creationId xmlns="" xmlns:a16="http://schemas.microsoft.com/office/drawing/2014/main" id="{ECE5A3E8-FCA2-4120-B225-3222DFE73988}"/>
               </a:ext>
             </a:extLst>
           </p:cNvPr>
@@ -7315,7 +7315,7 @@
           <p:cNvPr id="98" name="Organigramme : Opération manuelle 97">
             <a:extLst>
               <a:ext uri="{FF2B5EF4-FFF2-40B4-BE49-F238E27FC236}">
-                <a16:creationId xmlns:a16="http://schemas.microsoft.com/office/drawing/2014/main" xmlns="" id="{7AC76E92-47B3-4FB5-810B-D290FF3E0889}"/>
+                <a16:creationId xmlns="" xmlns:a16="http://schemas.microsoft.com/office/drawing/2014/main" id="{7AC76E92-47B3-4FB5-810B-D290FF3E0889}"/>
               </a:ext>
             </a:extLst>
           </p:cNvPr>
@@ -7361,7 +7361,7 @@
           <p:cNvPr id="99" name="Organigramme : Opération manuelle 98">
             <a:extLst>
               <a:ext uri="{FF2B5EF4-FFF2-40B4-BE49-F238E27FC236}">
-                <a16:creationId xmlns:a16="http://schemas.microsoft.com/office/drawing/2014/main" xmlns="" id="{53B390CA-8E2A-4CE8-A34E-BA415E44122F}"/>
+                <a16:creationId xmlns="" xmlns:a16="http://schemas.microsoft.com/office/drawing/2014/main" id="{53B390CA-8E2A-4CE8-A34E-BA415E44122F}"/>
               </a:ext>
             </a:extLst>
           </p:cNvPr>
@@ -7407,7 +7407,7 @@
           <p:cNvPr id="100" name="Organigramme : Opération manuelle 99">
             <a:extLst>
               <a:ext uri="{FF2B5EF4-FFF2-40B4-BE49-F238E27FC236}">
-                <a16:creationId xmlns:a16="http://schemas.microsoft.com/office/drawing/2014/main" xmlns="" id="{21C269A4-ACA7-4E11-97AB-B4E2724E10FB}"/>
+                <a16:creationId xmlns="" xmlns:a16="http://schemas.microsoft.com/office/drawing/2014/main" id="{21C269A4-ACA7-4E11-97AB-B4E2724E10FB}"/>
               </a:ext>
             </a:extLst>
           </p:cNvPr>
@@ -7453,7 +7453,7 @@
           <p:cNvPr id="102" name="Connecteur droit 101">
             <a:extLst>
               <a:ext uri="{FF2B5EF4-FFF2-40B4-BE49-F238E27FC236}">
-                <a16:creationId xmlns:a16="http://schemas.microsoft.com/office/drawing/2014/main" xmlns="" id="{4C489271-C52C-4BF3-B83D-48A639A3E0B9}"/>
+                <a16:creationId xmlns="" xmlns:a16="http://schemas.microsoft.com/office/drawing/2014/main" id="{4C489271-C52C-4BF3-B83D-48A639A3E0B9}"/>
               </a:ext>
             </a:extLst>
           </p:cNvPr>
@@ -7500,7 +7500,7 @@
           <p:cNvPr id="40" name="Ellipse 39">
             <a:extLst>
               <a:ext uri="{FF2B5EF4-FFF2-40B4-BE49-F238E27FC236}">
-                <a16:creationId xmlns:a16="http://schemas.microsoft.com/office/drawing/2014/main" xmlns="" id="{91880E58-6B22-4B4C-9D51-C2D9EA6DE3A2}"/>
+                <a16:creationId xmlns="" xmlns:a16="http://schemas.microsoft.com/office/drawing/2014/main" id="{91880E58-6B22-4B4C-9D51-C2D9EA6DE3A2}"/>
               </a:ext>
             </a:extLst>
           </p:cNvPr>
@@ -7551,7 +7551,7 @@
           <p:cNvPr id="41" name="Organigramme : Opération manuelle 40">
             <a:extLst>
               <a:ext uri="{FF2B5EF4-FFF2-40B4-BE49-F238E27FC236}">
-                <a16:creationId xmlns:a16="http://schemas.microsoft.com/office/drawing/2014/main" xmlns="" id="{DC3B55B1-E72E-42ED-8A2F-633C40377417}"/>
+                <a16:creationId xmlns="" xmlns:a16="http://schemas.microsoft.com/office/drawing/2014/main" id="{DC3B55B1-E72E-42ED-8A2F-633C40377417}"/>
               </a:ext>
             </a:extLst>
           </p:cNvPr>
@@ -7597,7 +7597,7 @@
           <p:cNvPr id="43" name="Organigramme : Opération manuelle 42">
             <a:extLst>
               <a:ext uri="{FF2B5EF4-FFF2-40B4-BE49-F238E27FC236}">
-                <a16:creationId xmlns:a16="http://schemas.microsoft.com/office/drawing/2014/main" xmlns="" id="{42CBBCDD-C623-4782-8062-5EF3E6F0ED96}"/>
+                <a16:creationId xmlns="" xmlns:a16="http://schemas.microsoft.com/office/drawing/2014/main" id="{42CBBCDD-C623-4782-8062-5EF3E6F0ED96}"/>
               </a:ext>
             </a:extLst>
           </p:cNvPr>
@@ -7643,7 +7643,7 @@
           <p:cNvPr id="44" name="Organigramme : Opération manuelle 43">
             <a:extLst>
               <a:ext uri="{FF2B5EF4-FFF2-40B4-BE49-F238E27FC236}">
-                <a16:creationId xmlns:a16="http://schemas.microsoft.com/office/drawing/2014/main" xmlns="" id="{6219C7B1-99FF-4877-B7B3-EE55C0C91FF6}"/>
+                <a16:creationId xmlns="" xmlns:a16="http://schemas.microsoft.com/office/drawing/2014/main" id="{6219C7B1-99FF-4877-B7B3-EE55C0C91FF6}"/>
               </a:ext>
             </a:extLst>
           </p:cNvPr>
@@ -7689,7 +7689,7 @@
           <p:cNvPr id="45" name="Organigramme : Opération manuelle 44">
             <a:extLst>
               <a:ext uri="{FF2B5EF4-FFF2-40B4-BE49-F238E27FC236}">
-                <a16:creationId xmlns:a16="http://schemas.microsoft.com/office/drawing/2014/main" xmlns="" id="{704F0B15-2CB2-4638-ABCE-117C7E7094B4}"/>
+                <a16:creationId xmlns="" xmlns:a16="http://schemas.microsoft.com/office/drawing/2014/main" id="{704F0B15-2CB2-4638-ABCE-117C7E7094B4}"/>
               </a:ext>
             </a:extLst>
           </p:cNvPr>
@@ -7735,7 +7735,7 @@
           <p:cNvPr id="46" name="Ellipse 45">
             <a:extLst>
               <a:ext uri="{FF2B5EF4-FFF2-40B4-BE49-F238E27FC236}">
-                <a16:creationId xmlns:a16="http://schemas.microsoft.com/office/drawing/2014/main" xmlns="" id="{BE8C4EC8-5639-44B8-8A54-18FD3BC6E5DA}"/>
+                <a16:creationId xmlns="" xmlns:a16="http://schemas.microsoft.com/office/drawing/2014/main" id="{BE8C4EC8-5639-44B8-8A54-18FD3BC6E5DA}"/>
               </a:ext>
             </a:extLst>
           </p:cNvPr>
@@ -7786,7 +7786,7 @@
           <p:cNvPr id="47" name="Organigramme : Opération manuelle 46">
             <a:extLst>
               <a:ext uri="{FF2B5EF4-FFF2-40B4-BE49-F238E27FC236}">
-                <a16:creationId xmlns:a16="http://schemas.microsoft.com/office/drawing/2014/main" xmlns="" id="{F9221C5D-13AA-4A55-AC8C-3CB3CFFAF1BC}"/>
+                <a16:creationId xmlns="" xmlns:a16="http://schemas.microsoft.com/office/drawing/2014/main" id="{F9221C5D-13AA-4A55-AC8C-3CB3CFFAF1BC}"/>
               </a:ext>
             </a:extLst>
           </p:cNvPr>
@@ -7832,7 +7832,7 @@
           <p:cNvPr id="48" name="Organigramme : Opération manuelle 47">
             <a:extLst>
               <a:ext uri="{FF2B5EF4-FFF2-40B4-BE49-F238E27FC236}">
-                <a16:creationId xmlns:a16="http://schemas.microsoft.com/office/drawing/2014/main" xmlns="" id="{7A19FF6A-F47B-4732-96D4-F64E67720B9A}"/>
+                <a16:creationId xmlns="" xmlns:a16="http://schemas.microsoft.com/office/drawing/2014/main" id="{7A19FF6A-F47B-4732-96D4-F64E67720B9A}"/>
               </a:ext>
             </a:extLst>
           </p:cNvPr>
@@ -7878,7 +7878,7 @@
           <p:cNvPr id="49" name="Organigramme : Opération manuelle 48">
             <a:extLst>
               <a:ext uri="{FF2B5EF4-FFF2-40B4-BE49-F238E27FC236}">
-                <a16:creationId xmlns:a16="http://schemas.microsoft.com/office/drawing/2014/main" xmlns="" id="{761544D1-0FC7-402F-9E9D-BC6EAB0E04E0}"/>
+                <a16:creationId xmlns="" xmlns:a16="http://schemas.microsoft.com/office/drawing/2014/main" id="{761544D1-0FC7-402F-9E9D-BC6EAB0E04E0}"/>
               </a:ext>
             </a:extLst>
           </p:cNvPr>
@@ -7924,7 +7924,7 @@
           <p:cNvPr id="50" name="Organigramme : Opération manuelle 49">
             <a:extLst>
               <a:ext uri="{FF2B5EF4-FFF2-40B4-BE49-F238E27FC236}">
-                <a16:creationId xmlns:a16="http://schemas.microsoft.com/office/drawing/2014/main" xmlns="" id="{FDAA0F40-D2CA-48BB-B3B9-D2F2A3208A02}"/>
+                <a16:creationId xmlns="" xmlns:a16="http://schemas.microsoft.com/office/drawing/2014/main" id="{FDAA0F40-D2CA-48BB-B3B9-D2F2A3208A02}"/>
               </a:ext>
             </a:extLst>
           </p:cNvPr>
@@ -7970,7 +7970,7 @@
           <p:cNvPr id="51" name="Ellipse 50">
             <a:extLst>
               <a:ext uri="{FF2B5EF4-FFF2-40B4-BE49-F238E27FC236}">
-                <a16:creationId xmlns:a16="http://schemas.microsoft.com/office/drawing/2014/main" xmlns="" id="{AAE08825-BCD9-47CA-8A3E-23088EDD187F}"/>
+                <a16:creationId xmlns="" xmlns:a16="http://schemas.microsoft.com/office/drawing/2014/main" id="{AAE08825-BCD9-47CA-8A3E-23088EDD187F}"/>
               </a:ext>
             </a:extLst>
           </p:cNvPr>
@@ -8021,7 +8021,7 @@
           <p:cNvPr id="52" name="Organigramme : Opération manuelle 51">
             <a:extLst>
               <a:ext uri="{FF2B5EF4-FFF2-40B4-BE49-F238E27FC236}">
-                <a16:creationId xmlns:a16="http://schemas.microsoft.com/office/drawing/2014/main" xmlns="" id="{9B3D5033-A414-42A2-828D-61F554B5F198}"/>
+                <a16:creationId xmlns="" xmlns:a16="http://schemas.microsoft.com/office/drawing/2014/main" id="{9B3D5033-A414-42A2-828D-61F554B5F198}"/>
               </a:ext>
             </a:extLst>
           </p:cNvPr>
@@ -8067,7 +8067,7 @@
           <p:cNvPr id="53" name="Organigramme : Opération manuelle 52">
             <a:extLst>
               <a:ext uri="{FF2B5EF4-FFF2-40B4-BE49-F238E27FC236}">
-                <a16:creationId xmlns:a16="http://schemas.microsoft.com/office/drawing/2014/main" xmlns="" id="{DBBAC968-B061-466E-9689-60CAB39249A7}"/>
+                <a16:creationId xmlns="" xmlns:a16="http://schemas.microsoft.com/office/drawing/2014/main" id="{DBBAC968-B061-466E-9689-60CAB39249A7}"/>
               </a:ext>
             </a:extLst>
           </p:cNvPr>
@@ -8113,7 +8113,7 @@
           <p:cNvPr id="54" name="Organigramme : Opération manuelle 53">
             <a:extLst>
               <a:ext uri="{FF2B5EF4-FFF2-40B4-BE49-F238E27FC236}">
-                <a16:creationId xmlns:a16="http://schemas.microsoft.com/office/drawing/2014/main" xmlns="" id="{29921343-D45D-4CB7-B013-A159A4BB1F27}"/>
+                <a16:creationId xmlns="" xmlns:a16="http://schemas.microsoft.com/office/drawing/2014/main" id="{29921343-D45D-4CB7-B013-A159A4BB1F27}"/>
               </a:ext>
             </a:extLst>
           </p:cNvPr>
@@ -8159,7 +8159,7 @@
           <p:cNvPr id="55" name="Organigramme : Opération manuelle 54">
             <a:extLst>
               <a:ext uri="{FF2B5EF4-FFF2-40B4-BE49-F238E27FC236}">
-                <a16:creationId xmlns:a16="http://schemas.microsoft.com/office/drawing/2014/main" xmlns="" id="{CFAD89A1-F135-4B8C-8675-DDAEFEB083C1}"/>
+                <a16:creationId xmlns="" xmlns:a16="http://schemas.microsoft.com/office/drawing/2014/main" id="{CFAD89A1-F135-4B8C-8675-DDAEFEB083C1}"/>
               </a:ext>
             </a:extLst>
           </p:cNvPr>
@@ -8205,7 +8205,7 @@
           <p:cNvPr id="56" name="Ellipse 55">
             <a:extLst>
               <a:ext uri="{FF2B5EF4-FFF2-40B4-BE49-F238E27FC236}">
-                <a16:creationId xmlns:a16="http://schemas.microsoft.com/office/drawing/2014/main" xmlns="" id="{A2B40826-0A97-44E1-854C-8D3E58F77946}"/>
+                <a16:creationId xmlns="" xmlns:a16="http://schemas.microsoft.com/office/drawing/2014/main" id="{A2B40826-0A97-44E1-854C-8D3E58F77946}"/>
               </a:ext>
             </a:extLst>
           </p:cNvPr>
@@ -8256,7 +8256,7 @@
           <p:cNvPr id="57" name="Organigramme : Opération manuelle 56">
             <a:extLst>
               <a:ext uri="{FF2B5EF4-FFF2-40B4-BE49-F238E27FC236}">
-                <a16:creationId xmlns:a16="http://schemas.microsoft.com/office/drawing/2014/main" xmlns="" id="{15137A17-D0C6-41DC-9C84-B3A932B67566}"/>
+                <a16:creationId xmlns="" xmlns:a16="http://schemas.microsoft.com/office/drawing/2014/main" id="{15137A17-D0C6-41DC-9C84-B3A932B67566}"/>
               </a:ext>
             </a:extLst>
           </p:cNvPr>
@@ -8302,7 +8302,7 @@
           <p:cNvPr id="58" name="Organigramme : Opération manuelle 57">
             <a:extLst>
               <a:ext uri="{FF2B5EF4-FFF2-40B4-BE49-F238E27FC236}">
-                <a16:creationId xmlns:a16="http://schemas.microsoft.com/office/drawing/2014/main" xmlns="" id="{23A00D56-8E55-4667-8F59-253B49D8ACFD}"/>
+                <a16:creationId xmlns="" xmlns:a16="http://schemas.microsoft.com/office/drawing/2014/main" id="{23A00D56-8E55-4667-8F59-253B49D8ACFD}"/>
               </a:ext>
             </a:extLst>
           </p:cNvPr>
@@ -8348,7 +8348,7 @@
           <p:cNvPr id="59" name="Organigramme : Opération manuelle 58">
             <a:extLst>
               <a:ext uri="{FF2B5EF4-FFF2-40B4-BE49-F238E27FC236}">
-                <a16:creationId xmlns:a16="http://schemas.microsoft.com/office/drawing/2014/main" xmlns="" id="{F0417FF3-291C-4559-A8E5-6E28EB3D817D}"/>
+                <a16:creationId xmlns="" xmlns:a16="http://schemas.microsoft.com/office/drawing/2014/main" id="{F0417FF3-291C-4559-A8E5-6E28EB3D817D}"/>
               </a:ext>
             </a:extLst>
           </p:cNvPr>
@@ -8394,7 +8394,7 @@
           <p:cNvPr id="60" name="Organigramme : Opération manuelle 59">
             <a:extLst>
               <a:ext uri="{FF2B5EF4-FFF2-40B4-BE49-F238E27FC236}">
-                <a16:creationId xmlns:a16="http://schemas.microsoft.com/office/drawing/2014/main" xmlns="" id="{70A2DCFB-EA76-475D-87FD-769618A5310B}"/>
+                <a16:creationId xmlns="" xmlns:a16="http://schemas.microsoft.com/office/drawing/2014/main" id="{70A2DCFB-EA76-475D-87FD-769618A5310B}"/>
               </a:ext>
             </a:extLst>
           </p:cNvPr>
@@ -8440,7 +8440,7 @@
           <p:cNvPr id="103" name="Connecteur droit 102">
             <a:extLst>
               <a:ext uri="{FF2B5EF4-FFF2-40B4-BE49-F238E27FC236}">
-                <a16:creationId xmlns:a16="http://schemas.microsoft.com/office/drawing/2014/main" xmlns="" id="{823D8448-CCE1-4C38-8E05-68C8590DBC0C}"/>
+                <a16:creationId xmlns="" xmlns:a16="http://schemas.microsoft.com/office/drawing/2014/main" id="{823D8448-CCE1-4C38-8E05-68C8590DBC0C}"/>
               </a:ext>
             </a:extLst>
           </p:cNvPr>
@@ -8487,7 +8487,7 @@
           <p:cNvPr id="104" name="Connecteur droit 103">
             <a:extLst>
               <a:ext uri="{FF2B5EF4-FFF2-40B4-BE49-F238E27FC236}">
-                <a16:creationId xmlns:a16="http://schemas.microsoft.com/office/drawing/2014/main" xmlns="" id="{0F8741F6-485E-4589-B941-8260B015DDED}"/>
+                <a16:creationId xmlns="" xmlns:a16="http://schemas.microsoft.com/office/drawing/2014/main" id="{0F8741F6-485E-4589-B941-8260B015DDED}"/>
               </a:ext>
             </a:extLst>
           </p:cNvPr>
@@ -8534,7 +8534,7 @@
           <p:cNvPr id="106" name="ZoneTexte 105">
             <a:extLst>
               <a:ext uri="{FF2B5EF4-FFF2-40B4-BE49-F238E27FC236}">
-                <a16:creationId xmlns:a16="http://schemas.microsoft.com/office/drawing/2014/main" xmlns="" id="{69FD88B1-A156-4664-8C14-04D58A84F5BC}"/>
+                <a16:creationId xmlns="" xmlns:a16="http://schemas.microsoft.com/office/drawing/2014/main" id="{69FD88B1-A156-4664-8C14-04D58A84F5BC}"/>
               </a:ext>
             </a:extLst>
           </p:cNvPr>
@@ -8579,7 +8579,7 @@
           <p:cNvPr id="107" name="ZoneTexte 106">
             <a:extLst>
               <a:ext uri="{FF2B5EF4-FFF2-40B4-BE49-F238E27FC236}">
-                <a16:creationId xmlns:a16="http://schemas.microsoft.com/office/drawing/2014/main" xmlns="" id="{E38F3277-20D2-4B82-8AEA-EAD558550FCE}"/>
+                <a16:creationId xmlns="" xmlns:a16="http://schemas.microsoft.com/office/drawing/2014/main" id="{E38F3277-20D2-4B82-8AEA-EAD558550FCE}"/>
               </a:ext>
             </a:extLst>
           </p:cNvPr>
@@ -8624,7 +8624,7 @@
           <p:cNvPr id="108" name="ZoneTexte 107">
             <a:extLst>
               <a:ext uri="{FF2B5EF4-FFF2-40B4-BE49-F238E27FC236}">
-                <a16:creationId xmlns:a16="http://schemas.microsoft.com/office/drawing/2014/main" xmlns="" id="{6AE65DAE-7A98-4566-9161-9A053CAFDB7A}"/>
+                <a16:creationId xmlns="" xmlns:a16="http://schemas.microsoft.com/office/drawing/2014/main" id="{6AE65DAE-7A98-4566-9161-9A053CAFDB7A}"/>
               </a:ext>
             </a:extLst>
           </p:cNvPr>
@@ -8669,7 +8669,7 @@
           <p:cNvPr id="109" name="Rectangle : coins arrondis 108">
             <a:extLst>
               <a:ext uri="{FF2B5EF4-FFF2-40B4-BE49-F238E27FC236}">
-                <a16:creationId xmlns:a16="http://schemas.microsoft.com/office/drawing/2014/main" xmlns="" id="{2243E423-50EC-4812-8835-A6E09FCA1BA1}"/>
+                <a16:creationId xmlns="" xmlns:a16="http://schemas.microsoft.com/office/drawing/2014/main" id="{2243E423-50EC-4812-8835-A6E09FCA1BA1}"/>
               </a:ext>
             </a:extLst>
           </p:cNvPr>
@@ -8722,7 +8722,7 @@
           <p:cNvPr id="110" name="ZoneTexte 109">
             <a:extLst>
               <a:ext uri="{FF2B5EF4-FFF2-40B4-BE49-F238E27FC236}">
-                <a16:creationId xmlns:a16="http://schemas.microsoft.com/office/drawing/2014/main" xmlns="" id="{68733A33-E0EE-4B71-9A06-5363223830CA}"/>
+                <a16:creationId xmlns="" xmlns:a16="http://schemas.microsoft.com/office/drawing/2014/main" id="{68733A33-E0EE-4B71-9A06-5363223830CA}"/>
               </a:ext>
             </a:extLst>
           </p:cNvPr>
@@ -8767,7 +8767,7 @@
           <p:cNvPr id="111" name="Connecteur droit 110">
             <a:extLst>
               <a:ext uri="{FF2B5EF4-FFF2-40B4-BE49-F238E27FC236}">
-                <a16:creationId xmlns:a16="http://schemas.microsoft.com/office/drawing/2014/main" xmlns="" id="{29A7FF87-BC99-41C5-8037-7E057BAD4D07}"/>
+                <a16:creationId xmlns="" xmlns:a16="http://schemas.microsoft.com/office/drawing/2014/main" id="{29A7FF87-BC99-41C5-8037-7E057BAD4D07}"/>
               </a:ext>
             </a:extLst>
           </p:cNvPr>
@@ -8814,7 +8814,7 @@
           <p:cNvPr id="113" name="ZoneTexte 112">
             <a:extLst>
               <a:ext uri="{FF2B5EF4-FFF2-40B4-BE49-F238E27FC236}">
-                <a16:creationId xmlns:a16="http://schemas.microsoft.com/office/drawing/2014/main" xmlns="" id="{FE19131E-EC96-4D99-A912-B07CF67FED57}"/>
+                <a16:creationId xmlns="" xmlns:a16="http://schemas.microsoft.com/office/drawing/2014/main" id="{FE19131E-EC96-4D99-A912-B07CF67FED57}"/>
               </a:ext>
             </a:extLst>
           </p:cNvPr>
@@ -8859,7 +8859,7 @@
           <p:cNvPr id="114" name="ZoneTexte 113">
             <a:extLst>
               <a:ext uri="{FF2B5EF4-FFF2-40B4-BE49-F238E27FC236}">
-                <a16:creationId xmlns:a16="http://schemas.microsoft.com/office/drawing/2014/main" xmlns="" id="{50E87D2D-703A-484F-AB9C-A9001558B265}"/>
+                <a16:creationId xmlns="" xmlns:a16="http://schemas.microsoft.com/office/drawing/2014/main" id="{50E87D2D-703A-484F-AB9C-A9001558B265}"/>
               </a:ext>
             </a:extLst>
           </p:cNvPr>
@@ -8904,7 +8904,7 @@
           <p:cNvPr id="115" name="ZoneTexte 114">
             <a:extLst>
               <a:ext uri="{FF2B5EF4-FFF2-40B4-BE49-F238E27FC236}">
-                <a16:creationId xmlns:a16="http://schemas.microsoft.com/office/drawing/2014/main" xmlns="" id="{CAEBF898-80D0-4816-9A37-BFCC2B4F246A}"/>
+                <a16:creationId xmlns="" xmlns:a16="http://schemas.microsoft.com/office/drawing/2014/main" id="{CAEBF898-80D0-4816-9A37-BFCC2B4F246A}"/>
               </a:ext>
             </a:extLst>
           </p:cNvPr>
@@ -8949,7 +8949,7 @@
           <p:cNvPr id="116" name="ZoneTexte 115">
             <a:extLst>
               <a:ext uri="{FF2B5EF4-FFF2-40B4-BE49-F238E27FC236}">
-                <a16:creationId xmlns:a16="http://schemas.microsoft.com/office/drawing/2014/main" xmlns="" id="{2ADBC45A-107B-4418-9303-C092A5DA7134}"/>
+                <a16:creationId xmlns="" xmlns:a16="http://schemas.microsoft.com/office/drawing/2014/main" id="{2ADBC45A-107B-4418-9303-C092A5DA7134}"/>
               </a:ext>
             </a:extLst>
           </p:cNvPr>
@@ -9032,7 +9032,7 @@
           <p:cNvPr id="2" name="Titre 1">
             <a:extLst>
               <a:ext uri="{FF2B5EF4-FFF2-40B4-BE49-F238E27FC236}">
-                <a16:creationId xmlns:a16="http://schemas.microsoft.com/office/drawing/2014/main" xmlns="" id="{AD4F0A27-99BB-49D0-9C93-2D3C5186E6B2}"/>
+                <a16:creationId xmlns="" xmlns:a16="http://schemas.microsoft.com/office/drawing/2014/main" id="{AD4F0A27-99BB-49D0-9C93-2D3C5186E6B2}"/>
               </a:ext>
             </a:extLst>
           </p:cNvPr>
@@ -9072,7 +9072,7 @@
           <p:cNvPr id="3" name="Sous-titre 2">
             <a:extLst>
               <a:ext uri="{FF2B5EF4-FFF2-40B4-BE49-F238E27FC236}">
-                <a16:creationId xmlns:a16="http://schemas.microsoft.com/office/drawing/2014/main" xmlns="" id="{B5895DDB-3400-4A36-A688-98CC33D75B68}"/>
+                <a16:creationId xmlns="" xmlns:a16="http://schemas.microsoft.com/office/drawing/2014/main" id="{B5895DDB-3400-4A36-A688-98CC33D75B68}"/>
               </a:ext>
             </a:extLst>
           </p:cNvPr>
@@ -9115,7 +9115,7 @@
           <p:cNvPr id="5" name="Image 4" descr="Une image contenant texte, clipart, lumière&#10;&#10;Description générée automatiquement">
             <a:extLst>
               <a:ext uri="{FF2B5EF4-FFF2-40B4-BE49-F238E27FC236}">
-                <a16:creationId xmlns:a16="http://schemas.microsoft.com/office/drawing/2014/main" xmlns="" id="{F92E366F-A75B-4FBE-95A4-7BE2692FD768}"/>
+                <a16:creationId xmlns="" xmlns:a16="http://schemas.microsoft.com/office/drawing/2014/main" id="{F92E366F-A75B-4FBE-95A4-7BE2692FD768}"/>
               </a:ext>
             </a:extLst>
           </p:cNvPr>
@@ -9151,7 +9151,7 @@
           <p:cNvPr id="6" name="Rectangle : coins arrondis 5">
             <a:extLst>
               <a:ext uri="{FF2B5EF4-FFF2-40B4-BE49-F238E27FC236}">
-                <a16:creationId xmlns:a16="http://schemas.microsoft.com/office/drawing/2014/main" xmlns="" id="{62D80FBE-86D3-4290-8607-F26C6EF24A6E}"/>
+                <a16:creationId xmlns="" xmlns:a16="http://schemas.microsoft.com/office/drawing/2014/main" id="{62D80FBE-86D3-4290-8607-F26C6EF24A6E}"/>
               </a:ext>
             </a:extLst>
           </p:cNvPr>
@@ -9198,7 +9198,7 @@
           <p:cNvPr id="109" name="Rectangle : coins arrondis 108">
             <a:extLst>
               <a:ext uri="{FF2B5EF4-FFF2-40B4-BE49-F238E27FC236}">
-                <a16:creationId xmlns:a16="http://schemas.microsoft.com/office/drawing/2014/main" xmlns="" id="{2243E423-50EC-4812-8835-A6E09FCA1BA1}"/>
+                <a16:creationId xmlns="" xmlns:a16="http://schemas.microsoft.com/office/drawing/2014/main" id="{2243E423-50EC-4812-8835-A6E09FCA1BA1}"/>
               </a:ext>
             </a:extLst>
           </p:cNvPr>
@@ -9251,7 +9251,7 @@
           <p:cNvPr id="4" name="Rectangle : coins arrondis 3">
             <a:extLst>
               <a:ext uri="{FF2B5EF4-FFF2-40B4-BE49-F238E27FC236}">
-                <a16:creationId xmlns:a16="http://schemas.microsoft.com/office/drawing/2014/main" xmlns="" id="{91F949C8-2425-7570-5287-385AC17B21E1}"/>
+                <a16:creationId xmlns="" xmlns:a16="http://schemas.microsoft.com/office/drawing/2014/main" id="{91F949C8-2425-7570-5287-385AC17B21E1}"/>
               </a:ext>
             </a:extLst>
           </p:cNvPr>
@@ -9303,7 +9303,7 @@
           <p:cNvPr id="42" name="Rectangle : coins arrondis 41">
             <a:extLst>
               <a:ext uri="{FF2B5EF4-FFF2-40B4-BE49-F238E27FC236}">
-                <a16:creationId xmlns:a16="http://schemas.microsoft.com/office/drawing/2014/main" xmlns="" id="{B9CC6F12-4123-D6A1-7A5B-468BFD06F155}"/>
+                <a16:creationId xmlns="" xmlns:a16="http://schemas.microsoft.com/office/drawing/2014/main" id="{B9CC6F12-4123-D6A1-7A5B-468BFD06F155}"/>
               </a:ext>
             </a:extLst>
           </p:cNvPr>
@@ -9355,7 +9355,7 @@
           <p:cNvPr id="7" name="Rectangle : coins arrondis 6">
             <a:extLst>
               <a:ext uri="{FF2B5EF4-FFF2-40B4-BE49-F238E27FC236}">
-                <a16:creationId xmlns:a16="http://schemas.microsoft.com/office/drawing/2014/main" xmlns="" id="{74E8AFA3-B138-2D66-9C3C-1DE9DCC8C07C}"/>
+                <a16:creationId xmlns="" xmlns:a16="http://schemas.microsoft.com/office/drawing/2014/main" id="{74E8AFA3-B138-2D66-9C3C-1DE9DCC8C07C}"/>
               </a:ext>
             </a:extLst>
           </p:cNvPr>
@@ -9407,7 +9407,7 @@
           <p:cNvPr id="8" name="ZoneTexte 7">
             <a:extLst>
               <a:ext uri="{FF2B5EF4-FFF2-40B4-BE49-F238E27FC236}">
-                <a16:creationId xmlns:a16="http://schemas.microsoft.com/office/drawing/2014/main" xmlns="" id="{77C86C5B-1B9B-6544-0709-090AD5E17401}"/>
+                <a16:creationId xmlns="" xmlns:a16="http://schemas.microsoft.com/office/drawing/2014/main" id="{77C86C5B-1B9B-6544-0709-090AD5E17401}"/>
               </a:ext>
             </a:extLst>
           </p:cNvPr>
@@ -9479,7 +9479,7 @@
           <p:cNvPr id="9" name="ZoneTexte 8">
             <a:extLst>
               <a:ext uri="{FF2B5EF4-FFF2-40B4-BE49-F238E27FC236}">
-                <a16:creationId xmlns:a16="http://schemas.microsoft.com/office/drawing/2014/main" xmlns="" id="{6C6EDA6A-82B2-334F-8478-E0B113379946}"/>
+                <a16:creationId xmlns="" xmlns:a16="http://schemas.microsoft.com/office/drawing/2014/main" id="{6C6EDA6A-82B2-334F-8478-E0B113379946}"/>
               </a:ext>
             </a:extLst>
           </p:cNvPr>
@@ -9589,7 +9589,7 @@
           <p:cNvPr id="2" name="Titre 1">
             <a:extLst>
               <a:ext uri="{FF2B5EF4-FFF2-40B4-BE49-F238E27FC236}">
-                <a16:creationId xmlns:a16="http://schemas.microsoft.com/office/drawing/2014/main" xmlns="" id="{AD4F0A27-99BB-49D0-9C93-2D3C5186E6B2}"/>
+                <a16:creationId xmlns="" xmlns:a16="http://schemas.microsoft.com/office/drawing/2014/main" id="{AD4F0A27-99BB-49D0-9C93-2D3C5186E6B2}"/>
               </a:ext>
             </a:extLst>
           </p:cNvPr>
@@ -9629,7 +9629,7 @@
           <p:cNvPr id="3" name="Sous-titre 2">
             <a:extLst>
               <a:ext uri="{FF2B5EF4-FFF2-40B4-BE49-F238E27FC236}">
-                <a16:creationId xmlns:a16="http://schemas.microsoft.com/office/drawing/2014/main" xmlns="" id="{B5895DDB-3400-4A36-A688-98CC33D75B68}"/>
+                <a16:creationId xmlns="" xmlns:a16="http://schemas.microsoft.com/office/drawing/2014/main" id="{B5895DDB-3400-4A36-A688-98CC33D75B68}"/>
               </a:ext>
             </a:extLst>
           </p:cNvPr>
@@ -9672,7 +9672,7 @@
           <p:cNvPr id="5" name="Image 4" descr="Une image contenant texte, clipart, lumière&#10;&#10;Description générée automatiquement">
             <a:extLst>
               <a:ext uri="{FF2B5EF4-FFF2-40B4-BE49-F238E27FC236}">
-                <a16:creationId xmlns:a16="http://schemas.microsoft.com/office/drawing/2014/main" xmlns="" id="{F92E366F-A75B-4FBE-95A4-7BE2692FD768}"/>
+                <a16:creationId xmlns="" xmlns:a16="http://schemas.microsoft.com/office/drawing/2014/main" id="{F92E366F-A75B-4FBE-95A4-7BE2692FD768}"/>
               </a:ext>
             </a:extLst>
           </p:cNvPr>
@@ -9708,7 +9708,7 @@
           <p:cNvPr id="6" name="Rectangle : coins arrondis 5">
             <a:extLst>
               <a:ext uri="{FF2B5EF4-FFF2-40B4-BE49-F238E27FC236}">
-                <a16:creationId xmlns:a16="http://schemas.microsoft.com/office/drawing/2014/main" xmlns="" id="{62D80FBE-86D3-4290-8607-F26C6EF24A6E}"/>
+                <a16:creationId xmlns="" xmlns:a16="http://schemas.microsoft.com/office/drawing/2014/main" id="{62D80FBE-86D3-4290-8607-F26C6EF24A6E}"/>
               </a:ext>
             </a:extLst>
           </p:cNvPr>
@@ -9755,7 +9755,7 @@
           <p:cNvPr id="109" name="Rectangle : coins arrondis 108">
             <a:extLst>
               <a:ext uri="{FF2B5EF4-FFF2-40B4-BE49-F238E27FC236}">
-                <a16:creationId xmlns:a16="http://schemas.microsoft.com/office/drawing/2014/main" xmlns="" id="{2243E423-50EC-4812-8835-A6E09FCA1BA1}"/>
+                <a16:creationId xmlns="" xmlns:a16="http://schemas.microsoft.com/office/drawing/2014/main" id="{2243E423-50EC-4812-8835-A6E09FCA1BA1}"/>
               </a:ext>
             </a:extLst>
           </p:cNvPr>
@@ -9808,7 +9808,7 @@
           <p:cNvPr id="4" name="Rectangle : coins arrondis 3">
             <a:extLst>
               <a:ext uri="{FF2B5EF4-FFF2-40B4-BE49-F238E27FC236}">
-                <a16:creationId xmlns:a16="http://schemas.microsoft.com/office/drawing/2014/main" xmlns="" id="{91F949C8-2425-7570-5287-385AC17B21E1}"/>
+                <a16:creationId xmlns="" xmlns:a16="http://schemas.microsoft.com/office/drawing/2014/main" id="{91F949C8-2425-7570-5287-385AC17B21E1}"/>
               </a:ext>
             </a:extLst>
           </p:cNvPr>
@@ -9855,7 +9855,7 @@
           <p:cNvPr id="42" name="Rectangle : coins arrondis 41">
             <a:extLst>
               <a:ext uri="{FF2B5EF4-FFF2-40B4-BE49-F238E27FC236}">
-                <a16:creationId xmlns:a16="http://schemas.microsoft.com/office/drawing/2014/main" xmlns="" id="{B9CC6F12-4123-D6A1-7A5B-468BFD06F155}"/>
+                <a16:creationId xmlns="" xmlns:a16="http://schemas.microsoft.com/office/drawing/2014/main" id="{B9CC6F12-4123-D6A1-7A5B-468BFD06F155}"/>
               </a:ext>
             </a:extLst>
           </p:cNvPr>
@@ -9902,7 +9902,7 @@
           <p:cNvPr id="101" name="Rectangle : coins arrondis 100">
             <a:extLst>
               <a:ext uri="{FF2B5EF4-FFF2-40B4-BE49-F238E27FC236}">
-                <a16:creationId xmlns:a16="http://schemas.microsoft.com/office/drawing/2014/main" xmlns="" id="{C52AE2BA-B991-EBDF-460B-A7B0337F8701}"/>
+                <a16:creationId xmlns="" xmlns:a16="http://schemas.microsoft.com/office/drawing/2014/main" id="{C52AE2BA-B991-EBDF-460B-A7B0337F8701}"/>
               </a:ext>
             </a:extLst>
           </p:cNvPr>
@@ -9949,7 +9949,7 @@
           <p:cNvPr id="105" name="Rectangle : coins arrondis 104">
             <a:extLst>
               <a:ext uri="{FF2B5EF4-FFF2-40B4-BE49-F238E27FC236}">
-                <a16:creationId xmlns:a16="http://schemas.microsoft.com/office/drawing/2014/main" xmlns="" id="{4EA2A443-DA9D-D476-797F-432FEB17CB41}"/>
+                <a16:creationId xmlns="" xmlns:a16="http://schemas.microsoft.com/office/drawing/2014/main" id="{4EA2A443-DA9D-D476-797F-432FEB17CB41}"/>
               </a:ext>
             </a:extLst>
           </p:cNvPr>
@@ -9996,7 +9996,7 @@
           <p:cNvPr id="112" name="ZoneTexte 111">
             <a:extLst>
               <a:ext uri="{FF2B5EF4-FFF2-40B4-BE49-F238E27FC236}">
-                <a16:creationId xmlns:a16="http://schemas.microsoft.com/office/drawing/2014/main" xmlns="" id="{683AE567-0F31-D319-403F-257414713CFE}"/>
+                <a16:creationId xmlns="" xmlns:a16="http://schemas.microsoft.com/office/drawing/2014/main" id="{683AE567-0F31-D319-403F-257414713CFE}"/>
               </a:ext>
             </a:extLst>
           </p:cNvPr>
@@ -10140,7 +10140,7 @@
           <p:cNvPr id="7" name="Rectangle : coins arrondis 6">
             <a:extLst>
               <a:ext uri="{FF2B5EF4-FFF2-40B4-BE49-F238E27FC236}">
-                <a16:creationId xmlns:a16="http://schemas.microsoft.com/office/drawing/2014/main" xmlns="" id="{C787E6B1-B434-AC53-BD32-64FE80C94B19}"/>
+                <a16:creationId xmlns="" xmlns:a16="http://schemas.microsoft.com/office/drawing/2014/main" id="{C787E6B1-B434-AC53-BD32-64FE80C94B19}"/>
               </a:ext>
             </a:extLst>
           </p:cNvPr>
@@ -10187,7 +10187,7 @@
           <p:cNvPr id="8" name="ZoneTexte 7">
             <a:extLst>
               <a:ext uri="{FF2B5EF4-FFF2-40B4-BE49-F238E27FC236}">
-                <a16:creationId xmlns:a16="http://schemas.microsoft.com/office/drawing/2014/main" xmlns="" id="{20A80479-A65F-A09F-5DC7-7752AE77F1FE}"/>
+                <a16:creationId xmlns="" xmlns:a16="http://schemas.microsoft.com/office/drawing/2014/main" id="{20A80479-A65F-A09F-5DC7-7752AE77F1FE}"/>
               </a:ext>
             </a:extLst>
           </p:cNvPr>
@@ -10246,7 +10246,7 @@
           <p:cNvPr id="9" name="Connecteur droit 8">
             <a:extLst>
               <a:ext uri="{FF2B5EF4-FFF2-40B4-BE49-F238E27FC236}">
-                <a16:creationId xmlns:a16="http://schemas.microsoft.com/office/drawing/2014/main" xmlns="" id="{69F4CD8C-A1F8-3DC6-7EAE-D62250ECD5D8}"/>
+                <a16:creationId xmlns="" xmlns:a16="http://schemas.microsoft.com/office/drawing/2014/main" id="{69F4CD8C-A1F8-3DC6-7EAE-D62250ECD5D8}"/>
               </a:ext>
             </a:extLst>
           </p:cNvPr>
@@ -10293,7 +10293,7 @@
           <p:cNvPr id="12" name="Connecteur droit 11">
             <a:extLst>
               <a:ext uri="{FF2B5EF4-FFF2-40B4-BE49-F238E27FC236}">
-                <a16:creationId xmlns:a16="http://schemas.microsoft.com/office/drawing/2014/main" xmlns="" id="{3D51EE64-C5E5-6B0F-3FC6-CE7EBFA3CEAC}"/>
+                <a16:creationId xmlns="" xmlns:a16="http://schemas.microsoft.com/office/drawing/2014/main" id="{3D51EE64-C5E5-6B0F-3FC6-CE7EBFA3CEAC}"/>
               </a:ext>
             </a:extLst>
           </p:cNvPr>
@@ -10340,7 +10340,7 @@
           <p:cNvPr id="15" name="Connecteur droit 14">
             <a:extLst>
               <a:ext uri="{FF2B5EF4-FFF2-40B4-BE49-F238E27FC236}">
-                <a16:creationId xmlns:a16="http://schemas.microsoft.com/office/drawing/2014/main" xmlns="" id="{B75642F1-4DED-8DA5-94FC-4314CF044240}"/>
+                <a16:creationId xmlns="" xmlns:a16="http://schemas.microsoft.com/office/drawing/2014/main" id="{B75642F1-4DED-8DA5-94FC-4314CF044240}"/>
               </a:ext>
             </a:extLst>
           </p:cNvPr>
@@ -10387,7 +10387,7 @@
           <p:cNvPr id="16" name="ZoneTexte 15">
             <a:extLst>
               <a:ext uri="{FF2B5EF4-FFF2-40B4-BE49-F238E27FC236}">
-                <a16:creationId xmlns:a16="http://schemas.microsoft.com/office/drawing/2014/main" xmlns="" id="{00D0015B-8959-6872-A092-05E4EC31CA6C}"/>
+                <a16:creationId xmlns="" xmlns:a16="http://schemas.microsoft.com/office/drawing/2014/main" id="{00D0015B-8959-6872-A092-05E4EC31CA6C}"/>
               </a:ext>
             </a:extLst>
           </p:cNvPr>
@@ -10588,7 +10588,7 @@
           <p:cNvPr id="17" name="Connecteur droit 16">
             <a:extLst>
               <a:ext uri="{FF2B5EF4-FFF2-40B4-BE49-F238E27FC236}">
-                <a16:creationId xmlns:a16="http://schemas.microsoft.com/office/drawing/2014/main" xmlns="" id="{D273B2D6-E2D4-C50F-78B6-EE3B82F7F0FE}"/>
+                <a16:creationId xmlns="" xmlns:a16="http://schemas.microsoft.com/office/drawing/2014/main" id="{D273B2D6-E2D4-C50F-78B6-EE3B82F7F0FE}"/>
               </a:ext>
             </a:extLst>
           </p:cNvPr>
@@ -10673,7 +10673,7 @@
           <p:cNvPr id="2" name="Titre 1">
             <a:extLst>
               <a:ext uri="{FF2B5EF4-FFF2-40B4-BE49-F238E27FC236}">
-                <a16:creationId xmlns:a16="http://schemas.microsoft.com/office/drawing/2014/main" xmlns="" id="{AD4F0A27-99BB-49D0-9C93-2D3C5186E6B2}"/>
+                <a16:creationId xmlns="" xmlns:a16="http://schemas.microsoft.com/office/drawing/2014/main" id="{AD4F0A27-99BB-49D0-9C93-2D3C5186E6B2}"/>
               </a:ext>
             </a:extLst>
           </p:cNvPr>
@@ -10713,7 +10713,7 @@
           <p:cNvPr id="3" name="Sous-titre 2">
             <a:extLst>
               <a:ext uri="{FF2B5EF4-FFF2-40B4-BE49-F238E27FC236}">
-                <a16:creationId xmlns:a16="http://schemas.microsoft.com/office/drawing/2014/main" xmlns="" id="{B5895DDB-3400-4A36-A688-98CC33D75B68}"/>
+                <a16:creationId xmlns="" xmlns:a16="http://schemas.microsoft.com/office/drawing/2014/main" id="{B5895DDB-3400-4A36-A688-98CC33D75B68}"/>
               </a:ext>
             </a:extLst>
           </p:cNvPr>
@@ -10756,7 +10756,7 @@
           <p:cNvPr id="5" name="Image 4" descr="Une image contenant texte, clipart, lumière&#10;&#10;Description générée automatiquement">
             <a:extLst>
               <a:ext uri="{FF2B5EF4-FFF2-40B4-BE49-F238E27FC236}">
-                <a16:creationId xmlns:a16="http://schemas.microsoft.com/office/drawing/2014/main" xmlns="" id="{F92E366F-A75B-4FBE-95A4-7BE2692FD768}"/>
+                <a16:creationId xmlns="" xmlns:a16="http://schemas.microsoft.com/office/drawing/2014/main" id="{F92E366F-A75B-4FBE-95A4-7BE2692FD768}"/>
               </a:ext>
             </a:extLst>
           </p:cNvPr>
@@ -10792,7 +10792,7 @@
           <p:cNvPr id="6" name="Rectangle : coins arrondis 5">
             <a:extLst>
               <a:ext uri="{FF2B5EF4-FFF2-40B4-BE49-F238E27FC236}">
-                <a16:creationId xmlns:a16="http://schemas.microsoft.com/office/drawing/2014/main" xmlns="" id="{62D80FBE-86D3-4290-8607-F26C6EF24A6E}"/>
+                <a16:creationId xmlns="" xmlns:a16="http://schemas.microsoft.com/office/drawing/2014/main" id="{62D80FBE-86D3-4290-8607-F26C6EF24A6E}"/>
               </a:ext>
             </a:extLst>
           </p:cNvPr>
@@ -10839,7 +10839,7 @@
           <p:cNvPr id="4" name="Rectangle 3">
             <a:extLst>
               <a:ext uri="{FF2B5EF4-FFF2-40B4-BE49-F238E27FC236}">
-                <a16:creationId xmlns:a16="http://schemas.microsoft.com/office/drawing/2014/main" xmlns="" id="{2389F2DB-BC7E-4729-A4B0-5F96486A6F3B}"/>
+                <a16:creationId xmlns="" xmlns:a16="http://schemas.microsoft.com/office/drawing/2014/main" id="{2389F2DB-BC7E-4729-A4B0-5F96486A6F3B}"/>
               </a:ext>
             </a:extLst>
           </p:cNvPr>
@@ -10883,7 +10883,7 @@
           <p:cNvPr id="7" name="Rectangle 6">
             <a:extLst>
               <a:ext uri="{FF2B5EF4-FFF2-40B4-BE49-F238E27FC236}">
-                <a16:creationId xmlns:a16="http://schemas.microsoft.com/office/drawing/2014/main" xmlns="" id="{ADED1997-AB8C-4C21-B767-7C1C942E508B}"/>
+                <a16:creationId xmlns="" xmlns:a16="http://schemas.microsoft.com/office/drawing/2014/main" id="{ADED1997-AB8C-4C21-B767-7C1C942E508B}"/>
               </a:ext>
             </a:extLst>
           </p:cNvPr>
@@ -10929,7 +10929,7 @@
           <p:cNvPr id="8" name="Rectangle 7">
             <a:extLst>
               <a:ext uri="{FF2B5EF4-FFF2-40B4-BE49-F238E27FC236}">
-                <a16:creationId xmlns:a16="http://schemas.microsoft.com/office/drawing/2014/main" xmlns="" id="{55CD3110-4CD0-470C-9597-0C37D1B6F72A}"/>
+                <a16:creationId xmlns="" xmlns:a16="http://schemas.microsoft.com/office/drawing/2014/main" id="{55CD3110-4CD0-470C-9597-0C37D1B6F72A}"/>
               </a:ext>
             </a:extLst>
           </p:cNvPr>
@@ -10975,7 +10975,7 @@
           <p:cNvPr id="9" name="Rectangle 8">
             <a:extLst>
               <a:ext uri="{FF2B5EF4-FFF2-40B4-BE49-F238E27FC236}">
-                <a16:creationId xmlns:a16="http://schemas.microsoft.com/office/drawing/2014/main" xmlns="" id="{0DEE193C-F907-4ACD-A5B7-D34F89A36408}"/>
+                <a16:creationId xmlns="" xmlns:a16="http://schemas.microsoft.com/office/drawing/2014/main" id="{0DEE193C-F907-4ACD-A5B7-D34F89A36408}"/>
               </a:ext>
             </a:extLst>
           </p:cNvPr>
@@ -11021,7 +11021,7 @@
           <p:cNvPr id="10" name="Rectangle 9">
             <a:extLst>
               <a:ext uri="{FF2B5EF4-FFF2-40B4-BE49-F238E27FC236}">
-                <a16:creationId xmlns:a16="http://schemas.microsoft.com/office/drawing/2014/main" xmlns="" id="{3530BB0C-D70A-4094-9746-9D0CCB5D20D6}"/>
+                <a16:creationId xmlns="" xmlns:a16="http://schemas.microsoft.com/office/drawing/2014/main" id="{3530BB0C-D70A-4094-9746-9D0CCB5D20D6}"/>
               </a:ext>
             </a:extLst>
           </p:cNvPr>
@@ -11067,7 +11067,7 @@
           <p:cNvPr id="11" name="Rectangle 10">
             <a:extLst>
               <a:ext uri="{FF2B5EF4-FFF2-40B4-BE49-F238E27FC236}">
-                <a16:creationId xmlns:a16="http://schemas.microsoft.com/office/drawing/2014/main" xmlns="" id="{016B8B0D-22DA-4BA6-A835-FD34CEB49023}"/>
+                <a16:creationId xmlns="" xmlns:a16="http://schemas.microsoft.com/office/drawing/2014/main" id="{016B8B0D-22DA-4BA6-A835-FD34CEB49023}"/>
               </a:ext>
             </a:extLst>
           </p:cNvPr>
@@ -11113,7 +11113,7 @@
           <p:cNvPr id="12" name="Rectangle 11">
             <a:extLst>
               <a:ext uri="{FF2B5EF4-FFF2-40B4-BE49-F238E27FC236}">
-                <a16:creationId xmlns:a16="http://schemas.microsoft.com/office/drawing/2014/main" xmlns="" id="{89ABA309-3A9A-4690-8810-04C762B92845}"/>
+                <a16:creationId xmlns="" xmlns:a16="http://schemas.microsoft.com/office/drawing/2014/main" id="{89ABA309-3A9A-4690-8810-04C762B92845}"/>
               </a:ext>
             </a:extLst>
           </p:cNvPr>
@@ -11159,7 +11159,7 @@
           <p:cNvPr id="13" name="Rectangle 12">
             <a:extLst>
               <a:ext uri="{FF2B5EF4-FFF2-40B4-BE49-F238E27FC236}">
-                <a16:creationId xmlns:a16="http://schemas.microsoft.com/office/drawing/2014/main" xmlns="" id="{46E96D04-EBA4-442E-8EC0-8FE955BEED69}"/>
+                <a16:creationId xmlns="" xmlns:a16="http://schemas.microsoft.com/office/drawing/2014/main" id="{46E96D04-EBA4-442E-8EC0-8FE955BEED69}"/>
               </a:ext>
             </a:extLst>
           </p:cNvPr>
@@ -11205,7 +11205,7 @@
           <p:cNvPr id="14" name="Rectangle 13">
             <a:extLst>
               <a:ext uri="{FF2B5EF4-FFF2-40B4-BE49-F238E27FC236}">
-                <a16:creationId xmlns:a16="http://schemas.microsoft.com/office/drawing/2014/main" xmlns="" id="{7B8A8857-760D-4F50-A970-1EE030042752}"/>
+                <a16:creationId xmlns="" xmlns:a16="http://schemas.microsoft.com/office/drawing/2014/main" id="{7B8A8857-760D-4F50-A970-1EE030042752}"/>
               </a:ext>
             </a:extLst>
           </p:cNvPr>
@@ -11251,7 +11251,7 @@
           <p:cNvPr id="15" name="Rectangle 14">
             <a:extLst>
               <a:ext uri="{FF2B5EF4-FFF2-40B4-BE49-F238E27FC236}">
-                <a16:creationId xmlns:a16="http://schemas.microsoft.com/office/drawing/2014/main" xmlns="" id="{4E5176EA-FAE9-4C57-B5A1-9CC490D17464}"/>
+                <a16:creationId xmlns="" xmlns:a16="http://schemas.microsoft.com/office/drawing/2014/main" id="{4E5176EA-FAE9-4C57-B5A1-9CC490D17464}"/>
               </a:ext>
             </a:extLst>
           </p:cNvPr>
@@ -11297,7 +11297,7 @@
           <p:cNvPr id="16" name="Rectangle 15">
             <a:extLst>
               <a:ext uri="{FF2B5EF4-FFF2-40B4-BE49-F238E27FC236}">
-                <a16:creationId xmlns:a16="http://schemas.microsoft.com/office/drawing/2014/main" xmlns="" id="{14511581-600E-4DEE-8951-3C4F2BB9C86B}"/>
+                <a16:creationId xmlns="" xmlns:a16="http://schemas.microsoft.com/office/drawing/2014/main" id="{14511581-600E-4DEE-8951-3C4F2BB9C86B}"/>
               </a:ext>
             </a:extLst>
           </p:cNvPr>
@@ -11343,7 +11343,7 @@
           <p:cNvPr id="17" name="Rectangle 16">
             <a:extLst>
               <a:ext uri="{FF2B5EF4-FFF2-40B4-BE49-F238E27FC236}">
-                <a16:creationId xmlns:a16="http://schemas.microsoft.com/office/drawing/2014/main" xmlns="" id="{A4F7AA47-0A7F-4C1B-8714-DFA9B08D97CB}"/>
+                <a16:creationId xmlns="" xmlns:a16="http://schemas.microsoft.com/office/drawing/2014/main" id="{A4F7AA47-0A7F-4C1B-8714-DFA9B08D97CB}"/>
               </a:ext>
             </a:extLst>
           </p:cNvPr>
@@ -11389,7 +11389,7 @@
           <p:cNvPr id="18" name="Rectangle 17">
             <a:extLst>
               <a:ext uri="{FF2B5EF4-FFF2-40B4-BE49-F238E27FC236}">
-                <a16:creationId xmlns:a16="http://schemas.microsoft.com/office/drawing/2014/main" xmlns="" id="{D99A0D8F-842C-44D7-9C16-374F3186C408}"/>
+                <a16:creationId xmlns="" xmlns:a16="http://schemas.microsoft.com/office/drawing/2014/main" id="{D99A0D8F-842C-44D7-9C16-374F3186C408}"/>
               </a:ext>
             </a:extLst>
           </p:cNvPr>
@@ -11435,7 +11435,7 @@
           <p:cNvPr id="19" name="Rectangle 18">
             <a:extLst>
               <a:ext uri="{FF2B5EF4-FFF2-40B4-BE49-F238E27FC236}">
-                <a16:creationId xmlns:a16="http://schemas.microsoft.com/office/drawing/2014/main" xmlns="" id="{F9DB30CA-9F4A-4C82-84CD-F1706E195EC1}"/>
+                <a16:creationId xmlns="" xmlns:a16="http://schemas.microsoft.com/office/drawing/2014/main" id="{F9DB30CA-9F4A-4C82-84CD-F1706E195EC1}"/>
               </a:ext>
             </a:extLst>
           </p:cNvPr>
@@ -11481,7 +11481,7 @@
           <p:cNvPr id="20" name="Rectangle 19">
             <a:extLst>
               <a:ext uri="{FF2B5EF4-FFF2-40B4-BE49-F238E27FC236}">
-                <a16:creationId xmlns:a16="http://schemas.microsoft.com/office/drawing/2014/main" xmlns="" id="{44EC39C1-6599-4DBD-947D-ADEDB26F3C6F}"/>
+                <a16:creationId xmlns="" xmlns:a16="http://schemas.microsoft.com/office/drawing/2014/main" id="{44EC39C1-6599-4DBD-947D-ADEDB26F3C6F}"/>
               </a:ext>
             </a:extLst>
           </p:cNvPr>
@@ -11527,7 +11527,7 @@
           <p:cNvPr id="21" name="Rectangle 20">
             <a:extLst>
               <a:ext uri="{FF2B5EF4-FFF2-40B4-BE49-F238E27FC236}">
-                <a16:creationId xmlns:a16="http://schemas.microsoft.com/office/drawing/2014/main" xmlns="" id="{3B7668AA-9FAF-4875-B6E1-11AF61626F73}"/>
+                <a16:creationId xmlns="" xmlns:a16="http://schemas.microsoft.com/office/drawing/2014/main" id="{3B7668AA-9FAF-4875-B6E1-11AF61626F73}"/>
               </a:ext>
             </a:extLst>
           </p:cNvPr>
@@ -11573,7 +11573,7 @@
           <p:cNvPr id="22" name="Rectangle 21">
             <a:extLst>
               <a:ext uri="{FF2B5EF4-FFF2-40B4-BE49-F238E27FC236}">
-                <a16:creationId xmlns:a16="http://schemas.microsoft.com/office/drawing/2014/main" xmlns="" id="{46ABA0B8-6560-4C69-903D-DDFA1353014B}"/>
+                <a16:creationId xmlns="" xmlns:a16="http://schemas.microsoft.com/office/drawing/2014/main" id="{46ABA0B8-6560-4C69-903D-DDFA1353014B}"/>
               </a:ext>
             </a:extLst>
           </p:cNvPr>
@@ -11619,7 +11619,7 @@
           <p:cNvPr id="23" name="Ellipse 22">
             <a:extLst>
               <a:ext uri="{FF2B5EF4-FFF2-40B4-BE49-F238E27FC236}">
-                <a16:creationId xmlns:a16="http://schemas.microsoft.com/office/drawing/2014/main" xmlns="" id="{6BF8558C-793F-4365-8974-34ABC808EC3F}"/>
+                <a16:creationId xmlns="" xmlns:a16="http://schemas.microsoft.com/office/drawing/2014/main" id="{6BF8558C-793F-4365-8974-34ABC808EC3F}"/>
               </a:ext>
             </a:extLst>
           </p:cNvPr>
@@ -11665,7 +11665,7 @@
           <p:cNvPr id="24" name="Ellipse 23">
             <a:extLst>
               <a:ext uri="{FF2B5EF4-FFF2-40B4-BE49-F238E27FC236}">
-                <a16:creationId xmlns:a16="http://schemas.microsoft.com/office/drawing/2014/main" xmlns="" id="{E9203C2B-D111-4FE9-BF24-B18C06259737}"/>
+                <a16:creationId xmlns="" xmlns:a16="http://schemas.microsoft.com/office/drawing/2014/main" id="{E9203C2B-D111-4FE9-BF24-B18C06259737}"/>
               </a:ext>
             </a:extLst>
           </p:cNvPr>
@@ -11711,7 +11711,7 @@
           <p:cNvPr id="25" name="Ellipse 24">
             <a:extLst>
               <a:ext uri="{FF2B5EF4-FFF2-40B4-BE49-F238E27FC236}">
-                <a16:creationId xmlns:a16="http://schemas.microsoft.com/office/drawing/2014/main" xmlns="" id="{C09FB3F3-8F3B-4DF0-9300-2CA6A88EFFDC}"/>
+                <a16:creationId xmlns="" xmlns:a16="http://schemas.microsoft.com/office/drawing/2014/main" id="{C09FB3F3-8F3B-4DF0-9300-2CA6A88EFFDC}"/>
               </a:ext>
             </a:extLst>
           </p:cNvPr>
@@ -11757,7 +11757,7 @@
           <p:cNvPr id="26" name="Ellipse 25">
             <a:extLst>
               <a:ext uri="{FF2B5EF4-FFF2-40B4-BE49-F238E27FC236}">
-                <a16:creationId xmlns:a16="http://schemas.microsoft.com/office/drawing/2014/main" xmlns="" id="{BE81B881-3486-44C9-A933-D501D998537B}"/>
+                <a16:creationId xmlns="" xmlns:a16="http://schemas.microsoft.com/office/drawing/2014/main" id="{BE81B881-3486-44C9-A933-D501D998537B}"/>
               </a:ext>
             </a:extLst>
           </p:cNvPr>
@@ -11803,7 +11803,7 @@
           <p:cNvPr id="32" name="Connecteur droit 31">
             <a:extLst>
               <a:ext uri="{FF2B5EF4-FFF2-40B4-BE49-F238E27FC236}">
-                <a16:creationId xmlns:a16="http://schemas.microsoft.com/office/drawing/2014/main" xmlns="" id="{08F89639-431F-4DDF-BF20-5F11F5DD75BF}"/>
+                <a16:creationId xmlns="" xmlns:a16="http://schemas.microsoft.com/office/drawing/2014/main" id="{08F89639-431F-4DDF-BF20-5F11F5DD75BF}"/>
               </a:ext>
             </a:extLst>
           </p:cNvPr>
@@ -11846,7 +11846,7 @@
           <p:cNvPr id="33" name="Connecteur droit 32">
             <a:extLst>
               <a:ext uri="{FF2B5EF4-FFF2-40B4-BE49-F238E27FC236}">
-                <a16:creationId xmlns:a16="http://schemas.microsoft.com/office/drawing/2014/main" xmlns="" id="{8383B4E6-C2E6-4083-B81D-C80A7E3701DB}"/>
+                <a16:creationId xmlns="" xmlns:a16="http://schemas.microsoft.com/office/drawing/2014/main" id="{8383B4E6-C2E6-4083-B81D-C80A7E3701DB}"/>
               </a:ext>
             </a:extLst>
           </p:cNvPr>
@@ -11889,7 +11889,7 @@
           <p:cNvPr id="34" name="Connecteur droit 33">
             <a:extLst>
               <a:ext uri="{FF2B5EF4-FFF2-40B4-BE49-F238E27FC236}">
-                <a16:creationId xmlns:a16="http://schemas.microsoft.com/office/drawing/2014/main" xmlns="" id="{12B0419C-6978-4101-8E96-BEF365F182CB}"/>
+                <a16:creationId xmlns="" xmlns:a16="http://schemas.microsoft.com/office/drawing/2014/main" id="{12B0419C-6978-4101-8E96-BEF365F182CB}"/>
               </a:ext>
             </a:extLst>
           </p:cNvPr>
@@ -11932,7 +11932,7 @@
           <p:cNvPr id="35" name="Connecteur droit 34">
             <a:extLst>
               <a:ext uri="{FF2B5EF4-FFF2-40B4-BE49-F238E27FC236}">
-                <a16:creationId xmlns:a16="http://schemas.microsoft.com/office/drawing/2014/main" xmlns="" id="{0AF99C1E-9927-44FE-9935-1CAB63B10546}"/>
+                <a16:creationId xmlns="" xmlns:a16="http://schemas.microsoft.com/office/drawing/2014/main" id="{0AF99C1E-9927-44FE-9935-1CAB63B10546}"/>
               </a:ext>
             </a:extLst>
           </p:cNvPr>
@@ -11975,7 +11975,7 @@
           <p:cNvPr id="28" name="Rectangle : coins arrondis 27">
             <a:extLst>
               <a:ext uri="{FF2B5EF4-FFF2-40B4-BE49-F238E27FC236}">
-                <a16:creationId xmlns:a16="http://schemas.microsoft.com/office/drawing/2014/main" xmlns="" id="{8134B5D1-14B1-4CB3-BC90-49DA4AC2619F}"/>
+                <a16:creationId xmlns="" xmlns:a16="http://schemas.microsoft.com/office/drawing/2014/main" id="{8134B5D1-14B1-4CB3-BC90-49DA4AC2619F}"/>
               </a:ext>
             </a:extLst>
           </p:cNvPr>
@@ -12021,7 +12021,7 @@
           <p:cNvPr id="29" name="Rectangle : coins arrondis 28">
             <a:extLst>
               <a:ext uri="{FF2B5EF4-FFF2-40B4-BE49-F238E27FC236}">
-                <a16:creationId xmlns:a16="http://schemas.microsoft.com/office/drawing/2014/main" xmlns="" id="{258E64E4-1F93-4BDC-B6E0-5AC8DFC43265}"/>
+                <a16:creationId xmlns="" xmlns:a16="http://schemas.microsoft.com/office/drawing/2014/main" id="{258E64E4-1F93-4BDC-B6E0-5AC8DFC43265}"/>
               </a:ext>
             </a:extLst>
           </p:cNvPr>
@@ -12067,7 +12067,7 @@
           <p:cNvPr id="30" name="Rectangle : coins arrondis 29">
             <a:extLst>
               <a:ext uri="{FF2B5EF4-FFF2-40B4-BE49-F238E27FC236}">
-                <a16:creationId xmlns:a16="http://schemas.microsoft.com/office/drawing/2014/main" xmlns="" id="{89B46454-6106-49FF-A25F-96725C5186FA}"/>
+                <a16:creationId xmlns="" xmlns:a16="http://schemas.microsoft.com/office/drawing/2014/main" id="{89B46454-6106-49FF-A25F-96725C5186FA}"/>
               </a:ext>
             </a:extLst>
           </p:cNvPr>
@@ -12113,7 +12113,7 @@
           <p:cNvPr id="27" name="Rectangle : coins arrondis 26">
             <a:extLst>
               <a:ext uri="{FF2B5EF4-FFF2-40B4-BE49-F238E27FC236}">
-                <a16:creationId xmlns:a16="http://schemas.microsoft.com/office/drawing/2014/main" xmlns="" id="{8DF8DA6D-6EC4-4499-8F18-DE31C7D7F185}"/>
+                <a16:creationId xmlns="" xmlns:a16="http://schemas.microsoft.com/office/drawing/2014/main" id="{8DF8DA6D-6EC4-4499-8F18-DE31C7D7F185}"/>
               </a:ext>
             </a:extLst>
           </p:cNvPr>
@@ -12159,7 +12159,7 @@
           <p:cNvPr id="36" name="Connecteur droit 35">
             <a:extLst>
               <a:ext uri="{FF2B5EF4-FFF2-40B4-BE49-F238E27FC236}">
-                <a16:creationId xmlns:a16="http://schemas.microsoft.com/office/drawing/2014/main" xmlns="" id="{03D0651D-9509-44DC-B649-8EA7769440F0}"/>
+                <a16:creationId xmlns="" xmlns:a16="http://schemas.microsoft.com/office/drawing/2014/main" id="{03D0651D-9509-44DC-B649-8EA7769440F0}"/>
               </a:ext>
             </a:extLst>
           </p:cNvPr>
@@ -12204,7 +12204,7 @@
           <p:cNvPr id="41" name="Connecteur droit 40">
             <a:extLst>
               <a:ext uri="{FF2B5EF4-FFF2-40B4-BE49-F238E27FC236}">
-                <a16:creationId xmlns:a16="http://schemas.microsoft.com/office/drawing/2014/main" xmlns="" id="{3E81D001-A20C-4CEE-AB15-842EC83405C8}"/>
+                <a16:creationId xmlns="" xmlns:a16="http://schemas.microsoft.com/office/drawing/2014/main" id="{3E81D001-A20C-4CEE-AB15-842EC83405C8}"/>
               </a:ext>
             </a:extLst>
           </p:cNvPr>
@@ -12249,7 +12249,7 @@
           <p:cNvPr id="42" name="Connecteur droit 41">
             <a:extLst>
               <a:ext uri="{FF2B5EF4-FFF2-40B4-BE49-F238E27FC236}">
-                <a16:creationId xmlns:a16="http://schemas.microsoft.com/office/drawing/2014/main" xmlns="" id="{7CDA61E9-BD60-4AA2-83CF-34D53C31C6B2}"/>
+                <a16:creationId xmlns="" xmlns:a16="http://schemas.microsoft.com/office/drawing/2014/main" id="{7CDA61E9-BD60-4AA2-83CF-34D53C31C6B2}"/>
               </a:ext>
             </a:extLst>
           </p:cNvPr>
@@ -12294,7 +12294,7 @@
           <p:cNvPr id="43" name="Connecteur droit 42">
             <a:extLst>
               <a:ext uri="{FF2B5EF4-FFF2-40B4-BE49-F238E27FC236}">
-                <a16:creationId xmlns:a16="http://schemas.microsoft.com/office/drawing/2014/main" xmlns="" id="{14858095-04C0-47E0-BA6E-8947B6A74606}"/>
+                <a16:creationId xmlns="" xmlns:a16="http://schemas.microsoft.com/office/drawing/2014/main" id="{14858095-04C0-47E0-BA6E-8947B6A74606}"/>
               </a:ext>
             </a:extLst>
           </p:cNvPr>
@@ -12339,7 +12339,7 @@
           <p:cNvPr id="44" name="Ellipse 43">
             <a:extLst>
               <a:ext uri="{FF2B5EF4-FFF2-40B4-BE49-F238E27FC236}">
-                <a16:creationId xmlns:a16="http://schemas.microsoft.com/office/drawing/2014/main" xmlns="" id="{D78F0AEB-9429-4B9D-A2FA-32388985336A}"/>
+                <a16:creationId xmlns="" xmlns:a16="http://schemas.microsoft.com/office/drawing/2014/main" id="{D78F0AEB-9429-4B9D-A2FA-32388985336A}"/>
               </a:ext>
             </a:extLst>
           </p:cNvPr>
@@ -12388,7 +12388,7 @@
           <p:cNvPr id="45" name="Organigramme : Opération manuelle 44">
             <a:extLst>
               <a:ext uri="{FF2B5EF4-FFF2-40B4-BE49-F238E27FC236}">
-                <a16:creationId xmlns:a16="http://schemas.microsoft.com/office/drawing/2014/main" xmlns="" id="{BE768354-8668-4675-A6E4-84F039D4BD9F}"/>
+                <a16:creationId xmlns="" xmlns:a16="http://schemas.microsoft.com/office/drawing/2014/main" id="{BE768354-8668-4675-A6E4-84F039D4BD9F}"/>
               </a:ext>
             </a:extLst>
           </p:cNvPr>
@@ -12434,7 +12434,7 @@
           <p:cNvPr id="46" name="Organigramme : Opération manuelle 45">
             <a:extLst>
               <a:ext uri="{FF2B5EF4-FFF2-40B4-BE49-F238E27FC236}">
-                <a16:creationId xmlns:a16="http://schemas.microsoft.com/office/drawing/2014/main" xmlns="" id="{5E3B31DA-205C-4831-8663-3EE4C7367577}"/>
+                <a16:creationId xmlns="" xmlns:a16="http://schemas.microsoft.com/office/drawing/2014/main" id="{5E3B31DA-205C-4831-8663-3EE4C7367577}"/>
               </a:ext>
             </a:extLst>
           </p:cNvPr>
@@ -12480,7 +12480,7 @@
           <p:cNvPr id="47" name="Organigramme : Opération manuelle 46">
             <a:extLst>
               <a:ext uri="{FF2B5EF4-FFF2-40B4-BE49-F238E27FC236}">
-                <a16:creationId xmlns:a16="http://schemas.microsoft.com/office/drawing/2014/main" xmlns="" id="{C94537A1-5F3A-46CA-B701-E1D8EA6F669E}"/>
+                <a16:creationId xmlns="" xmlns:a16="http://schemas.microsoft.com/office/drawing/2014/main" id="{C94537A1-5F3A-46CA-B701-E1D8EA6F669E}"/>
               </a:ext>
             </a:extLst>
           </p:cNvPr>
@@ -12526,7 +12526,7 @@
           <p:cNvPr id="48" name="Organigramme : Opération manuelle 47">
             <a:extLst>
               <a:ext uri="{FF2B5EF4-FFF2-40B4-BE49-F238E27FC236}">
-                <a16:creationId xmlns:a16="http://schemas.microsoft.com/office/drawing/2014/main" xmlns="" id="{DEC14131-B1A7-438A-AB64-0C4C90454FAF}"/>
+                <a16:creationId xmlns="" xmlns:a16="http://schemas.microsoft.com/office/drawing/2014/main" id="{DEC14131-B1A7-438A-AB64-0C4C90454FAF}"/>
               </a:ext>
             </a:extLst>
           </p:cNvPr>
@@ -12572,7 +12572,7 @@
           <p:cNvPr id="49" name="Ellipse 48">
             <a:extLst>
               <a:ext uri="{FF2B5EF4-FFF2-40B4-BE49-F238E27FC236}">
-                <a16:creationId xmlns:a16="http://schemas.microsoft.com/office/drawing/2014/main" xmlns="" id="{57ED967F-2403-47CF-90B7-AB0649FDEBF6}"/>
+                <a16:creationId xmlns="" xmlns:a16="http://schemas.microsoft.com/office/drawing/2014/main" id="{57ED967F-2403-47CF-90B7-AB0649FDEBF6}"/>
               </a:ext>
             </a:extLst>
           </p:cNvPr>
@@ -12621,7 +12621,7 @@
           <p:cNvPr id="50" name="Organigramme : Opération manuelle 49">
             <a:extLst>
               <a:ext uri="{FF2B5EF4-FFF2-40B4-BE49-F238E27FC236}">
-                <a16:creationId xmlns:a16="http://schemas.microsoft.com/office/drawing/2014/main" xmlns="" id="{5B199164-FB82-41BC-B08E-F96C799ABBE9}"/>
+                <a16:creationId xmlns="" xmlns:a16="http://schemas.microsoft.com/office/drawing/2014/main" id="{5B199164-FB82-41BC-B08E-F96C799ABBE9}"/>
               </a:ext>
             </a:extLst>
           </p:cNvPr>
@@ -12667,7 +12667,7 @@
           <p:cNvPr id="51" name="Organigramme : Opération manuelle 50">
             <a:extLst>
               <a:ext uri="{FF2B5EF4-FFF2-40B4-BE49-F238E27FC236}">
-                <a16:creationId xmlns:a16="http://schemas.microsoft.com/office/drawing/2014/main" xmlns="" id="{7B70BBD9-D78E-494A-8051-F4DD42B6C98C}"/>
+                <a16:creationId xmlns="" xmlns:a16="http://schemas.microsoft.com/office/drawing/2014/main" id="{7B70BBD9-D78E-494A-8051-F4DD42B6C98C}"/>
               </a:ext>
             </a:extLst>
           </p:cNvPr>
@@ -12713,7 +12713,7 @@
           <p:cNvPr id="52" name="Organigramme : Opération manuelle 51">
             <a:extLst>
               <a:ext uri="{FF2B5EF4-FFF2-40B4-BE49-F238E27FC236}">
-                <a16:creationId xmlns:a16="http://schemas.microsoft.com/office/drawing/2014/main" xmlns="" id="{A2E12316-19B7-4AFE-A151-7A75A6117B39}"/>
+                <a16:creationId xmlns="" xmlns:a16="http://schemas.microsoft.com/office/drawing/2014/main" id="{A2E12316-19B7-4AFE-A151-7A75A6117B39}"/>
               </a:ext>
             </a:extLst>
           </p:cNvPr>
@@ -12759,7 +12759,7 @@
           <p:cNvPr id="53" name="Organigramme : Opération manuelle 52">
             <a:extLst>
               <a:ext uri="{FF2B5EF4-FFF2-40B4-BE49-F238E27FC236}">
-                <a16:creationId xmlns:a16="http://schemas.microsoft.com/office/drawing/2014/main" xmlns="" id="{41F32346-726A-41D5-84CD-218EC20EF107}"/>
+                <a16:creationId xmlns="" xmlns:a16="http://schemas.microsoft.com/office/drawing/2014/main" id="{41F32346-726A-41D5-84CD-218EC20EF107}"/>
               </a:ext>
             </a:extLst>
           </p:cNvPr>
@@ -12805,7 +12805,7 @@
           <p:cNvPr id="54" name="Ellipse 53">
             <a:extLst>
               <a:ext uri="{FF2B5EF4-FFF2-40B4-BE49-F238E27FC236}">
-                <a16:creationId xmlns:a16="http://schemas.microsoft.com/office/drawing/2014/main" xmlns="" id="{E31D655E-B249-4414-AE34-B67AD7800953}"/>
+                <a16:creationId xmlns="" xmlns:a16="http://schemas.microsoft.com/office/drawing/2014/main" id="{E31D655E-B249-4414-AE34-B67AD7800953}"/>
               </a:ext>
             </a:extLst>
           </p:cNvPr>
@@ -12854,7 +12854,7 @@
           <p:cNvPr id="55" name="Organigramme : Opération manuelle 54">
             <a:extLst>
               <a:ext uri="{FF2B5EF4-FFF2-40B4-BE49-F238E27FC236}">
-                <a16:creationId xmlns:a16="http://schemas.microsoft.com/office/drawing/2014/main" xmlns="" id="{0570133B-4647-4695-AB44-838B0D5A0C04}"/>
+                <a16:creationId xmlns="" xmlns:a16="http://schemas.microsoft.com/office/drawing/2014/main" id="{0570133B-4647-4695-AB44-838B0D5A0C04}"/>
               </a:ext>
             </a:extLst>
           </p:cNvPr>
@@ -12900,7 +12900,7 @@
           <p:cNvPr id="56" name="Organigramme : Opération manuelle 55">
             <a:extLst>
               <a:ext uri="{FF2B5EF4-FFF2-40B4-BE49-F238E27FC236}">
-                <a16:creationId xmlns:a16="http://schemas.microsoft.com/office/drawing/2014/main" xmlns="" id="{041BC852-606F-465B-AE72-9A8673581C5E}"/>
+                <a16:creationId xmlns="" xmlns:a16="http://schemas.microsoft.com/office/drawing/2014/main" id="{041BC852-606F-465B-AE72-9A8673581C5E}"/>
               </a:ext>
             </a:extLst>
           </p:cNvPr>
@@ -12946,7 +12946,7 @@
           <p:cNvPr id="57" name="Organigramme : Opération manuelle 56">
             <a:extLst>
               <a:ext uri="{FF2B5EF4-FFF2-40B4-BE49-F238E27FC236}">
-                <a16:creationId xmlns:a16="http://schemas.microsoft.com/office/drawing/2014/main" xmlns="" id="{DA61E444-A567-4828-9EB5-51967FD9EE7A}"/>
+                <a16:creationId xmlns="" xmlns:a16="http://schemas.microsoft.com/office/drawing/2014/main" id="{DA61E444-A567-4828-9EB5-51967FD9EE7A}"/>
               </a:ext>
             </a:extLst>
           </p:cNvPr>
@@ -12992,7 +12992,7 @@
           <p:cNvPr id="58" name="Organigramme : Opération manuelle 57">
             <a:extLst>
               <a:ext uri="{FF2B5EF4-FFF2-40B4-BE49-F238E27FC236}">
-                <a16:creationId xmlns:a16="http://schemas.microsoft.com/office/drawing/2014/main" xmlns="" id="{702971F1-FBB5-43A8-B0EE-9AAA49378AAB}"/>
+                <a16:creationId xmlns="" xmlns:a16="http://schemas.microsoft.com/office/drawing/2014/main" id="{702971F1-FBB5-43A8-B0EE-9AAA49378AAB}"/>
               </a:ext>
             </a:extLst>
           </p:cNvPr>
@@ -13038,7 +13038,7 @@
           <p:cNvPr id="59" name="Ellipse 58">
             <a:extLst>
               <a:ext uri="{FF2B5EF4-FFF2-40B4-BE49-F238E27FC236}">
-                <a16:creationId xmlns:a16="http://schemas.microsoft.com/office/drawing/2014/main" xmlns="" id="{FEA95C18-4499-4E6F-A4C2-1FB58CA00A60}"/>
+                <a16:creationId xmlns="" xmlns:a16="http://schemas.microsoft.com/office/drawing/2014/main" id="{FEA95C18-4499-4E6F-A4C2-1FB58CA00A60}"/>
               </a:ext>
             </a:extLst>
           </p:cNvPr>
@@ -13087,7 +13087,7 @@
           <p:cNvPr id="60" name="Organigramme : Opération manuelle 59">
             <a:extLst>
               <a:ext uri="{FF2B5EF4-FFF2-40B4-BE49-F238E27FC236}">
-                <a16:creationId xmlns:a16="http://schemas.microsoft.com/office/drawing/2014/main" xmlns="" id="{CD43C8E4-1F23-46D8-BBFC-E4E53C18C3BD}"/>
+                <a16:creationId xmlns="" xmlns:a16="http://schemas.microsoft.com/office/drawing/2014/main" id="{CD43C8E4-1F23-46D8-BBFC-E4E53C18C3BD}"/>
               </a:ext>
             </a:extLst>
           </p:cNvPr>
@@ -13133,7 +13133,7 @@
           <p:cNvPr id="61" name="Organigramme : Opération manuelle 60">
             <a:extLst>
               <a:ext uri="{FF2B5EF4-FFF2-40B4-BE49-F238E27FC236}">
-                <a16:creationId xmlns:a16="http://schemas.microsoft.com/office/drawing/2014/main" xmlns="" id="{57C7D8CF-C749-4080-99CF-7B7C049DFBFB}"/>
+                <a16:creationId xmlns="" xmlns:a16="http://schemas.microsoft.com/office/drawing/2014/main" id="{57C7D8CF-C749-4080-99CF-7B7C049DFBFB}"/>
               </a:ext>
             </a:extLst>
           </p:cNvPr>
@@ -13179,7 +13179,7 @@
           <p:cNvPr id="62" name="Organigramme : Opération manuelle 61">
             <a:extLst>
               <a:ext uri="{FF2B5EF4-FFF2-40B4-BE49-F238E27FC236}">
-                <a16:creationId xmlns:a16="http://schemas.microsoft.com/office/drawing/2014/main" xmlns="" id="{5277FDD6-02A1-4EA9-ACBC-A14ABAEF5AD9}"/>
+                <a16:creationId xmlns="" xmlns:a16="http://schemas.microsoft.com/office/drawing/2014/main" id="{5277FDD6-02A1-4EA9-ACBC-A14ABAEF5AD9}"/>
               </a:ext>
             </a:extLst>
           </p:cNvPr>
@@ -13225,7 +13225,7 @@
           <p:cNvPr id="63" name="Organigramme : Opération manuelle 62">
             <a:extLst>
               <a:ext uri="{FF2B5EF4-FFF2-40B4-BE49-F238E27FC236}">
-                <a16:creationId xmlns:a16="http://schemas.microsoft.com/office/drawing/2014/main" xmlns="" id="{66420B32-DB23-47E2-8295-B4FC92FE1B14}"/>
+                <a16:creationId xmlns="" xmlns:a16="http://schemas.microsoft.com/office/drawing/2014/main" id="{66420B32-DB23-47E2-8295-B4FC92FE1B14}"/>
               </a:ext>
             </a:extLst>
           </p:cNvPr>
@@ -13271,7 +13271,7 @@
           <p:cNvPr id="64" name="Connecteur droit 63">
             <a:extLst>
               <a:ext uri="{FF2B5EF4-FFF2-40B4-BE49-F238E27FC236}">
-                <a16:creationId xmlns:a16="http://schemas.microsoft.com/office/drawing/2014/main" xmlns="" id="{631B3EC7-1AAC-421B-B9B3-D2C8ED851FF0}"/>
+                <a16:creationId xmlns="" xmlns:a16="http://schemas.microsoft.com/office/drawing/2014/main" id="{631B3EC7-1AAC-421B-B9B3-D2C8ED851FF0}"/>
               </a:ext>
             </a:extLst>
           </p:cNvPr>
@@ -13318,7 +13318,7 @@
           <p:cNvPr id="66" name="Rectangle : coins arrondis 65">
             <a:extLst>
               <a:ext uri="{FF2B5EF4-FFF2-40B4-BE49-F238E27FC236}">
-                <a16:creationId xmlns:a16="http://schemas.microsoft.com/office/drawing/2014/main" xmlns="" id="{F76F844B-73AE-4860-B262-3CFFC7CEA1E9}"/>
+                <a16:creationId xmlns="" xmlns:a16="http://schemas.microsoft.com/office/drawing/2014/main" id="{F76F844B-73AE-4860-B262-3CFFC7CEA1E9}"/>
               </a:ext>
             </a:extLst>
           </p:cNvPr>
@@ -13372,7 +13372,7 @@
           <p:cNvPr id="67" name="Rectangle 66">
             <a:extLst>
               <a:ext uri="{FF2B5EF4-FFF2-40B4-BE49-F238E27FC236}">
-                <a16:creationId xmlns:a16="http://schemas.microsoft.com/office/drawing/2014/main" xmlns="" id="{34A081A0-E7E6-479F-9161-22B9EEC0AF00}"/>
+                <a16:creationId xmlns="" xmlns:a16="http://schemas.microsoft.com/office/drawing/2014/main" id="{34A081A0-E7E6-479F-9161-22B9EEC0AF00}"/>
               </a:ext>
             </a:extLst>
           </p:cNvPr>
@@ -13416,7 +13416,7 @@
           <p:cNvPr id="68" name="Rectangle 67">
             <a:extLst>
               <a:ext uri="{FF2B5EF4-FFF2-40B4-BE49-F238E27FC236}">
-                <a16:creationId xmlns:a16="http://schemas.microsoft.com/office/drawing/2014/main" xmlns="" id="{D70B9E5F-3772-49BE-B49A-74B5CCC2177C}"/>
+                <a16:creationId xmlns="" xmlns:a16="http://schemas.microsoft.com/office/drawing/2014/main" id="{D70B9E5F-3772-49BE-B49A-74B5CCC2177C}"/>
               </a:ext>
             </a:extLst>
           </p:cNvPr>
@@ -13462,7 +13462,7 @@
           <p:cNvPr id="69" name="Rectangle 68">
             <a:extLst>
               <a:ext uri="{FF2B5EF4-FFF2-40B4-BE49-F238E27FC236}">
-                <a16:creationId xmlns:a16="http://schemas.microsoft.com/office/drawing/2014/main" xmlns="" id="{97650997-A9BE-42ED-95A2-175CFCFC9C49}"/>
+                <a16:creationId xmlns="" xmlns:a16="http://schemas.microsoft.com/office/drawing/2014/main" id="{97650997-A9BE-42ED-95A2-175CFCFC9C49}"/>
               </a:ext>
             </a:extLst>
           </p:cNvPr>
@@ -13508,7 +13508,7 @@
           <p:cNvPr id="70" name="Rectangle 69">
             <a:extLst>
               <a:ext uri="{FF2B5EF4-FFF2-40B4-BE49-F238E27FC236}">
-                <a16:creationId xmlns:a16="http://schemas.microsoft.com/office/drawing/2014/main" xmlns="" id="{AFE9E62B-E28B-4508-A451-55037ED3FF15}"/>
+                <a16:creationId xmlns="" xmlns:a16="http://schemas.microsoft.com/office/drawing/2014/main" id="{AFE9E62B-E28B-4508-A451-55037ED3FF15}"/>
               </a:ext>
             </a:extLst>
           </p:cNvPr>
@@ -13554,7 +13554,7 @@
           <p:cNvPr id="71" name="Rectangle 70">
             <a:extLst>
               <a:ext uri="{FF2B5EF4-FFF2-40B4-BE49-F238E27FC236}">
-                <a16:creationId xmlns:a16="http://schemas.microsoft.com/office/drawing/2014/main" xmlns="" id="{6C0DD773-12A0-49A0-AF3E-549D4911B481}"/>
+                <a16:creationId xmlns="" xmlns:a16="http://schemas.microsoft.com/office/drawing/2014/main" id="{6C0DD773-12A0-49A0-AF3E-549D4911B481}"/>
               </a:ext>
             </a:extLst>
           </p:cNvPr>
@@ -13600,7 +13600,7 @@
           <p:cNvPr id="72" name="Rectangle 71">
             <a:extLst>
               <a:ext uri="{FF2B5EF4-FFF2-40B4-BE49-F238E27FC236}">
-                <a16:creationId xmlns:a16="http://schemas.microsoft.com/office/drawing/2014/main" xmlns="" id="{2546D4EB-1182-4343-A3FD-6DF4A1C45A97}"/>
+                <a16:creationId xmlns="" xmlns:a16="http://schemas.microsoft.com/office/drawing/2014/main" id="{2546D4EB-1182-4343-A3FD-6DF4A1C45A97}"/>
               </a:ext>
             </a:extLst>
           </p:cNvPr>
@@ -13646,7 +13646,7 @@
           <p:cNvPr id="73" name="Rectangle 72">
             <a:extLst>
               <a:ext uri="{FF2B5EF4-FFF2-40B4-BE49-F238E27FC236}">
-                <a16:creationId xmlns:a16="http://schemas.microsoft.com/office/drawing/2014/main" xmlns="" id="{DE5C654A-2F21-4102-A55D-51863B983632}"/>
+                <a16:creationId xmlns="" xmlns:a16="http://schemas.microsoft.com/office/drawing/2014/main" id="{DE5C654A-2F21-4102-A55D-51863B983632}"/>
               </a:ext>
             </a:extLst>
           </p:cNvPr>
@@ -13692,7 +13692,7 @@
           <p:cNvPr id="74" name="Rectangle 73">
             <a:extLst>
               <a:ext uri="{FF2B5EF4-FFF2-40B4-BE49-F238E27FC236}">
-                <a16:creationId xmlns:a16="http://schemas.microsoft.com/office/drawing/2014/main" xmlns="" id="{AD7FE707-1FC7-40B6-842A-29ADA3A17273}"/>
+                <a16:creationId xmlns="" xmlns:a16="http://schemas.microsoft.com/office/drawing/2014/main" id="{AD7FE707-1FC7-40B6-842A-29ADA3A17273}"/>
               </a:ext>
             </a:extLst>
           </p:cNvPr>
@@ -13738,7 +13738,7 @@
           <p:cNvPr id="75" name="Rectangle 74">
             <a:extLst>
               <a:ext uri="{FF2B5EF4-FFF2-40B4-BE49-F238E27FC236}">
-                <a16:creationId xmlns:a16="http://schemas.microsoft.com/office/drawing/2014/main" xmlns="" id="{D99A4C18-6C81-4F8D-96BD-C2AF1D7C11B0}"/>
+                <a16:creationId xmlns="" xmlns:a16="http://schemas.microsoft.com/office/drawing/2014/main" id="{D99A4C18-6C81-4F8D-96BD-C2AF1D7C11B0}"/>
               </a:ext>
             </a:extLst>
           </p:cNvPr>
@@ -13784,7 +13784,7 @@
           <p:cNvPr id="76" name="Rectangle 75">
             <a:extLst>
               <a:ext uri="{FF2B5EF4-FFF2-40B4-BE49-F238E27FC236}">
-                <a16:creationId xmlns:a16="http://schemas.microsoft.com/office/drawing/2014/main" xmlns="" id="{F2DAE333-16A6-4D4B-8D8C-87C58D898AAC}"/>
+                <a16:creationId xmlns="" xmlns:a16="http://schemas.microsoft.com/office/drawing/2014/main" id="{F2DAE333-16A6-4D4B-8D8C-87C58D898AAC}"/>
               </a:ext>
             </a:extLst>
           </p:cNvPr>
@@ -13830,7 +13830,7 @@
           <p:cNvPr id="77" name="Rectangle 76">
             <a:extLst>
               <a:ext uri="{FF2B5EF4-FFF2-40B4-BE49-F238E27FC236}">
-                <a16:creationId xmlns:a16="http://schemas.microsoft.com/office/drawing/2014/main" xmlns="" id="{3BBC9C63-263C-41DE-8B1F-9AD82D1C8089}"/>
+                <a16:creationId xmlns="" xmlns:a16="http://schemas.microsoft.com/office/drawing/2014/main" id="{3BBC9C63-263C-41DE-8B1F-9AD82D1C8089}"/>
               </a:ext>
             </a:extLst>
           </p:cNvPr>
@@ -13876,7 +13876,7 @@
           <p:cNvPr id="78" name="Rectangle 77">
             <a:extLst>
               <a:ext uri="{FF2B5EF4-FFF2-40B4-BE49-F238E27FC236}">
-                <a16:creationId xmlns:a16="http://schemas.microsoft.com/office/drawing/2014/main" xmlns="" id="{EC2AB87B-C366-4D3E-A86E-329E6664C047}"/>
+                <a16:creationId xmlns="" xmlns:a16="http://schemas.microsoft.com/office/drawing/2014/main" id="{EC2AB87B-C366-4D3E-A86E-329E6664C047}"/>
               </a:ext>
             </a:extLst>
           </p:cNvPr>
@@ -13922,7 +13922,7 @@
           <p:cNvPr id="79" name="Rectangle 78">
             <a:extLst>
               <a:ext uri="{FF2B5EF4-FFF2-40B4-BE49-F238E27FC236}">
-                <a16:creationId xmlns:a16="http://schemas.microsoft.com/office/drawing/2014/main" xmlns="" id="{61657DD6-4421-46E0-8AF9-647C74447693}"/>
+                <a16:creationId xmlns="" xmlns:a16="http://schemas.microsoft.com/office/drawing/2014/main" id="{61657DD6-4421-46E0-8AF9-647C74447693}"/>
               </a:ext>
             </a:extLst>
           </p:cNvPr>
@@ -13968,7 +13968,7 @@
           <p:cNvPr id="80" name="Rectangle 79">
             <a:extLst>
               <a:ext uri="{FF2B5EF4-FFF2-40B4-BE49-F238E27FC236}">
-                <a16:creationId xmlns:a16="http://schemas.microsoft.com/office/drawing/2014/main" xmlns="" id="{796AF5D3-BE2B-40E2-B8EC-DF0492E591EB}"/>
+                <a16:creationId xmlns="" xmlns:a16="http://schemas.microsoft.com/office/drawing/2014/main" id="{796AF5D3-BE2B-40E2-B8EC-DF0492E591EB}"/>
               </a:ext>
             </a:extLst>
           </p:cNvPr>
@@ -14014,7 +14014,7 @@
           <p:cNvPr id="81" name="Rectangle 80">
             <a:extLst>
               <a:ext uri="{FF2B5EF4-FFF2-40B4-BE49-F238E27FC236}">
-                <a16:creationId xmlns:a16="http://schemas.microsoft.com/office/drawing/2014/main" xmlns="" id="{BE5BDD4C-CB37-48C5-B6B5-2332151B3D06}"/>
+                <a16:creationId xmlns="" xmlns:a16="http://schemas.microsoft.com/office/drawing/2014/main" id="{BE5BDD4C-CB37-48C5-B6B5-2332151B3D06}"/>
               </a:ext>
             </a:extLst>
           </p:cNvPr>
@@ -14060,7 +14060,7 @@
           <p:cNvPr id="82" name="Rectangle 81">
             <a:extLst>
               <a:ext uri="{FF2B5EF4-FFF2-40B4-BE49-F238E27FC236}">
-                <a16:creationId xmlns:a16="http://schemas.microsoft.com/office/drawing/2014/main" xmlns="" id="{0443AE76-98E0-49AE-9E5D-254D547E5DF9}"/>
+                <a16:creationId xmlns="" xmlns:a16="http://schemas.microsoft.com/office/drawing/2014/main" id="{0443AE76-98E0-49AE-9E5D-254D547E5DF9}"/>
               </a:ext>
             </a:extLst>
           </p:cNvPr>
@@ -14106,7 +14106,7 @@
           <p:cNvPr id="83" name="Rectangle 82">
             <a:extLst>
               <a:ext uri="{FF2B5EF4-FFF2-40B4-BE49-F238E27FC236}">
-                <a16:creationId xmlns:a16="http://schemas.microsoft.com/office/drawing/2014/main" xmlns="" id="{16A08437-F7D6-41FA-940D-D0ECE9FD3E18}"/>
+                <a16:creationId xmlns="" xmlns:a16="http://schemas.microsoft.com/office/drawing/2014/main" id="{16A08437-F7D6-41FA-940D-D0ECE9FD3E18}"/>
               </a:ext>
             </a:extLst>
           </p:cNvPr>
@@ -14152,7 +14152,7 @@
           <p:cNvPr id="84" name="Ellipse 83">
             <a:extLst>
               <a:ext uri="{FF2B5EF4-FFF2-40B4-BE49-F238E27FC236}">
-                <a16:creationId xmlns:a16="http://schemas.microsoft.com/office/drawing/2014/main" xmlns="" id="{AD276A69-E7EF-4D3B-ADAB-3DA9335511C7}"/>
+                <a16:creationId xmlns="" xmlns:a16="http://schemas.microsoft.com/office/drawing/2014/main" id="{AD276A69-E7EF-4D3B-ADAB-3DA9335511C7}"/>
               </a:ext>
             </a:extLst>
           </p:cNvPr>
@@ -14198,7 +14198,7 @@
           <p:cNvPr id="85" name="Ellipse 84">
             <a:extLst>
               <a:ext uri="{FF2B5EF4-FFF2-40B4-BE49-F238E27FC236}">
-                <a16:creationId xmlns:a16="http://schemas.microsoft.com/office/drawing/2014/main" xmlns="" id="{D4F49EFD-A656-44A7-B774-1A1C257AE6D6}"/>
+                <a16:creationId xmlns="" xmlns:a16="http://schemas.microsoft.com/office/drawing/2014/main" id="{D4F49EFD-A656-44A7-B774-1A1C257AE6D6}"/>
               </a:ext>
             </a:extLst>
           </p:cNvPr>
@@ -14244,7 +14244,7 @@
           <p:cNvPr id="86" name="Ellipse 85">
             <a:extLst>
               <a:ext uri="{FF2B5EF4-FFF2-40B4-BE49-F238E27FC236}">
-                <a16:creationId xmlns:a16="http://schemas.microsoft.com/office/drawing/2014/main" xmlns="" id="{1F010599-EEB3-44FF-9812-673A5E5232C2}"/>
+                <a16:creationId xmlns="" xmlns:a16="http://schemas.microsoft.com/office/drawing/2014/main" id="{1F010599-EEB3-44FF-9812-673A5E5232C2}"/>
               </a:ext>
             </a:extLst>
           </p:cNvPr>
@@ -14290,7 +14290,7 @@
           <p:cNvPr id="87" name="Ellipse 86">
             <a:extLst>
               <a:ext uri="{FF2B5EF4-FFF2-40B4-BE49-F238E27FC236}">
-                <a16:creationId xmlns:a16="http://schemas.microsoft.com/office/drawing/2014/main" xmlns="" id="{372F645B-1C8B-44CA-83A3-2A0D673E121A}"/>
+                <a16:creationId xmlns="" xmlns:a16="http://schemas.microsoft.com/office/drawing/2014/main" id="{372F645B-1C8B-44CA-83A3-2A0D673E121A}"/>
               </a:ext>
             </a:extLst>
           </p:cNvPr>
@@ -14336,7 +14336,7 @@
           <p:cNvPr id="88" name="Connecteur droit 87">
             <a:extLst>
               <a:ext uri="{FF2B5EF4-FFF2-40B4-BE49-F238E27FC236}">
-                <a16:creationId xmlns:a16="http://schemas.microsoft.com/office/drawing/2014/main" xmlns="" id="{E60F88EE-7000-4657-B0FD-36E5A314EE6A}"/>
+                <a16:creationId xmlns="" xmlns:a16="http://schemas.microsoft.com/office/drawing/2014/main" id="{E60F88EE-7000-4657-B0FD-36E5A314EE6A}"/>
               </a:ext>
             </a:extLst>
           </p:cNvPr>
@@ -14379,7 +14379,7 @@
           <p:cNvPr id="89" name="Connecteur droit 88">
             <a:extLst>
               <a:ext uri="{FF2B5EF4-FFF2-40B4-BE49-F238E27FC236}">
-                <a16:creationId xmlns:a16="http://schemas.microsoft.com/office/drawing/2014/main" xmlns="" id="{501004A4-D5FE-4B61-ABC0-2E9A0D74516C}"/>
+                <a16:creationId xmlns="" xmlns:a16="http://schemas.microsoft.com/office/drawing/2014/main" id="{501004A4-D5FE-4B61-ABC0-2E9A0D74516C}"/>
               </a:ext>
             </a:extLst>
           </p:cNvPr>
@@ -14422,7 +14422,7 @@
           <p:cNvPr id="90" name="Connecteur droit 89">
             <a:extLst>
               <a:ext uri="{FF2B5EF4-FFF2-40B4-BE49-F238E27FC236}">
-                <a16:creationId xmlns:a16="http://schemas.microsoft.com/office/drawing/2014/main" xmlns="" id="{29C501C1-3485-4AAB-8A97-FB6953F9A97F}"/>
+                <a16:creationId xmlns="" xmlns:a16="http://schemas.microsoft.com/office/drawing/2014/main" id="{29C501C1-3485-4AAB-8A97-FB6953F9A97F}"/>
               </a:ext>
             </a:extLst>
           </p:cNvPr>
@@ -14465,7 +14465,7 @@
           <p:cNvPr id="91" name="Connecteur droit 90">
             <a:extLst>
               <a:ext uri="{FF2B5EF4-FFF2-40B4-BE49-F238E27FC236}">
-                <a16:creationId xmlns:a16="http://schemas.microsoft.com/office/drawing/2014/main" xmlns="" id="{94EFA8BE-7979-4E4E-BEEB-E09C44167113}"/>
+                <a16:creationId xmlns="" xmlns:a16="http://schemas.microsoft.com/office/drawing/2014/main" id="{94EFA8BE-7979-4E4E-BEEB-E09C44167113}"/>
               </a:ext>
             </a:extLst>
           </p:cNvPr>
@@ -14508,7 +14508,7 @@
           <p:cNvPr id="92" name="Rectangle : coins arrondis 91">
             <a:extLst>
               <a:ext uri="{FF2B5EF4-FFF2-40B4-BE49-F238E27FC236}">
-                <a16:creationId xmlns:a16="http://schemas.microsoft.com/office/drawing/2014/main" xmlns="" id="{55206765-4672-4F8D-9E01-D5EFFB20D9D9}"/>
+                <a16:creationId xmlns="" xmlns:a16="http://schemas.microsoft.com/office/drawing/2014/main" id="{55206765-4672-4F8D-9E01-D5EFFB20D9D9}"/>
               </a:ext>
             </a:extLst>
           </p:cNvPr>
@@ -14554,7 +14554,7 @@
           <p:cNvPr id="93" name="Rectangle : coins arrondis 92">
             <a:extLst>
               <a:ext uri="{FF2B5EF4-FFF2-40B4-BE49-F238E27FC236}">
-                <a16:creationId xmlns:a16="http://schemas.microsoft.com/office/drawing/2014/main" xmlns="" id="{27CE9D6C-D41D-4D60-9083-F85D94D168EB}"/>
+                <a16:creationId xmlns="" xmlns:a16="http://schemas.microsoft.com/office/drawing/2014/main" id="{27CE9D6C-D41D-4D60-9083-F85D94D168EB}"/>
               </a:ext>
             </a:extLst>
           </p:cNvPr>
@@ -14600,7 +14600,7 @@
           <p:cNvPr id="94" name="Rectangle : coins arrondis 93">
             <a:extLst>
               <a:ext uri="{FF2B5EF4-FFF2-40B4-BE49-F238E27FC236}">
-                <a16:creationId xmlns:a16="http://schemas.microsoft.com/office/drawing/2014/main" xmlns="" id="{2CA9662B-7B58-4CAD-8B32-92C191936058}"/>
+                <a16:creationId xmlns="" xmlns:a16="http://schemas.microsoft.com/office/drawing/2014/main" id="{2CA9662B-7B58-4CAD-8B32-92C191936058}"/>
               </a:ext>
             </a:extLst>
           </p:cNvPr>
@@ -14646,7 +14646,7 @@
           <p:cNvPr id="95" name="Rectangle : coins arrondis 94">
             <a:extLst>
               <a:ext uri="{FF2B5EF4-FFF2-40B4-BE49-F238E27FC236}">
-                <a16:creationId xmlns:a16="http://schemas.microsoft.com/office/drawing/2014/main" xmlns="" id="{C0CB2C8F-D525-40BB-AD44-D099BC5C510B}"/>
+                <a16:creationId xmlns="" xmlns:a16="http://schemas.microsoft.com/office/drawing/2014/main" id="{C0CB2C8F-D525-40BB-AD44-D099BC5C510B}"/>
               </a:ext>
             </a:extLst>
           </p:cNvPr>
@@ -14692,7 +14692,7 @@
           <p:cNvPr id="96" name="Connecteur droit 95">
             <a:extLst>
               <a:ext uri="{FF2B5EF4-FFF2-40B4-BE49-F238E27FC236}">
-                <a16:creationId xmlns:a16="http://schemas.microsoft.com/office/drawing/2014/main" xmlns="" id="{4FBAD689-8EDC-4A47-94C2-D452D3C40A35}"/>
+                <a16:creationId xmlns="" xmlns:a16="http://schemas.microsoft.com/office/drawing/2014/main" id="{4FBAD689-8EDC-4A47-94C2-D452D3C40A35}"/>
               </a:ext>
             </a:extLst>
           </p:cNvPr>
@@ -14737,7 +14737,7 @@
           <p:cNvPr id="97" name="Connecteur droit 96">
             <a:extLst>
               <a:ext uri="{FF2B5EF4-FFF2-40B4-BE49-F238E27FC236}">
-                <a16:creationId xmlns:a16="http://schemas.microsoft.com/office/drawing/2014/main" xmlns="" id="{C1A4BA32-7FDF-40A6-A7DB-C7D1A2459269}"/>
+                <a16:creationId xmlns="" xmlns:a16="http://schemas.microsoft.com/office/drawing/2014/main" id="{C1A4BA32-7FDF-40A6-A7DB-C7D1A2459269}"/>
               </a:ext>
             </a:extLst>
           </p:cNvPr>
@@ -14782,7 +14782,7 @@
           <p:cNvPr id="98" name="Connecteur droit 97">
             <a:extLst>
               <a:ext uri="{FF2B5EF4-FFF2-40B4-BE49-F238E27FC236}">
-                <a16:creationId xmlns:a16="http://schemas.microsoft.com/office/drawing/2014/main" xmlns="" id="{93CB8DA8-FA29-42CC-BDB4-78BFA756C087}"/>
+                <a16:creationId xmlns="" xmlns:a16="http://schemas.microsoft.com/office/drawing/2014/main" id="{93CB8DA8-FA29-42CC-BDB4-78BFA756C087}"/>
               </a:ext>
             </a:extLst>
           </p:cNvPr>
@@ -14827,7 +14827,7 @@
           <p:cNvPr id="99" name="Connecteur droit 98">
             <a:extLst>
               <a:ext uri="{FF2B5EF4-FFF2-40B4-BE49-F238E27FC236}">
-                <a16:creationId xmlns:a16="http://schemas.microsoft.com/office/drawing/2014/main" xmlns="" id="{432FFC5B-3FC7-475F-898A-DAB81849CC56}"/>
+                <a16:creationId xmlns="" xmlns:a16="http://schemas.microsoft.com/office/drawing/2014/main" id="{432FFC5B-3FC7-475F-898A-DAB81849CC56}"/>
               </a:ext>
             </a:extLst>
           </p:cNvPr>
@@ -14872,7 +14872,7 @@
           <p:cNvPr id="100" name="Ellipse 99">
             <a:extLst>
               <a:ext uri="{FF2B5EF4-FFF2-40B4-BE49-F238E27FC236}">
-                <a16:creationId xmlns:a16="http://schemas.microsoft.com/office/drawing/2014/main" xmlns="" id="{9BF50C65-0E69-4862-9D01-1AE70EA6BA08}"/>
+                <a16:creationId xmlns="" xmlns:a16="http://schemas.microsoft.com/office/drawing/2014/main" id="{9BF50C65-0E69-4862-9D01-1AE70EA6BA08}"/>
               </a:ext>
             </a:extLst>
           </p:cNvPr>
@@ -14924,7 +14924,7 @@
           <p:cNvPr id="101" name="Organigramme : Opération manuelle 100">
             <a:extLst>
               <a:ext uri="{FF2B5EF4-FFF2-40B4-BE49-F238E27FC236}">
-                <a16:creationId xmlns:a16="http://schemas.microsoft.com/office/drawing/2014/main" xmlns="" id="{1E903528-0661-4E6A-A6C6-E5FA9856A4C5}"/>
+                <a16:creationId xmlns="" xmlns:a16="http://schemas.microsoft.com/office/drawing/2014/main" id="{1E903528-0661-4E6A-A6C6-E5FA9856A4C5}"/>
               </a:ext>
             </a:extLst>
           </p:cNvPr>
@@ -14970,7 +14970,7 @@
           <p:cNvPr id="102" name="Organigramme : Opération manuelle 101">
             <a:extLst>
               <a:ext uri="{FF2B5EF4-FFF2-40B4-BE49-F238E27FC236}">
-                <a16:creationId xmlns:a16="http://schemas.microsoft.com/office/drawing/2014/main" xmlns="" id="{F6B92152-D1F6-4527-B437-6C453F733BC9}"/>
+                <a16:creationId xmlns="" xmlns:a16="http://schemas.microsoft.com/office/drawing/2014/main" id="{F6B92152-D1F6-4527-B437-6C453F733BC9}"/>
               </a:ext>
             </a:extLst>
           </p:cNvPr>
@@ -15016,7 +15016,7 @@
           <p:cNvPr id="103" name="Organigramme : Opération manuelle 102">
             <a:extLst>
               <a:ext uri="{FF2B5EF4-FFF2-40B4-BE49-F238E27FC236}">
-                <a16:creationId xmlns:a16="http://schemas.microsoft.com/office/drawing/2014/main" xmlns="" id="{6B57E32F-BD82-474B-A32A-3BC82B5E9779}"/>
+                <a16:creationId xmlns="" xmlns:a16="http://schemas.microsoft.com/office/drawing/2014/main" id="{6B57E32F-BD82-474B-A32A-3BC82B5E9779}"/>
               </a:ext>
             </a:extLst>
           </p:cNvPr>
@@ -15062,7 +15062,7 @@
           <p:cNvPr id="104" name="Organigramme : Opération manuelle 103">
             <a:extLst>
               <a:ext uri="{FF2B5EF4-FFF2-40B4-BE49-F238E27FC236}">
-                <a16:creationId xmlns:a16="http://schemas.microsoft.com/office/drawing/2014/main" xmlns="" id="{E349C885-CD3E-4BCD-8755-9085EE3C2FF2}"/>
+                <a16:creationId xmlns="" xmlns:a16="http://schemas.microsoft.com/office/drawing/2014/main" id="{E349C885-CD3E-4BCD-8755-9085EE3C2FF2}"/>
               </a:ext>
             </a:extLst>
           </p:cNvPr>
@@ -15108,7 +15108,7 @@
           <p:cNvPr id="105" name="Ellipse 104">
             <a:extLst>
               <a:ext uri="{FF2B5EF4-FFF2-40B4-BE49-F238E27FC236}">
-                <a16:creationId xmlns:a16="http://schemas.microsoft.com/office/drawing/2014/main" xmlns="" id="{DFFDEF85-84E2-45F6-B169-4AC2452DEB4E}"/>
+                <a16:creationId xmlns="" xmlns:a16="http://schemas.microsoft.com/office/drawing/2014/main" id="{DFFDEF85-84E2-45F6-B169-4AC2452DEB4E}"/>
               </a:ext>
             </a:extLst>
           </p:cNvPr>
@@ -15160,7 +15160,7 @@
           <p:cNvPr id="106" name="Organigramme : Opération manuelle 105">
             <a:extLst>
               <a:ext uri="{FF2B5EF4-FFF2-40B4-BE49-F238E27FC236}">
-                <a16:creationId xmlns:a16="http://schemas.microsoft.com/office/drawing/2014/main" xmlns="" id="{A74DBD90-71D2-49BD-BF5E-80EE2E2D4A76}"/>
+                <a16:creationId xmlns="" xmlns:a16="http://schemas.microsoft.com/office/drawing/2014/main" id="{A74DBD90-71D2-49BD-BF5E-80EE2E2D4A76}"/>
               </a:ext>
             </a:extLst>
           </p:cNvPr>
@@ -15206,7 +15206,7 @@
           <p:cNvPr id="107" name="Organigramme : Opération manuelle 106">
             <a:extLst>
               <a:ext uri="{FF2B5EF4-FFF2-40B4-BE49-F238E27FC236}">
-                <a16:creationId xmlns:a16="http://schemas.microsoft.com/office/drawing/2014/main" xmlns="" id="{BA69DB04-07AB-4831-B444-2F39243941B9}"/>
+                <a16:creationId xmlns="" xmlns:a16="http://schemas.microsoft.com/office/drawing/2014/main" id="{BA69DB04-07AB-4831-B444-2F39243941B9}"/>
               </a:ext>
             </a:extLst>
           </p:cNvPr>
@@ -15252,7 +15252,7 @@
           <p:cNvPr id="108" name="Organigramme : Opération manuelle 107">
             <a:extLst>
               <a:ext uri="{FF2B5EF4-FFF2-40B4-BE49-F238E27FC236}">
-                <a16:creationId xmlns:a16="http://schemas.microsoft.com/office/drawing/2014/main" xmlns="" id="{B53EA52F-5D6A-4528-894D-0934EB0E008C}"/>
+                <a16:creationId xmlns="" xmlns:a16="http://schemas.microsoft.com/office/drawing/2014/main" id="{B53EA52F-5D6A-4528-894D-0934EB0E008C}"/>
               </a:ext>
             </a:extLst>
           </p:cNvPr>
@@ -15298,7 +15298,7 @@
           <p:cNvPr id="109" name="Organigramme : Opération manuelle 108">
             <a:extLst>
               <a:ext uri="{FF2B5EF4-FFF2-40B4-BE49-F238E27FC236}">
-                <a16:creationId xmlns:a16="http://schemas.microsoft.com/office/drawing/2014/main" xmlns="" id="{0A546A5B-5A37-4E16-9BB5-40E1AAAC4F22}"/>
+                <a16:creationId xmlns="" xmlns:a16="http://schemas.microsoft.com/office/drawing/2014/main" id="{0A546A5B-5A37-4E16-9BB5-40E1AAAC4F22}"/>
               </a:ext>
             </a:extLst>
           </p:cNvPr>
@@ -15344,7 +15344,7 @@
           <p:cNvPr id="110" name="Ellipse 109">
             <a:extLst>
               <a:ext uri="{FF2B5EF4-FFF2-40B4-BE49-F238E27FC236}">
-                <a16:creationId xmlns:a16="http://schemas.microsoft.com/office/drawing/2014/main" xmlns="" id="{CA732512-84BE-4C67-AABB-B0F1B8210AC0}"/>
+                <a16:creationId xmlns="" xmlns:a16="http://schemas.microsoft.com/office/drawing/2014/main" id="{CA732512-84BE-4C67-AABB-B0F1B8210AC0}"/>
               </a:ext>
             </a:extLst>
           </p:cNvPr>
@@ -15393,7 +15393,7 @@
           <p:cNvPr id="111" name="Organigramme : Opération manuelle 110">
             <a:extLst>
               <a:ext uri="{FF2B5EF4-FFF2-40B4-BE49-F238E27FC236}">
-                <a16:creationId xmlns:a16="http://schemas.microsoft.com/office/drawing/2014/main" xmlns="" id="{F472534D-971C-438F-81E4-D824B27772DC}"/>
+                <a16:creationId xmlns="" xmlns:a16="http://schemas.microsoft.com/office/drawing/2014/main" id="{F472534D-971C-438F-81E4-D824B27772DC}"/>
               </a:ext>
             </a:extLst>
           </p:cNvPr>
@@ -15439,7 +15439,7 @@
           <p:cNvPr id="112" name="Organigramme : Opération manuelle 111">
             <a:extLst>
               <a:ext uri="{FF2B5EF4-FFF2-40B4-BE49-F238E27FC236}">
-                <a16:creationId xmlns:a16="http://schemas.microsoft.com/office/drawing/2014/main" xmlns="" id="{CAC62D8C-2605-4FFF-BA6E-4799484954F0}"/>
+                <a16:creationId xmlns="" xmlns:a16="http://schemas.microsoft.com/office/drawing/2014/main" id="{CAC62D8C-2605-4FFF-BA6E-4799484954F0}"/>
               </a:ext>
             </a:extLst>
           </p:cNvPr>
@@ -15485,7 +15485,7 @@
           <p:cNvPr id="113" name="Organigramme : Opération manuelle 112">
             <a:extLst>
               <a:ext uri="{FF2B5EF4-FFF2-40B4-BE49-F238E27FC236}">
-                <a16:creationId xmlns:a16="http://schemas.microsoft.com/office/drawing/2014/main" xmlns="" id="{C339A49A-DD14-426E-A4B4-84412D6EF6C6}"/>
+                <a16:creationId xmlns="" xmlns:a16="http://schemas.microsoft.com/office/drawing/2014/main" id="{C339A49A-DD14-426E-A4B4-84412D6EF6C6}"/>
               </a:ext>
             </a:extLst>
           </p:cNvPr>
@@ -15531,7 +15531,7 @@
           <p:cNvPr id="114" name="Organigramme : Opération manuelle 113">
             <a:extLst>
               <a:ext uri="{FF2B5EF4-FFF2-40B4-BE49-F238E27FC236}">
-                <a16:creationId xmlns:a16="http://schemas.microsoft.com/office/drawing/2014/main" xmlns="" id="{B82F14E7-9D6F-4D8A-B933-293D0052C316}"/>
+                <a16:creationId xmlns="" xmlns:a16="http://schemas.microsoft.com/office/drawing/2014/main" id="{B82F14E7-9D6F-4D8A-B933-293D0052C316}"/>
               </a:ext>
             </a:extLst>
           </p:cNvPr>
@@ -15577,7 +15577,7 @@
           <p:cNvPr id="115" name="Ellipse 114">
             <a:extLst>
               <a:ext uri="{FF2B5EF4-FFF2-40B4-BE49-F238E27FC236}">
-                <a16:creationId xmlns:a16="http://schemas.microsoft.com/office/drawing/2014/main" xmlns="" id="{EA56A8A8-0BA0-4111-A323-411F2396B83D}"/>
+                <a16:creationId xmlns="" xmlns:a16="http://schemas.microsoft.com/office/drawing/2014/main" id="{EA56A8A8-0BA0-4111-A323-411F2396B83D}"/>
               </a:ext>
             </a:extLst>
           </p:cNvPr>
@@ -15628,7 +15628,7 @@
           <p:cNvPr id="116" name="Organigramme : Opération manuelle 115">
             <a:extLst>
               <a:ext uri="{FF2B5EF4-FFF2-40B4-BE49-F238E27FC236}">
-                <a16:creationId xmlns:a16="http://schemas.microsoft.com/office/drawing/2014/main" xmlns="" id="{B064107C-837E-4ED5-AC8E-C241295AFB20}"/>
+                <a16:creationId xmlns="" xmlns:a16="http://schemas.microsoft.com/office/drawing/2014/main" id="{B064107C-837E-4ED5-AC8E-C241295AFB20}"/>
               </a:ext>
             </a:extLst>
           </p:cNvPr>
@@ -15674,7 +15674,7 @@
           <p:cNvPr id="117" name="Organigramme : Opération manuelle 116">
             <a:extLst>
               <a:ext uri="{FF2B5EF4-FFF2-40B4-BE49-F238E27FC236}">
-                <a16:creationId xmlns:a16="http://schemas.microsoft.com/office/drawing/2014/main" xmlns="" id="{4BA629C4-E14B-409F-883A-F9D45F3DC5D6}"/>
+                <a16:creationId xmlns="" xmlns:a16="http://schemas.microsoft.com/office/drawing/2014/main" id="{4BA629C4-E14B-409F-883A-F9D45F3DC5D6}"/>
               </a:ext>
             </a:extLst>
           </p:cNvPr>
@@ -15720,7 +15720,7 @@
           <p:cNvPr id="118" name="Organigramme : Opération manuelle 117">
             <a:extLst>
               <a:ext uri="{FF2B5EF4-FFF2-40B4-BE49-F238E27FC236}">
-                <a16:creationId xmlns:a16="http://schemas.microsoft.com/office/drawing/2014/main" xmlns="" id="{FCA2BC78-8A34-4078-B05B-D13DB0246C73}"/>
+                <a16:creationId xmlns="" xmlns:a16="http://schemas.microsoft.com/office/drawing/2014/main" id="{FCA2BC78-8A34-4078-B05B-D13DB0246C73}"/>
               </a:ext>
             </a:extLst>
           </p:cNvPr>
@@ -15766,7 +15766,7 @@
           <p:cNvPr id="119" name="Organigramme : Opération manuelle 118">
             <a:extLst>
               <a:ext uri="{FF2B5EF4-FFF2-40B4-BE49-F238E27FC236}">
-                <a16:creationId xmlns:a16="http://schemas.microsoft.com/office/drawing/2014/main" xmlns="" id="{329EECEF-CF01-47B4-9171-C8DE4E57FCE3}"/>
+                <a16:creationId xmlns="" xmlns:a16="http://schemas.microsoft.com/office/drawing/2014/main" id="{329EECEF-CF01-47B4-9171-C8DE4E57FCE3}"/>
               </a:ext>
             </a:extLst>
           </p:cNvPr>
@@ -15812,7 +15812,7 @@
           <p:cNvPr id="120" name="Connecteur droit 119">
             <a:extLst>
               <a:ext uri="{FF2B5EF4-FFF2-40B4-BE49-F238E27FC236}">
-                <a16:creationId xmlns:a16="http://schemas.microsoft.com/office/drawing/2014/main" xmlns="" id="{422617BB-493F-4804-8694-0AF7884D635D}"/>
+                <a16:creationId xmlns="" xmlns:a16="http://schemas.microsoft.com/office/drawing/2014/main" id="{422617BB-493F-4804-8694-0AF7884D635D}"/>
               </a:ext>
             </a:extLst>
           </p:cNvPr>
@@ -15859,7 +15859,7 @@
           <p:cNvPr id="121" name="Rectangle : coins arrondis 120">
             <a:extLst>
               <a:ext uri="{FF2B5EF4-FFF2-40B4-BE49-F238E27FC236}">
-                <a16:creationId xmlns:a16="http://schemas.microsoft.com/office/drawing/2014/main" xmlns="" id="{1520DFD6-7413-4BCB-A395-506BE503FFDD}"/>
+                <a16:creationId xmlns="" xmlns:a16="http://schemas.microsoft.com/office/drawing/2014/main" id="{1520DFD6-7413-4BCB-A395-506BE503FFDD}"/>
               </a:ext>
             </a:extLst>
           </p:cNvPr>
@@ -15913,7 +15913,7 @@
           <p:cNvPr id="122" name="Rectangle 121">
             <a:extLst>
               <a:ext uri="{FF2B5EF4-FFF2-40B4-BE49-F238E27FC236}">
-                <a16:creationId xmlns:a16="http://schemas.microsoft.com/office/drawing/2014/main" xmlns="" id="{34BCD487-1483-46E3-A9C0-4BA2E50C4BD6}"/>
+                <a16:creationId xmlns="" xmlns:a16="http://schemas.microsoft.com/office/drawing/2014/main" id="{34BCD487-1483-46E3-A9C0-4BA2E50C4BD6}"/>
               </a:ext>
             </a:extLst>
           </p:cNvPr>
@@ -15957,7 +15957,7 @@
           <p:cNvPr id="123" name="Rectangle 122">
             <a:extLst>
               <a:ext uri="{FF2B5EF4-FFF2-40B4-BE49-F238E27FC236}">
-                <a16:creationId xmlns:a16="http://schemas.microsoft.com/office/drawing/2014/main" xmlns="" id="{06487DC3-56D8-45E6-8C64-89F9C75293CC}"/>
+                <a16:creationId xmlns="" xmlns:a16="http://schemas.microsoft.com/office/drawing/2014/main" id="{06487DC3-56D8-45E6-8C64-89F9C75293CC}"/>
               </a:ext>
             </a:extLst>
           </p:cNvPr>
@@ -16003,7 +16003,7 @@
           <p:cNvPr id="124" name="Rectangle 123">
             <a:extLst>
               <a:ext uri="{FF2B5EF4-FFF2-40B4-BE49-F238E27FC236}">
-                <a16:creationId xmlns:a16="http://schemas.microsoft.com/office/drawing/2014/main" xmlns="" id="{311D83E5-12A7-42A2-9C8D-BA0D2AF9C6B1}"/>
+                <a16:creationId xmlns="" xmlns:a16="http://schemas.microsoft.com/office/drawing/2014/main" id="{311D83E5-12A7-42A2-9C8D-BA0D2AF9C6B1}"/>
               </a:ext>
             </a:extLst>
           </p:cNvPr>
@@ -16049,7 +16049,7 @@
           <p:cNvPr id="125" name="Rectangle 124">
             <a:extLst>
               <a:ext uri="{FF2B5EF4-FFF2-40B4-BE49-F238E27FC236}">
-                <a16:creationId xmlns:a16="http://schemas.microsoft.com/office/drawing/2014/main" xmlns="" id="{2692776D-4261-471A-929D-8657CE1CE1FB}"/>
+                <a16:creationId xmlns="" xmlns:a16="http://schemas.microsoft.com/office/drawing/2014/main" id="{2692776D-4261-471A-929D-8657CE1CE1FB}"/>
               </a:ext>
             </a:extLst>
           </p:cNvPr>
@@ -16095,7 +16095,7 @@
           <p:cNvPr id="126" name="Rectangle 125">
             <a:extLst>
               <a:ext uri="{FF2B5EF4-FFF2-40B4-BE49-F238E27FC236}">
-                <a16:creationId xmlns:a16="http://schemas.microsoft.com/office/drawing/2014/main" xmlns="" id="{D1821063-B6AD-4728-8E76-4EC6AEC1E649}"/>
+                <a16:creationId xmlns="" xmlns:a16="http://schemas.microsoft.com/office/drawing/2014/main" id="{D1821063-B6AD-4728-8E76-4EC6AEC1E649}"/>
               </a:ext>
             </a:extLst>
           </p:cNvPr>
@@ -16141,7 +16141,7 @@
           <p:cNvPr id="127" name="Rectangle 126">
             <a:extLst>
               <a:ext uri="{FF2B5EF4-FFF2-40B4-BE49-F238E27FC236}">
-                <a16:creationId xmlns:a16="http://schemas.microsoft.com/office/drawing/2014/main" xmlns="" id="{49F13312-34D6-458D-89E5-28C83C6D3A36}"/>
+                <a16:creationId xmlns="" xmlns:a16="http://schemas.microsoft.com/office/drawing/2014/main" id="{49F13312-34D6-458D-89E5-28C83C6D3A36}"/>
               </a:ext>
             </a:extLst>
           </p:cNvPr>
@@ -16187,7 +16187,7 @@
           <p:cNvPr id="128" name="Rectangle 127">
             <a:extLst>
               <a:ext uri="{FF2B5EF4-FFF2-40B4-BE49-F238E27FC236}">
-                <a16:creationId xmlns:a16="http://schemas.microsoft.com/office/drawing/2014/main" xmlns="" id="{E376702E-705F-49A2-98CA-E9B13FBC9B2B}"/>
+                <a16:creationId xmlns="" xmlns:a16="http://schemas.microsoft.com/office/drawing/2014/main" id="{E376702E-705F-49A2-98CA-E9B13FBC9B2B}"/>
               </a:ext>
             </a:extLst>
           </p:cNvPr>
@@ -16233,7 +16233,7 @@
           <p:cNvPr id="129" name="Rectangle 128">
             <a:extLst>
               <a:ext uri="{FF2B5EF4-FFF2-40B4-BE49-F238E27FC236}">
-                <a16:creationId xmlns:a16="http://schemas.microsoft.com/office/drawing/2014/main" xmlns="" id="{11D5F63C-9F6D-4743-A213-313A64FBA87C}"/>
+                <a16:creationId xmlns="" xmlns:a16="http://schemas.microsoft.com/office/drawing/2014/main" id="{11D5F63C-9F6D-4743-A213-313A64FBA87C}"/>
               </a:ext>
             </a:extLst>
           </p:cNvPr>
@@ -16279,7 +16279,7 @@
           <p:cNvPr id="130" name="Rectangle 129">
             <a:extLst>
               <a:ext uri="{FF2B5EF4-FFF2-40B4-BE49-F238E27FC236}">
-                <a16:creationId xmlns:a16="http://schemas.microsoft.com/office/drawing/2014/main" xmlns="" id="{03A8DE17-67F5-4193-A8F9-D48C5EA1E29D}"/>
+                <a16:creationId xmlns="" xmlns:a16="http://schemas.microsoft.com/office/drawing/2014/main" id="{03A8DE17-67F5-4193-A8F9-D48C5EA1E29D}"/>
               </a:ext>
             </a:extLst>
           </p:cNvPr>
@@ -16325,7 +16325,7 @@
           <p:cNvPr id="131" name="Rectangle 130">
             <a:extLst>
               <a:ext uri="{FF2B5EF4-FFF2-40B4-BE49-F238E27FC236}">
-                <a16:creationId xmlns:a16="http://schemas.microsoft.com/office/drawing/2014/main" xmlns="" id="{CB20D29C-5868-41E1-84A1-D8F6214ED988}"/>
+                <a16:creationId xmlns="" xmlns:a16="http://schemas.microsoft.com/office/drawing/2014/main" id="{CB20D29C-5868-41E1-84A1-D8F6214ED988}"/>
               </a:ext>
             </a:extLst>
           </p:cNvPr>
@@ -16371,7 +16371,7 @@
           <p:cNvPr id="132" name="Rectangle 131">
             <a:extLst>
               <a:ext uri="{FF2B5EF4-FFF2-40B4-BE49-F238E27FC236}">
-                <a16:creationId xmlns:a16="http://schemas.microsoft.com/office/drawing/2014/main" xmlns="" id="{CDDA134A-D6D0-4AB2-8686-CCE6548AB3E6}"/>
+                <a16:creationId xmlns="" xmlns:a16="http://schemas.microsoft.com/office/drawing/2014/main" id="{CDDA134A-D6D0-4AB2-8686-CCE6548AB3E6}"/>
               </a:ext>
             </a:extLst>
           </p:cNvPr>
@@ -16417,7 +16417,7 @@
           <p:cNvPr id="133" name="Rectangle 132">
             <a:extLst>
               <a:ext uri="{FF2B5EF4-FFF2-40B4-BE49-F238E27FC236}">
-                <a16:creationId xmlns:a16="http://schemas.microsoft.com/office/drawing/2014/main" xmlns="" id="{4DFFDD34-BBFA-4E57-AB99-5BD3B5E924B9}"/>
+                <a16:creationId xmlns="" xmlns:a16="http://schemas.microsoft.com/office/drawing/2014/main" id="{4DFFDD34-BBFA-4E57-AB99-5BD3B5E924B9}"/>
               </a:ext>
             </a:extLst>
           </p:cNvPr>
@@ -16463,7 +16463,7 @@
           <p:cNvPr id="134" name="Rectangle 133">
             <a:extLst>
               <a:ext uri="{FF2B5EF4-FFF2-40B4-BE49-F238E27FC236}">
-                <a16:creationId xmlns:a16="http://schemas.microsoft.com/office/drawing/2014/main" xmlns="" id="{E7113D75-A311-47FF-916A-48B8A938EF31}"/>
+                <a16:creationId xmlns="" xmlns:a16="http://schemas.microsoft.com/office/drawing/2014/main" id="{E7113D75-A311-47FF-916A-48B8A938EF31}"/>
               </a:ext>
             </a:extLst>
           </p:cNvPr>
@@ -16509,7 +16509,7 @@
           <p:cNvPr id="135" name="Rectangle 134">
             <a:extLst>
               <a:ext uri="{FF2B5EF4-FFF2-40B4-BE49-F238E27FC236}">
-                <a16:creationId xmlns:a16="http://schemas.microsoft.com/office/drawing/2014/main" xmlns="" id="{F2C18121-FB2E-4B34-8B61-B274CDE57105}"/>
+                <a16:creationId xmlns="" xmlns:a16="http://schemas.microsoft.com/office/drawing/2014/main" id="{F2C18121-FB2E-4B34-8B61-B274CDE57105}"/>
               </a:ext>
             </a:extLst>
           </p:cNvPr>
@@ -16555,7 +16555,7 @@
           <p:cNvPr id="136" name="Rectangle 135">
             <a:extLst>
               <a:ext uri="{FF2B5EF4-FFF2-40B4-BE49-F238E27FC236}">
-                <a16:creationId xmlns:a16="http://schemas.microsoft.com/office/drawing/2014/main" xmlns="" id="{95F20490-E024-4F46-89A2-ECBE215DFFA9}"/>
+                <a16:creationId xmlns="" xmlns:a16="http://schemas.microsoft.com/office/drawing/2014/main" id="{95F20490-E024-4F46-89A2-ECBE215DFFA9}"/>
               </a:ext>
             </a:extLst>
           </p:cNvPr>
@@ -16601,7 +16601,7 @@
           <p:cNvPr id="137" name="Rectangle 136">
             <a:extLst>
               <a:ext uri="{FF2B5EF4-FFF2-40B4-BE49-F238E27FC236}">
-                <a16:creationId xmlns:a16="http://schemas.microsoft.com/office/drawing/2014/main" xmlns="" id="{8DCFFFCC-22F0-4F33-A385-0EFDEB821237}"/>
+                <a16:creationId xmlns="" xmlns:a16="http://schemas.microsoft.com/office/drawing/2014/main" id="{8DCFFFCC-22F0-4F33-A385-0EFDEB821237}"/>
               </a:ext>
             </a:extLst>
           </p:cNvPr>
@@ -16647,7 +16647,7 @@
           <p:cNvPr id="138" name="Rectangle 137">
             <a:extLst>
               <a:ext uri="{FF2B5EF4-FFF2-40B4-BE49-F238E27FC236}">
-                <a16:creationId xmlns:a16="http://schemas.microsoft.com/office/drawing/2014/main" xmlns="" id="{30A8A0C1-A519-476D-B2D8-7ACACDF85316}"/>
+                <a16:creationId xmlns="" xmlns:a16="http://schemas.microsoft.com/office/drawing/2014/main" id="{30A8A0C1-A519-476D-B2D8-7ACACDF85316}"/>
               </a:ext>
             </a:extLst>
           </p:cNvPr>
@@ -16693,7 +16693,7 @@
           <p:cNvPr id="139" name="Ellipse 138">
             <a:extLst>
               <a:ext uri="{FF2B5EF4-FFF2-40B4-BE49-F238E27FC236}">
-                <a16:creationId xmlns:a16="http://schemas.microsoft.com/office/drawing/2014/main" xmlns="" id="{29087126-B51A-4BEA-A1DA-C9615C135052}"/>
+                <a16:creationId xmlns="" xmlns:a16="http://schemas.microsoft.com/office/drawing/2014/main" id="{29087126-B51A-4BEA-A1DA-C9615C135052}"/>
               </a:ext>
             </a:extLst>
           </p:cNvPr>
@@ -16739,7 +16739,7 @@
           <p:cNvPr id="140" name="Ellipse 139">
             <a:extLst>
               <a:ext uri="{FF2B5EF4-FFF2-40B4-BE49-F238E27FC236}">
-                <a16:creationId xmlns:a16="http://schemas.microsoft.com/office/drawing/2014/main" xmlns="" id="{3EA4140A-A2FF-464A-87DA-91D255207006}"/>
+                <a16:creationId xmlns="" xmlns:a16="http://schemas.microsoft.com/office/drawing/2014/main" id="{3EA4140A-A2FF-464A-87DA-91D255207006}"/>
               </a:ext>
             </a:extLst>
           </p:cNvPr>
@@ -16785,7 +16785,7 @@
           <p:cNvPr id="141" name="Ellipse 140">
             <a:extLst>
               <a:ext uri="{FF2B5EF4-FFF2-40B4-BE49-F238E27FC236}">
-                <a16:creationId xmlns:a16="http://schemas.microsoft.com/office/drawing/2014/main" xmlns="" id="{982DCAAD-E1EB-4AEA-BF1C-49DC4B591C62}"/>
+                <a16:creationId xmlns="" xmlns:a16="http://schemas.microsoft.com/office/drawing/2014/main" id="{982DCAAD-E1EB-4AEA-BF1C-49DC4B591C62}"/>
               </a:ext>
             </a:extLst>
           </p:cNvPr>
@@ -16831,7 +16831,7 @@
           <p:cNvPr id="142" name="Ellipse 141">
             <a:extLst>
               <a:ext uri="{FF2B5EF4-FFF2-40B4-BE49-F238E27FC236}">
-                <a16:creationId xmlns:a16="http://schemas.microsoft.com/office/drawing/2014/main" xmlns="" id="{837B6F88-FC60-4CFB-90FA-5F7444422F2B}"/>
+                <a16:creationId xmlns="" xmlns:a16="http://schemas.microsoft.com/office/drawing/2014/main" id="{837B6F88-FC60-4CFB-90FA-5F7444422F2B}"/>
               </a:ext>
             </a:extLst>
           </p:cNvPr>
@@ -16877,7 +16877,7 @@
           <p:cNvPr id="143" name="Connecteur droit 142">
             <a:extLst>
               <a:ext uri="{FF2B5EF4-FFF2-40B4-BE49-F238E27FC236}">
-                <a16:creationId xmlns:a16="http://schemas.microsoft.com/office/drawing/2014/main" xmlns="" id="{B88E07BE-72D2-4C83-BA55-BC1635D58DFD}"/>
+                <a16:creationId xmlns="" xmlns:a16="http://schemas.microsoft.com/office/drawing/2014/main" id="{B88E07BE-72D2-4C83-BA55-BC1635D58DFD}"/>
               </a:ext>
             </a:extLst>
           </p:cNvPr>
@@ -16920,7 +16920,7 @@
           <p:cNvPr id="144" name="Connecteur droit 143">
             <a:extLst>
               <a:ext uri="{FF2B5EF4-FFF2-40B4-BE49-F238E27FC236}">
-                <a16:creationId xmlns:a16="http://schemas.microsoft.com/office/drawing/2014/main" xmlns="" id="{563BEA9E-5CFE-4679-9BEB-291C22C8DFB6}"/>
+                <a16:creationId xmlns="" xmlns:a16="http://schemas.microsoft.com/office/drawing/2014/main" id="{563BEA9E-5CFE-4679-9BEB-291C22C8DFB6}"/>
               </a:ext>
             </a:extLst>
           </p:cNvPr>
@@ -16963,7 +16963,7 @@
           <p:cNvPr id="145" name="Connecteur droit 144">
             <a:extLst>
               <a:ext uri="{FF2B5EF4-FFF2-40B4-BE49-F238E27FC236}">
-                <a16:creationId xmlns:a16="http://schemas.microsoft.com/office/drawing/2014/main" xmlns="" id="{BDAFD912-7155-4573-AB94-46F3FF09825C}"/>
+                <a16:creationId xmlns="" xmlns:a16="http://schemas.microsoft.com/office/drawing/2014/main" id="{BDAFD912-7155-4573-AB94-46F3FF09825C}"/>
               </a:ext>
             </a:extLst>
           </p:cNvPr>
@@ -17006,7 +17006,7 @@
           <p:cNvPr id="146" name="Connecteur droit 145">
             <a:extLst>
               <a:ext uri="{FF2B5EF4-FFF2-40B4-BE49-F238E27FC236}">
-                <a16:creationId xmlns:a16="http://schemas.microsoft.com/office/drawing/2014/main" xmlns="" id="{DC1C5516-7062-45E8-ABDB-5F45DA1C1CB1}"/>
+                <a16:creationId xmlns="" xmlns:a16="http://schemas.microsoft.com/office/drawing/2014/main" id="{DC1C5516-7062-45E8-ABDB-5F45DA1C1CB1}"/>
               </a:ext>
             </a:extLst>
           </p:cNvPr>
@@ -17049,7 +17049,7 @@
           <p:cNvPr id="147" name="Rectangle : coins arrondis 146">
             <a:extLst>
               <a:ext uri="{FF2B5EF4-FFF2-40B4-BE49-F238E27FC236}">
-                <a16:creationId xmlns:a16="http://schemas.microsoft.com/office/drawing/2014/main" xmlns="" id="{DF7ED911-70A2-4529-9BFD-23CE903EC281}"/>
+                <a16:creationId xmlns="" xmlns:a16="http://schemas.microsoft.com/office/drawing/2014/main" id="{DF7ED911-70A2-4529-9BFD-23CE903EC281}"/>
               </a:ext>
             </a:extLst>
           </p:cNvPr>
@@ -17095,7 +17095,7 @@
           <p:cNvPr id="148" name="Rectangle : coins arrondis 147">
             <a:extLst>
               <a:ext uri="{FF2B5EF4-FFF2-40B4-BE49-F238E27FC236}">
-                <a16:creationId xmlns:a16="http://schemas.microsoft.com/office/drawing/2014/main" xmlns="" id="{C941443D-ADB6-405B-8E7A-AA95E0061972}"/>
+                <a16:creationId xmlns="" xmlns:a16="http://schemas.microsoft.com/office/drawing/2014/main" id="{C941443D-ADB6-405B-8E7A-AA95E0061972}"/>
               </a:ext>
             </a:extLst>
           </p:cNvPr>
@@ -17141,7 +17141,7 @@
           <p:cNvPr id="149" name="Rectangle : coins arrondis 148">
             <a:extLst>
               <a:ext uri="{FF2B5EF4-FFF2-40B4-BE49-F238E27FC236}">
-                <a16:creationId xmlns:a16="http://schemas.microsoft.com/office/drawing/2014/main" xmlns="" id="{C853648D-A6B7-4AA6-85CA-71F5FDDA8FA0}"/>
+                <a16:creationId xmlns="" xmlns:a16="http://schemas.microsoft.com/office/drawing/2014/main" id="{C853648D-A6B7-4AA6-85CA-71F5FDDA8FA0}"/>
               </a:ext>
             </a:extLst>
           </p:cNvPr>
@@ -17187,7 +17187,7 @@
           <p:cNvPr id="150" name="Rectangle : coins arrondis 149">
             <a:extLst>
               <a:ext uri="{FF2B5EF4-FFF2-40B4-BE49-F238E27FC236}">
-                <a16:creationId xmlns:a16="http://schemas.microsoft.com/office/drawing/2014/main" xmlns="" id="{E6C7CDAD-9A17-43D6-A42D-F2DCD696E46C}"/>
+                <a16:creationId xmlns="" xmlns:a16="http://schemas.microsoft.com/office/drawing/2014/main" id="{E6C7CDAD-9A17-43D6-A42D-F2DCD696E46C}"/>
               </a:ext>
             </a:extLst>
           </p:cNvPr>
@@ -17233,7 +17233,7 @@
           <p:cNvPr id="151" name="Connecteur droit 150">
             <a:extLst>
               <a:ext uri="{FF2B5EF4-FFF2-40B4-BE49-F238E27FC236}">
-                <a16:creationId xmlns:a16="http://schemas.microsoft.com/office/drawing/2014/main" xmlns="" id="{5C8B3BA6-6527-448D-A1B5-DE248A0C5603}"/>
+                <a16:creationId xmlns="" xmlns:a16="http://schemas.microsoft.com/office/drawing/2014/main" id="{5C8B3BA6-6527-448D-A1B5-DE248A0C5603}"/>
               </a:ext>
             </a:extLst>
           </p:cNvPr>
@@ -17278,7 +17278,7 @@
           <p:cNvPr id="152" name="Connecteur droit 151">
             <a:extLst>
               <a:ext uri="{FF2B5EF4-FFF2-40B4-BE49-F238E27FC236}">
-                <a16:creationId xmlns:a16="http://schemas.microsoft.com/office/drawing/2014/main" xmlns="" id="{C22D2202-DF1A-4C59-92EE-6F666D9AD858}"/>
+                <a16:creationId xmlns="" xmlns:a16="http://schemas.microsoft.com/office/drawing/2014/main" id="{C22D2202-DF1A-4C59-92EE-6F666D9AD858}"/>
               </a:ext>
             </a:extLst>
           </p:cNvPr>
@@ -17323,7 +17323,7 @@
           <p:cNvPr id="153" name="Connecteur droit 152">
             <a:extLst>
               <a:ext uri="{FF2B5EF4-FFF2-40B4-BE49-F238E27FC236}">
-                <a16:creationId xmlns:a16="http://schemas.microsoft.com/office/drawing/2014/main" xmlns="" id="{5F40A0D2-FF7C-48D9-9164-836707DBC06D}"/>
+                <a16:creationId xmlns="" xmlns:a16="http://schemas.microsoft.com/office/drawing/2014/main" id="{5F40A0D2-FF7C-48D9-9164-836707DBC06D}"/>
               </a:ext>
             </a:extLst>
           </p:cNvPr>
@@ -17368,7 +17368,7 @@
           <p:cNvPr id="154" name="Connecteur droit 153">
             <a:extLst>
               <a:ext uri="{FF2B5EF4-FFF2-40B4-BE49-F238E27FC236}">
-                <a16:creationId xmlns:a16="http://schemas.microsoft.com/office/drawing/2014/main" xmlns="" id="{DB49979E-E2FB-479F-9490-285F8BB5BD87}"/>
+                <a16:creationId xmlns="" xmlns:a16="http://schemas.microsoft.com/office/drawing/2014/main" id="{DB49979E-E2FB-479F-9490-285F8BB5BD87}"/>
               </a:ext>
             </a:extLst>
           </p:cNvPr>
@@ -17413,7 +17413,7 @@
           <p:cNvPr id="155" name="Ellipse 154">
             <a:extLst>
               <a:ext uri="{FF2B5EF4-FFF2-40B4-BE49-F238E27FC236}">
-                <a16:creationId xmlns:a16="http://schemas.microsoft.com/office/drawing/2014/main" xmlns="" id="{FF862664-360C-48A6-ABBF-92813160EF7D}"/>
+                <a16:creationId xmlns="" xmlns:a16="http://schemas.microsoft.com/office/drawing/2014/main" id="{FF862664-360C-48A6-ABBF-92813160EF7D}"/>
               </a:ext>
             </a:extLst>
           </p:cNvPr>
@@ -17462,7 +17462,7 @@
           <p:cNvPr id="156" name="Organigramme : Opération manuelle 155">
             <a:extLst>
               <a:ext uri="{FF2B5EF4-FFF2-40B4-BE49-F238E27FC236}">
-                <a16:creationId xmlns:a16="http://schemas.microsoft.com/office/drawing/2014/main" xmlns="" id="{D71255D5-6575-4356-8C91-247A7F17D0F5}"/>
+                <a16:creationId xmlns="" xmlns:a16="http://schemas.microsoft.com/office/drawing/2014/main" id="{D71255D5-6575-4356-8C91-247A7F17D0F5}"/>
               </a:ext>
             </a:extLst>
           </p:cNvPr>
@@ -17508,7 +17508,7 @@
           <p:cNvPr id="157" name="Organigramme : Opération manuelle 156">
             <a:extLst>
               <a:ext uri="{FF2B5EF4-FFF2-40B4-BE49-F238E27FC236}">
-                <a16:creationId xmlns:a16="http://schemas.microsoft.com/office/drawing/2014/main" xmlns="" id="{31344C8B-BFD9-46B8-97D0-E283A1297D69}"/>
+                <a16:creationId xmlns="" xmlns:a16="http://schemas.microsoft.com/office/drawing/2014/main" id="{31344C8B-BFD9-46B8-97D0-E283A1297D69}"/>
               </a:ext>
             </a:extLst>
           </p:cNvPr>
@@ -17554,7 +17554,7 @@
           <p:cNvPr id="158" name="Organigramme : Opération manuelle 157">
             <a:extLst>
               <a:ext uri="{FF2B5EF4-FFF2-40B4-BE49-F238E27FC236}">
-                <a16:creationId xmlns:a16="http://schemas.microsoft.com/office/drawing/2014/main" xmlns="" id="{8802FCAE-5BA5-4CA5-8C94-205CC8212377}"/>
+                <a16:creationId xmlns="" xmlns:a16="http://schemas.microsoft.com/office/drawing/2014/main" id="{8802FCAE-5BA5-4CA5-8C94-205CC8212377}"/>
               </a:ext>
             </a:extLst>
           </p:cNvPr>
@@ -17600,7 +17600,7 @@
           <p:cNvPr id="159" name="Organigramme : Opération manuelle 158">
             <a:extLst>
               <a:ext uri="{FF2B5EF4-FFF2-40B4-BE49-F238E27FC236}">
-                <a16:creationId xmlns:a16="http://schemas.microsoft.com/office/drawing/2014/main" xmlns="" id="{B40AD75A-6D5F-46BA-9819-7D7DF391FD7E}"/>
+                <a16:creationId xmlns="" xmlns:a16="http://schemas.microsoft.com/office/drawing/2014/main" id="{B40AD75A-6D5F-46BA-9819-7D7DF391FD7E}"/>
               </a:ext>
             </a:extLst>
           </p:cNvPr>
@@ -17646,7 +17646,7 @@
           <p:cNvPr id="160" name="Ellipse 159">
             <a:extLst>
               <a:ext uri="{FF2B5EF4-FFF2-40B4-BE49-F238E27FC236}">
-                <a16:creationId xmlns:a16="http://schemas.microsoft.com/office/drawing/2014/main" xmlns="" id="{9D489609-B9FC-4854-B063-671AE93909CF}"/>
+                <a16:creationId xmlns="" xmlns:a16="http://schemas.microsoft.com/office/drawing/2014/main" id="{9D489609-B9FC-4854-B063-671AE93909CF}"/>
               </a:ext>
             </a:extLst>
           </p:cNvPr>
@@ -17697,7 +17697,7 @@
           <p:cNvPr id="161" name="Organigramme : Opération manuelle 160">
             <a:extLst>
               <a:ext uri="{FF2B5EF4-FFF2-40B4-BE49-F238E27FC236}">
-                <a16:creationId xmlns:a16="http://schemas.microsoft.com/office/drawing/2014/main" xmlns="" id="{0DCCDA9C-FDF9-4FD6-8870-E56CC7A7B5CF}"/>
+                <a16:creationId xmlns="" xmlns:a16="http://schemas.microsoft.com/office/drawing/2014/main" id="{0DCCDA9C-FDF9-4FD6-8870-E56CC7A7B5CF}"/>
               </a:ext>
             </a:extLst>
           </p:cNvPr>
@@ -17743,7 +17743,7 @@
           <p:cNvPr id="162" name="Organigramme : Opération manuelle 161">
             <a:extLst>
               <a:ext uri="{FF2B5EF4-FFF2-40B4-BE49-F238E27FC236}">
-                <a16:creationId xmlns:a16="http://schemas.microsoft.com/office/drawing/2014/main" xmlns="" id="{6209A362-DBFC-4147-817F-59ABEFD8858C}"/>
+                <a16:creationId xmlns="" xmlns:a16="http://schemas.microsoft.com/office/drawing/2014/main" id="{6209A362-DBFC-4147-817F-59ABEFD8858C}"/>
               </a:ext>
             </a:extLst>
           </p:cNvPr>
@@ -17789,7 +17789,7 @@
           <p:cNvPr id="163" name="Organigramme : Opération manuelle 162">
             <a:extLst>
               <a:ext uri="{FF2B5EF4-FFF2-40B4-BE49-F238E27FC236}">
-                <a16:creationId xmlns:a16="http://schemas.microsoft.com/office/drawing/2014/main" xmlns="" id="{0DC98A03-2A9F-4B96-9C9B-C888859554B9}"/>
+                <a16:creationId xmlns="" xmlns:a16="http://schemas.microsoft.com/office/drawing/2014/main" id="{0DC98A03-2A9F-4B96-9C9B-C888859554B9}"/>
               </a:ext>
             </a:extLst>
           </p:cNvPr>
@@ -17835,7 +17835,7 @@
           <p:cNvPr id="164" name="Organigramme : Opération manuelle 163">
             <a:extLst>
               <a:ext uri="{FF2B5EF4-FFF2-40B4-BE49-F238E27FC236}">
-                <a16:creationId xmlns:a16="http://schemas.microsoft.com/office/drawing/2014/main" xmlns="" id="{0C144DA7-D0C1-4BB7-B5F7-A24D43E203FE}"/>
+                <a16:creationId xmlns="" xmlns:a16="http://schemas.microsoft.com/office/drawing/2014/main" id="{0C144DA7-D0C1-4BB7-B5F7-A24D43E203FE}"/>
               </a:ext>
             </a:extLst>
           </p:cNvPr>
@@ -17881,7 +17881,7 @@
           <p:cNvPr id="165" name="Ellipse 164">
             <a:extLst>
               <a:ext uri="{FF2B5EF4-FFF2-40B4-BE49-F238E27FC236}">
-                <a16:creationId xmlns:a16="http://schemas.microsoft.com/office/drawing/2014/main" xmlns="" id="{A70BD950-6C30-4158-AD77-7043CB5A25EE}"/>
+                <a16:creationId xmlns="" xmlns:a16="http://schemas.microsoft.com/office/drawing/2014/main" id="{A70BD950-6C30-4158-AD77-7043CB5A25EE}"/>
               </a:ext>
             </a:extLst>
           </p:cNvPr>
@@ -17930,7 +17930,7 @@
           <p:cNvPr id="166" name="Organigramme : Opération manuelle 165">
             <a:extLst>
               <a:ext uri="{FF2B5EF4-FFF2-40B4-BE49-F238E27FC236}">
-                <a16:creationId xmlns:a16="http://schemas.microsoft.com/office/drawing/2014/main" xmlns="" id="{D6DC5E3D-710B-4C51-AA56-1A463ACCEF3C}"/>
+                <a16:creationId xmlns="" xmlns:a16="http://schemas.microsoft.com/office/drawing/2014/main" id="{D6DC5E3D-710B-4C51-AA56-1A463ACCEF3C}"/>
               </a:ext>
             </a:extLst>
           </p:cNvPr>
@@ -17976,7 +17976,7 @@
           <p:cNvPr id="167" name="Organigramme : Opération manuelle 166">
             <a:extLst>
               <a:ext uri="{FF2B5EF4-FFF2-40B4-BE49-F238E27FC236}">
-                <a16:creationId xmlns:a16="http://schemas.microsoft.com/office/drawing/2014/main" xmlns="" id="{44BDA5CE-914A-4870-B282-98EF75A3B35B}"/>
+                <a16:creationId xmlns="" xmlns:a16="http://schemas.microsoft.com/office/drawing/2014/main" id="{44BDA5CE-914A-4870-B282-98EF75A3B35B}"/>
               </a:ext>
             </a:extLst>
           </p:cNvPr>
@@ -18022,7 +18022,7 @@
           <p:cNvPr id="168" name="Organigramme : Opération manuelle 167">
             <a:extLst>
               <a:ext uri="{FF2B5EF4-FFF2-40B4-BE49-F238E27FC236}">
-                <a16:creationId xmlns:a16="http://schemas.microsoft.com/office/drawing/2014/main" xmlns="" id="{A31AF10C-4F61-497E-9B5B-FF6E6DEC84DD}"/>
+                <a16:creationId xmlns="" xmlns:a16="http://schemas.microsoft.com/office/drawing/2014/main" id="{A31AF10C-4F61-497E-9B5B-FF6E6DEC84DD}"/>
               </a:ext>
             </a:extLst>
           </p:cNvPr>
@@ -18068,7 +18068,7 @@
           <p:cNvPr id="169" name="Organigramme : Opération manuelle 168">
             <a:extLst>
               <a:ext uri="{FF2B5EF4-FFF2-40B4-BE49-F238E27FC236}">
-                <a16:creationId xmlns:a16="http://schemas.microsoft.com/office/drawing/2014/main" xmlns="" id="{639B2F6E-819C-412F-B753-2E27CA831AB6}"/>
+                <a16:creationId xmlns="" xmlns:a16="http://schemas.microsoft.com/office/drawing/2014/main" id="{639B2F6E-819C-412F-B753-2E27CA831AB6}"/>
               </a:ext>
             </a:extLst>
           </p:cNvPr>
@@ -18114,7 +18114,7 @@
           <p:cNvPr id="170" name="Ellipse 169">
             <a:extLst>
               <a:ext uri="{FF2B5EF4-FFF2-40B4-BE49-F238E27FC236}">
-                <a16:creationId xmlns:a16="http://schemas.microsoft.com/office/drawing/2014/main" xmlns="" id="{298305CE-3B3C-4461-B155-51ECDBE3BA68}"/>
+                <a16:creationId xmlns="" xmlns:a16="http://schemas.microsoft.com/office/drawing/2014/main" id="{298305CE-3B3C-4461-B155-51ECDBE3BA68}"/>
               </a:ext>
             </a:extLst>
           </p:cNvPr>
@@ -18166,7 +18166,7 @@
           <p:cNvPr id="171" name="Organigramme : Opération manuelle 170">
             <a:extLst>
               <a:ext uri="{FF2B5EF4-FFF2-40B4-BE49-F238E27FC236}">
-                <a16:creationId xmlns:a16="http://schemas.microsoft.com/office/drawing/2014/main" xmlns="" id="{BAC79127-94C2-4A95-AC62-54CEB6DECE84}"/>
+                <a16:creationId xmlns="" xmlns:a16="http://schemas.microsoft.com/office/drawing/2014/main" id="{BAC79127-94C2-4A95-AC62-54CEB6DECE84}"/>
               </a:ext>
             </a:extLst>
           </p:cNvPr>
@@ -18212,7 +18212,7 @@
           <p:cNvPr id="172" name="Organigramme : Opération manuelle 171">
             <a:extLst>
               <a:ext uri="{FF2B5EF4-FFF2-40B4-BE49-F238E27FC236}">
-                <a16:creationId xmlns:a16="http://schemas.microsoft.com/office/drawing/2014/main" xmlns="" id="{7877FEB6-7CC2-4091-9B65-E7FAEE9C1306}"/>
+                <a16:creationId xmlns="" xmlns:a16="http://schemas.microsoft.com/office/drawing/2014/main" id="{7877FEB6-7CC2-4091-9B65-E7FAEE9C1306}"/>
               </a:ext>
             </a:extLst>
           </p:cNvPr>
@@ -18258,7 +18258,7 @@
           <p:cNvPr id="173" name="Organigramme : Opération manuelle 172">
             <a:extLst>
               <a:ext uri="{FF2B5EF4-FFF2-40B4-BE49-F238E27FC236}">
-                <a16:creationId xmlns:a16="http://schemas.microsoft.com/office/drawing/2014/main" xmlns="" id="{17BEAC83-792D-435C-B939-2901B8DF0937}"/>
+                <a16:creationId xmlns="" xmlns:a16="http://schemas.microsoft.com/office/drawing/2014/main" id="{17BEAC83-792D-435C-B939-2901B8DF0937}"/>
               </a:ext>
             </a:extLst>
           </p:cNvPr>
@@ -18304,7 +18304,7 @@
           <p:cNvPr id="174" name="Organigramme : Opération manuelle 173">
             <a:extLst>
               <a:ext uri="{FF2B5EF4-FFF2-40B4-BE49-F238E27FC236}">
-                <a16:creationId xmlns:a16="http://schemas.microsoft.com/office/drawing/2014/main" xmlns="" id="{DD67EBD8-654D-463E-BF6D-CA3603A6D088}"/>
+                <a16:creationId xmlns="" xmlns:a16="http://schemas.microsoft.com/office/drawing/2014/main" id="{DD67EBD8-654D-463E-BF6D-CA3603A6D088}"/>
               </a:ext>
             </a:extLst>
           </p:cNvPr>
@@ -18350,7 +18350,7 @@
           <p:cNvPr id="175" name="Connecteur droit 174">
             <a:extLst>
               <a:ext uri="{FF2B5EF4-FFF2-40B4-BE49-F238E27FC236}">
-                <a16:creationId xmlns:a16="http://schemas.microsoft.com/office/drawing/2014/main" xmlns="" id="{77712361-E096-4658-B2C1-0C42346CE6B9}"/>
+                <a16:creationId xmlns="" xmlns:a16="http://schemas.microsoft.com/office/drawing/2014/main" id="{77712361-E096-4658-B2C1-0C42346CE6B9}"/>
               </a:ext>
             </a:extLst>
           </p:cNvPr>
@@ -18397,7 +18397,7 @@
           <p:cNvPr id="176" name="Rectangle : coins arrondis 175">
             <a:extLst>
               <a:ext uri="{FF2B5EF4-FFF2-40B4-BE49-F238E27FC236}">
-                <a16:creationId xmlns:a16="http://schemas.microsoft.com/office/drawing/2014/main" xmlns="" id="{4729BBD5-D4DC-4EF5-9485-917FC6140708}"/>
+                <a16:creationId xmlns="" xmlns:a16="http://schemas.microsoft.com/office/drawing/2014/main" id="{4729BBD5-D4DC-4EF5-9485-917FC6140708}"/>
               </a:ext>
             </a:extLst>
           </p:cNvPr>
@@ -18492,7 +18492,7 @@
           <p:cNvPr id="2" name="Titre 1">
             <a:extLst>
               <a:ext uri="{FF2B5EF4-FFF2-40B4-BE49-F238E27FC236}">
-                <a16:creationId xmlns:a16="http://schemas.microsoft.com/office/drawing/2014/main" xmlns="" id="{AD4F0A27-99BB-49D0-9C93-2D3C5186E6B2}"/>
+                <a16:creationId xmlns="" xmlns:a16="http://schemas.microsoft.com/office/drawing/2014/main" id="{AD4F0A27-99BB-49D0-9C93-2D3C5186E6B2}"/>
               </a:ext>
             </a:extLst>
           </p:cNvPr>
@@ -18532,7 +18532,7 @@
           <p:cNvPr id="3" name="Sous-titre 2">
             <a:extLst>
               <a:ext uri="{FF2B5EF4-FFF2-40B4-BE49-F238E27FC236}">
-                <a16:creationId xmlns:a16="http://schemas.microsoft.com/office/drawing/2014/main" xmlns="" id="{B5895DDB-3400-4A36-A688-98CC33D75B68}"/>
+                <a16:creationId xmlns="" xmlns:a16="http://schemas.microsoft.com/office/drawing/2014/main" id="{B5895DDB-3400-4A36-A688-98CC33D75B68}"/>
               </a:ext>
             </a:extLst>
           </p:cNvPr>
@@ -18575,7 +18575,7 @@
           <p:cNvPr id="5" name="Image 4" descr="Une image contenant texte, clipart, lumière&#10;&#10;Description générée automatiquement">
             <a:extLst>
               <a:ext uri="{FF2B5EF4-FFF2-40B4-BE49-F238E27FC236}">
-                <a16:creationId xmlns:a16="http://schemas.microsoft.com/office/drawing/2014/main" xmlns="" id="{F92E366F-A75B-4FBE-95A4-7BE2692FD768}"/>
+                <a16:creationId xmlns="" xmlns:a16="http://schemas.microsoft.com/office/drawing/2014/main" id="{F92E366F-A75B-4FBE-95A4-7BE2692FD768}"/>
               </a:ext>
             </a:extLst>
           </p:cNvPr>
@@ -18611,7 +18611,7 @@
           <p:cNvPr id="4" name="Rectangle : coins arrondis 3">
             <a:extLst>
               <a:ext uri="{FF2B5EF4-FFF2-40B4-BE49-F238E27FC236}">
-                <a16:creationId xmlns:a16="http://schemas.microsoft.com/office/drawing/2014/main" xmlns="" id="{91F949C8-2425-7570-5287-385AC17B21E1}"/>
+                <a16:creationId xmlns="" xmlns:a16="http://schemas.microsoft.com/office/drawing/2014/main" id="{91F949C8-2425-7570-5287-385AC17B21E1}"/>
               </a:ext>
             </a:extLst>
           </p:cNvPr>
@@ -18658,7 +18658,7 @@
           <p:cNvPr id="9" name="Connecteur droit 8">
             <a:extLst>
               <a:ext uri="{FF2B5EF4-FFF2-40B4-BE49-F238E27FC236}">
-                <a16:creationId xmlns:a16="http://schemas.microsoft.com/office/drawing/2014/main" xmlns="" id="{69F4CD8C-A1F8-3DC6-7EAE-D62250ECD5D8}"/>
+                <a16:creationId xmlns="" xmlns:a16="http://schemas.microsoft.com/office/drawing/2014/main" id="{69F4CD8C-A1F8-3DC6-7EAE-D62250ECD5D8}"/>
               </a:ext>
             </a:extLst>
           </p:cNvPr>
@@ -18705,7 +18705,7 @@
           <p:cNvPr id="16" name="ZoneTexte 15">
             <a:extLst>
               <a:ext uri="{FF2B5EF4-FFF2-40B4-BE49-F238E27FC236}">
-                <a16:creationId xmlns:a16="http://schemas.microsoft.com/office/drawing/2014/main" xmlns="" id="{00D0015B-8959-6872-A092-05E4EC31CA6C}"/>
+                <a16:creationId xmlns="" xmlns:a16="http://schemas.microsoft.com/office/drawing/2014/main" id="{00D0015B-8959-6872-A092-05E4EC31CA6C}"/>
               </a:ext>
             </a:extLst>
           </p:cNvPr>
@@ -18782,7 +18782,7 @@
           <p:cNvPr id="10" name="ZoneTexte 9">
             <a:extLst>
               <a:ext uri="{FF2B5EF4-FFF2-40B4-BE49-F238E27FC236}">
-                <a16:creationId xmlns:a16="http://schemas.microsoft.com/office/drawing/2014/main" xmlns="" id="{C1844A75-FCE0-1091-C813-61A648C42426}"/>
+                <a16:creationId xmlns="" xmlns:a16="http://schemas.microsoft.com/office/drawing/2014/main" id="{C1844A75-FCE0-1091-C813-61A648C42426}"/>
               </a:ext>
             </a:extLst>
           </p:cNvPr>
@@ -18847,7 +18847,7 @@
           <p:cNvPr id="6" name="Rectangle : coins arrondis 5">
             <a:extLst>
               <a:ext uri="{FF2B5EF4-FFF2-40B4-BE49-F238E27FC236}">
-                <a16:creationId xmlns:a16="http://schemas.microsoft.com/office/drawing/2014/main" xmlns="" id="{2B7C8F0A-C94C-9130-5712-49D064ED4290}"/>
+                <a16:creationId xmlns="" xmlns:a16="http://schemas.microsoft.com/office/drawing/2014/main" id="{2B7C8F0A-C94C-9130-5712-49D064ED4290}"/>
               </a:ext>
             </a:extLst>
           </p:cNvPr>
@@ -18934,7 +18934,7 @@
           <p:cNvPr id="46" name="Connecteur droit 45">
             <a:extLst>
               <a:ext uri="{FF2B5EF4-FFF2-40B4-BE49-F238E27FC236}">
-                <a16:creationId xmlns:a16="http://schemas.microsoft.com/office/drawing/2014/main" xmlns="" id="{3FED4720-A617-7D37-1214-E22C5DC2934C}"/>
+                <a16:creationId xmlns="" xmlns:a16="http://schemas.microsoft.com/office/drawing/2014/main" id="{3FED4720-A617-7D37-1214-E22C5DC2934C}"/>
               </a:ext>
             </a:extLst>
           </p:cNvPr>
@@ -18977,7 +18977,7 @@
           <p:cNvPr id="2" name="Titre 1">
             <a:extLst>
               <a:ext uri="{FF2B5EF4-FFF2-40B4-BE49-F238E27FC236}">
-                <a16:creationId xmlns:a16="http://schemas.microsoft.com/office/drawing/2014/main" xmlns="" id="{AD4F0A27-99BB-49D0-9C93-2D3C5186E6B2}"/>
+                <a16:creationId xmlns="" xmlns:a16="http://schemas.microsoft.com/office/drawing/2014/main" id="{AD4F0A27-99BB-49D0-9C93-2D3C5186E6B2}"/>
               </a:ext>
             </a:extLst>
           </p:cNvPr>
@@ -19017,7 +19017,7 @@
           <p:cNvPr id="3" name="Sous-titre 2">
             <a:extLst>
               <a:ext uri="{FF2B5EF4-FFF2-40B4-BE49-F238E27FC236}">
-                <a16:creationId xmlns:a16="http://schemas.microsoft.com/office/drawing/2014/main" xmlns="" id="{B5895DDB-3400-4A36-A688-98CC33D75B68}"/>
+                <a16:creationId xmlns="" xmlns:a16="http://schemas.microsoft.com/office/drawing/2014/main" id="{B5895DDB-3400-4A36-A688-98CC33D75B68}"/>
               </a:ext>
             </a:extLst>
           </p:cNvPr>
@@ -19060,7 +19060,7 @@
           <p:cNvPr id="5" name="Image 4" descr="Une image contenant texte, clipart, lumière&#10;&#10;Description générée automatiquement">
             <a:extLst>
               <a:ext uri="{FF2B5EF4-FFF2-40B4-BE49-F238E27FC236}">
-                <a16:creationId xmlns:a16="http://schemas.microsoft.com/office/drawing/2014/main" xmlns="" id="{F92E366F-A75B-4FBE-95A4-7BE2692FD768}"/>
+                <a16:creationId xmlns="" xmlns:a16="http://schemas.microsoft.com/office/drawing/2014/main" id="{F92E366F-A75B-4FBE-95A4-7BE2692FD768}"/>
               </a:ext>
             </a:extLst>
           </p:cNvPr>
@@ -19096,7 +19096,7 @@
           <p:cNvPr id="4" name="Rectangle : coins arrondis 3">
             <a:extLst>
               <a:ext uri="{FF2B5EF4-FFF2-40B4-BE49-F238E27FC236}">
-                <a16:creationId xmlns:a16="http://schemas.microsoft.com/office/drawing/2014/main" xmlns="" id="{91F949C8-2425-7570-5287-385AC17B21E1}"/>
+                <a16:creationId xmlns="" xmlns:a16="http://schemas.microsoft.com/office/drawing/2014/main" id="{91F949C8-2425-7570-5287-385AC17B21E1}"/>
               </a:ext>
             </a:extLst>
           </p:cNvPr>
@@ -19143,7 +19143,7 @@
           <p:cNvPr id="7" name="Rectangle 6">
             <a:extLst>
               <a:ext uri="{FF2B5EF4-FFF2-40B4-BE49-F238E27FC236}">
-                <a16:creationId xmlns:a16="http://schemas.microsoft.com/office/drawing/2014/main" xmlns="" id="{C3487925-6EF8-CC4B-D17E-52205DA4F20E}"/>
+                <a16:creationId xmlns="" xmlns:a16="http://schemas.microsoft.com/office/drawing/2014/main" id="{C3487925-6EF8-CC4B-D17E-52205DA4F20E}"/>
               </a:ext>
             </a:extLst>
           </p:cNvPr>
@@ -19201,7 +19201,7 @@
           <p:cNvPr id="8" name="Rectangle 7">
             <a:extLst>
               <a:ext uri="{FF2B5EF4-FFF2-40B4-BE49-F238E27FC236}">
-                <a16:creationId xmlns:a16="http://schemas.microsoft.com/office/drawing/2014/main" xmlns="" id="{6B353578-DC71-7C51-8FB8-D72717C99BFC}"/>
+                <a16:creationId xmlns="" xmlns:a16="http://schemas.microsoft.com/office/drawing/2014/main" id="{6B353578-DC71-7C51-8FB8-D72717C99BFC}"/>
               </a:ext>
             </a:extLst>
           </p:cNvPr>
@@ -19275,7 +19275,7 @@
           <p:cNvPr id="11" name="Rectangle 10">
             <a:extLst>
               <a:ext uri="{FF2B5EF4-FFF2-40B4-BE49-F238E27FC236}">
-                <a16:creationId xmlns:a16="http://schemas.microsoft.com/office/drawing/2014/main" xmlns="" id="{886AC6D8-4EA2-FBD6-D5A0-4AFF6AC39D64}"/>
+                <a16:creationId xmlns="" xmlns:a16="http://schemas.microsoft.com/office/drawing/2014/main" id="{886AC6D8-4EA2-FBD6-D5A0-4AFF6AC39D64}"/>
               </a:ext>
             </a:extLst>
           </p:cNvPr>
@@ -19331,7 +19331,7 @@
           <p:cNvPr id="12" name="Rectangle 11">
             <a:extLst>
               <a:ext uri="{FF2B5EF4-FFF2-40B4-BE49-F238E27FC236}">
-                <a16:creationId xmlns:a16="http://schemas.microsoft.com/office/drawing/2014/main" xmlns="" id="{38D87CB9-08B9-5078-EE57-1587832FFE84}"/>
+                <a16:creationId xmlns="" xmlns:a16="http://schemas.microsoft.com/office/drawing/2014/main" id="{38D87CB9-08B9-5078-EE57-1587832FFE84}"/>
               </a:ext>
             </a:extLst>
           </p:cNvPr>
@@ -19390,7 +19390,7 @@
           <p:cNvPr id="13" name="Rectangle 12">
             <a:extLst>
               <a:ext uri="{FF2B5EF4-FFF2-40B4-BE49-F238E27FC236}">
-                <a16:creationId xmlns:a16="http://schemas.microsoft.com/office/drawing/2014/main" xmlns="" id="{581F0FBA-2229-B848-2F2D-11EE858E8B13}"/>
+                <a16:creationId xmlns="" xmlns:a16="http://schemas.microsoft.com/office/drawing/2014/main" id="{581F0FBA-2229-B848-2F2D-11EE858E8B13}"/>
               </a:ext>
             </a:extLst>
           </p:cNvPr>
@@ -19449,7 +19449,7 @@
           <p:cNvPr id="14" name="Rectangle 13">
             <a:extLst>
               <a:ext uri="{FF2B5EF4-FFF2-40B4-BE49-F238E27FC236}">
-                <a16:creationId xmlns:a16="http://schemas.microsoft.com/office/drawing/2014/main" xmlns="" id="{D134F98B-8C9A-4221-8406-416CB53CB6F0}"/>
+                <a16:creationId xmlns="" xmlns:a16="http://schemas.microsoft.com/office/drawing/2014/main" id="{D134F98B-8C9A-4221-8406-416CB53CB6F0}"/>
               </a:ext>
             </a:extLst>
           </p:cNvPr>
@@ -19508,7 +19508,7 @@
           <p:cNvPr id="15" name="Rectangle 14">
             <a:extLst>
               <a:ext uri="{FF2B5EF4-FFF2-40B4-BE49-F238E27FC236}">
-                <a16:creationId xmlns:a16="http://schemas.microsoft.com/office/drawing/2014/main" xmlns="" id="{407C663D-7826-4723-218E-AD235FB2FF52}"/>
+                <a16:creationId xmlns="" xmlns:a16="http://schemas.microsoft.com/office/drawing/2014/main" id="{407C663D-7826-4723-218E-AD235FB2FF52}"/>
               </a:ext>
             </a:extLst>
           </p:cNvPr>
@@ -19567,7 +19567,7 @@
           <p:cNvPr id="17" name="Rectangle 16">
             <a:extLst>
               <a:ext uri="{FF2B5EF4-FFF2-40B4-BE49-F238E27FC236}">
-                <a16:creationId xmlns:a16="http://schemas.microsoft.com/office/drawing/2014/main" xmlns="" id="{E07F59B9-8D7A-1418-73AE-6FCA90AC9067}"/>
+                <a16:creationId xmlns="" xmlns:a16="http://schemas.microsoft.com/office/drawing/2014/main" id="{E07F59B9-8D7A-1418-73AE-6FCA90AC9067}"/>
               </a:ext>
             </a:extLst>
           </p:cNvPr>
@@ -19626,7 +19626,7 @@
           <p:cNvPr id="18" name="Rectangle 17">
             <a:extLst>
               <a:ext uri="{FF2B5EF4-FFF2-40B4-BE49-F238E27FC236}">
-                <a16:creationId xmlns:a16="http://schemas.microsoft.com/office/drawing/2014/main" xmlns="" id="{A2B4BB23-5B1D-FC33-6DA4-84105F698C36}"/>
+                <a16:creationId xmlns="" xmlns:a16="http://schemas.microsoft.com/office/drawing/2014/main" id="{A2B4BB23-5B1D-FC33-6DA4-84105F698C36}"/>
               </a:ext>
             </a:extLst>
           </p:cNvPr>
@@ -19685,7 +19685,7 @@
           <p:cNvPr id="19" name="Rectangle 18">
             <a:extLst>
               <a:ext uri="{FF2B5EF4-FFF2-40B4-BE49-F238E27FC236}">
-                <a16:creationId xmlns:a16="http://schemas.microsoft.com/office/drawing/2014/main" xmlns="" id="{AEA30484-678C-E6ED-62B8-33997D477914}"/>
+                <a16:creationId xmlns="" xmlns:a16="http://schemas.microsoft.com/office/drawing/2014/main" id="{AEA30484-678C-E6ED-62B8-33997D477914}"/>
               </a:ext>
             </a:extLst>
           </p:cNvPr>
@@ -19744,7 +19744,7 @@
           <p:cNvPr id="20" name="Rectangle 19">
             <a:extLst>
               <a:ext uri="{FF2B5EF4-FFF2-40B4-BE49-F238E27FC236}">
-                <a16:creationId xmlns:a16="http://schemas.microsoft.com/office/drawing/2014/main" xmlns="" id="{A4496FB4-E3D4-D9D5-A43D-7F1321ED1A4D}"/>
+                <a16:creationId xmlns="" xmlns:a16="http://schemas.microsoft.com/office/drawing/2014/main" id="{A4496FB4-E3D4-D9D5-A43D-7F1321ED1A4D}"/>
               </a:ext>
             </a:extLst>
           </p:cNvPr>
@@ -19803,7 +19803,7 @@
           <p:cNvPr id="21" name="Rectangle 20">
             <a:extLst>
               <a:ext uri="{FF2B5EF4-FFF2-40B4-BE49-F238E27FC236}">
-                <a16:creationId xmlns:a16="http://schemas.microsoft.com/office/drawing/2014/main" xmlns="" id="{DAD708CB-32EC-C000-CA2E-FD68A0A2D17C}"/>
+                <a16:creationId xmlns="" xmlns:a16="http://schemas.microsoft.com/office/drawing/2014/main" id="{DAD708CB-32EC-C000-CA2E-FD68A0A2D17C}"/>
               </a:ext>
             </a:extLst>
           </p:cNvPr>
@@ -19862,7 +19862,7 @@
           <p:cNvPr id="22" name="Rectangle 21">
             <a:extLst>
               <a:ext uri="{FF2B5EF4-FFF2-40B4-BE49-F238E27FC236}">
-                <a16:creationId xmlns:a16="http://schemas.microsoft.com/office/drawing/2014/main" xmlns="" id="{73CC031A-FA14-9EFC-2EE2-08D70D60160C}"/>
+                <a16:creationId xmlns="" xmlns:a16="http://schemas.microsoft.com/office/drawing/2014/main" id="{73CC031A-FA14-9EFC-2EE2-08D70D60160C}"/>
               </a:ext>
             </a:extLst>
           </p:cNvPr>
@@ -19932,7 +19932,7 @@
           <p:cNvPr id="23" name="Rectangle 22">
             <a:extLst>
               <a:ext uri="{FF2B5EF4-FFF2-40B4-BE49-F238E27FC236}">
-                <a16:creationId xmlns:a16="http://schemas.microsoft.com/office/drawing/2014/main" xmlns="" id="{3F301020-B3B7-1551-3580-57C4ADE0C329}"/>
+                <a16:creationId xmlns="" xmlns:a16="http://schemas.microsoft.com/office/drawing/2014/main" id="{3F301020-B3B7-1551-3580-57C4ADE0C329}"/>
               </a:ext>
             </a:extLst>
           </p:cNvPr>
@@ -19991,7 +19991,7 @@
           <p:cNvPr id="24" name="Rectangle 23">
             <a:extLst>
               <a:ext uri="{FF2B5EF4-FFF2-40B4-BE49-F238E27FC236}">
-                <a16:creationId xmlns:a16="http://schemas.microsoft.com/office/drawing/2014/main" xmlns="" id="{6A5F03E2-FE36-3A86-B61C-9EA62C157910}"/>
+                <a16:creationId xmlns="" xmlns:a16="http://schemas.microsoft.com/office/drawing/2014/main" id="{6A5F03E2-FE36-3A86-B61C-9EA62C157910}"/>
               </a:ext>
             </a:extLst>
           </p:cNvPr>
@@ -20050,7 +20050,7 @@
           <p:cNvPr id="25" name="Rectangle 24">
             <a:extLst>
               <a:ext uri="{FF2B5EF4-FFF2-40B4-BE49-F238E27FC236}">
-                <a16:creationId xmlns:a16="http://schemas.microsoft.com/office/drawing/2014/main" xmlns="" id="{3EE59805-DADC-D25F-1DE0-4757CDCADA59}"/>
+                <a16:creationId xmlns="" xmlns:a16="http://schemas.microsoft.com/office/drawing/2014/main" id="{3EE59805-DADC-D25F-1DE0-4757CDCADA59}"/>
               </a:ext>
             </a:extLst>
           </p:cNvPr>
@@ -20109,7 +20109,7 @@
           <p:cNvPr id="26" name="ZoneTexte 25">
             <a:extLst>
               <a:ext uri="{FF2B5EF4-FFF2-40B4-BE49-F238E27FC236}">
-                <a16:creationId xmlns:a16="http://schemas.microsoft.com/office/drawing/2014/main" xmlns="" id="{9F09E092-37A6-4F6E-43CB-6322C272A87B}"/>
+                <a16:creationId xmlns="" xmlns:a16="http://schemas.microsoft.com/office/drawing/2014/main" id="{9F09E092-37A6-4F6E-43CB-6322C272A87B}"/>
               </a:ext>
             </a:extLst>
           </p:cNvPr>
@@ -20154,7 +20154,7 @@
           <p:cNvPr id="27" name="Rectangle 26">
             <a:extLst>
               <a:ext uri="{FF2B5EF4-FFF2-40B4-BE49-F238E27FC236}">
-                <a16:creationId xmlns:a16="http://schemas.microsoft.com/office/drawing/2014/main" xmlns="" id="{8B7CFE53-DAAF-9F03-1B85-C046927B563C}"/>
+                <a16:creationId xmlns="" xmlns:a16="http://schemas.microsoft.com/office/drawing/2014/main" id="{8B7CFE53-DAAF-9F03-1B85-C046927B563C}"/>
               </a:ext>
             </a:extLst>
           </p:cNvPr>
@@ -20212,7 +20212,7 @@
           <p:cNvPr id="28" name="Rectangle 27">
             <a:extLst>
               <a:ext uri="{FF2B5EF4-FFF2-40B4-BE49-F238E27FC236}">
-                <a16:creationId xmlns:a16="http://schemas.microsoft.com/office/drawing/2014/main" xmlns="" id="{05BBEB18-E2A6-940B-53D6-9D60306978A2}"/>
+                <a16:creationId xmlns="" xmlns:a16="http://schemas.microsoft.com/office/drawing/2014/main" id="{05BBEB18-E2A6-940B-53D6-9D60306978A2}"/>
               </a:ext>
             </a:extLst>
           </p:cNvPr>
@@ -20286,7 +20286,7 @@
           <p:cNvPr id="29" name="Rectangle 28">
             <a:extLst>
               <a:ext uri="{FF2B5EF4-FFF2-40B4-BE49-F238E27FC236}">
-                <a16:creationId xmlns:a16="http://schemas.microsoft.com/office/drawing/2014/main" xmlns="" id="{481E2CBB-7E67-C305-5568-CC1E97061388}"/>
+                <a16:creationId xmlns="" xmlns:a16="http://schemas.microsoft.com/office/drawing/2014/main" id="{481E2CBB-7E67-C305-5568-CC1E97061388}"/>
               </a:ext>
             </a:extLst>
           </p:cNvPr>
@@ -20342,7 +20342,7 @@
           <p:cNvPr id="30" name="Rectangle 29">
             <a:extLst>
               <a:ext uri="{FF2B5EF4-FFF2-40B4-BE49-F238E27FC236}">
-                <a16:creationId xmlns:a16="http://schemas.microsoft.com/office/drawing/2014/main" xmlns="" id="{AEC54E07-E1C2-6654-4EC2-FA17DB70167D}"/>
+                <a16:creationId xmlns="" xmlns:a16="http://schemas.microsoft.com/office/drawing/2014/main" id="{AEC54E07-E1C2-6654-4EC2-FA17DB70167D}"/>
               </a:ext>
             </a:extLst>
           </p:cNvPr>
@@ -20401,7 +20401,7 @@
           <p:cNvPr id="31" name="Rectangle 30">
             <a:extLst>
               <a:ext uri="{FF2B5EF4-FFF2-40B4-BE49-F238E27FC236}">
-                <a16:creationId xmlns:a16="http://schemas.microsoft.com/office/drawing/2014/main" xmlns="" id="{43E43D30-AD4D-61FB-1855-FA91131F2B95}"/>
+                <a16:creationId xmlns="" xmlns:a16="http://schemas.microsoft.com/office/drawing/2014/main" id="{43E43D30-AD4D-61FB-1855-FA91131F2B95}"/>
               </a:ext>
             </a:extLst>
           </p:cNvPr>
@@ -20465,7 +20465,7 @@
           <p:cNvPr id="32" name="Rectangle 31">
             <a:extLst>
               <a:ext uri="{FF2B5EF4-FFF2-40B4-BE49-F238E27FC236}">
-                <a16:creationId xmlns:a16="http://schemas.microsoft.com/office/drawing/2014/main" xmlns="" id="{FAA8AB55-A116-24F6-136B-52F7F7B3657F}"/>
+                <a16:creationId xmlns="" xmlns:a16="http://schemas.microsoft.com/office/drawing/2014/main" id="{FAA8AB55-A116-24F6-136B-52F7F7B3657F}"/>
               </a:ext>
             </a:extLst>
           </p:cNvPr>
@@ -20529,7 +20529,7 @@
           <p:cNvPr id="33" name="Rectangle 32">
             <a:extLst>
               <a:ext uri="{FF2B5EF4-FFF2-40B4-BE49-F238E27FC236}">
-                <a16:creationId xmlns:a16="http://schemas.microsoft.com/office/drawing/2014/main" xmlns="" id="{68BB17C6-A4E4-7458-5D43-103D503CD59F}"/>
+                <a16:creationId xmlns="" xmlns:a16="http://schemas.microsoft.com/office/drawing/2014/main" id="{68BB17C6-A4E4-7458-5D43-103D503CD59F}"/>
               </a:ext>
             </a:extLst>
           </p:cNvPr>
@@ -20601,7 +20601,7 @@
           <p:cNvPr id="34" name="Rectangle 33">
             <a:extLst>
               <a:ext uri="{FF2B5EF4-FFF2-40B4-BE49-F238E27FC236}">
-                <a16:creationId xmlns:a16="http://schemas.microsoft.com/office/drawing/2014/main" xmlns="" id="{F6048D31-599C-7BF1-8218-35EFBE927FD9}"/>
+                <a16:creationId xmlns="" xmlns:a16="http://schemas.microsoft.com/office/drawing/2014/main" id="{F6048D31-599C-7BF1-8218-35EFBE927FD9}"/>
               </a:ext>
             </a:extLst>
           </p:cNvPr>
@@ -20650,7 +20650,7 @@
                   <a:schemeClr val="tx1"/>
                 </a:solidFill>
               </a:rPr>
-              <a:t>???</a:t>
+              <a:t>W_UV</a:t>
             </a:r>
             <a:endParaRPr lang="fr-FR" sz="1400" dirty="0">
               <a:solidFill>
@@ -20665,7 +20665,7 @@
           <p:cNvPr id="35" name="Rectangle 34">
             <a:extLst>
               <a:ext uri="{FF2B5EF4-FFF2-40B4-BE49-F238E27FC236}">
-                <a16:creationId xmlns:a16="http://schemas.microsoft.com/office/drawing/2014/main" xmlns="" id="{F72D23D3-12ED-8EC3-BF99-616AA6A0115C}"/>
+                <a16:creationId xmlns="" xmlns:a16="http://schemas.microsoft.com/office/drawing/2014/main" id="{F72D23D3-12ED-8EC3-BF99-616AA6A0115C}"/>
               </a:ext>
             </a:extLst>
           </p:cNvPr>
@@ -20724,7 +20724,7 @@
           <p:cNvPr id="36" name="Rectangle 35">
             <a:extLst>
               <a:ext uri="{FF2B5EF4-FFF2-40B4-BE49-F238E27FC236}">
-                <a16:creationId xmlns:a16="http://schemas.microsoft.com/office/drawing/2014/main" xmlns="" id="{0193DD4F-7F5A-D021-0D57-B90735C768D4}"/>
+                <a16:creationId xmlns="" xmlns:a16="http://schemas.microsoft.com/office/drawing/2014/main" id="{0193DD4F-7F5A-D021-0D57-B90735C768D4}"/>
               </a:ext>
             </a:extLst>
           </p:cNvPr>
@@ -20783,7 +20783,7 @@
           <p:cNvPr id="37" name="Rectangle 36">
             <a:extLst>
               <a:ext uri="{FF2B5EF4-FFF2-40B4-BE49-F238E27FC236}">
-                <a16:creationId xmlns:a16="http://schemas.microsoft.com/office/drawing/2014/main" xmlns="" id="{3B9F5B72-4815-2F76-2581-E5B8419169E9}"/>
+                <a16:creationId xmlns="" xmlns:a16="http://schemas.microsoft.com/office/drawing/2014/main" id="{3B9F5B72-4815-2F76-2581-E5B8419169E9}"/>
               </a:ext>
             </a:extLst>
           </p:cNvPr>
@@ -20839,7 +20839,7 @@
           <p:cNvPr id="39" name="Rectangle 38">
             <a:extLst>
               <a:ext uri="{FF2B5EF4-FFF2-40B4-BE49-F238E27FC236}">
-                <a16:creationId xmlns:a16="http://schemas.microsoft.com/office/drawing/2014/main" xmlns="" id="{B47D9D0A-8E8D-2218-733B-0A0F5B7EF685}"/>
+                <a16:creationId xmlns="" xmlns:a16="http://schemas.microsoft.com/office/drawing/2014/main" id="{B47D9D0A-8E8D-2218-733B-0A0F5B7EF685}"/>
               </a:ext>
             </a:extLst>
           </p:cNvPr>
@@ -20929,7 +20929,7 @@
           <p:cNvPr id="40" name="Rectangle 39">
             <a:extLst>
               <a:ext uri="{FF2B5EF4-FFF2-40B4-BE49-F238E27FC236}">
-                <a16:creationId xmlns:a16="http://schemas.microsoft.com/office/drawing/2014/main" xmlns="" id="{066DE62C-C84F-03F4-A6A9-195D328C3074}"/>
+                <a16:creationId xmlns="" xmlns:a16="http://schemas.microsoft.com/office/drawing/2014/main" id="{066DE62C-C84F-03F4-A6A9-195D328C3074}"/>
               </a:ext>
             </a:extLst>
           </p:cNvPr>
@@ -21008,7 +21008,7 @@
           <p:cNvPr id="41" name="Rectangle 40">
             <a:extLst>
               <a:ext uri="{FF2B5EF4-FFF2-40B4-BE49-F238E27FC236}">
-                <a16:creationId xmlns:a16="http://schemas.microsoft.com/office/drawing/2014/main" xmlns="" id="{CD5A2463-E3E5-62B3-9903-78DA6C298E00}"/>
+                <a16:creationId xmlns="" xmlns:a16="http://schemas.microsoft.com/office/drawing/2014/main" id="{CD5A2463-E3E5-62B3-9903-78DA6C298E00}"/>
               </a:ext>
             </a:extLst>
           </p:cNvPr>
@@ -21067,7 +21067,7 @@
           <p:cNvPr id="42" name="Rectangle 41">
             <a:extLst>
               <a:ext uri="{FF2B5EF4-FFF2-40B4-BE49-F238E27FC236}">
-                <a16:creationId xmlns:a16="http://schemas.microsoft.com/office/drawing/2014/main" xmlns="" id="{3BC3A387-02CC-4F7D-E9AC-B103A9288F09}"/>
+                <a16:creationId xmlns="" xmlns:a16="http://schemas.microsoft.com/office/drawing/2014/main" id="{3BC3A387-02CC-4F7D-E9AC-B103A9288F09}"/>
               </a:ext>
             </a:extLst>
           </p:cNvPr>
@@ -21141,7 +21141,7 @@
           <p:cNvPr id="43" name="ZoneTexte 42">
             <a:extLst>
               <a:ext uri="{FF2B5EF4-FFF2-40B4-BE49-F238E27FC236}">
-                <a16:creationId xmlns:a16="http://schemas.microsoft.com/office/drawing/2014/main" xmlns="" id="{10DBD9D6-05DB-7B69-9FB2-AEB702CE43F9}"/>
+                <a16:creationId xmlns="" xmlns:a16="http://schemas.microsoft.com/office/drawing/2014/main" id="{10DBD9D6-05DB-7B69-9FB2-AEB702CE43F9}"/>
               </a:ext>
             </a:extLst>
           </p:cNvPr>
@@ -21186,7 +21186,7 @@
           <p:cNvPr id="44" name="Rectangle 43">
             <a:extLst>
               <a:ext uri="{FF2B5EF4-FFF2-40B4-BE49-F238E27FC236}">
-                <a16:creationId xmlns:a16="http://schemas.microsoft.com/office/drawing/2014/main" xmlns="" id="{6046AA15-5C6D-DE40-4E6A-3B07423CA96E}"/>
+                <a16:creationId xmlns="" xmlns:a16="http://schemas.microsoft.com/office/drawing/2014/main" id="{6046AA15-5C6D-DE40-4E6A-3B07423CA96E}"/>
               </a:ext>
             </a:extLst>
           </p:cNvPr>
@@ -21242,7 +21242,7 @@
           <p:cNvPr id="48" name="Connecteur droit 47">
             <a:extLst>
               <a:ext uri="{FF2B5EF4-FFF2-40B4-BE49-F238E27FC236}">
-                <a16:creationId xmlns:a16="http://schemas.microsoft.com/office/drawing/2014/main" xmlns="" id="{1B4BBC4D-B622-ECB3-2619-94D0664DFE6A}"/>
+                <a16:creationId xmlns="" xmlns:a16="http://schemas.microsoft.com/office/drawing/2014/main" id="{1B4BBC4D-B622-ECB3-2619-94D0664DFE6A}"/>
               </a:ext>
             </a:extLst>
           </p:cNvPr>
@@ -21285,7 +21285,7 @@
           <p:cNvPr id="49" name="Rectangle 48">
             <a:extLst>
               <a:ext uri="{FF2B5EF4-FFF2-40B4-BE49-F238E27FC236}">
-                <a16:creationId xmlns:a16="http://schemas.microsoft.com/office/drawing/2014/main" xmlns="" id="{49BDFEC3-A0AA-0B14-84C9-A5336731D97E}"/>
+                <a16:creationId xmlns="" xmlns:a16="http://schemas.microsoft.com/office/drawing/2014/main" id="{49BDFEC3-A0AA-0B14-84C9-A5336731D97E}"/>
               </a:ext>
             </a:extLst>
           </p:cNvPr>
@@ -21341,7 +21341,7 @@
           <p:cNvPr id="50" name="Connecteur droit 49">
             <a:extLst>
               <a:ext uri="{FF2B5EF4-FFF2-40B4-BE49-F238E27FC236}">
-                <a16:creationId xmlns:a16="http://schemas.microsoft.com/office/drawing/2014/main" xmlns="" id="{D58CC845-6FD5-D8BE-D057-EF61F42E7945}"/>
+                <a16:creationId xmlns="" xmlns:a16="http://schemas.microsoft.com/office/drawing/2014/main" id="{D58CC845-6FD5-D8BE-D057-EF61F42E7945}"/>
               </a:ext>
             </a:extLst>
           </p:cNvPr>
@@ -21384,7 +21384,7 @@
           <p:cNvPr id="51" name="Rectangle 50">
             <a:extLst>
               <a:ext uri="{FF2B5EF4-FFF2-40B4-BE49-F238E27FC236}">
-                <a16:creationId xmlns:a16="http://schemas.microsoft.com/office/drawing/2014/main" xmlns="" id="{3C0E1517-E210-D460-6778-AED1CC9CBDC0}"/>
+                <a16:creationId xmlns="" xmlns:a16="http://schemas.microsoft.com/office/drawing/2014/main" id="{3C0E1517-E210-D460-6778-AED1CC9CBDC0}"/>
               </a:ext>
             </a:extLst>
           </p:cNvPr>
@@ -21443,7 +21443,7 @@
           <p:cNvPr id="52" name="Connecteur droit 51">
             <a:extLst>
               <a:ext uri="{FF2B5EF4-FFF2-40B4-BE49-F238E27FC236}">
-                <a16:creationId xmlns:a16="http://schemas.microsoft.com/office/drawing/2014/main" xmlns="" id="{9A1555F1-9652-2DFF-64EA-60BE4E7D6CBB}"/>
+                <a16:creationId xmlns="" xmlns:a16="http://schemas.microsoft.com/office/drawing/2014/main" id="{9A1555F1-9652-2DFF-64EA-60BE4E7D6CBB}"/>
               </a:ext>
             </a:extLst>
           </p:cNvPr>
@@ -21486,7 +21486,7 @@
           <p:cNvPr id="53" name="Rectangle 52">
             <a:extLst>
               <a:ext uri="{FF2B5EF4-FFF2-40B4-BE49-F238E27FC236}">
-                <a16:creationId xmlns:a16="http://schemas.microsoft.com/office/drawing/2014/main" xmlns="" id="{239BC810-4A62-0940-9F28-4900178F6F8C}"/>
+                <a16:creationId xmlns="" xmlns:a16="http://schemas.microsoft.com/office/drawing/2014/main" id="{239BC810-4A62-0940-9F28-4900178F6F8C}"/>
               </a:ext>
             </a:extLst>
           </p:cNvPr>
@@ -21545,7 +21545,7 @@
           <p:cNvPr id="54" name="Connecteur droit 53">
             <a:extLst>
               <a:ext uri="{FF2B5EF4-FFF2-40B4-BE49-F238E27FC236}">
-                <a16:creationId xmlns:a16="http://schemas.microsoft.com/office/drawing/2014/main" xmlns="" id="{412D835D-2DCA-9B44-F88C-59EE84EAAD2A}"/>
+                <a16:creationId xmlns="" xmlns:a16="http://schemas.microsoft.com/office/drawing/2014/main" id="{412D835D-2DCA-9B44-F88C-59EE84EAAD2A}"/>
               </a:ext>
             </a:extLst>
           </p:cNvPr>
@@ -21588,7 +21588,7 @@
           <p:cNvPr id="55" name="Rectangle 54">
             <a:extLst>
               <a:ext uri="{FF2B5EF4-FFF2-40B4-BE49-F238E27FC236}">
-                <a16:creationId xmlns:a16="http://schemas.microsoft.com/office/drawing/2014/main" xmlns="" id="{AA4BDB22-C6F1-A2C7-1333-77F3D2223388}"/>
+                <a16:creationId xmlns="" xmlns:a16="http://schemas.microsoft.com/office/drawing/2014/main" id="{AA4BDB22-C6F1-A2C7-1333-77F3D2223388}"/>
               </a:ext>
             </a:extLst>
           </p:cNvPr>
@@ -21647,7 +21647,7 @@
           <p:cNvPr id="56" name="Connecteur droit 55">
             <a:extLst>
               <a:ext uri="{FF2B5EF4-FFF2-40B4-BE49-F238E27FC236}">
-                <a16:creationId xmlns:a16="http://schemas.microsoft.com/office/drawing/2014/main" xmlns="" id="{6646D3C2-B2F7-3E9C-48FC-A2FECA16562C}"/>
+                <a16:creationId xmlns="" xmlns:a16="http://schemas.microsoft.com/office/drawing/2014/main" id="{6646D3C2-B2F7-3E9C-48FC-A2FECA16562C}"/>
               </a:ext>
             </a:extLst>
           </p:cNvPr>
@@ -21690,7 +21690,7 @@
           <p:cNvPr id="57" name="Rectangle 56">
             <a:extLst>
               <a:ext uri="{FF2B5EF4-FFF2-40B4-BE49-F238E27FC236}">
-                <a16:creationId xmlns:a16="http://schemas.microsoft.com/office/drawing/2014/main" xmlns="" id="{D4D1E7B3-51D1-D27A-16AE-B8FC5494BC9B}"/>
+                <a16:creationId xmlns="" xmlns:a16="http://schemas.microsoft.com/office/drawing/2014/main" id="{D4D1E7B3-51D1-D27A-16AE-B8FC5494BC9B}"/>
               </a:ext>
             </a:extLst>
           </p:cNvPr>
@@ -21746,7 +21746,7 @@
           <p:cNvPr id="58" name="Ellipse 57">
             <a:extLst>
               <a:ext uri="{FF2B5EF4-FFF2-40B4-BE49-F238E27FC236}">
-                <a16:creationId xmlns:a16="http://schemas.microsoft.com/office/drawing/2014/main" xmlns="" id="{5DFEEB44-6175-DF40-EA84-71BCE26B66C5}"/>
+                <a16:creationId xmlns="" xmlns:a16="http://schemas.microsoft.com/office/drawing/2014/main" id="{5DFEEB44-6175-DF40-EA84-71BCE26B66C5}"/>
               </a:ext>
             </a:extLst>
           </p:cNvPr>
@@ -21805,7 +21805,7 @@
           <p:cNvPr id="59" name="Ellipse 58">
             <a:extLst>
               <a:ext uri="{FF2B5EF4-FFF2-40B4-BE49-F238E27FC236}">
-                <a16:creationId xmlns:a16="http://schemas.microsoft.com/office/drawing/2014/main" xmlns="" id="{BCBF8A7D-24FB-44BA-9538-CC989E060EB8}"/>
+                <a16:creationId xmlns="" xmlns:a16="http://schemas.microsoft.com/office/drawing/2014/main" id="{BCBF8A7D-24FB-44BA-9538-CC989E060EB8}"/>
               </a:ext>
             </a:extLst>
           </p:cNvPr>
@@ -21864,7 +21864,7 @@
           <p:cNvPr id="60" name="Ellipse 59">
             <a:extLst>
               <a:ext uri="{FF2B5EF4-FFF2-40B4-BE49-F238E27FC236}">
-                <a16:creationId xmlns:a16="http://schemas.microsoft.com/office/drawing/2014/main" xmlns="" id="{0CE68830-00FF-474A-BED4-9AFB854A642E}"/>
+                <a16:creationId xmlns="" xmlns:a16="http://schemas.microsoft.com/office/drawing/2014/main" id="{0CE68830-00FF-474A-BED4-9AFB854A642E}"/>
               </a:ext>
             </a:extLst>
           </p:cNvPr>
@@ -21934,7 +21934,7 @@
           <p:cNvPr id="61" name="Ellipse 60">
             <a:extLst>
               <a:ext uri="{FF2B5EF4-FFF2-40B4-BE49-F238E27FC236}">
-                <a16:creationId xmlns:a16="http://schemas.microsoft.com/office/drawing/2014/main" xmlns="" id="{0D40205A-D9E5-3122-F8E8-E0F324B220BF}"/>
+                <a16:creationId xmlns="" xmlns:a16="http://schemas.microsoft.com/office/drawing/2014/main" id="{0D40205A-D9E5-3122-F8E8-E0F324B220BF}"/>
               </a:ext>
             </a:extLst>
           </p:cNvPr>
@@ -22004,7 +22004,7 @@
           <p:cNvPr id="62" name="Ellipse 61">
             <a:extLst>
               <a:ext uri="{FF2B5EF4-FFF2-40B4-BE49-F238E27FC236}">
-                <a16:creationId xmlns:a16="http://schemas.microsoft.com/office/drawing/2014/main" xmlns="" id="{73D7CE19-C1B5-951F-3D5A-1A6950891B86}"/>
+                <a16:creationId xmlns="" xmlns:a16="http://schemas.microsoft.com/office/drawing/2014/main" id="{73D7CE19-C1B5-951F-3D5A-1A6950891B86}"/>
               </a:ext>
             </a:extLst>
           </p:cNvPr>
@@ -22063,7 +22063,7 @@
           <p:cNvPr id="63" name="Ellipse 62">
             <a:extLst>
               <a:ext uri="{FF2B5EF4-FFF2-40B4-BE49-F238E27FC236}">
-                <a16:creationId xmlns:a16="http://schemas.microsoft.com/office/drawing/2014/main" xmlns="" id="{D0E928AE-11B7-F6A9-0C89-EE50845EA523}"/>
+                <a16:creationId xmlns="" xmlns:a16="http://schemas.microsoft.com/office/drawing/2014/main" id="{D0E928AE-11B7-F6A9-0C89-EE50845EA523}"/>
               </a:ext>
             </a:extLst>
           </p:cNvPr>
@@ -22122,7 +22122,7 @@
           <p:cNvPr id="64" name="ZoneTexte 63">
             <a:extLst>
               <a:ext uri="{FF2B5EF4-FFF2-40B4-BE49-F238E27FC236}">
-                <a16:creationId xmlns:a16="http://schemas.microsoft.com/office/drawing/2014/main" xmlns="" id="{25239133-5BBF-5390-E279-2EB8194A1C21}"/>
+                <a16:creationId xmlns="" xmlns:a16="http://schemas.microsoft.com/office/drawing/2014/main" id="{25239133-5BBF-5390-E279-2EB8194A1C21}"/>
               </a:ext>
             </a:extLst>
           </p:cNvPr>
@@ -22167,7 +22167,7 @@
           <p:cNvPr id="65" name="ZoneTexte 64">
             <a:extLst>
               <a:ext uri="{FF2B5EF4-FFF2-40B4-BE49-F238E27FC236}">
-                <a16:creationId xmlns:a16="http://schemas.microsoft.com/office/drawing/2014/main" xmlns="" id="{B6764753-44BC-C8F1-7DE2-EA9FE7FE2513}"/>
+                <a16:creationId xmlns="" xmlns:a16="http://schemas.microsoft.com/office/drawing/2014/main" id="{B6764753-44BC-C8F1-7DE2-EA9FE7FE2513}"/>
               </a:ext>
             </a:extLst>
           </p:cNvPr>
@@ -22232,7 +22232,7 @@
           <p:cNvPr id="6" name="Rectangle 5">
             <a:extLst>
               <a:ext uri="{FF2B5EF4-FFF2-40B4-BE49-F238E27FC236}">
-                <a16:creationId xmlns:a16="http://schemas.microsoft.com/office/drawing/2014/main" xmlns="" id="{0A7D7A47-2D97-1255-B624-8074169A3649}"/>
+                <a16:creationId xmlns="" xmlns:a16="http://schemas.microsoft.com/office/drawing/2014/main" id="{0A7D7A47-2D97-1255-B624-8074169A3649}"/>
               </a:ext>
             </a:extLst>
           </p:cNvPr>
@@ -22291,7 +22291,7 @@
           <p:cNvPr id="9" name="Ellipse 8">
             <a:extLst>
               <a:ext uri="{FF2B5EF4-FFF2-40B4-BE49-F238E27FC236}">
-                <a16:creationId xmlns:a16="http://schemas.microsoft.com/office/drawing/2014/main" xmlns="" id="{9E0E09F0-F91E-FA93-AB71-842FAF6C08BE}"/>
+                <a16:creationId xmlns="" xmlns:a16="http://schemas.microsoft.com/office/drawing/2014/main" id="{9E0E09F0-F91E-FA93-AB71-842FAF6C08BE}"/>
               </a:ext>
             </a:extLst>
           </p:cNvPr>
@@ -22301,6 +22301,55 @@
         <p:spPr>
           <a:xfrm>
             <a:off x="5761860" y="6437456"/>
+            <a:ext cx="285134" cy="281411"/>
+          </a:xfrm>
+          <a:prstGeom prst="ellipse">
+            <a:avLst/>
+          </a:prstGeom>
+          <a:solidFill>
+            <a:schemeClr val="accent2"/>
+          </a:solidFill>
+        </p:spPr>
+        <p:style>
+          <a:lnRef idx="2">
+            <a:schemeClr val="accent1">
+              <a:shade val="50000"/>
+            </a:schemeClr>
+          </a:lnRef>
+          <a:fillRef idx="1">
+            <a:schemeClr val="accent1"/>
+          </a:fillRef>
+          <a:effectRef idx="0">
+            <a:schemeClr val="accent1"/>
+          </a:effectRef>
+          <a:fontRef idx="minor">
+            <a:schemeClr val="lt1"/>
+          </a:fontRef>
+        </p:style>
+        <p:txBody>
+          <a:bodyPr rtlCol="0" anchor="ctr"/>
+          <a:lstStyle/>
+          <a:p>
+            <a:pPr algn="ctr"/>
+            <a:endParaRPr lang="fr-FR"/>
+          </a:p>
+        </p:txBody>
+      </p:sp>
+      <p:sp>
+        <p:nvSpPr>
+          <p:cNvPr id="82" name="Ellipse 81">
+            <a:extLst>
+              <a:ext uri="{FF2B5EF4-FFF2-40B4-BE49-F238E27FC236}">
+                <a16:creationId xmlns="" xmlns:a16="http://schemas.microsoft.com/office/drawing/2014/main" id="{7A3C9064-EB80-A2BA-4014-70BD5CD5AC56}"/>
+              </a:ext>
+            </a:extLst>
+          </p:cNvPr>
+          <p:cNvSpPr/>
+          <p:nvPr/>
+        </p:nvSpPr>
+        <p:spPr>
+          <a:xfrm>
+            <a:off x="4937021" y="5115788"/>
             <a:ext cx="285134" cy="281411"/>
           </a:xfrm>
           <a:prstGeom prst="ellipse">
@@ -22337,19 +22386,19 @@
       </p:sp>
       <p:sp>
         <p:nvSpPr>
-          <p:cNvPr id="10" name="Ellipse 9">
-            <a:extLst>
-              <a:ext uri="{FF2B5EF4-FFF2-40B4-BE49-F238E27FC236}">
-                <a16:creationId xmlns:a16="http://schemas.microsoft.com/office/drawing/2014/main" xmlns="" id="{069E0918-3E13-8F29-D210-C3EC2BB14D84}"/>
-              </a:ext>
-            </a:extLst>
-          </p:cNvPr>
-          <p:cNvSpPr/>
-          <p:nvPr/>
-        </p:nvSpPr>
-        <p:spPr>
-          <a:xfrm>
-            <a:off x="4065157" y="4422145"/>
+          <p:cNvPr id="90" name="Ellipse 89">
+            <a:extLst>
+              <a:ext uri="{FF2B5EF4-FFF2-40B4-BE49-F238E27FC236}">
+                <a16:creationId xmlns="" xmlns:a16="http://schemas.microsoft.com/office/drawing/2014/main" id="{7A3C9064-EB80-A2BA-4014-70BD5CD5AC56}"/>
+              </a:ext>
+            </a:extLst>
+          </p:cNvPr>
+          <p:cNvSpPr/>
+          <p:nvPr/>
+        </p:nvSpPr>
+        <p:spPr>
+          <a:xfrm>
+            <a:off x="6669325" y="5748762"/>
             <a:ext cx="285134" cy="281411"/>
           </a:xfrm>
           <a:prstGeom prst="ellipse">
@@ -22386,19 +22435,19 @@
       </p:sp>
       <p:sp>
         <p:nvSpPr>
-          <p:cNvPr id="16" name="Ellipse 15">
-            <a:extLst>
-              <a:ext uri="{FF2B5EF4-FFF2-40B4-BE49-F238E27FC236}">
-                <a16:creationId xmlns:a16="http://schemas.microsoft.com/office/drawing/2014/main" xmlns="" id="{330049A2-0099-78F2-76C6-D312DA351884}"/>
-              </a:ext>
-            </a:extLst>
-          </p:cNvPr>
-          <p:cNvSpPr/>
-          <p:nvPr/>
-        </p:nvSpPr>
-        <p:spPr>
-          <a:xfrm>
-            <a:off x="6717395" y="4393446"/>
+          <p:cNvPr id="91" name="Ellipse 90">
+            <a:extLst>
+              <a:ext uri="{FF2B5EF4-FFF2-40B4-BE49-F238E27FC236}">
+                <a16:creationId xmlns="" xmlns:a16="http://schemas.microsoft.com/office/drawing/2014/main" id="{7A3C9064-EB80-A2BA-4014-70BD5CD5AC56}"/>
+              </a:ext>
+            </a:extLst>
+          </p:cNvPr>
+          <p:cNvSpPr/>
+          <p:nvPr/>
+        </p:nvSpPr>
+        <p:spPr>
+          <a:xfrm>
+            <a:off x="6663474" y="6428063"/>
             <a:ext cx="285134" cy="281411"/>
           </a:xfrm>
           <a:prstGeom prst="ellipse">
@@ -22435,1244 +22484,19 @@
       </p:sp>
       <p:sp>
         <p:nvSpPr>
-          <p:cNvPr id="38" name="Ellipse 37">
-            <a:extLst>
-              <a:ext uri="{FF2B5EF4-FFF2-40B4-BE49-F238E27FC236}">
-                <a16:creationId xmlns:a16="http://schemas.microsoft.com/office/drawing/2014/main" xmlns="" id="{F1E6F23D-ED81-C317-81B7-B66DC99D3D25}"/>
-              </a:ext>
-            </a:extLst>
-          </p:cNvPr>
-          <p:cNvSpPr/>
-          <p:nvPr/>
-        </p:nvSpPr>
-        <p:spPr>
-          <a:xfrm>
-            <a:off x="4923596" y="4399884"/>
-            <a:ext cx="285134" cy="281411"/>
-          </a:xfrm>
-          <a:prstGeom prst="ellipse">
-            <a:avLst/>
-          </a:prstGeom>
-          <a:solidFill>
-            <a:srgbClr val="FF0000"/>
-          </a:solidFill>
-        </p:spPr>
-        <p:style>
-          <a:lnRef idx="2">
-            <a:schemeClr val="accent1">
-              <a:shade val="50000"/>
-            </a:schemeClr>
-          </a:lnRef>
-          <a:fillRef idx="1">
-            <a:schemeClr val="accent1"/>
-          </a:fillRef>
-          <a:effectRef idx="0">
-            <a:schemeClr val="accent1"/>
-          </a:effectRef>
-          <a:fontRef idx="minor">
-            <a:schemeClr val="lt1"/>
-          </a:fontRef>
-        </p:style>
-        <p:txBody>
-          <a:bodyPr rtlCol="0" anchor="ctr"/>
-          <a:lstStyle/>
-          <a:p>
-            <a:pPr algn="ctr"/>
-            <a:endParaRPr lang="fr-FR"/>
-          </a:p>
-        </p:txBody>
-      </p:sp>
-      <p:sp>
-        <p:nvSpPr>
-          <p:cNvPr id="45" name="Ellipse 44">
-            <a:extLst>
-              <a:ext uri="{FF2B5EF4-FFF2-40B4-BE49-F238E27FC236}">
-                <a16:creationId xmlns:a16="http://schemas.microsoft.com/office/drawing/2014/main" xmlns="" id="{22A8A269-C561-AB55-BF22-D5DAFF51F7C1}"/>
-              </a:ext>
-            </a:extLst>
-          </p:cNvPr>
-          <p:cNvSpPr/>
-          <p:nvPr/>
-        </p:nvSpPr>
-        <p:spPr>
-          <a:xfrm>
-            <a:off x="5880788" y="4421804"/>
-            <a:ext cx="285134" cy="281411"/>
-          </a:xfrm>
-          <a:prstGeom prst="ellipse">
-            <a:avLst/>
-          </a:prstGeom>
-          <a:solidFill>
-            <a:srgbClr val="FF0000"/>
-          </a:solidFill>
-        </p:spPr>
-        <p:style>
-          <a:lnRef idx="2">
-            <a:schemeClr val="accent1">
-              <a:shade val="50000"/>
-            </a:schemeClr>
-          </a:lnRef>
-          <a:fillRef idx="1">
-            <a:schemeClr val="accent1"/>
-          </a:fillRef>
-          <a:effectRef idx="0">
-            <a:schemeClr val="accent1"/>
-          </a:effectRef>
-          <a:fontRef idx="minor">
-            <a:schemeClr val="lt1"/>
-          </a:fontRef>
-        </p:style>
-        <p:txBody>
-          <a:bodyPr rtlCol="0" anchor="ctr"/>
-          <a:lstStyle/>
-          <a:p>
-            <a:pPr algn="ctr"/>
-            <a:endParaRPr lang="fr-FR"/>
-          </a:p>
-        </p:txBody>
-      </p:sp>
-      <p:sp>
-        <p:nvSpPr>
-          <p:cNvPr id="47" name="Ellipse 46">
-            <a:extLst>
-              <a:ext uri="{FF2B5EF4-FFF2-40B4-BE49-F238E27FC236}">
-                <a16:creationId xmlns:a16="http://schemas.microsoft.com/office/drawing/2014/main" xmlns="" id="{4F96EA67-11B1-8D27-65AB-CB2CFC72B33C}"/>
-              </a:ext>
-            </a:extLst>
-          </p:cNvPr>
-          <p:cNvSpPr/>
-          <p:nvPr/>
-        </p:nvSpPr>
-        <p:spPr>
-          <a:xfrm>
-            <a:off x="8084002" y="3777331"/>
-            <a:ext cx="285134" cy="281411"/>
-          </a:xfrm>
-          <a:prstGeom prst="ellipse">
-            <a:avLst/>
-          </a:prstGeom>
-          <a:solidFill>
-            <a:srgbClr val="FF0000"/>
-          </a:solidFill>
-        </p:spPr>
-        <p:style>
-          <a:lnRef idx="2">
-            <a:schemeClr val="accent1">
-              <a:shade val="50000"/>
-            </a:schemeClr>
-          </a:lnRef>
-          <a:fillRef idx="1">
-            <a:schemeClr val="accent1"/>
-          </a:fillRef>
-          <a:effectRef idx="0">
-            <a:schemeClr val="accent1"/>
-          </a:effectRef>
-          <a:fontRef idx="minor">
-            <a:schemeClr val="lt1"/>
-          </a:fontRef>
-        </p:style>
-        <p:txBody>
-          <a:bodyPr rtlCol="0" anchor="ctr"/>
-          <a:lstStyle/>
-          <a:p>
-            <a:pPr algn="ctr"/>
-            <a:endParaRPr lang="fr-FR"/>
-          </a:p>
-        </p:txBody>
-      </p:sp>
-      <p:sp>
-        <p:nvSpPr>
-          <p:cNvPr id="66" name="Ellipse 65">
-            <a:extLst>
-              <a:ext uri="{FF2B5EF4-FFF2-40B4-BE49-F238E27FC236}">
-                <a16:creationId xmlns:a16="http://schemas.microsoft.com/office/drawing/2014/main" xmlns="" id="{0F6CEF38-2143-0CCC-8853-20C19BF474A5}"/>
-              </a:ext>
-            </a:extLst>
-          </p:cNvPr>
-          <p:cNvSpPr/>
-          <p:nvPr/>
-        </p:nvSpPr>
-        <p:spPr>
-          <a:xfrm>
-            <a:off x="8070479" y="4660152"/>
-            <a:ext cx="285134" cy="281411"/>
-          </a:xfrm>
-          <a:prstGeom prst="ellipse">
-            <a:avLst/>
-          </a:prstGeom>
-          <a:solidFill>
-            <a:srgbClr val="FF0000"/>
-          </a:solidFill>
-        </p:spPr>
-        <p:style>
-          <a:lnRef idx="2">
-            <a:schemeClr val="accent1">
-              <a:shade val="50000"/>
-            </a:schemeClr>
-          </a:lnRef>
-          <a:fillRef idx="1">
-            <a:schemeClr val="accent1"/>
-          </a:fillRef>
-          <a:effectRef idx="0">
-            <a:schemeClr val="accent1"/>
-          </a:effectRef>
-          <a:fontRef idx="minor">
-            <a:schemeClr val="lt1"/>
-          </a:fontRef>
-        </p:style>
-        <p:txBody>
-          <a:bodyPr rtlCol="0" anchor="ctr"/>
-          <a:lstStyle/>
-          <a:p>
-            <a:pPr algn="ctr"/>
-            <a:endParaRPr lang="fr-FR"/>
-          </a:p>
-        </p:txBody>
-      </p:sp>
-      <p:sp>
-        <p:nvSpPr>
-          <p:cNvPr id="67" name="Ellipse 66">
-            <a:extLst>
-              <a:ext uri="{FF2B5EF4-FFF2-40B4-BE49-F238E27FC236}">
-                <a16:creationId xmlns:a16="http://schemas.microsoft.com/office/drawing/2014/main" xmlns="" id="{4B73D286-54ED-C83C-D3BF-29628EA3F39A}"/>
-              </a:ext>
-            </a:extLst>
-          </p:cNvPr>
-          <p:cNvSpPr/>
-          <p:nvPr/>
-        </p:nvSpPr>
-        <p:spPr>
-          <a:xfrm>
-            <a:off x="8085667" y="5621070"/>
-            <a:ext cx="285134" cy="281411"/>
-          </a:xfrm>
-          <a:prstGeom prst="ellipse">
-            <a:avLst/>
-          </a:prstGeom>
-          <a:solidFill>
-            <a:srgbClr val="FF0000"/>
-          </a:solidFill>
-        </p:spPr>
-        <p:style>
-          <a:lnRef idx="2">
-            <a:schemeClr val="accent1">
-              <a:shade val="50000"/>
-            </a:schemeClr>
-          </a:lnRef>
-          <a:fillRef idx="1">
-            <a:schemeClr val="accent1"/>
-          </a:fillRef>
-          <a:effectRef idx="0">
-            <a:schemeClr val="accent1"/>
-          </a:effectRef>
-          <a:fontRef idx="minor">
-            <a:schemeClr val="lt1"/>
-          </a:fontRef>
-        </p:style>
-        <p:txBody>
-          <a:bodyPr rtlCol="0" anchor="ctr"/>
-          <a:lstStyle/>
-          <a:p>
-            <a:pPr algn="ctr"/>
-            <a:endParaRPr lang="fr-FR"/>
-          </a:p>
-        </p:txBody>
-      </p:sp>
-      <p:sp>
-        <p:nvSpPr>
-          <p:cNvPr id="68" name="Ellipse 67">
-            <a:extLst>
-              <a:ext uri="{FF2B5EF4-FFF2-40B4-BE49-F238E27FC236}">
-                <a16:creationId xmlns:a16="http://schemas.microsoft.com/office/drawing/2014/main" xmlns="" id="{DAFF77C1-700A-ECE3-2A24-6413E04C7072}"/>
-              </a:ext>
-            </a:extLst>
-          </p:cNvPr>
-          <p:cNvSpPr/>
-          <p:nvPr/>
-        </p:nvSpPr>
-        <p:spPr>
-          <a:xfrm>
-            <a:off x="417290" y="2214728"/>
-            <a:ext cx="285134" cy="281411"/>
-          </a:xfrm>
-          <a:prstGeom prst="ellipse">
-            <a:avLst/>
-          </a:prstGeom>
-          <a:solidFill>
-            <a:srgbClr val="FF0000"/>
-          </a:solidFill>
-        </p:spPr>
-        <p:style>
-          <a:lnRef idx="2">
-            <a:schemeClr val="accent1">
-              <a:shade val="50000"/>
-            </a:schemeClr>
-          </a:lnRef>
-          <a:fillRef idx="1">
-            <a:schemeClr val="accent1"/>
-          </a:fillRef>
-          <a:effectRef idx="0">
-            <a:schemeClr val="accent1"/>
-          </a:effectRef>
-          <a:fontRef idx="minor">
-            <a:schemeClr val="lt1"/>
-          </a:fontRef>
-        </p:style>
-        <p:txBody>
-          <a:bodyPr rtlCol="0" anchor="ctr"/>
-          <a:lstStyle/>
-          <a:p>
-            <a:pPr algn="ctr"/>
-            <a:endParaRPr lang="fr-FR"/>
-          </a:p>
-        </p:txBody>
-      </p:sp>
-      <p:sp>
-        <p:nvSpPr>
-          <p:cNvPr id="69" name="Ellipse 68">
-            <a:extLst>
-              <a:ext uri="{FF2B5EF4-FFF2-40B4-BE49-F238E27FC236}">
-                <a16:creationId xmlns:a16="http://schemas.microsoft.com/office/drawing/2014/main" xmlns="" id="{4C5448CB-0D2D-607F-9E9B-9F98C2D7C7F3}"/>
-              </a:ext>
-            </a:extLst>
-          </p:cNvPr>
-          <p:cNvSpPr/>
-          <p:nvPr/>
-        </p:nvSpPr>
-        <p:spPr>
-          <a:xfrm>
-            <a:off x="9178149" y="5539639"/>
-            <a:ext cx="285134" cy="281411"/>
-          </a:xfrm>
-          <a:prstGeom prst="ellipse">
-            <a:avLst/>
-          </a:prstGeom>
-          <a:solidFill>
-            <a:srgbClr val="FF0000"/>
-          </a:solidFill>
-        </p:spPr>
-        <p:style>
-          <a:lnRef idx="2">
-            <a:schemeClr val="accent1">
-              <a:shade val="50000"/>
-            </a:schemeClr>
-          </a:lnRef>
-          <a:fillRef idx="1">
-            <a:schemeClr val="accent1"/>
-          </a:fillRef>
-          <a:effectRef idx="0">
-            <a:schemeClr val="accent1"/>
-          </a:effectRef>
-          <a:fontRef idx="minor">
-            <a:schemeClr val="lt1"/>
-          </a:fontRef>
-        </p:style>
-        <p:txBody>
-          <a:bodyPr rtlCol="0" anchor="ctr"/>
-          <a:lstStyle/>
-          <a:p>
-            <a:pPr algn="ctr"/>
-            <a:endParaRPr lang="fr-FR"/>
-          </a:p>
-        </p:txBody>
-      </p:sp>
-      <p:sp>
-        <p:nvSpPr>
-          <p:cNvPr id="71" name="Ellipse 70">
-            <a:extLst>
-              <a:ext uri="{FF2B5EF4-FFF2-40B4-BE49-F238E27FC236}">
-                <a16:creationId xmlns:a16="http://schemas.microsoft.com/office/drawing/2014/main" xmlns="" id="{320B518B-41CF-2C55-5C7D-0856F01CB5FC}"/>
-              </a:ext>
-            </a:extLst>
-          </p:cNvPr>
-          <p:cNvSpPr/>
-          <p:nvPr/>
-        </p:nvSpPr>
-        <p:spPr>
-          <a:xfrm>
-            <a:off x="9082573" y="4732900"/>
-            <a:ext cx="285134" cy="281411"/>
-          </a:xfrm>
-          <a:prstGeom prst="ellipse">
-            <a:avLst/>
-          </a:prstGeom>
-          <a:solidFill>
-            <a:srgbClr val="FF0000"/>
-          </a:solidFill>
-        </p:spPr>
-        <p:style>
-          <a:lnRef idx="2">
-            <a:schemeClr val="accent1">
-              <a:shade val="50000"/>
-            </a:schemeClr>
-          </a:lnRef>
-          <a:fillRef idx="1">
-            <a:schemeClr val="accent1"/>
-          </a:fillRef>
-          <a:effectRef idx="0">
-            <a:schemeClr val="accent1"/>
-          </a:effectRef>
-          <a:fontRef idx="minor">
-            <a:schemeClr val="lt1"/>
-          </a:fontRef>
-        </p:style>
-        <p:txBody>
-          <a:bodyPr rtlCol="0" anchor="ctr"/>
-          <a:lstStyle/>
-          <a:p>
-            <a:pPr algn="ctr"/>
-            <a:endParaRPr lang="fr-FR"/>
-          </a:p>
-        </p:txBody>
-      </p:sp>
-      <p:sp>
-        <p:nvSpPr>
-          <p:cNvPr id="72" name="Ellipse 71">
-            <a:extLst>
-              <a:ext uri="{FF2B5EF4-FFF2-40B4-BE49-F238E27FC236}">
-                <a16:creationId xmlns:a16="http://schemas.microsoft.com/office/drawing/2014/main" xmlns="" id="{22830000-40C3-D9AE-4C99-8B3A1E0C5BEB}"/>
-              </a:ext>
-            </a:extLst>
-          </p:cNvPr>
-          <p:cNvSpPr/>
-          <p:nvPr/>
-        </p:nvSpPr>
-        <p:spPr>
-          <a:xfrm>
-            <a:off x="9109742" y="3803948"/>
-            <a:ext cx="285134" cy="281411"/>
-          </a:xfrm>
-          <a:prstGeom prst="ellipse">
-            <a:avLst/>
-          </a:prstGeom>
-          <a:solidFill>
-            <a:srgbClr val="FF0000"/>
-          </a:solidFill>
-        </p:spPr>
-        <p:style>
-          <a:lnRef idx="2">
-            <a:schemeClr val="accent1">
-              <a:shade val="50000"/>
-            </a:schemeClr>
-          </a:lnRef>
-          <a:fillRef idx="1">
-            <a:schemeClr val="accent1"/>
-          </a:fillRef>
-          <a:effectRef idx="0">
-            <a:schemeClr val="accent1"/>
-          </a:effectRef>
-          <a:fontRef idx="minor">
-            <a:schemeClr val="lt1"/>
-          </a:fontRef>
-        </p:style>
-        <p:txBody>
-          <a:bodyPr rtlCol="0" anchor="ctr"/>
-          <a:lstStyle/>
-          <a:p>
-            <a:pPr algn="ctr"/>
-            <a:endParaRPr lang="fr-FR"/>
-          </a:p>
-        </p:txBody>
-      </p:sp>
-      <p:sp>
-        <p:nvSpPr>
-          <p:cNvPr id="73" name="Ellipse 72">
-            <a:extLst>
-              <a:ext uri="{FF2B5EF4-FFF2-40B4-BE49-F238E27FC236}">
-                <a16:creationId xmlns:a16="http://schemas.microsoft.com/office/drawing/2014/main" xmlns="" id="{F200329E-ABE2-6793-F888-C869BD5E4C32}"/>
-              </a:ext>
-            </a:extLst>
-          </p:cNvPr>
-          <p:cNvSpPr/>
-          <p:nvPr/>
-        </p:nvSpPr>
-        <p:spPr>
-          <a:xfrm>
-            <a:off x="8780" y="6527924"/>
-            <a:ext cx="285134" cy="281411"/>
-          </a:xfrm>
-          <a:prstGeom prst="ellipse">
-            <a:avLst/>
-          </a:prstGeom>
-          <a:solidFill>
-            <a:srgbClr val="FF0000"/>
-          </a:solidFill>
-        </p:spPr>
-        <p:style>
-          <a:lnRef idx="2">
-            <a:schemeClr val="accent1">
-              <a:shade val="50000"/>
-            </a:schemeClr>
-          </a:lnRef>
-          <a:fillRef idx="1">
-            <a:schemeClr val="accent1"/>
-          </a:fillRef>
-          <a:effectRef idx="0">
-            <a:schemeClr val="accent1"/>
-          </a:effectRef>
-          <a:fontRef idx="minor">
-            <a:schemeClr val="lt1"/>
-          </a:fontRef>
-        </p:style>
-        <p:txBody>
-          <a:bodyPr rtlCol="0" anchor="ctr"/>
-          <a:lstStyle/>
-          <a:p>
-            <a:pPr algn="ctr"/>
-            <a:endParaRPr lang="fr-FR"/>
-          </a:p>
-        </p:txBody>
-      </p:sp>
-      <p:sp>
-        <p:nvSpPr>
-          <p:cNvPr id="74" name="Ellipse 73">
-            <a:extLst>
-              <a:ext uri="{FF2B5EF4-FFF2-40B4-BE49-F238E27FC236}">
-                <a16:creationId xmlns:a16="http://schemas.microsoft.com/office/drawing/2014/main" xmlns="" id="{95FBED1B-A5F7-6642-0C7B-13B6F43154A9}"/>
-              </a:ext>
-            </a:extLst>
-          </p:cNvPr>
-          <p:cNvSpPr/>
-          <p:nvPr/>
-        </p:nvSpPr>
-        <p:spPr>
-          <a:xfrm>
-            <a:off x="2661018" y="6499225"/>
-            <a:ext cx="285134" cy="281411"/>
-          </a:xfrm>
-          <a:prstGeom prst="ellipse">
-            <a:avLst/>
-          </a:prstGeom>
-          <a:solidFill>
-            <a:srgbClr val="FF0000"/>
-          </a:solidFill>
-        </p:spPr>
-        <p:style>
-          <a:lnRef idx="2">
-            <a:schemeClr val="accent1">
-              <a:shade val="50000"/>
-            </a:schemeClr>
-          </a:lnRef>
-          <a:fillRef idx="1">
-            <a:schemeClr val="accent1"/>
-          </a:fillRef>
-          <a:effectRef idx="0">
-            <a:schemeClr val="accent1"/>
-          </a:effectRef>
-          <a:fontRef idx="minor">
-            <a:schemeClr val="lt1"/>
-          </a:fontRef>
-        </p:style>
-        <p:txBody>
-          <a:bodyPr rtlCol="0" anchor="ctr"/>
-          <a:lstStyle/>
-          <a:p>
-            <a:pPr algn="ctr"/>
-            <a:endParaRPr lang="fr-FR"/>
-          </a:p>
-        </p:txBody>
-      </p:sp>
-      <p:sp>
-        <p:nvSpPr>
-          <p:cNvPr id="75" name="Ellipse 74">
-            <a:extLst>
-              <a:ext uri="{FF2B5EF4-FFF2-40B4-BE49-F238E27FC236}">
-                <a16:creationId xmlns:a16="http://schemas.microsoft.com/office/drawing/2014/main" xmlns="" id="{4E8B8072-74ED-0B9A-3F3B-006B4B043C3C}"/>
-              </a:ext>
-            </a:extLst>
-          </p:cNvPr>
-          <p:cNvSpPr/>
-          <p:nvPr/>
-        </p:nvSpPr>
-        <p:spPr>
-          <a:xfrm>
-            <a:off x="867219" y="6505663"/>
-            <a:ext cx="285134" cy="281411"/>
-          </a:xfrm>
-          <a:prstGeom prst="ellipse">
-            <a:avLst/>
-          </a:prstGeom>
-          <a:solidFill>
-            <a:srgbClr val="FF0000"/>
-          </a:solidFill>
-        </p:spPr>
-        <p:style>
-          <a:lnRef idx="2">
-            <a:schemeClr val="accent1">
-              <a:shade val="50000"/>
-            </a:schemeClr>
-          </a:lnRef>
-          <a:fillRef idx="1">
-            <a:schemeClr val="accent1"/>
-          </a:fillRef>
-          <a:effectRef idx="0">
-            <a:schemeClr val="accent1"/>
-          </a:effectRef>
-          <a:fontRef idx="minor">
-            <a:schemeClr val="lt1"/>
-          </a:fontRef>
-        </p:style>
-        <p:txBody>
-          <a:bodyPr rtlCol="0" anchor="ctr"/>
-          <a:lstStyle/>
-          <a:p>
-            <a:pPr algn="ctr"/>
-            <a:endParaRPr lang="fr-FR"/>
-          </a:p>
-        </p:txBody>
-      </p:sp>
-      <p:sp>
-        <p:nvSpPr>
-          <p:cNvPr id="76" name="Ellipse 75">
-            <a:extLst>
-              <a:ext uri="{FF2B5EF4-FFF2-40B4-BE49-F238E27FC236}">
-                <a16:creationId xmlns:a16="http://schemas.microsoft.com/office/drawing/2014/main" xmlns="" id="{420C7D3E-EB0E-A0A8-01D1-547802EDC7D9}"/>
-              </a:ext>
-            </a:extLst>
-          </p:cNvPr>
-          <p:cNvSpPr/>
-          <p:nvPr/>
-        </p:nvSpPr>
-        <p:spPr>
-          <a:xfrm>
-            <a:off x="1824411" y="6527583"/>
-            <a:ext cx="285134" cy="281411"/>
-          </a:xfrm>
-          <a:prstGeom prst="ellipse">
-            <a:avLst/>
-          </a:prstGeom>
-          <a:solidFill>
-            <a:srgbClr val="FF0000"/>
-          </a:solidFill>
-        </p:spPr>
-        <p:style>
-          <a:lnRef idx="2">
-            <a:schemeClr val="accent1">
-              <a:shade val="50000"/>
-            </a:schemeClr>
-          </a:lnRef>
-          <a:fillRef idx="1">
-            <a:schemeClr val="accent1"/>
-          </a:fillRef>
-          <a:effectRef idx="0">
-            <a:schemeClr val="accent1"/>
-          </a:effectRef>
-          <a:fontRef idx="minor">
-            <a:schemeClr val="lt1"/>
-          </a:fontRef>
-        </p:style>
-        <p:txBody>
-          <a:bodyPr rtlCol="0" anchor="ctr"/>
-          <a:lstStyle/>
-          <a:p>
-            <a:pPr algn="ctr"/>
-            <a:endParaRPr lang="fr-FR"/>
-          </a:p>
-        </p:txBody>
-      </p:sp>
-      <p:sp>
-        <p:nvSpPr>
-          <p:cNvPr id="77" name="Ellipse 76">
-            <a:extLst>
-              <a:ext uri="{FF2B5EF4-FFF2-40B4-BE49-F238E27FC236}">
-                <a16:creationId xmlns:a16="http://schemas.microsoft.com/office/drawing/2014/main" xmlns="" id="{FD158EDC-3591-0BDF-F2B8-31806A91509D}"/>
-              </a:ext>
-            </a:extLst>
-          </p:cNvPr>
-          <p:cNvSpPr/>
-          <p:nvPr/>
-        </p:nvSpPr>
-        <p:spPr>
-          <a:xfrm>
-            <a:off x="45552" y="5756396"/>
-            <a:ext cx="285134" cy="281411"/>
-          </a:xfrm>
-          <a:prstGeom prst="ellipse">
-            <a:avLst/>
-          </a:prstGeom>
-          <a:solidFill>
-            <a:srgbClr val="FF0000"/>
-          </a:solidFill>
-        </p:spPr>
-        <p:style>
-          <a:lnRef idx="2">
-            <a:schemeClr val="accent1">
-              <a:shade val="50000"/>
-            </a:schemeClr>
-          </a:lnRef>
-          <a:fillRef idx="1">
-            <a:schemeClr val="accent1"/>
-          </a:fillRef>
-          <a:effectRef idx="0">
-            <a:schemeClr val="accent1"/>
-          </a:effectRef>
-          <a:fontRef idx="minor">
-            <a:schemeClr val="lt1"/>
-          </a:fontRef>
-        </p:style>
-        <p:txBody>
-          <a:bodyPr rtlCol="0" anchor="ctr"/>
-          <a:lstStyle/>
-          <a:p>
-            <a:pPr algn="ctr"/>
-            <a:endParaRPr lang="fr-FR"/>
-          </a:p>
-        </p:txBody>
-      </p:sp>
-      <p:sp>
-        <p:nvSpPr>
-          <p:cNvPr id="78" name="Ellipse 77">
-            <a:extLst>
-              <a:ext uri="{FF2B5EF4-FFF2-40B4-BE49-F238E27FC236}">
-                <a16:creationId xmlns:a16="http://schemas.microsoft.com/office/drawing/2014/main" xmlns="" id="{F286F112-ECA5-3B44-C232-6FC57606D899}"/>
-              </a:ext>
-            </a:extLst>
-          </p:cNvPr>
-          <p:cNvSpPr/>
-          <p:nvPr/>
-        </p:nvSpPr>
-        <p:spPr>
-          <a:xfrm>
-            <a:off x="2697790" y="5727697"/>
-            <a:ext cx="285134" cy="281411"/>
-          </a:xfrm>
-          <a:prstGeom prst="ellipse">
-            <a:avLst/>
-          </a:prstGeom>
-          <a:solidFill>
-            <a:srgbClr val="FF0000"/>
-          </a:solidFill>
-        </p:spPr>
-        <p:style>
-          <a:lnRef idx="2">
-            <a:schemeClr val="accent1">
-              <a:shade val="50000"/>
-            </a:schemeClr>
-          </a:lnRef>
-          <a:fillRef idx="1">
-            <a:schemeClr val="accent1"/>
-          </a:fillRef>
-          <a:effectRef idx="0">
-            <a:schemeClr val="accent1"/>
-          </a:effectRef>
-          <a:fontRef idx="minor">
-            <a:schemeClr val="lt1"/>
-          </a:fontRef>
-        </p:style>
-        <p:txBody>
-          <a:bodyPr rtlCol="0" anchor="ctr"/>
-          <a:lstStyle/>
-          <a:p>
-            <a:pPr algn="ctr"/>
-            <a:endParaRPr lang="fr-FR"/>
-          </a:p>
-        </p:txBody>
-      </p:sp>
-      <p:sp>
-        <p:nvSpPr>
-          <p:cNvPr id="79" name="Ellipse 78">
-            <a:extLst>
-              <a:ext uri="{FF2B5EF4-FFF2-40B4-BE49-F238E27FC236}">
-                <a16:creationId xmlns:a16="http://schemas.microsoft.com/office/drawing/2014/main" xmlns="" id="{02C9E879-E4C4-EEE9-FD1E-C651346D245F}"/>
-              </a:ext>
-            </a:extLst>
-          </p:cNvPr>
-          <p:cNvSpPr/>
-          <p:nvPr/>
-        </p:nvSpPr>
-        <p:spPr>
-          <a:xfrm>
-            <a:off x="903991" y="5734135"/>
-            <a:ext cx="285134" cy="281411"/>
-          </a:xfrm>
-          <a:prstGeom prst="ellipse">
-            <a:avLst/>
-          </a:prstGeom>
-          <a:solidFill>
-            <a:srgbClr val="FF0000"/>
-          </a:solidFill>
-        </p:spPr>
-        <p:style>
-          <a:lnRef idx="2">
-            <a:schemeClr val="accent1">
-              <a:shade val="50000"/>
-            </a:schemeClr>
-          </a:lnRef>
-          <a:fillRef idx="1">
-            <a:schemeClr val="accent1"/>
-          </a:fillRef>
-          <a:effectRef idx="0">
-            <a:schemeClr val="accent1"/>
-          </a:effectRef>
-          <a:fontRef idx="minor">
-            <a:schemeClr val="lt1"/>
-          </a:fontRef>
-        </p:style>
-        <p:txBody>
-          <a:bodyPr rtlCol="0" anchor="ctr"/>
-          <a:lstStyle/>
-          <a:p>
-            <a:pPr algn="ctr"/>
-            <a:endParaRPr lang="fr-FR"/>
-          </a:p>
-        </p:txBody>
-      </p:sp>
-      <p:sp>
-        <p:nvSpPr>
-          <p:cNvPr id="80" name="Ellipse 79">
-            <a:extLst>
-              <a:ext uri="{FF2B5EF4-FFF2-40B4-BE49-F238E27FC236}">
-                <a16:creationId xmlns:a16="http://schemas.microsoft.com/office/drawing/2014/main" xmlns="" id="{AFD57444-2484-E35A-3736-40D44868DBB3}"/>
-              </a:ext>
-            </a:extLst>
-          </p:cNvPr>
-          <p:cNvSpPr/>
-          <p:nvPr/>
-        </p:nvSpPr>
-        <p:spPr>
-          <a:xfrm>
-            <a:off x="1861183" y="5756055"/>
-            <a:ext cx="285134" cy="281411"/>
-          </a:xfrm>
-          <a:prstGeom prst="ellipse">
-            <a:avLst/>
-          </a:prstGeom>
-          <a:solidFill>
-            <a:srgbClr val="FF0000"/>
-          </a:solidFill>
-        </p:spPr>
-        <p:style>
-          <a:lnRef idx="2">
-            <a:schemeClr val="accent1">
-              <a:shade val="50000"/>
-            </a:schemeClr>
-          </a:lnRef>
-          <a:fillRef idx="1">
-            <a:schemeClr val="accent1"/>
-          </a:fillRef>
-          <a:effectRef idx="0">
-            <a:schemeClr val="accent1"/>
-          </a:effectRef>
-          <a:fontRef idx="minor">
-            <a:schemeClr val="lt1"/>
-          </a:fontRef>
-        </p:style>
-        <p:txBody>
-          <a:bodyPr rtlCol="0" anchor="ctr"/>
-          <a:lstStyle/>
-          <a:p>
-            <a:pPr algn="ctr"/>
-            <a:endParaRPr lang="fr-FR"/>
-          </a:p>
-        </p:txBody>
-      </p:sp>
-      <p:sp>
-        <p:nvSpPr>
-          <p:cNvPr id="81" name="Ellipse 80">
-            <a:extLst>
-              <a:ext uri="{FF2B5EF4-FFF2-40B4-BE49-F238E27FC236}">
-                <a16:creationId xmlns:a16="http://schemas.microsoft.com/office/drawing/2014/main" xmlns="" id="{CE57FB9E-3AC1-70D4-26E0-97BB2298914C}"/>
-              </a:ext>
-            </a:extLst>
-          </p:cNvPr>
-          <p:cNvSpPr/>
-          <p:nvPr/>
-        </p:nvSpPr>
-        <p:spPr>
-          <a:xfrm>
-            <a:off x="4078582" y="5782192"/>
-            <a:ext cx="285134" cy="281411"/>
-          </a:xfrm>
-          <a:prstGeom prst="ellipse">
-            <a:avLst/>
-          </a:prstGeom>
-          <a:solidFill>
-            <a:srgbClr val="FF0000"/>
-          </a:solidFill>
-        </p:spPr>
-        <p:style>
-          <a:lnRef idx="2">
-            <a:schemeClr val="accent1">
-              <a:shade val="50000"/>
-            </a:schemeClr>
-          </a:lnRef>
-          <a:fillRef idx="1">
-            <a:schemeClr val="accent1"/>
-          </a:fillRef>
-          <a:effectRef idx="0">
-            <a:schemeClr val="accent1"/>
-          </a:effectRef>
-          <a:fontRef idx="minor">
-            <a:schemeClr val="lt1"/>
-          </a:fontRef>
-        </p:style>
-        <p:txBody>
-          <a:bodyPr rtlCol="0" anchor="ctr"/>
-          <a:lstStyle/>
-          <a:p>
-            <a:pPr algn="ctr"/>
-            <a:endParaRPr lang="fr-FR"/>
-          </a:p>
-        </p:txBody>
-      </p:sp>
-      <p:sp>
-        <p:nvSpPr>
-          <p:cNvPr id="82" name="Ellipse 81">
-            <a:extLst>
-              <a:ext uri="{FF2B5EF4-FFF2-40B4-BE49-F238E27FC236}">
-                <a16:creationId xmlns:a16="http://schemas.microsoft.com/office/drawing/2014/main" xmlns="" id="{7A3C9064-EB80-A2BA-4014-70BD5CD5AC56}"/>
-              </a:ext>
-            </a:extLst>
-          </p:cNvPr>
-          <p:cNvSpPr/>
-          <p:nvPr/>
-        </p:nvSpPr>
-        <p:spPr>
-          <a:xfrm>
-            <a:off x="4937021" y="5759931"/>
-            <a:ext cx="285134" cy="281411"/>
-          </a:xfrm>
-          <a:prstGeom prst="ellipse">
-            <a:avLst/>
-          </a:prstGeom>
-          <a:solidFill>
-            <a:srgbClr val="FF0000"/>
-          </a:solidFill>
-        </p:spPr>
-        <p:style>
-          <a:lnRef idx="2">
-            <a:schemeClr val="accent1">
-              <a:shade val="50000"/>
-            </a:schemeClr>
-          </a:lnRef>
-          <a:fillRef idx="1">
-            <a:schemeClr val="accent1"/>
-          </a:fillRef>
-          <a:effectRef idx="0">
-            <a:schemeClr val="accent1"/>
-          </a:effectRef>
-          <a:fontRef idx="minor">
-            <a:schemeClr val="lt1"/>
-          </a:fontRef>
-        </p:style>
-        <p:txBody>
-          <a:bodyPr rtlCol="0" anchor="ctr"/>
-          <a:lstStyle/>
-          <a:p>
-            <a:pPr algn="ctr"/>
-            <a:endParaRPr lang="fr-FR"/>
-          </a:p>
-        </p:txBody>
-      </p:sp>
-      <p:sp>
-        <p:nvSpPr>
-          <p:cNvPr id="70" name="Ellipse 69">
-            <a:extLst>
-              <a:ext uri="{FF2B5EF4-FFF2-40B4-BE49-F238E27FC236}">
-                <a16:creationId xmlns:a16="http://schemas.microsoft.com/office/drawing/2014/main" xmlns="" id="{E742E88A-C40F-EE5B-4421-B4B4D8D284B0}"/>
-              </a:ext>
-            </a:extLst>
-          </p:cNvPr>
-          <p:cNvSpPr/>
-          <p:nvPr/>
-        </p:nvSpPr>
-        <p:spPr>
-          <a:xfrm>
-            <a:off x="13187" y="5121735"/>
-            <a:ext cx="285134" cy="281411"/>
-          </a:xfrm>
-          <a:prstGeom prst="ellipse">
-            <a:avLst/>
-          </a:prstGeom>
-          <a:solidFill>
-            <a:srgbClr val="FF0000"/>
-          </a:solidFill>
-        </p:spPr>
-        <p:style>
-          <a:lnRef idx="2">
-            <a:schemeClr val="accent1">
-              <a:shade val="50000"/>
-            </a:schemeClr>
-          </a:lnRef>
-          <a:fillRef idx="1">
-            <a:schemeClr val="accent1"/>
-          </a:fillRef>
-          <a:effectRef idx="0">
-            <a:schemeClr val="accent1"/>
-          </a:effectRef>
-          <a:fontRef idx="minor">
-            <a:schemeClr val="lt1"/>
-          </a:fontRef>
-        </p:style>
-        <p:txBody>
-          <a:bodyPr rtlCol="0" anchor="ctr"/>
-          <a:lstStyle/>
-          <a:p>
-            <a:pPr algn="ctr"/>
-            <a:endParaRPr lang="fr-FR"/>
-          </a:p>
-        </p:txBody>
-      </p:sp>
-      <p:sp>
-        <p:nvSpPr>
-          <p:cNvPr id="83" name="Ellipse 82">
-            <a:extLst>
-              <a:ext uri="{FF2B5EF4-FFF2-40B4-BE49-F238E27FC236}">
-                <a16:creationId xmlns:a16="http://schemas.microsoft.com/office/drawing/2014/main" xmlns="" id="{88B98594-E635-5EDA-074F-18E042D9CA7D}"/>
-              </a:ext>
-            </a:extLst>
-          </p:cNvPr>
-          <p:cNvSpPr/>
-          <p:nvPr/>
-        </p:nvSpPr>
-        <p:spPr>
-          <a:xfrm>
-            <a:off x="2665425" y="5093036"/>
-            <a:ext cx="285134" cy="281411"/>
-          </a:xfrm>
-          <a:prstGeom prst="ellipse">
-            <a:avLst/>
-          </a:prstGeom>
-          <a:solidFill>
-            <a:srgbClr val="FF0000"/>
-          </a:solidFill>
-        </p:spPr>
-        <p:style>
-          <a:lnRef idx="2">
-            <a:schemeClr val="accent1">
-              <a:shade val="50000"/>
-            </a:schemeClr>
-          </a:lnRef>
-          <a:fillRef idx="1">
-            <a:schemeClr val="accent1"/>
-          </a:fillRef>
-          <a:effectRef idx="0">
-            <a:schemeClr val="accent1"/>
-          </a:effectRef>
-          <a:fontRef idx="minor">
-            <a:schemeClr val="lt1"/>
-          </a:fontRef>
-        </p:style>
-        <p:txBody>
-          <a:bodyPr rtlCol="0" anchor="ctr"/>
-          <a:lstStyle/>
-          <a:p>
-            <a:pPr algn="ctr"/>
-            <a:endParaRPr lang="fr-FR"/>
-          </a:p>
-        </p:txBody>
-      </p:sp>
-      <p:sp>
-        <p:nvSpPr>
-          <p:cNvPr id="84" name="Ellipse 83">
-            <a:extLst>
-              <a:ext uri="{FF2B5EF4-FFF2-40B4-BE49-F238E27FC236}">
-                <a16:creationId xmlns:a16="http://schemas.microsoft.com/office/drawing/2014/main" xmlns="" id="{9EFEB3B4-A83A-A284-8CB7-A71E04650BB2}"/>
-              </a:ext>
-            </a:extLst>
-          </p:cNvPr>
-          <p:cNvSpPr/>
-          <p:nvPr/>
-        </p:nvSpPr>
-        <p:spPr>
-          <a:xfrm>
-            <a:off x="871626" y="5099474"/>
-            <a:ext cx="285134" cy="281411"/>
-          </a:xfrm>
-          <a:prstGeom prst="ellipse">
-            <a:avLst/>
-          </a:prstGeom>
-          <a:solidFill>
-            <a:srgbClr val="FF0000"/>
-          </a:solidFill>
-        </p:spPr>
-        <p:style>
-          <a:lnRef idx="2">
-            <a:schemeClr val="accent1">
-              <a:shade val="50000"/>
-            </a:schemeClr>
-          </a:lnRef>
-          <a:fillRef idx="1">
-            <a:schemeClr val="accent1"/>
-          </a:fillRef>
-          <a:effectRef idx="0">
-            <a:schemeClr val="accent1"/>
-          </a:effectRef>
-          <a:fontRef idx="minor">
-            <a:schemeClr val="lt1"/>
-          </a:fontRef>
-        </p:style>
-        <p:txBody>
-          <a:bodyPr rtlCol="0" anchor="ctr"/>
-          <a:lstStyle/>
-          <a:p>
-            <a:pPr algn="ctr"/>
-            <a:endParaRPr lang="fr-FR"/>
-          </a:p>
-        </p:txBody>
-      </p:sp>
-      <p:sp>
-        <p:nvSpPr>
-          <p:cNvPr id="85" name="Ellipse 84">
-            <a:extLst>
-              <a:ext uri="{FF2B5EF4-FFF2-40B4-BE49-F238E27FC236}">
-                <a16:creationId xmlns:a16="http://schemas.microsoft.com/office/drawing/2014/main" xmlns="" id="{8C62AA91-6B9E-E3F2-0D5A-1814D5B83181}"/>
-              </a:ext>
-            </a:extLst>
-          </p:cNvPr>
-          <p:cNvSpPr/>
-          <p:nvPr/>
-        </p:nvSpPr>
-        <p:spPr>
-          <a:xfrm>
-            <a:off x="1828818" y="5121394"/>
-            <a:ext cx="285134" cy="281411"/>
-          </a:xfrm>
-          <a:prstGeom prst="ellipse">
-            <a:avLst/>
-          </a:prstGeom>
-          <a:solidFill>
-            <a:srgbClr val="FF0000"/>
-          </a:solidFill>
-        </p:spPr>
-        <p:style>
-          <a:lnRef idx="2">
-            <a:schemeClr val="accent1">
-              <a:shade val="50000"/>
-            </a:schemeClr>
-          </a:lnRef>
-          <a:fillRef idx="1">
-            <a:schemeClr val="accent1"/>
-          </a:fillRef>
-          <a:effectRef idx="0">
-            <a:schemeClr val="accent1"/>
-          </a:effectRef>
-          <a:fontRef idx="minor">
-            <a:schemeClr val="lt1"/>
-          </a:fontRef>
-        </p:style>
-        <p:txBody>
-          <a:bodyPr rtlCol="0" anchor="ctr"/>
-          <a:lstStyle/>
-          <a:p>
-            <a:pPr algn="ctr"/>
-            <a:endParaRPr lang="fr-FR"/>
-          </a:p>
-        </p:txBody>
-      </p:sp>
-      <p:sp>
-        <p:nvSpPr>
-          <p:cNvPr id="87" name="Ellipse 86">
-            <a:extLst>
-              <a:ext uri="{FF2B5EF4-FFF2-40B4-BE49-F238E27FC236}">
-                <a16:creationId xmlns:a16="http://schemas.microsoft.com/office/drawing/2014/main" xmlns="" id="{7A3C9064-EB80-A2BA-4014-70BD5CD5AC56}"/>
-              </a:ext>
-            </a:extLst>
-          </p:cNvPr>
-          <p:cNvSpPr/>
-          <p:nvPr/>
-        </p:nvSpPr>
-        <p:spPr>
-          <a:xfrm>
-            <a:off x="5761860" y="5734134"/>
-            <a:ext cx="285134" cy="281411"/>
-          </a:xfrm>
-          <a:prstGeom prst="ellipse">
-            <a:avLst/>
-          </a:prstGeom>
-          <a:solidFill>
-            <a:srgbClr val="FF0000"/>
-          </a:solidFill>
-        </p:spPr>
-        <p:style>
-          <a:lnRef idx="2">
-            <a:schemeClr val="accent1">
-              <a:shade val="50000"/>
-            </a:schemeClr>
-          </a:lnRef>
-          <a:fillRef idx="1">
-            <a:schemeClr val="accent1"/>
-          </a:fillRef>
-          <a:effectRef idx="0">
-            <a:schemeClr val="accent1"/>
-          </a:effectRef>
-          <a:fontRef idx="minor">
-            <a:schemeClr val="lt1"/>
-          </a:fontRef>
-        </p:style>
-        <p:txBody>
-          <a:bodyPr rtlCol="0" anchor="ctr"/>
-          <a:lstStyle/>
-          <a:p>
-            <a:pPr algn="ctr"/>
-            <a:endParaRPr lang="fr-FR"/>
-          </a:p>
-        </p:txBody>
-      </p:sp>
-      <p:sp>
-        <p:nvSpPr>
-          <p:cNvPr id="88" name="Ellipse 87">
-            <a:extLst>
-              <a:ext uri="{FF2B5EF4-FFF2-40B4-BE49-F238E27FC236}">
-                <a16:creationId xmlns:a16="http://schemas.microsoft.com/office/drawing/2014/main" xmlns="" id="{7A3C9064-EB80-A2BA-4014-70BD5CD5AC56}"/>
-              </a:ext>
-            </a:extLst>
-          </p:cNvPr>
-          <p:cNvSpPr/>
-          <p:nvPr/>
-        </p:nvSpPr>
-        <p:spPr>
-          <a:xfrm>
-            <a:off x="5786070" y="5093035"/>
-            <a:ext cx="285134" cy="281411"/>
-          </a:xfrm>
-          <a:prstGeom prst="ellipse">
-            <a:avLst/>
-          </a:prstGeom>
-          <a:solidFill>
-            <a:srgbClr val="FF0000"/>
-          </a:solidFill>
-        </p:spPr>
-        <p:style>
-          <a:lnRef idx="2">
-            <a:schemeClr val="accent1">
-              <a:shade val="50000"/>
-            </a:schemeClr>
-          </a:lnRef>
-          <a:fillRef idx="1">
-            <a:schemeClr val="accent1"/>
-          </a:fillRef>
-          <a:effectRef idx="0">
-            <a:schemeClr val="accent1"/>
-          </a:effectRef>
-          <a:fontRef idx="minor">
-            <a:schemeClr val="lt1"/>
-          </a:fontRef>
-        </p:style>
-        <p:txBody>
-          <a:bodyPr rtlCol="0" anchor="ctr"/>
-          <a:lstStyle/>
-          <a:p>
-            <a:pPr algn="ctr"/>
-            <a:endParaRPr lang="fr-FR"/>
-          </a:p>
-        </p:txBody>
-      </p:sp>
-      <p:sp>
-        <p:nvSpPr>
-          <p:cNvPr id="89" name="Ellipse 88">
-            <a:extLst>
-              <a:ext uri="{FF2B5EF4-FFF2-40B4-BE49-F238E27FC236}">
-                <a16:creationId xmlns:a16="http://schemas.microsoft.com/office/drawing/2014/main" xmlns="" id="{D84A6A9F-2D59-F1B7-275C-46604D44D199}"/>
-              </a:ext>
-            </a:extLst>
-          </p:cNvPr>
-          <p:cNvSpPr/>
-          <p:nvPr/>
-        </p:nvSpPr>
-        <p:spPr>
-          <a:xfrm>
-            <a:off x="4937021" y="6437537"/>
+          <p:cNvPr id="92" name="Ellipse 91">
+            <a:extLst>
+              <a:ext uri="{FF2B5EF4-FFF2-40B4-BE49-F238E27FC236}">
+                <a16:creationId xmlns="" xmlns:a16="http://schemas.microsoft.com/office/drawing/2014/main" id="{7A3C9064-EB80-A2BA-4014-70BD5CD5AC56}"/>
+              </a:ext>
+            </a:extLst>
+          </p:cNvPr>
+          <p:cNvSpPr/>
+          <p:nvPr/>
+        </p:nvSpPr>
+        <p:spPr>
+          <a:xfrm>
+            <a:off x="4078582" y="5117632"/>
             <a:ext cx="285134" cy="281411"/>
           </a:xfrm>
           <a:prstGeom prst="ellipse">
@@ -23752,7 +22576,7 @@
           <p:cNvPr id="2" name="Titre 1">
             <a:extLst>
               <a:ext uri="{FF2B5EF4-FFF2-40B4-BE49-F238E27FC236}">
-                <a16:creationId xmlns:a16="http://schemas.microsoft.com/office/drawing/2014/main" xmlns="" id="{AD4F0A27-99BB-49D0-9C93-2D3C5186E6B2}"/>
+                <a16:creationId xmlns="" xmlns:a16="http://schemas.microsoft.com/office/drawing/2014/main" id="{AD4F0A27-99BB-49D0-9C93-2D3C5186E6B2}"/>
               </a:ext>
             </a:extLst>
           </p:cNvPr>
@@ -23792,7 +22616,7 @@
           <p:cNvPr id="3" name="Sous-titre 2">
             <a:extLst>
               <a:ext uri="{FF2B5EF4-FFF2-40B4-BE49-F238E27FC236}">
-                <a16:creationId xmlns:a16="http://schemas.microsoft.com/office/drawing/2014/main" xmlns="" id="{B5895DDB-3400-4A36-A688-98CC33D75B68}"/>
+                <a16:creationId xmlns="" xmlns:a16="http://schemas.microsoft.com/office/drawing/2014/main" id="{B5895DDB-3400-4A36-A688-98CC33D75B68}"/>
               </a:ext>
             </a:extLst>
           </p:cNvPr>
@@ -23835,7 +22659,7 @@
           <p:cNvPr id="5" name="Image 4" descr="Une image contenant texte, clipart, lumière&#10;&#10;Description générée automatiquement">
             <a:extLst>
               <a:ext uri="{FF2B5EF4-FFF2-40B4-BE49-F238E27FC236}">
-                <a16:creationId xmlns:a16="http://schemas.microsoft.com/office/drawing/2014/main" xmlns="" id="{F92E366F-A75B-4FBE-95A4-7BE2692FD768}"/>
+                <a16:creationId xmlns="" xmlns:a16="http://schemas.microsoft.com/office/drawing/2014/main" id="{F92E366F-A75B-4FBE-95A4-7BE2692FD768}"/>
               </a:ext>
             </a:extLst>
           </p:cNvPr>
@@ -23871,7 +22695,7 @@
           <p:cNvPr id="4" name="Rectangle : coins arrondis 3">
             <a:extLst>
               <a:ext uri="{FF2B5EF4-FFF2-40B4-BE49-F238E27FC236}">
-                <a16:creationId xmlns:a16="http://schemas.microsoft.com/office/drawing/2014/main" xmlns="" id="{91F949C8-2425-7570-5287-385AC17B21E1}"/>
+                <a16:creationId xmlns="" xmlns:a16="http://schemas.microsoft.com/office/drawing/2014/main" id="{91F949C8-2425-7570-5287-385AC17B21E1}"/>
               </a:ext>
             </a:extLst>
           </p:cNvPr>
@@ -23918,7 +22742,7 @@
           <p:cNvPr id="22" name="Rectangle 21">
             <a:extLst>
               <a:ext uri="{FF2B5EF4-FFF2-40B4-BE49-F238E27FC236}">
-                <a16:creationId xmlns:a16="http://schemas.microsoft.com/office/drawing/2014/main" xmlns="" id="{73CC031A-FA14-9EFC-2EE2-08D70D60160C}"/>
+                <a16:creationId xmlns="" xmlns:a16="http://schemas.microsoft.com/office/drawing/2014/main" id="{73CC031A-FA14-9EFC-2EE2-08D70D60160C}"/>
               </a:ext>
             </a:extLst>
           </p:cNvPr>
@@ -23974,7 +22798,7 @@
           <p:cNvPr id="6" name="Rectangle 5">
             <a:extLst>
               <a:ext uri="{FF2B5EF4-FFF2-40B4-BE49-F238E27FC236}">
-                <a16:creationId xmlns:a16="http://schemas.microsoft.com/office/drawing/2014/main" xmlns="" id="{DFDE7771-B35D-5349-0A1E-DCDF711CA6D8}"/>
+                <a16:creationId xmlns="" xmlns:a16="http://schemas.microsoft.com/office/drawing/2014/main" id="{DFDE7771-B35D-5349-0A1E-DCDF711CA6D8}"/>
               </a:ext>
             </a:extLst>
           </p:cNvPr>
@@ -24033,7 +22857,7 @@
           <p:cNvPr id="9" name="Rectangle 8">
             <a:extLst>
               <a:ext uri="{FF2B5EF4-FFF2-40B4-BE49-F238E27FC236}">
-                <a16:creationId xmlns:a16="http://schemas.microsoft.com/office/drawing/2014/main" xmlns="" id="{EEDB057A-1186-A76A-85A7-09CA7224A7C8}"/>
+                <a16:creationId xmlns="" xmlns:a16="http://schemas.microsoft.com/office/drawing/2014/main" id="{EEDB057A-1186-A76A-85A7-09CA7224A7C8}"/>
               </a:ext>
             </a:extLst>
           </p:cNvPr>
@@ -24092,7 +22916,7 @@
           <p:cNvPr id="10" name="Rectangle 9">
             <a:extLst>
               <a:ext uri="{FF2B5EF4-FFF2-40B4-BE49-F238E27FC236}">
-                <a16:creationId xmlns:a16="http://schemas.microsoft.com/office/drawing/2014/main" xmlns="" id="{3202B1C0-88A8-AE01-8B45-0F8D1914B39A}"/>
+                <a16:creationId xmlns="" xmlns:a16="http://schemas.microsoft.com/office/drawing/2014/main" id="{3202B1C0-88A8-AE01-8B45-0F8D1914B39A}"/>
               </a:ext>
             </a:extLst>
           </p:cNvPr>
@@ -24151,7 +22975,7 @@
           <p:cNvPr id="67" name="Rectangle 66">
             <a:extLst>
               <a:ext uri="{FF2B5EF4-FFF2-40B4-BE49-F238E27FC236}">
-                <a16:creationId xmlns:a16="http://schemas.microsoft.com/office/drawing/2014/main" xmlns="" id="{13862C42-A930-37C4-7099-A5E762D39947}"/>
+                <a16:creationId xmlns="" xmlns:a16="http://schemas.microsoft.com/office/drawing/2014/main" id="{13862C42-A930-37C4-7099-A5E762D39947}"/>
               </a:ext>
             </a:extLst>
           </p:cNvPr>
@@ -24210,7 +23034,7 @@
           <p:cNvPr id="68" name="Rectangle 67">
             <a:extLst>
               <a:ext uri="{FF2B5EF4-FFF2-40B4-BE49-F238E27FC236}">
-                <a16:creationId xmlns:a16="http://schemas.microsoft.com/office/drawing/2014/main" xmlns="" id="{B962D4AE-A143-8FF5-A428-19E99ED9299A}"/>
+                <a16:creationId xmlns="" xmlns:a16="http://schemas.microsoft.com/office/drawing/2014/main" id="{B962D4AE-A143-8FF5-A428-19E99ED9299A}"/>
               </a:ext>
             </a:extLst>
           </p:cNvPr>
@@ -24266,7 +23090,7 @@
           <p:cNvPr id="69" name="Rectangle 68">
             <a:extLst>
               <a:ext uri="{FF2B5EF4-FFF2-40B4-BE49-F238E27FC236}">
-                <a16:creationId xmlns:a16="http://schemas.microsoft.com/office/drawing/2014/main" xmlns="" id="{E3EAE5E2-9CF1-122C-A450-E0A43A6B74CF}"/>
+                <a16:creationId xmlns="" xmlns:a16="http://schemas.microsoft.com/office/drawing/2014/main" id="{E3EAE5E2-9CF1-122C-A450-E0A43A6B74CF}"/>
               </a:ext>
             </a:extLst>
           </p:cNvPr>
@@ -24325,7 +23149,7 @@
           <p:cNvPr id="70" name="Rectangle 69">
             <a:extLst>
               <a:ext uri="{FF2B5EF4-FFF2-40B4-BE49-F238E27FC236}">
-                <a16:creationId xmlns:a16="http://schemas.microsoft.com/office/drawing/2014/main" xmlns="" id="{4C33EA4F-9369-04BD-7C19-889BFE015C58}"/>
+                <a16:creationId xmlns="" xmlns:a16="http://schemas.microsoft.com/office/drawing/2014/main" id="{4C33EA4F-9369-04BD-7C19-889BFE015C58}"/>
               </a:ext>
             </a:extLst>
           </p:cNvPr>
@@ -24384,7 +23208,7 @@
           <p:cNvPr id="71" name="Rectangle 70">
             <a:extLst>
               <a:ext uri="{FF2B5EF4-FFF2-40B4-BE49-F238E27FC236}">
-                <a16:creationId xmlns:a16="http://schemas.microsoft.com/office/drawing/2014/main" xmlns="" id="{19B17B6F-78AF-DC16-F1AC-460C735220C3}"/>
+                <a16:creationId xmlns="" xmlns:a16="http://schemas.microsoft.com/office/drawing/2014/main" id="{19B17B6F-78AF-DC16-F1AC-460C735220C3}"/>
               </a:ext>
             </a:extLst>
           </p:cNvPr>
@@ -24443,7 +23267,7 @@
           <p:cNvPr id="72" name="Rectangle 71">
             <a:extLst>
               <a:ext uri="{FF2B5EF4-FFF2-40B4-BE49-F238E27FC236}">
-                <a16:creationId xmlns:a16="http://schemas.microsoft.com/office/drawing/2014/main" xmlns="" id="{22326FDF-5C0C-D1C1-376E-9140D7758DB9}"/>
+                <a16:creationId xmlns="" xmlns:a16="http://schemas.microsoft.com/office/drawing/2014/main" id="{22326FDF-5C0C-D1C1-376E-9140D7758DB9}"/>
               </a:ext>
             </a:extLst>
           </p:cNvPr>
@@ -24502,7 +23326,7 @@
           <p:cNvPr id="73" name="Rectangle 72">
             <a:extLst>
               <a:ext uri="{FF2B5EF4-FFF2-40B4-BE49-F238E27FC236}">
-                <a16:creationId xmlns:a16="http://schemas.microsoft.com/office/drawing/2014/main" xmlns="" id="{0EAA87D0-110A-6566-A80B-EC173072006B}"/>
+                <a16:creationId xmlns="" xmlns:a16="http://schemas.microsoft.com/office/drawing/2014/main" id="{0EAA87D0-110A-6566-A80B-EC173072006B}"/>
               </a:ext>
             </a:extLst>
           </p:cNvPr>
@@ -24558,7 +23382,7 @@
           <p:cNvPr id="74" name="Rectangle 73">
             <a:extLst>
               <a:ext uri="{FF2B5EF4-FFF2-40B4-BE49-F238E27FC236}">
-                <a16:creationId xmlns:a16="http://schemas.microsoft.com/office/drawing/2014/main" xmlns="" id="{2F2D4AAD-6B9C-97B0-8F7E-4350AAFD55A2}"/>
+                <a16:creationId xmlns="" xmlns:a16="http://schemas.microsoft.com/office/drawing/2014/main" id="{2F2D4AAD-6B9C-97B0-8F7E-4350AAFD55A2}"/>
               </a:ext>
             </a:extLst>
           </p:cNvPr>
@@ -24617,7 +23441,7 @@
           <p:cNvPr id="75" name="Rectangle 74">
             <a:extLst>
               <a:ext uri="{FF2B5EF4-FFF2-40B4-BE49-F238E27FC236}">
-                <a16:creationId xmlns:a16="http://schemas.microsoft.com/office/drawing/2014/main" xmlns="" id="{AC240C92-8B04-8815-77CF-EE2656C476CE}"/>
+                <a16:creationId xmlns="" xmlns:a16="http://schemas.microsoft.com/office/drawing/2014/main" id="{AC240C92-8B04-8815-77CF-EE2656C476CE}"/>
               </a:ext>
             </a:extLst>
           </p:cNvPr>
@@ -24676,7 +23500,7 @@
           <p:cNvPr id="76" name="Rectangle 75">
             <a:extLst>
               <a:ext uri="{FF2B5EF4-FFF2-40B4-BE49-F238E27FC236}">
-                <a16:creationId xmlns:a16="http://schemas.microsoft.com/office/drawing/2014/main" xmlns="" id="{C9DA8FB0-EC2D-19E4-EF84-AA9412CE1AA6}"/>
+                <a16:creationId xmlns="" xmlns:a16="http://schemas.microsoft.com/office/drawing/2014/main" id="{C9DA8FB0-EC2D-19E4-EF84-AA9412CE1AA6}"/>
               </a:ext>
             </a:extLst>
           </p:cNvPr>
@@ -24735,7 +23559,7 @@
           <p:cNvPr id="77" name="Rectangle 76">
             <a:extLst>
               <a:ext uri="{FF2B5EF4-FFF2-40B4-BE49-F238E27FC236}">
-                <a16:creationId xmlns:a16="http://schemas.microsoft.com/office/drawing/2014/main" xmlns="" id="{7E9D5CCA-B42A-FF53-962B-AF49851E2326}"/>
+                <a16:creationId xmlns="" xmlns:a16="http://schemas.microsoft.com/office/drawing/2014/main" id="{7E9D5CCA-B42A-FF53-962B-AF49851E2326}"/>
               </a:ext>
             </a:extLst>
           </p:cNvPr>
@@ -24794,7 +23618,7 @@
           <p:cNvPr id="78" name="Rectangle 77">
             <a:extLst>
               <a:ext uri="{FF2B5EF4-FFF2-40B4-BE49-F238E27FC236}">
-                <a16:creationId xmlns:a16="http://schemas.microsoft.com/office/drawing/2014/main" xmlns="" id="{6D03AD2A-15EF-C162-9F3D-479E713B477D}"/>
+                <a16:creationId xmlns="" xmlns:a16="http://schemas.microsoft.com/office/drawing/2014/main" id="{6D03AD2A-15EF-C162-9F3D-479E713B477D}"/>
               </a:ext>
             </a:extLst>
           </p:cNvPr>
@@ -24850,7 +23674,7 @@
           <p:cNvPr id="79" name="Rectangle 78">
             <a:extLst>
               <a:ext uri="{FF2B5EF4-FFF2-40B4-BE49-F238E27FC236}">
-                <a16:creationId xmlns:a16="http://schemas.microsoft.com/office/drawing/2014/main" xmlns="" id="{CF51A2F1-CB66-A677-AC7E-965D7AAD5DB8}"/>
+                <a16:creationId xmlns="" xmlns:a16="http://schemas.microsoft.com/office/drawing/2014/main" id="{CF51A2F1-CB66-A677-AC7E-965D7AAD5DB8}"/>
               </a:ext>
             </a:extLst>
           </p:cNvPr>
@@ -24909,7 +23733,7 @@
           <p:cNvPr id="80" name="Rectangle 79">
             <a:extLst>
               <a:ext uri="{FF2B5EF4-FFF2-40B4-BE49-F238E27FC236}">
-                <a16:creationId xmlns:a16="http://schemas.microsoft.com/office/drawing/2014/main" xmlns="" id="{0845B1D6-A7BC-8B48-FFE1-F078773139BC}"/>
+                <a16:creationId xmlns="" xmlns:a16="http://schemas.microsoft.com/office/drawing/2014/main" id="{0845B1D6-A7BC-8B48-FFE1-F078773139BC}"/>
               </a:ext>
             </a:extLst>
           </p:cNvPr>
@@ -24968,7 +23792,7 @@
           <p:cNvPr id="81" name="Rectangle 80">
             <a:extLst>
               <a:ext uri="{FF2B5EF4-FFF2-40B4-BE49-F238E27FC236}">
-                <a16:creationId xmlns:a16="http://schemas.microsoft.com/office/drawing/2014/main" xmlns="" id="{CBA6736C-CCB5-5C0A-E1D1-081730463A88}"/>
+                <a16:creationId xmlns="" xmlns:a16="http://schemas.microsoft.com/office/drawing/2014/main" id="{CBA6736C-CCB5-5C0A-E1D1-081730463A88}"/>
               </a:ext>
             </a:extLst>
           </p:cNvPr>
@@ -25027,7 +23851,7 @@
           <p:cNvPr id="82" name="Rectangle 81">
             <a:extLst>
               <a:ext uri="{FF2B5EF4-FFF2-40B4-BE49-F238E27FC236}">
-                <a16:creationId xmlns:a16="http://schemas.microsoft.com/office/drawing/2014/main" xmlns="" id="{7F352D86-4C1C-218C-0268-855AA6DE57A5}"/>
+                <a16:creationId xmlns="" xmlns:a16="http://schemas.microsoft.com/office/drawing/2014/main" id="{7F352D86-4C1C-218C-0268-855AA6DE57A5}"/>
               </a:ext>
             </a:extLst>
           </p:cNvPr>
@@ -25083,7 +23907,7 @@
           <p:cNvPr id="83" name="Rectangle 82">
             <a:extLst>
               <a:ext uri="{FF2B5EF4-FFF2-40B4-BE49-F238E27FC236}">
-                <a16:creationId xmlns:a16="http://schemas.microsoft.com/office/drawing/2014/main" xmlns="" id="{5B342518-DBB0-D0FA-5B57-3B4CA0243670}"/>
+                <a16:creationId xmlns="" xmlns:a16="http://schemas.microsoft.com/office/drawing/2014/main" id="{5B342518-DBB0-D0FA-5B57-3B4CA0243670}"/>
               </a:ext>
             </a:extLst>
           </p:cNvPr>
@@ -25142,7 +23966,7 @@
           <p:cNvPr id="84" name="Rectangle 83">
             <a:extLst>
               <a:ext uri="{FF2B5EF4-FFF2-40B4-BE49-F238E27FC236}">
-                <a16:creationId xmlns:a16="http://schemas.microsoft.com/office/drawing/2014/main" xmlns="" id="{C9A061F8-0040-C740-31D0-35145B9CEA54}"/>
+                <a16:creationId xmlns="" xmlns:a16="http://schemas.microsoft.com/office/drawing/2014/main" id="{C9A061F8-0040-C740-31D0-35145B9CEA54}"/>
               </a:ext>
             </a:extLst>
           </p:cNvPr>
@@ -25201,7 +24025,7 @@
           <p:cNvPr id="85" name="Rectangle 84">
             <a:extLst>
               <a:ext uri="{FF2B5EF4-FFF2-40B4-BE49-F238E27FC236}">
-                <a16:creationId xmlns:a16="http://schemas.microsoft.com/office/drawing/2014/main" xmlns="" id="{03EB985A-10F1-918C-C715-29C406804018}"/>
+                <a16:creationId xmlns="" xmlns:a16="http://schemas.microsoft.com/office/drawing/2014/main" id="{03EB985A-10F1-918C-C715-29C406804018}"/>
               </a:ext>
             </a:extLst>
           </p:cNvPr>
@@ -25257,7 +24081,7 @@
           <p:cNvPr id="86" name="Rectangle 85">
             <a:extLst>
               <a:ext uri="{FF2B5EF4-FFF2-40B4-BE49-F238E27FC236}">
-                <a16:creationId xmlns:a16="http://schemas.microsoft.com/office/drawing/2014/main" xmlns="" id="{79086D51-F7FF-AC18-323A-886733E0AD13}"/>
+                <a16:creationId xmlns="" xmlns:a16="http://schemas.microsoft.com/office/drawing/2014/main" id="{79086D51-F7FF-AC18-323A-886733E0AD13}"/>
               </a:ext>
             </a:extLst>
           </p:cNvPr>
@@ -25316,7 +24140,7 @@
           <p:cNvPr id="87" name="Rectangle 86">
             <a:extLst>
               <a:ext uri="{FF2B5EF4-FFF2-40B4-BE49-F238E27FC236}">
-                <a16:creationId xmlns:a16="http://schemas.microsoft.com/office/drawing/2014/main" xmlns="" id="{860C5964-DFA9-EC1B-083D-04172E7B8606}"/>
+                <a16:creationId xmlns="" xmlns:a16="http://schemas.microsoft.com/office/drawing/2014/main" id="{860C5964-DFA9-EC1B-083D-04172E7B8606}"/>
               </a:ext>
             </a:extLst>
           </p:cNvPr>
@@ -25375,7 +24199,7 @@
           <p:cNvPr id="88" name="Rectangle 87">
             <a:extLst>
               <a:ext uri="{FF2B5EF4-FFF2-40B4-BE49-F238E27FC236}">
-                <a16:creationId xmlns:a16="http://schemas.microsoft.com/office/drawing/2014/main" xmlns="" id="{C12D0001-E0BD-D71D-B1E7-08DDCA7E3436}"/>
+                <a16:creationId xmlns="" xmlns:a16="http://schemas.microsoft.com/office/drawing/2014/main" id="{C12D0001-E0BD-D71D-B1E7-08DDCA7E3436}"/>
               </a:ext>
             </a:extLst>
           </p:cNvPr>
@@ -25431,7 +24255,7 @@
           <p:cNvPr id="89" name="Rectangle 88">
             <a:extLst>
               <a:ext uri="{FF2B5EF4-FFF2-40B4-BE49-F238E27FC236}">
-                <a16:creationId xmlns:a16="http://schemas.microsoft.com/office/drawing/2014/main" xmlns="" id="{7D359888-4F1E-C5FB-F647-9655BB72339F}"/>
+                <a16:creationId xmlns="" xmlns:a16="http://schemas.microsoft.com/office/drawing/2014/main" id="{7D359888-4F1E-C5FB-F647-9655BB72339F}"/>
               </a:ext>
             </a:extLst>
           </p:cNvPr>
@@ -25490,7 +24314,7 @@
           <p:cNvPr id="90" name="Rectangle 89">
             <a:extLst>
               <a:ext uri="{FF2B5EF4-FFF2-40B4-BE49-F238E27FC236}">
-                <a16:creationId xmlns:a16="http://schemas.microsoft.com/office/drawing/2014/main" xmlns="" id="{89D0B25F-5231-8B9E-FA4F-66BC91B4D409}"/>
+                <a16:creationId xmlns="" xmlns:a16="http://schemas.microsoft.com/office/drawing/2014/main" id="{89D0B25F-5231-8B9E-FA4F-66BC91B4D409}"/>
               </a:ext>
             </a:extLst>
           </p:cNvPr>
@@ -25549,7 +24373,7 @@
           <p:cNvPr id="91" name="Rectangle 90">
             <a:extLst>
               <a:ext uri="{FF2B5EF4-FFF2-40B4-BE49-F238E27FC236}">
-                <a16:creationId xmlns:a16="http://schemas.microsoft.com/office/drawing/2014/main" xmlns="" id="{9D4568F4-5EE0-F73A-2F20-ACA6A57288D7}"/>
+                <a16:creationId xmlns="" xmlns:a16="http://schemas.microsoft.com/office/drawing/2014/main" id="{9D4568F4-5EE0-F73A-2F20-ACA6A57288D7}"/>
               </a:ext>
             </a:extLst>
           </p:cNvPr>
@@ -25605,7 +24429,7 @@
           <p:cNvPr id="92" name="Rectangle 91">
             <a:extLst>
               <a:ext uri="{FF2B5EF4-FFF2-40B4-BE49-F238E27FC236}">
-                <a16:creationId xmlns:a16="http://schemas.microsoft.com/office/drawing/2014/main" xmlns="" id="{97FE8A53-1134-7188-45E0-A0D8A0E2A252}"/>
+                <a16:creationId xmlns="" xmlns:a16="http://schemas.microsoft.com/office/drawing/2014/main" id="{97FE8A53-1134-7188-45E0-A0D8A0E2A252}"/>
               </a:ext>
             </a:extLst>
           </p:cNvPr>
@@ -25664,7 +24488,7 @@
           <p:cNvPr id="93" name="Rectangle 92">
             <a:extLst>
               <a:ext uri="{FF2B5EF4-FFF2-40B4-BE49-F238E27FC236}">
-                <a16:creationId xmlns:a16="http://schemas.microsoft.com/office/drawing/2014/main" xmlns="" id="{177B8B0B-16AD-922C-BE3D-7886201A6E2B}"/>
+                <a16:creationId xmlns="" xmlns:a16="http://schemas.microsoft.com/office/drawing/2014/main" id="{177B8B0B-16AD-922C-BE3D-7886201A6E2B}"/>
               </a:ext>
             </a:extLst>
           </p:cNvPr>
@@ -25723,7 +24547,7 @@
           <p:cNvPr id="94" name="Rectangle 93">
             <a:extLst>
               <a:ext uri="{FF2B5EF4-FFF2-40B4-BE49-F238E27FC236}">
-                <a16:creationId xmlns:a16="http://schemas.microsoft.com/office/drawing/2014/main" xmlns="" id="{59A55FFE-6E8D-853F-4D7B-610709BE1BE8}"/>
+                <a16:creationId xmlns="" xmlns:a16="http://schemas.microsoft.com/office/drawing/2014/main" id="{59A55FFE-6E8D-853F-4D7B-610709BE1BE8}"/>
               </a:ext>
             </a:extLst>
           </p:cNvPr>
@@ -26079,7 +24903,7 @@
   <a:extraClrSchemeLst/>
   <a:extLst>
     <a:ext uri="{05A4C25C-085E-4340-85A3-A5531E510DB2}">
-      <thm15:themeFamily xmlns:thm15="http://schemas.microsoft.com/office/thememl/2012/main" xmlns="" name="Office Theme" id="{62F939B6-93AF-4DB8-9C6B-D6C7DFDC589F}" vid="{4A3C46E8-61CC-4603-A589-7422A47A8E4A}"/>
+      <thm15:themeFamily xmlns="" xmlns:thm15="http://schemas.microsoft.com/office/thememl/2012/main" name="Office Theme" id="{62F939B6-93AF-4DB8-9C6B-D6C7DFDC589F}" vid="{4A3C46E8-61CC-4603-A589-7422A47A8E4A}"/>
     </a:ext>
   </a:extLst>
 </a:theme>
@@ -26374,7 +25198,7 @@
   <a:extraClrSchemeLst/>
   <a:extLst>
     <a:ext uri="{05A4C25C-085E-4340-85A3-A5531E510DB2}">
-      <thm15:themeFamily xmlns:thm15="http://schemas.microsoft.com/office/thememl/2012/main" xmlns="" name="Office Theme" id="{62F939B6-93AF-4DB8-9C6B-D6C7DFDC589F}" vid="{4A3C46E8-61CC-4603-A589-7422A47A8E4A}"/>
+      <thm15:themeFamily xmlns="" xmlns:thm15="http://schemas.microsoft.com/office/thememl/2012/main" name="Office Theme" id="{62F939B6-93AF-4DB8-9C6B-D6C7DFDC589F}" vid="{4A3C46E8-61CC-4603-A589-7422A47A8E4A}"/>
     </a:ext>
   </a:extLst>
 </a:theme>

--- a/Villou_MIDI_TO_DMX_vAnniv/doc/Description.pptx
+++ b/Villou_MIDI_TO_DMX_vAnniv/doc/Description.pptx
@@ -116,7 +116,7 @@
   </p:defaultTextStyle>
   <p:extLst>
     <p:ext uri="{EFAFB233-063F-42B5-8137-9DF3F51BA10A}">
-      <p15:sldGuideLst xmlns="" xmlns:p15="http://schemas.microsoft.com/office/powerpoint/2012/main"/>
+      <p15:sldGuideLst xmlns:p15="http://schemas.microsoft.com/office/powerpoint/2012/main" xmlns=""/>
     </p:ext>
   </p:extLst>
 </p:presentation>
@@ -577,7 +577,7 @@
           <p:cNvPr id="2" name="Titre 1">
             <a:extLst>
               <a:ext uri="{FF2B5EF4-FFF2-40B4-BE49-F238E27FC236}">
-                <a16:creationId xmlns="" xmlns:a16="http://schemas.microsoft.com/office/drawing/2014/main" id="{2545D8C5-5B09-4276-A0E8-3D47711BF8C4}"/>
+                <a16:creationId xmlns:a16="http://schemas.microsoft.com/office/drawing/2014/main" xmlns="" id="{2545D8C5-5B09-4276-A0E8-3D47711BF8C4}"/>
               </a:ext>
             </a:extLst>
           </p:cNvPr>
@@ -614,7 +614,7 @@
           <p:cNvPr id="3" name="Sous-titre 2">
             <a:extLst>
               <a:ext uri="{FF2B5EF4-FFF2-40B4-BE49-F238E27FC236}">
-                <a16:creationId xmlns="" xmlns:a16="http://schemas.microsoft.com/office/drawing/2014/main" id="{1700DFA3-3567-4C80-B47B-1607AF11ACE2}"/>
+                <a16:creationId xmlns:a16="http://schemas.microsoft.com/office/drawing/2014/main" xmlns="" id="{1700DFA3-3567-4C80-B47B-1607AF11ACE2}"/>
               </a:ext>
             </a:extLst>
           </p:cNvPr>
@@ -684,7 +684,7 @@
           <p:cNvPr id="4" name="Espace réservé de la date 3">
             <a:extLst>
               <a:ext uri="{FF2B5EF4-FFF2-40B4-BE49-F238E27FC236}">
-                <a16:creationId xmlns="" xmlns:a16="http://schemas.microsoft.com/office/drawing/2014/main" id="{9C4A9DDA-1304-482A-85F2-F7F599A347B6}"/>
+                <a16:creationId xmlns:a16="http://schemas.microsoft.com/office/drawing/2014/main" xmlns="" id="{9C4A9DDA-1304-482A-85F2-F7F599A347B6}"/>
               </a:ext>
             </a:extLst>
           </p:cNvPr>
@@ -713,7 +713,7 @@
           <p:cNvPr id="5" name="Espace réservé du pied de page 4">
             <a:extLst>
               <a:ext uri="{FF2B5EF4-FFF2-40B4-BE49-F238E27FC236}">
-                <a16:creationId xmlns="" xmlns:a16="http://schemas.microsoft.com/office/drawing/2014/main" id="{551F56C6-2A46-4422-A0BB-D3E6B060BA33}"/>
+                <a16:creationId xmlns:a16="http://schemas.microsoft.com/office/drawing/2014/main" xmlns="" id="{551F56C6-2A46-4422-A0BB-D3E6B060BA33}"/>
               </a:ext>
             </a:extLst>
           </p:cNvPr>
@@ -738,7 +738,7 @@
           <p:cNvPr id="6" name="Espace réservé du numéro de diapositive 5">
             <a:extLst>
               <a:ext uri="{FF2B5EF4-FFF2-40B4-BE49-F238E27FC236}">
-                <a16:creationId xmlns="" xmlns:a16="http://schemas.microsoft.com/office/drawing/2014/main" id="{932C659A-921F-4198-B8E4-16D1C4E5C182}"/>
+                <a16:creationId xmlns:a16="http://schemas.microsoft.com/office/drawing/2014/main" xmlns="" id="{932C659A-921F-4198-B8E4-16D1C4E5C182}"/>
               </a:ext>
             </a:extLst>
           </p:cNvPr>
@@ -797,7 +797,7 @@
           <p:cNvPr id="2" name="Titre 1">
             <a:extLst>
               <a:ext uri="{FF2B5EF4-FFF2-40B4-BE49-F238E27FC236}">
-                <a16:creationId xmlns="" xmlns:a16="http://schemas.microsoft.com/office/drawing/2014/main" id="{BB047615-2D8D-418C-83A2-E2E5BFD313E8}"/>
+                <a16:creationId xmlns:a16="http://schemas.microsoft.com/office/drawing/2014/main" xmlns="" id="{BB047615-2D8D-418C-83A2-E2E5BFD313E8}"/>
               </a:ext>
             </a:extLst>
           </p:cNvPr>
@@ -825,7 +825,7 @@
           <p:cNvPr id="3" name="Espace réservé du texte vertical 2">
             <a:extLst>
               <a:ext uri="{FF2B5EF4-FFF2-40B4-BE49-F238E27FC236}">
-                <a16:creationId xmlns="" xmlns:a16="http://schemas.microsoft.com/office/drawing/2014/main" id="{96F6CEDB-4864-4BDB-8703-2CAE3C8D0EEF}"/>
+                <a16:creationId xmlns:a16="http://schemas.microsoft.com/office/drawing/2014/main" xmlns="" id="{96F6CEDB-4864-4BDB-8703-2CAE3C8D0EEF}"/>
               </a:ext>
             </a:extLst>
           </p:cNvPr>
@@ -882,7 +882,7 @@
           <p:cNvPr id="4" name="Espace réservé de la date 3">
             <a:extLst>
               <a:ext uri="{FF2B5EF4-FFF2-40B4-BE49-F238E27FC236}">
-                <a16:creationId xmlns="" xmlns:a16="http://schemas.microsoft.com/office/drawing/2014/main" id="{1FC49061-EF30-4F26-B821-E7BDB3659205}"/>
+                <a16:creationId xmlns:a16="http://schemas.microsoft.com/office/drawing/2014/main" xmlns="" id="{1FC49061-EF30-4F26-B821-E7BDB3659205}"/>
               </a:ext>
             </a:extLst>
           </p:cNvPr>
@@ -911,7 +911,7 @@
           <p:cNvPr id="5" name="Espace réservé du pied de page 4">
             <a:extLst>
               <a:ext uri="{FF2B5EF4-FFF2-40B4-BE49-F238E27FC236}">
-                <a16:creationId xmlns="" xmlns:a16="http://schemas.microsoft.com/office/drawing/2014/main" id="{6CA67E49-5DAF-46C9-86CB-DE1374FEE980}"/>
+                <a16:creationId xmlns:a16="http://schemas.microsoft.com/office/drawing/2014/main" xmlns="" id="{6CA67E49-5DAF-46C9-86CB-DE1374FEE980}"/>
               </a:ext>
             </a:extLst>
           </p:cNvPr>
@@ -936,7 +936,7 @@
           <p:cNvPr id="6" name="Espace réservé du numéro de diapositive 5">
             <a:extLst>
               <a:ext uri="{FF2B5EF4-FFF2-40B4-BE49-F238E27FC236}">
-                <a16:creationId xmlns="" xmlns:a16="http://schemas.microsoft.com/office/drawing/2014/main" id="{362D19A4-A189-4B66-8525-9BBACBE332CC}"/>
+                <a16:creationId xmlns:a16="http://schemas.microsoft.com/office/drawing/2014/main" xmlns="" id="{362D19A4-A189-4B66-8525-9BBACBE332CC}"/>
               </a:ext>
             </a:extLst>
           </p:cNvPr>
@@ -995,7 +995,7 @@
           <p:cNvPr id="2" name="Titre vertical 1">
             <a:extLst>
               <a:ext uri="{FF2B5EF4-FFF2-40B4-BE49-F238E27FC236}">
-                <a16:creationId xmlns="" xmlns:a16="http://schemas.microsoft.com/office/drawing/2014/main" id="{83870ABD-1D4F-401C-B56E-D81F0500A4A4}"/>
+                <a16:creationId xmlns:a16="http://schemas.microsoft.com/office/drawing/2014/main" xmlns="" id="{83870ABD-1D4F-401C-B56E-D81F0500A4A4}"/>
               </a:ext>
             </a:extLst>
           </p:cNvPr>
@@ -1028,7 +1028,7 @@
           <p:cNvPr id="3" name="Espace réservé du texte vertical 2">
             <a:extLst>
               <a:ext uri="{FF2B5EF4-FFF2-40B4-BE49-F238E27FC236}">
-                <a16:creationId xmlns="" xmlns:a16="http://schemas.microsoft.com/office/drawing/2014/main" id="{E13CA938-08D9-4D7C-AC01-076F577A69F2}"/>
+                <a16:creationId xmlns:a16="http://schemas.microsoft.com/office/drawing/2014/main" xmlns="" id="{E13CA938-08D9-4D7C-AC01-076F577A69F2}"/>
               </a:ext>
             </a:extLst>
           </p:cNvPr>
@@ -1090,7 +1090,7 @@
           <p:cNvPr id="4" name="Espace réservé de la date 3">
             <a:extLst>
               <a:ext uri="{FF2B5EF4-FFF2-40B4-BE49-F238E27FC236}">
-                <a16:creationId xmlns="" xmlns:a16="http://schemas.microsoft.com/office/drawing/2014/main" id="{B2920290-F0BF-4C1B-9980-1B5F8D3C2CC4}"/>
+                <a16:creationId xmlns:a16="http://schemas.microsoft.com/office/drawing/2014/main" xmlns="" id="{B2920290-F0BF-4C1B-9980-1B5F8D3C2CC4}"/>
               </a:ext>
             </a:extLst>
           </p:cNvPr>
@@ -1119,7 +1119,7 @@
           <p:cNvPr id="5" name="Espace réservé du pied de page 4">
             <a:extLst>
               <a:ext uri="{FF2B5EF4-FFF2-40B4-BE49-F238E27FC236}">
-                <a16:creationId xmlns="" xmlns:a16="http://schemas.microsoft.com/office/drawing/2014/main" id="{621B5CC4-3087-4E20-9D47-7859921CF2DC}"/>
+                <a16:creationId xmlns:a16="http://schemas.microsoft.com/office/drawing/2014/main" xmlns="" id="{621B5CC4-3087-4E20-9D47-7859921CF2DC}"/>
               </a:ext>
             </a:extLst>
           </p:cNvPr>
@@ -1144,7 +1144,7 @@
           <p:cNvPr id="6" name="Espace réservé du numéro de diapositive 5">
             <a:extLst>
               <a:ext uri="{FF2B5EF4-FFF2-40B4-BE49-F238E27FC236}">
-                <a16:creationId xmlns="" xmlns:a16="http://schemas.microsoft.com/office/drawing/2014/main" id="{22C472A0-BED2-44D6-A8DE-6E954D75E443}"/>
+                <a16:creationId xmlns:a16="http://schemas.microsoft.com/office/drawing/2014/main" xmlns="" id="{22C472A0-BED2-44D6-A8DE-6E954D75E443}"/>
               </a:ext>
             </a:extLst>
           </p:cNvPr>
@@ -1203,7 +1203,7 @@
           <p:cNvPr id="2" name="Titre 1">
             <a:extLst>
               <a:ext uri="{FF2B5EF4-FFF2-40B4-BE49-F238E27FC236}">
-                <a16:creationId xmlns="" xmlns:a16="http://schemas.microsoft.com/office/drawing/2014/main" id="{5455BB09-161B-4A0E-8DDC-BDD2DD2BED30}"/>
+                <a16:creationId xmlns:a16="http://schemas.microsoft.com/office/drawing/2014/main" xmlns="" id="{5455BB09-161B-4A0E-8DDC-BDD2DD2BED30}"/>
               </a:ext>
             </a:extLst>
           </p:cNvPr>
@@ -1231,7 +1231,7 @@
           <p:cNvPr id="3" name="Espace réservé du contenu 2">
             <a:extLst>
               <a:ext uri="{FF2B5EF4-FFF2-40B4-BE49-F238E27FC236}">
-                <a16:creationId xmlns="" xmlns:a16="http://schemas.microsoft.com/office/drawing/2014/main" id="{1A83EAD6-1BD0-402A-863B-62C442BC6EA4}"/>
+                <a16:creationId xmlns:a16="http://schemas.microsoft.com/office/drawing/2014/main" xmlns="" id="{1A83EAD6-1BD0-402A-863B-62C442BC6EA4}"/>
               </a:ext>
             </a:extLst>
           </p:cNvPr>
@@ -1288,7 +1288,7 @@
           <p:cNvPr id="4" name="Espace réservé de la date 3">
             <a:extLst>
               <a:ext uri="{FF2B5EF4-FFF2-40B4-BE49-F238E27FC236}">
-                <a16:creationId xmlns="" xmlns:a16="http://schemas.microsoft.com/office/drawing/2014/main" id="{0DE9E32F-51ED-4C2E-BB09-ABC19A35E0CC}"/>
+                <a16:creationId xmlns:a16="http://schemas.microsoft.com/office/drawing/2014/main" xmlns="" id="{0DE9E32F-51ED-4C2E-BB09-ABC19A35E0CC}"/>
               </a:ext>
             </a:extLst>
           </p:cNvPr>
@@ -1317,7 +1317,7 @@
           <p:cNvPr id="5" name="Espace réservé du pied de page 4">
             <a:extLst>
               <a:ext uri="{FF2B5EF4-FFF2-40B4-BE49-F238E27FC236}">
-                <a16:creationId xmlns="" xmlns:a16="http://schemas.microsoft.com/office/drawing/2014/main" id="{4D35B353-375A-4BD0-BE24-0ED6EE090E7D}"/>
+                <a16:creationId xmlns:a16="http://schemas.microsoft.com/office/drawing/2014/main" xmlns="" id="{4D35B353-375A-4BD0-BE24-0ED6EE090E7D}"/>
               </a:ext>
             </a:extLst>
           </p:cNvPr>
@@ -1342,7 +1342,7 @@
           <p:cNvPr id="6" name="Espace réservé du numéro de diapositive 5">
             <a:extLst>
               <a:ext uri="{FF2B5EF4-FFF2-40B4-BE49-F238E27FC236}">
-                <a16:creationId xmlns="" xmlns:a16="http://schemas.microsoft.com/office/drawing/2014/main" id="{E215749F-5F99-48E1-9DAF-59CF41F85667}"/>
+                <a16:creationId xmlns:a16="http://schemas.microsoft.com/office/drawing/2014/main" xmlns="" id="{E215749F-5F99-48E1-9DAF-59CF41F85667}"/>
               </a:ext>
             </a:extLst>
           </p:cNvPr>
@@ -1401,7 +1401,7 @@
           <p:cNvPr id="2" name="Titre 1">
             <a:extLst>
               <a:ext uri="{FF2B5EF4-FFF2-40B4-BE49-F238E27FC236}">
-                <a16:creationId xmlns="" xmlns:a16="http://schemas.microsoft.com/office/drawing/2014/main" id="{C1B4B06D-71E7-42E9-8EFE-B7F6862E8A3B}"/>
+                <a16:creationId xmlns:a16="http://schemas.microsoft.com/office/drawing/2014/main" xmlns="" id="{C1B4B06D-71E7-42E9-8EFE-B7F6862E8A3B}"/>
               </a:ext>
             </a:extLst>
           </p:cNvPr>
@@ -1438,7 +1438,7 @@
           <p:cNvPr id="3" name="Espace réservé du texte 2">
             <a:extLst>
               <a:ext uri="{FF2B5EF4-FFF2-40B4-BE49-F238E27FC236}">
-                <a16:creationId xmlns="" xmlns:a16="http://schemas.microsoft.com/office/drawing/2014/main" id="{D2284505-7CAB-4FD4-A600-F918A86A991E}"/>
+                <a16:creationId xmlns:a16="http://schemas.microsoft.com/office/drawing/2014/main" xmlns="" id="{D2284505-7CAB-4FD4-A600-F918A86A991E}"/>
               </a:ext>
             </a:extLst>
           </p:cNvPr>
@@ -1563,7 +1563,7 @@
           <p:cNvPr id="4" name="Espace réservé de la date 3">
             <a:extLst>
               <a:ext uri="{FF2B5EF4-FFF2-40B4-BE49-F238E27FC236}">
-                <a16:creationId xmlns="" xmlns:a16="http://schemas.microsoft.com/office/drawing/2014/main" id="{499B60EA-5155-4DFD-A4C0-54B17D364B55}"/>
+                <a16:creationId xmlns:a16="http://schemas.microsoft.com/office/drawing/2014/main" xmlns="" id="{499B60EA-5155-4DFD-A4C0-54B17D364B55}"/>
               </a:ext>
             </a:extLst>
           </p:cNvPr>
@@ -1592,7 +1592,7 @@
           <p:cNvPr id="5" name="Espace réservé du pied de page 4">
             <a:extLst>
               <a:ext uri="{FF2B5EF4-FFF2-40B4-BE49-F238E27FC236}">
-                <a16:creationId xmlns="" xmlns:a16="http://schemas.microsoft.com/office/drawing/2014/main" id="{F4E37792-BC20-4D89-B4BB-4C18BC145F6E}"/>
+                <a16:creationId xmlns:a16="http://schemas.microsoft.com/office/drawing/2014/main" xmlns="" id="{F4E37792-BC20-4D89-B4BB-4C18BC145F6E}"/>
               </a:ext>
             </a:extLst>
           </p:cNvPr>
@@ -1617,7 +1617,7 @@
           <p:cNvPr id="6" name="Espace réservé du numéro de diapositive 5">
             <a:extLst>
               <a:ext uri="{FF2B5EF4-FFF2-40B4-BE49-F238E27FC236}">
-                <a16:creationId xmlns="" xmlns:a16="http://schemas.microsoft.com/office/drawing/2014/main" id="{C940F0C5-69C9-495D-913B-1883980B219E}"/>
+                <a16:creationId xmlns:a16="http://schemas.microsoft.com/office/drawing/2014/main" xmlns="" id="{C940F0C5-69C9-495D-913B-1883980B219E}"/>
               </a:ext>
             </a:extLst>
           </p:cNvPr>
@@ -1676,7 +1676,7 @@
           <p:cNvPr id="2" name="Titre 1">
             <a:extLst>
               <a:ext uri="{FF2B5EF4-FFF2-40B4-BE49-F238E27FC236}">
-                <a16:creationId xmlns="" xmlns:a16="http://schemas.microsoft.com/office/drawing/2014/main" id="{20EC62D1-4082-4337-B81E-DF91D9C88A57}"/>
+                <a16:creationId xmlns:a16="http://schemas.microsoft.com/office/drawing/2014/main" xmlns="" id="{20EC62D1-4082-4337-B81E-DF91D9C88A57}"/>
               </a:ext>
             </a:extLst>
           </p:cNvPr>
@@ -1704,7 +1704,7 @@
           <p:cNvPr id="3" name="Espace réservé du contenu 2">
             <a:extLst>
               <a:ext uri="{FF2B5EF4-FFF2-40B4-BE49-F238E27FC236}">
-                <a16:creationId xmlns="" xmlns:a16="http://schemas.microsoft.com/office/drawing/2014/main" id="{8D4A3765-A72B-46DF-8288-323290173098}"/>
+                <a16:creationId xmlns:a16="http://schemas.microsoft.com/office/drawing/2014/main" xmlns="" id="{8D4A3765-A72B-46DF-8288-323290173098}"/>
               </a:ext>
             </a:extLst>
           </p:cNvPr>
@@ -1766,7 +1766,7 @@
           <p:cNvPr id="4" name="Espace réservé du contenu 3">
             <a:extLst>
               <a:ext uri="{FF2B5EF4-FFF2-40B4-BE49-F238E27FC236}">
-                <a16:creationId xmlns="" xmlns:a16="http://schemas.microsoft.com/office/drawing/2014/main" id="{DC2BB634-E5D6-4590-B2FF-DDB544A64ABD}"/>
+                <a16:creationId xmlns:a16="http://schemas.microsoft.com/office/drawing/2014/main" xmlns="" id="{DC2BB634-E5D6-4590-B2FF-DDB544A64ABD}"/>
               </a:ext>
             </a:extLst>
           </p:cNvPr>
@@ -1828,7 +1828,7 @@
           <p:cNvPr id="5" name="Espace réservé de la date 4">
             <a:extLst>
               <a:ext uri="{FF2B5EF4-FFF2-40B4-BE49-F238E27FC236}">
-                <a16:creationId xmlns="" xmlns:a16="http://schemas.microsoft.com/office/drawing/2014/main" id="{42001B77-D090-4A82-AF59-958E535200B2}"/>
+                <a16:creationId xmlns:a16="http://schemas.microsoft.com/office/drawing/2014/main" xmlns="" id="{42001B77-D090-4A82-AF59-958E535200B2}"/>
               </a:ext>
             </a:extLst>
           </p:cNvPr>
@@ -1857,7 +1857,7 @@
           <p:cNvPr id="6" name="Espace réservé du pied de page 5">
             <a:extLst>
               <a:ext uri="{FF2B5EF4-FFF2-40B4-BE49-F238E27FC236}">
-                <a16:creationId xmlns="" xmlns:a16="http://schemas.microsoft.com/office/drawing/2014/main" id="{63027CE3-5A13-4EBF-858E-33E727050EEB}"/>
+                <a16:creationId xmlns:a16="http://schemas.microsoft.com/office/drawing/2014/main" xmlns="" id="{63027CE3-5A13-4EBF-858E-33E727050EEB}"/>
               </a:ext>
             </a:extLst>
           </p:cNvPr>
@@ -1882,7 +1882,7 @@
           <p:cNvPr id="7" name="Espace réservé du numéro de diapositive 6">
             <a:extLst>
               <a:ext uri="{FF2B5EF4-FFF2-40B4-BE49-F238E27FC236}">
-                <a16:creationId xmlns="" xmlns:a16="http://schemas.microsoft.com/office/drawing/2014/main" id="{7A4E6FA9-D4FA-4086-881C-88182F631A9B}"/>
+                <a16:creationId xmlns:a16="http://schemas.microsoft.com/office/drawing/2014/main" xmlns="" id="{7A4E6FA9-D4FA-4086-881C-88182F631A9B}"/>
               </a:ext>
             </a:extLst>
           </p:cNvPr>
@@ -1941,7 +1941,7 @@
           <p:cNvPr id="2" name="Titre 1">
             <a:extLst>
               <a:ext uri="{FF2B5EF4-FFF2-40B4-BE49-F238E27FC236}">
-                <a16:creationId xmlns="" xmlns:a16="http://schemas.microsoft.com/office/drawing/2014/main" id="{79092A0B-3913-41BE-A53D-03D40BB62893}"/>
+                <a16:creationId xmlns:a16="http://schemas.microsoft.com/office/drawing/2014/main" xmlns="" id="{79092A0B-3913-41BE-A53D-03D40BB62893}"/>
               </a:ext>
             </a:extLst>
           </p:cNvPr>
@@ -1974,7 +1974,7 @@
           <p:cNvPr id="3" name="Espace réservé du texte 2">
             <a:extLst>
               <a:ext uri="{FF2B5EF4-FFF2-40B4-BE49-F238E27FC236}">
-                <a16:creationId xmlns="" xmlns:a16="http://schemas.microsoft.com/office/drawing/2014/main" id="{062A5F56-A9F4-4BBF-8AC7-8FF442263FB2}"/>
+                <a16:creationId xmlns:a16="http://schemas.microsoft.com/office/drawing/2014/main" xmlns="" id="{062A5F56-A9F4-4BBF-8AC7-8FF442263FB2}"/>
               </a:ext>
             </a:extLst>
           </p:cNvPr>
@@ -2045,7 +2045,7 @@
           <p:cNvPr id="4" name="Espace réservé du contenu 3">
             <a:extLst>
               <a:ext uri="{FF2B5EF4-FFF2-40B4-BE49-F238E27FC236}">
-                <a16:creationId xmlns="" xmlns:a16="http://schemas.microsoft.com/office/drawing/2014/main" id="{01893A08-69B4-4126-92AD-E951E6A22646}"/>
+                <a16:creationId xmlns:a16="http://schemas.microsoft.com/office/drawing/2014/main" xmlns="" id="{01893A08-69B4-4126-92AD-E951E6A22646}"/>
               </a:ext>
             </a:extLst>
           </p:cNvPr>
@@ -2107,7 +2107,7 @@
           <p:cNvPr id="5" name="Espace réservé du texte 4">
             <a:extLst>
               <a:ext uri="{FF2B5EF4-FFF2-40B4-BE49-F238E27FC236}">
-                <a16:creationId xmlns="" xmlns:a16="http://schemas.microsoft.com/office/drawing/2014/main" id="{3CCB9193-468B-4B9D-B46B-5707B9500CCA}"/>
+                <a16:creationId xmlns:a16="http://schemas.microsoft.com/office/drawing/2014/main" xmlns="" id="{3CCB9193-468B-4B9D-B46B-5707B9500CCA}"/>
               </a:ext>
             </a:extLst>
           </p:cNvPr>
@@ -2178,7 +2178,7 @@
           <p:cNvPr id="6" name="Espace réservé du contenu 5">
             <a:extLst>
               <a:ext uri="{FF2B5EF4-FFF2-40B4-BE49-F238E27FC236}">
-                <a16:creationId xmlns="" xmlns:a16="http://schemas.microsoft.com/office/drawing/2014/main" id="{9F8E9E1D-61F8-4330-9E2E-350281A8DE4C}"/>
+                <a16:creationId xmlns:a16="http://schemas.microsoft.com/office/drawing/2014/main" xmlns="" id="{9F8E9E1D-61F8-4330-9E2E-350281A8DE4C}"/>
               </a:ext>
             </a:extLst>
           </p:cNvPr>
@@ -2240,7 +2240,7 @@
           <p:cNvPr id="7" name="Espace réservé de la date 6">
             <a:extLst>
               <a:ext uri="{FF2B5EF4-FFF2-40B4-BE49-F238E27FC236}">
-                <a16:creationId xmlns="" xmlns:a16="http://schemas.microsoft.com/office/drawing/2014/main" id="{59CC3C63-64D5-4F5E-87CC-5287466BAAE0}"/>
+                <a16:creationId xmlns:a16="http://schemas.microsoft.com/office/drawing/2014/main" xmlns="" id="{59CC3C63-64D5-4F5E-87CC-5287466BAAE0}"/>
               </a:ext>
             </a:extLst>
           </p:cNvPr>
@@ -2269,7 +2269,7 @@
           <p:cNvPr id="8" name="Espace réservé du pied de page 7">
             <a:extLst>
               <a:ext uri="{FF2B5EF4-FFF2-40B4-BE49-F238E27FC236}">
-                <a16:creationId xmlns="" xmlns:a16="http://schemas.microsoft.com/office/drawing/2014/main" id="{9FA2CEE6-A0EF-47B1-9114-1C15B1A9BBFE}"/>
+                <a16:creationId xmlns:a16="http://schemas.microsoft.com/office/drawing/2014/main" xmlns="" id="{9FA2CEE6-A0EF-47B1-9114-1C15B1A9BBFE}"/>
               </a:ext>
             </a:extLst>
           </p:cNvPr>
@@ -2294,7 +2294,7 @@
           <p:cNvPr id="9" name="Espace réservé du numéro de diapositive 8">
             <a:extLst>
               <a:ext uri="{FF2B5EF4-FFF2-40B4-BE49-F238E27FC236}">
-                <a16:creationId xmlns="" xmlns:a16="http://schemas.microsoft.com/office/drawing/2014/main" id="{B49BFA1D-304F-41DA-BCFA-D79A122B25DD}"/>
+                <a16:creationId xmlns:a16="http://schemas.microsoft.com/office/drawing/2014/main" xmlns="" id="{B49BFA1D-304F-41DA-BCFA-D79A122B25DD}"/>
               </a:ext>
             </a:extLst>
           </p:cNvPr>
@@ -2353,7 +2353,7 @@
           <p:cNvPr id="2" name="Titre 1">
             <a:extLst>
               <a:ext uri="{FF2B5EF4-FFF2-40B4-BE49-F238E27FC236}">
-                <a16:creationId xmlns="" xmlns:a16="http://schemas.microsoft.com/office/drawing/2014/main" id="{1A0490A0-51AB-4647-A91F-CEB42D2484F0}"/>
+                <a16:creationId xmlns:a16="http://schemas.microsoft.com/office/drawing/2014/main" xmlns="" id="{1A0490A0-51AB-4647-A91F-CEB42D2484F0}"/>
               </a:ext>
             </a:extLst>
           </p:cNvPr>
@@ -2381,7 +2381,7 @@
           <p:cNvPr id="3" name="Espace réservé de la date 2">
             <a:extLst>
               <a:ext uri="{FF2B5EF4-FFF2-40B4-BE49-F238E27FC236}">
-                <a16:creationId xmlns="" xmlns:a16="http://schemas.microsoft.com/office/drawing/2014/main" id="{6F8F42AE-B75B-41D6-B9F4-00D5155B9C81}"/>
+                <a16:creationId xmlns:a16="http://schemas.microsoft.com/office/drawing/2014/main" xmlns="" id="{6F8F42AE-B75B-41D6-B9F4-00D5155B9C81}"/>
               </a:ext>
             </a:extLst>
           </p:cNvPr>
@@ -2410,7 +2410,7 @@
           <p:cNvPr id="4" name="Espace réservé du pied de page 3">
             <a:extLst>
               <a:ext uri="{FF2B5EF4-FFF2-40B4-BE49-F238E27FC236}">
-                <a16:creationId xmlns="" xmlns:a16="http://schemas.microsoft.com/office/drawing/2014/main" id="{566D9B56-F0A0-4B92-8F69-8BC45ECF34A5}"/>
+                <a16:creationId xmlns:a16="http://schemas.microsoft.com/office/drawing/2014/main" xmlns="" id="{566D9B56-F0A0-4B92-8F69-8BC45ECF34A5}"/>
               </a:ext>
             </a:extLst>
           </p:cNvPr>
@@ -2435,7 +2435,7 @@
           <p:cNvPr id="5" name="Espace réservé du numéro de diapositive 4">
             <a:extLst>
               <a:ext uri="{FF2B5EF4-FFF2-40B4-BE49-F238E27FC236}">
-                <a16:creationId xmlns="" xmlns:a16="http://schemas.microsoft.com/office/drawing/2014/main" id="{13685604-A7FB-4B44-A5FB-7F29B50C1EB5}"/>
+                <a16:creationId xmlns:a16="http://schemas.microsoft.com/office/drawing/2014/main" xmlns="" id="{13685604-A7FB-4B44-A5FB-7F29B50C1EB5}"/>
               </a:ext>
             </a:extLst>
           </p:cNvPr>
@@ -2494,7 +2494,7 @@
           <p:cNvPr id="2" name="Espace réservé de la date 1">
             <a:extLst>
               <a:ext uri="{FF2B5EF4-FFF2-40B4-BE49-F238E27FC236}">
-                <a16:creationId xmlns="" xmlns:a16="http://schemas.microsoft.com/office/drawing/2014/main" id="{A676A319-CD26-41E5-84EF-F9AE4F87833A}"/>
+                <a16:creationId xmlns:a16="http://schemas.microsoft.com/office/drawing/2014/main" xmlns="" id="{A676A319-CD26-41E5-84EF-F9AE4F87833A}"/>
               </a:ext>
             </a:extLst>
           </p:cNvPr>
@@ -2523,7 +2523,7 @@
           <p:cNvPr id="3" name="Espace réservé du pied de page 2">
             <a:extLst>
               <a:ext uri="{FF2B5EF4-FFF2-40B4-BE49-F238E27FC236}">
-                <a16:creationId xmlns="" xmlns:a16="http://schemas.microsoft.com/office/drawing/2014/main" id="{A5202B48-8B01-4E53-A8A4-AD4D2A9B4370}"/>
+                <a16:creationId xmlns:a16="http://schemas.microsoft.com/office/drawing/2014/main" xmlns="" id="{A5202B48-8B01-4E53-A8A4-AD4D2A9B4370}"/>
               </a:ext>
             </a:extLst>
           </p:cNvPr>
@@ -2548,7 +2548,7 @@
           <p:cNvPr id="4" name="Espace réservé du numéro de diapositive 3">
             <a:extLst>
               <a:ext uri="{FF2B5EF4-FFF2-40B4-BE49-F238E27FC236}">
-                <a16:creationId xmlns="" xmlns:a16="http://schemas.microsoft.com/office/drawing/2014/main" id="{DE4C8D4A-9CC6-498E-93E2-03AA4A69B3DF}"/>
+                <a16:creationId xmlns:a16="http://schemas.microsoft.com/office/drawing/2014/main" xmlns="" id="{DE4C8D4A-9CC6-498E-93E2-03AA4A69B3DF}"/>
               </a:ext>
             </a:extLst>
           </p:cNvPr>
@@ -2607,7 +2607,7 @@
           <p:cNvPr id="2" name="Titre 1">
             <a:extLst>
               <a:ext uri="{FF2B5EF4-FFF2-40B4-BE49-F238E27FC236}">
-                <a16:creationId xmlns="" xmlns:a16="http://schemas.microsoft.com/office/drawing/2014/main" id="{8474FF50-5803-420A-8FC3-F5C557DE7040}"/>
+                <a16:creationId xmlns:a16="http://schemas.microsoft.com/office/drawing/2014/main" xmlns="" id="{8474FF50-5803-420A-8FC3-F5C557DE7040}"/>
               </a:ext>
             </a:extLst>
           </p:cNvPr>
@@ -2644,7 +2644,7 @@
           <p:cNvPr id="3" name="Espace réservé du contenu 2">
             <a:extLst>
               <a:ext uri="{FF2B5EF4-FFF2-40B4-BE49-F238E27FC236}">
-                <a16:creationId xmlns="" xmlns:a16="http://schemas.microsoft.com/office/drawing/2014/main" id="{5E0FBD1B-483C-46F8-8CE8-960EA33F35C7}"/>
+                <a16:creationId xmlns:a16="http://schemas.microsoft.com/office/drawing/2014/main" xmlns="" id="{5E0FBD1B-483C-46F8-8CE8-960EA33F35C7}"/>
               </a:ext>
             </a:extLst>
           </p:cNvPr>
@@ -2734,7 +2734,7 @@
           <p:cNvPr id="4" name="Espace réservé du texte 3">
             <a:extLst>
               <a:ext uri="{FF2B5EF4-FFF2-40B4-BE49-F238E27FC236}">
-                <a16:creationId xmlns="" xmlns:a16="http://schemas.microsoft.com/office/drawing/2014/main" id="{C37B126A-9C99-46FB-AA78-9AE1F7851918}"/>
+                <a16:creationId xmlns:a16="http://schemas.microsoft.com/office/drawing/2014/main" xmlns="" id="{C37B126A-9C99-46FB-AA78-9AE1F7851918}"/>
               </a:ext>
             </a:extLst>
           </p:cNvPr>
@@ -2805,7 +2805,7 @@
           <p:cNvPr id="5" name="Espace réservé de la date 4">
             <a:extLst>
               <a:ext uri="{FF2B5EF4-FFF2-40B4-BE49-F238E27FC236}">
-                <a16:creationId xmlns="" xmlns:a16="http://schemas.microsoft.com/office/drawing/2014/main" id="{4B28F21C-2AF4-458E-A0D5-7BECA27D3047}"/>
+                <a16:creationId xmlns:a16="http://schemas.microsoft.com/office/drawing/2014/main" xmlns="" id="{4B28F21C-2AF4-458E-A0D5-7BECA27D3047}"/>
               </a:ext>
             </a:extLst>
           </p:cNvPr>
@@ -2834,7 +2834,7 @@
           <p:cNvPr id="6" name="Espace réservé du pied de page 5">
             <a:extLst>
               <a:ext uri="{FF2B5EF4-FFF2-40B4-BE49-F238E27FC236}">
-                <a16:creationId xmlns="" xmlns:a16="http://schemas.microsoft.com/office/drawing/2014/main" id="{5FE6EAAD-28E3-4F16-BB16-95B554E87962}"/>
+                <a16:creationId xmlns:a16="http://schemas.microsoft.com/office/drawing/2014/main" xmlns="" id="{5FE6EAAD-28E3-4F16-BB16-95B554E87962}"/>
               </a:ext>
             </a:extLst>
           </p:cNvPr>
@@ -2859,7 +2859,7 @@
           <p:cNvPr id="7" name="Espace réservé du numéro de diapositive 6">
             <a:extLst>
               <a:ext uri="{FF2B5EF4-FFF2-40B4-BE49-F238E27FC236}">
-                <a16:creationId xmlns="" xmlns:a16="http://schemas.microsoft.com/office/drawing/2014/main" id="{332F5F01-AD73-4A0A-8415-56E0BAEC1D3C}"/>
+                <a16:creationId xmlns:a16="http://schemas.microsoft.com/office/drawing/2014/main" xmlns="" id="{332F5F01-AD73-4A0A-8415-56E0BAEC1D3C}"/>
               </a:ext>
             </a:extLst>
           </p:cNvPr>
@@ -2918,7 +2918,7 @@
           <p:cNvPr id="2" name="Titre 1">
             <a:extLst>
               <a:ext uri="{FF2B5EF4-FFF2-40B4-BE49-F238E27FC236}">
-                <a16:creationId xmlns="" xmlns:a16="http://schemas.microsoft.com/office/drawing/2014/main" id="{29F8C56B-AD97-4875-95CA-B7318A3EC1CD}"/>
+                <a16:creationId xmlns:a16="http://schemas.microsoft.com/office/drawing/2014/main" xmlns="" id="{29F8C56B-AD97-4875-95CA-B7318A3EC1CD}"/>
               </a:ext>
             </a:extLst>
           </p:cNvPr>
@@ -2955,7 +2955,7 @@
           <p:cNvPr id="3" name="Espace réservé pour une image  2">
             <a:extLst>
               <a:ext uri="{FF2B5EF4-FFF2-40B4-BE49-F238E27FC236}">
-                <a16:creationId xmlns="" xmlns:a16="http://schemas.microsoft.com/office/drawing/2014/main" id="{06BBB428-5A2B-4200-A1E8-9C8B980D1218}"/>
+                <a16:creationId xmlns:a16="http://schemas.microsoft.com/office/drawing/2014/main" xmlns="" id="{06BBB428-5A2B-4200-A1E8-9C8B980D1218}"/>
               </a:ext>
             </a:extLst>
           </p:cNvPr>
@@ -3022,7 +3022,7 @@
           <p:cNvPr id="4" name="Espace réservé du texte 3">
             <a:extLst>
               <a:ext uri="{FF2B5EF4-FFF2-40B4-BE49-F238E27FC236}">
-                <a16:creationId xmlns="" xmlns:a16="http://schemas.microsoft.com/office/drawing/2014/main" id="{D54230A2-1A59-4F07-8747-0A4AF01CC8A4}"/>
+                <a16:creationId xmlns:a16="http://schemas.microsoft.com/office/drawing/2014/main" xmlns="" id="{D54230A2-1A59-4F07-8747-0A4AF01CC8A4}"/>
               </a:ext>
             </a:extLst>
           </p:cNvPr>
@@ -3093,7 +3093,7 @@
           <p:cNvPr id="5" name="Espace réservé de la date 4">
             <a:extLst>
               <a:ext uri="{FF2B5EF4-FFF2-40B4-BE49-F238E27FC236}">
-                <a16:creationId xmlns="" xmlns:a16="http://schemas.microsoft.com/office/drawing/2014/main" id="{8AA96926-7A0B-4F16-A38B-57FBCB5BFE1B}"/>
+                <a16:creationId xmlns:a16="http://schemas.microsoft.com/office/drawing/2014/main" xmlns="" id="{8AA96926-7A0B-4F16-A38B-57FBCB5BFE1B}"/>
               </a:ext>
             </a:extLst>
           </p:cNvPr>
@@ -3122,7 +3122,7 @@
           <p:cNvPr id="6" name="Espace réservé du pied de page 5">
             <a:extLst>
               <a:ext uri="{FF2B5EF4-FFF2-40B4-BE49-F238E27FC236}">
-                <a16:creationId xmlns="" xmlns:a16="http://schemas.microsoft.com/office/drawing/2014/main" id="{53DEF704-0BFC-4374-BC41-B1F913B35650}"/>
+                <a16:creationId xmlns:a16="http://schemas.microsoft.com/office/drawing/2014/main" xmlns="" id="{53DEF704-0BFC-4374-BC41-B1F913B35650}"/>
               </a:ext>
             </a:extLst>
           </p:cNvPr>
@@ -3147,7 +3147,7 @@
           <p:cNvPr id="7" name="Espace réservé du numéro de diapositive 6">
             <a:extLst>
               <a:ext uri="{FF2B5EF4-FFF2-40B4-BE49-F238E27FC236}">
-                <a16:creationId xmlns="" xmlns:a16="http://schemas.microsoft.com/office/drawing/2014/main" id="{BE85A88E-DB7D-408A-98C9-D46AEB356CDF}"/>
+                <a16:creationId xmlns:a16="http://schemas.microsoft.com/office/drawing/2014/main" xmlns="" id="{BE85A88E-DB7D-408A-98C9-D46AEB356CDF}"/>
               </a:ext>
             </a:extLst>
           </p:cNvPr>
@@ -3211,7 +3211,7 @@
           <p:cNvPr id="2" name="Espace réservé du titre 1">
             <a:extLst>
               <a:ext uri="{FF2B5EF4-FFF2-40B4-BE49-F238E27FC236}">
-                <a16:creationId xmlns="" xmlns:a16="http://schemas.microsoft.com/office/drawing/2014/main" id="{68FD16CE-4AF2-4183-A110-B92CDAA6CF82}"/>
+                <a16:creationId xmlns:a16="http://schemas.microsoft.com/office/drawing/2014/main" xmlns="" id="{68FD16CE-4AF2-4183-A110-B92CDAA6CF82}"/>
               </a:ext>
             </a:extLst>
           </p:cNvPr>
@@ -3249,7 +3249,7 @@
           <p:cNvPr id="3" name="Espace réservé du texte 2">
             <a:extLst>
               <a:ext uri="{FF2B5EF4-FFF2-40B4-BE49-F238E27FC236}">
-                <a16:creationId xmlns="" xmlns:a16="http://schemas.microsoft.com/office/drawing/2014/main" id="{3E823B4F-8EE9-4ECD-B0F6-C801496C3C0F}"/>
+                <a16:creationId xmlns:a16="http://schemas.microsoft.com/office/drawing/2014/main" xmlns="" id="{3E823B4F-8EE9-4ECD-B0F6-C801496C3C0F}"/>
               </a:ext>
             </a:extLst>
           </p:cNvPr>
@@ -3316,7 +3316,7 @@
           <p:cNvPr id="4" name="Espace réservé de la date 3">
             <a:extLst>
               <a:ext uri="{FF2B5EF4-FFF2-40B4-BE49-F238E27FC236}">
-                <a16:creationId xmlns="" xmlns:a16="http://schemas.microsoft.com/office/drawing/2014/main" id="{353CF5E9-A623-48FB-90A1-3579768B4712}"/>
+                <a16:creationId xmlns:a16="http://schemas.microsoft.com/office/drawing/2014/main" xmlns="" id="{353CF5E9-A623-48FB-90A1-3579768B4712}"/>
               </a:ext>
             </a:extLst>
           </p:cNvPr>
@@ -3363,7 +3363,7 @@
           <p:cNvPr id="5" name="Espace réservé du pied de page 4">
             <a:extLst>
               <a:ext uri="{FF2B5EF4-FFF2-40B4-BE49-F238E27FC236}">
-                <a16:creationId xmlns="" xmlns:a16="http://schemas.microsoft.com/office/drawing/2014/main" id="{79F8D5FC-C58E-478B-A36B-C8210516993C}"/>
+                <a16:creationId xmlns:a16="http://schemas.microsoft.com/office/drawing/2014/main" xmlns="" id="{79F8D5FC-C58E-478B-A36B-C8210516993C}"/>
               </a:ext>
             </a:extLst>
           </p:cNvPr>
@@ -3406,7 +3406,7 @@
           <p:cNvPr id="6" name="Espace réservé du numéro de diapositive 5">
             <a:extLst>
               <a:ext uri="{FF2B5EF4-FFF2-40B4-BE49-F238E27FC236}">
-                <a16:creationId xmlns="" xmlns:a16="http://schemas.microsoft.com/office/drawing/2014/main" id="{DE6C7AED-81F3-48BA-B0F3-52FE37CC7F9D}"/>
+                <a16:creationId xmlns:a16="http://schemas.microsoft.com/office/drawing/2014/main" xmlns="" id="{DE6C7AED-81F3-48BA-B0F3-52FE37CC7F9D}"/>
               </a:ext>
             </a:extLst>
           </p:cNvPr>
@@ -3782,7 +3782,7 @@
           <p:cNvPr id="2" name="Titre 1">
             <a:extLst>
               <a:ext uri="{FF2B5EF4-FFF2-40B4-BE49-F238E27FC236}">
-                <a16:creationId xmlns="" xmlns:a16="http://schemas.microsoft.com/office/drawing/2014/main" id="{AD4F0A27-99BB-49D0-9C93-2D3C5186E6B2}"/>
+                <a16:creationId xmlns:a16="http://schemas.microsoft.com/office/drawing/2014/main" xmlns="" id="{AD4F0A27-99BB-49D0-9C93-2D3C5186E6B2}"/>
               </a:ext>
             </a:extLst>
           </p:cNvPr>
@@ -3815,7 +3815,7 @@
           <p:cNvPr id="3" name="Sous-titre 2">
             <a:extLst>
               <a:ext uri="{FF2B5EF4-FFF2-40B4-BE49-F238E27FC236}">
-                <a16:creationId xmlns="" xmlns:a16="http://schemas.microsoft.com/office/drawing/2014/main" id="{B5895DDB-3400-4A36-A688-98CC33D75B68}"/>
+                <a16:creationId xmlns:a16="http://schemas.microsoft.com/office/drawing/2014/main" xmlns="" id="{B5895DDB-3400-4A36-A688-98CC33D75B68}"/>
               </a:ext>
             </a:extLst>
           </p:cNvPr>
@@ -3851,7 +3851,7 @@
           <p:cNvPr id="5" name="Image 4" descr="Une image contenant texte, clipart, lumière&#10;&#10;Description générée automatiquement">
             <a:extLst>
               <a:ext uri="{FF2B5EF4-FFF2-40B4-BE49-F238E27FC236}">
-                <a16:creationId xmlns="" xmlns:a16="http://schemas.microsoft.com/office/drawing/2014/main" id="{F92E366F-A75B-4FBE-95A4-7BE2692FD768}"/>
+                <a16:creationId xmlns:a16="http://schemas.microsoft.com/office/drawing/2014/main" xmlns="" id="{F92E366F-A75B-4FBE-95A4-7BE2692FD768}"/>
               </a:ext>
             </a:extLst>
           </p:cNvPr>
@@ -3925,7 +3925,7 @@
           <p:cNvPr id="2" name="Titre 1">
             <a:extLst>
               <a:ext uri="{FF2B5EF4-FFF2-40B4-BE49-F238E27FC236}">
-                <a16:creationId xmlns="" xmlns:a16="http://schemas.microsoft.com/office/drawing/2014/main" id="{AD4F0A27-99BB-49D0-9C93-2D3C5186E6B2}"/>
+                <a16:creationId xmlns:a16="http://schemas.microsoft.com/office/drawing/2014/main" xmlns="" id="{AD4F0A27-99BB-49D0-9C93-2D3C5186E6B2}"/>
               </a:ext>
             </a:extLst>
           </p:cNvPr>
@@ -3965,7 +3965,7 @@
           <p:cNvPr id="3" name="Sous-titre 2">
             <a:extLst>
               <a:ext uri="{FF2B5EF4-FFF2-40B4-BE49-F238E27FC236}">
-                <a16:creationId xmlns="" xmlns:a16="http://schemas.microsoft.com/office/drawing/2014/main" id="{B5895DDB-3400-4A36-A688-98CC33D75B68}"/>
+                <a16:creationId xmlns:a16="http://schemas.microsoft.com/office/drawing/2014/main" xmlns="" id="{B5895DDB-3400-4A36-A688-98CC33D75B68}"/>
               </a:ext>
             </a:extLst>
           </p:cNvPr>
@@ -4008,7 +4008,7 @@
           <p:cNvPr id="5" name="Image 4" descr="Une image contenant texte, clipart, lumière&#10;&#10;Description générée automatiquement">
             <a:extLst>
               <a:ext uri="{FF2B5EF4-FFF2-40B4-BE49-F238E27FC236}">
-                <a16:creationId xmlns="" xmlns:a16="http://schemas.microsoft.com/office/drawing/2014/main" id="{F92E366F-A75B-4FBE-95A4-7BE2692FD768}"/>
+                <a16:creationId xmlns:a16="http://schemas.microsoft.com/office/drawing/2014/main" xmlns="" id="{F92E366F-A75B-4FBE-95A4-7BE2692FD768}"/>
               </a:ext>
             </a:extLst>
           </p:cNvPr>
@@ -4044,7 +4044,7 @@
           <p:cNvPr id="6" name="Rectangle : coins arrondis 5">
             <a:extLst>
               <a:ext uri="{FF2B5EF4-FFF2-40B4-BE49-F238E27FC236}">
-                <a16:creationId xmlns="" xmlns:a16="http://schemas.microsoft.com/office/drawing/2014/main" id="{62D80FBE-86D3-4290-8607-F26C6EF24A6E}"/>
+                <a16:creationId xmlns:a16="http://schemas.microsoft.com/office/drawing/2014/main" xmlns="" id="{62D80FBE-86D3-4290-8607-F26C6EF24A6E}"/>
               </a:ext>
             </a:extLst>
           </p:cNvPr>
@@ -4091,7 +4091,7 @@
           <p:cNvPr id="7" name="Rectangle 6">
             <a:extLst>
               <a:ext uri="{FF2B5EF4-FFF2-40B4-BE49-F238E27FC236}">
-                <a16:creationId xmlns="" xmlns:a16="http://schemas.microsoft.com/office/drawing/2014/main" id="{1AEA259A-D842-4383-B035-4913BA214C2B}"/>
+                <a16:creationId xmlns:a16="http://schemas.microsoft.com/office/drawing/2014/main" xmlns="" id="{1AEA259A-D842-4383-B035-4913BA214C2B}"/>
               </a:ext>
             </a:extLst>
           </p:cNvPr>
@@ -4135,7 +4135,7 @@
           <p:cNvPr id="8" name="Rectangle 7">
             <a:extLst>
               <a:ext uri="{FF2B5EF4-FFF2-40B4-BE49-F238E27FC236}">
-                <a16:creationId xmlns="" xmlns:a16="http://schemas.microsoft.com/office/drawing/2014/main" id="{7A522CA0-8DEF-4B68-B66B-7C116F24ECA3}"/>
+                <a16:creationId xmlns:a16="http://schemas.microsoft.com/office/drawing/2014/main" xmlns="" id="{7A522CA0-8DEF-4B68-B66B-7C116F24ECA3}"/>
               </a:ext>
             </a:extLst>
           </p:cNvPr>
@@ -4181,7 +4181,7 @@
           <p:cNvPr id="9" name="Rectangle 8">
             <a:extLst>
               <a:ext uri="{FF2B5EF4-FFF2-40B4-BE49-F238E27FC236}">
-                <a16:creationId xmlns="" xmlns:a16="http://schemas.microsoft.com/office/drawing/2014/main" id="{58A07BC7-A43F-4544-9451-53320053C681}"/>
+                <a16:creationId xmlns:a16="http://schemas.microsoft.com/office/drawing/2014/main" xmlns="" id="{58A07BC7-A43F-4544-9451-53320053C681}"/>
               </a:ext>
             </a:extLst>
           </p:cNvPr>
@@ -4227,7 +4227,7 @@
           <p:cNvPr id="10" name="Rectangle 9">
             <a:extLst>
               <a:ext uri="{FF2B5EF4-FFF2-40B4-BE49-F238E27FC236}">
-                <a16:creationId xmlns="" xmlns:a16="http://schemas.microsoft.com/office/drawing/2014/main" id="{5B7F2178-0ABB-4EA9-A4FA-5B90147DAE56}"/>
+                <a16:creationId xmlns:a16="http://schemas.microsoft.com/office/drawing/2014/main" xmlns="" id="{5B7F2178-0ABB-4EA9-A4FA-5B90147DAE56}"/>
               </a:ext>
             </a:extLst>
           </p:cNvPr>
@@ -4273,7 +4273,7 @@
           <p:cNvPr id="11" name="Rectangle 10">
             <a:extLst>
               <a:ext uri="{FF2B5EF4-FFF2-40B4-BE49-F238E27FC236}">
-                <a16:creationId xmlns="" xmlns:a16="http://schemas.microsoft.com/office/drawing/2014/main" id="{2FC98143-B9E0-41F5-AA7D-B843146B35F7}"/>
+                <a16:creationId xmlns:a16="http://schemas.microsoft.com/office/drawing/2014/main" xmlns="" id="{2FC98143-B9E0-41F5-AA7D-B843146B35F7}"/>
               </a:ext>
             </a:extLst>
           </p:cNvPr>
@@ -4319,7 +4319,7 @@
           <p:cNvPr id="12" name="Rectangle 11">
             <a:extLst>
               <a:ext uri="{FF2B5EF4-FFF2-40B4-BE49-F238E27FC236}">
-                <a16:creationId xmlns="" xmlns:a16="http://schemas.microsoft.com/office/drawing/2014/main" id="{765981A7-5DFE-40FE-9531-B806A883B9DF}"/>
+                <a16:creationId xmlns:a16="http://schemas.microsoft.com/office/drawing/2014/main" xmlns="" id="{765981A7-5DFE-40FE-9531-B806A883B9DF}"/>
               </a:ext>
             </a:extLst>
           </p:cNvPr>
@@ -4365,7 +4365,7 @@
           <p:cNvPr id="13" name="Rectangle 12">
             <a:extLst>
               <a:ext uri="{FF2B5EF4-FFF2-40B4-BE49-F238E27FC236}">
-                <a16:creationId xmlns="" xmlns:a16="http://schemas.microsoft.com/office/drawing/2014/main" id="{FC53F0E6-8818-4C74-9167-51D66DC57518}"/>
+                <a16:creationId xmlns:a16="http://schemas.microsoft.com/office/drawing/2014/main" xmlns="" id="{FC53F0E6-8818-4C74-9167-51D66DC57518}"/>
               </a:ext>
             </a:extLst>
           </p:cNvPr>
@@ -4411,7 +4411,7 @@
           <p:cNvPr id="14" name="Rectangle 13">
             <a:extLst>
               <a:ext uri="{FF2B5EF4-FFF2-40B4-BE49-F238E27FC236}">
-                <a16:creationId xmlns="" xmlns:a16="http://schemas.microsoft.com/office/drawing/2014/main" id="{1A935824-24D6-4659-89B7-233569CC17C0}"/>
+                <a16:creationId xmlns:a16="http://schemas.microsoft.com/office/drawing/2014/main" xmlns="" id="{1A935824-24D6-4659-89B7-233569CC17C0}"/>
               </a:ext>
             </a:extLst>
           </p:cNvPr>
@@ -4457,7 +4457,7 @@
           <p:cNvPr id="15" name="Rectangle 14">
             <a:extLst>
               <a:ext uri="{FF2B5EF4-FFF2-40B4-BE49-F238E27FC236}">
-                <a16:creationId xmlns="" xmlns:a16="http://schemas.microsoft.com/office/drawing/2014/main" id="{3700194F-6089-4E01-8012-D6B0552C6B7D}"/>
+                <a16:creationId xmlns:a16="http://schemas.microsoft.com/office/drawing/2014/main" xmlns="" id="{3700194F-6089-4E01-8012-D6B0552C6B7D}"/>
               </a:ext>
             </a:extLst>
           </p:cNvPr>
@@ -4503,7 +4503,7 @@
           <p:cNvPr id="16" name="Rectangle 15">
             <a:extLst>
               <a:ext uri="{FF2B5EF4-FFF2-40B4-BE49-F238E27FC236}">
-                <a16:creationId xmlns="" xmlns:a16="http://schemas.microsoft.com/office/drawing/2014/main" id="{78B8B890-E1A7-46FF-AC8D-04A5ACF7D45A}"/>
+                <a16:creationId xmlns:a16="http://schemas.microsoft.com/office/drawing/2014/main" xmlns="" id="{78B8B890-E1A7-46FF-AC8D-04A5ACF7D45A}"/>
               </a:ext>
             </a:extLst>
           </p:cNvPr>
@@ -4549,7 +4549,7 @@
           <p:cNvPr id="17" name="Rectangle 16">
             <a:extLst>
               <a:ext uri="{FF2B5EF4-FFF2-40B4-BE49-F238E27FC236}">
-                <a16:creationId xmlns="" xmlns:a16="http://schemas.microsoft.com/office/drawing/2014/main" id="{2A18F913-9AD9-4B39-8F53-439F7337D805}"/>
+                <a16:creationId xmlns:a16="http://schemas.microsoft.com/office/drawing/2014/main" xmlns="" id="{2A18F913-9AD9-4B39-8F53-439F7337D805}"/>
               </a:ext>
             </a:extLst>
           </p:cNvPr>
@@ -4595,7 +4595,7 @@
           <p:cNvPr id="18" name="Rectangle 17">
             <a:extLst>
               <a:ext uri="{FF2B5EF4-FFF2-40B4-BE49-F238E27FC236}">
-                <a16:creationId xmlns="" xmlns:a16="http://schemas.microsoft.com/office/drawing/2014/main" id="{5BF3DDC0-D8EF-4AFA-8989-328114036B6B}"/>
+                <a16:creationId xmlns:a16="http://schemas.microsoft.com/office/drawing/2014/main" xmlns="" id="{5BF3DDC0-D8EF-4AFA-8989-328114036B6B}"/>
               </a:ext>
             </a:extLst>
           </p:cNvPr>
@@ -4641,7 +4641,7 @@
           <p:cNvPr id="19" name="Rectangle 18">
             <a:extLst>
               <a:ext uri="{FF2B5EF4-FFF2-40B4-BE49-F238E27FC236}">
-                <a16:creationId xmlns="" xmlns:a16="http://schemas.microsoft.com/office/drawing/2014/main" id="{6BED548F-460A-46AF-9073-1E7DC8FCF628}"/>
+                <a16:creationId xmlns:a16="http://schemas.microsoft.com/office/drawing/2014/main" xmlns="" id="{6BED548F-460A-46AF-9073-1E7DC8FCF628}"/>
               </a:ext>
             </a:extLst>
           </p:cNvPr>
@@ -4687,7 +4687,7 @@
           <p:cNvPr id="20" name="Rectangle 19">
             <a:extLst>
               <a:ext uri="{FF2B5EF4-FFF2-40B4-BE49-F238E27FC236}">
-                <a16:creationId xmlns="" xmlns:a16="http://schemas.microsoft.com/office/drawing/2014/main" id="{7D0B0C7B-5FE8-4CD0-94BF-7FD48C413B1B}"/>
+                <a16:creationId xmlns:a16="http://schemas.microsoft.com/office/drawing/2014/main" xmlns="" id="{7D0B0C7B-5FE8-4CD0-94BF-7FD48C413B1B}"/>
               </a:ext>
             </a:extLst>
           </p:cNvPr>
@@ -4733,7 +4733,7 @@
           <p:cNvPr id="21" name="Rectangle 20">
             <a:extLst>
               <a:ext uri="{FF2B5EF4-FFF2-40B4-BE49-F238E27FC236}">
-                <a16:creationId xmlns="" xmlns:a16="http://schemas.microsoft.com/office/drawing/2014/main" id="{7373ADFC-AA39-47FC-B9AC-676D5A75330B}"/>
+                <a16:creationId xmlns:a16="http://schemas.microsoft.com/office/drawing/2014/main" xmlns="" id="{7373ADFC-AA39-47FC-B9AC-676D5A75330B}"/>
               </a:ext>
             </a:extLst>
           </p:cNvPr>
@@ -4779,7 +4779,7 @@
           <p:cNvPr id="22" name="Rectangle 21">
             <a:extLst>
               <a:ext uri="{FF2B5EF4-FFF2-40B4-BE49-F238E27FC236}">
-                <a16:creationId xmlns="" xmlns:a16="http://schemas.microsoft.com/office/drawing/2014/main" id="{2434A610-0CE2-44BE-930A-EAB8E4EB32BA}"/>
+                <a16:creationId xmlns:a16="http://schemas.microsoft.com/office/drawing/2014/main" xmlns="" id="{2434A610-0CE2-44BE-930A-EAB8E4EB32BA}"/>
               </a:ext>
             </a:extLst>
           </p:cNvPr>
@@ -4825,7 +4825,7 @@
           <p:cNvPr id="23" name="Rectangle 22">
             <a:extLst>
               <a:ext uri="{FF2B5EF4-FFF2-40B4-BE49-F238E27FC236}">
-                <a16:creationId xmlns="" xmlns:a16="http://schemas.microsoft.com/office/drawing/2014/main" id="{62FD4CA9-6B0F-4ACE-9211-1D87051A0A91}"/>
+                <a16:creationId xmlns:a16="http://schemas.microsoft.com/office/drawing/2014/main" xmlns="" id="{62FD4CA9-6B0F-4ACE-9211-1D87051A0A91}"/>
               </a:ext>
             </a:extLst>
           </p:cNvPr>
@@ -4871,7 +4871,7 @@
           <p:cNvPr id="24" name="Ellipse 23">
             <a:extLst>
               <a:ext uri="{FF2B5EF4-FFF2-40B4-BE49-F238E27FC236}">
-                <a16:creationId xmlns="" xmlns:a16="http://schemas.microsoft.com/office/drawing/2014/main" id="{203E04A9-361F-4AA5-83A9-9124B15F7F6A}"/>
+                <a16:creationId xmlns:a16="http://schemas.microsoft.com/office/drawing/2014/main" xmlns="" id="{203E04A9-361F-4AA5-83A9-9124B15F7F6A}"/>
               </a:ext>
             </a:extLst>
           </p:cNvPr>
@@ -4917,7 +4917,7 @@
           <p:cNvPr id="25" name="Ellipse 24">
             <a:extLst>
               <a:ext uri="{FF2B5EF4-FFF2-40B4-BE49-F238E27FC236}">
-                <a16:creationId xmlns="" xmlns:a16="http://schemas.microsoft.com/office/drawing/2014/main" id="{3BE7A4D3-9C57-4753-9BCC-E38A906113C7}"/>
+                <a16:creationId xmlns:a16="http://schemas.microsoft.com/office/drawing/2014/main" xmlns="" id="{3BE7A4D3-9C57-4753-9BCC-E38A906113C7}"/>
               </a:ext>
             </a:extLst>
           </p:cNvPr>
@@ -4963,7 +4963,7 @@
           <p:cNvPr id="26" name="Ellipse 25">
             <a:extLst>
               <a:ext uri="{FF2B5EF4-FFF2-40B4-BE49-F238E27FC236}">
-                <a16:creationId xmlns="" xmlns:a16="http://schemas.microsoft.com/office/drawing/2014/main" id="{A9B02729-63AA-44CE-BFF6-FB403E3BC36E}"/>
+                <a16:creationId xmlns:a16="http://schemas.microsoft.com/office/drawing/2014/main" xmlns="" id="{A9B02729-63AA-44CE-BFF6-FB403E3BC36E}"/>
               </a:ext>
             </a:extLst>
           </p:cNvPr>
@@ -5009,7 +5009,7 @@
           <p:cNvPr id="27" name="Ellipse 26">
             <a:extLst>
               <a:ext uri="{FF2B5EF4-FFF2-40B4-BE49-F238E27FC236}">
-                <a16:creationId xmlns="" xmlns:a16="http://schemas.microsoft.com/office/drawing/2014/main" id="{9902C9BD-BEBA-418F-A650-45D6C8456155}"/>
+                <a16:creationId xmlns:a16="http://schemas.microsoft.com/office/drawing/2014/main" xmlns="" id="{9902C9BD-BEBA-418F-A650-45D6C8456155}"/>
               </a:ext>
             </a:extLst>
           </p:cNvPr>
@@ -5055,7 +5055,7 @@
           <p:cNvPr id="28" name="Connecteur droit 27">
             <a:extLst>
               <a:ext uri="{FF2B5EF4-FFF2-40B4-BE49-F238E27FC236}">
-                <a16:creationId xmlns="" xmlns:a16="http://schemas.microsoft.com/office/drawing/2014/main" id="{6E06584F-224F-44DF-9BE6-65D9223FCF7C}"/>
+                <a16:creationId xmlns:a16="http://schemas.microsoft.com/office/drawing/2014/main" xmlns="" id="{6E06584F-224F-44DF-9BE6-65D9223FCF7C}"/>
               </a:ext>
             </a:extLst>
           </p:cNvPr>
@@ -5098,7 +5098,7 @@
           <p:cNvPr id="29" name="Connecteur droit 28">
             <a:extLst>
               <a:ext uri="{FF2B5EF4-FFF2-40B4-BE49-F238E27FC236}">
-                <a16:creationId xmlns="" xmlns:a16="http://schemas.microsoft.com/office/drawing/2014/main" id="{5CF51BD7-A605-4C7C-9049-B91AA8921564}"/>
+                <a16:creationId xmlns:a16="http://schemas.microsoft.com/office/drawing/2014/main" xmlns="" id="{5CF51BD7-A605-4C7C-9049-B91AA8921564}"/>
               </a:ext>
             </a:extLst>
           </p:cNvPr>
@@ -5141,7 +5141,7 @@
           <p:cNvPr id="30" name="Connecteur droit 29">
             <a:extLst>
               <a:ext uri="{FF2B5EF4-FFF2-40B4-BE49-F238E27FC236}">
-                <a16:creationId xmlns="" xmlns:a16="http://schemas.microsoft.com/office/drawing/2014/main" id="{D0B6DDA3-AC7D-4946-AFD5-BD2940C03F6F}"/>
+                <a16:creationId xmlns:a16="http://schemas.microsoft.com/office/drawing/2014/main" xmlns="" id="{D0B6DDA3-AC7D-4946-AFD5-BD2940C03F6F}"/>
               </a:ext>
             </a:extLst>
           </p:cNvPr>
@@ -5184,7 +5184,7 @@
           <p:cNvPr id="31" name="Connecteur droit 30">
             <a:extLst>
               <a:ext uri="{FF2B5EF4-FFF2-40B4-BE49-F238E27FC236}">
-                <a16:creationId xmlns="" xmlns:a16="http://schemas.microsoft.com/office/drawing/2014/main" id="{7D519820-A36A-4167-BF4F-4FBF114B3CE4}"/>
+                <a16:creationId xmlns:a16="http://schemas.microsoft.com/office/drawing/2014/main" xmlns="" id="{7D519820-A36A-4167-BF4F-4FBF114B3CE4}"/>
               </a:ext>
             </a:extLst>
           </p:cNvPr>
@@ -5227,7 +5227,7 @@
           <p:cNvPr id="32" name="Rectangle : coins arrondis 31">
             <a:extLst>
               <a:ext uri="{FF2B5EF4-FFF2-40B4-BE49-F238E27FC236}">
-                <a16:creationId xmlns="" xmlns:a16="http://schemas.microsoft.com/office/drawing/2014/main" id="{E86E23B2-CDC9-443B-802C-1CBE3EE56E57}"/>
+                <a16:creationId xmlns:a16="http://schemas.microsoft.com/office/drawing/2014/main" xmlns="" id="{E86E23B2-CDC9-443B-802C-1CBE3EE56E57}"/>
               </a:ext>
             </a:extLst>
           </p:cNvPr>
@@ -5273,7 +5273,7 @@
           <p:cNvPr id="33" name="Rectangle : coins arrondis 32">
             <a:extLst>
               <a:ext uri="{FF2B5EF4-FFF2-40B4-BE49-F238E27FC236}">
-                <a16:creationId xmlns="" xmlns:a16="http://schemas.microsoft.com/office/drawing/2014/main" id="{0B6C4303-2CE4-48F7-89C2-5FEB1FFFC1DB}"/>
+                <a16:creationId xmlns:a16="http://schemas.microsoft.com/office/drawing/2014/main" xmlns="" id="{0B6C4303-2CE4-48F7-89C2-5FEB1FFFC1DB}"/>
               </a:ext>
             </a:extLst>
           </p:cNvPr>
@@ -5319,7 +5319,7 @@
           <p:cNvPr id="34" name="Rectangle : coins arrondis 33">
             <a:extLst>
               <a:ext uri="{FF2B5EF4-FFF2-40B4-BE49-F238E27FC236}">
-                <a16:creationId xmlns="" xmlns:a16="http://schemas.microsoft.com/office/drawing/2014/main" id="{D358938C-BEBE-427B-BB39-92A272AA7E42}"/>
+                <a16:creationId xmlns:a16="http://schemas.microsoft.com/office/drawing/2014/main" xmlns="" id="{D358938C-BEBE-427B-BB39-92A272AA7E42}"/>
               </a:ext>
             </a:extLst>
           </p:cNvPr>
@@ -5365,7 +5365,7 @@
           <p:cNvPr id="35" name="Rectangle : coins arrondis 34">
             <a:extLst>
               <a:ext uri="{FF2B5EF4-FFF2-40B4-BE49-F238E27FC236}">
-                <a16:creationId xmlns="" xmlns:a16="http://schemas.microsoft.com/office/drawing/2014/main" id="{F4E89124-9A56-4A80-BECB-4B988BF987B9}"/>
+                <a16:creationId xmlns:a16="http://schemas.microsoft.com/office/drawing/2014/main" xmlns="" id="{F4E89124-9A56-4A80-BECB-4B988BF987B9}"/>
               </a:ext>
             </a:extLst>
           </p:cNvPr>
@@ -5411,7 +5411,7 @@
           <p:cNvPr id="36" name="Connecteur droit 35">
             <a:extLst>
               <a:ext uri="{FF2B5EF4-FFF2-40B4-BE49-F238E27FC236}">
-                <a16:creationId xmlns="" xmlns:a16="http://schemas.microsoft.com/office/drawing/2014/main" id="{531DE050-C48B-4AC6-8A40-8D4058B61843}"/>
+                <a16:creationId xmlns:a16="http://schemas.microsoft.com/office/drawing/2014/main" xmlns="" id="{531DE050-C48B-4AC6-8A40-8D4058B61843}"/>
               </a:ext>
             </a:extLst>
           </p:cNvPr>
@@ -5456,7 +5456,7 @@
           <p:cNvPr id="37" name="Connecteur droit 36">
             <a:extLst>
               <a:ext uri="{FF2B5EF4-FFF2-40B4-BE49-F238E27FC236}">
-                <a16:creationId xmlns="" xmlns:a16="http://schemas.microsoft.com/office/drawing/2014/main" id="{2EDD5F25-9EDC-49B5-AA1D-8F363D6CC0A2}"/>
+                <a16:creationId xmlns:a16="http://schemas.microsoft.com/office/drawing/2014/main" xmlns="" id="{2EDD5F25-9EDC-49B5-AA1D-8F363D6CC0A2}"/>
               </a:ext>
             </a:extLst>
           </p:cNvPr>
@@ -5501,7 +5501,7 @@
           <p:cNvPr id="38" name="Connecteur droit 37">
             <a:extLst>
               <a:ext uri="{FF2B5EF4-FFF2-40B4-BE49-F238E27FC236}">
-                <a16:creationId xmlns="" xmlns:a16="http://schemas.microsoft.com/office/drawing/2014/main" id="{C8C35DD5-0A7E-47D9-8332-43D8A93EC4A7}"/>
+                <a16:creationId xmlns:a16="http://schemas.microsoft.com/office/drawing/2014/main" xmlns="" id="{C8C35DD5-0A7E-47D9-8332-43D8A93EC4A7}"/>
               </a:ext>
             </a:extLst>
           </p:cNvPr>
@@ -5546,7 +5546,7 @@
           <p:cNvPr id="39" name="Connecteur droit 38">
             <a:extLst>
               <a:ext uri="{FF2B5EF4-FFF2-40B4-BE49-F238E27FC236}">
-                <a16:creationId xmlns="" xmlns:a16="http://schemas.microsoft.com/office/drawing/2014/main" id="{423C862D-BDDC-4A78-AE6E-A880286EA085}"/>
+                <a16:creationId xmlns:a16="http://schemas.microsoft.com/office/drawing/2014/main" xmlns="" id="{423C862D-BDDC-4A78-AE6E-A880286EA085}"/>
               </a:ext>
             </a:extLst>
           </p:cNvPr>
@@ -5591,7 +5591,7 @@
           <p:cNvPr id="61" name="Ellipse 60">
             <a:extLst>
               <a:ext uri="{FF2B5EF4-FFF2-40B4-BE49-F238E27FC236}">
-                <a16:creationId xmlns="" xmlns:a16="http://schemas.microsoft.com/office/drawing/2014/main" id="{6B32E420-F3FF-435F-9ED2-E139D49BED66}"/>
+                <a16:creationId xmlns:a16="http://schemas.microsoft.com/office/drawing/2014/main" xmlns="" id="{6B32E420-F3FF-435F-9ED2-E139D49BED66}"/>
               </a:ext>
             </a:extLst>
           </p:cNvPr>
@@ -5640,7 +5640,7 @@
           <p:cNvPr id="62" name="Organigramme : Opération manuelle 61">
             <a:extLst>
               <a:ext uri="{FF2B5EF4-FFF2-40B4-BE49-F238E27FC236}">
-                <a16:creationId xmlns="" xmlns:a16="http://schemas.microsoft.com/office/drawing/2014/main" id="{37D282D6-F1C2-4DAD-BFCF-83BB5BEDA595}"/>
+                <a16:creationId xmlns:a16="http://schemas.microsoft.com/office/drawing/2014/main" xmlns="" id="{37D282D6-F1C2-4DAD-BFCF-83BB5BEDA595}"/>
               </a:ext>
             </a:extLst>
           </p:cNvPr>
@@ -5686,7 +5686,7 @@
           <p:cNvPr id="63" name="Organigramme : Opération manuelle 62">
             <a:extLst>
               <a:ext uri="{FF2B5EF4-FFF2-40B4-BE49-F238E27FC236}">
-                <a16:creationId xmlns="" xmlns:a16="http://schemas.microsoft.com/office/drawing/2014/main" id="{37B7A8C8-70B3-4ADD-ADEE-87206B8506E3}"/>
+                <a16:creationId xmlns:a16="http://schemas.microsoft.com/office/drawing/2014/main" xmlns="" id="{37B7A8C8-70B3-4ADD-ADEE-87206B8506E3}"/>
               </a:ext>
             </a:extLst>
           </p:cNvPr>
@@ -5732,7 +5732,7 @@
           <p:cNvPr id="64" name="Organigramme : Opération manuelle 63">
             <a:extLst>
               <a:ext uri="{FF2B5EF4-FFF2-40B4-BE49-F238E27FC236}">
-                <a16:creationId xmlns="" xmlns:a16="http://schemas.microsoft.com/office/drawing/2014/main" id="{5E5331FC-F4FD-4003-A00A-BF9F47B5A9A3}"/>
+                <a16:creationId xmlns:a16="http://schemas.microsoft.com/office/drawing/2014/main" xmlns="" id="{5E5331FC-F4FD-4003-A00A-BF9F47B5A9A3}"/>
               </a:ext>
             </a:extLst>
           </p:cNvPr>
@@ -5778,7 +5778,7 @@
           <p:cNvPr id="65" name="Organigramme : Opération manuelle 64">
             <a:extLst>
               <a:ext uri="{FF2B5EF4-FFF2-40B4-BE49-F238E27FC236}">
-                <a16:creationId xmlns="" xmlns:a16="http://schemas.microsoft.com/office/drawing/2014/main" id="{C11FFCC8-58B6-40BE-ABE1-43D529ECE41F}"/>
+                <a16:creationId xmlns:a16="http://schemas.microsoft.com/office/drawing/2014/main" xmlns="" id="{C11FFCC8-58B6-40BE-ABE1-43D529ECE41F}"/>
               </a:ext>
             </a:extLst>
           </p:cNvPr>
@@ -5824,7 +5824,7 @@
           <p:cNvPr id="66" name="Ellipse 65">
             <a:extLst>
               <a:ext uri="{FF2B5EF4-FFF2-40B4-BE49-F238E27FC236}">
-                <a16:creationId xmlns="" xmlns:a16="http://schemas.microsoft.com/office/drawing/2014/main" id="{BBC8F03B-B3B8-4644-9E21-F2B76976BAE2}"/>
+                <a16:creationId xmlns:a16="http://schemas.microsoft.com/office/drawing/2014/main" xmlns="" id="{BBC8F03B-B3B8-4644-9E21-F2B76976BAE2}"/>
               </a:ext>
             </a:extLst>
           </p:cNvPr>
@@ -5873,7 +5873,7 @@
           <p:cNvPr id="67" name="Organigramme : Opération manuelle 66">
             <a:extLst>
               <a:ext uri="{FF2B5EF4-FFF2-40B4-BE49-F238E27FC236}">
-                <a16:creationId xmlns="" xmlns:a16="http://schemas.microsoft.com/office/drawing/2014/main" id="{8F3A0C55-D750-4944-ACD4-15A0CA495669}"/>
+                <a16:creationId xmlns:a16="http://schemas.microsoft.com/office/drawing/2014/main" xmlns="" id="{8F3A0C55-D750-4944-ACD4-15A0CA495669}"/>
               </a:ext>
             </a:extLst>
           </p:cNvPr>
@@ -5919,7 +5919,7 @@
           <p:cNvPr id="68" name="Organigramme : Opération manuelle 67">
             <a:extLst>
               <a:ext uri="{FF2B5EF4-FFF2-40B4-BE49-F238E27FC236}">
-                <a16:creationId xmlns="" xmlns:a16="http://schemas.microsoft.com/office/drawing/2014/main" id="{7CC86C71-D270-466D-A536-416745BF0966}"/>
+                <a16:creationId xmlns:a16="http://schemas.microsoft.com/office/drawing/2014/main" xmlns="" id="{7CC86C71-D270-466D-A536-416745BF0966}"/>
               </a:ext>
             </a:extLst>
           </p:cNvPr>
@@ -5965,7 +5965,7 @@
           <p:cNvPr id="69" name="Organigramme : Opération manuelle 68">
             <a:extLst>
               <a:ext uri="{FF2B5EF4-FFF2-40B4-BE49-F238E27FC236}">
-                <a16:creationId xmlns="" xmlns:a16="http://schemas.microsoft.com/office/drawing/2014/main" id="{FA4B70C8-2929-43DD-9145-521EC4BF4768}"/>
+                <a16:creationId xmlns:a16="http://schemas.microsoft.com/office/drawing/2014/main" xmlns="" id="{FA4B70C8-2929-43DD-9145-521EC4BF4768}"/>
               </a:ext>
             </a:extLst>
           </p:cNvPr>
@@ -6011,7 +6011,7 @@
           <p:cNvPr id="70" name="Organigramme : Opération manuelle 69">
             <a:extLst>
               <a:ext uri="{FF2B5EF4-FFF2-40B4-BE49-F238E27FC236}">
-                <a16:creationId xmlns="" xmlns:a16="http://schemas.microsoft.com/office/drawing/2014/main" id="{B89DE4BE-AC97-4C40-883B-E5E1233535C8}"/>
+                <a16:creationId xmlns:a16="http://schemas.microsoft.com/office/drawing/2014/main" xmlns="" id="{B89DE4BE-AC97-4C40-883B-E5E1233535C8}"/>
               </a:ext>
             </a:extLst>
           </p:cNvPr>
@@ -6057,7 +6057,7 @@
           <p:cNvPr id="71" name="Ellipse 70">
             <a:extLst>
               <a:ext uri="{FF2B5EF4-FFF2-40B4-BE49-F238E27FC236}">
-                <a16:creationId xmlns="" xmlns:a16="http://schemas.microsoft.com/office/drawing/2014/main" id="{AB89EDC8-39F3-4FC7-A559-3337A56775FE}"/>
+                <a16:creationId xmlns:a16="http://schemas.microsoft.com/office/drawing/2014/main" xmlns="" id="{AB89EDC8-39F3-4FC7-A559-3337A56775FE}"/>
               </a:ext>
             </a:extLst>
           </p:cNvPr>
@@ -6106,7 +6106,7 @@
           <p:cNvPr id="72" name="Organigramme : Opération manuelle 71">
             <a:extLst>
               <a:ext uri="{FF2B5EF4-FFF2-40B4-BE49-F238E27FC236}">
-                <a16:creationId xmlns="" xmlns:a16="http://schemas.microsoft.com/office/drawing/2014/main" id="{2AE00D2D-B0C6-4261-BE32-50FACDCD96DF}"/>
+                <a16:creationId xmlns:a16="http://schemas.microsoft.com/office/drawing/2014/main" xmlns="" id="{2AE00D2D-B0C6-4261-BE32-50FACDCD96DF}"/>
               </a:ext>
             </a:extLst>
           </p:cNvPr>
@@ -6152,7 +6152,7 @@
           <p:cNvPr id="73" name="Organigramme : Opération manuelle 72">
             <a:extLst>
               <a:ext uri="{FF2B5EF4-FFF2-40B4-BE49-F238E27FC236}">
-                <a16:creationId xmlns="" xmlns:a16="http://schemas.microsoft.com/office/drawing/2014/main" id="{92859C6B-67B0-441B-9906-A690D8695545}"/>
+                <a16:creationId xmlns:a16="http://schemas.microsoft.com/office/drawing/2014/main" xmlns="" id="{92859C6B-67B0-441B-9906-A690D8695545}"/>
               </a:ext>
             </a:extLst>
           </p:cNvPr>
@@ -6198,7 +6198,7 @@
           <p:cNvPr id="74" name="Organigramme : Opération manuelle 73">
             <a:extLst>
               <a:ext uri="{FF2B5EF4-FFF2-40B4-BE49-F238E27FC236}">
-                <a16:creationId xmlns="" xmlns:a16="http://schemas.microsoft.com/office/drawing/2014/main" id="{840F19AA-FC3F-4C25-96B3-A8B1D16DB942}"/>
+                <a16:creationId xmlns:a16="http://schemas.microsoft.com/office/drawing/2014/main" xmlns="" id="{840F19AA-FC3F-4C25-96B3-A8B1D16DB942}"/>
               </a:ext>
             </a:extLst>
           </p:cNvPr>
@@ -6244,7 +6244,7 @@
           <p:cNvPr id="75" name="Organigramme : Opération manuelle 74">
             <a:extLst>
               <a:ext uri="{FF2B5EF4-FFF2-40B4-BE49-F238E27FC236}">
-                <a16:creationId xmlns="" xmlns:a16="http://schemas.microsoft.com/office/drawing/2014/main" id="{620C3965-C23E-4514-A463-1DF53060030C}"/>
+                <a16:creationId xmlns:a16="http://schemas.microsoft.com/office/drawing/2014/main" xmlns="" id="{620C3965-C23E-4514-A463-1DF53060030C}"/>
               </a:ext>
             </a:extLst>
           </p:cNvPr>
@@ -6290,7 +6290,7 @@
           <p:cNvPr id="76" name="Ellipse 75">
             <a:extLst>
               <a:ext uri="{FF2B5EF4-FFF2-40B4-BE49-F238E27FC236}">
-                <a16:creationId xmlns="" xmlns:a16="http://schemas.microsoft.com/office/drawing/2014/main" id="{33C99640-F6F3-489E-B49B-AEF617168B6A}"/>
+                <a16:creationId xmlns:a16="http://schemas.microsoft.com/office/drawing/2014/main" xmlns="" id="{33C99640-F6F3-489E-B49B-AEF617168B6A}"/>
               </a:ext>
             </a:extLst>
           </p:cNvPr>
@@ -6339,7 +6339,7 @@
           <p:cNvPr id="77" name="Organigramme : Opération manuelle 76">
             <a:extLst>
               <a:ext uri="{FF2B5EF4-FFF2-40B4-BE49-F238E27FC236}">
-                <a16:creationId xmlns="" xmlns:a16="http://schemas.microsoft.com/office/drawing/2014/main" id="{03CE85ED-3066-4068-BC1A-259D9A9D3DCC}"/>
+                <a16:creationId xmlns:a16="http://schemas.microsoft.com/office/drawing/2014/main" xmlns="" id="{03CE85ED-3066-4068-BC1A-259D9A9D3DCC}"/>
               </a:ext>
             </a:extLst>
           </p:cNvPr>
@@ -6385,7 +6385,7 @@
           <p:cNvPr id="78" name="Organigramme : Opération manuelle 77">
             <a:extLst>
               <a:ext uri="{FF2B5EF4-FFF2-40B4-BE49-F238E27FC236}">
-                <a16:creationId xmlns="" xmlns:a16="http://schemas.microsoft.com/office/drawing/2014/main" id="{79928D55-BBC5-424E-8695-3091E8C6657E}"/>
+                <a16:creationId xmlns:a16="http://schemas.microsoft.com/office/drawing/2014/main" xmlns="" id="{79928D55-BBC5-424E-8695-3091E8C6657E}"/>
               </a:ext>
             </a:extLst>
           </p:cNvPr>
@@ -6431,7 +6431,7 @@
           <p:cNvPr id="79" name="Organigramme : Opération manuelle 78">
             <a:extLst>
               <a:ext uri="{FF2B5EF4-FFF2-40B4-BE49-F238E27FC236}">
-                <a16:creationId xmlns="" xmlns:a16="http://schemas.microsoft.com/office/drawing/2014/main" id="{82EF2A1B-5C77-4B0B-BE5B-B84F18EC22CA}"/>
+                <a16:creationId xmlns:a16="http://schemas.microsoft.com/office/drawing/2014/main" xmlns="" id="{82EF2A1B-5C77-4B0B-BE5B-B84F18EC22CA}"/>
               </a:ext>
             </a:extLst>
           </p:cNvPr>
@@ -6477,7 +6477,7 @@
           <p:cNvPr id="80" name="Organigramme : Opération manuelle 79">
             <a:extLst>
               <a:ext uri="{FF2B5EF4-FFF2-40B4-BE49-F238E27FC236}">
-                <a16:creationId xmlns="" xmlns:a16="http://schemas.microsoft.com/office/drawing/2014/main" id="{441CEF3D-96AC-4BCC-9786-F7EAB682DE92}"/>
+                <a16:creationId xmlns:a16="http://schemas.microsoft.com/office/drawing/2014/main" xmlns="" id="{441CEF3D-96AC-4BCC-9786-F7EAB682DE92}"/>
               </a:ext>
             </a:extLst>
           </p:cNvPr>
@@ -6523,7 +6523,7 @@
           <p:cNvPr id="81" name="Ellipse 80">
             <a:extLst>
               <a:ext uri="{FF2B5EF4-FFF2-40B4-BE49-F238E27FC236}">
-                <a16:creationId xmlns="" xmlns:a16="http://schemas.microsoft.com/office/drawing/2014/main" id="{597F2BE5-34C7-4F18-9C8E-CF88FF4C1DFE}"/>
+                <a16:creationId xmlns:a16="http://schemas.microsoft.com/office/drawing/2014/main" xmlns="" id="{597F2BE5-34C7-4F18-9C8E-CF88FF4C1DFE}"/>
               </a:ext>
             </a:extLst>
           </p:cNvPr>
@@ -6574,7 +6574,7 @@
           <p:cNvPr id="82" name="Organigramme : Opération manuelle 81">
             <a:extLst>
               <a:ext uri="{FF2B5EF4-FFF2-40B4-BE49-F238E27FC236}">
-                <a16:creationId xmlns="" xmlns:a16="http://schemas.microsoft.com/office/drawing/2014/main" id="{D5774860-83B8-4C85-88AF-2440281A45F1}"/>
+                <a16:creationId xmlns:a16="http://schemas.microsoft.com/office/drawing/2014/main" xmlns="" id="{D5774860-83B8-4C85-88AF-2440281A45F1}"/>
               </a:ext>
             </a:extLst>
           </p:cNvPr>
@@ -6620,7 +6620,7 @@
           <p:cNvPr id="83" name="Organigramme : Opération manuelle 82">
             <a:extLst>
               <a:ext uri="{FF2B5EF4-FFF2-40B4-BE49-F238E27FC236}">
-                <a16:creationId xmlns="" xmlns:a16="http://schemas.microsoft.com/office/drawing/2014/main" id="{EA347ED1-5173-4338-9BE9-75FF3332F8FE}"/>
+                <a16:creationId xmlns:a16="http://schemas.microsoft.com/office/drawing/2014/main" xmlns="" id="{EA347ED1-5173-4338-9BE9-75FF3332F8FE}"/>
               </a:ext>
             </a:extLst>
           </p:cNvPr>
@@ -6666,7 +6666,7 @@
           <p:cNvPr id="84" name="Organigramme : Opération manuelle 83">
             <a:extLst>
               <a:ext uri="{FF2B5EF4-FFF2-40B4-BE49-F238E27FC236}">
-                <a16:creationId xmlns="" xmlns:a16="http://schemas.microsoft.com/office/drawing/2014/main" id="{03116B97-AF2D-4D98-A291-B386E74E4FB5}"/>
+                <a16:creationId xmlns:a16="http://schemas.microsoft.com/office/drawing/2014/main" xmlns="" id="{03116B97-AF2D-4D98-A291-B386E74E4FB5}"/>
               </a:ext>
             </a:extLst>
           </p:cNvPr>
@@ -6712,7 +6712,7 @@
           <p:cNvPr id="85" name="Organigramme : Opération manuelle 84">
             <a:extLst>
               <a:ext uri="{FF2B5EF4-FFF2-40B4-BE49-F238E27FC236}">
-                <a16:creationId xmlns="" xmlns:a16="http://schemas.microsoft.com/office/drawing/2014/main" id="{0A5C7B69-FC08-4642-AD5E-EE3394D0F584}"/>
+                <a16:creationId xmlns:a16="http://schemas.microsoft.com/office/drawing/2014/main" xmlns="" id="{0A5C7B69-FC08-4642-AD5E-EE3394D0F584}"/>
               </a:ext>
             </a:extLst>
           </p:cNvPr>
@@ -6758,7 +6758,7 @@
           <p:cNvPr id="86" name="Ellipse 85">
             <a:extLst>
               <a:ext uri="{FF2B5EF4-FFF2-40B4-BE49-F238E27FC236}">
-                <a16:creationId xmlns="" xmlns:a16="http://schemas.microsoft.com/office/drawing/2014/main" id="{DDA4AA9D-B29C-47E6-A317-873E22EAE6E2}"/>
+                <a16:creationId xmlns:a16="http://schemas.microsoft.com/office/drawing/2014/main" xmlns="" id="{DDA4AA9D-B29C-47E6-A317-873E22EAE6E2}"/>
               </a:ext>
             </a:extLst>
           </p:cNvPr>
@@ -6804,7 +6804,7 @@
           <p:cNvPr id="87" name="Organigramme : Opération manuelle 86">
             <a:extLst>
               <a:ext uri="{FF2B5EF4-FFF2-40B4-BE49-F238E27FC236}">
-                <a16:creationId xmlns="" xmlns:a16="http://schemas.microsoft.com/office/drawing/2014/main" id="{AD51E247-C239-455C-836A-B1834FEB88CE}"/>
+                <a16:creationId xmlns:a16="http://schemas.microsoft.com/office/drawing/2014/main" xmlns="" id="{AD51E247-C239-455C-836A-B1834FEB88CE}"/>
               </a:ext>
             </a:extLst>
           </p:cNvPr>
@@ -6850,7 +6850,7 @@
           <p:cNvPr id="88" name="Organigramme : Opération manuelle 87">
             <a:extLst>
               <a:ext uri="{FF2B5EF4-FFF2-40B4-BE49-F238E27FC236}">
-                <a16:creationId xmlns="" xmlns:a16="http://schemas.microsoft.com/office/drawing/2014/main" id="{7855F702-B32D-434E-AD05-E1A50B85C20D}"/>
+                <a16:creationId xmlns:a16="http://schemas.microsoft.com/office/drawing/2014/main" xmlns="" id="{7855F702-B32D-434E-AD05-E1A50B85C20D}"/>
               </a:ext>
             </a:extLst>
           </p:cNvPr>
@@ -6896,7 +6896,7 @@
           <p:cNvPr id="89" name="Organigramme : Opération manuelle 88">
             <a:extLst>
               <a:ext uri="{FF2B5EF4-FFF2-40B4-BE49-F238E27FC236}">
-                <a16:creationId xmlns="" xmlns:a16="http://schemas.microsoft.com/office/drawing/2014/main" id="{18D84222-EFA1-4258-B31D-7D855D460937}"/>
+                <a16:creationId xmlns:a16="http://schemas.microsoft.com/office/drawing/2014/main" xmlns="" id="{18D84222-EFA1-4258-B31D-7D855D460937}"/>
               </a:ext>
             </a:extLst>
           </p:cNvPr>
@@ -6942,7 +6942,7 @@
           <p:cNvPr id="90" name="Organigramme : Opération manuelle 89">
             <a:extLst>
               <a:ext uri="{FF2B5EF4-FFF2-40B4-BE49-F238E27FC236}">
-                <a16:creationId xmlns="" xmlns:a16="http://schemas.microsoft.com/office/drawing/2014/main" id="{1F8EDD20-9CF0-41CE-9931-177DC0B7D5DE}"/>
+                <a16:creationId xmlns:a16="http://schemas.microsoft.com/office/drawing/2014/main" xmlns="" id="{1F8EDD20-9CF0-41CE-9931-177DC0B7D5DE}"/>
               </a:ext>
             </a:extLst>
           </p:cNvPr>
@@ -6988,7 +6988,7 @@
           <p:cNvPr id="91" name="Ellipse 90">
             <a:extLst>
               <a:ext uri="{FF2B5EF4-FFF2-40B4-BE49-F238E27FC236}">
-                <a16:creationId xmlns="" xmlns:a16="http://schemas.microsoft.com/office/drawing/2014/main" id="{B149C558-B168-4CDA-B447-9E3482E919D8}"/>
+                <a16:creationId xmlns:a16="http://schemas.microsoft.com/office/drawing/2014/main" xmlns="" id="{B149C558-B168-4CDA-B447-9E3482E919D8}"/>
               </a:ext>
             </a:extLst>
           </p:cNvPr>
@@ -7034,7 +7034,7 @@
           <p:cNvPr id="92" name="Organigramme : Opération manuelle 91">
             <a:extLst>
               <a:ext uri="{FF2B5EF4-FFF2-40B4-BE49-F238E27FC236}">
-                <a16:creationId xmlns="" xmlns:a16="http://schemas.microsoft.com/office/drawing/2014/main" id="{DC4A2F37-6A67-4DC4-BB28-2877AB22D30D}"/>
+                <a16:creationId xmlns:a16="http://schemas.microsoft.com/office/drawing/2014/main" xmlns="" id="{DC4A2F37-6A67-4DC4-BB28-2877AB22D30D}"/>
               </a:ext>
             </a:extLst>
           </p:cNvPr>
@@ -7080,7 +7080,7 @@
           <p:cNvPr id="93" name="Organigramme : Opération manuelle 92">
             <a:extLst>
               <a:ext uri="{FF2B5EF4-FFF2-40B4-BE49-F238E27FC236}">
-                <a16:creationId xmlns="" xmlns:a16="http://schemas.microsoft.com/office/drawing/2014/main" id="{179D0460-E87D-47E7-AF8A-CA7099284A25}"/>
+                <a16:creationId xmlns:a16="http://schemas.microsoft.com/office/drawing/2014/main" xmlns="" id="{179D0460-E87D-47E7-AF8A-CA7099284A25}"/>
               </a:ext>
             </a:extLst>
           </p:cNvPr>
@@ -7126,7 +7126,7 @@
           <p:cNvPr id="94" name="Organigramme : Opération manuelle 93">
             <a:extLst>
               <a:ext uri="{FF2B5EF4-FFF2-40B4-BE49-F238E27FC236}">
-                <a16:creationId xmlns="" xmlns:a16="http://schemas.microsoft.com/office/drawing/2014/main" id="{DEF731AD-13EB-47A9-9CB8-096FCAD5C985}"/>
+                <a16:creationId xmlns:a16="http://schemas.microsoft.com/office/drawing/2014/main" xmlns="" id="{DEF731AD-13EB-47A9-9CB8-096FCAD5C985}"/>
               </a:ext>
             </a:extLst>
           </p:cNvPr>
@@ -7172,7 +7172,7 @@
           <p:cNvPr id="95" name="Organigramme : Opération manuelle 94">
             <a:extLst>
               <a:ext uri="{FF2B5EF4-FFF2-40B4-BE49-F238E27FC236}">
-                <a16:creationId xmlns="" xmlns:a16="http://schemas.microsoft.com/office/drawing/2014/main" id="{AC70A1E7-9F77-46D8-B862-2DDCFC168710}"/>
+                <a16:creationId xmlns:a16="http://schemas.microsoft.com/office/drawing/2014/main" xmlns="" id="{AC70A1E7-9F77-46D8-B862-2DDCFC168710}"/>
               </a:ext>
             </a:extLst>
           </p:cNvPr>
@@ -7218,7 +7218,7 @@
           <p:cNvPr id="96" name="Ellipse 95">
             <a:extLst>
               <a:ext uri="{FF2B5EF4-FFF2-40B4-BE49-F238E27FC236}">
-                <a16:creationId xmlns="" xmlns:a16="http://schemas.microsoft.com/office/drawing/2014/main" id="{8E1B767E-F370-4BB7-82DA-3086E054DA64}"/>
+                <a16:creationId xmlns:a16="http://schemas.microsoft.com/office/drawing/2014/main" xmlns="" id="{8E1B767E-F370-4BB7-82DA-3086E054DA64}"/>
               </a:ext>
             </a:extLst>
           </p:cNvPr>
@@ -7269,7 +7269,7 @@
           <p:cNvPr id="97" name="Organigramme : Opération manuelle 96">
             <a:extLst>
               <a:ext uri="{FF2B5EF4-FFF2-40B4-BE49-F238E27FC236}">
-                <a16:creationId xmlns="" xmlns:a16="http://schemas.microsoft.com/office/drawing/2014/main" id="{ECE5A3E8-FCA2-4120-B225-3222DFE73988}"/>
+                <a16:creationId xmlns:a16="http://schemas.microsoft.com/office/drawing/2014/main" xmlns="" id="{ECE5A3E8-FCA2-4120-B225-3222DFE73988}"/>
               </a:ext>
             </a:extLst>
           </p:cNvPr>
@@ -7315,7 +7315,7 @@
           <p:cNvPr id="98" name="Organigramme : Opération manuelle 97">
             <a:extLst>
               <a:ext uri="{FF2B5EF4-FFF2-40B4-BE49-F238E27FC236}">
-                <a16:creationId xmlns="" xmlns:a16="http://schemas.microsoft.com/office/drawing/2014/main" id="{7AC76E92-47B3-4FB5-810B-D290FF3E0889}"/>
+                <a16:creationId xmlns:a16="http://schemas.microsoft.com/office/drawing/2014/main" xmlns="" id="{7AC76E92-47B3-4FB5-810B-D290FF3E0889}"/>
               </a:ext>
             </a:extLst>
           </p:cNvPr>
@@ -7361,7 +7361,7 @@
           <p:cNvPr id="99" name="Organigramme : Opération manuelle 98">
             <a:extLst>
               <a:ext uri="{FF2B5EF4-FFF2-40B4-BE49-F238E27FC236}">
-                <a16:creationId xmlns="" xmlns:a16="http://schemas.microsoft.com/office/drawing/2014/main" id="{53B390CA-8E2A-4CE8-A34E-BA415E44122F}"/>
+                <a16:creationId xmlns:a16="http://schemas.microsoft.com/office/drawing/2014/main" xmlns="" id="{53B390CA-8E2A-4CE8-A34E-BA415E44122F}"/>
               </a:ext>
             </a:extLst>
           </p:cNvPr>
@@ -7407,7 +7407,7 @@
           <p:cNvPr id="100" name="Organigramme : Opération manuelle 99">
             <a:extLst>
               <a:ext uri="{FF2B5EF4-FFF2-40B4-BE49-F238E27FC236}">
-                <a16:creationId xmlns="" xmlns:a16="http://schemas.microsoft.com/office/drawing/2014/main" id="{21C269A4-ACA7-4E11-97AB-B4E2724E10FB}"/>
+                <a16:creationId xmlns:a16="http://schemas.microsoft.com/office/drawing/2014/main" xmlns="" id="{21C269A4-ACA7-4E11-97AB-B4E2724E10FB}"/>
               </a:ext>
             </a:extLst>
           </p:cNvPr>
@@ -7453,7 +7453,7 @@
           <p:cNvPr id="102" name="Connecteur droit 101">
             <a:extLst>
               <a:ext uri="{FF2B5EF4-FFF2-40B4-BE49-F238E27FC236}">
-                <a16:creationId xmlns="" xmlns:a16="http://schemas.microsoft.com/office/drawing/2014/main" id="{4C489271-C52C-4BF3-B83D-48A639A3E0B9}"/>
+                <a16:creationId xmlns:a16="http://schemas.microsoft.com/office/drawing/2014/main" xmlns="" id="{4C489271-C52C-4BF3-B83D-48A639A3E0B9}"/>
               </a:ext>
             </a:extLst>
           </p:cNvPr>
@@ -7500,7 +7500,7 @@
           <p:cNvPr id="40" name="Ellipse 39">
             <a:extLst>
               <a:ext uri="{FF2B5EF4-FFF2-40B4-BE49-F238E27FC236}">
-                <a16:creationId xmlns="" xmlns:a16="http://schemas.microsoft.com/office/drawing/2014/main" id="{91880E58-6B22-4B4C-9D51-C2D9EA6DE3A2}"/>
+                <a16:creationId xmlns:a16="http://schemas.microsoft.com/office/drawing/2014/main" xmlns="" id="{91880E58-6B22-4B4C-9D51-C2D9EA6DE3A2}"/>
               </a:ext>
             </a:extLst>
           </p:cNvPr>
@@ -7551,7 +7551,7 @@
           <p:cNvPr id="41" name="Organigramme : Opération manuelle 40">
             <a:extLst>
               <a:ext uri="{FF2B5EF4-FFF2-40B4-BE49-F238E27FC236}">
-                <a16:creationId xmlns="" xmlns:a16="http://schemas.microsoft.com/office/drawing/2014/main" id="{DC3B55B1-E72E-42ED-8A2F-633C40377417}"/>
+                <a16:creationId xmlns:a16="http://schemas.microsoft.com/office/drawing/2014/main" xmlns="" id="{DC3B55B1-E72E-42ED-8A2F-633C40377417}"/>
               </a:ext>
             </a:extLst>
           </p:cNvPr>
@@ -7597,7 +7597,7 @@
           <p:cNvPr id="43" name="Organigramme : Opération manuelle 42">
             <a:extLst>
               <a:ext uri="{FF2B5EF4-FFF2-40B4-BE49-F238E27FC236}">
-                <a16:creationId xmlns="" xmlns:a16="http://schemas.microsoft.com/office/drawing/2014/main" id="{42CBBCDD-C623-4782-8062-5EF3E6F0ED96}"/>
+                <a16:creationId xmlns:a16="http://schemas.microsoft.com/office/drawing/2014/main" xmlns="" id="{42CBBCDD-C623-4782-8062-5EF3E6F0ED96}"/>
               </a:ext>
             </a:extLst>
           </p:cNvPr>
@@ -7643,7 +7643,7 @@
           <p:cNvPr id="44" name="Organigramme : Opération manuelle 43">
             <a:extLst>
               <a:ext uri="{FF2B5EF4-FFF2-40B4-BE49-F238E27FC236}">
-                <a16:creationId xmlns="" xmlns:a16="http://schemas.microsoft.com/office/drawing/2014/main" id="{6219C7B1-99FF-4877-B7B3-EE55C0C91FF6}"/>
+                <a16:creationId xmlns:a16="http://schemas.microsoft.com/office/drawing/2014/main" xmlns="" id="{6219C7B1-99FF-4877-B7B3-EE55C0C91FF6}"/>
               </a:ext>
             </a:extLst>
           </p:cNvPr>
@@ -7689,7 +7689,7 @@
           <p:cNvPr id="45" name="Organigramme : Opération manuelle 44">
             <a:extLst>
               <a:ext uri="{FF2B5EF4-FFF2-40B4-BE49-F238E27FC236}">
-                <a16:creationId xmlns="" xmlns:a16="http://schemas.microsoft.com/office/drawing/2014/main" id="{704F0B15-2CB2-4638-ABCE-117C7E7094B4}"/>
+                <a16:creationId xmlns:a16="http://schemas.microsoft.com/office/drawing/2014/main" xmlns="" id="{704F0B15-2CB2-4638-ABCE-117C7E7094B4}"/>
               </a:ext>
             </a:extLst>
           </p:cNvPr>
@@ -7735,7 +7735,7 @@
           <p:cNvPr id="46" name="Ellipse 45">
             <a:extLst>
               <a:ext uri="{FF2B5EF4-FFF2-40B4-BE49-F238E27FC236}">
-                <a16:creationId xmlns="" xmlns:a16="http://schemas.microsoft.com/office/drawing/2014/main" id="{BE8C4EC8-5639-44B8-8A54-18FD3BC6E5DA}"/>
+                <a16:creationId xmlns:a16="http://schemas.microsoft.com/office/drawing/2014/main" xmlns="" id="{BE8C4EC8-5639-44B8-8A54-18FD3BC6E5DA}"/>
               </a:ext>
             </a:extLst>
           </p:cNvPr>
@@ -7786,7 +7786,7 @@
           <p:cNvPr id="47" name="Organigramme : Opération manuelle 46">
             <a:extLst>
               <a:ext uri="{FF2B5EF4-FFF2-40B4-BE49-F238E27FC236}">
-                <a16:creationId xmlns="" xmlns:a16="http://schemas.microsoft.com/office/drawing/2014/main" id="{F9221C5D-13AA-4A55-AC8C-3CB3CFFAF1BC}"/>
+                <a16:creationId xmlns:a16="http://schemas.microsoft.com/office/drawing/2014/main" xmlns="" id="{F9221C5D-13AA-4A55-AC8C-3CB3CFFAF1BC}"/>
               </a:ext>
             </a:extLst>
           </p:cNvPr>
@@ -7832,7 +7832,7 @@
           <p:cNvPr id="48" name="Organigramme : Opération manuelle 47">
             <a:extLst>
               <a:ext uri="{FF2B5EF4-FFF2-40B4-BE49-F238E27FC236}">
-                <a16:creationId xmlns="" xmlns:a16="http://schemas.microsoft.com/office/drawing/2014/main" id="{7A19FF6A-F47B-4732-96D4-F64E67720B9A}"/>
+                <a16:creationId xmlns:a16="http://schemas.microsoft.com/office/drawing/2014/main" xmlns="" id="{7A19FF6A-F47B-4732-96D4-F64E67720B9A}"/>
               </a:ext>
             </a:extLst>
           </p:cNvPr>
@@ -7878,7 +7878,7 @@
           <p:cNvPr id="49" name="Organigramme : Opération manuelle 48">
             <a:extLst>
               <a:ext uri="{FF2B5EF4-FFF2-40B4-BE49-F238E27FC236}">
-                <a16:creationId xmlns="" xmlns:a16="http://schemas.microsoft.com/office/drawing/2014/main" id="{761544D1-0FC7-402F-9E9D-BC6EAB0E04E0}"/>
+                <a16:creationId xmlns:a16="http://schemas.microsoft.com/office/drawing/2014/main" xmlns="" id="{761544D1-0FC7-402F-9E9D-BC6EAB0E04E0}"/>
               </a:ext>
             </a:extLst>
           </p:cNvPr>
@@ -7924,7 +7924,7 @@
           <p:cNvPr id="50" name="Organigramme : Opération manuelle 49">
             <a:extLst>
               <a:ext uri="{FF2B5EF4-FFF2-40B4-BE49-F238E27FC236}">
-                <a16:creationId xmlns="" xmlns:a16="http://schemas.microsoft.com/office/drawing/2014/main" id="{FDAA0F40-D2CA-48BB-B3B9-D2F2A3208A02}"/>
+                <a16:creationId xmlns:a16="http://schemas.microsoft.com/office/drawing/2014/main" xmlns="" id="{FDAA0F40-D2CA-48BB-B3B9-D2F2A3208A02}"/>
               </a:ext>
             </a:extLst>
           </p:cNvPr>
@@ -7970,7 +7970,7 @@
           <p:cNvPr id="51" name="Ellipse 50">
             <a:extLst>
               <a:ext uri="{FF2B5EF4-FFF2-40B4-BE49-F238E27FC236}">
-                <a16:creationId xmlns="" xmlns:a16="http://schemas.microsoft.com/office/drawing/2014/main" id="{AAE08825-BCD9-47CA-8A3E-23088EDD187F}"/>
+                <a16:creationId xmlns:a16="http://schemas.microsoft.com/office/drawing/2014/main" xmlns="" id="{AAE08825-BCD9-47CA-8A3E-23088EDD187F}"/>
               </a:ext>
             </a:extLst>
           </p:cNvPr>
@@ -8021,7 +8021,7 @@
           <p:cNvPr id="52" name="Organigramme : Opération manuelle 51">
             <a:extLst>
               <a:ext uri="{FF2B5EF4-FFF2-40B4-BE49-F238E27FC236}">
-                <a16:creationId xmlns="" xmlns:a16="http://schemas.microsoft.com/office/drawing/2014/main" id="{9B3D5033-A414-42A2-828D-61F554B5F198}"/>
+                <a16:creationId xmlns:a16="http://schemas.microsoft.com/office/drawing/2014/main" xmlns="" id="{9B3D5033-A414-42A2-828D-61F554B5F198}"/>
               </a:ext>
             </a:extLst>
           </p:cNvPr>
@@ -8067,7 +8067,7 @@
           <p:cNvPr id="53" name="Organigramme : Opération manuelle 52">
             <a:extLst>
               <a:ext uri="{FF2B5EF4-FFF2-40B4-BE49-F238E27FC236}">
-                <a16:creationId xmlns="" xmlns:a16="http://schemas.microsoft.com/office/drawing/2014/main" id="{DBBAC968-B061-466E-9689-60CAB39249A7}"/>
+                <a16:creationId xmlns:a16="http://schemas.microsoft.com/office/drawing/2014/main" xmlns="" id="{DBBAC968-B061-466E-9689-60CAB39249A7}"/>
               </a:ext>
             </a:extLst>
           </p:cNvPr>
@@ -8113,7 +8113,7 @@
           <p:cNvPr id="54" name="Organigramme : Opération manuelle 53">
             <a:extLst>
               <a:ext uri="{FF2B5EF4-FFF2-40B4-BE49-F238E27FC236}">
-                <a16:creationId xmlns="" xmlns:a16="http://schemas.microsoft.com/office/drawing/2014/main" id="{29921343-D45D-4CB7-B013-A159A4BB1F27}"/>
+                <a16:creationId xmlns:a16="http://schemas.microsoft.com/office/drawing/2014/main" xmlns="" id="{29921343-D45D-4CB7-B013-A159A4BB1F27}"/>
               </a:ext>
             </a:extLst>
           </p:cNvPr>
@@ -8159,7 +8159,7 @@
           <p:cNvPr id="55" name="Organigramme : Opération manuelle 54">
             <a:extLst>
               <a:ext uri="{FF2B5EF4-FFF2-40B4-BE49-F238E27FC236}">
-                <a16:creationId xmlns="" xmlns:a16="http://schemas.microsoft.com/office/drawing/2014/main" id="{CFAD89A1-F135-4B8C-8675-DDAEFEB083C1}"/>
+                <a16:creationId xmlns:a16="http://schemas.microsoft.com/office/drawing/2014/main" xmlns="" id="{CFAD89A1-F135-4B8C-8675-DDAEFEB083C1}"/>
               </a:ext>
             </a:extLst>
           </p:cNvPr>
@@ -8205,7 +8205,7 @@
           <p:cNvPr id="56" name="Ellipse 55">
             <a:extLst>
               <a:ext uri="{FF2B5EF4-FFF2-40B4-BE49-F238E27FC236}">
-                <a16:creationId xmlns="" xmlns:a16="http://schemas.microsoft.com/office/drawing/2014/main" id="{A2B40826-0A97-44E1-854C-8D3E58F77946}"/>
+                <a16:creationId xmlns:a16="http://schemas.microsoft.com/office/drawing/2014/main" xmlns="" id="{A2B40826-0A97-44E1-854C-8D3E58F77946}"/>
               </a:ext>
             </a:extLst>
           </p:cNvPr>
@@ -8256,7 +8256,7 @@
           <p:cNvPr id="57" name="Organigramme : Opération manuelle 56">
             <a:extLst>
               <a:ext uri="{FF2B5EF4-FFF2-40B4-BE49-F238E27FC236}">
-                <a16:creationId xmlns="" xmlns:a16="http://schemas.microsoft.com/office/drawing/2014/main" id="{15137A17-D0C6-41DC-9C84-B3A932B67566}"/>
+                <a16:creationId xmlns:a16="http://schemas.microsoft.com/office/drawing/2014/main" xmlns="" id="{15137A17-D0C6-41DC-9C84-B3A932B67566}"/>
               </a:ext>
             </a:extLst>
           </p:cNvPr>
@@ -8302,7 +8302,7 @@
           <p:cNvPr id="58" name="Organigramme : Opération manuelle 57">
             <a:extLst>
               <a:ext uri="{FF2B5EF4-FFF2-40B4-BE49-F238E27FC236}">
-                <a16:creationId xmlns="" xmlns:a16="http://schemas.microsoft.com/office/drawing/2014/main" id="{23A00D56-8E55-4667-8F59-253B49D8ACFD}"/>
+                <a16:creationId xmlns:a16="http://schemas.microsoft.com/office/drawing/2014/main" xmlns="" id="{23A00D56-8E55-4667-8F59-253B49D8ACFD}"/>
               </a:ext>
             </a:extLst>
           </p:cNvPr>
@@ -8348,7 +8348,7 @@
           <p:cNvPr id="59" name="Organigramme : Opération manuelle 58">
             <a:extLst>
               <a:ext uri="{FF2B5EF4-FFF2-40B4-BE49-F238E27FC236}">
-                <a16:creationId xmlns="" xmlns:a16="http://schemas.microsoft.com/office/drawing/2014/main" id="{F0417FF3-291C-4559-A8E5-6E28EB3D817D}"/>
+                <a16:creationId xmlns:a16="http://schemas.microsoft.com/office/drawing/2014/main" xmlns="" id="{F0417FF3-291C-4559-A8E5-6E28EB3D817D}"/>
               </a:ext>
             </a:extLst>
           </p:cNvPr>
@@ -8394,7 +8394,7 @@
           <p:cNvPr id="60" name="Organigramme : Opération manuelle 59">
             <a:extLst>
               <a:ext uri="{FF2B5EF4-FFF2-40B4-BE49-F238E27FC236}">
-                <a16:creationId xmlns="" xmlns:a16="http://schemas.microsoft.com/office/drawing/2014/main" id="{70A2DCFB-EA76-475D-87FD-769618A5310B}"/>
+                <a16:creationId xmlns:a16="http://schemas.microsoft.com/office/drawing/2014/main" xmlns="" id="{70A2DCFB-EA76-475D-87FD-769618A5310B}"/>
               </a:ext>
             </a:extLst>
           </p:cNvPr>
@@ -8440,7 +8440,7 @@
           <p:cNvPr id="103" name="Connecteur droit 102">
             <a:extLst>
               <a:ext uri="{FF2B5EF4-FFF2-40B4-BE49-F238E27FC236}">
-                <a16:creationId xmlns="" xmlns:a16="http://schemas.microsoft.com/office/drawing/2014/main" id="{823D8448-CCE1-4C38-8E05-68C8590DBC0C}"/>
+                <a16:creationId xmlns:a16="http://schemas.microsoft.com/office/drawing/2014/main" xmlns="" id="{823D8448-CCE1-4C38-8E05-68C8590DBC0C}"/>
               </a:ext>
             </a:extLst>
           </p:cNvPr>
@@ -8487,7 +8487,7 @@
           <p:cNvPr id="104" name="Connecteur droit 103">
             <a:extLst>
               <a:ext uri="{FF2B5EF4-FFF2-40B4-BE49-F238E27FC236}">
-                <a16:creationId xmlns="" xmlns:a16="http://schemas.microsoft.com/office/drawing/2014/main" id="{0F8741F6-485E-4589-B941-8260B015DDED}"/>
+                <a16:creationId xmlns:a16="http://schemas.microsoft.com/office/drawing/2014/main" xmlns="" id="{0F8741F6-485E-4589-B941-8260B015DDED}"/>
               </a:ext>
             </a:extLst>
           </p:cNvPr>
@@ -8534,7 +8534,7 @@
           <p:cNvPr id="106" name="ZoneTexte 105">
             <a:extLst>
               <a:ext uri="{FF2B5EF4-FFF2-40B4-BE49-F238E27FC236}">
-                <a16:creationId xmlns="" xmlns:a16="http://schemas.microsoft.com/office/drawing/2014/main" id="{69FD88B1-A156-4664-8C14-04D58A84F5BC}"/>
+                <a16:creationId xmlns:a16="http://schemas.microsoft.com/office/drawing/2014/main" xmlns="" id="{69FD88B1-A156-4664-8C14-04D58A84F5BC}"/>
               </a:ext>
             </a:extLst>
           </p:cNvPr>
@@ -8579,7 +8579,7 @@
           <p:cNvPr id="107" name="ZoneTexte 106">
             <a:extLst>
               <a:ext uri="{FF2B5EF4-FFF2-40B4-BE49-F238E27FC236}">
-                <a16:creationId xmlns="" xmlns:a16="http://schemas.microsoft.com/office/drawing/2014/main" id="{E38F3277-20D2-4B82-8AEA-EAD558550FCE}"/>
+                <a16:creationId xmlns:a16="http://schemas.microsoft.com/office/drawing/2014/main" xmlns="" id="{E38F3277-20D2-4B82-8AEA-EAD558550FCE}"/>
               </a:ext>
             </a:extLst>
           </p:cNvPr>
@@ -8624,7 +8624,7 @@
           <p:cNvPr id="108" name="ZoneTexte 107">
             <a:extLst>
               <a:ext uri="{FF2B5EF4-FFF2-40B4-BE49-F238E27FC236}">
-                <a16:creationId xmlns="" xmlns:a16="http://schemas.microsoft.com/office/drawing/2014/main" id="{6AE65DAE-7A98-4566-9161-9A053CAFDB7A}"/>
+                <a16:creationId xmlns:a16="http://schemas.microsoft.com/office/drawing/2014/main" xmlns="" id="{6AE65DAE-7A98-4566-9161-9A053CAFDB7A}"/>
               </a:ext>
             </a:extLst>
           </p:cNvPr>
@@ -8669,7 +8669,7 @@
           <p:cNvPr id="109" name="Rectangle : coins arrondis 108">
             <a:extLst>
               <a:ext uri="{FF2B5EF4-FFF2-40B4-BE49-F238E27FC236}">
-                <a16:creationId xmlns="" xmlns:a16="http://schemas.microsoft.com/office/drawing/2014/main" id="{2243E423-50EC-4812-8835-A6E09FCA1BA1}"/>
+                <a16:creationId xmlns:a16="http://schemas.microsoft.com/office/drawing/2014/main" xmlns="" id="{2243E423-50EC-4812-8835-A6E09FCA1BA1}"/>
               </a:ext>
             </a:extLst>
           </p:cNvPr>
@@ -8722,7 +8722,7 @@
           <p:cNvPr id="110" name="ZoneTexte 109">
             <a:extLst>
               <a:ext uri="{FF2B5EF4-FFF2-40B4-BE49-F238E27FC236}">
-                <a16:creationId xmlns="" xmlns:a16="http://schemas.microsoft.com/office/drawing/2014/main" id="{68733A33-E0EE-4B71-9A06-5363223830CA}"/>
+                <a16:creationId xmlns:a16="http://schemas.microsoft.com/office/drawing/2014/main" xmlns="" id="{68733A33-E0EE-4B71-9A06-5363223830CA}"/>
               </a:ext>
             </a:extLst>
           </p:cNvPr>
@@ -8767,7 +8767,7 @@
           <p:cNvPr id="111" name="Connecteur droit 110">
             <a:extLst>
               <a:ext uri="{FF2B5EF4-FFF2-40B4-BE49-F238E27FC236}">
-                <a16:creationId xmlns="" xmlns:a16="http://schemas.microsoft.com/office/drawing/2014/main" id="{29A7FF87-BC99-41C5-8037-7E057BAD4D07}"/>
+                <a16:creationId xmlns:a16="http://schemas.microsoft.com/office/drawing/2014/main" xmlns="" id="{29A7FF87-BC99-41C5-8037-7E057BAD4D07}"/>
               </a:ext>
             </a:extLst>
           </p:cNvPr>
@@ -8814,7 +8814,7 @@
           <p:cNvPr id="113" name="ZoneTexte 112">
             <a:extLst>
               <a:ext uri="{FF2B5EF4-FFF2-40B4-BE49-F238E27FC236}">
-                <a16:creationId xmlns="" xmlns:a16="http://schemas.microsoft.com/office/drawing/2014/main" id="{FE19131E-EC96-4D99-A912-B07CF67FED57}"/>
+                <a16:creationId xmlns:a16="http://schemas.microsoft.com/office/drawing/2014/main" xmlns="" id="{FE19131E-EC96-4D99-A912-B07CF67FED57}"/>
               </a:ext>
             </a:extLst>
           </p:cNvPr>
@@ -8859,7 +8859,7 @@
           <p:cNvPr id="114" name="ZoneTexte 113">
             <a:extLst>
               <a:ext uri="{FF2B5EF4-FFF2-40B4-BE49-F238E27FC236}">
-                <a16:creationId xmlns="" xmlns:a16="http://schemas.microsoft.com/office/drawing/2014/main" id="{50E87D2D-703A-484F-AB9C-A9001558B265}"/>
+                <a16:creationId xmlns:a16="http://schemas.microsoft.com/office/drawing/2014/main" xmlns="" id="{50E87D2D-703A-484F-AB9C-A9001558B265}"/>
               </a:ext>
             </a:extLst>
           </p:cNvPr>
@@ -8904,7 +8904,7 @@
           <p:cNvPr id="115" name="ZoneTexte 114">
             <a:extLst>
               <a:ext uri="{FF2B5EF4-FFF2-40B4-BE49-F238E27FC236}">
-                <a16:creationId xmlns="" xmlns:a16="http://schemas.microsoft.com/office/drawing/2014/main" id="{CAEBF898-80D0-4816-9A37-BFCC2B4F246A}"/>
+                <a16:creationId xmlns:a16="http://schemas.microsoft.com/office/drawing/2014/main" xmlns="" id="{CAEBF898-80D0-4816-9A37-BFCC2B4F246A}"/>
               </a:ext>
             </a:extLst>
           </p:cNvPr>
@@ -8949,7 +8949,7 @@
           <p:cNvPr id="116" name="ZoneTexte 115">
             <a:extLst>
               <a:ext uri="{FF2B5EF4-FFF2-40B4-BE49-F238E27FC236}">
-                <a16:creationId xmlns="" xmlns:a16="http://schemas.microsoft.com/office/drawing/2014/main" id="{2ADBC45A-107B-4418-9303-C092A5DA7134}"/>
+                <a16:creationId xmlns:a16="http://schemas.microsoft.com/office/drawing/2014/main" xmlns="" id="{2ADBC45A-107B-4418-9303-C092A5DA7134}"/>
               </a:ext>
             </a:extLst>
           </p:cNvPr>
@@ -9032,7 +9032,7 @@
           <p:cNvPr id="2" name="Titre 1">
             <a:extLst>
               <a:ext uri="{FF2B5EF4-FFF2-40B4-BE49-F238E27FC236}">
-                <a16:creationId xmlns="" xmlns:a16="http://schemas.microsoft.com/office/drawing/2014/main" id="{AD4F0A27-99BB-49D0-9C93-2D3C5186E6B2}"/>
+                <a16:creationId xmlns:a16="http://schemas.microsoft.com/office/drawing/2014/main" xmlns="" id="{AD4F0A27-99BB-49D0-9C93-2D3C5186E6B2}"/>
               </a:ext>
             </a:extLst>
           </p:cNvPr>
@@ -9072,7 +9072,7 @@
           <p:cNvPr id="3" name="Sous-titre 2">
             <a:extLst>
               <a:ext uri="{FF2B5EF4-FFF2-40B4-BE49-F238E27FC236}">
-                <a16:creationId xmlns="" xmlns:a16="http://schemas.microsoft.com/office/drawing/2014/main" id="{B5895DDB-3400-4A36-A688-98CC33D75B68}"/>
+                <a16:creationId xmlns:a16="http://schemas.microsoft.com/office/drawing/2014/main" xmlns="" id="{B5895DDB-3400-4A36-A688-98CC33D75B68}"/>
               </a:ext>
             </a:extLst>
           </p:cNvPr>
@@ -9115,7 +9115,7 @@
           <p:cNvPr id="5" name="Image 4" descr="Une image contenant texte, clipart, lumière&#10;&#10;Description générée automatiquement">
             <a:extLst>
               <a:ext uri="{FF2B5EF4-FFF2-40B4-BE49-F238E27FC236}">
-                <a16:creationId xmlns="" xmlns:a16="http://schemas.microsoft.com/office/drawing/2014/main" id="{F92E366F-A75B-4FBE-95A4-7BE2692FD768}"/>
+                <a16:creationId xmlns:a16="http://schemas.microsoft.com/office/drawing/2014/main" xmlns="" id="{F92E366F-A75B-4FBE-95A4-7BE2692FD768}"/>
               </a:ext>
             </a:extLst>
           </p:cNvPr>
@@ -9151,7 +9151,7 @@
           <p:cNvPr id="6" name="Rectangle : coins arrondis 5">
             <a:extLst>
               <a:ext uri="{FF2B5EF4-FFF2-40B4-BE49-F238E27FC236}">
-                <a16:creationId xmlns="" xmlns:a16="http://schemas.microsoft.com/office/drawing/2014/main" id="{62D80FBE-86D3-4290-8607-F26C6EF24A6E}"/>
+                <a16:creationId xmlns:a16="http://schemas.microsoft.com/office/drawing/2014/main" xmlns="" id="{62D80FBE-86D3-4290-8607-F26C6EF24A6E}"/>
               </a:ext>
             </a:extLst>
           </p:cNvPr>
@@ -9198,7 +9198,7 @@
           <p:cNvPr id="109" name="Rectangle : coins arrondis 108">
             <a:extLst>
               <a:ext uri="{FF2B5EF4-FFF2-40B4-BE49-F238E27FC236}">
-                <a16:creationId xmlns="" xmlns:a16="http://schemas.microsoft.com/office/drawing/2014/main" id="{2243E423-50EC-4812-8835-A6E09FCA1BA1}"/>
+                <a16:creationId xmlns:a16="http://schemas.microsoft.com/office/drawing/2014/main" xmlns="" id="{2243E423-50EC-4812-8835-A6E09FCA1BA1}"/>
               </a:ext>
             </a:extLst>
           </p:cNvPr>
@@ -9251,7 +9251,7 @@
           <p:cNvPr id="4" name="Rectangle : coins arrondis 3">
             <a:extLst>
               <a:ext uri="{FF2B5EF4-FFF2-40B4-BE49-F238E27FC236}">
-                <a16:creationId xmlns="" xmlns:a16="http://schemas.microsoft.com/office/drawing/2014/main" id="{91F949C8-2425-7570-5287-385AC17B21E1}"/>
+                <a16:creationId xmlns:a16="http://schemas.microsoft.com/office/drawing/2014/main" xmlns="" id="{91F949C8-2425-7570-5287-385AC17B21E1}"/>
               </a:ext>
             </a:extLst>
           </p:cNvPr>
@@ -9303,7 +9303,7 @@
           <p:cNvPr id="42" name="Rectangle : coins arrondis 41">
             <a:extLst>
               <a:ext uri="{FF2B5EF4-FFF2-40B4-BE49-F238E27FC236}">
-                <a16:creationId xmlns="" xmlns:a16="http://schemas.microsoft.com/office/drawing/2014/main" id="{B9CC6F12-4123-D6A1-7A5B-468BFD06F155}"/>
+                <a16:creationId xmlns:a16="http://schemas.microsoft.com/office/drawing/2014/main" xmlns="" id="{B9CC6F12-4123-D6A1-7A5B-468BFD06F155}"/>
               </a:ext>
             </a:extLst>
           </p:cNvPr>
@@ -9355,7 +9355,7 @@
           <p:cNvPr id="7" name="Rectangle : coins arrondis 6">
             <a:extLst>
               <a:ext uri="{FF2B5EF4-FFF2-40B4-BE49-F238E27FC236}">
-                <a16:creationId xmlns="" xmlns:a16="http://schemas.microsoft.com/office/drawing/2014/main" id="{74E8AFA3-B138-2D66-9C3C-1DE9DCC8C07C}"/>
+                <a16:creationId xmlns:a16="http://schemas.microsoft.com/office/drawing/2014/main" xmlns="" id="{74E8AFA3-B138-2D66-9C3C-1DE9DCC8C07C}"/>
               </a:ext>
             </a:extLst>
           </p:cNvPr>
@@ -9407,7 +9407,7 @@
           <p:cNvPr id="8" name="ZoneTexte 7">
             <a:extLst>
               <a:ext uri="{FF2B5EF4-FFF2-40B4-BE49-F238E27FC236}">
-                <a16:creationId xmlns="" xmlns:a16="http://schemas.microsoft.com/office/drawing/2014/main" id="{77C86C5B-1B9B-6544-0709-090AD5E17401}"/>
+                <a16:creationId xmlns:a16="http://schemas.microsoft.com/office/drawing/2014/main" xmlns="" id="{77C86C5B-1B9B-6544-0709-090AD5E17401}"/>
               </a:ext>
             </a:extLst>
           </p:cNvPr>
@@ -9479,7 +9479,7 @@
           <p:cNvPr id="9" name="ZoneTexte 8">
             <a:extLst>
               <a:ext uri="{FF2B5EF4-FFF2-40B4-BE49-F238E27FC236}">
-                <a16:creationId xmlns="" xmlns:a16="http://schemas.microsoft.com/office/drawing/2014/main" id="{6C6EDA6A-82B2-334F-8478-E0B113379946}"/>
+                <a16:creationId xmlns:a16="http://schemas.microsoft.com/office/drawing/2014/main" xmlns="" id="{6C6EDA6A-82B2-334F-8478-E0B113379946}"/>
               </a:ext>
             </a:extLst>
           </p:cNvPr>
@@ -9589,7 +9589,7 @@
           <p:cNvPr id="2" name="Titre 1">
             <a:extLst>
               <a:ext uri="{FF2B5EF4-FFF2-40B4-BE49-F238E27FC236}">
-                <a16:creationId xmlns="" xmlns:a16="http://schemas.microsoft.com/office/drawing/2014/main" id="{AD4F0A27-99BB-49D0-9C93-2D3C5186E6B2}"/>
+                <a16:creationId xmlns:a16="http://schemas.microsoft.com/office/drawing/2014/main" xmlns="" id="{AD4F0A27-99BB-49D0-9C93-2D3C5186E6B2}"/>
               </a:ext>
             </a:extLst>
           </p:cNvPr>
@@ -9629,7 +9629,7 @@
           <p:cNvPr id="3" name="Sous-titre 2">
             <a:extLst>
               <a:ext uri="{FF2B5EF4-FFF2-40B4-BE49-F238E27FC236}">
-                <a16:creationId xmlns="" xmlns:a16="http://schemas.microsoft.com/office/drawing/2014/main" id="{B5895DDB-3400-4A36-A688-98CC33D75B68}"/>
+                <a16:creationId xmlns:a16="http://schemas.microsoft.com/office/drawing/2014/main" xmlns="" id="{B5895DDB-3400-4A36-A688-98CC33D75B68}"/>
               </a:ext>
             </a:extLst>
           </p:cNvPr>
@@ -9672,7 +9672,7 @@
           <p:cNvPr id="5" name="Image 4" descr="Une image contenant texte, clipart, lumière&#10;&#10;Description générée automatiquement">
             <a:extLst>
               <a:ext uri="{FF2B5EF4-FFF2-40B4-BE49-F238E27FC236}">
-                <a16:creationId xmlns="" xmlns:a16="http://schemas.microsoft.com/office/drawing/2014/main" id="{F92E366F-A75B-4FBE-95A4-7BE2692FD768}"/>
+                <a16:creationId xmlns:a16="http://schemas.microsoft.com/office/drawing/2014/main" xmlns="" id="{F92E366F-A75B-4FBE-95A4-7BE2692FD768}"/>
               </a:ext>
             </a:extLst>
           </p:cNvPr>
@@ -9708,7 +9708,7 @@
           <p:cNvPr id="6" name="Rectangle : coins arrondis 5">
             <a:extLst>
               <a:ext uri="{FF2B5EF4-FFF2-40B4-BE49-F238E27FC236}">
-                <a16:creationId xmlns="" xmlns:a16="http://schemas.microsoft.com/office/drawing/2014/main" id="{62D80FBE-86D3-4290-8607-F26C6EF24A6E}"/>
+                <a16:creationId xmlns:a16="http://schemas.microsoft.com/office/drawing/2014/main" xmlns="" id="{62D80FBE-86D3-4290-8607-F26C6EF24A6E}"/>
               </a:ext>
             </a:extLst>
           </p:cNvPr>
@@ -9755,7 +9755,7 @@
           <p:cNvPr id="109" name="Rectangle : coins arrondis 108">
             <a:extLst>
               <a:ext uri="{FF2B5EF4-FFF2-40B4-BE49-F238E27FC236}">
-                <a16:creationId xmlns="" xmlns:a16="http://schemas.microsoft.com/office/drawing/2014/main" id="{2243E423-50EC-4812-8835-A6E09FCA1BA1}"/>
+                <a16:creationId xmlns:a16="http://schemas.microsoft.com/office/drawing/2014/main" xmlns="" id="{2243E423-50EC-4812-8835-A6E09FCA1BA1}"/>
               </a:ext>
             </a:extLst>
           </p:cNvPr>
@@ -9808,7 +9808,7 @@
           <p:cNvPr id="4" name="Rectangle : coins arrondis 3">
             <a:extLst>
               <a:ext uri="{FF2B5EF4-FFF2-40B4-BE49-F238E27FC236}">
-                <a16:creationId xmlns="" xmlns:a16="http://schemas.microsoft.com/office/drawing/2014/main" id="{91F949C8-2425-7570-5287-385AC17B21E1}"/>
+                <a16:creationId xmlns:a16="http://schemas.microsoft.com/office/drawing/2014/main" xmlns="" id="{91F949C8-2425-7570-5287-385AC17B21E1}"/>
               </a:ext>
             </a:extLst>
           </p:cNvPr>
@@ -9855,7 +9855,7 @@
           <p:cNvPr id="42" name="Rectangle : coins arrondis 41">
             <a:extLst>
               <a:ext uri="{FF2B5EF4-FFF2-40B4-BE49-F238E27FC236}">
-                <a16:creationId xmlns="" xmlns:a16="http://schemas.microsoft.com/office/drawing/2014/main" id="{B9CC6F12-4123-D6A1-7A5B-468BFD06F155}"/>
+                <a16:creationId xmlns:a16="http://schemas.microsoft.com/office/drawing/2014/main" xmlns="" id="{B9CC6F12-4123-D6A1-7A5B-468BFD06F155}"/>
               </a:ext>
             </a:extLst>
           </p:cNvPr>
@@ -9902,7 +9902,7 @@
           <p:cNvPr id="101" name="Rectangle : coins arrondis 100">
             <a:extLst>
               <a:ext uri="{FF2B5EF4-FFF2-40B4-BE49-F238E27FC236}">
-                <a16:creationId xmlns="" xmlns:a16="http://schemas.microsoft.com/office/drawing/2014/main" id="{C52AE2BA-B991-EBDF-460B-A7B0337F8701}"/>
+                <a16:creationId xmlns:a16="http://schemas.microsoft.com/office/drawing/2014/main" xmlns="" id="{C52AE2BA-B991-EBDF-460B-A7B0337F8701}"/>
               </a:ext>
             </a:extLst>
           </p:cNvPr>
@@ -9949,7 +9949,7 @@
           <p:cNvPr id="105" name="Rectangle : coins arrondis 104">
             <a:extLst>
               <a:ext uri="{FF2B5EF4-FFF2-40B4-BE49-F238E27FC236}">
-                <a16:creationId xmlns="" xmlns:a16="http://schemas.microsoft.com/office/drawing/2014/main" id="{4EA2A443-DA9D-D476-797F-432FEB17CB41}"/>
+                <a16:creationId xmlns:a16="http://schemas.microsoft.com/office/drawing/2014/main" xmlns="" id="{4EA2A443-DA9D-D476-797F-432FEB17CB41}"/>
               </a:ext>
             </a:extLst>
           </p:cNvPr>
@@ -9996,7 +9996,7 @@
           <p:cNvPr id="112" name="ZoneTexte 111">
             <a:extLst>
               <a:ext uri="{FF2B5EF4-FFF2-40B4-BE49-F238E27FC236}">
-                <a16:creationId xmlns="" xmlns:a16="http://schemas.microsoft.com/office/drawing/2014/main" id="{683AE567-0F31-D319-403F-257414713CFE}"/>
+                <a16:creationId xmlns:a16="http://schemas.microsoft.com/office/drawing/2014/main" xmlns="" id="{683AE567-0F31-D319-403F-257414713CFE}"/>
               </a:ext>
             </a:extLst>
           </p:cNvPr>
@@ -10140,7 +10140,7 @@
           <p:cNvPr id="7" name="Rectangle : coins arrondis 6">
             <a:extLst>
               <a:ext uri="{FF2B5EF4-FFF2-40B4-BE49-F238E27FC236}">
-                <a16:creationId xmlns="" xmlns:a16="http://schemas.microsoft.com/office/drawing/2014/main" id="{C787E6B1-B434-AC53-BD32-64FE80C94B19}"/>
+                <a16:creationId xmlns:a16="http://schemas.microsoft.com/office/drawing/2014/main" xmlns="" id="{C787E6B1-B434-AC53-BD32-64FE80C94B19}"/>
               </a:ext>
             </a:extLst>
           </p:cNvPr>
@@ -10187,7 +10187,7 @@
           <p:cNvPr id="8" name="ZoneTexte 7">
             <a:extLst>
               <a:ext uri="{FF2B5EF4-FFF2-40B4-BE49-F238E27FC236}">
-                <a16:creationId xmlns="" xmlns:a16="http://schemas.microsoft.com/office/drawing/2014/main" id="{20A80479-A65F-A09F-5DC7-7752AE77F1FE}"/>
+                <a16:creationId xmlns:a16="http://schemas.microsoft.com/office/drawing/2014/main" xmlns="" id="{20A80479-A65F-A09F-5DC7-7752AE77F1FE}"/>
               </a:ext>
             </a:extLst>
           </p:cNvPr>
@@ -10246,7 +10246,7 @@
           <p:cNvPr id="9" name="Connecteur droit 8">
             <a:extLst>
               <a:ext uri="{FF2B5EF4-FFF2-40B4-BE49-F238E27FC236}">
-                <a16:creationId xmlns="" xmlns:a16="http://schemas.microsoft.com/office/drawing/2014/main" id="{69F4CD8C-A1F8-3DC6-7EAE-D62250ECD5D8}"/>
+                <a16:creationId xmlns:a16="http://schemas.microsoft.com/office/drawing/2014/main" xmlns="" id="{69F4CD8C-A1F8-3DC6-7EAE-D62250ECD5D8}"/>
               </a:ext>
             </a:extLst>
           </p:cNvPr>
@@ -10293,7 +10293,7 @@
           <p:cNvPr id="12" name="Connecteur droit 11">
             <a:extLst>
               <a:ext uri="{FF2B5EF4-FFF2-40B4-BE49-F238E27FC236}">
-                <a16:creationId xmlns="" xmlns:a16="http://schemas.microsoft.com/office/drawing/2014/main" id="{3D51EE64-C5E5-6B0F-3FC6-CE7EBFA3CEAC}"/>
+                <a16:creationId xmlns:a16="http://schemas.microsoft.com/office/drawing/2014/main" xmlns="" id="{3D51EE64-C5E5-6B0F-3FC6-CE7EBFA3CEAC}"/>
               </a:ext>
             </a:extLst>
           </p:cNvPr>
@@ -10340,7 +10340,7 @@
           <p:cNvPr id="15" name="Connecteur droit 14">
             <a:extLst>
               <a:ext uri="{FF2B5EF4-FFF2-40B4-BE49-F238E27FC236}">
-                <a16:creationId xmlns="" xmlns:a16="http://schemas.microsoft.com/office/drawing/2014/main" id="{B75642F1-4DED-8DA5-94FC-4314CF044240}"/>
+                <a16:creationId xmlns:a16="http://schemas.microsoft.com/office/drawing/2014/main" xmlns="" id="{B75642F1-4DED-8DA5-94FC-4314CF044240}"/>
               </a:ext>
             </a:extLst>
           </p:cNvPr>
@@ -10387,7 +10387,7 @@
           <p:cNvPr id="16" name="ZoneTexte 15">
             <a:extLst>
               <a:ext uri="{FF2B5EF4-FFF2-40B4-BE49-F238E27FC236}">
-                <a16:creationId xmlns="" xmlns:a16="http://schemas.microsoft.com/office/drawing/2014/main" id="{00D0015B-8959-6872-A092-05E4EC31CA6C}"/>
+                <a16:creationId xmlns:a16="http://schemas.microsoft.com/office/drawing/2014/main" xmlns="" id="{00D0015B-8959-6872-A092-05E4EC31CA6C}"/>
               </a:ext>
             </a:extLst>
           </p:cNvPr>
@@ -10588,7 +10588,7 @@
           <p:cNvPr id="17" name="Connecteur droit 16">
             <a:extLst>
               <a:ext uri="{FF2B5EF4-FFF2-40B4-BE49-F238E27FC236}">
-                <a16:creationId xmlns="" xmlns:a16="http://schemas.microsoft.com/office/drawing/2014/main" id="{D273B2D6-E2D4-C50F-78B6-EE3B82F7F0FE}"/>
+                <a16:creationId xmlns:a16="http://schemas.microsoft.com/office/drawing/2014/main" xmlns="" id="{D273B2D6-E2D4-C50F-78B6-EE3B82F7F0FE}"/>
               </a:ext>
             </a:extLst>
           </p:cNvPr>
@@ -10673,7 +10673,7 @@
           <p:cNvPr id="2" name="Titre 1">
             <a:extLst>
               <a:ext uri="{FF2B5EF4-FFF2-40B4-BE49-F238E27FC236}">
-                <a16:creationId xmlns="" xmlns:a16="http://schemas.microsoft.com/office/drawing/2014/main" id="{AD4F0A27-99BB-49D0-9C93-2D3C5186E6B2}"/>
+                <a16:creationId xmlns:a16="http://schemas.microsoft.com/office/drawing/2014/main" xmlns="" id="{AD4F0A27-99BB-49D0-9C93-2D3C5186E6B2}"/>
               </a:ext>
             </a:extLst>
           </p:cNvPr>
@@ -10713,7 +10713,7 @@
           <p:cNvPr id="3" name="Sous-titre 2">
             <a:extLst>
               <a:ext uri="{FF2B5EF4-FFF2-40B4-BE49-F238E27FC236}">
-                <a16:creationId xmlns="" xmlns:a16="http://schemas.microsoft.com/office/drawing/2014/main" id="{B5895DDB-3400-4A36-A688-98CC33D75B68}"/>
+                <a16:creationId xmlns:a16="http://schemas.microsoft.com/office/drawing/2014/main" xmlns="" id="{B5895DDB-3400-4A36-A688-98CC33D75B68}"/>
               </a:ext>
             </a:extLst>
           </p:cNvPr>
@@ -10756,7 +10756,7 @@
           <p:cNvPr id="5" name="Image 4" descr="Une image contenant texte, clipart, lumière&#10;&#10;Description générée automatiquement">
             <a:extLst>
               <a:ext uri="{FF2B5EF4-FFF2-40B4-BE49-F238E27FC236}">
-                <a16:creationId xmlns="" xmlns:a16="http://schemas.microsoft.com/office/drawing/2014/main" id="{F92E366F-A75B-4FBE-95A4-7BE2692FD768}"/>
+                <a16:creationId xmlns:a16="http://schemas.microsoft.com/office/drawing/2014/main" xmlns="" id="{F92E366F-A75B-4FBE-95A4-7BE2692FD768}"/>
               </a:ext>
             </a:extLst>
           </p:cNvPr>
@@ -10792,7 +10792,7 @@
           <p:cNvPr id="6" name="Rectangle : coins arrondis 5">
             <a:extLst>
               <a:ext uri="{FF2B5EF4-FFF2-40B4-BE49-F238E27FC236}">
-                <a16:creationId xmlns="" xmlns:a16="http://schemas.microsoft.com/office/drawing/2014/main" id="{62D80FBE-86D3-4290-8607-F26C6EF24A6E}"/>
+                <a16:creationId xmlns:a16="http://schemas.microsoft.com/office/drawing/2014/main" xmlns="" id="{62D80FBE-86D3-4290-8607-F26C6EF24A6E}"/>
               </a:ext>
             </a:extLst>
           </p:cNvPr>
@@ -10839,7 +10839,7 @@
           <p:cNvPr id="4" name="Rectangle 3">
             <a:extLst>
               <a:ext uri="{FF2B5EF4-FFF2-40B4-BE49-F238E27FC236}">
-                <a16:creationId xmlns="" xmlns:a16="http://schemas.microsoft.com/office/drawing/2014/main" id="{2389F2DB-BC7E-4729-A4B0-5F96486A6F3B}"/>
+                <a16:creationId xmlns:a16="http://schemas.microsoft.com/office/drawing/2014/main" xmlns="" id="{2389F2DB-BC7E-4729-A4B0-5F96486A6F3B}"/>
               </a:ext>
             </a:extLst>
           </p:cNvPr>
@@ -10883,7 +10883,7 @@
           <p:cNvPr id="7" name="Rectangle 6">
             <a:extLst>
               <a:ext uri="{FF2B5EF4-FFF2-40B4-BE49-F238E27FC236}">
-                <a16:creationId xmlns="" xmlns:a16="http://schemas.microsoft.com/office/drawing/2014/main" id="{ADED1997-AB8C-4C21-B767-7C1C942E508B}"/>
+                <a16:creationId xmlns:a16="http://schemas.microsoft.com/office/drawing/2014/main" xmlns="" id="{ADED1997-AB8C-4C21-B767-7C1C942E508B}"/>
               </a:ext>
             </a:extLst>
           </p:cNvPr>
@@ -10929,7 +10929,7 @@
           <p:cNvPr id="8" name="Rectangle 7">
             <a:extLst>
               <a:ext uri="{FF2B5EF4-FFF2-40B4-BE49-F238E27FC236}">
-                <a16:creationId xmlns="" xmlns:a16="http://schemas.microsoft.com/office/drawing/2014/main" id="{55CD3110-4CD0-470C-9597-0C37D1B6F72A}"/>
+                <a16:creationId xmlns:a16="http://schemas.microsoft.com/office/drawing/2014/main" xmlns="" id="{55CD3110-4CD0-470C-9597-0C37D1B6F72A}"/>
               </a:ext>
             </a:extLst>
           </p:cNvPr>
@@ -10975,7 +10975,7 @@
           <p:cNvPr id="9" name="Rectangle 8">
             <a:extLst>
               <a:ext uri="{FF2B5EF4-FFF2-40B4-BE49-F238E27FC236}">
-                <a16:creationId xmlns="" xmlns:a16="http://schemas.microsoft.com/office/drawing/2014/main" id="{0DEE193C-F907-4ACD-A5B7-D34F89A36408}"/>
+                <a16:creationId xmlns:a16="http://schemas.microsoft.com/office/drawing/2014/main" xmlns="" id="{0DEE193C-F907-4ACD-A5B7-D34F89A36408}"/>
               </a:ext>
             </a:extLst>
           </p:cNvPr>
@@ -11021,7 +11021,7 @@
           <p:cNvPr id="10" name="Rectangle 9">
             <a:extLst>
               <a:ext uri="{FF2B5EF4-FFF2-40B4-BE49-F238E27FC236}">
-                <a16:creationId xmlns="" xmlns:a16="http://schemas.microsoft.com/office/drawing/2014/main" id="{3530BB0C-D70A-4094-9746-9D0CCB5D20D6}"/>
+                <a16:creationId xmlns:a16="http://schemas.microsoft.com/office/drawing/2014/main" xmlns="" id="{3530BB0C-D70A-4094-9746-9D0CCB5D20D6}"/>
               </a:ext>
             </a:extLst>
           </p:cNvPr>
@@ -11067,7 +11067,7 @@
           <p:cNvPr id="11" name="Rectangle 10">
             <a:extLst>
               <a:ext uri="{FF2B5EF4-FFF2-40B4-BE49-F238E27FC236}">
-                <a16:creationId xmlns="" xmlns:a16="http://schemas.microsoft.com/office/drawing/2014/main" id="{016B8B0D-22DA-4BA6-A835-FD34CEB49023}"/>
+                <a16:creationId xmlns:a16="http://schemas.microsoft.com/office/drawing/2014/main" xmlns="" id="{016B8B0D-22DA-4BA6-A835-FD34CEB49023}"/>
               </a:ext>
             </a:extLst>
           </p:cNvPr>
@@ -11113,7 +11113,7 @@
           <p:cNvPr id="12" name="Rectangle 11">
             <a:extLst>
               <a:ext uri="{FF2B5EF4-FFF2-40B4-BE49-F238E27FC236}">
-                <a16:creationId xmlns="" xmlns:a16="http://schemas.microsoft.com/office/drawing/2014/main" id="{89ABA309-3A9A-4690-8810-04C762B92845}"/>
+                <a16:creationId xmlns:a16="http://schemas.microsoft.com/office/drawing/2014/main" xmlns="" id="{89ABA309-3A9A-4690-8810-04C762B92845}"/>
               </a:ext>
             </a:extLst>
           </p:cNvPr>
@@ -11159,7 +11159,7 @@
           <p:cNvPr id="13" name="Rectangle 12">
             <a:extLst>
               <a:ext uri="{FF2B5EF4-FFF2-40B4-BE49-F238E27FC236}">
-                <a16:creationId xmlns="" xmlns:a16="http://schemas.microsoft.com/office/drawing/2014/main" id="{46E96D04-EBA4-442E-8EC0-8FE955BEED69}"/>
+                <a16:creationId xmlns:a16="http://schemas.microsoft.com/office/drawing/2014/main" xmlns="" id="{46E96D04-EBA4-442E-8EC0-8FE955BEED69}"/>
               </a:ext>
             </a:extLst>
           </p:cNvPr>
@@ -11205,7 +11205,7 @@
           <p:cNvPr id="14" name="Rectangle 13">
             <a:extLst>
               <a:ext uri="{FF2B5EF4-FFF2-40B4-BE49-F238E27FC236}">
-                <a16:creationId xmlns="" xmlns:a16="http://schemas.microsoft.com/office/drawing/2014/main" id="{7B8A8857-760D-4F50-A970-1EE030042752}"/>
+                <a16:creationId xmlns:a16="http://schemas.microsoft.com/office/drawing/2014/main" xmlns="" id="{7B8A8857-760D-4F50-A970-1EE030042752}"/>
               </a:ext>
             </a:extLst>
           </p:cNvPr>
@@ -11251,7 +11251,7 @@
           <p:cNvPr id="15" name="Rectangle 14">
             <a:extLst>
               <a:ext uri="{FF2B5EF4-FFF2-40B4-BE49-F238E27FC236}">
-                <a16:creationId xmlns="" xmlns:a16="http://schemas.microsoft.com/office/drawing/2014/main" id="{4E5176EA-FAE9-4C57-B5A1-9CC490D17464}"/>
+                <a16:creationId xmlns:a16="http://schemas.microsoft.com/office/drawing/2014/main" xmlns="" id="{4E5176EA-FAE9-4C57-B5A1-9CC490D17464}"/>
               </a:ext>
             </a:extLst>
           </p:cNvPr>
@@ -11297,7 +11297,7 @@
           <p:cNvPr id="16" name="Rectangle 15">
             <a:extLst>
               <a:ext uri="{FF2B5EF4-FFF2-40B4-BE49-F238E27FC236}">
-                <a16:creationId xmlns="" xmlns:a16="http://schemas.microsoft.com/office/drawing/2014/main" id="{14511581-600E-4DEE-8951-3C4F2BB9C86B}"/>
+                <a16:creationId xmlns:a16="http://schemas.microsoft.com/office/drawing/2014/main" xmlns="" id="{14511581-600E-4DEE-8951-3C4F2BB9C86B}"/>
               </a:ext>
             </a:extLst>
           </p:cNvPr>
@@ -11343,7 +11343,7 @@
           <p:cNvPr id="17" name="Rectangle 16">
             <a:extLst>
               <a:ext uri="{FF2B5EF4-FFF2-40B4-BE49-F238E27FC236}">
-                <a16:creationId xmlns="" xmlns:a16="http://schemas.microsoft.com/office/drawing/2014/main" id="{A4F7AA47-0A7F-4C1B-8714-DFA9B08D97CB}"/>
+                <a16:creationId xmlns:a16="http://schemas.microsoft.com/office/drawing/2014/main" xmlns="" id="{A4F7AA47-0A7F-4C1B-8714-DFA9B08D97CB}"/>
               </a:ext>
             </a:extLst>
           </p:cNvPr>
@@ -11389,7 +11389,7 @@
           <p:cNvPr id="18" name="Rectangle 17">
             <a:extLst>
               <a:ext uri="{FF2B5EF4-FFF2-40B4-BE49-F238E27FC236}">
-                <a16:creationId xmlns="" xmlns:a16="http://schemas.microsoft.com/office/drawing/2014/main" id="{D99A0D8F-842C-44D7-9C16-374F3186C408}"/>
+                <a16:creationId xmlns:a16="http://schemas.microsoft.com/office/drawing/2014/main" xmlns="" id="{D99A0D8F-842C-44D7-9C16-374F3186C408}"/>
               </a:ext>
             </a:extLst>
           </p:cNvPr>
@@ -11435,7 +11435,7 @@
           <p:cNvPr id="19" name="Rectangle 18">
             <a:extLst>
               <a:ext uri="{FF2B5EF4-FFF2-40B4-BE49-F238E27FC236}">
-                <a16:creationId xmlns="" xmlns:a16="http://schemas.microsoft.com/office/drawing/2014/main" id="{F9DB30CA-9F4A-4C82-84CD-F1706E195EC1}"/>
+                <a16:creationId xmlns:a16="http://schemas.microsoft.com/office/drawing/2014/main" xmlns="" id="{F9DB30CA-9F4A-4C82-84CD-F1706E195EC1}"/>
               </a:ext>
             </a:extLst>
           </p:cNvPr>
@@ -11481,7 +11481,7 @@
           <p:cNvPr id="20" name="Rectangle 19">
             <a:extLst>
               <a:ext uri="{FF2B5EF4-FFF2-40B4-BE49-F238E27FC236}">
-                <a16:creationId xmlns="" xmlns:a16="http://schemas.microsoft.com/office/drawing/2014/main" id="{44EC39C1-6599-4DBD-947D-ADEDB26F3C6F}"/>
+                <a16:creationId xmlns:a16="http://schemas.microsoft.com/office/drawing/2014/main" xmlns="" id="{44EC39C1-6599-4DBD-947D-ADEDB26F3C6F}"/>
               </a:ext>
             </a:extLst>
           </p:cNvPr>
@@ -11527,7 +11527,7 @@
           <p:cNvPr id="21" name="Rectangle 20">
             <a:extLst>
               <a:ext uri="{FF2B5EF4-FFF2-40B4-BE49-F238E27FC236}">
-                <a16:creationId xmlns="" xmlns:a16="http://schemas.microsoft.com/office/drawing/2014/main" id="{3B7668AA-9FAF-4875-B6E1-11AF61626F73}"/>
+                <a16:creationId xmlns:a16="http://schemas.microsoft.com/office/drawing/2014/main" xmlns="" id="{3B7668AA-9FAF-4875-B6E1-11AF61626F73}"/>
               </a:ext>
             </a:extLst>
           </p:cNvPr>
@@ -11573,7 +11573,7 @@
           <p:cNvPr id="22" name="Rectangle 21">
             <a:extLst>
               <a:ext uri="{FF2B5EF4-FFF2-40B4-BE49-F238E27FC236}">
-                <a16:creationId xmlns="" xmlns:a16="http://schemas.microsoft.com/office/drawing/2014/main" id="{46ABA0B8-6560-4C69-903D-DDFA1353014B}"/>
+                <a16:creationId xmlns:a16="http://schemas.microsoft.com/office/drawing/2014/main" xmlns="" id="{46ABA0B8-6560-4C69-903D-DDFA1353014B}"/>
               </a:ext>
             </a:extLst>
           </p:cNvPr>
@@ -11619,7 +11619,7 @@
           <p:cNvPr id="23" name="Ellipse 22">
             <a:extLst>
               <a:ext uri="{FF2B5EF4-FFF2-40B4-BE49-F238E27FC236}">
-                <a16:creationId xmlns="" xmlns:a16="http://schemas.microsoft.com/office/drawing/2014/main" id="{6BF8558C-793F-4365-8974-34ABC808EC3F}"/>
+                <a16:creationId xmlns:a16="http://schemas.microsoft.com/office/drawing/2014/main" xmlns="" id="{6BF8558C-793F-4365-8974-34ABC808EC3F}"/>
               </a:ext>
             </a:extLst>
           </p:cNvPr>
@@ -11665,7 +11665,7 @@
           <p:cNvPr id="24" name="Ellipse 23">
             <a:extLst>
               <a:ext uri="{FF2B5EF4-FFF2-40B4-BE49-F238E27FC236}">
-                <a16:creationId xmlns="" xmlns:a16="http://schemas.microsoft.com/office/drawing/2014/main" id="{E9203C2B-D111-4FE9-BF24-B18C06259737}"/>
+                <a16:creationId xmlns:a16="http://schemas.microsoft.com/office/drawing/2014/main" xmlns="" id="{E9203C2B-D111-4FE9-BF24-B18C06259737}"/>
               </a:ext>
             </a:extLst>
           </p:cNvPr>
@@ -11711,7 +11711,7 @@
           <p:cNvPr id="25" name="Ellipse 24">
             <a:extLst>
               <a:ext uri="{FF2B5EF4-FFF2-40B4-BE49-F238E27FC236}">
-                <a16:creationId xmlns="" xmlns:a16="http://schemas.microsoft.com/office/drawing/2014/main" id="{C09FB3F3-8F3B-4DF0-9300-2CA6A88EFFDC}"/>
+                <a16:creationId xmlns:a16="http://schemas.microsoft.com/office/drawing/2014/main" xmlns="" id="{C09FB3F3-8F3B-4DF0-9300-2CA6A88EFFDC}"/>
               </a:ext>
             </a:extLst>
           </p:cNvPr>
@@ -11757,7 +11757,7 @@
           <p:cNvPr id="26" name="Ellipse 25">
             <a:extLst>
               <a:ext uri="{FF2B5EF4-FFF2-40B4-BE49-F238E27FC236}">
-                <a16:creationId xmlns="" xmlns:a16="http://schemas.microsoft.com/office/drawing/2014/main" id="{BE81B881-3486-44C9-A933-D501D998537B}"/>
+                <a16:creationId xmlns:a16="http://schemas.microsoft.com/office/drawing/2014/main" xmlns="" id="{BE81B881-3486-44C9-A933-D501D998537B}"/>
               </a:ext>
             </a:extLst>
           </p:cNvPr>
@@ -11803,7 +11803,7 @@
           <p:cNvPr id="32" name="Connecteur droit 31">
             <a:extLst>
               <a:ext uri="{FF2B5EF4-FFF2-40B4-BE49-F238E27FC236}">
-                <a16:creationId xmlns="" xmlns:a16="http://schemas.microsoft.com/office/drawing/2014/main" id="{08F89639-431F-4DDF-BF20-5F11F5DD75BF}"/>
+                <a16:creationId xmlns:a16="http://schemas.microsoft.com/office/drawing/2014/main" xmlns="" id="{08F89639-431F-4DDF-BF20-5F11F5DD75BF}"/>
               </a:ext>
             </a:extLst>
           </p:cNvPr>
@@ -11846,7 +11846,7 @@
           <p:cNvPr id="33" name="Connecteur droit 32">
             <a:extLst>
               <a:ext uri="{FF2B5EF4-FFF2-40B4-BE49-F238E27FC236}">
-                <a16:creationId xmlns="" xmlns:a16="http://schemas.microsoft.com/office/drawing/2014/main" id="{8383B4E6-C2E6-4083-B81D-C80A7E3701DB}"/>
+                <a16:creationId xmlns:a16="http://schemas.microsoft.com/office/drawing/2014/main" xmlns="" id="{8383B4E6-C2E6-4083-B81D-C80A7E3701DB}"/>
               </a:ext>
             </a:extLst>
           </p:cNvPr>
@@ -11889,7 +11889,7 @@
           <p:cNvPr id="34" name="Connecteur droit 33">
             <a:extLst>
               <a:ext uri="{FF2B5EF4-FFF2-40B4-BE49-F238E27FC236}">
-                <a16:creationId xmlns="" xmlns:a16="http://schemas.microsoft.com/office/drawing/2014/main" id="{12B0419C-6978-4101-8E96-BEF365F182CB}"/>
+                <a16:creationId xmlns:a16="http://schemas.microsoft.com/office/drawing/2014/main" xmlns="" id="{12B0419C-6978-4101-8E96-BEF365F182CB}"/>
               </a:ext>
             </a:extLst>
           </p:cNvPr>
@@ -11932,7 +11932,7 @@
           <p:cNvPr id="35" name="Connecteur droit 34">
             <a:extLst>
               <a:ext uri="{FF2B5EF4-FFF2-40B4-BE49-F238E27FC236}">
-                <a16:creationId xmlns="" xmlns:a16="http://schemas.microsoft.com/office/drawing/2014/main" id="{0AF99C1E-9927-44FE-9935-1CAB63B10546}"/>
+                <a16:creationId xmlns:a16="http://schemas.microsoft.com/office/drawing/2014/main" xmlns="" id="{0AF99C1E-9927-44FE-9935-1CAB63B10546}"/>
               </a:ext>
             </a:extLst>
           </p:cNvPr>
@@ -11975,7 +11975,7 @@
           <p:cNvPr id="28" name="Rectangle : coins arrondis 27">
             <a:extLst>
               <a:ext uri="{FF2B5EF4-FFF2-40B4-BE49-F238E27FC236}">
-                <a16:creationId xmlns="" xmlns:a16="http://schemas.microsoft.com/office/drawing/2014/main" id="{8134B5D1-14B1-4CB3-BC90-49DA4AC2619F}"/>
+                <a16:creationId xmlns:a16="http://schemas.microsoft.com/office/drawing/2014/main" xmlns="" id="{8134B5D1-14B1-4CB3-BC90-49DA4AC2619F}"/>
               </a:ext>
             </a:extLst>
           </p:cNvPr>
@@ -12021,7 +12021,7 @@
           <p:cNvPr id="29" name="Rectangle : coins arrondis 28">
             <a:extLst>
               <a:ext uri="{FF2B5EF4-FFF2-40B4-BE49-F238E27FC236}">
-                <a16:creationId xmlns="" xmlns:a16="http://schemas.microsoft.com/office/drawing/2014/main" id="{258E64E4-1F93-4BDC-B6E0-5AC8DFC43265}"/>
+                <a16:creationId xmlns:a16="http://schemas.microsoft.com/office/drawing/2014/main" xmlns="" id="{258E64E4-1F93-4BDC-B6E0-5AC8DFC43265}"/>
               </a:ext>
             </a:extLst>
           </p:cNvPr>
@@ -12067,7 +12067,7 @@
           <p:cNvPr id="30" name="Rectangle : coins arrondis 29">
             <a:extLst>
               <a:ext uri="{FF2B5EF4-FFF2-40B4-BE49-F238E27FC236}">
-                <a16:creationId xmlns="" xmlns:a16="http://schemas.microsoft.com/office/drawing/2014/main" id="{89B46454-6106-49FF-A25F-96725C5186FA}"/>
+                <a16:creationId xmlns:a16="http://schemas.microsoft.com/office/drawing/2014/main" xmlns="" id="{89B46454-6106-49FF-A25F-96725C5186FA}"/>
               </a:ext>
             </a:extLst>
           </p:cNvPr>
@@ -12113,7 +12113,7 @@
           <p:cNvPr id="27" name="Rectangle : coins arrondis 26">
             <a:extLst>
               <a:ext uri="{FF2B5EF4-FFF2-40B4-BE49-F238E27FC236}">
-                <a16:creationId xmlns="" xmlns:a16="http://schemas.microsoft.com/office/drawing/2014/main" id="{8DF8DA6D-6EC4-4499-8F18-DE31C7D7F185}"/>
+                <a16:creationId xmlns:a16="http://schemas.microsoft.com/office/drawing/2014/main" xmlns="" id="{8DF8DA6D-6EC4-4499-8F18-DE31C7D7F185}"/>
               </a:ext>
             </a:extLst>
           </p:cNvPr>
@@ -12159,7 +12159,7 @@
           <p:cNvPr id="36" name="Connecteur droit 35">
             <a:extLst>
               <a:ext uri="{FF2B5EF4-FFF2-40B4-BE49-F238E27FC236}">
-                <a16:creationId xmlns="" xmlns:a16="http://schemas.microsoft.com/office/drawing/2014/main" id="{03D0651D-9509-44DC-B649-8EA7769440F0}"/>
+                <a16:creationId xmlns:a16="http://schemas.microsoft.com/office/drawing/2014/main" xmlns="" id="{03D0651D-9509-44DC-B649-8EA7769440F0}"/>
               </a:ext>
             </a:extLst>
           </p:cNvPr>
@@ -12204,7 +12204,7 @@
           <p:cNvPr id="41" name="Connecteur droit 40">
             <a:extLst>
               <a:ext uri="{FF2B5EF4-FFF2-40B4-BE49-F238E27FC236}">
-                <a16:creationId xmlns="" xmlns:a16="http://schemas.microsoft.com/office/drawing/2014/main" id="{3E81D001-A20C-4CEE-AB15-842EC83405C8}"/>
+                <a16:creationId xmlns:a16="http://schemas.microsoft.com/office/drawing/2014/main" xmlns="" id="{3E81D001-A20C-4CEE-AB15-842EC83405C8}"/>
               </a:ext>
             </a:extLst>
           </p:cNvPr>
@@ -12249,7 +12249,7 @@
           <p:cNvPr id="42" name="Connecteur droit 41">
             <a:extLst>
               <a:ext uri="{FF2B5EF4-FFF2-40B4-BE49-F238E27FC236}">
-                <a16:creationId xmlns="" xmlns:a16="http://schemas.microsoft.com/office/drawing/2014/main" id="{7CDA61E9-BD60-4AA2-83CF-34D53C31C6B2}"/>
+                <a16:creationId xmlns:a16="http://schemas.microsoft.com/office/drawing/2014/main" xmlns="" id="{7CDA61E9-BD60-4AA2-83CF-34D53C31C6B2}"/>
               </a:ext>
             </a:extLst>
           </p:cNvPr>
@@ -12294,7 +12294,7 @@
           <p:cNvPr id="43" name="Connecteur droit 42">
             <a:extLst>
               <a:ext uri="{FF2B5EF4-FFF2-40B4-BE49-F238E27FC236}">
-                <a16:creationId xmlns="" xmlns:a16="http://schemas.microsoft.com/office/drawing/2014/main" id="{14858095-04C0-47E0-BA6E-8947B6A74606}"/>
+                <a16:creationId xmlns:a16="http://schemas.microsoft.com/office/drawing/2014/main" xmlns="" id="{14858095-04C0-47E0-BA6E-8947B6A74606}"/>
               </a:ext>
             </a:extLst>
           </p:cNvPr>
@@ -12339,7 +12339,7 @@
           <p:cNvPr id="44" name="Ellipse 43">
             <a:extLst>
               <a:ext uri="{FF2B5EF4-FFF2-40B4-BE49-F238E27FC236}">
-                <a16:creationId xmlns="" xmlns:a16="http://schemas.microsoft.com/office/drawing/2014/main" id="{D78F0AEB-9429-4B9D-A2FA-32388985336A}"/>
+                <a16:creationId xmlns:a16="http://schemas.microsoft.com/office/drawing/2014/main" xmlns="" id="{D78F0AEB-9429-4B9D-A2FA-32388985336A}"/>
               </a:ext>
             </a:extLst>
           </p:cNvPr>
@@ -12388,7 +12388,7 @@
           <p:cNvPr id="45" name="Organigramme : Opération manuelle 44">
             <a:extLst>
               <a:ext uri="{FF2B5EF4-FFF2-40B4-BE49-F238E27FC236}">
-                <a16:creationId xmlns="" xmlns:a16="http://schemas.microsoft.com/office/drawing/2014/main" id="{BE768354-8668-4675-A6E4-84F039D4BD9F}"/>
+                <a16:creationId xmlns:a16="http://schemas.microsoft.com/office/drawing/2014/main" xmlns="" id="{BE768354-8668-4675-A6E4-84F039D4BD9F}"/>
               </a:ext>
             </a:extLst>
           </p:cNvPr>
@@ -12434,7 +12434,7 @@
           <p:cNvPr id="46" name="Organigramme : Opération manuelle 45">
             <a:extLst>
               <a:ext uri="{FF2B5EF4-FFF2-40B4-BE49-F238E27FC236}">
-                <a16:creationId xmlns="" xmlns:a16="http://schemas.microsoft.com/office/drawing/2014/main" id="{5E3B31DA-205C-4831-8663-3EE4C7367577}"/>
+                <a16:creationId xmlns:a16="http://schemas.microsoft.com/office/drawing/2014/main" xmlns="" id="{5E3B31DA-205C-4831-8663-3EE4C7367577}"/>
               </a:ext>
             </a:extLst>
           </p:cNvPr>
@@ -12480,7 +12480,7 @@
           <p:cNvPr id="47" name="Organigramme : Opération manuelle 46">
             <a:extLst>
               <a:ext uri="{FF2B5EF4-FFF2-40B4-BE49-F238E27FC236}">
-                <a16:creationId xmlns="" xmlns:a16="http://schemas.microsoft.com/office/drawing/2014/main" id="{C94537A1-5F3A-46CA-B701-E1D8EA6F669E}"/>
+                <a16:creationId xmlns:a16="http://schemas.microsoft.com/office/drawing/2014/main" xmlns="" id="{C94537A1-5F3A-46CA-B701-E1D8EA6F669E}"/>
               </a:ext>
             </a:extLst>
           </p:cNvPr>
@@ -12526,7 +12526,7 @@
           <p:cNvPr id="48" name="Organigramme : Opération manuelle 47">
             <a:extLst>
               <a:ext uri="{FF2B5EF4-FFF2-40B4-BE49-F238E27FC236}">
-                <a16:creationId xmlns="" xmlns:a16="http://schemas.microsoft.com/office/drawing/2014/main" id="{DEC14131-B1A7-438A-AB64-0C4C90454FAF}"/>
+                <a16:creationId xmlns:a16="http://schemas.microsoft.com/office/drawing/2014/main" xmlns="" id="{DEC14131-B1A7-438A-AB64-0C4C90454FAF}"/>
               </a:ext>
             </a:extLst>
           </p:cNvPr>
@@ -12572,7 +12572,7 @@
           <p:cNvPr id="49" name="Ellipse 48">
             <a:extLst>
               <a:ext uri="{FF2B5EF4-FFF2-40B4-BE49-F238E27FC236}">
-                <a16:creationId xmlns="" xmlns:a16="http://schemas.microsoft.com/office/drawing/2014/main" id="{57ED967F-2403-47CF-90B7-AB0649FDEBF6}"/>
+                <a16:creationId xmlns:a16="http://schemas.microsoft.com/office/drawing/2014/main" xmlns="" id="{57ED967F-2403-47CF-90B7-AB0649FDEBF6}"/>
               </a:ext>
             </a:extLst>
           </p:cNvPr>
@@ -12621,7 +12621,7 @@
           <p:cNvPr id="50" name="Organigramme : Opération manuelle 49">
             <a:extLst>
               <a:ext uri="{FF2B5EF4-FFF2-40B4-BE49-F238E27FC236}">
-                <a16:creationId xmlns="" xmlns:a16="http://schemas.microsoft.com/office/drawing/2014/main" id="{5B199164-FB82-41BC-B08E-F96C799ABBE9}"/>
+                <a16:creationId xmlns:a16="http://schemas.microsoft.com/office/drawing/2014/main" xmlns="" id="{5B199164-FB82-41BC-B08E-F96C799ABBE9}"/>
               </a:ext>
             </a:extLst>
           </p:cNvPr>
@@ -12667,7 +12667,7 @@
           <p:cNvPr id="51" name="Organigramme : Opération manuelle 50">
             <a:extLst>
               <a:ext uri="{FF2B5EF4-FFF2-40B4-BE49-F238E27FC236}">
-                <a16:creationId xmlns="" xmlns:a16="http://schemas.microsoft.com/office/drawing/2014/main" id="{7B70BBD9-D78E-494A-8051-F4DD42B6C98C}"/>
+                <a16:creationId xmlns:a16="http://schemas.microsoft.com/office/drawing/2014/main" xmlns="" id="{7B70BBD9-D78E-494A-8051-F4DD42B6C98C}"/>
               </a:ext>
             </a:extLst>
           </p:cNvPr>
@@ -12713,7 +12713,7 @@
           <p:cNvPr id="52" name="Organigramme : Opération manuelle 51">
             <a:extLst>
               <a:ext uri="{FF2B5EF4-FFF2-40B4-BE49-F238E27FC236}">
-                <a16:creationId xmlns="" xmlns:a16="http://schemas.microsoft.com/office/drawing/2014/main" id="{A2E12316-19B7-4AFE-A151-7A75A6117B39}"/>
+                <a16:creationId xmlns:a16="http://schemas.microsoft.com/office/drawing/2014/main" xmlns="" id="{A2E12316-19B7-4AFE-A151-7A75A6117B39}"/>
               </a:ext>
             </a:extLst>
           </p:cNvPr>
@@ -12759,7 +12759,7 @@
           <p:cNvPr id="53" name="Organigramme : Opération manuelle 52">
             <a:extLst>
               <a:ext uri="{FF2B5EF4-FFF2-40B4-BE49-F238E27FC236}">
-                <a16:creationId xmlns="" xmlns:a16="http://schemas.microsoft.com/office/drawing/2014/main" id="{41F32346-726A-41D5-84CD-218EC20EF107}"/>
+                <a16:creationId xmlns:a16="http://schemas.microsoft.com/office/drawing/2014/main" xmlns="" id="{41F32346-726A-41D5-84CD-218EC20EF107}"/>
               </a:ext>
             </a:extLst>
           </p:cNvPr>
@@ -12805,7 +12805,7 @@
           <p:cNvPr id="54" name="Ellipse 53">
             <a:extLst>
               <a:ext uri="{FF2B5EF4-FFF2-40B4-BE49-F238E27FC236}">
-                <a16:creationId xmlns="" xmlns:a16="http://schemas.microsoft.com/office/drawing/2014/main" id="{E31D655E-B249-4414-AE34-B67AD7800953}"/>
+                <a16:creationId xmlns:a16="http://schemas.microsoft.com/office/drawing/2014/main" xmlns="" id="{E31D655E-B249-4414-AE34-B67AD7800953}"/>
               </a:ext>
             </a:extLst>
           </p:cNvPr>
@@ -12854,7 +12854,7 @@
           <p:cNvPr id="55" name="Organigramme : Opération manuelle 54">
             <a:extLst>
               <a:ext uri="{FF2B5EF4-FFF2-40B4-BE49-F238E27FC236}">
-                <a16:creationId xmlns="" xmlns:a16="http://schemas.microsoft.com/office/drawing/2014/main" id="{0570133B-4647-4695-AB44-838B0D5A0C04}"/>
+                <a16:creationId xmlns:a16="http://schemas.microsoft.com/office/drawing/2014/main" xmlns="" id="{0570133B-4647-4695-AB44-838B0D5A0C04}"/>
               </a:ext>
             </a:extLst>
           </p:cNvPr>
@@ -12900,7 +12900,7 @@
           <p:cNvPr id="56" name="Organigramme : Opération manuelle 55">
             <a:extLst>
               <a:ext uri="{FF2B5EF4-FFF2-40B4-BE49-F238E27FC236}">
-                <a16:creationId xmlns="" xmlns:a16="http://schemas.microsoft.com/office/drawing/2014/main" id="{041BC852-606F-465B-AE72-9A8673581C5E}"/>
+                <a16:creationId xmlns:a16="http://schemas.microsoft.com/office/drawing/2014/main" xmlns="" id="{041BC852-606F-465B-AE72-9A8673581C5E}"/>
               </a:ext>
             </a:extLst>
           </p:cNvPr>
@@ -12946,7 +12946,7 @@
           <p:cNvPr id="57" name="Organigramme : Opération manuelle 56">
             <a:extLst>
               <a:ext uri="{FF2B5EF4-FFF2-40B4-BE49-F238E27FC236}">
-                <a16:creationId xmlns="" xmlns:a16="http://schemas.microsoft.com/office/drawing/2014/main" id="{DA61E444-A567-4828-9EB5-51967FD9EE7A}"/>
+                <a16:creationId xmlns:a16="http://schemas.microsoft.com/office/drawing/2014/main" xmlns="" id="{DA61E444-A567-4828-9EB5-51967FD9EE7A}"/>
               </a:ext>
             </a:extLst>
           </p:cNvPr>
@@ -12992,7 +12992,7 @@
           <p:cNvPr id="58" name="Organigramme : Opération manuelle 57">
             <a:extLst>
               <a:ext uri="{FF2B5EF4-FFF2-40B4-BE49-F238E27FC236}">
-                <a16:creationId xmlns="" xmlns:a16="http://schemas.microsoft.com/office/drawing/2014/main" id="{702971F1-FBB5-43A8-B0EE-9AAA49378AAB}"/>
+                <a16:creationId xmlns:a16="http://schemas.microsoft.com/office/drawing/2014/main" xmlns="" id="{702971F1-FBB5-43A8-B0EE-9AAA49378AAB}"/>
               </a:ext>
             </a:extLst>
           </p:cNvPr>
@@ -13038,7 +13038,7 @@
           <p:cNvPr id="59" name="Ellipse 58">
             <a:extLst>
               <a:ext uri="{FF2B5EF4-FFF2-40B4-BE49-F238E27FC236}">
-                <a16:creationId xmlns="" xmlns:a16="http://schemas.microsoft.com/office/drawing/2014/main" id="{FEA95C18-4499-4E6F-A4C2-1FB58CA00A60}"/>
+                <a16:creationId xmlns:a16="http://schemas.microsoft.com/office/drawing/2014/main" xmlns="" id="{FEA95C18-4499-4E6F-A4C2-1FB58CA00A60}"/>
               </a:ext>
             </a:extLst>
           </p:cNvPr>
@@ -13087,7 +13087,7 @@
           <p:cNvPr id="60" name="Organigramme : Opération manuelle 59">
             <a:extLst>
               <a:ext uri="{FF2B5EF4-FFF2-40B4-BE49-F238E27FC236}">
-                <a16:creationId xmlns="" xmlns:a16="http://schemas.microsoft.com/office/drawing/2014/main" id="{CD43C8E4-1F23-46D8-BBFC-E4E53C18C3BD}"/>
+                <a16:creationId xmlns:a16="http://schemas.microsoft.com/office/drawing/2014/main" xmlns="" id="{CD43C8E4-1F23-46D8-BBFC-E4E53C18C3BD}"/>
               </a:ext>
             </a:extLst>
           </p:cNvPr>
@@ -13133,7 +13133,7 @@
           <p:cNvPr id="61" name="Organigramme : Opération manuelle 60">
             <a:extLst>
               <a:ext uri="{FF2B5EF4-FFF2-40B4-BE49-F238E27FC236}">
-                <a16:creationId xmlns="" xmlns:a16="http://schemas.microsoft.com/office/drawing/2014/main" id="{57C7D8CF-C749-4080-99CF-7B7C049DFBFB}"/>
+                <a16:creationId xmlns:a16="http://schemas.microsoft.com/office/drawing/2014/main" xmlns="" id="{57C7D8CF-C749-4080-99CF-7B7C049DFBFB}"/>
               </a:ext>
             </a:extLst>
           </p:cNvPr>
@@ -13179,7 +13179,7 @@
           <p:cNvPr id="62" name="Organigramme : Opération manuelle 61">
             <a:extLst>
               <a:ext uri="{FF2B5EF4-FFF2-40B4-BE49-F238E27FC236}">
-                <a16:creationId xmlns="" xmlns:a16="http://schemas.microsoft.com/office/drawing/2014/main" id="{5277FDD6-02A1-4EA9-ACBC-A14ABAEF5AD9}"/>
+                <a16:creationId xmlns:a16="http://schemas.microsoft.com/office/drawing/2014/main" xmlns="" id="{5277FDD6-02A1-4EA9-ACBC-A14ABAEF5AD9}"/>
               </a:ext>
             </a:extLst>
           </p:cNvPr>
@@ -13225,7 +13225,7 @@
           <p:cNvPr id="63" name="Organigramme : Opération manuelle 62">
             <a:extLst>
               <a:ext uri="{FF2B5EF4-FFF2-40B4-BE49-F238E27FC236}">
-                <a16:creationId xmlns="" xmlns:a16="http://schemas.microsoft.com/office/drawing/2014/main" id="{66420B32-DB23-47E2-8295-B4FC92FE1B14}"/>
+                <a16:creationId xmlns:a16="http://schemas.microsoft.com/office/drawing/2014/main" xmlns="" id="{66420B32-DB23-47E2-8295-B4FC92FE1B14}"/>
               </a:ext>
             </a:extLst>
           </p:cNvPr>
@@ -13271,7 +13271,7 @@
           <p:cNvPr id="64" name="Connecteur droit 63">
             <a:extLst>
               <a:ext uri="{FF2B5EF4-FFF2-40B4-BE49-F238E27FC236}">
-                <a16:creationId xmlns="" xmlns:a16="http://schemas.microsoft.com/office/drawing/2014/main" id="{631B3EC7-1AAC-421B-B9B3-D2C8ED851FF0}"/>
+                <a16:creationId xmlns:a16="http://schemas.microsoft.com/office/drawing/2014/main" xmlns="" id="{631B3EC7-1AAC-421B-B9B3-D2C8ED851FF0}"/>
               </a:ext>
             </a:extLst>
           </p:cNvPr>
@@ -13318,7 +13318,7 @@
           <p:cNvPr id="66" name="Rectangle : coins arrondis 65">
             <a:extLst>
               <a:ext uri="{FF2B5EF4-FFF2-40B4-BE49-F238E27FC236}">
-                <a16:creationId xmlns="" xmlns:a16="http://schemas.microsoft.com/office/drawing/2014/main" id="{F76F844B-73AE-4860-B262-3CFFC7CEA1E9}"/>
+                <a16:creationId xmlns:a16="http://schemas.microsoft.com/office/drawing/2014/main" xmlns="" id="{F76F844B-73AE-4860-B262-3CFFC7CEA1E9}"/>
               </a:ext>
             </a:extLst>
           </p:cNvPr>
@@ -13372,7 +13372,7 @@
           <p:cNvPr id="67" name="Rectangle 66">
             <a:extLst>
               <a:ext uri="{FF2B5EF4-FFF2-40B4-BE49-F238E27FC236}">
-                <a16:creationId xmlns="" xmlns:a16="http://schemas.microsoft.com/office/drawing/2014/main" id="{34A081A0-E7E6-479F-9161-22B9EEC0AF00}"/>
+                <a16:creationId xmlns:a16="http://schemas.microsoft.com/office/drawing/2014/main" xmlns="" id="{34A081A0-E7E6-479F-9161-22B9EEC0AF00}"/>
               </a:ext>
             </a:extLst>
           </p:cNvPr>
@@ -13416,7 +13416,7 @@
           <p:cNvPr id="68" name="Rectangle 67">
             <a:extLst>
               <a:ext uri="{FF2B5EF4-FFF2-40B4-BE49-F238E27FC236}">
-                <a16:creationId xmlns="" xmlns:a16="http://schemas.microsoft.com/office/drawing/2014/main" id="{D70B9E5F-3772-49BE-B49A-74B5CCC2177C}"/>
+                <a16:creationId xmlns:a16="http://schemas.microsoft.com/office/drawing/2014/main" xmlns="" id="{D70B9E5F-3772-49BE-B49A-74B5CCC2177C}"/>
               </a:ext>
             </a:extLst>
           </p:cNvPr>
@@ -13462,7 +13462,7 @@
           <p:cNvPr id="69" name="Rectangle 68">
             <a:extLst>
               <a:ext uri="{FF2B5EF4-FFF2-40B4-BE49-F238E27FC236}">
-                <a16:creationId xmlns="" xmlns:a16="http://schemas.microsoft.com/office/drawing/2014/main" id="{97650997-A9BE-42ED-95A2-175CFCFC9C49}"/>
+                <a16:creationId xmlns:a16="http://schemas.microsoft.com/office/drawing/2014/main" xmlns="" id="{97650997-A9BE-42ED-95A2-175CFCFC9C49}"/>
               </a:ext>
             </a:extLst>
           </p:cNvPr>
@@ -13508,7 +13508,7 @@
           <p:cNvPr id="70" name="Rectangle 69">
             <a:extLst>
               <a:ext uri="{FF2B5EF4-FFF2-40B4-BE49-F238E27FC236}">
-                <a16:creationId xmlns="" xmlns:a16="http://schemas.microsoft.com/office/drawing/2014/main" id="{AFE9E62B-E28B-4508-A451-55037ED3FF15}"/>
+                <a16:creationId xmlns:a16="http://schemas.microsoft.com/office/drawing/2014/main" xmlns="" id="{AFE9E62B-E28B-4508-A451-55037ED3FF15}"/>
               </a:ext>
             </a:extLst>
           </p:cNvPr>
@@ -13554,7 +13554,7 @@
           <p:cNvPr id="71" name="Rectangle 70">
             <a:extLst>
               <a:ext uri="{FF2B5EF4-FFF2-40B4-BE49-F238E27FC236}">
-                <a16:creationId xmlns="" xmlns:a16="http://schemas.microsoft.com/office/drawing/2014/main" id="{6C0DD773-12A0-49A0-AF3E-549D4911B481}"/>
+                <a16:creationId xmlns:a16="http://schemas.microsoft.com/office/drawing/2014/main" xmlns="" id="{6C0DD773-12A0-49A0-AF3E-549D4911B481}"/>
               </a:ext>
             </a:extLst>
           </p:cNvPr>
@@ -13600,7 +13600,7 @@
           <p:cNvPr id="72" name="Rectangle 71">
             <a:extLst>
               <a:ext uri="{FF2B5EF4-FFF2-40B4-BE49-F238E27FC236}">
-                <a16:creationId xmlns="" xmlns:a16="http://schemas.microsoft.com/office/drawing/2014/main" id="{2546D4EB-1182-4343-A3FD-6DF4A1C45A97}"/>
+                <a16:creationId xmlns:a16="http://schemas.microsoft.com/office/drawing/2014/main" xmlns="" id="{2546D4EB-1182-4343-A3FD-6DF4A1C45A97}"/>
               </a:ext>
             </a:extLst>
           </p:cNvPr>
@@ -13646,7 +13646,7 @@
           <p:cNvPr id="73" name="Rectangle 72">
             <a:extLst>
               <a:ext uri="{FF2B5EF4-FFF2-40B4-BE49-F238E27FC236}">
-                <a16:creationId xmlns="" xmlns:a16="http://schemas.microsoft.com/office/drawing/2014/main" id="{DE5C654A-2F21-4102-A55D-51863B983632}"/>
+                <a16:creationId xmlns:a16="http://schemas.microsoft.com/office/drawing/2014/main" xmlns="" id="{DE5C654A-2F21-4102-A55D-51863B983632}"/>
               </a:ext>
             </a:extLst>
           </p:cNvPr>
@@ -13692,7 +13692,7 @@
           <p:cNvPr id="74" name="Rectangle 73">
             <a:extLst>
               <a:ext uri="{FF2B5EF4-FFF2-40B4-BE49-F238E27FC236}">
-                <a16:creationId xmlns="" xmlns:a16="http://schemas.microsoft.com/office/drawing/2014/main" id="{AD7FE707-1FC7-40B6-842A-29ADA3A17273}"/>
+                <a16:creationId xmlns:a16="http://schemas.microsoft.com/office/drawing/2014/main" xmlns="" id="{AD7FE707-1FC7-40B6-842A-29ADA3A17273}"/>
               </a:ext>
             </a:extLst>
           </p:cNvPr>
@@ -13738,7 +13738,7 @@
           <p:cNvPr id="75" name="Rectangle 74">
             <a:extLst>
               <a:ext uri="{FF2B5EF4-FFF2-40B4-BE49-F238E27FC236}">
-                <a16:creationId xmlns="" xmlns:a16="http://schemas.microsoft.com/office/drawing/2014/main" id="{D99A4C18-6C81-4F8D-96BD-C2AF1D7C11B0}"/>
+                <a16:creationId xmlns:a16="http://schemas.microsoft.com/office/drawing/2014/main" xmlns="" id="{D99A4C18-6C81-4F8D-96BD-C2AF1D7C11B0}"/>
               </a:ext>
             </a:extLst>
           </p:cNvPr>
@@ -13784,7 +13784,7 @@
           <p:cNvPr id="76" name="Rectangle 75">
             <a:extLst>
               <a:ext uri="{FF2B5EF4-FFF2-40B4-BE49-F238E27FC236}">
-                <a16:creationId xmlns="" xmlns:a16="http://schemas.microsoft.com/office/drawing/2014/main" id="{F2DAE333-16A6-4D4B-8D8C-87C58D898AAC}"/>
+                <a16:creationId xmlns:a16="http://schemas.microsoft.com/office/drawing/2014/main" xmlns="" id="{F2DAE333-16A6-4D4B-8D8C-87C58D898AAC}"/>
               </a:ext>
             </a:extLst>
           </p:cNvPr>
@@ -13830,7 +13830,7 @@
           <p:cNvPr id="77" name="Rectangle 76">
             <a:extLst>
               <a:ext uri="{FF2B5EF4-FFF2-40B4-BE49-F238E27FC236}">
-                <a16:creationId xmlns="" xmlns:a16="http://schemas.microsoft.com/office/drawing/2014/main" id="{3BBC9C63-263C-41DE-8B1F-9AD82D1C8089}"/>
+                <a16:creationId xmlns:a16="http://schemas.microsoft.com/office/drawing/2014/main" xmlns="" id="{3BBC9C63-263C-41DE-8B1F-9AD82D1C8089}"/>
               </a:ext>
             </a:extLst>
           </p:cNvPr>
@@ -13876,7 +13876,7 @@
           <p:cNvPr id="78" name="Rectangle 77">
             <a:extLst>
               <a:ext uri="{FF2B5EF4-FFF2-40B4-BE49-F238E27FC236}">
-                <a16:creationId xmlns="" xmlns:a16="http://schemas.microsoft.com/office/drawing/2014/main" id="{EC2AB87B-C366-4D3E-A86E-329E6664C047}"/>
+                <a16:creationId xmlns:a16="http://schemas.microsoft.com/office/drawing/2014/main" xmlns="" id="{EC2AB87B-C366-4D3E-A86E-329E6664C047}"/>
               </a:ext>
             </a:extLst>
           </p:cNvPr>
@@ -13922,7 +13922,7 @@
           <p:cNvPr id="79" name="Rectangle 78">
             <a:extLst>
               <a:ext uri="{FF2B5EF4-FFF2-40B4-BE49-F238E27FC236}">
-                <a16:creationId xmlns="" xmlns:a16="http://schemas.microsoft.com/office/drawing/2014/main" id="{61657DD6-4421-46E0-8AF9-647C74447693}"/>
+                <a16:creationId xmlns:a16="http://schemas.microsoft.com/office/drawing/2014/main" xmlns="" id="{61657DD6-4421-46E0-8AF9-647C74447693}"/>
               </a:ext>
             </a:extLst>
           </p:cNvPr>
@@ -13968,7 +13968,7 @@
           <p:cNvPr id="80" name="Rectangle 79">
             <a:extLst>
               <a:ext uri="{FF2B5EF4-FFF2-40B4-BE49-F238E27FC236}">
-                <a16:creationId xmlns="" xmlns:a16="http://schemas.microsoft.com/office/drawing/2014/main" id="{796AF5D3-BE2B-40E2-B8EC-DF0492E591EB}"/>
+                <a16:creationId xmlns:a16="http://schemas.microsoft.com/office/drawing/2014/main" xmlns="" id="{796AF5D3-BE2B-40E2-B8EC-DF0492E591EB}"/>
               </a:ext>
             </a:extLst>
           </p:cNvPr>
@@ -14014,7 +14014,7 @@
           <p:cNvPr id="81" name="Rectangle 80">
             <a:extLst>
               <a:ext uri="{FF2B5EF4-FFF2-40B4-BE49-F238E27FC236}">
-                <a16:creationId xmlns="" xmlns:a16="http://schemas.microsoft.com/office/drawing/2014/main" id="{BE5BDD4C-CB37-48C5-B6B5-2332151B3D06}"/>
+                <a16:creationId xmlns:a16="http://schemas.microsoft.com/office/drawing/2014/main" xmlns="" id="{BE5BDD4C-CB37-48C5-B6B5-2332151B3D06}"/>
               </a:ext>
             </a:extLst>
           </p:cNvPr>
@@ -14060,7 +14060,7 @@
           <p:cNvPr id="82" name="Rectangle 81">
             <a:extLst>
               <a:ext uri="{FF2B5EF4-FFF2-40B4-BE49-F238E27FC236}">
-                <a16:creationId xmlns="" xmlns:a16="http://schemas.microsoft.com/office/drawing/2014/main" id="{0443AE76-98E0-49AE-9E5D-254D547E5DF9}"/>
+                <a16:creationId xmlns:a16="http://schemas.microsoft.com/office/drawing/2014/main" xmlns="" id="{0443AE76-98E0-49AE-9E5D-254D547E5DF9}"/>
               </a:ext>
             </a:extLst>
           </p:cNvPr>
@@ -14106,7 +14106,7 @@
           <p:cNvPr id="83" name="Rectangle 82">
             <a:extLst>
               <a:ext uri="{FF2B5EF4-FFF2-40B4-BE49-F238E27FC236}">
-                <a16:creationId xmlns="" xmlns:a16="http://schemas.microsoft.com/office/drawing/2014/main" id="{16A08437-F7D6-41FA-940D-D0ECE9FD3E18}"/>
+                <a16:creationId xmlns:a16="http://schemas.microsoft.com/office/drawing/2014/main" xmlns="" id="{16A08437-F7D6-41FA-940D-D0ECE9FD3E18}"/>
               </a:ext>
             </a:extLst>
           </p:cNvPr>
@@ -14152,7 +14152,7 @@
           <p:cNvPr id="84" name="Ellipse 83">
             <a:extLst>
               <a:ext uri="{FF2B5EF4-FFF2-40B4-BE49-F238E27FC236}">
-                <a16:creationId xmlns="" xmlns:a16="http://schemas.microsoft.com/office/drawing/2014/main" id="{AD276A69-E7EF-4D3B-ADAB-3DA9335511C7}"/>
+                <a16:creationId xmlns:a16="http://schemas.microsoft.com/office/drawing/2014/main" xmlns="" id="{AD276A69-E7EF-4D3B-ADAB-3DA9335511C7}"/>
               </a:ext>
             </a:extLst>
           </p:cNvPr>
@@ -14198,7 +14198,7 @@
           <p:cNvPr id="85" name="Ellipse 84">
             <a:extLst>
               <a:ext uri="{FF2B5EF4-FFF2-40B4-BE49-F238E27FC236}">
-                <a16:creationId xmlns="" xmlns:a16="http://schemas.microsoft.com/office/drawing/2014/main" id="{D4F49EFD-A656-44A7-B774-1A1C257AE6D6}"/>
+                <a16:creationId xmlns:a16="http://schemas.microsoft.com/office/drawing/2014/main" xmlns="" id="{D4F49EFD-A656-44A7-B774-1A1C257AE6D6}"/>
               </a:ext>
             </a:extLst>
           </p:cNvPr>
@@ -14244,7 +14244,7 @@
           <p:cNvPr id="86" name="Ellipse 85">
             <a:extLst>
               <a:ext uri="{FF2B5EF4-FFF2-40B4-BE49-F238E27FC236}">
-                <a16:creationId xmlns="" xmlns:a16="http://schemas.microsoft.com/office/drawing/2014/main" id="{1F010599-EEB3-44FF-9812-673A5E5232C2}"/>
+                <a16:creationId xmlns:a16="http://schemas.microsoft.com/office/drawing/2014/main" xmlns="" id="{1F010599-EEB3-44FF-9812-673A5E5232C2}"/>
               </a:ext>
             </a:extLst>
           </p:cNvPr>
@@ -14290,7 +14290,7 @@
           <p:cNvPr id="87" name="Ellipse 86">
             <a:extLst>
               <a:ext uri="{FF2B5EF4-FFF2-40B4-BE49-F238E27FC236}">
-                <a16:creationId xmlns="" xmlns:a16="http://schemas.microsoft.com/office/drawing/2014/main" id="{372F645B-1C8B-44CA-83A3-2A0D673E121A}"/>
+                <a16:creationId xmlns:a16="http://schemas.microsoft.com/office/drawing/2014/main" xmlns="" id="{372F645B-1C8B-44CA-83A3-2A0D673E121A}"/>
               </a:ext>
             </a:extLst>
           </p:cNvPr>
@@ -14336,7 +14336,7 @@
           <p:cNvPr id="88" name="Connecteur droit 87">
             <a:extLst>
               <a:ext uri="{FF2B5EF4-FFF2-40B4-BE49-F238E27FC236}">
-                <a16:creationId xmlns="" xmlns:a16="http://schemas.microsoft.com/office/drawing/2014/main" id="{E60F88EE-7000-4657-B0FD-36E5A314EE6A}"/>
+                <a16:creationId xmlns:a16="http://schemas.microsoft.com/office/drawing/2014/main" xmlns="" id="{E60F88EE-7000-4657-B0FD-36E5A314EE6A}"/>
               </a:ext>
             </a:extLst>
           </p:cNvPr>
@@ -14379,7 +14379,7 @@
           <p:cNvPr id="89" name="Connecteur droit 88">
             <a:extLst>
               <a:ext uri="{FF2B5EF4-FFF2-40B4-BE49-F238E27FC236}">
-                <a16:creationId xmlns="" xmlns:a16="http://schemas.microsoft.com/office/drawing/2014/main" id="{501004A4-D5FE-4B61-ABC0-2E9A0D74516C}"/>
+                <a16:creationId xmlns:a16="http://schemas.microsoft.com/office/drawing/2014/main" xmlns="" id="{501004A4-D5FE-4B61-ABC0-2E9A0D74516C}"/>
               </a:ext>
             </a:extLst>
           </p:cNvPr>
@@ -14422,7 +14422,7 @@
           <p:cNvPr id="90" name="Connecteur droit 89">
             <a:extLst>
               <a:ext uri="{FF2B5EF4-FFF2-40B4-BE49-F238E27FC236}">
-                <a16:creationId xmlns="" xmlns:a16="http://schemas.microsoft.com/office/drawing/2014/main" id="{29C501C1-3485-4AAB-8A97-FB6953F9A97F}"/>
+                <a16:creationId xmlns:a16="http://schemas.microsoft.com/office/drawing/2014/main" xmlns="" id="{29C501C1-3485-4AAB-8A97-FB6953F9A97F}"/>
               </a:ext>
             </a:extLst>
           </p:cNvPr>
@@ -14465,7 +14465,7 @@
           <p:cNvPr id="91" name="Connecteur droit 90">
             <a:extLst>
               <a:ext uri="{FF2B5EF4-FFF2-40B4-BE49-F238E27FC236}">
-                <a16:creationId xmlns="" xmlns:a16="http://schemas.microsoft.com/office/drawing/2014/main" id="{94EFA8BE-7979-4E4E-BEEB-E09C44167113}"/>
+                <a16:creationId xmlns:a16="http://schemas.microsoft.com/office/drawing/2014/main" xmlns="" id="{94EFA8BE-7979-4E4E-BEEB-E09C44167113}"/>
               </a:ext>
             </a:extLst>
           </p:cNvPr>
@@ -14508,7 +14508,7 @@
           <p:cNvPr id="92" name="Rectangle : coins arrondis 91">
             <a:extLst>
               <a:ext uri="{FF2B5EF4-FFF2-40B4-BE49-F238E27FC236}">
-                <a16:creationId xmlns="" xmlns:a16="http://schemas.microsoft.com/office/drawing/2014/main" id="{55206765-4672-4F8D-9E01-D5EFFB20D9D9}"/>
+                <a16:creationId xmlns:a16="http://schemas.microsoft.com/office/drawing/2014/main" xmlns="" id="{55206765-4672-4F8D-9E01-D5EFFB20D9D9}"/>
               </a:ext>
             </a:extLst>
           </p:cNvPr>
@@ -14554,7 +14554,7 @@
           <p:cNvPr id="93" name="Rectangle : coins arrondis 92">
             <a:extLst>
               <a:ext uri="{FF2B5EF4-FFF2-40B4-BE49-F238E27FC236}">
-                <a16:creationId xmlns="" xmlns:a16="http://schemas.microsoft.com/office/drawing/2014/main" id="{27CE9D6C-D41D-4D60-9083-F85D94D168EB}"/>
+                <a16:creationId xmlns:a16="http://schemas.microsoft.com/office/drawing/2014/main" xmlns="" id="{27CE9D6C-D41D-4D60-9083-F85D94D168EB}"/>
               </a:ext>
             </a:extLst>
           </p:cNvPr>
@@ -14600,7 +14600,7 @@
           <p:cNvPr id="94" name="Rectangle : coins arrondis 93">
             <a:extLst>
               <a:ext uri="{FF2B5EF4-FFF2-40B4-BE49-F238E27FC236}">
-                <a16:creationId xmlns="" xmlns:a16="http://schemas.microsoft.com/office/drawing/2014/main" id="{2CA9662B-7B58-4CAD-8B32-92C191936058}"/>
+                <a16:creationId xmlns:a16="http://schemas.microsoft.com/office/drawing/2014/main" xmlns="" id="{2CA9662B-7B58-4CAD-8B32-92C191936058}"/>
               </a:ext>
             </a:extLst>
           </p:cNvPr>
@@ -14646,7 +14646,7 @@
           <p:cNvPr id="95" name="Rectangle : coins arrondis 94">
             <a:extLst>
               <a:ext uri="{FF2B5EF4-FFF2-40B4-BE49-F238E27FC236}">
-                <a16:creationId xmlns="" xmlns:a16="http://schemas.microsoft.com/office/drawing/2014/main" id="{C0CB2C8F-D525-40BB-AD44-D099BC5C510B}"/>
+                <a16:creationId xmlns:a16="http://schemas.microsoft.com/office/drawing/2014/main" xmlns="" id="{C0CB2C8F-D525-40BB-AD44-D099BC5C510B}"/>
               </a:ext>
             </a:extLst>
           </p:cNvPr>
@@ -14692,7 +14692,7 @@
           <p:cNvPr id="96" name="Connecteur droit 95">
             <a:extLst>
               <a:ext uri="{FF2B5EF4-FFF2-40B4-BE49-F238E27FC236}">
-                <a16:creationId xmlns="" xmlns:a16="http://schemas.microsoft.com/office/drawing/2014/main" id="{4FBAD689-8EDC-4A47-94C2-D452D3C40A35}"/>
+                <a16:creationId xmlns:a16="http://schemas.microsoft.com/office/drawing/2014/main" xmlns="" id="{4FBAD689-8EDC-4A47-94C2-D452D3C40A35}"/>
               </a:ext>
             </a:extLst>
           </p:cNvPr>
@@ -14737,7 +14737,7 @@
           <p:cNvPr id="97" name="Connecteur droit 96">
             <a:extLst>
               <a:ext uri="{FF2B5EF4-FFF2-40B4-BE49-F238E27FC236}">
-                <a16:creationId xmlns="" xmlns:a16="http://schemas.microsoft.com/office/drawing/2014/main" id="{C1A4BA32-7FDF-40A6-A7DB-C7D1A2459269}"/>
+                <a16:creationId xmlns:a16="http://schemas.microsoft.com/office/drawing/2014/main" xmlns="" id="{C1A4BA32-7FDF-40A6-A7DB-C7D1A2459269}"/>
               </a:ext>
             </a:extLst>
           </p:cNvPr>
@@ -14782,7 +14782,7 @@
           <p:cNvPr id="98" name="Connecteur droit 97">
             <a:extLst>
               <a:ext uri="{FF2B5EF4-FFF2-40B4-BE49-F238E27FC236}">
-                <a16:creationId xmlns="" xmlns:a16="http://schemas.microsoft.com/office/drawing/2014/main" id="{93CB8DA8-FA29-42CC-BDB4-78BFA756C087}"/>
+                <a16:creationId xmlns:a16="http://schemas.microsoft.com/office/drawing/2014/main" xmlns="" id="{93CB8DA8-FA29-42CC-BDB4-78BFA756C087}"/>
               </a:ext>
             </a:extLst>
           </p:cNvPr>
@@ -14827,7 +14827,7 @@
           <p:cNvPr id="99" name="Connecteur droit 98">
             <a:extLst>
               <a:ext uri="{FF2B5EF4-FFF2-40B4-BE49-F238E27FC236}">
-                <a16:creationId xmlns="" xmlns:a16="http://schemas.microsoft.com/office/drawing/2014/main" id="{432FFC5B-3FC7-475F-898A-DAB81849CC56}"/>
+                <a16:creationId xmlns:a16="http://schemas.microsoft.com/office/drawing/2014/main" xmlns="" id="{432FFC5B-3FC7-475F-898A-DAB81849CC56}"/>
               </a:ext>
             </a:extLst>
           </p:cNvPr>
@@ -14872,7 +14872,7 @@
           <p:cNvPr id="100" name="Ellipse 99">
             <a:extLst>
               <a:ext uri="{FF2B5EF4-FFF2-40B4-BE49-F238E27FC236}">
-                <a16:creationId xmlns="" xmlns:a16="http://schemas.microsoft.com/office/drawing/2014/main" id="{9BF50C65-0E69-4862-9D01-1AE70EA6BA08}"/>
+                <a16:creationId xmlns:a16="http://schemas.microsoft.com/office/drawing/2014/main" xmlns="" id="{9BF50C65-0E69-4862-9D01-1AE70EA6BA08}"/>
               </a:ext>
             </a:extLst>
           </p:cNvPr>
@@ -14924,7 +14924,7 @@
           <p:cNvPr id="101" name="Organigramme : Opération manuelle 100">
             <a:extLst>
               <a:ext uri="{FF2B5EF4-FFF2-40B4-BE49-F238E27FC236}">
-                <a16:creationId xmlns="" xmlns:a16="http://schemas.microsoft.com/office/drawing/2014/main" id="{1E903528-0661-4E6A-A6C6-E5FA9856A4C5}"/>
+                <a16:creationId xmlns:a16="http://schemas.microsoft.com/office/drawing/2014/main" xmlns="" id="{1E903528-0661-4E6A-A6C6-E5FA9856A4C5}"/>
               </a:ext>
             </a:extLst>
           </p:cNvPr>
@@ -14970,7 +14970,7 @@
           <p:cNvPr id="102" name="Organigramme : Opération manuelle 101">
             <a:extLst>
               <a:ext uri="{FF2B5EF4-FFF2-40B4-BE49-F238E27FC236}">
-                <a16:creationId xmlns="" xmlns:a16="http://schemas.microsoft.com/office/drawing/2014/main" id="{F6B92152-D1F6-4527-B437-6C453F733BC9}"/>
+                <a16:creationId xmlns:a16="http://schemas.microsoft.com/office/drawing/2014/main" xmlns="" id="{F6B92152-D1F6-4527-B437-6C453F733BC9}"/>
               </a:ext>
             </a:extLst>
           </p:cNvPr>
@@ -15016,7 +15016,7 @@
           <p:cNvPr id="103" name="Organigramme : Opération manuelle 102">
             <a:extLst>
               <a:ext uri="{FF2B5EF4-FFF2-40B4-BE49-F238E27FC236}">
-                <a16:creationId xmlns="" xmlns:a16="http://schemas.microsoft.com/office/drawing/2014/main" id="{6B57E32F-BD82-474B-A32A-3BC82B5E9779}"/>
+                <a16:creationId xmlns:a16="http://schemas.microsoft.com/office/drawing/2014/main" xmlns="" id="{6B57E32F-BD82-474B-A32A-3BC82B5E9779}"/>
               </a:ext>
             </a:extLst>
           </p:cNvPr>
@@ -15062,7 +15062,7 @@
           <p:cNvPr id="104" name="Organigramme : Opération manuelle 103">
             <a:extLst>
               <a:ext uri="{FF2B5EF4-FFF2-40B4-BE49-F238E27FC236}">
-                <a16:creationId xmlns="" xmlns:a16="http://schemas.microsoft.com/office/drawing/2014/main" id="{E349C885-CD3E-4BCD-8755-9085EE3C2FF2}"/>
+                <a16:creationId xmlns:a16="http://schemas.microsoft.com/office/drawing/2014/main" xmlns="" id="{E349C885-CD3E-4BCD-8755-9085EE3C2FF2}"/>
               </a:ext>
             </a:extLst>
           </p:cNvPr>
@@ -15108,7 +15108,7 @@
           <p:cNvPr id="105" name="Ellipse 104">
             <a:extLst>
               <a:ext uri="{FF2B5EF4-FFF2-40B4-BE49-F238E27FC236}">
-                <a16:creationId xmlns="" xmlns:a16="http://schemas.microsoft.com/office/drawing/2014/main" id="{DFFDEF85-84E2-45F6-B169-4AC2452DEB4E}"/>
+                <a16:creationId xmlns:a16="http://schemas.microsoft.com/office/drawing/2014/main" xmlns="" id="{DFFDEF85-84E2-45F6-B169-4AC2452DEB4E}"/>
               </a:ext>
             </a:extLst>
           </p:cNvPr>
@@ -15160,7 +15160,7 @@
           <p:cNvPr id="106" name="Organigramme : Opération manuelle 105">
             <a:extLst>
               <a:ext uri="{FF2B5EF4-FFF2-40B4-BE49-F238E27FC236}">
-                <a16:creationId xmlns="" xmlns:a16="http://schemas.microsoft.com/office/drawing/2014/main" id="{A74DBD90-71D2-49BD-BF5E-80EE2E2D4A76}"/>
+                <a16:creationId xmlns:a16="http://schemas.microsoft.com/office/drawing/2014/main" xmlns="" id="{A74DBD90-71D2-49BD-BF5E-80EE2E2D4A76}"/>
               </a:ext>
             </a:extLst>
           </p:cNvPr>
@@ -15206,7 +15206,7 @@
           <p:cNvPr id="107" name="Organigramme : Opération manuelle 106">
             <a:extLst>
               <a:ext uri="{FF2B5EF4-FFF2-40B4-BE49-F238E27FC236}">
-                <a16:creationId xmlns="" xmlns:a16="http://schemas.microsoft.com/office/drawing/2014/main" id="{BA69DB04-07AB-4831-B444-2F39243941B9}"/>
+                <a16:creationId xmlns:a16="http://schemas.microsoft.com/office/drawing/2014/main" xmlns="" id="{BA69DB04-07AB-4831-B444-2F39243941B9}"/>
               </a:ext>
             </a:extLst>
           </p:cNvPr>
@@ -15252,7 +15252,7 @@
           <p:cNvPr id="108" name="Organigramme : Opération manuelle 107">
             <a:extLst>
               <a:ext uri="{FF2B5EF4-FFF2-40B4-BE49-F238E27FC236}">
-                <a16:creationId xmlns="" xmlns:a16="http://schemas.microsoft.com/office/drawing/2014/main" id="{B53EA52F-5D6A-4528-894D-0934EB0E008C}"/>
+                <a16:creationId xmlns:a16="http://schemas.microsoft.com/office/drawing/2014/main" xmlns="" id="{B53EA52F-5D6A-4528-894D-0934EB0E008C}"/>
               </a:ext>
             </a:extLst>
           </p:cNvPr>
@@ -15298,7 +15298,7 @@
           <p:cNvPr id="109" name="Organigramme : Opération manuelle 108">
             <a:extLst>
               <a:ext uri="{FF2B5EF4-FFF2-40B4-BE49-F238E27FC236}">
-                <a16:creationId xmlns="" xmlns:a16="http://schemas.microsoft.com/office/drawing/2014/main" id="{0A546A5B-5A37-4E16-9BB5-40E1AAAC4F22}"/>
+                <a16:creationId xmlns:a16="http://schemas.microsoft.com/office/drawing/2014/main" xmlns="" id="{0A546A5B-5A37-4E16-9BB5-40E1AAAC4F22}"/>
               </a:ext>
             </a:extLst>
           </p:cNvPr>
@@ -15344,7 +15344,7 @@
           <p:cNvPr id="110" name="Ellipse 109">
             <a:extLst>
               <a:ext uri="{FF2B5EF4-FFF2-40B4-BE49-F238E27FC236}">
-                <a16:creationId xmlns="" xmlns:a16="http://schemas.microsoft.com/office/drawing/2014/main" id="{CA732512-84BE-4C67-AABB-B0F1B8210AC0}"/>
+                <a16:creationId xmlns:a16="http://schemas.microsoft.com/office/drawing/2014/main" xmlns="" id="{CA732512-84BE-4C67-AABB-B0F1B8210AC0}"/>
               </a:ext>
             </a:extLst>
           </p:cNvPr>
@@ -15393,7 +15393,7 @@
           <p:cNvPr id="111" name="Organigramme : Opération manuelle 110">
             <a:extLst>
               <a:ext uri="{FF2B5EF4-FFF2-40B4-BE49-F238E27FC236}">
-                <a16:creationId xmlns="" xmlns:a16="http://schemas.microsoft.com/office/drawing/2014/main" id="{F472534D-971C-438F-81E4-D824B27772DC}"/>
+                <a16:creationId xmlns:a16="http://schemas.microsoft.com/office/drawing/2014/main" xmlns="" id="{F472534D-971C-438F-81E4-D824B27772DC}"/>
               </a:ext>
             </a:extLst>
           </p:cNvPr>
@@ -15439,7 +15439,7 @@
           <p:cNvPr id="112" name="Organigramme : Opération manuelle 111">
             <a:extLst>
               <a:ext uri="{FF2B5EF4-FFF2-40B4-BE49-F238E27FC236}">
-                <a16:creationId xmlns="" xmlns:a16="http://schemas.microsoft.com/office/drawing/2014/main" id="{CAC62D8C-2605-4FFF-BA6E-4799484954F0}"/>
+                <a16:creationId xmlns:a16="http://schemas.microsoft.com/office/drawing/2014/main" xmlns="" id="{CAC62D8C-2605-4FFF-BA6E-4799484954F0}"/>
               </a:ext>
             </a:extLst>
           </p:cNvPr>
@@ -15485,7 +15485,7 @@
           <p:cNvPr id="113" name="Organigramme : Opération manuelle 112">
             <a:extLst>
               <a:ext uri="{FF2B5EF4-FFF2-40B4-BE49-F238E27FC236}">
-                <a16:creationId xmlns="" xmlns:a16="http://schemas.microsoft.com/office/drawing/2014/main" id="{C339A49A-DD14-426E-A4B4-84412D6EF6C6}"/>
+                <a16:creationId xmlns:a16="http://schemas.microsoft.com/office/drawing/2014/main" xmlns="" id="{C339A49A-DD14-426E-A4B4-84412D6EF6C6}"/>
               </a:ext>
             </a:extLst>
           </p:cNvPr>
@@ -15531,7 +15531,7 @@
           <p:cNvPr id="114" name="Organigramme : Opération manuelle 113">
             <a:extLst>
               <a:ext uri="{FF2B5EF4-FFF2-40B4-BE49-F238E27FC236}">
-                <a16:creationId xmlns="" xmlns:a16="http://schemas.microsoft.com/office/drawing/2014/main" id="{B82F14E7-9D6F-4D8A-B933-293D0052C316}"/>
+                <a16:creationId xmlns:a16="http://schemas.microsoft.com/office/drawing/2014/main" xmlns="" id="{B82F14E7-9D6F-4D8A-B933-293D0052C316}"/>
               </a:ext>
             </a:extLst>
           </p:cNvPr>
@@ -15577,7 +15577,7 @@
           <p:cNvPr id="115" name="Ellipse 114">
             <a:extLst>
               <a:ext uri="{FF2B5EF4-FFF2-40B4-BE49-F238E27FC236}">
-                <a16:creationId xmlns="" xmlns:a16="http://schemas.microsoft.com/office/drawing/2014/main" id="{EA56A8A8-0BA0-4111-A323-411F2396B83D}"/>
+                <a16:creationId xmlns:a16="http://schemas.microsoft.com/office/drawing/2014/main" xmlns="" id="{EA56A8A8-0BA0-4111-A323-411F2396B83D}"/>
               </a:ext>
             </a:extLst>
           </p:cNvPr>
@@ -15628,7 +15628,7 @@
           <p:cNvPr id="116" name="Organigramme : Opération manuelle 115">
             <a:extLst>
               <a:ext uri="{FF2B5EF4-FFF2-40B4-BE49-F238E27FC236}">
-                <a16:creationId xmlns="" xmlns:a16="http://schemas.microsoft.com/office/drawing/2014/main" id="{B064107C-837E-4ED5-AC8E-C241295AFB20}"/>
+                <a16:creationId xmlns:a16="http://schemas.microsoft.com/office/drawing/2014/main" xmlns="" id="{B064107C-837E-4ED5-AC8E-C241295AFB20}"/>
               </a:ext>
             </a:extLst>
           </p:cNvPr>
@@ -15674,7 +15674,7 @@
           <p:cNvPr id="117" name="Organigramme : Opération manuelle 116">
             <a:extLst>
               <a:ext uri="{FF2B5EF4-FFF2-40B4-BE49-F238E27FC236}">
-                <a16:creationId xmlns="" xmlns:a16="http://schemas.microsoft.com/office/drawing/2014/main" id="{4BA629C4-E14B-409F-883A-F9D45F3DC5D6}"/>
+                <a16:creationId xmlns:a16="http://schemas.microsoft.com/office/drawing/2014/main" xmlns="" id="{4BA629C4-E14B-409F-883A-F9D45F3DC5D6}"/>
               </a:ext>
             </a:extLst>
           </p:cNvPr>
@@ -15720,7 +15720,7 @@
           <p:cNvPr id="118" name="Organigramme : Opération manuelle 117">
             <a:extLst>
               <a:ext uri="{FF2B5EF4-FFF2-40B4-BE49-F238E27FC236}">
-                <a16:creationId xmlns="" xmlns:a16="http://schemas.microsoft.com/office/drawing/2014/main" id="{FCA2BC78-8A34-4078-B05B-D13DB0246C73}"/>
+                <a16:creationId xmlns:a16="http://schemas.microsoft.com/office/drawing/2014/main" xmlns="" id="{FCA2BC78-8A34-4078-B05B-D13DB0246C73}"/>
               </a:ext>
             </a:extLst>
           </p:cNvPr>
@@ -15766,7 +15766,7 @@
           <p:cNvPr id="119" name="Organigramme : Opération manuelle 118">
             <a:extLst>
               <a:ext uri="{FF2B5EF4-FFF2-40B4-BE49-F238E27FC236}">
-                <a16:creationId xmlns="" xmlns:a16="http://schemas.microsoft.com/office/drawing/2014/main" id="{329EECEF-CF01-47B4-9171-C8DE4E57FCE3}"/>
+                <a16:creationId xmlns:a16="http://schemas.microsoft.com/office/drawing/2014/main" xmlns="" id="{329EECEF-CF01-47B4-9171-C8DE4E57FCE3}"/>
               </a:ext>
             </a:extLst>
           </p:cNvPr>
@@ -15812,7 +15812,7 @@
           <p:cNvPr id="120" name="Connecteur droit 119">
             <a:extLst>
               <a:ext uri="{FF2B5EF4-FFF2-40B4-BE49-F238E27FC236}">
-                <a16:creationId xmlns="" xmlns:a16="http://schemas.microsoft.com/office/drawing/2014/main" id="{422617BB-493F-4804-8694-0AF7884D635D}"/>
+                <a16:creationId xmlns:a16="http://schemas.microsoft.com/office/drawing/2014/main" xmlns="" id="{422617BB-493F-4804-8694-0AF7884D635D}"/>
               </a:ext>
             </a:extLst>
           </p:cNvPr>
@@ -15859,7 +15859,7 @@
           <p:cNvPr id="121" name="Rectangle : coins arrondis 120">
             <a:extLst>
               <a:ext uri="{FF2B5EF4-FFF2-40B4-BE49-F238E27FC236}">
-                <a16:creationId xmlns="" xmlns:a16="http://schemas.microsoft.com/office/drawing/2014/main" id="{1520DFD6-7413-4BCB-A395-506BE503FFDD}"/>
+                <a16:creationId xmlns:a16="http://schemas.microsoft.com/office/drawing/2014/main" xmlns="" id="{1520DFD6-7413-4BCB-A395-506BE503FFDD}"/>
               </a:ext>
             </a:extLst>
           </p:cNvPr>
@@ -15913,7 +15913,7 @@
           <p:cNvPr id="122" name="Rectangle 121">
             <a:extLst>
               <a:ext uri="{FF2B5EF4-FFF2-40B4-BE49-F238E27FC236}">
-                <a16:creationId xmlns="" xmlns:a16="http://schemas.microsoft.com/office/drawing/2014/main" id="{34BCD487-1483-46E3-A9C0-4BA2E50C4BD6}"/>
+                <a16:creationId xmlns:a16="http://schemas.microsoft.com/office/drawing/2014/main" xmlns="" id="{34BCD487-1483-46E3-A9C0-4BA2E50C4BD6}"/>
               </a:ext>
             </a:extLst>
           </p:cNvPr>
@@ -15957,7 +15957,7 @@
           <p:cNvPr id="123" name="Rectangle 122">
             <a:extLst>
               <a:ext uri="{FF2B5EF4-FFF2-40B4-BE49-F238E27FC236}">
-                <a16:creationId xmlns="" xmlns:a16="http://schemas.microsoft.com/office/drawing/2014/main" id="{06487DC3-56D8-45E6-8C64-89F9C75293CC}"/>
+                <a16:creationId xmlns:a16="http://schemas.microsoft.com/office/drawing/2014/main" xmlns="" id="{06487DC3-56D8-45E6-8C64-89F9C75293CC}"/>
               </a:ext>
             </a:extLst>
           </p:cNvPr>
@@ -16003,7 +16003,7 @@
           <p:cNvPr id="124" name="Rectangle 123">
             <a:extLst>
               <a:ext uri="{FF2B5EF4-FFF2-40B4-BE49-F238E27FC236}">
-                <a16:creationId xmlns="" xmlns:a16="http://schemas.microsoft.com/office/drawing/2014/main" id="{311D83E5-12A7-42A2-9C8D-BA0D2AF9C6B1}"/>
+                <a16:creationId xmlns:a16="http://schemas.microsoft.com/office/drawing/2014/main" xmlns="" id="{311D83E5-12A7-42A2-9C8D-BA0D2AF9C6B1}"/>
               </a:ext>
             </a:extLst>
           </p:cNvPr>
@@ -16049,7 +16049,7 @@
           <p:cNvPr id="125" name="Rectangle 124">
             <a:extLst>
               <a:ext uri="{FF2B5EF4-FFF2-40B4-BE49-F238E27FC236}">
-                <a16:creationId xmlns="" xmlns:a16="http://schemas.microsoft.com/office/drawing/2014/main" id="{2692776D-4261-471A-929D-8657CE1CE1FB}"/>
+                <a16:creationId xmlns:a16="http://schemas.microsoft.com/office/drawing/2014/main" xmlns="" id="{2692776D-4261-471A-929D-8657CE1CE1FB}"/>
               </a:ext>
             </a:extLst>
           </p:cNvPr>
@@ -16095,7 +16095,7 @@
           <p:cNvPr id="126" name="Rectangle 125">
             <a:extLst>
               <a:ext uri="{FF2B5EF4-FFF2-40B4-BE49-F238E27FC236}">
-                <a16:creationId xmlns="" xmlns:a16="http://schemas.microsoft.com/office/drawing/2014/main" id="{D1821063-B6AD-4728-8E76-4EC6AEC1E649}"/>
+                <a16:creationId xmlns:a16="http://schemas.microsoft.com/office/drawing/2014/main" xmlns="" id="{D1821063-B6AD-4728-8E76-4EC6AEC1E649}"/>
               </a:ext>
             </a:extLst>
           </p:cNvPr>
@@ -16141,7 +16141,7 @@
           <p:cNvPr id="127" name="Rectangle 126">
             <a:extLst>
               <a:ext uri="{FF2B5EF4-FFF2-40B4-BE49-F238E27FC236}">
-                <a16:creationId xmlns="" xmlns:a16="http://schemas.microsoft.com/office/drawing/2014/main" id="{49F13312-34D6-458D-89E5-28C83C6D3A36}"/>
+                <a16:creationId xmlns:a16="http://schemas.microsoft.com/office/drawing/2014/main" xmlns="" id="{49F13312-34D6-458D-89E5-28C83C6D3A36}"/>
               </a:ext>
             </a:extLst>
           </p:cNvPr>
@@ -16187,7 +16187,7 @@
           <p:cNvPr id="128" name="Rectangle 127">
             <a:extLst>
               <a:ext uri="{FF2B5EF4-FFF2-40B4-BE49-F238E27FC236}">
-                <a16:creationId xmlns="" xmlns:a16="http://schemas.microsoft.com/office/drawing/2014/main" id="{E376702E-705F-49A2-98CA-E9B13FBC9B2B}"/>
+                <a16:creationId xmlns:a16="http://schemas.microsoft.com/office/drawing/2014/main" xmlns="" id="{E376702E-705F-49A2-98CA-E9B13FBC9B2B}"/>
               </a:ext>
             </a:extLst>
           </p:cNvPr>
@@ -16233,7 +16233,7 @@
           <p:cNvPr id="129" name="Rectangle 128">
             <a:extLst>
               <a:ext uri="{FF2B5EF4-FFF2-40B4-BE49-F238E27FC236}">
-                <a16:creationId xmlns="" xmlns:a16="http://schemas.microsoft.com/office/drawing/2014/main" id="{11D5F63C-9F6D-4743-A213-313A64FBA87C}"/>
+                <a16:creationId xmlns:a16="http://schemas.microsoft.com/office/drawing/2014/main" xmlns="" id="{11D5F63C-9F6D-4743-A213-313A64FBA87C}"/>
               </a:ext>
             </a:extLst>
           </p:cNvPr>
@@ -16279,7 +16279,7 @@
           <p:cNvPr id="130" name="Rectangle 129">
             <a:extLst>
               <a:ext uri="{FF2B5EF4-FFF2-40B4-BE49-F238E27FC236}">
-                <a16:creationId xmlns="" xmlns:a16="http://schemas.microsoft.com/office/drawing/2014/main" id="{03A8DE17-67F5-4193-A8F9-D48C5EA1E29D}"/>
+                <a16:creationId xmlns:a16="http://schemas.microsoft.com/office/drawing/2014/main" xmlns="" id="{03A8DE17-67F5-4193-A8F9-D48C5EA1E29D}"/>
               </a:ext>
             </a:extLst>
           </p:cNvPr>
@@ -16325,7 +16325,7 @@
           <p:cNvPr id="131" name="Rectangle 130">
             <a:extLst>
               <a:ext uri="{FF2B5EF4-FFF2-40B4-BE49-F238E27FC236}">
-                <a16:creationId xmlns="" xmlns:a16="http://schemas.microsoft.com/office/drawing/2014/main" id="{CB20D29C-5868-41E1-84A1-D8F6214ED988}"/>
+                <a16:creationId xmlns:a16="http://schemas.microsoft.com/office/drawing/2014/main" xmlns="" id="{CB20D29C-5868-41E1-84A1-D8F6214ED988}"/>
               </a:ext>
             </a:extLst>
           </p:cNvPr>
@@ -16371,7 +16371,7 @@
           <p:cNvPr id="132" name="Rectangle 131">
             <a:extLst>
               <a:ext uri="{FF2B5EF4-FFF2-40B4-BE49-F238E27FC236}">
-                <a16:creationId xmlns="" xmlns:a16="http://schemas.microsoft.com/office/drawing/2014/main" id="{CDDA134A-D6D0-4AB2-8686-CCE6548AB3E6}"/>
+                <a16:creationId xmlns:a16="http://schemas.microsoft.com/office/drawing/2014/main" xmlns="" id="{CDDA134A-D6D0-4AB2-8686-CCE6548AB3E6}"/>
               </a:ext>
             </a:extLst>
           </p:cNvPr>
@@ -16417,7 +16417,7 @@
           <p:cNvPr id="133" name="Rectangle 132">
             <a:extLst>
               <a:ext uri="{FF2B5EF4-FFF2-40B4-BE49-F238E27FC236}">
-                <a16:creationId xmlns="" xmlns:a16="http://schemas.microsoft.com/office/drawing/2014/main" id="{4DFFDD34-BBFA-4E57-AB99-5BD3B5E924B9}"/>
+                <a16:creationId xmlns:a16="http://schemas.microsoft.com/office/drawing/2014/main" xmlns="" id="{4DFFDD34-BBFA-4E57-AB99-5BD3B5E924B9}"/>
               </a:ext>
             </a:extLst>
           </p:cNvPr>
@@ -16463,7 +16463,7 @@
           <p:cNvPr id="134" name="Rectangle 133">
             <a:extLst>
               <a:ext uri="{FF2B5EF4-FFF2-40B4-BE49-F238E27FC236}">
-                <a16:creationId xmlns="" xmlns:a16="http://schemas.microsoft.com/office/drawing/2014/main" id="{E7113D75-A311-47FF-916A-48B8A938EF31}"/>
+                <a16:creationId xmlns:a16="http://schemas.microsoft.com/office/drawing/2014/main" xmlns="" id="{E7113D75-A311-47FF-916A-48B8A938EF31}"/>
               </a:ext>
             </a:extLst>
           </p:cNvPr>
@@ -16509,7 +16509,7 @@
           <p:cNvPr id="135" name="Rectangle 134">
             <a:extLst>
               <a:ext uri="{FF2B5EF4-FFF2-40B4-BE49-F238E27FC236}">
-                <a16:creationId xmlns="" xmlns:a16="http://schemas.microsoft.com/office/drawing/2014/main" id="{F2C18121-FB2E-4B34-8B61-B274CDE57105}"/>
+                <a16:creationId xmlns:a16="http://schemas.microsoft.com/office/drawing/2014/main" xmlns="" id="{F2C18121-FB2E-4B34-8B61-B274CDE57105}"/>
               </a:ext>
             </a:extLst>
           </p:cNvPr>
@@ -16555,7 +16555,7 @@
           <p:cNvPr id="136" name="Rectangle 135">
             <a:extLst>
               <a:ext uri="{FF2B5EF4-FFF2-40B4-BE49-F238E27FC236}">
-                <a16:creationId xmlns="" xmlns:a16="http://schemas.microsoft.com/office/drawing/2014/main" id="{95F20490-E024-4F46-89A2-ECBE215DFFA9}"/>
+                <a16:creationId xmlns:a16="http://schemas.microsoft.com/office/drawing/2014/main" xmlns="" id="{95F20490-E024-4F46-89A2-ECBE215DFFA9}"/>
               </a:ext>
             </a:extLst>
           </p:cNvPr>
@@ -16601,7 +16601,7 @@
           <p:cNvPr id="137" name="Rectangle 136">
             <a:extLst>
               <a:ext uri="{FF2B5EF4-FFF2-40B4-BE49-F238E27FC236}">
-                <a16:creationId xmlns="" xmlns:a16="http://schemas.microsoft.com/office/drawing/2014/main" id="{8DCFFFCC-22F0-4F33-A385-0EFDEB821237}"/>
+                <a16:creationId xmlns:a16="http://schemas.microsoft.com/office/drawing/2014/main" xmlns="" id="{8DCFFFCC-22F0-4F33-A385-0EFDEB821237}"/>
               </a:ext>
             </a:extLst>
           </p:cNvPr>
@@ -16647,7 +16647,7 @@
           <p:cNvPr id="138" name="Rectangle 137">
             <a:extLst>
               <a:ext uri="{FF2B5EF4-FFF2-40B4-BE49-F238E27FC236}">
-                <a16:creationId xmlns="" xmlns:a16="http://schemas.microsoft.com/office/drawing/2014/main" id="{30A8A0C1-A519-476D-B2D8-7ACACDF85316}"/>
+                <a16:creationId xmlns:a16="http://schemas.microsoft.com/office/drawing/2014/main" xmlns="" id="{30A8A0C1-A519-476D-B2D8-7ACACDF85316}"/>
               </a:ext>
             </a:extLst>
           </p:cNvPr>
@@ -16693,7 +16693,7 @@
           <p:cNvPr id="139" name="Ellipse 138">
             <a:extLst>
               <a:ext uri="{FF2B5EF4-FFF2-40B4-BE49-F238E27FC236}">
-                <a16:creationId xmlns="" xmlns:a16="http://schemas.microsoft.com/office/drawing/2014/main" id="{29087126-B51A-4BEA-A1DA-C9615C135052}"/>
+                <a16:creationId xmlns:a16="http://schemas.microsoft.com/office/drawing/2014/main" xmlns="" id="{29087126-B51A-4BEA-A1DA-C9615C135052}"/>
               </a:ext>
             </a:extLst>
           </p:cNvPr>
@@ -16739,7 +16739,7 @@
           <p:cNvPr id="140" name="Ellipse 139">
             <a:extLst>
               <a:ext uri="{FF2B5EF4-FFF2-40B4-BE49-F238E27FC236}">
-                <a16:creationId xmlns="" xmlns:a16="http://schemas.microsoft.com/office/drawing/2014/main" id="{3EA4140A-A2FF-464A-87DA-91D255207006}"/>
+                <a16:creationId xmlns:a16="http://schemas.microsoft.com/office/drawing/2014/main" xmlns="" id="{3EA4140A-A2FF-464A-87DA-91D255207006}"/>
               </a:ext>
             </a:extLst>
           </p:cNvPr>
@@ -16785,7 +16785,7 @@
           <p:cNvPr id="141" name="Ellipse 140">
             <a:extLst>
               <a:ext uri="{FF2B5EF4-FFF2-40B4-BE49-F238E27FC236}">
-                <a16:creationId xmlns="" xmlns:a16="http://schemas.microsoft.com/office/drawing/2014/main" id="{982DCAAD-E1EB-4AEA-BF1C-49DC4B591C62}"/>
+                <a16:creationId xmlns:a16="http://schemas.microsoft.com/office/drawing/2014/main" xmlns="" id="{982DCAAD-E1EB-4AEA-BF1C-49DC4B591C62}"/>
               </a:ext>
             </a:extLst>
           </p:cNvPr>
@@ -16831,7 +16831,7 @@
           <p:cNvPr id="142" name="Ellipse 141">
             <a:extLst>
               <a:ext uri="{FF2B5EF4-FFF2-40B4-BE49-F238E27FC236}">
-                <a16:creationId xmlns="" xmlns:a16="http://schemas.microsoft.com/office/drawing/2014/main" id="{837B6F88-FC60-4CFB-90FA-5F7444422F2B}"/>
+                <a16:creationId xmlns:a16="http://schemas.microsoft.com/office/drawing/2014/main" xmlns="" id="{837B6F88-FC60-4CFB-90FA-5F7444422F2B}"/>
               </a:ext>
             </a:extLst>
           </p:cNvPr>
@@ -16877,7 +16877,7 @@
           <p:cNvPr id="143" name="Connecteur droit 142">
             <a:extLst>
               <a:ext uri="{FF2B5EF4-FFF2-40B4-BE49-F238E27FC236}">
-                <a16:creationId xmlns="" xmlns:a16="http://schemas.microsoft.com/office/drawing/2014/main" id="{B88E07BE-72D2-4C83-BA55-BC1635D58DFD}"/>
+                <a16:creationId xmlns:a16="http://schemas.microsoft.com/office/drawing/2014/main" xmlns="" id="{B88E07BE-72D2-4C83-BA55-BC1635D58DFD}"/>
               </a:ext>
             </a:extLst>
           </p:cNvPr>
@@ -16920,7 +16920,7 @@
           <p:cNvPr id="144" name="Connecteur droit 143">
             <a:extLst>
               <a:ext uri="{FF2B5EF4-FFF2-40B4-BE49-F238E27FC236}">
-                <a16:creationId xmlns="" xmlns:a16="http://schemas.microsoft.com/office/drawing/2014/main" id="{563BEA9E-5CFE-4679-9BEB-291C22C8DFB6}"/>
+                <a16:creationId xmlns:a16="http://schemas.microsoft.com/office/drawing/2014/main" xmlns="" id="{563BEA9E-5CFE-4679-9BEB-291C22C8DFB6}"/>
               </a:ext>
             </a:extLst>
           </p:cNvPr>
@@ -16963,7 +16963,7 @@
           <p:cNvPr id="145" name="Connecteur droit 144">
             <a:extLst>
               <a:ext uri="{FF2B5EF4-FFF2-40B4-BE49-F238E27FC236}">
-                <a16:creationId xmlns="" xmlns:a16="http://schemas.microsoft.com/office/drawing/2014/main" id="{BDAFD912-7155-4573-AB94-46F3FF09825C}"/>
+                <a16:creationId xmlns:a16="http://schemas.microsoft.com/office/drawing/2014/main" xmlns="" id="{BDAFD912-7155-4573-AB94-46F3FF09825C}"/>
               </a:ext>
             </a:extLst>
           </p:cNvPr>
@@ -17006,7 +17006,7 @@
           <p:cNvPr id="146" name="Connecteur droit 145">
             <a:extLst>
               <a:ext uri="{FF2B5EF4-FFF2-40B4-BE49-F238E27FC236}">
-                <a16:creationId xmlns="" xmlns:a16="http://schemas.microsoft.com/office/drawing/2014/main" id="{DC1C5516-7062-45E8-ABDB-5F45DA1C1CB1}"/>
+                <a16:creationId xmlns:a16="http://schemas.microsoft.com/office/drawing/2014/main" xmlns="" id="{DC1C5516-7062-45E8-ABDB-5F45DA1C1CB1}"/>
               </a:ext>
             </a:extLst>
           </p:cNvPr>
@@ -17049,7 +17049,7 @@
           <p:cNvPr id="147" name="Rectangle : coins arrondis 146">
             <a:extLst>
               <a:ext uri="{FF2B5EF4-FFF2-40B4-BE49-F238E27FC236}">
-                <a16:creationId xmlns="" xmlns:a16="http://schemas.microsoft.com/office/drawing/2014/main" id="{DF7ED911-70A2-4529-9BFD-23CE903EC281}"/>
+                <a16:creationId xmlns:a16="http://schemas.microsoft.com/office/drawing/2014/main" xmlns="" id="{DF7ED911-70A2-4529-9BFD-23CE903EC281}"/>
               </a:ext>
             </a:extLst>
           </p:cNvPr>
@@ -17095,7 +17095,7 @@
           <p:cNvPr id="148" name="Rectangle : coins arrondis 147">
             <a:extLst>
               <a:ext uri="{FF2B5EF4-FFF2-40B4-BE49-F238E27FC236}">
-                <a16:creationId xmlns="" xmlns:a16="http://schemas.microsoft.com/office/drawing/2014/main" id="{C941443D-ADB6-405B-8E7A-AA95E0061972}"/>
+                <a16:creationId xmlns:a16="http://schemas.microsoft.com/office/drawing/2014/main" xmlns="" id="{C941443D-ADB6-405B-8E7A-AA95E0061972}"/>
               </a:ext>
             </a:extLst>
           </p:cNvPr>
@@ -17141,7 +17141,7 @@
           <p:cNvPr id="149" name="Rectangle : coins arrondis 148">
             <a:extLst>
               <a:ext uri="{FF2B5EF4-FFF2-40B4-BE49-F238E27FC236}">
-                <a16:creationId xmlns="" xmlns:a16="http://schemas.microsoft.com/office/drawing/2014/main" id="{C853648D-A6B7-4AA6-85CA-71F5FDDA8FA0}"/>
+                <a16:creationId xmlns:a16="http://schemas.microsoft.com/office/drawing/2014/main" xmlns="" id="{C853648D-A6B7-4AA6-85CA-71F5FDDA8FA0}"/>
               </a:ext>
             </a:extLst>
           </p:cNvPr>
@@ -17187,7 +17187,7 @@
           <p:cNvPr id="150" name="Rectangle : coins arrondis 149">
             <a:extLst>
               <a:ext uri="{FF2B5EF4-FFF2-40B4-BE49-F238E27FC236}">
-                <a16:creationId xmlns="" xmlns:a16="http://schemas.microsoft.com/office/drawing/2014/main" id="{E6C7CDAD-9A17-43D6-A42D-F2DCD696E46C}"/>
+                <a16:creationId xmlns:a16="http://schemas.microsoft.com/office/drawing/2014/main" xmlns="" id="{E6C7CDAD-9A17-43D6-A42D-F2DCD696E46C}"/>
               </a:ext>
             </a:extLst>
           </p:cNvPr>
@@ -17233,7 +17233,7 @@
           <p:cNvPr id="151" name="Connecteur droit 150">
             <a:extLst>
               <a:ext uri="{FF2B5EF4-FFF2-40B4-BE49-F238E27FC236}">
-                <a16:creationId xmlns="" xmlns:a16="http://schemas.microsoft.com/office/drawing/2014/main" id="{5C8B3BA6-6527-448D-A1B5-DE248A0C5603}"/>
+                <a16:creationId xmlns:a16="http://schemas.microsoft.com/office/drawing/2014/main" xmlns="" id="{5C8B3BA6-6527-448D-A1B5-DE248A0C5603}"/>
               </a:ext>
             </a:extLst>
           </p:cNvPr>
@@ -17278,7 +17278,7 @@
           <p:cNvPr id="152" name="Connecteur droit 151">
             <a:extLst>
               <a:ext uri="{FF2B5EF4-FFF2-40B4-BE49-F238E27FC236}">
-                <a16:creationId xmlns="" xmlns:a16="http://schemas.microsoft.com/office/drawing/2014/main" id="{C22D2202-DF1A-4C59-92EE-6F666D9AD858}"/>
+                <a16:creationId xmlns:a16="http://schemas.microsoft.com/office/drawing/2014/main" xmlns="" id="{C22D2202-DF1A-4C59-92EE-6F666D9AD858}"/>
               </a:ext>
             </a:extLst>
           </p:cNvPr>
@@ -17323,7 +17323,7 @@
           <p:cNvPr id="153" name="Connecteur droit 152">
             <a:extLst>
               <a:ext uri="{FF2B5EF4-FFF2-40B4-BE49-F238E27FC236}">
-                <a16:creationId xmlns="" xmlns:a16="http://schemas.microsoft.com/office/drawing/2014/main" id="{5F40A0D2-FF7C-48D9-9164-836707DBC06D}"/>
+                <a16:creationId xmlns:a16="http://schemas.microsoft.com/office/drawing/2014/main" xmlns="" id="{5F40A0D2-FF7C-48D9-9164-836707DBC06D}"/>
               </a:ext>
             </a:extLst>
           </p:cNvPr>
@@ -17368,7 +17368,7 @@
           <p:cNvPr id="154" name="Connecteur droit 153">
             <a:extLst>
               <a:ext uri="{FF2B5EF4-FFF2-40B4-BE49-F238E27FC236}">
-                <a16:creationId xmlns="" xmlns:a16="http://schemas.microsoft.com/office/drawing/2014/main" id="{DB49979E-E2FB-479F-9490-285F8BB5BD87}"/>
+                <a16:creationId xmlns:a16="http://schemas.microsoft.com/office/drawing/2014/main" xmlns="" id="{DB49979E-E2FB-479F-9490-285F8BB5BD87}"/>
               </a:ext>
             </a:extLst>
           </p:cNvPr>
@@ -17413,7 +17413,7 @@
           <p:cNvPr id="155" name="Ellipse 154">
             <a:extLst>
               <a:ext uri="{FF2B5EF4-FFF2-40B4-BE49-F238E27FC236}">
-                <a16:creationId xmlns="" xmlns:a16="http://schemas.microsoft.com/office/drawing/2014/main" id="{FF862664-360C-48A6-ABBF-92813160EF7D}"/>
+                <a16:creationId xmlns:a16="http://schemas.microsoft.com/office/drawing/2014/main" xmlns="" id="{FF862664-360C-48A6-ABBF-92813160EF7D}"/>
               </a:ext>
             </a:extLst>
           </p:cNvPr>
@@ -17462,7 +17462,7 @@
           <p:cNvPr id="156" name="Organigramme : Opération manuelle 155">
             <a:extLst>
               <a:ext uri="{FF2B5EF4-FFF2-40B4-BE49-F238E27FC236}">
-                <a16:creationId xmlns="" xmlns:a16="http://schemas.microsoft.com/office/drawing/2014/main" id="{D71255D5-6575-4356-8C91-247A7F17D0F5}"/>
+                <a16:creationId xmlns:a16="http://schemas.microsoft.com/office/drawing/2014/main" xmlns="" id="{D71255D5-6575-4356-8C91-247A7F17D0F5}"/>
               </a:ext>
             </a:extLst>
           </p:cNvPr>
@@ -17508,7 +17508,7 @@
           <p:cNvPr id="157" name="Organigramme : Opération manuelle 156">
             <a:extLst>
               <a:ext uri="{FF2B5EF4-FFF2-40B4-BE49-F238E27FC236}">
-                <a16:creationId xmlns="" xmlns:a16="http://schemas.microsoft.com/office/drawing/2014/main" id="{31344C8B-BFD9-46B8-97D0-E283A1297D69}"/>
+                <a16:creationId xmlns:a16="http://schemas.microsoft.com/office/drawing/2014/main" xmlns="" id="{31344C8B-BFD9-46B8-97D0-E283A1297D69}"/>
               </a:ext>
             </a:extLst>
           </p:cNvPr>
@@ -17554,7 +17554,7 @@
           <p:cNvPr id="158" name="Organigramme : Opération manuelle 157">
             <a:extLst>
               <a:ext uri="{FF2B5EF4-FFF2-40B4-BE49-F238E27FC236}">
-                <a16:creationId xmlns="" xmlns:a16="http://schemas.microsoft.com/office/drawing/2014/main" id="{8802FCAE-5BA5-4CA5-8C94-205CC8212377}"/>
+                <a16:creationId xmlns:a16="http://schemas.microsoft.com/office/drawing/2014/main" xmlns="" id="{8802FCAE-5BA5-4CA5-8C94-205CC8212377}"/>
               </a:ext>
             </a:extLst>
           </p:cNvPr>
@@ -17600,7 +17600,7 @@
           <p:cNvPr id="159" name="Organigramme : Opération manuelle 158">
             <a:extLst>
               <a:ext uri="{FF2B5EF4-FFF2-40B4-BE49-F238E27FC236}">
-                <a16:creationId xmlns="" xmlns:a16="http://schemas.microsoft.com/office/drawing/2014/main" id="{B40AD75A-6D5F-46BA-9819-7D7DF391FD7E}"/>
+                <a16:creationId xmlns:a16="http://schemas.microsoft.com/office/drawing/2014/main" xmlns="" id="{B40AD75A-6D5F-46BA-9819-7D7DF391FD7E}"/>
               </a:ext>
             </a:extLst>
           </p:cNvPr>
@@ -17646,7 +17646,7 @@
           <p:cNvPr id="160" name="Ellipse 159">
             <a:extLst>
               <a:ext uri="{FF2B5EF4-FFF2-40B4-BE49-F238E27FC236}">
-                <a16:creationId xmlns="" xmlns:a16="http://schemas.microsoft.com/office/drawing/2014/main" id="{9D489609-B9FC-4854-B063-671AE93909CF}"/>
+                <a16:creationId xmlns:a16="http://schemas.microsoft.com/office/drawing/2014/main" xmlns="" id="{9D489609-B9FC-4854-B063-671AE93909CF}"/>
               </a:ext>
             </a:extLst>
           </p:cNvPr>
@@ -17697,7 +17697,7 @@
           <p:cNvPr id="161" name="Organigramme : Opération manuelle 160">
             <a:extLst>
               <a:ext uri="{FF2B5EF4-FFF2-40B4-BE49-F238E27FC236}">
-                <a16:creationId xmlns="" xmlns:a16="http://schemas.microsoft.com/office/drawing/2014/main" id="{0DCCDA9C-FDF9-4FD6-8870-E56CC7A7B5CF}"/>
+                <a16:creationId xmlns:a16="http://schemas.microsoft.com/office/drawing/2014/main" xmlns="" id="{0DCCDA9C-FDF9-4FD6-8870-E56CC7A7B5CF}"/>
               </a:ext>
             </a:extLst>
           </p:cNvPr>
@@ -17743,7 +17743,7 @@
           <p:cNvPr id="162" name="Organigramme : Opération manuelle 161">
             <a:extLst>
               <a:ext uri="{FF2B5EF4-FFF2-40B4-BE49-F238E27FC236}">
-                <a16:creationId xmlns="" xmlns:a16="http://schemas.microsoft.com/office/drawing/2014/main" id="{6209A362-DBFC-4147-817F-59ABEFD8858C}"/>
+                <a16:creationId xmlns:a16="http://schemas.microsoft.com/office/drawing/2014/main" xmlns="" id="{6209A362-DBFC-4147-817F-59ABEFD8858C}"/>
               </a:ext>
             </a:extLst>
           </p:cNvPr>
@@ -17789,7 +17789,7 @@
           <p:cNvPr id="163" name="Organigramme : Opération manuelle 162">
             <a:extLst>
               <a:ext uri="{FF2B5EF4-FFF2-40B4-BE49-F238E27FC236}">
-                <a16:creationId xmlns="" xmlns:a16="http://schemas.microsoft.com/office/drawing/2014/main" id="{0DC98A03-2A9F-4B96-9C9B-C888859554B9}"/>
+                <a16:creationId xmlns:a16="http://schemas.microsoft.com/office/drawing/2014/main" xmlns="" id="{0DC98A03-2A9F-4B96-9C9B-C888859554B9}"/>
               </a:ext>
             </a:extLst>
           </p:cNvPr>
@@ -17835,7 +17835,7 @@
           <p:cNvPr id="164" name="Organigramme : Opération manuelle 163">
             <a:extLst>
               <a:ext uri="{FF2B5EF4-FFF2-40B4-BE49-F238E27FC236}">
-                <a16:creationId xmlns="" xmlns:a16="http://schemas.microsoft.com/office/drawing/2014/main" id="{0C144DA7-D0C1-4BB7-B5F7-A24D43E203FE}"/>
+                <a16:creationId xmlns:a16="http://schemas.microsoft.com/office/drawing/2014/main" xmlns="" id="{0C144DA7-D0C1-4BB7-B5F7-A24D43E203FE}"/>
               </a:ext>
             </a:extLst>
           </p:cNvPr>
@@ -17881,7 +17881,7 @@
           <p:cNvPr id="165" name="Ellipse 164">
             <a:extLst>
               <a:ext uri="{FF2B5EF4-FFF2-40B4-BE49-F238E27FC236}">
-                <a16:creationId xmlns="" xmlns:a16="http://schemas.microsoft.com/office/drawing/2014/main" id="{A70BD950-6C30-4158-AD77-7043CB5A25EE}"/>
+                <a16:creationId xmlns:a16="http://schemas.microsoft.com/office/drawing/2014/main" xmlns="" id="{A70BD950-6C30-4158-AD77-7043CB5A25EE}"/>
               </a:ext>
             </a:extLst>
           </p:cNvPr>
@@ -17930,7 +17930,7 @@
           <p:cNvPr id="166" name="Organigramme : Opération manuelle 165">
             <a:extLst>
               <a:ext uri="{FF2B5EF4-FFF2-40B4-BE49-F238E27FC236}">
-                <a16:creationId xmlns="" xmlns:a16="http://schemas.microsoft.com/office/drawing/2014/main" id="{D6DC5E3D-710B-4C51-AA56-1A463ACCEF3C}"/>
+                <a16:creationId xmlns:a16="http://schemas.microsoft.com/office/drawing/2014/main" xmlns="" id="{D6DC5E3D-710B-4C51-AA56-1A463ACCEF3C}"/>
               </a:ext>
             </a:extLst>
           </p:cNvPr>
@@ -17976,7 +17976,7 @@
           <p:cNvPr id="167" name="Organigramme : Opération manuelle 166">
             <a:extLst>
               <a:ext uri="{FF2B5EF4-FFF2-40B4-BE49-F238E27FC236}">
-                <a16:creationId xmlns="" xmlns:a16="http://schemas.microsoft.com/office/drawing/2014/main" id="{44BDA5CE-914A-4870-B282-98EF75A3B35B}"/>
+                <a16:creationId xmlns:a16="http://schemas.microsoft.com/office/drawing/2014/main" xmlns="" id="{44BDA5CE-914A-4870-B282-98EF75A3B35B}"/>
               </a:ext>
             </a:extLst>
           </p:cNvPr>
@@ -18022,7 +18022,7 @@
           <p:cNvPr id="168" name="Organigramme : Opération manuelle 167">
             <a:extLst>
               <a:ext uri="{FF2B5EF4-FFF2-40B4-BE49-F238E27FC236}">
-                <a16:creationId xmlns="" xmlns:a16="http://schemas.microsoft.com/office/drawing/2014/main" id="{A31AF10C-4F61-497E-9B5B-FF6E6DEC84DD}"/>
+                <a16:creationId xmlns:a16="http://schemas.microsoft.com/office/drawing/2014/main" xmlns="" id="{A31AF10C-4F61-497E-9B5B-FF6E6DEC84DD}"/>
               </a:ext>
             </a:extLst>
           </p:cNvPr>
@@ -18068,7 +18068,7 @@
           <p:cNvPr id="169" name="Organigramme : Opération manuelle 168">
             <a:extLst>
               <a:ext uri="{FF2B5EF4-FFF2-40B4-BE49-F238E27FC236}">
-                <a16:creationId xmlns="" xmlns:a16="http://schemas.microsoft.com/office/drawing/2014/main" id="{639B2F6E-819C-412F-B753-2E27CA831AB6}"/>
+                <a16:creationId xmlns:a16="http://schemas.microsoft.com/office/drawing/2014/main" xmlns="" id="{639B2F6E-819C-412F-B753-2E27CA831AB6}"/>
               </a:ext>
             </a:extLst>
           </p:cNvPr>
@@ -18114,7 +18114,7 @@
           <p:cNvPr id="170" name="Ellipse 169">
             <a:extLst>
               <a:ext uri="{FF2B5EF4-FFF2-40B4-BE49-F238E27FC236}">
-                <a16:creationId xmlns="" xmlns:a16="http://schemas.microsoft.com/office/drawing/2014/main" id="{298305CE-3B3C-4461-B155-51ECDBE3BA68}"/>
+                <a16:creationId xmlns:a16="http://schemas.microsoft.com/office/drawing/2014/main" xmlns="" id="{298305CE-3B3C-4461-B155-51ECDBE3BA68}"/>
               </a:ext>
             </a:extLst>
           </p:cNvPr>
@@ -18166,7 +18166,7 @@
           <p:cNvPr id="171" name="Organigramme : Opération manuelle 170">
             <a:extLst>
               <a:ext uri="{FF2B5EF4-FFF2-40B4-BE49-F238E27FC236}">
-                <a16:creationId xmlns="" xmlns:a16="http://schemas.microsoft.com/office/drawing/2014/main" id="{BAC79127-94C2-4A95-AC62-54CEB6DECE84}"/>
+                <a16:creationId xmlns:a16="http://schemas.microsoft.com/office/drawing/2014/main" xmlns="" id="{BAC79127-94C2-4A95-AC62-54CEB6DECE84}"/>
               </a:ext>
             </a:extLst>
           </p:cNvPr>
@@ -18212,7 +18212,7 @@
           <p:cNvPr id="172" name="Organigramme : Opération manuelle 171">
             <a:extLst>
               <a:ext uri="{FF2B5EF4-FFF2-40B4-BE49-F238E27FC236}">
-                <a16:creationId xmlns="" xmlns:a16="http://schemas.microsoft.com/office/drawing/2014/main" id="{7877FEB6-7CC2-4091-9B65-E7FAEE9C1306}"/>
+                <a16:creationId xmlns:a16="http://schemas.microsoft.com/office/drawing/2014/main" xmlns="" id="{7877FEB6-7CC2-4091-9B65-E7FAEE9C1306}"/>
               </a:ext>
             </a:extLst>
           </p:cNvPr>
@@ -18258,7 +18258,7 @@
           <p:cNvPr id="173" name="Organigramme : Opération manuelle 172">
             <a:extLst>
               <a:ext uri="{FF2B5EF4-FFF2-40B4-BE49-F238E27FC236}">
-                <a16:creationId xmlns="" xmlns:a16="http://schemas.microsoft.com/office/drawing/2014/main" id="{17BEAC83-792D-435C-B939-2901B8DF0937}"/>
+                <a16:creationId xmlns:a16="http://schemas.microsoft.com/office/drawing/2014/main" xmlns="" id="{17BEAC83-792D-435C-B939-2901B8DF0937}"/>
               </a:ext>
             </a:extLst>
           </p:cNvPr>
@@ -18304,7 +18304,7 @@
           <p:cNvPr id="174" name="Organigramme : Opération manuelle 173">
             <a:extLst>
               <a:ext uri="{FF2B5EF4-FFF2-40B4-BE49-F238E27FC236}">
-                <a16:creationId xmlns="" xmlns:a16="http://schemas.microsoft.com/office/drawing/2014/main" id="{DD67EBD8-654D-463E-BF6D-CA3603A6D088}"/>
+                <a16:creationId xmlns:a16="http://schemas.microsoft.com/office/drawing/2014/main" xmlns="" id="{DD67EBD8-654D-463E-BF6D-CA3603A6D088}"/>
               </a:ext>
             </a:extLst>
           </p:cNvPr>
@@ -18350,7 +18350,7 @@
           <p:cNvPr id="175" name="Connecteur droit 174">
             <a:extLst>
               <a:ext uri="{FF2B5EF4-FFF2-40B4-BE49-F238E27FC236}">
-                <a16:creationId xmlns="" xmlns:a16="http://schemas.microsoft.com/office/drawing/2014/main" id="{77712361-E096-4658-B2C1-0C42346CE6B9}"/>
+                <a16:creationId xmlns:a16="http://schemas.microsoft.com/office/drawing/2014/main" xmlns="" id="{77712361-E096-4658-B2C1-0C42346CE6B9}"/>
               </a:ext>
             </a:extLst>
           </p:cNvPr>
@@ -18397,7 +18397,7 @@
           <p:cNvPr id="176" name="Rectangle : coins arrondis 175">
             <a:extLst>
               <a:ext uri="{FF2B5EF4-FFF2-40B4-BE49-F238E27FC236}">
-                <a16:creationId xmlns="" xmlns:a16="http://schemas.microsoft.com/office/drawing/2014/main" id="{4729BBD5-D4DC-4EF5-9485-917FC6140708}"/>
+                <a16:creationId xmlns:a16="http://schemas.microsoft.com/office/drawing/2014/main" xmlns="" id="{4729BBD5-D4DC-4EF5-9485-917FC6140708}"/>
               </a:ext>
             </a:extLst>
           </p:cNvPr>
@@ -18492,7 +18492,7 @@
           <p:cNvPr id="2" name="Titre 1">
             <a:extLst>
               <a:ext uri="{FF2B5EF4-FFF2-40B4-BE49-F238E27FC236}">
-                <a16:creationId xmlns="" xmlns:a16="http://schemas.microsoft.com/office/drawing/2014/main" id="{AD4F0A27-99BB-49D0-9C93-2D3C5186E6B2}"/>
+                <a16:creationId xmlns:a16="http://schemas.microsoft.com/office/drawing/2014/main" xmlns="" id="{AD4F0A27-99BB-49D0-9C93-2D3C5186E6B2}"/>
               </a:ext>
             </a:extLst>
           </p:cNvPr>
@@ -18532,7 +18532,7 @@
           <p:cNvPr id="3" name="Sous-titre 2">
             <a:extLst>
               <a:ext uri="{FF2B5EF4-FFF2-40B4-BE49-F238E27FC236}">
-                <a16:creationId xmlns="" xmlns:a16="http://schemas.microsoft.com/office/drawing/2014/main" id="{B5895DDB-3400-4A36-A688-98CC33D75B68}"/>
+                <a16:creationId xmlns:a16="http://schemas.microsoft.com/office/drawing/2014/main" xmlns="" id="{B5895DDB-3400-4A36-A688-98CC33D75B68}"/>
               </a:ext>
             </a:extLst>
           </p:cNvPr>
@@ -18575,7 +18575,7 @@
           <p:cNvPr id="5" name="Image 4" descr="Une image contenant texte, clipart, lumière&#10;&#10;Description générée automatiquement">
             <a:extLst>
               <a:ext uri="{FF2B5EF4-FFF2-40B4-BE49-F238E27FC236}">
-                <a16:creationId xmlns="" xmlns:a16="http://schemas.microsoft.com/office/drawing/2014/main" id="{F92E366F-A75B-4FBE-95A4-7BE2692FD768}"/>
+                <a16:creationId xmlns:a16="http://schemas.microsoft.com/office/drawing/2014/main" xmlns="" id="{F92E366F-A75B-4FBE-95A4-7BE2692FD768}"/>
               </a:ext>
             </a:extLst>
           </p:cNvPr>
@@ -18611,7 +18611,7 @@
           <p:cNvPr id="4" name="Rectangle : coins arrondis 3">
             <a:extLst>
               <a:ext uri="{FF2B5EF4-FFF2-40B4-BE49-F238E27FC236}">
-                <a16:creationId xmlns="" xmlns:a16="http://schemas.microsoft.com/office/drawing/2014/main" id="{91F949C8-2425-7570-5287-385AC17B21E1}"/>
+                <a16:creationId xmlns:a16="http://schemas.microsoft.com/office/drawing/2014/main" xmlns="" id="{91F949C8-2425-7570-5287-385AC17B21E1}"/>
               </a:ext>
             </a:extLst>
           </p:cNvPr>
@@ -18658,7 +18658,7 @@
           <p:cNvPr id="9" name="Connecteur droit 8">
             <a:extLst>
               <a:ext uri="{FF2B5EF4-FFF2-40B4-BE49-F238E27FC236}">
-                <a16:creationId xmlns="" xmlns:a16="http://schemas.microsoft.com/office/drawing/2014/main" id="{69F4CD8C-A1F8-3DC6-7EAE-D62250ECD5D8}"/>
+                <a16:creationId xmlns:a16="http://schemas.microsoft.com/office/drawing/2014/main" xmlns="" id="{69F4CD8C-A1F8-3DC6-7EAE-D62250ECD5D8}"/>
               </a:ext>
             </a:extLst>
           </p:cNvPr>
@@ -18705,7 +18705,7 @@
           <p:cNvPr id="16" name="ZoneTexte 15">
             <a:extLst>
               <a:ext uri="{FF2B5EF4-FFF2-40B4-BE49-F238E27FC236}">
-                <a16:creationId xmlns="" xmlns:a16="http://schemas.microsoft.com/office/drawing/2014/main" id="{00D0015B-8959-6872-A092-05E4EC31CA6C}"/>
+                <a16:creationId xmlns:a16="http://schemas.microsoft.com/office/drawing/2014/main" xmlns="" id="{00D0015B-8959-6872-A092-05E4EC31CA6C}"/>
               </a:ext>
             </a:extLst>
           </p:cNvPr>
@@ -18782,7 +18782,7 @@
           <p:cNvPr id="10" name="ZoneTexte 9">
             <a:extLst>
               <a:ext uri="{FF2B5EF4-FFF2-40B4-BE49-F238E27FC236}">
-                <a16:creationId xmlns="" xmlns:a16="http://schemas.microsoft.com/office/drawing/2014/main" id="{C1844A75-FCE0-1091-C813-61A648C42426}"/>
+                <a16:creationId xmlns:a16="http://schemas.microsoft.com/office/drawing/2014/main" xmlns="" id="{C1844A75-FCE0-1091-C813-61A648C42426}"/>
               </a:ext>
             </a:extLst>
           </p:cNvPr>
@@ -18847,7 +18847,7 @@
           <p:cNvPr id="6" name="Rectangle : coins arrondis 5">
             <a:extLst>
               <a:ext uri="{FF2B5EF4-FFF2-40B4-BE49-F238E27FC236}">
-                <a16:creationId xmlns="" xmlns:a16="http://schemas.microsoft.com/office/drawing/2014/main" id="{2B7C8F0A-C94C-9130-5712-49D064ED4290}"/>
+                <a16:creationId xmlns:a16="http://schemas.microsoft.com/office/drawing/2014/main" xmlns="" id="{2B7C8F0A-C94C-9130-5712-49D064ED4290}"/>
               </a:ext>
             </a:extLst>
           </p:cNvPr>
@@ -18934,7 +18934,7 @@
           <p:cNvPr id="46" name="Connecteur droit 45">
             <a:extLst>
               <a:ext uri="{FF2B5EF4-FFF2-40B4-BE49-F238E27FC236}">
-                <a16:creationId xmlns="" xmlns:a16="http://schemas.microsoft.com/office/drawing/2014/main" id="{3FED4720-A617-7D37-1214-E22C5DC2934C}"/>
+                <a16:creationId xmlns:a16="http://schemas.microsoft.com/office/drawing/2014/main" xmlns="" id="{3FED4720-A617-7D37-1214-E22C5DC2934C}"/>
               </a:ext>
             </a:extLst>
           </p:cNvPr>
@@ -18977,7 +18977,7 @@
           <p:cNvPr id="2" name="Titre 1">
             <a:extLst>
               <a:ext uri="{FF2B5EF4-FFF2-40B4-BE49-F238E27FC236}">
-                <a16:creationId xmlns="" xmlns:a16="http://schemas.microsoft.com/office/drawing/2014/main" id="{AD4F0A27-99BB-49D0-9C93-2D3C5186E6B2}"/>
+                <a16:creationId xmlns:a16="http://schemas.microsoft.com/office/drawing/2014/main" xmlns="" id="{AD4F0A27-99BB-49D0-9C93-2D3C5186E6B2}"/>
               </a:ext>
             </a:extLst>
           </p:cNvPr>
@@ -19017,7 +19017,7 @@
           <p:cNvPr id="3" name="Sous-titre 2">
             <a:extLst>
               <a:ext uri="{FF2B5EF4-FFF2-40B4-BE49-F238E27FC236}">
-                <a16:creationId xmlns="" xmlns:a16="http://schemas.microsoft.com/office/drawing/2014/main" id="{B5895DDB-3400-4A36-A688-98CC33D75B68}"/>
+                <a16:creationId xmlns:a16="http://schemas.microsoft.com/office/drawing/2014/main" xmlns="" id="{B5895DDB-3400-4A36-A688-98CC33D75B68}"/>
               </a:ext>
             </a:extLst>
           </p:cNvPr>
@@ -19060,7 +19060,7 @@
           <p:cNvPr id="5" name="Image 4" descr="Une image contenant texte, clipart, lumière&#10;&#10;Description générée automatiquement">
             <a:extLst>
               <a:ext uri="{FF2B5EF4-FFF2-40B4-BE49-F238E27FC236}">
-                <a16:creationId xmlns="" xmlns:a16="http://schemas.microsoft.com/office/drawing/2014/main" id="{F92E366F-A75B-4FBE-95A4-7BE2692FD768}"/>
+                <a16:creationId xmlns:a16="http://schemas.microsoft.com/office/drawing/2014/main" xmlns="" id="{F92E366F-A75B-4FBE-95A4-7BE2692FD768}"/>
               </a:ext>
             </a:extLst>
           </p:cNvPr>
@@ -19096,7 +19096,7 @@
           <p:cNvPr id="4" name="Rectangle : coins arrondis 3">
             <a:extLst>
               <a:ext uri="{FF2B5EF4-FFF2-40B4-BE49-F238E27FC236}">
-                <a16:creationId xmlns="" xmlns:a16="http://schemas.microsoft.com/office/drawing/2014/main" id="{91F949C8-2425-7570-5287-385AC17B21E1}"/>
+                <a16:creationId xmlns:a16="http://schemas.microsoft.com/office/drawing/2014/main" xmlns="" id="{91F949C8-2425-7570-5287-385AC17B21E1}"/>
               </a:ext>
             </a:extLst>
           </p:cNvPr>
@@ -19143,7 +19143,7 @@
           <p:cNvPr id="7" name="Rectangle 6">
             <a:extLst>
               <a:ext uri="{FF2B5EF4-FFF2-40B4-BE49-F238E27FC236}">
-                <a16:creationId xmlns="" xmlns:a16="http://schemas.microsoft.com/office/drawing/2014/main" id="{C3487925-6EF8-CC4B-D17E-52205DA4F20E}"/>
+                <a16:creationId xmlns:a16="http://schemas.microsoft.com/office/drawing/2014/main" xmlns="" id="{C3487925-6EF8-CC4B-D17E-52205DA4F20E}"/>
               </a:ext>
             </a:extLst>
           </p:cNvPr>
@@ -19201,7 +19201,7 @@
           <p:cNvPr id="8" name="Rectangle 7">
             <a:extLst>
               <a:ext uri="{FF2B5EF4-FFF2-40B4-BE49-F238E27FC236}">
-                <a16:creationId xmlns="" xmlns:a16="http://schemas.microsoft.com/office/drawing/2014/main" id="{6B353578-DC71-7C51-8FB8-D72717C99BFC}"/>
+                <a16:creationId xmlns:a16="http://schemas.microsoft.com/office/drawing/2014/main" xmlns="" id="{6B353578-DC71-7C51-8FB8-D72717C99BFC}"/>
               </a:ext>
             </a:extLst>
           </p:cNvPr>
@@ -19275,7 +19275,7 @@
           <p:cNvPr id="11" name="Rectangle 10">
             <a:extLst>
               <a:ext uri="{FF2B5EF4-FFF2-40B4-BE49-F238E27FC236}">
-                <a16:creationId xmlns="" xmlns:a16="http://schemas.microsoft.com/office/drawing/2014/main" id="{886AC6D8-4EA2-FBD6-D5A0-4AFF6AC39D64}"/>
+                <a16:creationId xmlns:a16="http://schemas.microsoft.com/office/drawing/2014/main" xmlns="" id="{886AC6D8-4EA2-FBD6-D5A0-4AFF6AC39D64}"/>
               </a:ext>
             </a:extLst>
           </p:cNvPr>
@@ -19331,7 +19331,7 @@
           <p:cNvPr id="12" name="Rectangle 11">
             <a:extLst>
               <a:ext uri="{FF2B5EF4-FFF2-40B4-BE49-F238E27FC236}">
-                <a16:creationId xmlns="" xmlns:a16="http://schemas.microsoft.com/office/drawing/2014/main" id="{38D87CB9-08B9-5078-EE57-1587832FFE84}"/>
+                <a16:creationId xmlns:a16="http://schemas.microsoft.com/office/drawing/2014/main" xmlns="" id="{38D87CB9-08B9-5078-EE57-1587832FFE84}"/>
               </a:ext>
             </a:extLst>
           </p:cNvPr>
@@ -19390,7 +19390,7 @@
           <p:cNvPr id="13" name="Rectangle 12">
             <a:extLst>
               <a:ext uri="{FF2B5EF4-FFF2-40B4-BE49-F238E27FC236}">
-                <a16:creationId xmlns="" xmlns:a16="http://schemas.microsoft.com/office/drawing/2014/main" id="{581F0FBA-2229-B848-2F2D-11EE858E8B13}"/>
+                <a16:creationId xmlns:a16="http://schemas.microsoft.com/office/drawing/2014/main" xmlns="" id="{581F0FBA-2229-B848-2F2D-11EE858E8B13}"/>
               </a:ext>
             </a:extLst>
           </p:cNvPr>
@@ -19449,7 +19449,7 @@
           <p:cNvPr id="14" name="Rectangle 13">
             <a:extLst>
               <a:ext uri="{FF2B5EF4-FFF2-40B4-BE49-F238E27FC236}">
-                <a16:creationId xmlns="" xmlns:a16="http://schemas.microsoft.com/office/drawing/2014/main" id="{D134F98B-8C9A-4221-8406-416CB53CB6F0}"/>
+                <a16:creationId xmlns:a16="http://schemas.microsoft.com/office/drawing/2014/main" xmlns="" id="{D134F98B-8C9A-4221-8406-416CB53CB6F0}"/>
               </a:ext>
             </a:extLst>
           </p:cNvPr>
@@ -19508,7 +19508,7 @@
           <p:cNvPr id="15" name="Rectangle 14">
             <a:extLst>
               <a:ext uri="{FF2B5EF4-FFF2-40B4-BE49-F238E27FC236}">
-                <a16:creationId xmlns="" xmlns:a16="http://schemas.microsoft.com/office/drawing/2014/main" id="{407C663D-7826-4723-218E-AD235FB2FF52}"/>
+                <a16:creationId xmlns:a16="http://schemas.microsoft.com/office/drawing/2014/main" xmlns="" id="{407C663D-7826-4723-218E-AD235FB2FF52}"/>
               </a:ext>
             </a:extLst>
           </p:cNvPr>
@@ -19567,7 +19567,7 @@
           <p:cNvPr id="17" name="Rectangle 16">
             <a:extLst>
               <a:ext uri="{FF2B5EF4-FFF2-40B4-BE49-F238E27FC236}">
-                <a16:creationId xmlns="" xmlns:a16="http://schemas.microsoft.com/office/drawing/2014/main" id="{E07F59B9-8D7A-1418-73AE-6FCA90AC9067}"/>
+                <a16:creationId xmlns:a16="http://schemas.microsoft.com/office/drawing/2014/main" xmlns="" id="{E07F59B9-8D7A-1418-73AE-6FCA90AC9067}"/>
               </a:ext>
             </a:extLst>
           </p:cNvPr>
@@ -19626,7 +19626,7 @@
           <p:cNvPr id="18" name="Rectangle 17">
             <a:extLst>
               <a:ext uri="{FF2B5EF4-FFF2-40B4-BE49-F238E27FC236}">
-                <a16:creationId xmlns="" xmlns:a16="http://schemas.microsoft.com/office/drawing/2014/main" id="{A2B4BB23-5B1D-FC33-6DA4-84105F698C36}"/>
+                <a16:creationId xmlns:a16="http://schemas.microsoft.com/office/drawing/2014/main" xmlns="" id="{A2B4BB23-5B1D-FC33-6DA4-84105F698C36}"/>
               </a:ext>
             </a:extLst>
           </p:cNvPr>
@@ -19685,7 +19685,7 @@
           <p:cNvPr id="19" name="Rectangle 18">
             <a:extLst>
               <a:ext uri="{FF2B5EF4-FFF2-40B4-BE49-F238E27FC236}">
-                <a16:creationId xmlns="" xmlns:a16="http://schemas.microsoft.com/office/drawing/2014/main" id="{AEA30484-678C-E6ED-62B8-33997D477914}"/>
+                <a16:creationId xmlns:a16="http://schemas.microsoft.com/office/drawing/2014/main" xmlns="" id="{AEA30484-678C-E6ED-62B8-33997D477914}"/>
               </a:ext>
             </a:extLst>
           </p:cNvPr>
@@ -19744,7 +19744,7 @@
           <p:cNvPr id="20" name="Rectangle 19">
             <a:extLst>
               <a:ext uri="{FF2B5EF4-FFF2-40B4-BE49-F238E27FC236}">
-                <a16:creationId xmlns="" xmlns:a16="http://schemas.microsoft.com/office/drawing/2014/main" id="{A4496FB4-E3D4-D9D5-A43D-7F1321ED1A4D}"/>
+                <a16:creationId xmlns:a16="http://schemas.microsoft.com/office/drawing/2014/main" xmlns="" id="{A4496FB4-E3D4-D9D5-A43D-7F1321ED1A4D}"/>
               </a:ext>
             </a:extLst>
           </p:cNvPr>
@@ -19803,7 +19803,7 @@
           <p:cNvPr id="21" name="Rectangle 20">
             <a:extLst>
               <a:ext uri="{FF2B5EF4-FFF2-40B4-BE49-F238E27FC236}">
-                <a16:creationId xmlns="" xmlns:a16="http://schemas.microsoft.com/office/drawing/2014/main" id="{DAD708CB-32EC-C000-CA2E-FD68A0A2D17C}"/>
+                <a16:creationId xmlns:a16="http://schemas.microsoft.com/office/drawing/2014/main" xmlns="" id="{DAD708CB-32EC-C000-CA2E-FD68A0A2D17C}"/>
               </a:ext>
             </a:extLst>
           </p:cNvPr>
@@ -19862,7 +19862,7 @@
           <p:cNvPr id="22" name="Rectangle 21">
             <a:extLst>
               <a:ext uri="{FF2B5EF4-FFF2-40B4-BE49-F238E27FC236}">
-                <a16:creationId xmlns="" xmlns:a16="http://schemas.microsoft.com/office/drawing/2014/main" id="{73CC031A-FA14-9EFC-2EE2-08D70D60160C}"/>
+                <a16:creationId xmlns:a16="http://schemas.microsoft.com/office/drawing/2014/main" xmlns="" id="{73CC031A-FA14-9EFC-2EE2-08D70D60160C}"/>
               </a:ext>
             </a:extLst>
           </p:cNvPr>
@@ -19932,7 +19932,7 @@
           <p:cNvPr id="23" name="Rectangle 22">
             <a:extLst>
               <a:ext uri="{FF2B5EF4-FFF2-40B4-BE49-F238E27FC236}">
-                <a16:creationId xmlns="" xmlns:a16="http://schemas.microsoft.com/office/drawing/2014/main" id="{3F301020-B3B7-1551-3580-57C4ADE0C329}"/>
+                <a16:creationId xmlns:a16="http://schemas.microsoft.com/office/drawing/2014/main" xmlns="" id="{3F301020-B3B7-1551-3580-57C4ADE0C329}"/>
               </a:ext>
             </a:extLst>
           </p:cNvPr>
@@ -19991,7 +19991,7 @@
           <p:cNvPr id="24" name="Rectangle 23">
             <a:extLst>
               <a:ext uri="{FF2B5EF4-FFF2-40B4-BE49-F238E27FC236}">
-                <a16:creationId xmlns="" xmlns:a16="http://schemas.microsoft.com/office/drawing/2014/main" id="{6A5F03E2-FE36-3A86-B61C-9EA62C157910}"/>
+                <a16:creationId xmlns:a16="http://schemas.microsoft.com/office/drawing/2014/main" xmlns="" id="{6A5F03E2-FE36-3A86-B61C-9EA62C157910}"/>
               </a:ext>
             </a:extLst>
           </p:cNvPr>
@@ -20050,7 +20050,7 @@
           <p:cNvPr id="25" name="Rectangle 24">
             <a:extLst>
               <a:ext uri="{FF2B5EF4-FFF2-40B4-BE49-F238E27FC236}">
-                <a16:creationId xmlns="" xmlns:a16="http://schemas.microsoft.com/office/drawing/2014/main" id="{3EE59805-DADC-D25F-1DE0-4757CDCADA59}"/>
+                <a16:creationId xmlns:a16="http://schemas.microsoft.com/office/drawing/2014/main" xmlns="" id="{3EE59805-DADC-D25F-1DE0-4757CDCADA59}"/>
               </a:ext>
             </a:extLst>
           </p:cNvPr>
@@ -20109,7 +20109,7 @@
           <p:cNvPr id="26" name="ZoneTexte 25">
             <a:extLst>
               <a:ext uri="{FF2B5EF4-FFF2-40B4-BE49-F238E27FC236}">
-                <a16:creationId xmlns="" xmlns:a16="http://schemas.microsoft.com/office/drawing/2014/main" id="{9F09E092-37A6-4F6E-43CB-6322C272A87B}"/>
+                <a16:creationId xmlns:a16="http://schemas.microsoft.com/office/drawing/2014/main" xmlns="" id="{9F09E092-37A6-4F6E-43CB-6322C272A87B}"/>
               </a:ext>
             </a:extLst>
           </p:cNvPr>
@@ -20154,7 +20154,7 @@
           <p:cNvPr id="27" name="Rectangle 26">
             <a:extLst>
               <a:ext uri="{FF2B5EF4-FFF2-40B4-BE49-F238E27FC236}">
-                <a16:creationId xmlns="" xmlns:a16="http://schemas.microsoft.com/office/drawing/2014/main" id="{8B7CFE53-DAAF-9F03-1B85-C046927B563C}"/>
+                <a16:creationId xmlns:a16="http://schemas.microsoft.com/office/drawing/2014/main" xmlns="" id="{8B7CFE53-DAAF-9F03-1B85-C046927B563C}"/>
               </a:ext>
             </a:extLst>
           </p:cNvPr>
@@ -20212,7 +20212,7 @@
           <p:cNvPr id="28" name="Rectangle 27">
             <a:extLst>
               <a:ext uri="{FF2B5EF4-FFF2-40B4-BE49-F238E27FC236}">
-                <a16:creationId xmlns="" xmlns:a16="http://schemas.microsoft.com/office/drawing/2014/main" id="{05BBEB18-E2A6-940B-53D6-9D60306978A2}"/>
+                <a16:creationId xmlns:a16="http://schemas.microsoft.com/office/drawing/2014/main" xmlns="" id="{05BBEB18-E2A6-940B-53D6-9D60306978A2}"/>
               </a:ext>
             </a:extLst>
           </p:cNvPr>
@@ -20286,7 +20286,7 @@
           <p:cNvPr id="29" name="Rectangle 28">
             <a:extLst>
               <a:ext uri="{FF2B5EF4-FFF2-40B4-BE49-F238E27FC236}">
-                <a16:creationId xmlns="" xmlns:a16="http://schemas.microsoft.com/office/drawing/2014/main" id="{481E2CBB-7E67-C305-5568-CC1E97061388}"/>
+                <a16:creationId xmlns:a16="http://schemas.microsoft.com/office/drawing/2014/main" xmlns="" id="{481E2CBB-7E67-C305-5568-CC1E97061388}"/>
               </a:ext>
             </a:extLst>
           </p:cNvPr>
@@ -20342,7 +20342,7 @@
           <p:cNvPr id="30" name="Rectangle 29">
             <a:extLst>
               <a:ext uri="{FF2B5EF4-FFF2-40B4-BE49-F238E27FC236}">
-                <a16:creationId xmlns="" xmlns:a16="http://schemas.microsoft.com/office/drawing/2014/main" id="{AEC54E07-E1C2-6654-4EC2-FA17DB70167D}"/>
+                <a16:creationId xmlns:a16="http://schemas.microsoft.com/office/drawing/2014/main" xmlns="" id="{AEC54E07-E1C2-6654-4EC2-FA17DB70167D}"/>
               </a:ext>
             </a:extLst>
           </p:cNvPr>
@@ -20401,7 +20401,7 @@
           <p:cNvPr id="31" name="Rectangle 30">
             <a:extLst>
               <a:ext uri="{FF2B5EF4-FFF2-40B4-BE49-F238E27FC236}">
-                <a16:creationId xmlns="" xmlns:a16="http://schemas.microsoft.com/office/drawing/2014/main" id="{43E43D30-AD4D-61FB-1855-FA91131F2B95}"/>
+                <a16:creationId xmlns:a16="http://schemas.microsoft.com/office/drawing/2014/main" xmlns="" id="{43E43D30-AD4D-61FB-1855-FA91131F2B95}"/>
               </a:ext>
             </a:extLst>
           </p:cNvPr>
@@ -20452,7 +20452,18 @@
               </a:rPr>
               <a:t>SEQ5</a:t>
             </a:r>
-            <a:endParaRPr lang="fr-FR" sz="1400" dirty="0">
+          </a:p>
+          <a:p>
+            <a:pPr algn="ctr"/>
+            <a:r>
+              <a:rPr lang="fr-FR" sz="1100" dirty="0" smtClean="0">
+                <a:solidFill>
+                  <a:schemeClr val="tx1"/>
+                </a:solidFill>
+              </a:rPr>
+              <a:t>116BPM</a:t>
+            </a:r>
+            <a:endParaRPr lang="fr-FR" sz="1100" dirty="0">
               <a:solidFill>
                 <a:schemeClr val="tx1"/>
               </a:solidFill>
@@ -20465,16 +20476,16 @@
           <p:cNvPr id="32" name="Rectangle 31">
             <a:extLst>
               <a:ext uri="{FF2B5EF4-FFF2-40B4-BE49-F238E27FC236}">
-                <a16:creationId xmlns="" xmlns:a16="http://schemas.microsoft.com/office/drawing/2014/main" id="{FAA8AB55-A116-24F6-136B-52F7F7B3657F}"/>
-              </a:ext>
-            </a:extLst>
-          </p:cNvPr>
-          <p:cNvSpPr/>
-          <p:nvPr/>
-        </p:nvSpPr>
-        <p:spPr>
-          <a:xfrm>
-            <a:off x="5018664" y="4720763"/>
+                <a16:creationId xmlns:a16="http://schemas.microsoft.com/office/drawing/2014/main" xmlns="" id="{FAA8AB55-A116-24F6-136B-52F7F7B3657F}"/>
+              </a:ext>
+            </a:extLst>
+          </p:cNvPr>
+          <p:cNvSpPr/>
+          <p:nvPr/>
+        </p:nvSpPr>
+        <p:spPr>
+          <a:xfrm>
+            <a:off x="5018664" y="4714251"/>
             <a:ext cx="688258" cy="587099"/>
           </a:xfrm>
           <a:prstGeom prst="rect">
@@ -20516,6 +20527,17 @@
               </a:rPr>
               <a:t>SEQ6</a:t>
             </a:r>
+          </a:p>
+          <a:p>
+            <a:pPr algn="ctr"/>
+            <a:r>
+              <a:rPr lang="fr-FR" sz="1050" dirty="0" smtClean="0">
+                <a:solidFill>
+                  <a:schemeClr val="tx1"/>
+                </a:solidFill>
+              </a:rPr>
+              <a:t>128BPM</a:t>
+            </a:r>
             <a:endParaRPr lang="fr-FR" sz="1400" dirty="0">
               <a:solidFill>
                 <a:schemeClr val="tx1"/>
@@ -20529,7 +20551,7 @@
           <p:cNvPr id="33" name="Rectangle 32">
             <a:extLst>
               <a:ext uri="{FF2B5EF4-FFF2-40B4-BE49-F238E27FC236}">
-                <a16:creationId xmlns="" xmlns:a16="http://schemas.microsoft.com/office/drawing/2014/main" id="{68BB17C6-A4E4-7458-5D43-103D503CD59F}"/>
+                <a16:creationId xmlns:a16="http://schemas.microsoft.com/office/drawing/2014/main" xmlns="" id="{68BB17C6-A4E4-7458-5D43-103D503CD59F}"/>
               </a:ext>
             </a:extLst>
           </p:cNvPr>
@@ -20601,7 +20623,7 @@
           <p:cNvPr id="34" name="Rectangle 33">
             <a:extLst>
               <a:ext uri="{FF2B5EF4-FFF2-40B4-BE49-F238E27FC236}">
-                <a16:creationId xmlns="" xmlns:a16="http://schemas.microsoft.com/office/drawing/2014/main" id="{F6048D31-599C-7BF1-8218-35EFBE927FD9}"/>
+                <a16:creationId xmlns:a16="http://schemas.microsoft.com/office/drawing/2014/main" xmlns="" id="{F6048D31-599C-7BF1-8218-35EFBE927FD9}"/>
               </a:ext>
             </a:extLst>
           </p:cNvPr>
@@ -20662,128 +20684,10 @@
       </p:sp>
       <p:sp>
         <p:nvSpPr>
-          <p:cNvPr id="35" name="Rectangle 34">
-            <a:extLst>
-              <a:ext uri="{FF2B5EF4-FFF2-40B4-BE49-F238E27FC236}">
-                <a16:creationId xmlns="" xmlns:a16="http://schemas.microsoft.com/office/drawing/2014/main" id="{F72D23D3-12ED-8EC3-BF99-616AA6A0115C}"/>
-              </a:ext>
-            </a:extLst>
-          </p:cNvPr>
-          <p:cNvSpPr/>
-          <p:nvPr/>
-        </p:nvSpPr>
-        <p:spPr>
-          <a:xfrm>
-            <a:off x="4191896" y="5386799"/>
-            <a:ext cx="688258" cy="587099"/>
-          </a:xfrm>
-          <a:prstGeom prst="rect">
-            <a:avLst/>
-          </a:prstGeom>
-          <a:solidFill>
-            <a:schemeClr val="accent6">
-              <a:lumMod val="40000"/>
-              <a:lumOff val="60000"/>
-            </a:schemeClr>
-          </a:solidFill>
-        </p:spPr>
-        <p:style>
-          <a:lnRef idx="2">
-            <a:schemeClr val="accent1">
-              <a:shade val="50000"/>
-            </a:schemeClr>
-          </a:lnRef>
-          <a:fillRef idx="1">
-            <a:schemeClr val="accent1"/>
-          </a:fillRef>
-          <a:effectRef idx="0">
-            <a:schemeClr val="accent1"/>
-          </a:effectRef>
-          <a:fontRef idx="minor">
-            <a:schemeClr val="lt1"/>
-          </a:fontRef>
-        </p:style>
-        <p:txBody>
-          <a:bodyPr rtlCol="0" anchor="ctr"/>
-          <a:lstStyle/>
-          <a:p>
-            <a:pPr algn="ctr"/>
-            <a:r>
-              <a:rPr lang="fr-FR" sz="1400" dirty="0">
-                <a:solidFill>
-                  <a:schemeClr val="tx1"/>
-                </a:solidFill>
-              </a:rPr>
-              <a:t>C9</a:t>
-            </a:r>
-          </a:p>
-        </p:txBody>
-      </p:sp>
-      <p:sp>
-        <p:nvSpPr>
-          <p:cNvPr id="36" name="Rectangle 35">
-            <a:extLst>
-              <a:ext uri="{FF2B5EF4-FFF2-40B4-BE49-F238E27FC236}">
-                <a16:creationId xmlns="" xmlns:a16="http://schemas.microsoft.com/office/drawing/2014/main" id="{0193DD4F-7F5A-D021-0D57-B90735C768D4}"/>
-              </a:ext>
-            </a:extLst>
-          </p:cNvPr>
-          <p:cNvSpPr/>
-          <p:nvPr/>
-        </p:nvSpPr>
-        <p:spPr>
-          <a:xfrm>
-            <a:off x="5018664" y="5386798"/>
-            <a:ext cx="688258" cy="587099"/>
-          </a:xfrm>
-          <a:prstGeom prst="rect">
-            <a:avLst/>
-          </a:prstGeom>
-          <a:solidFill>
-            <a:schemeClr val="accent6">
-              <a:lumMod val="40000"/>
-              <a:lumOff val="60000"/>
-            </a:schemeClr>
-          </a:solidFill>
-        </p:spPr>
-        <p:style>
-          <a:lnRef idx="2">
-            <a:schemeClr val="accent1">
-              <a:shade val="50000"/>
-            </a:schemeClr>
-          </a:lnRef>
-          <a:fillRef idx="1">
-            <a:schemeClr val="accent1"/>
-          </a:fillRef>
-          <a:effectRef idx="0">
-            <a:schemeClr val="accent1"/>
-          </a:effectRef>
-          <a:fontRef idx="minor">
-            <a:schemeClr val="lt1"/>
-          </a:fontRef>
-        </p:style>
-        <p:txBody>
-          <a:bodyPr rtlCol="0" anchor="ctr"/>
-          <a:lstStyle/>
-          <a:p>
-            <a:pPr algn="ctr"/>
-            <a:r>
-              <a:rPr lang="fr-FR" sz="1400" dirty="0">
-                <a:solidFill>
-                  <a:schemeClr val="tx1"/>
-                </a:solidFill>
-              </a:rPr>
-              <a:t>C10</a:t>
-            </a:r>
-          </a:p>
-        </p:txBody>
-      </p:sp>
-      <p:sp>
-        <p:nvSpPr>
           <p:cNvPr id="37" name="Rectangle 36">
             <a:extLst>
               <a:ext uri="{FF2B5EF4-FFF2-40B4-BE49-F238E27FC236}">
-                <a16:creationId xmlns="" xmlns:a16="http://schemas.microsoft.com/office/drawing/2014/main" id="{3B9F5B72-4815-2F76-2581-E5B8419169E9}"/>
+                <a16:creationId xmlns:a16="http://schemas.microsoft.com/office/drawing/2014/main" xmlns="" id="{3B9F5B72-4815-2F76-2581-E5B8419169E9}"/>
               </a:ext>
             </a:extLst>
           </p:cNvPr>
@@ -20839,7 +20743,7 @@
           <p:cNvPr id="39" name="Rectangle 38">
             <a:extLst>
               <a:ext uri="{FF2B5EF4-FFF2-40B4-BE49-F238E27FC236}">
-                <a16:creationId xmlns="" xmlns:a16="http://schemas.microsoft.com/office/drawing/2014/main" id="{B47D9D0A-8E8D-2218-733B-0A0F5B7EF685}"/>
+                <a16:creationId xmlns:a16="http://schemas.microsoft.com/office/drawing/2014/main" xmlns="" id="{B47D9D0A-8E8D-2218-733B-0A0F5B7EF685}"/>
               </a:ext>
             </a:extLst>
           </p:cNvPr>
@@ -20929,7 +20833,7 @@
           <p:cNvPr id="40" name="Rectangle 39">
             <a:extLst>
               <a:ext uri="{FF2B5EF4-FFF2-40B4-BE49-F238E27FC236}">
-                <a16:creationId xmlns="" xmlns:a16="http://schemas.microsoft.com/office/drawing/2014/main" id="{066DE62C-C84F-03F4-A6A9-195D328C3074}"/>
+                <a16:creationId xmlns:a16="http://schemas.microsoft.com/office/drawing/2014/main" xmlns="" id="{066DE62C-C84F-03F4-A6A9-195D328C3074}"/>
               </a:ext>
             </a:extLst>
           </p:cNvPr>
@@ -21008,7 +20912,7 @@
           <p:cNvPr id="41" name="Rectangle 40">
             <a:extLst>
               <a:ext uri="{FF2B5EF4-FFF2-40B4-BE49-F238E27FC236}">
-                <a16:creationId xmlns="" xmlns:a16="http://schemas.microsoft.com/office/drawing/2014/main" id="{CD5A2463-E3E5-62B3-9903-78DA6C298E00}"/>
+                <a16:creationId xmlns:a16="http://schemas.microsoft.com/office/drawing/2014/main" xmlns="" id="{CD5A2463-E3E5-62B3-9903-78DA6C298E00}"/>
               </a:ext>
             </a:extLst>
           </p:cNvPr>
@@ -21067,7 +20971,7 @@
           <p:cNvPr id="42" name="Rectangle 41">
             <a:extLst>
               <a:ext uri="{FF2B5EF4-FFF2-40B4-BE49-F238E27FC236}">
-                <a16:creationId xmlns="" xmlns:a16="http://schemas.microsoft.com/office/drawing/2014/main" id="{3BC3A387-02CC-4F7D-E9AC-B103A9288F09}"/>
+                <a16:creationId xmlns:a16="http://schemas.microsoft.com/office/drawing/2014/main" xmlns="" id="{3BC3A387-02CC-4F7D-E9AC-B103A9288F09}"/>
               </a:ext>
             </a:extLst>
           </p:cNvPr>
@@ -21141,7 +21045,7 @@
           <p:cNvPr id="43" name="ZoneTexte 42">
             <a:extLst>
               <a:ext uri="{FF2B5EF4-FFF2-40B4-BE49-F238E27FC236}">
-                <a16:creationId xmlns="" xmlns:a16="http://schemas.microsoft.com/office/drawing/2014/main" id="{10DBD9D6-05DB-7B69-9FB2-AEB702CE43F9}"/>
+                <a16:creationId xmlns:a16="http://schemas.microsoft.com/office/drawing/2014/main" xmlns="" id="{10DBD9D6-05DB-7B69-9FB2-AEB702CE43F9}"/>
               </a:ext>
             </a:extLst>
           </p:cNvPr>
@@ -21186,7 +21090,7 @@
           <p:cNvPr id="44" name="Rectangle 43">
             <a:extLst>
               <a:ext uri="{FF2B5EF4-FFF2-40B4-BE49-F238E27FC236}">
-                <a16:creationId xmlns="" xmlns:a16="http://schemas.microsoft.com/office/drawing/2014/main" id="{6046AA15-5C6D-DE40-4E6A-3B07423CA96E}"/>
+                <a16:creationId xmlns:a16="http://schemas.microsoft.com/office/drawing/2014/main" xmlns="" id="{6046AA15-5C6D-DE40-4E6A-3B07423CA96E}"/>
               </a:ext>
             </a:extLst>
           </p:cNvPr>
@@ -21242,7 +21146,7 @@
           <p:cNvPr id="48" name="Connecteur droit 47">
             <a:extLst>
               <a:ext uri="{FF2B5EF4-FFF2-40B4-BE49-F238E27FC236}">
-                <a16:creationId xmlns="" xmlns:a16="http://schemas.microsoft.com/office/drawing/2014/main" id="{1B4BBC4D-B622-ECB3-2619-94D0664DFE6A}"/>
+                <a16:creationId xmlns:a16="http://schemas.microsoft.com/office/drawing/2014/main" xmlns="" id="{1B4BBC4D-B622-ECB3-2619-94D0664DFE6A}"/>
               </a:ext>
             </a:extLst>
           </p:cNvPr>
@@ -21285,7 +21189,7 @@
           <p:cNvPr id="49" name="Rectangle 48">
             <a:extLst>
               <a:ext uri="{FF2B5EF4-FFF2-40B4-BE49-F238E27FC236}">
-                <a16:creationId xmlns="" xmlns:a16="http://schemas.microsoft.com/office/drawing/2014/main" id="{49BDFEC3-A0AA-0B14-84C9-A5336731D97E}"/>
+                <a16:creationId xmlns:a16="http://schemas.microsoft.com/office/drawing/2014/main" xmlns="" id="{49BDFEC3-A0AA-0B14-84C9-A5336731D97E}"/>
               </a:ext>
             </a:extLst>
           </p:cNvPr>
@@ -21341,7 +21245,7 @@
           <p:cNvPr id="50" name="Connecteur droit 49">
             <a:extLst>
               <a:ext uri="{FF2B5EF4-FFF2-40B4-BE49-F238E27FC236}">
-                <a16:creationId xmlns="" xmlns:a16="http://schemas.microsoft.com/office/drawing/2014/main" id="{D58CC845-6FD5-D8BE-D057-EF61F42E7945}"/>
+                <a16:creationId xmlns:a16="http://schemas.microsoft.com/office/drawing/2014/main" xmlns="" id="{D58CC845-6FD5-D8BE-D057-EF61F42E7945}"/>
               </a:ext>
             </a:extLst>
           </p:cNvPr>
@@ -21384,7 +21288,7 @@
           <p:cNvPr id="51" name="Rectangle 50">
             <a:extLst>
               <a:ext uri="{FF2B5EF4-FFF2-40B4-BE49-F238E27FC236}">
-                <a16:creationId xmlns="" xmlns:a16="http://schemas.microsoft.com/office/drawing/2014/main" id="{3C0E1517-E210-D460-6778-AED1CC9CBDC0}"/>
+                <a16:creationId xmlns:a16="http://schemas.microsoft.com/office/drawing/2014/main" xmlns="" id="{3C0E1517-E210-D460-6778-AED1CC9CBDC0}"/>
               </a:ext>
             </a:extLst>
           </p:cNvPr>
@@ -21443,7 +21347,7 @@
           <p:cNvPr id="52" name="Connecteur droit 51">
             <a:extLst>
               <a:ext uri="{FF2B5EF4-FFF2-40B4-BE49-F238E27FC236}">
-                <a16:creationId xmlns="" xmlns:a16="http://schemas.microsoft.com/office/drawing/2014/main" id="{9A1555F1-9652-2DFF-64EA-60BE4E7D6CBB}"/>
+                <a16:creationId xmlns:a16="http://schemas.microsoft.com/office/drawing/2014/main" xmlns="" id="{9A1555F1-9652-2DFF-64EA-60BE4E7D6CBB}"/>
               </a:ext>
             </a:extLst>
           </p:cNvPr>
@@ -21486,7 +21390,7 @@
           <p:cNvPr id="53" name="Rectangle 52">
             <a:extLst>
               <a:ext uri="{FF2B5EF4-FFF2-40B4-BE49-F238E27FC236}">
-                <a16:creationId xmlns="" xmlns:a16="http://schemas.microsoft.com/office/drawing/2014/main" id="{239BC810-4A62-0940-9F28-4900178F6F8C}"/>
+                <a16:creationId xmlns:a16="http://schemas.microsoft.com/office/drawing/2014/main" xmlns="" id="{239BC810-4A62-0940-9F28-4900178F6F8C}"/>
               </a:ext>
             </a:extLst>
           </p:cNvPr>
@@ -21545,7 +21449,7 @@
           <p:cNvPr id="54" name="Connecteur droit 53">
             <a:extLst>
               <a:ext uri="{FF2B5EF4-FFF2-40B4-BE49-F238E27FC236}">
-                <a16:creationId xmlns="" xmlns:a16="http://schemas.microsoft.com/office/drawing/2014/main" id="{412D835D-2DCA-9B44-F88C-59EE84EAAD2A}"/>
+                <a16:creationId xmlns:a16="http://schemas.microsoft.com/office/drawing/2014/main" xmlns="" id="{412D835D-2DCA-9B44-F88C-59EE84EAAD2A}"/>
               </a:ext>
             </a:extLst>
           </p:cNvPr>
@@ -21588,7 +21492,7 @@
           <p:cNvPr id="55" name="Rectangle 54">
             <a:extLst>
               <a:ext uri="{FF2B5EF4-FFF2-40B4-BE49-F238E27FC236}">
-                <a16:creationId xmlns="" xmlns:a16="http://schemas.microsoft.com/office/drawing/2014/main" id="{AA4BDB22-C6F1-A2C7-1333-77F3D2223388}"/>
+                <a16:creationId xmlns:a16="http://schemas.microsoft.com/office/drawing/2014/main" xmlns="" id="{AA4BDB22-C6F1-A2C7-1333-77F3D2223388}"/>
               </a:ext>
             </a:extLst>
           </p:cNvPr>
@@ -21647,7 +21551,7 @@
           <p:cNvPr id="56" name="Connecteur droit 55">
             <a:extLst>
               <a:ext uri="{FF2B5EF4-FFF2-40B4-BE49-F238E27FC236}">
-                <a16:creationId xmlns="" xmlns:a16="http://schemas.microsoft.com/office/drawing/2014/main" id="{6646D3C2-B2F7-3E9C-48FC-A2FECA16562C}"/>
+                <a16:creationId xmlns:a16="http://schemas.microsoft.com/office/drawing/2014/main" xmlns="" id="{6646D3C2-B2F7-3E9C-48FC-A2FECA16562C}"/>
               </a:ext>
             </a:extLst>
           </p:cNvPr>
@@ -21690,7 +21594,7 @@
           <p:cNvPr id="57" name="Rectangle 56">
             <a:extLst>
               <a:ext uri="{FF2B5EF4-FFF2-40B4-BE49-F238E27FC236}">
-                <a16:creationId xmlns="" xmlns:a16="http://schemas.microsoft.com/office/drawing/2014/main" id="{D4D1E7B3-51D1-D27A-16AE-B8FC5494BC9B}"/>
+                <a16:creationId xmlns:a16="http://schemas.microsoft.com/office/drawing/2014/main" xmlns="" id="{D4D1E7B3-51D1-D27A-16AE-B8FC5494BC9B}"/>
               </a:ext>
             </a:extLst>
           </p:cNvPr>
@@ -21746,7 +21650,7 @@
           <p:cNvPr id="58" name="Ellipse 57">
             <a:extLst>
               <a:ext uri="{FF2B5EF4-FFF2-40B4-BE49-F238E27FC236}">
-                <a16:creationId xmlns="" xmlns:a16="http://schemas.microsoft.com/office/drawing/2014/main" id="{5DFEEB44-6175-DF40-EA84-71BCE26B66C5}"/>
+                <a16:creationId xmlns:a16="http://schemas.microsoft.com/office/drawing/2014/main" xmlns="" id="{5DFEEB44-6175-DF40-EA84-71BCE26B66C5}"/>
               </a:ext>
             </a:extLst>
           </p:cNvPr>
@@ -21805,7 +21709,7 @@
           <p:cNvPr id="59" name="Ellipse 58">
             <a:extLst>
               <a:ext uri="{FF2B5EF4-FFF2-40B4-BE49-F238E27FC236}">
-                <a16:creationId xmlns="" xmlns:a16="http://schemas.microsoft.com/office/drawing/2014/main" id="{BCBF8A7D-24FB-44BA-9538-CC989E060EB8}"/>
+                <a16:creationId xmlns:a16="http://schemas.microsoft.com/office/drawing/2014/main" xmlns="" id="{BCBF8A7D-24FB-44BA-9538-CC989E060EB8}"/>
               </a:ext>
             </a:extLst>
           </p:cNvPr>
@@ -21864,7 +21768,7 @@
           <p:cNvPr id="60" name="Ellipse 59">
             <a:extLst>
               <a:ext uri="{FF2B5EF4-FFF2-40B4-BE49-F238E27FC236}">
-                <a16:creationId xmlns="" xmlns:a16="http://schemas.microsoft.com/office/drawing/2014/main" id="{0CE68830-00FF-474A-BED4-9AFB854A642E}"/>
+                <a16:creationId xmlns:a16="http://schemas.microsoft.com/office/drawing/2014/main" xmlns="" id="{0CE68830-00FF-474A-BED4-9AFB854A642E}"/>
               </a:ext>
             </a:extLst>
           </p:cNvPr>
@@ -21934,7 +21838,7 @@
           <p:cNvPr id="61" name="Ellipse 60">
             <a:extLst>
               <a:ext uri="{FF2B5EF4-FFF2-40B4-BE49-F238E27FC236}">
-                <a16:creationId xmlns="" xmlns:a16="http://schemas.microsoft.com/office/drawing/2014/main" id="{0D40205A-D9E5-3122-F8E8-E0F324B220BF}"/>
+                <a16:creationId xmlns:a16="http://schemas.microsoft.com/office/drawing/2014/main" xmlns="" id="{0D40205A-D9E5-3122-F8E8-E0F324B220BF}"/>
               </a:ext>
             </a:extLst>
           </p:cNvPr>
@@ -22004,7 +21908,7 @@
           <p:cNvPr id="62" name="Ellipse 61">
             <a:extLst>
               <a:ext uri="{FF2B5EF4-FFF2-40B4-BE49-F238E27FC236}">
-                <a16:creationId xmlns="" xmlns:a16="http://schemas.microsoft.com/office/drawing/2014/main" id="{73D7CE19-C1B5-951F-3D5A-1A6950891B86}"/>
+                <a16:creationId xmlns:a16="http://schemas.microsoft.com/office/drawing/2014/main" xmlns="" id="{73D7CE19-C1B5-951F-3D5A-1A6950891B86}"/>
               </a:ext>
             </a:extLst>
           </p:cNvPr>
@@ -22063,7 +21967,7 @@
           <p:cNvPr id="63" name="Ellipse 62">
             <a:extLst>
               <a:ext uri="{FF2B5EF4-FFF2-40B4-BE49-F238E27FC236}">
-                <a16:creationId xmlns="" xmlns:a16="http://schemas.microsoft.com/office/drawing/2014/main" id="{D0E928AE-11B7-F6A9-0C89-EE50845EA523}"/>
+                <a16:creationId xmlns:a16="http://schemas.microsoft.com/office/drawing/2014/main" xmlns="" id="{D0E928AE-11B7-F6A9-0C89-EE50845EA523}"/>
               </a:ext>
             </a:extLst>
           </p:cNvPr>
@@ -22122,7 +22026,7 @@
           <p:cNvPr id="64" name="ZoneTexte 63">
             <a:extLst>
               <a:ext uri="{FF2B5EF4-FFF2-40B4-BE49-F238E27FC236}">
-                <a16:creationId xmlns="" xmlns:a16="http://schemas.microsoft.com/office/drawing/2014/main" id="{25239133-5BBF-5390-E279-2EB8194A1C21}"/>
+                <a16:creationId xmlns:a16="http://schemas.microsoft.com/office/drawing/2014/main" xmlns="" id="{25239133-5BBF-5390-E279-2EB8194A1C21}"/>
               </a:ext>
             </a:extLst>
           </p:cNvPr>
@@ -22167,7 +22071,7 @@
           <p:cNvPr id="65" name="ZoneTexte 64">
             <a:extLst>
               <a:ext uri="{FF2B5EF4-FFF2-40B4-BE49-F238E27FC236}">
-                <a16:creationId xmlns="" xmlns:a16="http://schemas.microsoft.com/office/drawing/2014/main" id="{B6764753-44BC-C8F1-7DE2-EA9FE7FE2513}"/>
+                <a16:creationId xmlns:a16="http://schemas.microsoft.com/office/drawing/2014/main" xmlns="" id="{B6764753-44BC-C8F1-7DE2-EA9FE7FE2513}"/>
               </a:ext>
             </a:extLst>
           </p:cNvPr>
@@ -22232,7 +22136,7 @@
           <p:cNvPr id="6" name="Rectangle 5">
             <a:extLst>
               <a:ext uri="{FF2B5EF4-FFF2-40B4-BE49-F238E27FC236}">
-                <a16:creationId xmlns="" xmlns:a16="http://schemas.microsoft.com/office/drawing/2014/main" id="{0A7D7A47-2D97-1255-B624-8074169A3649}"/>
+                <a16:creationId xmlns:a16="http://schemas.microsoft.com/office/drawing/2014/main" xmlns="" id="{0A7D7A47-2D97-1255-B624-8074169A3649}"/>
               </a:ext>
             </a:extLst>
           </p:cNvPr>
@@ -22288,19 +22192,275 @@
       </p:sp>
       <p:sp>
         <p:nvSpPr>
-          <p:cNvPr id="9" name="Ellipse 8">
-            <a:extLst>
-              <a:ext uri="{FF2B5EF4-FFF2-40B4-BE49-F238E27FC236}">
-                <a16:creationId xmlns="" xmlns:a16="http://schemas.microsoft.com/office/drawing/2014/main" id="{9E0E09F0-F91E-FA93-AB71-842FAF6C08BE}"/>
-              </a:ext>
-            </a:extLst>
-          </p:cNvPr>
-          <p:cNvSpPr/>
-          <p:nvPr/>
-        </p:nvSpPr>
-        <p:spPr>
-          <a:xfrm>
-            <a:off x="5761860" y="6437456"/>
+          <p:cNvPr id="90" name="Ellipse 89">
+            <a:extLst>
+              <a:ext uri="{FF2B5EF4-FFF2-40B4-BE49-F238E27FC236}">
+                <a16:creationId xmlns:a16="http://schemas.microsoft.com/office/drawing/2014/main" xmlns="" id="{7A3C9064-EB80-A2BA-4014-70BD5CD5AC56}"/>
+              </a:ext>
+            </a:extLst>
+          </p:cNvPr>
+          <p:cNvSpPr/>
+          <p:nvPr/>
+        </p:nvSpPr>
+        <p:spPr>
+          <a:xfrm>
+            <a:off x="6669325" y="5748762"/>
+            <a:ext cx="285134" cy="281411"/>
+          </a:xfrm>
+          <a:prstGeom prst="ellipse">
+            <a:avLst/>
+          </a:prstGeom>
+          <a:solidFill>
+            <a:srgbClr val="FF0000"/>
+          </a:solidFill>
+        </p:spPr>
+        <p:style>
+          <a:lnRef idx="2">
+            <a:schemeClr val="accent1">
+              <a:shade val="50000"/>
+            </a:schemeClr>
+          </a:lnRef>
+          <a:fillRef idx="1">
+            <a:schemeClr val="accent1"/>
+          </a:fillRef>
+          <a:effectRef idx="0">
+            <a:schemeClr val="accent1"/>
+          </a:effectRef>
+          <a:fontRef idx="minor">
+            <a:schemeClr val="lt1"/>
+          </a:fontRef>
+        </p:style>
+        <p:txBody>
+          <a:bodyPr rtlCol="0" anchor="ctr"/>
+          <a:lstStyle/>
+          <a:p>
+            <a:pPr algn="ctr"/>
+            <a:endParaRPr lang="fr-FR"/>
+          </a:p>
+        </p:txBody>
+      </p:sp>
+      <p:sp>
+        <p:nvSpPr>
+          <p:cNvPr id="91" name="Ellipse 90">
+            <a:extLst>
+              <a:ext uri="{FF2B5EF4-FFF2-40B4-BE49-F238E27FC236}">
+                <a16:creationId xmlns:a16="http://schemas.microsoft.com/office/drawing/2014/main" xmlns="" id="{7A3C9064-EB80-A2BA-4014-70BD5CD5AC56}"/>
+              </a:ext>
+            </a:extLst>
+          </p:cNvPr>
+          <p:cNvSpPr/>
+          <p:nvPr/>
+        </p:nvSpPr>
+        <p:spPr>
+          <a:xfrm>
+            <a:off x="6663474" y="6428063"/>
+            <a:ext cx="285134" cy="281411"/>
+          </a:xfrm>
+          <a:prstGeom prst="ellipse">
+            <a:avLst/>
+          </a:prstGeom>
+          <a:solidFill>
+            <a:srgbClr val="FF0000"/>
+          </a:solidFill>
+        </p:spPr>
+        <p:style>
+          <a:lnRef idx="2">
+            <a:schemeClr val="accent1">
+              <a:shade val="50000"/>
+            </a:schemeClr>
+          </a:lnRef>
+          <a:fillRef idx="1">
+            <a:schemeClr val="accent1"/>
+          </a:fillRef>
+          <a:effectRef idx="0">
+            <a:schemeClr val="accent1"/>
+          </a:effectRef>
+          <a:fontRef idx="minor">
+            <a:schemeClr val="lt1"/>
+          </a:fontRef>
+        </p:style>
+        <p:txBody>
+          <a:bodyPr rtlCol="0" anchor="ctr"/>
+          <a:lstStyle/>
+          <a:p>
+            <a:pPr algn="ctr"/>
+            <a:endParaRPr lang="fr-FR"/>
+          </a:p>
+        </p:txBody>
+      </p:sp>
+      <p:sp>
+        <p:nvSpPr>
+          <p:cNvPr id="66" name="Rectangle 65">
+            <a:extLst>
+              <a:ext uri="{FF2B5EF4-FFF2-40B4-BE49-F238E27FC236}">
+                <a16:creationId xmlns:a16="http://schemas.microsoft.com/office/drawing/2014/main" xmlns="" id="{43E43D30-AD4D-61FB-1855-FA91131F2B95}"/>
+              </a:ext>
+            </a:extLst>
+          </p:cNvPr>
+          <p:cNvSpPr/>
+          <p:nvPr/>
+        </p:nvSpPr>
+        <p:spPr>
+          <a:xfrm>
+            <a:off x="4192873" y="5380416"/>
+            <a:ext cx="688258" cy="587099"/>
+          </a:xfrm>
+          <a:prstGeom prst="rect">
+            <a:avLst/>
+          </a:prstGeom>
+          <a:solidFill>
+            <a:schemeClr val="accent4">
+              <a:lumMod val="20000"/>
+              <a:lumOff val="80000"/>
+            </a:schemeClr>
+          </a:solidFill>
+        </p:spPr>
+        <p:style>
+          <a:lnRef idx="2">
+            <a:schemeClr val="accent1">
+              <a:shade val="50000"/>
+            </a:schemeClr>
+          </a:lnRef>
+          <a:fillRef idx="1">
+            <a:schemeClr val="accent1"/>
+          </a:fillRef>
+          <a:effectRef idx="0">
+            <a:schemeClr val="accent1"/>
+          </a:effectRef>
+          <a:fontRef idx="minor">
+            <a:schemeClr val="lt1"/>
+          </a:fontRef>
+        </p:style>
+        <p:txBody>
+          <a:bodyPr rtlCol="0" anchor="ctr"/>
+          <a:lstStyle/>
+          <a:p>
+            <a:pPr algn="ctr"/>
+            <a:r>
+              <a:rPr lang="fr-FR" sz="1400" dirty="0" smtClean="0">
+                <a:solidFill>
+                  <a:schemeClr val="tx1"/>
+                </a:solidFill>
+              </a:rPr>
+              <a:t>SEQ7</a:t>
+            </a:r>
+          </a:p>
+          <a:p>
+            <a:pPr algn="ctr"/>
+            <a:r>
+              <a:rPr lang="fr-FR" sz="1100" dirty="0" smtClean="0">
+                <a:solidFill>
+                  <a:schemeClr val="tx1"/>
+                </a:solidFill>
+              </a:rPr>
+              <a:t>90</a:t>
+            </a:r>
+            <a:r>
+              <a:rPr lang="fr-FR" sz="1100" dirty="0" smtClean="0">
+                <a:solidFill>
+                  <a:schemeClr val="tx1"/>
+                </a:solidFill>
+              </a:rPr>
+              <a:t>BPM</a:t>
+            </a:r>
+            <a:endParaRPr lang="fr-FR" sz="1100" dirty="0">
+              <a:solidFill>
+                <a:schemeClr val="tx1"/>
+              </a:solidFill>
+            </a:endParaRPr>
+          </a:p>
+        </p:txBody>
+      </p:sp>
+      <p:sp>
+        <p:nvSpPr>
+          <p:cNvPr id="67" name="Rectangle 66">
+            <a:extLst>
+              <a:ext uri="{FF2B5EF4-FFF2-40B4-BE49-F238E27FC236}">
+                <a16:creationId xmlns:a16="http://schemas.microsoft.com/office/drawing/2014/main" xmlns="" id="{FAA8AB55-A116-24F6-136B-52F7F7B3657F}"/>
+              </a:ext>
+            </a:extLst>
+          </p:cNvPr>
+          <p:cNvSpPr/>
+          <p:nvPr/>
+        </p:nvSpPr>
+        <p:spPr>
+          <a:xfrm>
+            <a:off x="5019641" y="5373903"/>
+            <a:ext cx="688258" cy="587099"/>
+          </a:xfrm>
+          <a:prstGeom prst="rect">
+            <a:avLst/>
+          </a:prstGeom>
+          <a:solidFill>
+            <a:schemeClr val="accent4">
+              <a:lumMod val="20000"/>
+              <a:lumOff val="80000"/>
+            </a:schemeClr>
+          </a:solidFill>
+        </p:spPr>
+        <p:style>
+          <a:lnRef idx="2">
+            <a:schemeClr val="accent1">
+              <a:shade val="50000"/>
+            </a:schemeClr>
+          </a:lnRef>
+          <a:fillRef idx="1">
+            <a:schemeClr val="accent1"/>
+          </a:fillRef>
+          <a:effectRef idx="0">
+            <a:schemeClr val="accent1"/>
+          </a:effectRef>
+          <a:fontRef idx="minor">
+            <a:schemeClr val="lt1"/>
+          </a:fontRef>
+        </p:style>
+        <p:txBody>
+          <a:bodyPr rtlCol="0" anchor="ctr"/>
+          <a:lstStyle/>
+          <a:p>
+            <a:pPr algn="ctr"/>
+            <a:r>
+              <a:rPr lang="fr-FR" sz="1400" dirty="0" smtClean="0">
+                <a:solidFill>
+                  <a:schemeClr val="tx1"/>
+                </a:solidFill>
+              </a:rPr>
+              <a:t>SEQ6</a:t>
+            </a:r>
+          </a:p>
+          <a:p>
+            <a:pPr algn="ctr"/>
+            <a:r>
+              <a:rPr lang="fr-FR" sz="1050" dirty="0" smtClean="0">
+                <a:solidFill>
+                  <a:schemeClr val="tx1"/>
+                </a:solidFill>
+              </a:rPr>
+              <a:t>64BPM</a:t>
+            </a:r>
+            <a:endParaRPr lang="fr-FR" sz="1400" dirty="0">
+              <a:solidFill>
+                <a:schemeClr val="tx1"/>
+              </a:solidFill>
+            </a:endParaRPr>
+          </a:p>
+        </p:txBody>
+      </p:sp>
+      <p:sp>
+        <p:nvSpPr>
+          <p:cNvPr id="70" name="Ellipse 69">
+            <a:extLst>
+              <a:ext uri="{FF2B5EF4-FFF2-40B4-BE49-F238E27FC236}">
+                <a16:creationId xmlns:a16="http://schemas.microsoft.com/office/drawing/2014/main" xmlns="" id="{7A3C9064-EB80-A2BA-4014-70BD5CD5AC56}"/>
+              </a:ext>
+            </a:extLst>
+          </p:cNvPr>
+          <p:cNvSpPr/>
+          <p:nvPr/>
+        </p:nvSpPr>
+        <p:spPr>
+          <a:xfrm>
+            <a:off x="5810866" y="6428063"/>
             <a:ext cx="285134" cy="281411"/>
           </a:xfrm>
           <a:prstGeom prst="ellipse">
@@ -22331,203 +22491,11 @@
           <a:lstStyle/>
           <a:p>
             <a:pPr algn="ctr"/>
-            <a:endParaRPr lang="fr-FR"/>
-          </a:p>
-        </p:txBody>
-      </p:sp>
-      <p:sp>
-        <p:nvSpPr>
-          <p:cNvPr id="82" name="Ellipse 81">
-            <a:extLst>
-              <a:ext uri="{FF2B5EF4-FFF2-40B4-BE49-F238E27FC236}">
-                <a16:creationId xmlns="" xmlns:a16="http://schemas.microsoft.com/office/drawing/2014/main" id="{7A3C9064-EB80-A2BA-4014-70BD5CD5AC56}"/>
-              </a:ext>
-            </a:extLst>
-          </p:cNvPr>
-          <p:cNvSpPr/>
-          <p:nvPr/>
-        </p:nvSpPr>
-        <p:spPr>
-          <a:xfrm>
-            <a:off x="4937021" y="5115788"/>
-            <a:ext cx="285134" cy="281411"/>
-          </a:xfrm>
-          <a:prstGeom prst="ellipse">
-            <a:avLst/>
-          </a:prstGeom>
-          <a:solidFill>
-            <a:srgbClr val="FF0000"/>
-          </a:solidFill>
-        </p:spPr>
-        <p:style>
-          <a:lnRef idx="2">
-            <a:schemeClr val="accent1">
-              <a:shade val="50000"/>
-            </a:schemeClr>
-          </a:lnRef>
-          <a:fillRef idx="1">
-            <a:schemeClr val="accent1"/>
-          </a:fillRef>
-          <a:effectRef idx="0">
-            <a:schemeClr val="accent1"/>
-          </a:effectRef>
-          <a:fontRef idx="minor">
-            <a:schemeClr val="lt1"/>
-          </a:fontRef>
-        </p:style>
-        <p:txBody>
-          <a:bodyPr rtlCol="0" anchor="ctr"/>
-          <a:lstStyle/>
-          <a:p>
-            <a:pPr algn="ctr"/>
-            <a:endParaRPr lang="fr-FR"/>
-          </a:p>
-        </p:txBody>
-      </p:sp>
-      <p:sp>
-        <p:nvSpPr>
-          <p:cNvPr id="90" name="Ellipse 89">
-            <a:extLst>
-              <a:ext uri="{FF2B5EF4-FFF2-40B4-BE49-F238E27FC236}">
-                <a16:creationId xmlns="" xmlns:a16="http://schemas.microsoft.com/office/drawing/2014/main" id="{7A3C9064-EB80-A2BA-4014-70BD5CD5AC56}"/>
-              </a:ext>
-            </a:extLst>
-          </p:cNvPr>
-          <p:cNvSpPr/>
-          <p:nvPr/>
-        </p:nvSpPr>
-        <p:spPr>
-          <a:xfrm>
-            <a:off x="6669325" y="5748762"/>
-            <a:ext cx="285134" cy="281411"/>
-          </a:xfrm>
-          <a:prstGeom prst="ellipse">
-            <a:avLst/>
-          </a:prstGeom>
-          <a:solidFill>
-            <a:srgbClr val="FF0000"/>
-          </a:solidFill>
-        </p:spPr>
-        <p:style>
-          <a:lnRef idx="2">
-            <a:schemeClr val="accent1">
-              <a:shade val="50000"/>
-            </a:schemeClr>
-          </a:lnRef>
-          <a:fillRef idx="1">
-            <a:schemeClr val="accent1"/>
-          </a:fillRef>
-          <a:effectRef idx="0">
-            <a:schemeClr val="accent1"/>
-          </a:effectRef>
-          <a:fontRef idx="minor">
-            <a:schemeClr val="lt1"/>
-          </a:fontRef>
-        </p:style>
-        <p:txBody>
-          <a:bodyPr rtlCol="0" anchor="ctr"/>
-          <a:lstStyle/>
-          <a:p>
-            <a:pPr algn="ctr"/>
-            <a:endParaRPr lang="fr-FR"/>
-          </a:p>
-        </p:txBody>
-      </p:sp>
-      <p:sp>
-        <p:nvSpPr>
-          <p:cNvPr id="91" name="Ellipse 90">
-            <a:extLst>
-              <a:ext uri="{FF2B5EF4-FFF2-40B4-BE49-F238E27FC236}">
-                <a16:creationId xmlns="" xmlns:a16="http://schemas.microsoft.com/office/drawing/2014/main" id="{7A3C9064-EB80-A2BA-4014-70BD5CD5AC56}"/>
-              </a:ext>
-            </a:extLst>
-          </p:cNvPr>
-          <p:cNvSpPr/>
-          <p:nvPr/>
-        </p:nvSpPr>
-        <p:spPr>
-          <a:xfrm>
-            <a:off x="6663474" y="6428063"/>
-            <a:ext cx="285134" cy="281411"/>
-          </a:xfrm>
-          <a:prstGeom prst="ellipse">
-            <a:avLst/>
-          </a:prstGeom>
-          <a:solidFill>
-            <a:srgbClr val="FF0000"/>
-          </a:solidFill>
-        </p:spPr>
-        <p:style>
-          <a:lnRef idx="2">
-            <a:schemeClr val="accent1">
-              <a:shade val="50000"/>
-            </a:schemeClr>
-          </a:lnRef>
-          <a:fillRef idx="1">
-            <a:schemeClr val="accent1"/>
-          </a:fillRef>
-          <a:effectRef idx="0">
-            <a:schemeClr val="accent1"/>
-          </a:effectRef>
-          <a:fontRef idx="minor">
-            <a:schemeClr val="lt1"/>
-          </a:fontRef>
-        </p:style>
-        <p:txBody>
-          <a:bodyPr rtlCol="0" anchor="ctr"/>
-          <a:lstStyle/>
-          <a:p>
-            <a:pPr algn="ctr"/>
-            <a:endParaRPr lang="fr-FR"/>
-          </a:p>
-        </p:txBody>
-      </p:sp>
-      <p:sp>
-        <p:nvSpPr>
-          <p:cNvPr id="92" name="Ellipse 91">
-            <a:extLst>
-              <a:ext uri="{FF2B5EF4-FFF2-40B4-BE49-F238E27FC236}">
-                <a16:creationId xmlns="" xmlns:a16="http://schemas.microsoft.com/office/drawing/2014/main" id="{7A3C9064-EB80-A2BA-4014-70BD5CD5AC56}"/>
-              </a:ext>
-            </a:extLst>
-          </p:cNvPr>
-          <p:cNvSpPr/>
-          <p:nvPr/>
-        </p:nvSpPr>
-        <p:spPr>
-          <a:xfrm>
-            <a:off x="4078582" y="5117632"/>
-            <a:ext cx="285134" cy="281411"/>
-          </a:xfrm>
-          <a:prstGeom prst="ellipse">
-            <a:avLst/>
-          </a:prstGeom>
-          <a:solidFill>
-            <a:srgbClr val="FF0000"/>
-          </a:solidFill>
-        </p:spPr>
-        <p:style>
-          <a:lnRef idx="2">
-            <a:schemeClr val="accent1">
-              <a:shade val="50000"/>
-            </a:schemeClr>
-          </a:lnRef>
-          <a:fillRef idx="1">
-            <a:schemeClr val="accent1"/>
-          </a:fillRef>
-          <a:effectRef idx="0">
-            <a:schemeClr val="accent1"/>
-          </a:effectRef>
-          <a:fontRef idx="minor">
-            <a:schemeClr val="lt1"/>
-          </a:fontRef>
-        </p:style>
-        <p:txBody>
-          <a:bodyPr rtlCol="0" anchor="ctr"/>
-          <a:lstStyle/>
-          <a:p>
-            <a:pPr algn="ctr"/>
-            <a:endParaRPr lang="fr-FR"/>
+            <a:r>
+              <a:rPr lang="fr-FR" dirty="0" smtClean="0"/>
+              <a:t>6</a:t>
+            </a:r>
+            <a:endParaRPr lang="fr-FR" dirty="0"/>
           </a:p>
         </p:txBody>
       </p:sp>
@@ -22576,7 +22544,7 @@
           <p:cNvPr id="2" name="Titre 1">
             <a:extLst>
               <a:ext uri="{FF2B5EF4-FFF2-40B4-BE49-F238E27FC236}">
-                <a16:creationId xmlns="" xmlns:a16="http://schemas.microsoft.com/office/drawing/2014/main" id="{AD4F0A27-99BB-49D0-9C93-2D3C5186E6B2}"/>
+                <a16:creationId xmlns:a16="http://schemas.microsoft.com/office/drawing/2014/main" xmlns="" id="{AD4F0A27-99BB-49D0-9C93-2D3C5186E6B2}"/>
               </a:ext>
             </a:extLst>
           </p:cNvPr>
@@ -22616,7 +22584,7 @@
           <p:cNvPr id="3" name="Sous-titre 2">
             <a:extLst>
               <a:ext uri="{FF2B5EF4-FFF2-40B4-BE49-F238E27FC236}">
-                <a16:creationId xmlns="" xmlns:a16="http://schemas.microsoft.com/office/drawing/2014/main" id="{B5895DDB-3400-4A36-A688-98CC33D75B68}"/>
+                <a16:creationId xmlns:a16="http://schemas.microsoft.com/office/drawing/2014/main" xmlns="" id="{B5895DDB-3400-4A36-A688-98CC33D75B68}"/>
               </a:ext>
             </a:extLst>
           </p:cNvPr>
@@ -22659,7 +22627,7 @@
           <p:cNvPr id="5" name="Image 4" descr="Une image contenant texte, clipart, lumière&#10;&#10;Description générée automatiquement">
             <a:extLst>
               <a:ext uri="{FF2B5EF4-FFF2-40B4-BE49-F238E27FC236}">
-                <a16:creationId xmlns="" xmlns:a16="http://schemas.microsoft.com/office/drawing/2014/main" id="{F92E366F-A75B-4FBE-95A4-7BE2692FD768}"/>
+                <a16:creationId xmlns:a16="http://schemas.microsoft.com/office/drawing/2014/main" xmlns="" id="{F92E366F-A75B-4FBE-95A4-7BE2692FD768}"/>
               </a:ext>
             </a:extLst>
           </p:cNvPr>
@@ -22695,7 +22663,7 @@
           <p:cNvPr id="4" name="Rectangle : coins arrondis 3">
             <a:extLst>
               <a:ext uri="{FF2B5EF4-FFF2-40B4-BE49-F238E27FC236}">
-                <a16:creationId xmlns="" xmlns:a16="http://schemas.microsoft.com/office/drawing/2014/main" id="{91F949C8-2425-7570-5287-385AC17B21E1}"/>
+                <a16:creationId xmlns:a16="http://schemas.microsoft.com/office/drawing/2014/main" xmlns="" id="{91F949C8-2425-7570-5287-385AC17B21E1}"/>
               </a:ext>
             </a:extLst>
           </p:cNvPr>
@@ -22742,7 +22710,7 @@
           <p:cNvPr id="22" name="Rectangle 21">
             <a:extLst>
               <a:ext uri="{FF2B5EF4-FFF2-40B4-BE49-F238E27FC236}">
-                <a16:creationId xmlns="" xmlns:a16="http://schemas.microsoft.com/office/drawing/2014/main" id="{73CC031A-FA14-9EFC-2EE2-08D70D60160C}"/>
+                <a16:creationId xmlns:a16="http://schemas.microsoft.com/office/drawing/2014/main" xmlns="" id="{73CC031A-FA14-9EFC-2EE2-08D70D60160C}"/>
               </a:ext>
             </a:extLst>
           </p:cNvPr>
@@ -22798,7 +22766,7 @@
           <p:cNvPr id="6" name="Rectangle 5">
             <a:extLst>
               <a:ext uri="{FF2B5EF4-FFF2-40B4-BE49-F238E27FC236}">
-                <a16:creationId xmlns="" xmlns:a16="http://schemas.microsoft.com/office/drawing/2014/main" id="{DFDE7771-B35D-5349-0A1E-DCDF711CA6D8}"/>
+                <a16:creationId xmlns:a16="http://schemas.microsoft.com/office/drawing/2014/main" xmlns="" id="{DFDE7771-B35D-5349-0A1E-DCDF711CA6D8}"/>
               </a:ext>
             </a:extLst>
           </p:cNvPr>
@@ -22857,7 +22825,7 @@
           <p:cNvPr id="9" name="Rectangle 8">
             <a:extLst>
               <a:ext uri="{FF2B5EF4-FFF2-40B4-BE49-F238E27FC236}">
-                <a16:creationId xmlns="" xmlns:a16="http://schemas.microsoft.com/office/drawing/2014/main" id="{EEDB057A-1186-A76A-85A7-09CA7224A7C8}"/>
+                <a16:creationId xmlns:a16="http://schemas.microsoft.com/office/drawing/2014/main" xmlns="" id="{EEDB057A-1186-A76A-85A7-09CA7224A7C8}"/>
               </a:ext>
             </a:extLst>
           </p:cNvPr>
@@ -22916,7 +22884,7 @@
           <p:cNvPr id="10" name="Rectangle 9">
             <a:extLst>
               <a:ext uri="{FF2B5EF4-FFF2-40B4-BE49-F238E27FC236}">
-                <a16:creationId xmlns="" xmlns:a16="http://schemas.microsoft.com/office/drawing/2014/main" id="{3202B1C0-88A8-AE01-8B45-0F8D1914B39A}"/>
+                <a16:creationId xmlns:a16="http://schemas.microsoft.com/office/drawing/2014/main" xmlns="" id="{3202B1C0-88A8-AE01-8B45-0F8D1914B39A}"/>
               </a:ext>
             </a:extLst>
           </p:cNvPr>
@@ -22975,7 +22943,7 @@
           <p:cNvPr id="67" name="Rectangle 66">
             <a:extLst>
               <a:ext uri="{FF2B5EF4-FFF2-40B4-BE49-F238E27FC236}">
-                <a16:creationId xmlns="" xmlns:a16="http://schemas.microsoft.com/office/drawing/2014/main" id="{13862C42-A930-37C4-7099-A5E762D39947}"/>
+                <a16:creationId xmlns:a16="http://schemas.microsoft.com/office/drawing/2014/main" xmlns="" id="{13862C42-A930-37C4-7099-A5E762D39947}"/>
               </a:ext>
             </a:extLst>
           </p:cNvPr>
@@ -23034,7 +23002,7 @@
           <p:cNvPr id="68" name="Rectangle 67">
             <a:extLst>
               <a:ext uri="{FF2B5EF4-FFF2-40B4-BE49-F238E27FC236}">
-                <a16:creationId xmlns="" xmlns:a16="http://schemas.microsoft.com/office/drawing/2014/main" id="{B962D4AE-A143-8FF5-A428-19E99ED9299A}"/>
+                <a16:creationId xmlns:a16="http://schemas.microsoft.com/office/drawing/2014/main" xmlns="" id="{B962D4AE-A143-8FF5-A428-19E99ED9299A}"/>
               </a:ext>
             </a:extLst>
           </p:cNvPr>
@@ -23090,7 +23058,7 @@
           <p:cNvPr id="69" name="Rectangle 68">
             <a:extLst>
               <a:ext uri="{FF2B5EF4-FFF2-40B4-BE49-F238E27FC236}">
-                <a16:creationId xmlns="" xmlns:a16="http://schemas.microsoft.com/office/drawing/2014/main" id="{E3EAE5E2-9CF1-122C-A450-E0A43A6B74CF}"/>
+                <a16:creationId xmlns:a16="http://schemas.microsoft.com/office/drawing/2014/main" xmlns="" id="{E3EAE5E2-9CF1-122C-A450-E0A43A6B74CF}"/>
               </a:ext>
             </a:extLst>
           </p:cNvPr>
@@ -23149,7 +23117,7 @@
           <p:cNvPr id="70" name="Rectangle 69">
             <a:extLst>
               <a:ext uri="{FF2B5EF4-FFF2-40B4-BE49-F238E27FC236}">
-                <a16:creationId xmlns="" xmlns:a16="http://schemas.microsoft.com/office/drawing/2014/main" id="{4C33EA4F-9369-04BD-7C19-889BFE015C58}"/>
+                <a16:creationId xmlns:a16="http://schemas.microsoft.com/office/drawing/2014/main" xmlns="" id="{4C33EA4F-9369-04BD-7C19-889BFE015C58}"/>
               </a:ext>
             </a:extLst>
           </p:cNvPr>
@@ -23208,7 +23176,7 @@
           <p:cNvPr id="71" name="Rectangle 70">
             <a:extLst>
               <a:ext uri="{FF2B5EF4-FFF2-40B4-BE49-F238E27FC236}">
-                <a16:creationId xmlns="" xmlns:a16="http://schemas.microsoft.com/office/drawing/2014/main" id="{19B17B6F-78AF-DC16-F1AC-460C735220C3}"/>
+                <a16:creationId xmlns:a16="http://schemas.microsoft.com/office/drawing/2014/main" xmlns="" id="{19B17B6F-78AF-DC16-F1AC-460C735220C3}"/>
               </a:ext>
             </a:extLst>
           </p:cNvPr>
@@ -23267,7 +23235,7 @@
           <p:cNvPr id="72" name="Rectangle 71">
             <a:extLst>
               <a:ext uri="{FF2B5EF4-FFF2-40B4-BE49-F238E27FC236}">
-                <a16:creationId xmlns="" xmlns:a16="http://schemas.microsoft.com/office/drawing/2014/main" id="{22326FDF-5C0C-D1C1-376E-9140D7758DB9}"/>
+                <a16:creationId xmlns:a16="http://schemas.microsoft.com/office/drawing/2014/main" xmlns="" id="{22326FDF-5C0C-D1C1-376E-9140D7758DB9}"/>
               </a:ext>
             </a:extLst>
           </p:cNvPr>
@@ -23326,7 +23294,7 @@
           <p:cNvPr id="73" name="Rectangle 72">
             <a:extLst>
               <a:ext uri="{FF2B5EF4-FFF2-40B4-BE49-F238E27FC236}">
-                <a16:creationId xmlns="" xmlns:a16="http://schemas.microsoft.com/office/drawing/2014/main" id="{0EAA87D0-110A-6566-A80B-EC173072006B}"/>
+                <a16:creationId xmlns:a16="http://schemas.microsoft.com/office/drawing/2014/main" xmlns="" id="{0EAA87D0-110A-6566-A80B-EC173072006B}"/>
               </a:ext>
             </a:extLst>
           </p:cNvPr>
@@ -23382,7 +23350,7 @@
           <p:cNvPr id="74" name="Rectangle 73">
             <a:extLst>
               <a:ext uri="{FF2B5EF4-FFF2-40B4-BE49-F238E27FC236}">
-                <a16:creationId xmlns="" xmlns:a16="http://schemas.microsoft.com/office/drawing/2014/main" id="{2F2D4AAD-6B9C-97B0-8F7E-4350AAFD55A2}"/>
+                <a16:creationId xmlns:a16="http://schemas.microsoft.com/office/drawing/2014/main" xmlns="" id="{2F2D4AAD-6B9C-97B0-8F7E-4350AAFD55A2}"/>
               </a:ext>
             </a:extLst>
           </p:cNvPr>
@@ -23441,7 +23409,7 @@
           <p:cNvPr id="75" name="Rectangle 74">
             <a:extLst>
               <a:ext uri="{FF2B5EF4-FFF2-40B4-BE49-F238E27FC236}">
-                <a16:creationId xmlns="" xmlns:a16="http://schemas.microsoft.com/office/drawing/2014/main" id="{AC240C92-8B04-8815-77CF-EE2656C476CE}"/>
+                <a16:creationId xmlns:a16="http://schemas.microsoft.com/office/drawing/2014/main" xmlns="" id="{AC240C92-8B04-8815-77CF-EE2656C476CE}"/>
               </a:ext>
             </a:extLst>
           </p:cNvPr>
@@ -23500,7 +23468,7 @@
           <p:cNvPr id="76" name="Rectangle 75">
             <a:extLst>
               <a:ext uri="{FF2B5EF4-FFF2-40B4-BE49-F238E27FC236}">
-                <a16:creationId xmlns="" xmlns:a16="http://schemas.microsoft.com/office/drawing/2014/main" id="{C9DA8FB0-EC2D-19E4-EF84-AA9412CE1AA6}"/>
+                <a16:creationId xmlns:a16="http://schemas.microsoft.com/office/drawing/2014/main" xmlns="" id="{C9DA8FB0-EC2D-19E4-EF84-AA9412CE1AA6}"/>
               </a:ext>
             </a:extLst>
           </p:cNvPr>
@@ -23559,7 +23527,7 @@
           <p:cNvPr id="77" name="Rectangle 76">
             <a:extLst>
               <a:ext uri="{FF2B5EF4-FFF2-40B4-BE49-F238E27FC236}">
-                <a16:creationId xmlns="" xmlns:a16="http://schemas.microsoft.com/office/drawing/2014/main" id="{7E9D5CCA-B42A-FF53-962B-AF49851E2326}"/>
+                <a16:creationId xmlns:a16="http://schemas.microsoft.com/office/drawing/2014/main" xmlns="" id="{7E9D5CCA-B42A-FF53-962B-AF49851E2326}"/>
               </a:ext>
             </a:extLst>
           </p:cNvPr>
@@ -23618,7 +23586,7 @@
           <p:cNvPr id="78" name="Rectangle 77">
             <a:extLst>
               <a:ext uri="{FF2B5EF4-FFF2-40B4-BE49-F238E27FC236}">
-                <a16:creationId xmlns="" xmlns:a16="http://schemas.microsoft.com/office/drawing/2014/main" id="{6D03AD2A-15EF-C162-9F3D-479E713B477D}"/>
+                <a16:creationId xmlns:a16="http://schemas.microsoft.com/office/drawing/2014/main" xmlns="" id="{6D03AD2A-15EF-C162-9F3D-479E713B477D}"/>
               </a:ext>
             </a:extLst>
           </p:cNvPr>
@@ -23674,7 +23642,7 @@
           <p:cNvPr id="79" name="Rectangle 78">
             <a:extLst>
               <a:ext uri="{FF2B5EF4-FFF2-40B4-BE49-F238E27FC236}">
-                <a16:creationId xmlns="" xmlns:a16="http://schemas.microsoft.com/office/drawing/2014/main" id="{CF51A2F1-CB66-A677-AC7E-965D7AAD5DB8}"/>
+                <a16:creationId xmlns:a16="http://schemas.microsoft.com/office/drawing/2014/main" xmlns="" id="{CF51A2F1-CB66-A677-AC7E-965D7AAD5DB8}"/>
               </a:ext>
             </a:extLst>
           </p:cNvPr>
@@ -23733,7 +23701,7 @@
           <p:cNvPr id="80" name="Rectangle 79">
             <a:extLst>
               <a:ext uri="{FF2B5EF4-FFF2-40B4-BE49-F238E27FC236}">
-                <a16:creationId xmlns="" xmlns:a16="http://schemas.microsoft.com/office/drawing/2014/main" id="{0845B1D6-A7BC-8B48-FFE1-F078773139BC}"/>
+                <a16:creationId xmlns:a16="http://schemas.microsoft.com/office/drawing/2014/main" xmlns="" id="{0845B1D6-A7BC-8B48-FFE1-F078773139BC}"/>
               </a:ext>
             </a:extLst>
           </p:cNvPr>
@@ -23792,7 +23760,7 @@
           <p:cNvPr id="81" name="Rectangle 80">
             <a:extLst>
               <a:ext uri="{FF2B5EF4-FFF2-40B4-BE49-F238E27FC236}">
-                <a16:creationId xmlns="" xmlns:a16="http://schemas.microsoft.com/office/drawing/2014/main" id="{CBA6736C-CCB5-5C0A-E1D1-081730463A88}"/>
+                <a16:creationId xmlns:a16="http://schemas.microsoft.com/office/drawing/2014/main" xmlns="" id="{CBA6736C-CCB5-5C0A-E1D1-081730463A88}"/>
               </a:ext>
             </a:extLst>
           </p:cNvPr>
@@ -23851,7 +23819,7 @@
           <p:cNvPr id="82" name="Rectangle 81">
             <a:extLst>
               <a:ext uri="{FF2B5EF4-FFF2-40B4-BE49-F238E27FC236}">
-                <a16:creationId xmlns="" xmlns:a16="http://schemas.microsoft.com/office/drawing/2014/main" id="{7F352D86-4C1C-218C-0268-855AA6DE57A5}"/>
+                <a16:creationId xmlns:a16="http://schemas.microsoft.com/office/drawing/2014/main" xmlns="" id="{7F352D86-4C1C-218C-0268-855AA6DE57A5}"/>
               </a:ext>
             </a:extLst>
           </p:cNvPr>
@@ -23907,7 +23875,7 @@
           <p:cNvPr id="83" name="Rectangle 82">
             <a:extLst>
               <a:ext uri="{FF2B5EF4-FFF2-40B4-BE49-F238E27FC236}">
-                <a16:creationId xmlns="" xmlns:a16="http://schemas.microsoft.com/office/drawing/2014/main" id="{5B342518-DBB0-D0FA-5B57-3B4CA0243670}"/>
+                <a16:creationId xmlns:a16="http://schemas.microsoft.com/office/drawing/2014/main" xmlns="" id="{5B342518-DBB0-D0FA-5B57-3B4CA0243670}"/>
               </a:ext>
             </a:extLst>
           </p:cNvPr>
@@ -23966,7 +23934,7 @@
           <p:cNvPr id="84" name="Rectangle 83">
             <a:extLst>
               <a:ext uri="{FF2B5EF4-FFF2-40B4-BE49-F238E27FC236}">
-                <a16:creationId xmlns="" xmlns:a16="http://schemas.microsoft.com/office/drawing/2014/main" id="{C9A061F8-0040-C740-31D0-35145B9CEA54}"/>
+                <a16:creationId xmlns:a16="http://schemas.microsoft.com/office/drawing/2014/main" xmlns="" id="{C9A061F8-0040-C740-31D0-35145B9CEA54}"/>
               </a:ext>
             </a:extLst>
           </p:cNvPr>
@@ -24025,7 +23993,7 @@
           <p:cNvPr id="85" name="Rectangle 84">
             <a:extLst>
               <a:ext uri="{FF2B5EF4-FFF2-40B4-BE49-F238E27FC236}">
-                <a16:creationId xmlns="" xmlns:a16="http://schemas.microsoft.com/office/drawing/2014/main" id="{03EB985A-10F1-918C-C715-29C406804018}"/>
+                <a16:creationId xmlns:a16="http://schemas.microsoft.com/office/drawing/2014/main" xmlns="" id="{03EB985A-10F1-918C-C715-29C406804018}"/>
               </a:ext>
             </a:extLst>
           </p:cNvPr>
@@ -24081,7 +24049,7 @@
           <p:cNvPr id="86" name="Rectangle 85">
             <a:extLst>
               <a:ext uri="{FF2B5EF4-FFF2-40B4-BE49-F238E27FC236}">
-                <a16:creationId xmlns="" xmlns:a16="http://schemas.microsoft.com/office/drawing/2014/main" id="{79086D51-F7FF-AC18-323A-886733E0AD13}"/>
+                <a16:creationId xmlns:a16="http://schemas.microsoft.com/office/drawing/2014/main" xmlns="" id="{79086D51-F7FF-AC18-323A-886733E0AD13}"/>
               </a:ext>
             </a:extLst>
           </p:cNvPr>
@@ -24140,7 +24108,7 @@
           <p:cNvPr id="87" name="Rectangle 86">
             <a:extLst>
               <a:ext uri="{FF2B5EF4-FFF2-40B4-BE49-F238E27FC236}">
-                <a16:creationId xmlns="" xmlns:a16="http://schemas.microsoft.com/office/drawing/2014/main" id="{860C5964-DFA9-EC1B-083D-04172E7B8606}"/>
+                <a16:creationId xmlns:a16="http://schemas.microsoft.com/office/drawing/2014/main" xmlns="" id="{860C5964-DFA9-EC1B-083D-04172E7B8606}"/>
               </a:ext>
             </a:extLst>
           </p:cNvPr>
@@ -24199,7 +24167,7 @@
           <p:cNvPr id="88" name="Rectangle 87">
             <a:extLst>
               <a:ext uri="{FF2B5EF4-FFF2-40B4-BE49-F238E27FC236}">
-                <a16:creationId xmlns="" xmlns:a16="http://schemas.microsoft.com/office/drawing/2014/main" id="{C12D0001-E0BD-D71D-B1E7-08DDCA7E3436}"/>
+                <a16:creationId xmlns:a16="http://schemas.microsoft.com/office/drawing/2014/main" xmlns="" id="{C12D0001-E0BD-D71D-B1E7-08DDCA7E3436}"/>
               </a:ext>
             </a:extLst>
           </p:cNvPr>
@@ -24255,7 +24223,7 @@
           <p:cNvPr id="89" name="Rectangle 88">
             <a:extLst>
               <a:ext uri="{FF2B5EF4-FFF2-40B4-BE49-F238E27FC236}">
-                <a16:creationId xmlns="" xmlns:a16="http://schemas.microsoft.com/office/drawing/2014/main" id="{7D359888-4F1E-C5FB-F647-9655BB72339F}"/>
+                <a16:creationId xmlns:a16="http://schemas.microsoft.com/office/drawing/2014/main" xmlns="" id="{7D359888-4F1E-C5FB-F647-9655BB72339F}"/>
               </a:ext>
             </a:extLst>
           </p:cNvPr>
@@ -24314,7 +24282,7 @@
           <p:cNvPr id="90" name="Rectangle 89">
             <a:extLst>
               <a:ext uri="{FF2B5EF4-FFF2-40B4-BE49-F238E27FC236}">
-                <a16:creationId xmlns="" xmlns:a16="http://schemas.microsoft.com/office/drawing/2014/main" id="{89D0B25F-5231-8B9E-FA4F-66BC91B4D409}"/>
+                <a16:creationId xmlns:a16="http://schemas.microsoft.com/office/drawing/2014/main" xmlns="" id="{89D0B25F-5231-8B9E-FA4F-66BC91B4D409}"/>
               </a:ext>
             </a:extLst>
           </p:cNvPr>
@@ -24373,7 +24341,7 @@
           <p:cNvPr id="91" name="Rectangle 90">
             <a:extLst>
               <a:ext uri="{FF2B5EF4-FFF2-40B4-BE49-F238E27FC236}">
-                <a16:creationId xmlns="" xmlns:a16="http://schemas.microsoft.com/office/drawing/2014/main" id="{9D4568F4-5EE0-F73A-2F20-ACA6A57288D7}"/>
+                <a16:creationId xmlns:a16="http://schemas.microsoft.com/office/drawing/2014/main" xmlns="" id="{9D4568F4-5EE0-F73A-2F20-ACA6A57288D7}"/>
               </a:ext>
             </a:extLst>
           </p:cNvPr>
@@ -24429,7 +24397,7 @@
           <p:cNvPr id="92" name="Rectangle 91">
             <a:extLst>
               <a:ext uri="{FF2B5EF4-FFF2-40B4-BE49-F238E27FC236}">
-                <a16:creationId xmlns="" xmlns:a16="http://schemas.microsoft.com/office/drawing/2014/main" id="{97FE8A53-1134-7188-45E0-A0D8A0E2A252}"/>
+                <a16:creationId xmlns:a16="http://schemas.microsoft.com/office/drawing/2014/main" xmlns="" id="{97FE8A53-1134-7188-45E0-A0D8A0E2A252}"/>
               </a:ext>
             </a:extLst>
           </p:cNvPr>
@@ -24488,7 +24456,7 @@
           <p:cNvPr id="93" name="Rectangle 92">
             <a:extLst>
               <a:ext uri="{FF2B5EF4-FFF2-40B4-BE49-F238E27FC236}">
-                <a16:creationId xmlns="" xmlns:a16="http://schemas.microsoft.com/office/drawing/2014/main" id="{177B8B0B-16AD-922C-BE3D-7886201A6E2B}"/>
+                <a16:creationId xmlns:a16="http://schemas.microsoft.com/office/drawing/2014/main" xmlns="" id="{177B8B0B-16AD-922C-BE3D-7886201A6E2B}"/>
               </a:ext>
             </a:extLst>
           </p:cNvPr>
@@ -24547,7 +24515,7 @@
           <p:cNvPr id="94" name="Rectangle 93">
             <a:extLst>
               <a:ext uri="{FF2B5EF4-FFF2-40B4-BE49-F238E27FC236}">
-                <a16:creationId xmlns="" xmlns:a16="http://schemas.microsoft.com/office/drawing/2014/main" id="{59A55FFE-6E8D-853F-4D7B-610709BE1BE8}"/>
+                <a16:creationId xmlns:a16="http://schemas.microsoft.com/office/drawing/2014/main" xmlns="" id="{59A55FFE-6E8D-853F-4D7B-610709BE1BE8}"/>
               </a:ext>
             </a:extLst>
           </p:cNvPr>
@@ -24903,7 +24871,7 @@
   <a:extraClrSchemeLst/>
   <a:extLst>
     <a:ext uri="{05A4C25C-085E-4340-85A3-A5531E510DB2}">
-      <thm15:themeFamily xmlns="" xmlns:thm15="http://schemas.microsoft.com/office/thememl/2012/main" name="Office Theme" id="{62F939B6-93AF-4DB8-9C6B-D6C7DFDC589F}" vid="{4A3C46E8-61CC-4603-A589-7422A47A8E4A}"/>
+      <thm15:themeFamily xmlns:thm15="http://schemas.microsoft.com/office/thememl/2012/main" xmlns="" name="Office Theme" id="{62F939B6-93AF-4DB8-9C6B-D6C7DFDC589F}" vid="{4A3C46E8-61CC-4603-A589-7422A47A8E4A}"/>
     </a:ext>
   </a:extLst>
 </a:theme>
@@ -25198,7 +25166,7 @@
   <a:extraClrSchemeLst/>
   <a:extLst>
     <a:ext uri="{05A4C25C-085E-4340-85A3-A5531E510DB2}">
-      <thm15:themeFamily xmlns="" xmlns:thm15="http://schemas.microsoft.com/office/thememl/2012/main" name="Office Theme" id="{62F939B6-93AF-4DB8-9C6B-D6C7DFDC589F}" vid="{4A3C46E8-61CC-4603-A589-7422A47A8E4A}"/>
+      <thm15:themeFamily xmlns:thm15="http://schemas.microsoft.com/office/thememl/2012/main" xmlns="" name="Office Theme" id="{62F939B6-93AF-4DB8-9C6B-D6C7DFDC589F}" vid="{4A3C46E8-61CC-4603-A589-7422A47A8E4A}"/>
     </a:ext>
   </a:extLst>
 </a:theme>
